--- a/vignettes/figures/fims-path-maturity.pptx
+++ b/vignettes/figures/fims-path-maturity.pptx
@@ -6,7 +6,10 @@
   </p:sldMasterIdLst>
   <p:sldIdLst>
     <p:sldId id="258" r:id="rId2"/>
-    <p:sldId id="259" r:id="rId3"/>
+    <p:sldId id="261" r:id="rId3"/>
+    <p:sldId id="263" r:id="rId4"/>
+    <p:sldId id="260" r:id="rId5"/>
+    <p:sldId id="259" r:id="rId6"/>
   </p:sldIdLst>
   <p:sldSz cx="12192000" cy="6858000"/>
   <p:notesSz cx="6858000" cy="9144000"/>
@@ -255,7 +258,7 @@
           <a:p>
             <a:fld id="{576C322C-E16E-4C03-B617-B5EC0115F350}" type="datetimeFigureOut">
               <a:rPr lang="en-US" smtClean="0"/>
-              <a:t>5/25/2023</a:t>
+              <a:t>5/26/2023</a:t>
             </a:fld>
             <a:endParaRPr lang="en-US"/>
           </a:p>
@@ -425,7 +428,7 @@
           <a:p>
             <a:fld id="{576C322C-E16E-4C03-B617-B5EC0115F350}" type="datetimeFigureOut">
               <a:rPr lang="en-US" smtClean="0"/>
-              <a:t>5/25/2023</a:t>
+              <a:t>5/26/2023</a:t>
             </a:fld>
             <a:endParaRPr lang="en-US"/>
           </a:p>
@@ -605,7 +608,7 @@
           <a:p>
             <a:fld id="{576C322C-E16E-4C03-B617-B5EC0115F350}" type="datetimeFigureOut">
               <a:rPr lang="en-US" smtClean="0"/>
-              <a:t>5/25/2023</a:t>
+              <a:t>5/26/2023</a:t>
             </a:fld>
             <a:endParaRPr lang="en-US"/>
           </a:p>
@@ -775,7 +778,7 @@
           <a:p>
             <a:fld id="{576C322C-E16E-4C03-B617-B5EC0115F350}" type="datetimeFigureOut">
               <a:rPr lang="en-US" smtClean="0"/>
-              <a:t>5/25/2023</a:t>
+              <a:t>5/26/2023</a:t>
             </a:fld>
             <a:endParaRPr lang="en-US"/>
           </a:p>
@@ -1021,7 +1024,7 @@
           <a:p>
             <a:fld id="{576C322C-E16E-4C03-B617-B5EC0115F350}" type="datetimeFigureOut">
               <a:rPr lang="en-US" smtClean="0"/>
-              <a:t>5/25/2023</a:t>
+              <a:t>5/26/2023</a:t>
             </a:fld>
             <a:endParaRPr lang="en-US"/>
           </a:p>
@@ -1253,7 +1256,7 @@
           <a:p>
             <a:fld id="{576C322C-E16E-4C03-B617-B5EC0115F350}" type="datetimeFigureOut">
               <a:rPr lang="en-US" smtClean="0"/>
-              <a:t>5/25/2023</a:t>
+              <a:t>5/26/2023</a:t>
             </a:fld>
             <a:endParaRPr lang="en-US"/>
           </a:p>
@@ -1620,7 +1623,7 @@
           <a:p>
             <a:fld id="{576C322C-E16E-4C03-B617-B5EC0115F350}" type="datetimeFigureOut">
               <a:rPr lang="en-US" smtClean="0"/>
-              <a:t>5/25/2023</a:t>
+              <a:t>5/26/2023</a:t>
             </a:fld>
             <a:endParaRPr lang="en-US"/>
           </a:p>
@@ -1738,7 +1741,7 @@
           <a:p>
             <a:fld id="{576C322C-E16E-4C03-B617-B5EC0115F350}" type="datetimeFigureOut">
               <a:rPr lang="en-US" smtClean="0"/>
-              <a:t>5/25/2023</a:t>
+              <a:t>5/26/2023</a:t>
             </a:fld>
             <a:endParaRPr lang="en-US"/>
           </a:p>
@@ -1833,7 +1836,7 @@
           <a:p>
             <a:fld id="{576C322C-E16E-4C03-B617-B5EC0115F350}" type="datetimeFigureOut">
               <a:rPr lang="en-US" smtClean="0"/>
-              <a:t>5/25/2023</a:t>
+              <a:t>5/26/2023</a:t>
             </a:fld>
             <a:endParaRPr lang="en-US"/>
           </a:p>
@@ -2110,7 +2113,7 @@
           <a:p>
             <a:fld id="{576C322C-E16E-4C03-B617-B5EC0115F350}" type="datetimeFigureOut">
               <a:rPr lang="en-US" smtClean="0"/>
-              <a:t>5/25/2023</a:t>
+              <a:t>5/26/2023</a:t>
             </a:fld>
             <a:endParaRPr lang="en-US"/>
           </a:p>
@@ -2363,7 +2366,7 @@
           <a:p>
             <a:fld id="{576C322C-E16E-4C03-B617-B5EC0115F350}" type="datetimeFigureOut">
               <a:rPr lang="en-US" smtClean="0"/>
-              <a:t>5/25/2023</a:t>
+              <a:t>5/26/2023</a:t>
             </a:fld>
             <a:endParaRPr lang="en-US"/>
           </a:p>
@@ -2576,7 +2579,7 @@
           <a:p>
             <a:fld id="{576C322C-E16E-4C03-B617-B5EC0115F350}" type="datetimeFigureOut">
               <a:rPr lang="en-US" smtClean="0"/>
-              <a:t>5/25/2023</a:t>
+              <a:t>5/26/2023</a:t>
             </a:fld>
             <a:endParaRPr lang="en-US"/>
           </a:p>
@@ -2981,1474 +2984,733 @@
           <a:chExt cx="0" cy="0"/>
         </a:xfrm>
       </p:grpSpPr>
-      <p:sp>
-        <p:nvSpPr>
-          <p:cNvPr id="4" name="Rectangle 3"/>
-          <p:cNvSpPr/>
+      <p:grpSp>
+        <p:nvGrpSpPr>
+          <p:cNvPr id="2" name="Group 1"/>
+          <p:cNvGrpSpPr/>
           <p:nvPr/>
-        </p:nvSpPr>
-        <p:spPr>
+        </p:nvGrpSpPr>
+        <p:grpSpPr>
           <a:xfrm>
-            <a:off x="245917" y="723900"/>
-            <a:ext cx="1619250" cy="1028700"/>
+            <a:off x="124968" y="146364"/>
+            <a:ext cx="5143221" cy="3097839"/>
+            <a:chOff x="124968" y="146364"/>
+            <a:chExt cx="5143221" cy="3097839"/>
           </a:xfrm>
-          <a:prstGeom prst="rect">
-            <a:avLst/>
-          </a:prstGeom>
-          <a:solidFill>
-            <a:schemeClr val="accent1">
-              <a:lumMod val="20000"/>
-              <a:lumOff val="80000"/>
-            </a:schemeClr>
-          </a:solidFill>
-          <a:ln>
+        </p:grpSpPr>
+        <p:sp>
+          <p:nvSpPr>
+            <p:cNvPr id="4" name="Rectangle 3"/>
+            <p:cNvSpPr/>
+            <p:nvPr/>
+          </p:nvSpPr>
+          <p:spPr>
+            <a:xfrm>
+              <a:off x="245917" y="723900"/>
+              <a:ext cx="1619250" cy="1028700"/>
+            </a:xfrm>
+            <a:prstGeom prst="rect">
+              <a:avLst/>
+            </a:prstGeom>
             <a:solidFill>
               <a:schemeClr val="accent1">
-                <a:lumMod val="50000"/>
+                <a:lumMod val="20000"/>
+                <a:lumOff val="80000"/>
               </a:schemeClr>
             </a:solidFill>
-          </a:ln>
-        </p:spPr>
-        <p:style>
-          <a:lnRef idx="2">
-            <a:schemeClr val="accent1">
-              <a:shade val="50000"/>
-            </a:schemeClr>
-          </a:lnRef>
-          <a:fillRef idx="1">
-            <a:schemeClr val="accent1"/>
-          </a:fillRef>
-          <a:effectRef idx="0">
-            <a:schemeClr val="accent1"/>
-          </a:effectRef>
-          <a:fontRef idx="minor">
-            <a:schemeClr val="lt1"/>
-          </a:fontRef>
-        </p:style>
-        <p:txBody>
-          <a:bodyPr rtlCol="0" anchor="ctr"/>
-          <a:lstStyle/>
-          <a:p>
-            <a:r>
-              <a:rPr lang="en-US" b="1" dirty="0" err="1" smtClean="0">
+            <a:ln>
+              <a:solidFill>
+                <a:schemeClr val="accent1">
+                  <a:lumMod val="50000"/>
+                </a:schemeClr>
+              </a:solidFill>
+            </a:ln>
+          </p:spPr>
+          <p:style>
+            <a:lnRef idx="2">
+              <a:schemeClr val="accent1">
+                <a:shade val="50000"/>
+              </a:schemeClr>
+            </a:lnRef>
+            <a:fillRef idx="1">
+              <a:schemeClr val="accent1"/>
+            </a:fillRef>
+            <a:effectRef idx="0">
+              <a:schemeClr val="accent1"/>
+            </a:effectRef>
+            <a:fontRef idx="minor">
+              <a:schemeClr val="lt1"/>
+            </a:fontRef>
+          </p:style>
+          <p:txBody>
+            <a:bodyPr rtlCol="0" anchor="ctr"/>
+            <a:lstStyle/>
+            <a:p>
+              <a:r>
+                <a:rPr lang="en-US" b="1" dirty="0" err="1" smtClean="0">
+                  <a:solidFill>
+                    <a:schemeClr val="accent1">
+                      <a:lumMod val="50000"/>
+                    </a:schemeClr>
+                  </a:solidFill>
+                </a:rPr>
+                <a:t>fims$maturity</a:t>
+              </a:r>
+              <a:endParaRPr lang="en-US" b="1" dirty="0" smtClean="0">
                 <a:solidFill>
                   <a:schemeClr val="accent1">
                     <a:lumMod val="50000"/>
                   </a:schemeClr>
                 </a:solidFill>
-              </a:rPr>
-              <a:t>fims$maturity</a:t>
-            </a:r>
-            <a:endParaRPr lang="en-US" b="1" dirty="0" smtClean="0">
+              </a:endParaRPr>
+            </a:p>
+            <a:p>
+              <a:pPr marL="285750" indent="-285750">
+                <a:buFont typeface="Arial" panose="020B0604020202020204" pitchFamily="34" charset="0"/>
+                <a:buChar char="•"/>
+              </a:pPr>
+              <a:r>
+                <a:rPr lang="en-US" dirty="0" smtClean="0">
+                  <a:solidFill>
+                    <a:schemeClr val="accent1">
+                      <a:lumMod val="50000"/>
+                    </a:schemeClr>
+                  </a:solidFill>
+                </a:rPr>
+                <a:t>median</a:t>
+              </a:r>
+            </a:p>
+            <a:p>
+              <a:pPr marL="285750" indent="-285750">
+                <a:buFont typeface="Arial" panose="020B0604020202020204" pitchFamily="34" charset="0"/>
+                <a:buChar char="•"/>
+              </a:pPr>
+              <a:r>
+                <a:rPr lang="en-US" dirty="0" smtClean="0">
+                  <a:solidFill>
+                    <a:schemeClr val="accent1">
+                      <a:lumMod val="50000"/>
+                    </a:schemeClr>
+                  </a:solidFill>
+                </a:rPr>
+                <a:t>slope</a:t>
+              </a:r>
+              <a:endParaRPr lang="en-US" dirty="0">
+                <a:solidFill>
+                  <a:schemeClr val="accent1">
+                    <a:lumMod val="50000"/>
+                  </a:schemeClr>
+                </a:solidFill>
+              </a:endParaRPr>
+            </a:p>
+          </p:txBody>
+        </p:sp>
+        <p:sp>
+          <p:nvSpPr>
+            <p:cNvPr id="6" name="Rectangle 5"/>
+            <p:cNvSpPr/>
+            <p:nvPr/>
+          </p:nvSpPr>
+          <p:spPr>
+            <a:xfrm>
+              <a:off x="2661551" y="723900"/>
+              <a:ext cx="2606637" cy="1028700"/>
+            </a:xfrm>
+            <a:prstGeom prst="rect">
+              <a:avLst/>
+            </a:prstGeom>
+            <a:solidFill>
+              <a:schemeClr val="accent1">
+                <a:lumMod val="20000"/>
+                <a:lumOff val="80000"/>
+              </a:schemeClr>
+            </a:solidFill>
+            <a:ln>
               <a:solidFill>
                 <a:schemeClr val="accent1">
                   <a:lumMod val="50000"/>
                 </a:schemeClr>
               </a:solidFill>
-            </a:endParaRPr>
-          </a:p>
-          <a:p>
-            <a:pPr marL="285750" indent="-285750">
-              <a:buFont typeface="Arial" panose="020B0604020202020204" pitchFamily="34" charset="0"/>
-              <a:buChar char="•"/>
-            </a:pPr>
-            <a:r>
-              <a:rPr lang="en-US" dirty="0" smtClean="0">
+            </a:ln>
+          </p:spPr>
+          <p:style>
+            <a:lnRef idx="2">
+              <a:schemeClr val="accent1">
+                <a:shade val="50000"/>
+              </a:schemeClr>
+            </a:lnRef>
+            <a:fillRef idx="1">
+              <a:schemeClr val="accent1"/>
+            </a:fillRef>
+            <a:effectRef idx="0">
+              <a:schemeClr val="accent1"/>
+            </a:effectRef>
+            <a:fontRef idx="minor">
+              <a:schemeClr val="lt1"/>
+            </a:fontRef>
+          </p:style>
+          <p:txBody>
+            <a:bodyPr rtlCol="0" anchor="ctr"/>
+            <a:lstStyle/>
+            <a:p>
+              <a:r>
+                <a:rPr lang="en-US" b="1" dirty="0" err="1" smtClean="0">
+                  <a:solidFill>
+                    <a:schemeClr val="accent1">
+                      <a:lumMod val="50000"/>
+                    </a:schemeClr>
+                  </a:solidFill>
+                </a:rPr>
+                <a:t>fims$LogisticMaturity</a:t>
+              </a:r>
+              <a:endParaRPr lang="en-US" b="1" dirty="0" smtClean="0">
                 <a:solidFill>
                   <a:schemeClr val="accent1">
                     <a:lumMod val="50000"/>
                   </a:schemeClr>
                 </a:solidFill>
-              </a:rPr>
-              <a:t>median</a:t>
-            </a:r>
-          </a:p>
-          <a:p>
-            <a:pPr marL="285750" indent="-285750">
-              <a:buFont typeface="Arial" panose="020B0604020202020204" pitchFamily="34" charset="0"/>
-              <a:buChar char="•"/>
-            </a:pPr>
-            <a:r>
-              <a:rPr lang="en-US" dirty="0" smtClean="0">
+              </a:endParaRPr>
+            </a:p>
+            <a:p>
+              <a:pPr marL="285750" indent="-285750">
+                <a:buFont typeface="Arial" panose="020B0604020202020204" pitchFamily="34" charset="0"/>
+                <a:buChar char="•"/>
+              </a:pPr>
+              <a:r>
+                <a:rPr lang="en-US" dirty="0" smtClean="0">
+                  <a:solidFill>
+                    <a:schemeClr val="accent1">
+                      <a:lumMod val="50000"/>
+                    </a:schemeClr>
+                  </a:solidFill>
+                </a:rPr>
+                <a:t>median</a:t>
+              </a:r>
+            </a:p>
+            <a:p>
+              <a:pPr marL="285750" indent="-285750">
+                <a:buFont typeface="Arial" panose="020B0604020202020204" pitchFamily="34" charset="0"/>
+                <a:buChar char="•"/>
+              </a:pPr>
+              <a:r>
+                <a:rPr lang="en-US" dirty="0" smtClean="0">
+                  <a:solidFill>
+                    <a:schemeClr val="accent1">
+                      <a:lumMod val="50000"/>
+                    </a:schemeClr>
+                  </a:solidFill>
+                </a:rPr>
+                <a:t>slope</a:t>
+              </a:r>
+            </a:p>
+          </p:txBody>
+        </p:sp>
+        <p:sp>
+          <p:nvSpPr>
+            <p:cNvPr id="10" name="Rectangle 9"/>
+            <p:cNvSpPr/>
+            <p:nvPr/>
+          </p:nvSpPr>
+          <p:spPr>
+            <a:xfrm>
+              <a:off x="2656160" y="1752599"/>
+              <a:ext cx="2612029" cy="1087289"/>
+            </a:xfrm>
+            <a:prstGeom prst="rect">
+              <a:avLst/>
+            </a:prstGeom>
+            <a:solidFill>
+              <a:schemeClr val="accent2">
+                <a:lumMod val="20000"/>
+                <a:lumOff val="80000"/>
+              </a:schemeClr>
+            </a:solidFill>
+            <a:ln>
+              <a:solidFill>
+                <a:schemeClr val="accent2">
+                  <a:lumMod val="50000"/>
+                </a:schemeClr>
+              </a:solidFill>
+            </a:ln>
+          </p:spPr>
+          <p:style>
+            <a:lnRef idx="2">
+              <a:schemeClr val="accent1">
+                <a:shade val="50000"/>
+              </a:schemeClr>
+            </a:lnRef>
+            <a:fillRef idx="1">
+              <a:schemeClr val="accent1"/>
+            </a:fillRef>
+            <a:effectRef idx="0">
+              <a:schemeClr val="accent1"/>
+            </a:effectRef>
+            <a:fontRef idx="minor">
+              <a:schemeClr val="lt1"/>
+            </a:fontRef>
+          </p:style>
+          <p:txBody>
+            <a:bodyPr rtlCol="0" anchor="ctr"/>
+            <a:lstStyle/>
+            <a:p>
+              <a:r>
+                <a:rPr lang="en-US" sz="1200" dirty="0" smtClean="0">
+                  <a:solidFill>
+                    <a:schemeClr val="accent2">
+                      <a:lumMod val="75000"/>
+                    </a:schemeClr>
+                  </a:solidFill>
+                </a:rPr>
+                <a:t>rcpp_maturity.hpp</a:t>
+              </a:r>
+              <a:endParaRPr lang="en-US" sz="1200" dirty="0" smtClean="0">
+                <a:solidFill>
+                  <a:schemeClr val="tx1"/>
+                </a:solidFill>
+              </a:endParaRPr>
+            </a:p>
+            <a:p>
+              <a:r>
+                <a:rPr lang="en-US" b="1" dirty="0" err="1" smtClean="0">
+                  <a:solidFill>
+                    <a:schemeClr val="accent2">
+                      <a:lumMod val="75000"/>
+                    </a:schemeClr>
+                  </a:solidFill>
+                </a:rPr>
+                <a:t>LogisticMaturityInterface</a:t>
+              </a:r>
+              <a:endParaRPr lang="en-US" b="1" dirty="0" smtClean="0">
+                <a:solidFill>
+                  <a:schemeClr val="accent2">
+                    <a:lumMod val="75000"/>
+                  </a:schemeClr>
+                </a:solidFill>
+              </a:endParaRPr>
+            </a:p>
+            <a:p>
+              <a:pPr marL="285750" indent="-285750">
+                <a:buFont typeface="Arial" panose="020B0604020202020204" pitchFamily="34" charset="0"/>
+                <a:buChar char="•"/>
+              </a:pPr>
+              <a:r>
+                <a:rPr lang="en-US" dirty="0" smtClean="0">
+                  <a:solidFill>
+                    <a:schemeClr val="accent2">
+                      <a:lumMod val="75000"/>
+                    </a:schemeClr>
+                  </a:solidFill>
+                </a:rPr>
+                <a:t>median</a:t>
+              </a:r>
+            </a:p>
+            <a:p>
+              <a:pPr marL="285750" indent="-285750">
+                <a:buFont typeface="Arial" panose="020B0604020202020204" pitchFamily="34" charset="0"/>
+                <a:buChar char="•"/>
+              </a:pPr>
+              <a:r>
+                <a:rPr lang="en-US" dirty="0" smtClean="0">
+                  <a:solidFill>
+                    <a:schemeClr val="accent2">
+                      <a:lumMod val="75000"/>
+                    </a:schemeClr>
+                  </a:solidFill>
+                </a:rPr>
+                <a:t>slope</a:t>
+              </a:r>
+              <a:endParaRPr lang="en-US" dirty="0" smtClean="0">
+                <a:solidFill>
+                  <a:schemeClr val="accent2">
+                    <a:lumMod val="75000"/>
+                  </a:schemeClr>
+                </a:solidFill>
+              </a:endParaRPr>
+            </a:p>
+          </p:txBody>
+        </p:sp>
+        <p:cxnSp>
+          <p:nvCxnSpPr>
+            <p:cNvPr id="12" name="Straight Arrow Connector 11"/>
+            <p:cNvCxnSpPr>
+              <a:stCxn id="4" idx="3"/>
+              <a:endCxn id="6" idx="1"/>
+            </p:cNvCxnSpPr>
+            <p:nvPr/>
+          </p:nvCxnSpPr>
+          <p:spPr>
+            <a:xfrm>
+              <a:off x="1865167" y="1238250"/>
+              <a:ext cx="796385" cy="0"/>
+            </a:xfrm>
+            <a:prstGeom prst="straightConnector1">
+              <a:avLst/>
+            </a:prstGeom>
+            <a:ln>
+              <a:tailEnd type="triangle"/>
+            </a:ln>
+          </p:spPr>
+          <p:style>
+            <a:lnRef idx="1">
+              <a:schemeClr val="accent1"/>
+            </a:lnRef>
+            <a:fillRef idx="0">
+              <a:schemeClr val="accent1"/>
+            </a:fillRef>
+            <a:effectRef idx="0">
+              <a:schemeClr val="accent1"/>
+            </a:effectRef>
+            <a:fontRef idx="minor">
+              <a:schemeClr val="tx1"/>
+            </a:fontRef>
+          </p:style>
+        </p:cxnSp>
+        <p:sp>
+          <p:nvSpPr>
+            <p:cNvPr id="15" name="TextBox 14"/>
+            <p:cNvSpPr txBox="1"/>
+            <p:nvPr/>
+          </p:nvSpPr>
+          <p:spPr>
+            <a:xfrm>
+              <a:off x="1865167" y="876300"/>
+              <a:ext cx="781050" cy="369332"/>
+            </a:xfrm>
+            <a:prstGeom prst="rect">
+              <a:avLst/>
+            </a:prstGeom>
+            <a:noFill/>
+          </p:spPr>
+          <p:txBody>
+            <a:bodyPr wrap="square" rtlCol="0">
+              <a:spAutoFit/>
+            </a:bodyPr>
+            <a:lstStyle/>
+            <a:p>
+              <a:r>
+                <a:rPr lang="en-US" dirty="0" smtClean="0">
+                  <a:solidFill>
+                    <a:schemeClr val="accent1">
+                      <a:lumMod val="50000"/>
+                    </a:schemeClr>
+                  </a:solidFill>
+                </a:rPr>
+                <a:t>new()</a:t>
+              </a:r>
+              <a:endParaRPr lang="en-US" dirty="0">
                 <a:solidFill>
                   <a:schemeClr val="accent1">
                     <a:lumMod val="50000"/>
                   </a:schemeClr>
                 </a:solidFill>
-              </a:rPr>
-              <a:t>slope</a:t>
-            </a:r>
-            <a:endParaRPr lang="en-US" dirty="0">
+              </a:endParaRPr>
+            </a:p>
+          </p:txBody>
+        </p:sp>
+        <p:cxnSp>
+          <p:nvCxnSpPr>
+            <p:cNvPr id="17" name="Elbow Connector 16"/>
+            <p:cNvCxnSpPr/>
+            <p:nvPr/>
+          </p:nvCxnSpPr>
+          <p:spPr>
+            <a:xfrm>
+              <a:off x="2676349" y="1387415"/>
+              <a:ext cx="12700" cy="788958"/>
+            </a:xfrm>
+            <a:prstGeom prst="bentConnector4">
+              <a:avLst>
+                <a:gd name="adj1" fmla="val -2826591"/>
+                <a:gd name="adj2" fmla="val 99829"/>
+              </a:avLst>
+            </a:prstGeom>
+            <a:ln>
+              <a:solidFill>
+                <a:schemeClr val="accent2">
+                  <a:lumMod val="75000"/>
+                </a:schemeClr>
+              </a:solidFill>
+              <a:tailEnd type="triangle"/>
+            </a:ln>
+          </p:spPr>
+          <p:style>
+            <a:lnRef idx="1">
+              <a:schemeClr val="accent2"/>
+            </a:lnRef>
+            <a:fillRef idx="0">
+              <a:schemeClr val="accent2"/>
+            </a:fillRef>
+            <a:effectRef idx="0">
+              <a:schemeClr val="accent2"/>
+            </a:effectRef>
+            <a:fontRef idx="minor">
+              <a:schemeClr val="tx1"/>
+            </a:fontRef>
+          </p:style>
+        </p:cxnSp>
+        <p:sp>
+          <p:nvSpPr>
+            <p:cNvPr id="21" name="TextBox 20"/>
+            <p:cNvSpPr txBox="1"/>
+            <p:nvPr/>
+          </p:nvSpPr>
+          <p:spPr>
+            <a:xfrm>
+              <a:off x="367500" y="1833749"/>
+              <a:ext cx="2191110" cy="369332"/>
+            </a:xfrm>
+            <a:prstGeom prst="rect">
+              <a:avLst/>
+            </a:prstGeom>
+            <a:noFill/>
+          </p:spPr>
+          <p:txBody>
+            <a:bodyPr wrap="square" rtlCol="0">
+              <a:spAutoFit/>
+            </a:bodyPr>
+            <a:lstStyle/>
+            <a:p>
+              <a:r>
+                <a:rPr lang="en-US" dirty="0" smtClean="0">
+                  <a:solidFill>
+                    <a:schemeClr val="accent2">
+                      <a:lumMod val="75000"/>
+                    </a:schemeClr>
+                  </a:solidFill>
+                </a:rPr>
+                <a:t>rcpp_interface.hpp</a:t>
+              </a:r>
+              <a:endParaRPr lang="en-US" dirty="0">
+                <a:solidFill>
+                  <a:schemeClr val="accent2">
+                    <a:lumMod val="75000"/>
+                  </a:schemeClr>
+                </a:solidFill>
+              </a:endParaRPr>
+            </a:p>
+          </p:txBody>
+        </p:sp>
+        <p:sp>
+          <p:nvSpPr>
+            <p:cNvPr id="162" name="Rectangle 161"/>
+            <p:cNvSpPr/>
+            <p:nvPr/>
+          </p:nvSpPr>
+          <p:spPr>
+            <a:xfrm>
+              <a:off x="248743" y="2597871"/>
+              <a:ext cx="1401907" cy="646332"/>
+            </a:xfrm>
+            <a:prstGeom prst="rect">
+              <a:avLst/>
+            </a:prstGeom>
+            <a:solidFill>
+              <a:schemeClr val="bg1"/>
+            </a:solidFill>
+            <a:ln>
+              <a:solidFill>
+                <a:schemeClr val="tx1"/>
+              </a:solidFill>
+            </a:ln>
+          </p:spPr>
+          <p:style>
+            <a:lnRef idx="2">
+              <a:schemeClr val="accent1">
+                <a:shade val="50000"/>
+              </a:schemeClr>
+            </a:lnRef>
+            <a:fillRef idx="1">
+              <a:schemeClr val="accent1"/>
+            </a:fillRef>
+            <a:effectRef idx="0">
+              <a:schemeClr val="accent1"/>
+            </a:effectRef>
+            <a:fontRef idx="minor">
+              <a:schemeClr val="lt1"/>
+            </a:fontRef>
+          </p:style>
+          <p:txBody>
+            <a:bodyPr rtlCol="0" anchor="ctr"/>
+            <a:lstStyle/>
+            <a:p>
+              <a:pPr algn="ctr"/>
+              <a:endParaRPr lang="en-US"/>
+            </a:p>
+          </p:txBody>
+        </p:sp>
+        <p:sp>
+          <p:nvSpPr>
+            <p:cNvPr id="163" name="TextBox 162"/>
+            <p:cNvSpPr txBox="1"/>
+            <p:nvPr/>
+          </p:nvSpPr>
+          <p:spPr>
+            <a:xfrm>
+              <a:off x="792695" y="2597871"/>
+              <a:ext cx="1883654" cy="646331"/>
+            </a:xfrm>
+            <a:prstGeom prst="rect">
+              <a:avLst/>
+            </a:prstGeom>
+            <a:noFill/>
+          </p:spPr>
+          <p:txBody>
+            <a:bodyPr wrap="square" rtlCol="0">
+              <a:spAutoFit/>
+            </a:bodyPr>
+            <a:lstStyle/>
+            <a:p>
+              <a:r>
+                <a:rPr lang="en-US" dirty="0" smtClean="0"/>
+                <a:t>R</a:t>
+              </a:r>
+            </a:p>
+            <a:p>
+              <a:r>
+                <a:rPr lang="en-US" dirty="0" err="1" smtClean="0"/>
+                <a:t>Rcpp</a:t>
+              </a:r>
+              <a:endParaRPr lang="en-US" dirty="0"/>
+            </a:p>
+          </p:txBody>
+        </p:sp>
+        <p:sp>
+          <p:nvSpPr>
+            <p:cNvPr id="164" name="Rectangle 163"/>
+            <p:cNvSpPr/>
+            <p:nvPr/>
+          </p:nvSpPr>
+          <p:spPr>
+            <a:xfrm>
+              <a:off x="364358" y="2676620"/>
+              <a:ext cx="415636" cy="210624"/>
+            </a:xfrm>
+            <a:prstGeom prst="rect">
+              <a:avLst/>
+            </a:prstGeom>
+            <a:solidFill>
+              <a:schemeClr val="accent1">
+                <a:lumMod val="20000"/>
+                <a:lumOff val="80000"/>
+              </a:schemeClr>
+            </a:solidFill>
+            <a:ln>
               <a:solidFill>
                 <a:schemeClr val="accent1">
                   <a:lumMod val="50000"/>
                 </a:schemeClr>
               </a:solidFill>
-            </a:endParaRPr>
-          </a:p>
-        </p:txBody>
-      </p:sp>
-      <p:sp>
-        <p:nvSpPr>
-          <p:cNvPr id="6" name="Rectangle 5"/>
-          <p:cNvSpPr/>
-          <p:nvPr/>
-        </p:nvSpPr>
-        <p:spPr>
-          <a:xfrm>
-            <a:off x="2661551" y="723900"/>
-            <a:ext cx="2606637" cy="1028700"/>
-          </a:xfrm>
-          <a:prstGeom prst="rect">
-            <a:avLst/>
-          </a:prstGeom>
-          <a:solidFill>
-            <a:schemeClr val="accent1">
-              <a:lumMod val="20000"/>
-              <a:lumOff val="80000"/>
-            </a:schemeClr>
-          </a:solidFill>
-          <a:ln>
+            </a:ln>
+          </p:spPr>
+          <p:style>
+            <a:lnRef idx="2">
+              <a:schemeClr val="accent1">
+                <a:shade val="50000"/>
+              </a:schemeClr>
+            </a:lnRef>
+            <a:fillRef idx="1">
+              <a:schemeClr val="accent1"/>
+            </a:fillRef>
+            <a:effectRef idx="0">
+              <a:schemeClr val="accent1"/>
+            </a:effectRef>
+            <a:fontRef idx="minor">
+              <a:schemeClr val="lt1"/>
+            </a:fontRef>
+          </p:style>
+          <p:txBody>
+            <a:bodyPr rtlCol="0" anchor="ctr"/>
+            <a:lstStyle/>
+            <a:p>
+              <a:pPr algn="ctr"/>
+              <a:endParaRPr lang="en-US" dirty="0"/>
+            </a:p>
+          </p:txBody>
+        </p:sp>
+        <p:sp>
+          <p:nvSpPr>
+            <p:cNvPr id="165" name="Rectangle 164"/>
+            <p:cNvSpPr/>
+            <p:nvPr/>
+          </p:nvSpPr>
+          <p:spPr>
+            <a:xfrm>
+              <a:off x="364358" y="2967567"/>
+              <a:ext cx="415636" cy="210624"/>
+            </a:xfrm>
+            <a:prstGeom prst="rect">
+              <a:avLst/>
+            </a:prstGeom>
             <a:solidFill>
-              <a:schemeClr val="accent1">
-                <a:lumMod val="50000"/>
+              <a:schemeClr val="accent2">
+                <a:lumMod val="20000"/>
+                <a:lumOff val="80000"/>
               </a:schemeClr>
             </a:solidFill>
-          </a:ln>
-        </p:spPr>
-        <p:style>
-          <a:lnRef idx="2">
-            <a:schemeClr val="accent1">
-              <a:shade val="50000"/>
-            </a:schemeClr>
-          </a:lnRef>
-          <a:fillRef idx="1">
-            <a:schemeClr val="accent1"/>
-          </a:fillRef>
-          <a:effectRef idx="0">
-            <a:schemeClr val="accent1"/>
-          </a:effectRef>
-          <a:fontRef idx="minor">
-            <a:schemeClr val="lt1"/>
-          </a:fontRef>
-        </p:style>
-        <p:txBody>
-          <a:bodyPr rtlCol="0" anchor="ctr"/>
-          <a:lstStyle/>
-          <a:p>
-            <a:r>
-              <a:rPr lang="en-US" b="1" dirty="0" err="1" smtClean="0">
-                <a:solidFill>
-                  <a:schemeClr val="accent1">
-                    <a:lumMod val="50000"/>
-                  </a:schemeClr>
-                </a:solidFill>
-              </a:rPr>
-              <a:t>fims$LogisticMaturity</a:t>
-            </a:r>
-            <a:endParaRPr lang="en-US" b="1" dirty="0" smtClean="0">
+            <a:ln>
               <a:solidFill>
-                <a:schemeClr val="accent1">
+                <a:schemeClr val="accent2">
                   <a:lumMod val="50000"/>
                 </a:schemeClr>
               </a:solidFill>
-            </a:endParaRPr>
-          </a:p>
-          <a:p>
-            <a:pPr marL="285750" indent="-285750">
-              <a:buFont typeface="Arial" panose="020B0604020202020204" pitchFamily="34" charset="0"/>
-              <a:buChar char="•"/>
-            </a:pPr>
-            <a:r>
-              <a:rPr lang="en-US" dirty="0" smtClean="0">
-                <a:solidFill>
-                  <a:schemeClr val="accent1">
-                    <a:lumMod val="50000"/>
-                  </a:schemeClr>
-                </a:solidFill>
-              </a:rPr>
-              <a:t>median</a:t>
-            </a:r>
-          </a:p>
-          <a:p>
-            <a:pPr marL="285750" indent="-285750">
-              <a:buFont typeface="Arial" panose="020B0604020202020204" pitchFamily="34" charset="0"/>
-              <a:buChar char="•"/>
-            </a:pPr>
-            <a:r>
-              <a:rPr lang="en-US" dirty="0" smtClean="0">
-                <a:solidFill>
-                  <a:schemeClr val="accent1">
-                    <a:lumMod val="50000"/>
-                  </a:schemeClr>
-                </a:solidFill>
-              </a:rPr>
-              <a:t>slope</a:t>
-            </a:r>
-          </a:p>
-        </p:txBody>
-      </p:sp>
-      <p:sp>
-        <p:nvSpPr>
-          <p:cNvPr id="10" name="Rectangle 9"/>
-          <p:cNvSpPr/>
-          <p:nvPr/>
-        </p:nvSpPr>
-        <p:spPr>
-          <a:xfrm>
-            <a:off x="2656160" y="1752599"/>
-            <a:ext cx="2612029" cy="1853045"/>
-          </a:xfrm>
-          <a:prstGeom prst="rect">
-            <a:avLst/>
-          </a:prstGeom>
-          <a:solidFill>
-            <a:schemeClr val="accent2">
-              <a:lumMod val="20000"/>
-              <a:lumOff val="80000"/>
-            </a:schemeClr>
-          </a:solidFill>
-          <a:ln>
-            <a:solidFill>
-              <a:schemeClr val="accent2">
-                <a:lumMod val="50000"/>
+            </a:ln>
+          </p:spPr>
+          <p:style>
+            <a:lnRef idx="2">
+              <a:schemeClr val="accent1">
+                <a:shade val="50000"/>
               </a:schemeClr>
-            </a:solidFill>
-          </a:ln>
-        </p:spPr>
-        <p:style>
-          <a:lnRef idx="2">
-            <a:schemeClr val="accent1">
-              <a:shade val="50000"/>
-            </a:schemeClr>
-          </a:lnRef>
-          <a:fillRef idx="1">
-            <a:schemeClr val="accent1"/>
-          </a:fillRef>
-          <a:effectRef idx="0">
-            <a:schemeClr val="accent1"/>
-          </a:effectRef>
-          <a:fontRef idx="minor">
-            <a:schemeClr val="lt1"/>
-          </a:fontRef>
-        </p:style>
-        <p:txBody>
-          <a:bodyPr rtlCol="0" anchor="ctr"/>
-          <a:lstStyle/>
-          <a:p>
-            <a:r>
-              <a:rPr lang="en-US" sz="1200" dirty="0" smtClean="0">
-                <a:solidFill>
-                  <a:schemeClr val="accent2">
-                    <a:lumMod val="75000"/>
-                  </a:schemeClr>
-                </a:solidFill>
-              </a:rPr>
-              <a:t>rcpp_maturity.hpp</a:t>
-            </a:r>
-            <a:endParaRPr lang="en-US" sz="1200" dirty="0" smtClean="0">
-              <a:solidFill>
-                <a:schemeClr val="tx1"/>
-              </a:solidFill>
-            </a:endParaRPr>
-          </a:p>
-          <a:p>
-            <a:r>
-              <a:rPr lang="en-US" b="1" dirty="0" err="1" smtClean="0">
-                <a:solidFill>
-                  <a:schemeClr val="accent2">
-                    <a:lumMod val="75000"/>
-                  </a:schemeClr>
-                </a:solidFill>
-              </a:rPr>
-              <a:t>LogisticMaturityInterface</a:t>
-            </a:r>
-            <a:endParaRPr lang="en-US" b="1" dirty="0" smtClean="0">
-              <a:solidFill>
-                <a:schemeClr val="accent2">
-                  <a:lumMod val="75000"/>
-                </a:schemeClr>
-              </a:solidFill>
-            </a:endParaRPr>
-          </a:p>
-          <a:p>
-            <a:pPr marL="285750" indent="-285750">
-              <a:buFont typeface="Arial" panose="020B0604020202020204" pitchFamily="34" charset="0"/>
-              <a:buChar char="•"/>
-            </a:pPr>
-            <a:r>
-              <a:rPr lang="en-US" dirty="0" smtClean="0">
-                <a:solidFill>
-                  <a:schemeClr val="accent2">
-                    <a:lumMod val="75000"/>
-                  </a:schemeClr>
-                </a:solidFill>
-              </a:rPr>
-              <a:t>median</a:t>
-            </a:r>
-          </a:p>
-          <a:p>
-            <a:pPr marL="285750" indent="-285750">
-              <a:buFont typeface="Arial" panose="020B0604020202020204" pitchFamily="34" charset="0"/>
-              <a:buChar char="•"/>
-            </a:pPr>
-            <a:r>
-              <a:rPr lang="en-US" dirty="0" smtClean="0">
-                <a:solidFill>
-                  <a:schemeClr val="accent2">
-                    <a:lumMod val="75000"/>
-                  </a:schemeClr>
-                </a:solidFill>
-              </a:rPr>
-              <a:t>slope</a:t>
-            </a:r>
-          </a:p>
-          <a:p>
-            <a:pPr marL="285750" indent="-285750">
-              <a:buFont typeface="Arial" panose="020B0604020202020204" pitchFamily="34" charset="0"/>
-              <a:buChar char="•"/>
-            </a:pPr>
-            <a:r>
-              <a:rPr lang="en-US" dirty="0" err="1" smtClean="0">
-                <a:solidFill>
-                  <a:schemeClr val="accent2">
-                    <a:lumMod val="75000"/>
-                  </a:schemeClr>
-                </a:solidFill>
-              </a:rPr>
-              <a:t>Add_to_fims_tmb</a:t>
-            </a:r>
-            <a:r>
-              <a:rPr lang="en-US" dirty="0" smtClean="0">
-                <a:solidFill>
-                  <a:schemeClr val="accent2">
-                    <a:lumMod val="75000"/>
-                  </a:schemeClr>
-                </a:solidFill>
-              </a:rPr>
-              <a:t>(</a:t>
-            </a:r>
-          </a:p>
-          <a:p>
-            <a:r>
-              <a:rPr lang="en-US" dirty="0">
-                <a:solidFill>
-                  <a:schemeClr val="accent2">
-                    <a:lumMod val="75000"/>
-                  </a:schemeClr>
-                </a:solidFill>
-              </a:rPr>
-              <a:t> </a:t>
-            </a:r>
-            <a:r>
-              <a:rPr lang="en-US" dirty="0" smtClean="0">
-                <a:solidFill>
-                  <a:schemeClr val="accent2">
-                    <a:lumMod val="75000"/>
-                  </a:schemeClr>
-                </a:solidFill>
-              </a:rPr>
-              <a:t>       shared pointer: lm0</a:t>
-            </a:r>
-          </a:p>
-          <a:p>
-            <a:r>
-              <a:rPr lang="en-US" dirty="0">
-                <a:solidFill>
-                  <a:schemeClr val="accent2">
-                    <a:lumMod val="75000"/>
-                  </a:schemeClr>
-                </a:solidFill>
-              </a:rPr>
-              <a:t> </a:t>
-            </a:r>
-            <a:r>
-              <a:rPr lang="en-US" dirty="0" smtClean="0">
-                <a:solidFill>
-                  <a:schemeClr val="accent2">
-                    <a:lumMod val="75000"/>
-                  </a:schemeClr>
-                </a:solidFill>
-              </a:rPr>
-              <a:t>       shared pointer: d0</a:t>
-            </a:r>
-          </a:p>
-        </p:txBody>
-      </p:sp>
-      <p:cxnSp>
-        <p:nvCxnSpPr>
-          <p:cNvPr id="12" name="Straight Arrow Connector 11"/>
-          <p:cNvCxnSpPr>
-            <a:stCxn id="4" idx="3"/>
-            <a:endCxn id="6" idx="1"/>
-          </p:cNvCxnSpPr>
-          <p:nvPr/>
-        </p:nvCxnSpPr>
-        <p:spPr>
-          <a:xfrm>
-            <a:off x="1865167" y="1238250"/>
-            <a:ext cx="796385" cy="0"/>
-          </a:xfrm>
-          <a:prstGeom prst="straightConnector1">
-            <a:avLst/>
-          </a:prstGeom>
-          <a:ln>
-            <a:tailEnd type="triangle"/>
-          </a:ln>
-        </p:spPr>
-        <p:style>
-          <a:lnRef idx="1">
-            <a:schemeClr val="accent1"/>
-          </a:lnRef>
-          <a:fillRef idx="0">
-            <a:schemeClr val="accent1"/>
-          </a:fillRef>
-          <a:effectRef idx="0">
-            <a:schemeClr val="accent1"/>
-          </a:effectRef>
-          <a:fontRef idx="minor">
-            <a:schemeClr val="tx1"/>
-          </a:fontRef>
-        </p:style>
-      </p:cxnSp>
-      <p:sp>
-        <p:nvSpPr>
-          <p:cNvPr id="15" name="TextBox 14"/>
-          <p:cNvSpPr txBox="1"/>
-          <p:nvPr/>
-        </p:nvSpPr>
-        <p:spPr>
-          <a:xfrm>
-            <a:off x="1865167" y="876300"/>
-            <a:ext cx="781050" cy="369332"/>
-          </a:xfrm>
-          <a:prstGeom prst="rect">
-            <a:avLst/>
-          </a:prstGeom>
-          <a:noFill/>
-        </p:spPr>
-        <p:txBody>
-          <a:bodyPr wrap="square" rtlCol="0">
-            <a:spAutoFit/>
-          </a:bodyPr>
-          <a:lstStyle/>
-          <a:p>
-            <a:r>
-              <a:rPr lang="en-US" dirty="0" smtClean="0">
-                <a:solidFill>
-                  <a:schemeClr val="accent1">
-                    <a:lumMod val="50000"/>
-                  </a:schemeClr>
-                </a:solidFill>
-              </a:rPr>
-              <a:t>new()</a:t>
-            </a:r>
-            <a:endParaRPr lang="en-US" dirty="0">
-              <a:solidFill>
-                <a:schemeClr val="accent1">
-                  <a:lumMod val="50000"/>
-                </a:schemeClr>
-              </a:solidFill>
-            </a:endParaRPr>
-          </a:p>
-        </p:txBody>
-      </p:sp>
-      <p:cxnSp>
-        <p:nvCxnSpPr>
-          <p:cNvPr id="17" name="Elbow Connector 16"/>
-          <p:cNvCxnSpPr/>
-          <p:nvPr/>
-        </p:nvCxnSpPr>
-        <p:spPr>
-          <a:xfrm>
-            <a:off x="2676349" y="1387415"/>
-            <a:ext cx="12700" cy="788958"/>
-          </a:xfrm>
-          <a:prstGeom prst="bentConnector4">
-            <a:avLst>
-              <a:gd name="adj1" fmla="val -2826591"/>
-              <a:gd name="adj2" fmla="val 99829"/>
-            </a:avLst>
-          </a:prstGeom>
-          <a:ln>
-            <a:solidFill>
-              <a:schemeClr val="accent2">
-                <a:lumMod val="75000"/>
-              </a:schemeClr>
-            </a:solidFill>
-            <a:tailEnd type="triangle"/>
-          </a:ln>
-        </p:spPr>
-        <p:style>
-          <a:lnRef idx="1">
-            <a:schemeClr val="accent2"/>
-          </a:lnRef>
-          <a:fillRef idx="0">
-            <a:schemeClr val="accent2"/>
-          </a:fillRef>
-          <a:effectRef idx="0">
-            <a:schemeClr val="accent2"/>
-          </a:effectRef>
-          <a:fontRef idx="minor">
-            <a:schemeClr val="tx1"/>
-          </a:fontRef>
-        </p:style>
-      </p:cxnSp>
-      <p:sp>
-        <p:nvSpPr>
-          <p:cNvPr id="21" name="TextBox 20"/>
-          <p:cNvSpPr txBox="1"/>
-          <p:nvPr/>
-        </p:nvSpPr>
-        <p:spPr>
-          <a:xfrm>
-            <a:off x="367500" y="1833749"/>
-            <a:ext cx="2191110" cy="369332"/>
-          </a:xfrm>
-          <a:prstGeom prst="rect">
-            <a:avLst/>
-          </a:prstGeom>
-          <a:noFill/>
-        </p:spPr>
-        <p:txBody>
-          <a:bodyPr wrap="square" rtlCol="0">
-            <a:spAutoFit/>
-          </a:bodyPr>
-          <a:lstStyle/>
-          <a:p>
-            <a:r>
-              <a:rPr lang="en-US" dirty="0" smtClean="0">
-                <a:solidFill>
-                  <a:schemeClr val="accent2">
-                    <a:lumMod val="75000"/>
-                  </a:schemeClr>
-                </a:solidFill>
-              </a:rPr>
-              <a:t>rcpp_interface.hpp</a:t>
-            </a:r>
-            <a:endParaRPr lang="en-US" dirty="0">
-              <a:solidFill>
-                <a:schemeClr val="accent2">
-                  <a:lumMod val="75000"/>
-                </a:schemeClr>
-              </a:solidFill>
-            </a:endParaRPr>
-          </a:p>
-        </p:txBody>
-      </p:sp>
-      <p:sp>
-        <p:nvSpPr>
-          <p:cNvPr id="22" name="Rectangle 21"/>
-          <p:cNvSpPr/>
-          <p:nvPr/>
-        </p:nvSpPr>
-        <p:spPr>
-          <a:xfrm>
-            <a:off x="2658916" y="3616140"/>
-            <a:ext cx="2609271" cy="1331703"/>
-          </a:xfrm>
-          <a:prstGeom prst="rect">
-            <a:avLst/>
-          </a:prstGeom>
-          <a:solidFill>
-            <a:schemeClr val="accent6">
-              <a:lumMod val="20000"/>
-              <a:lumOff val="80000"/>
-            </a:schemeClr>
-          </a:solidFill>
-          <a:ln>
-            <a:solidFill>
-              <a:schemeClr val="accent6">
-                <a:lumMod val="50000"/>
-              </a:schemeClr>
-            </a:solidFill>
-          </a:ln>
-        </p:spPr>
-        <p:style>
-          <a:lnRef idx="2">
-            <a:schemeClr val="accent1">
-              <a:shade val="50000"/>
-            </a:schemeClr>
-          </a:lnRef>
-          <a:fillRef idx="1">
-            <a:schemeClr val="accent1"/>
-          </a:fillRef>
-          <a:effectRef idx="0">
-            <a:schemeClr val="accent1"/>
-          </a:effectRef>
-          <a:fontRef idx="minor">
-            <a:schemeClr val="lt1"/>
-          </a:fontRef>
-        </p:style>
-        <p:txBody>
-          <a:bodyPr rtlCol="0" anchor="ctr"/>
-          <a:lstStyle/>
-          <a:p>
-            <a:r>
-              <a:rPr lang="en-US" sz="1200" dirty="0" smtClean="0">
-                <a:solidFill>
-                  <a:schemeClr val="accent6">
-                    <a:lumMod val="50000"/>
-                  </a:schemeClr>
-                </a:solidFill>
-              </a:rPr>
-              <a:t>maturity/</a:t>
-            </a:r>
-            <a:r>
-              <a:rPr lang="en-US" sz="1200" dirty="0" err="1" smtClean="0">
-                <a:solidFill>
-                  <a:schemeClr val="accent6">
-                    <a:lumMod val="50000"/>
-                  </a:schemeClr>
-                </a:solidFill>
-              </a:rPr>
-              <a:t>functors</a:t>
-            </a:r>
-            <a:r>
-              <a:rPr lang="en-US" sz="1200" dirty="0" smtClean="0">
-                <a:solidFill>
-                  <a:schemeClr val="accent6">
-                    <a:lumMod val="50000"/>
-                  </a:schemeClr>
-                </a:solidFill>
-              </a:rPr>
-              <a:t>/logistic.hpp</a:t>
-            </a:r>
-          </a:p>
-          <a:p>
-            <a:r>
-              <a:rPr lang="en-US" b="1" dirty="0" err="1" smtClean="0">
-                <a:solidFill>
-                  <a:schemeClr val="accent6">
-                    <a:lumMod val="50000"/>
-                  </a:schemeClr>
-                </a:solidFill>
-              </a:rPr>
-              <a:t>fims</a:t>
-            </a:r>
-            <a:r>
-              <a:rPr lang="en-US" b="1" dirty="0" smtClean="0">
-                <a:solidFill>
-                  <a:schemeClr val="accent6">
-                    <a:lumMod val="50000"/>
-                  </a:schemeClr>
-                </a:solidFill>
-              </a:rPr>
-              <a:t>::</a:t>
-            </a:r>
-            <a:r>
-              <a:rPr lang="en-US" b="1" dirty="0" err="1" smtClean="0">
-                <a:solidFill>
-                  <a:schemeClr val="accent6">
-                    <a:lumMod val="50000"/>
-                  </a:schemeClr>
-                </a:solidFill>
-              </a:rPr>
-              <a:t>LogisticMaturity</a:t>
-            </a:r>
-            <a:endParaRPr lang="en-US" b="1" dirty="0" smtClean="0">
-              <a:solidFill>
-                <a:schemeClr val="accent6">
-                  <a:lumMod val="50000"/>
-                </a:schemeClr>
-              </a:solidFill>
-            </a:endParaRPr>
-          </a:p>
-          <a:p>
-            <a:pPr marL="285750" indent="-285750">
-              <a:buFont typeface="Arial" panose="020B0604020202020204" pitchFamily="34" charset="0"/>
-              <a:buChar char="•"/>
-            </a:pPr>
-            <a:r>
-              <a:rPr lang="en-US" dirty="0" smtClean="0">
-                <a:solidFill>
-                  <a:schemeClr val="accent6">
-                    <a:lumMod val="50000"/>
-                  </a:schemeClr>
-                </a:solidFill>
-              </a:rPr>
-              <a:t>median</a:t>
-            </a:r>
-          </a:p>
-          <a:p>
-            <a:pPr marL="285750" indent="-285750">
-              <a:buFont typeface="Arial" panose="020B0604020202020204" pitchFamily="34" charset="0"/>
-              <a:buChar char="•"/>
-            </a:pPr>
-            <a:r>
-              <a:rPr lang="en-US" dirty="0" smtClean="0">
-                <a:solidFill>
-                  <a:schemeClr val="accent6">
-                    <a:lumMod val="50000"/>
-                  </a:schemeClr>
-                </a:solidFill>
-              </a:rPr>
-              <a:t>slope</a:t>
-            </a:r>
-          </a:p>
-          <a:p>
-            <a:pPr marL="285750" indent="-285750">
-              <a:buFont typeface="Arial" panose="020B0604020202020204" pitchFamily="34" charset="0"/>
-              <a:buChar char="•"/>
-            </a:pPr>
-            <a:r>
-              <a:rPr lang="en-US" dirty="0" smtClean="0">
-                <a:solidFill>
-                  <a:schemeClr val="accent6">
-                    <a:lumMod val="50000"/>
-                  </a:schemeClr>
-                </a:solidFill>
-              </a:rPr>
-              <a:t>evaluate(x)</a:t>
-            </a:r>
-          </a:p>
-        </p:txBody>
-      </p:sp>
-      <p:sp>
-        <p:nvSpPr>
-          <p:cNvPr id="24" name="TextBox 23"/>
-          <p:cNvSpPr txBox="1"/>
-          <p:nvPr/>
-        </p:nvSpPr>
-        <p:spPr>
-          <a:xfrm>
-            <a:off x="315545" y="3583279"/>
-            <a:ext cx="2133600" cy="369332"/>
-          </a:xfrm>
-          <a:prstGeom prst="rect">
-            <a:avLst/>
-          </a:prstGeom>
-          <a:noFill/>
-        </p:spPr>
-        <p:txBody>
-          <a:bodyPr wrap="square" rtlCol="0">
-            <a:spAutoFit/>
-          </a:bodyPr>
-          <a:lstStyle/>
-          <a:p>
-            <a:r>
-              <a:rPr lang="en-US" dirty="0" smtClean="0">
-                <a:solidFill>
-                  <a:schemeClr val="accent2">
-                    <a:lumMod val="75000"/>
-                  </a:schemeClr>
-                </a:solidFill>
-              </a:rPr>
-              <a:t>shared pointer: lm0</a:t>
-            </a:r>
-          </a:p>
-        </p:txBody>
-      </p:sp>
-      <p:sp>
-        <p:nvSpPr>
-          <p:cNvPr id="37" name="Rectangle 36"/>
-          <p:cNvSpPr/>
-          <p:nvPr/>
-        </p:nvSpPr>
-        <p:spPr>
-          <a:xfrm>
-            <a:off x="2658917" y="5545941"/>
-            <a:ext cx="2609270" cy="871268"/>
-          </a:xfrm>
-          <a:prstGeom prst="rect">
-            <a:avLst/>
-          </a:prstGeom>
-          <a:solidFill>
-            <a:schemeClr val="accent6">
-              <a:lumMod val="20000"/>
-              <a:lumOff val="80000"/>
-            </a:schemeClr>
-          </a:solidFill>
-          <a:ln>
-            <a:solidFill>
-              <a:schemeClr val="accent6">
-                <a:lumMod val="50000"/>
-              </a:schemeClr>
-            </a:solidFill>
-          </a:ln>
-        </p:spPr>
-        <p:style>
-          <a:lnRef idx="2">
-            <a:schemeClr val="accent1">
-              <a:shade val="50000"/>
-            </a:schemeClr>
-          </a:lnRef>
-          <a:fillRef idx="1">
-            <a:schemeClr val="accent1"/>
-          </a:fillRef>
-          <a:effectRef idx="0">
-            <a:schemeClr val="accent1"/>
-          </a:effectRef>
-          <a:fontRef idx="minor">
-            <a:schemeClr val="lt1"/>
-          </a:fontRef>
-        </p:style>
-        <p:txBody>
-          <a:bodyPr rtlCol="0" anchor="ctr"/>
-          <a:lstStyle/>
-          <a:p>
-            <a:r>
-              <a:rPr lang="en-US" sz="1200" dirty="0" smtClean="0">
-                <a:solidFill>
-                  <a:schemeClr val="tx1"/>
-                </a:solidFill>
-              </a:rPr>
-              <a:t>maturity/</a:t>
-            </a:r>
-            <a:r>
-              <a:rPr lang="en-US" sz="1200" dirty="0" err="1" smtClean="0">
-                <a:solidFill>
-                  <a:schemeClr val="tx1"/>
-                </a:solidFill>
-              </a:rPr>
-              <a:t>functors</a:t>
-            </a:r>
-            <a:r>
-              <a:rPr lang="en-US" sz="1200" dirty="0" smtClean="0">
-                <a:solidFill>
-                  <a:schemeClr val="tx1"/>
-                </a:solidFill>
-              </a:rPr>
-              <a:t>/maturity_base.hpp</a:t>
-            </a:r>
-          </a:p>
-          <a:p>
-            <a:r>
-              <a:rPr lang="en-US" b="1" dirty="0" err="1" smtClean="0">
-                <a:solidFill>
-                  <a:schemeClr val="accent6">
-                    <a:lumMod val="50000"/>
-                  </a:schemeClr>
-                </a:solidFill>
-              </a:rPr>
-              <a:t>fims</a:t>
-            </a:r>
-            <a:r>
-              <a:rPr lang="en-US" b="1" dirty="0" smtClean="0">
-                <a:solidFill>
-                  <a:schemeClr val="accent6">
-                    <a:lumMod val="50000"/>
-                  </a:schemeClr>
-                </a:solidFill>
-              </a:rPr>
-              <a:t>::</a:t>
-            </a:r>
-            <a:r>
-              <a:rPr lang="en-US" b="1" dirty="0" err="1" smtClean="0">
-                <a:solidFill>
-                  <a:schemeClr val="accent6">
-                    <a:lumMod val="50000"/>
-                  </a:schemeClr>
-                </a:solidFill>
-              </a:rPr>
-              <a:t>MaturityBase</a:t>
-            </a:r>
-            <a:endParaRPr lang="en-US" b="1" dirty="0" smtClean="0">
-              <a:solidFill>
-                <a:schemeClr val="accent6">
-                  <a:lumMod val="50000"/>
-                </a:schemeClr>
-              </a:solidFill>
-            </a:endParaRPr>
-          </a:p>
-          <a:p>
-            <a:pPr marL="285750" indent="-285750">
-              <a:buFont typeface="Arial" panose="020B0604020202020204" pitchFamily="34" charset="0"/>
-              <a:buChar char="•"/>
-            </a:pPr>
-            <a:r>
-              <a:rPr lang="en-US" dirty="0" smtClean="0">
-                <a:solidFill>
-                  <a:schemeClr val="accent6">
-                    <a:lumMod val="50000"/>
-                  </a:schemeClr>
-                </a:solidFill>
-              </a:rPr>
-              <a:t>evaluate(x)</a:t>
-            </a:r>
-          </a:p>
-        </p:txBody>
-      </p:sp>
-      <p:cxnSp>
-        <p:nvCxnSpPr>
-          <p:cNvPr id="39" name="Straight Arrow Connector 38"/>
-          <p:cNvCxnSpPr>
-            <a:stCxn id="22" idx="2"/>
-            <a:endCxn id="37" idx="0"/>
-          </p:cNvCxnSpPr>
-          <p:nvPr/>
-        </p:nvCxnSpPr>
-        <p:spPr>
-          <a:xfrm>
-            <a:off x="3916217" y="4947843"/>
-            <a:ext cx="0" cy="598098"/>
-          </a:xfrm>
-          <a:prstGeom prst="straightConnector1">
-            <a:avLst/>
-          </a:prstGeom>
-          <a:ln>
-            <a:solidFill>
-              <a:schemeClr val="accent6">
-                <a:lumMod val="50000"/>
-              </a:schemeClr>
-            </a:solidFill>
-            <a:headEnd type="triangle"/>
-            <a:tailEnd type="none"/>
-          </a:ln>
-        </p:spPr>
-        <p:style>
-          <a:lnRef idx="1">
-            <a:schemeClr val="accent1"/>
-          </a:lnRef>
-          <a:fillRef idx="0">
-            <a:schemeClr val="accent1"/>
-          </a:fillRef>
-          <a:effectRef idx="0">
-            <a:schemeClr val="accent1"/>
-          </a:effectRef>
-          <a:fontRef idx="minor">
-            <a:schemeClr val="tx1"/>
-          </a:fontRef>
-        </p:style>
-      </p:cxnSp>
-      <p:sp>
-        <p:nvSpPr>
-          <p:cNvPr id="44" name="TextBox 43"/>
-          <p:cNvSpPr txBox="1"/>
-          <p:nvPr/>
-        </p:nvSpPr>
-        <p:spPr>
-          <a:xfrm>
-            <a:off x="3903517" y="5066539"/>
-            <a:ext cx="1532312" cy="369332"/>
-          </a:xfrm>
-          <a:prstGeom prst="rect">
-            <a:avLst/>
-          </a:prstGeom>
-          <a:noFill/>
-        </p:spPr>
-        <p:txBody>
-          <a:bodyPr wrap="square" rtlCol="0">
-            <a:spAutoFit/>
-          </a:bodyPr>
-          <a:lstStyle/>
-          <a:p>
-            <a:r>
-              <a:rPr lang="en-US" dirty="0" smtClean="0">
-                <a:solidFill>
-                  <a:schemeClr val="accent6">
-                    <a:lumMod val="50000"/>
-                  </a:schemeClr>
-                </a:solidFill>
-              </a:rPr>
-              <a:t>inheritance</a:t>
-            </a:r>
-            <a:endParaRPr lang="en-US" dirty="0">
-              <a:solidFill>
-                <a:schemeClr val="accent6">
-                  <a:lumMod val="50000"/>
-                </a:schemeClr>
-              </a:solidFill>
-            </a:endParaRPr>
-          </a:p>
-        </p:txBody>
-      </p:sp>
-      <p:sp>
-        <p:nvSpPr>
-          <p:cNvPr id="46" name="Rectangle 45"/>
-          <p:cNvSpPr/>
-          <p:nvPr/>
-        </p:nvSpPr>
-        <p:spPr>
-          <a:xfrm>
-            <a:off x="6858980" y="5545941"/>
-            <a:ext cx="3517981" cy="871268"/>
-          </a:xfrm>
-          <a:prstGeom prst="rect">
-            <a:avLst/>
-          </a:prstGeom>
-          <a:solidFill>
-            <a:schemeClr val="accent6">
-              <a:lumMod val="20000"/>
-              <a:lumOff val="80000"/>
-            </a:schemeClr>
-          </a:solidFill>
-          <a:ln>
-            <a:solidFill>
-              <a:schemeClr val="accent6">
-                <a:lumMod val="50000"/>
-              </a:schemeClr>
-            </a:solidFill>
-          </a:ln>
-        </p:spPr>
-        <p:style>
-          <a:lnRef idx="2">
-            <a:schemeClr val="accent1">
-              <a:shade val="50000"/>
-            </a:schemeClr>
-          </a:lnRef>
-          <a:fillRef idx="1">
-            <a:schemeClr val="accent1"/>
-          </a:fillRef>
-          <a:effectRef idx="0">
-            <a:schemeClr val="accent1"/>
-          </a:effectRef>
-          <a:fontRef idx="minor">
-            <a:schemeClr val="lt1"/>
-          </a:fontRef>
-        </p:style>
-        <p:txBody>
-          <a:bodyPr rtlCol="0" anchor="ctr"/>
-          <a:lstStyle/>
-          <a:p>
-            <a:r>
-              <a:rPr lang="en-US" sz="1200" dirty="0" smtClean="0">
-                <a:solidFill>
-                  <a:schemeClr val="tx1"/>
-                </a:solidFill>
-              </a:rPr>
-              <a:t>population/population.hpp</a:t>
-            </a:r>
-          </a:p>
-          <a:p>
-            <a:r>
-              <a:rPr lang="en-US" b="1" dirty="0" err="1" smtClean="0">
-                <a:solidFill>
-                  <a:schemeClr val="tx1"/>
-                </a:solidFill>
-              </a:rPr>
-              <a:t>fims</a:t>
-            </a:r>
-            <a:r>
-              <a:rPr lang="en-US" b="1" dirty="0" smtClean="0">
-                <a:solidFill>
-                  <a:schemeClr val="tx1"/>
-                </a:solidFill>
-              </a:rPr>
-              <a:t>::Population</a:t>
-            </a:r>
-          </a:p>
-          <a:p>
-            <a:pPr marL="285750" indent="-285750">
-              <a:buFont typeface="Arial" panose="020B0604020202020204" pitchFamily="34" charset="0"/>
-              <a:buChar char="•"/>
-            </a:pPr>
-            <a:r>
-              <a:rPr lang="en-US" dirty="0" smtClean="0">
-                <a:solidFill>
-                  <a:schemeClr val="tx1"/>
-                </a:solidFill>
-              </a:rPr>
-              <a:t>this-&gt;maturity-&gt;evaluate(age)</a:t>
-            </a:r>
-          </a:p>
-        </p:txBody>
-      </p:sp>
-      <p:cxnSp>
-        <p:nvCxnSpPr>
-          <p:cNvPr id="50" name="Straight Arrow Connector 49"/>
-          <p:cNvCxnSpPr>
-            <a:stCxn id="37" idx="3"/>
-            <a:endCxn id="46" idx="1"/>
-          </p:cNvCxnSpPr>
-          <p:nvPr/>
-        </p:nvCxnSpPr>
-        <p:spPr>
-          <a:xfrm>
-            <a:off x="5268187" y="5981575"/>
-            <a:ext cx="1590793" cy="0"/>
-          </a:xfrm>
-          <a:prstGeom prst="straightConnector1">
-            <a:avLst/>
-          </a:prstGeom>
-          <a:ln>
-            <a:solidFill>
-              <a:schemeClr val="accent6">
-                <a:lumMod val="50000"/>
-              </a:schemeClr>
-            </a:solidFill>
-            <a:tailEnd type="triangle"/>
-          </a:ln>
-        </p:spPr>
-        <p:style>
-          <a:lnRef idx="1">
-            <a:schemeClr val="accent1"/>
-          </a:lnRef>
-          <a:fillRef idx="0">
-            <a:schemeClr val="accent1"/>
-          </a:fillRef>
-          <a:effectRef idx="0">
-            <a:schemeClr val="accent1"/>
-          </a:effectRef>
-          <a:fontRef idx="minor">
-            <a:schemeClr val="tx1"/>
-          </a:fontRef>
-        </p:style>
-      </p:cxnSp>
-      <p:sp>
-        <p:nvSpPr>
-          <p:cNvPr id="54" name="TextBox 53"/>
-          <p:cNvSpPr txBox="1"/>
-          <p:nvPr/>
-        </p:nvSpPr>
-        <p:spPr>
-          <a:xfrm>
-            <a:off x="5248817" y="5658409"/>
-            <a:ext cx="1610163" cy="646331"/>
-          </a:xfrm>
-          <a:prstGeom prst="rect">
-            <a:avLst/>
-          </a:prstGeom>
-          <a:noFill/>
-        </p:spPr>
-        <p:txBody>
-          <a:bodyPr wrap="square" rtlCol="0">
-            <a:spAutoFit/>
-          </a:bodyPr>
-          <a:lstStyle/>
-          <a:p>
-            <a:pPr algn="ctr"/>
-            <a:r>
-              <a:rPr lang="en-US" dirty="0" smtClean="0">
-                <a:solidFill>
-                  <a:schemeClr val="accent6">
-                    <a:lumMod val="50000"/>
-                  </a:schemeClr>
-                </a:solidFill>
-              </a:rPr>
-              <a:t>shared pointer: maturity</a:t>
-            </a:r>
-            <a:endParaRPr lang="en-US" dirty="0">
-              <a:solidFill>
-                <a:schemeClr val="accent6">
-                  <a:lumMod val="50000"/>
-                </a:schemeClr>
-              </a:solidFill>
-            </a:endParaRPr>
-          </a:p>
-        </p:txBody>
-      </p:sp>
-      <p:cxnSp>
-        <p:nvCxnSpPr>
-          <p:cNvPr id="35" name="Elbow Connector 34"/>
-          <p:cNvCxnSpPr/>
-          <p:nvPr/>
-        </p:nvCxnSpPr>
-        <p:spPr>
-          <a:xfrm>
-            <a:off x="2639867" y="3353526"/>
-            <a:ext cx="12700" cy="788958"/>
-          </a:xfrm>
-          <a:prstGeom prst="bentConnector4">
-            <a:avLst>
-              <a:gd name="adj1" fmla="val -2908409"/>
-              <a:gd name="adj2" fmla="val 99829"/>
-            </a:avLst>
-          </a:prstGeom>
-          <a:ln>
-            <a:solidFill>
-              <a:schemeClr val="accent2">
-                <a:lumMod val="75000"/>
-              </a:schemeClr>
-            </a:solidFill>
-            <a:tailEnd type="triangle"/>
-          </a:ln>
-        </p:spPr>
-        <p:style>
-          <a:lnRef idx="1">
-            <a:schemeClr val="accent2"/>
-          </a:lnRef>
-          <a:fillRef idx="0">
-            <a:schemeClr val="accent2"/>
-          </a:fillRef>
-          <a:effectRef idx="0">
-            <a:schemeClr val="accent2"/>
-          </a:effectRef>
-          <a:fontRef idx="minor">
-            <a:schemeClr val="tx1"/>
-          </a:fontRef>
-        </p:style>
-      </p:cxnSp>
-      <p:sp>
-        <p:nvSpPr>
-          <p:cNvPr id="162" name="Rectangle 161"/>
-          <p:cNvSpPr/>
-          <p:nvPr/>
-        </p:nvSpPr>
-        <p:spPr>
-          <a:xfrm>
-            <a:off x="124968" y="5151090"/>
-            <a:ext cx="2298281" cy="923331"/>
-          </a:xfrm>
-          <a:prstGeom prst="rect">
-            <a:avLst/>
-          </a:prstGeom>
-          <a:solidFill>
-            <a:schemeClr val="bg1"/>
-          </a:solidFill>
-          <a:ln>
-            <a:solidFill>
-              <a:schemeClr val="tx1"/>
-            </a:solidFill>
-          </a:ln>
-        </p:spPr>
-        <p:style>
-          <a:lnRef idx="2">
-            <a:schemeClr val="accent1">
-              <a:shade val="50000"/>
-            </a:schemeClr>
-          </a:lnRef>
-          <a:fillRef idx="1">
-            <a:schemeClr val="accent1"/>
-          </a:fillRef>
-          <a:effectRef idx="0">
-            <a:schemeClr val="accent1"/>
-          </a:effectRef>
-          <a:fontRef idx="minor">
-            <a:schemeClr val="lt1"/>
-          </a:fontRef>
-        </p:style>
-        <p:txBody>
-          <a:bodyPr rtlCol="0" anchor="ctr"/>
-          <a:lstStyle/>
-          <a:p>
-            <a:pPr algn="ctr"/>
-            <a:endParaRPr lang="en-US"/>
-          </a:p>
-        </p:txBody>
-      </p:sp>
-      <p:sp>
-        <p:nvSpPr>
-          <p:cNvPr id="163" name="TextBox 162"/>
-          <p:cNvSpPr txBox="1"/>
-          <p:nvPr/>
-        </p:nvSpPr>
-        <p:spPr>
-          <a:xfrm>
-            <a:off x="668920" y="5151091"/>
-            <a:ext cx="1883654" cy="923330"/>
-          </a:xfrm>
-          <a:prstGeom prst="rect">
-            <a:avLst/>
-          </a:prstGeom>
-          <a:noFill/>
-        </p:spPr>
-        <p:txBody>
-          <a:bodyPr wrap="square" rtlCol="0">
-            <a:spAutoFit/>
-          </a:bodyPr>
-          <a:lstStyle/>
-          <a:p>
-            <a:r>
-              <a:rPr lang="en-US" dirty="0" smtClean="0"/>
-              <a:t>R</a:t>
-            </a:r>
-          </a:p>
-          <a:p>
-            <a:r>
-              <a:rPr lang="en-US" dirty="0" err="1" smtClean="0"/>
-              <a:t>Rcpp</a:t>
-            </a:r>
-            <a:endParaRPr lang="en-US" dirty="0" smtClean="0"/>
-          </a:p>
-          <a:p>
-            <a:r>
-              <a:rPr lang="en-US" dirty="0" err="1" smtClean="0"/>
-              <a:t>fims</a:t>
-            </a:r>
-            <a:endParaRPr lang="en-US" dirty="0"/>
-          </a:p>
-        </p:txBody>
-      </p:sp>
-      <p:sp>
-        <p:nvSpPr>
-          <p:cNvPr id="164" name="Rectangle 163"/>
-          <p:cNvSpPr/>
-          <p:nvPr/>
-        </p:nvSpPr>
-        <p:spPr>
-          <a:xfrm>
-            <a:off x="240583" y="5229840"/>
-            <a:ext cx="415636" cy="210624"/>
-          </a:xfrm>
-          <a:prstGeom prst="rect">
-            <a:avLst/>
-          </a:prstGeom>
-          <a:solidFill>
-            <a:schemeClr val="accent1">
-              <a:lumMod val="20000"/>
-              <a:lumOff val="80000"/>
-            </a:schemeClr>
-          </a:solidFill>
-          <a:ln>
-            <a:solidFill>
-              <a:schemeClr val="accent1">
-                <a:lumMod val="50000"/>
-              </a:schemeClr>
-            </a:solidFill>
-          </a:ln>
-        </p:spPr>
-        <p:style>
-          <a:lnRef idx="2">
-            <a:schemeClr val="accent1">
-              <a:shade val="50000"/>
-            </a:schemeClr>
-          </a:lnRef>
-          <a:fillRef idx="1">
-            <a:schemeClr val="accent1"/>
-          </a:fillRef>
-          <a:effectRef idx="0">
-            <a:schemeClr val="accent1"/>
-          </a:effectRef>
-          <a:fontRef idx="minor">
-            <a:schemeClr val="lt1"/>
-          </a:fontRef>
-        </p:style>
-        <p:txBody>
-          <a:bodyPr rtlCol="0" anchor="ctr"/>
-          <a:lstStyle/>
-          <a:p>
-            <a:pPr algn="ctr"/>
-            <a:endParaRPr lang="en-US" dirty="0"/>
-          </a:p>
-        </p:txBody>
-      </p:sp>
-      <p:sp>
-        <p:nvSpPr>
-          <p:cNvPr id="165" name="Rectangle 164"/>
-          <p:cNvSpPr/>
-          <p:nvPr/>
-        </p:nvSpPr>
-        <p:spPr>
-          <a:xfrm>
-            <a:off x="240583" y="5520787"/>
-            <a:ext cx="415636" cy="210624"/>
-          </a:xfrm>
-          <a:prstGeom prst="rect">
-            <a:avLst/>
-          </a:prstGeom>
-          <a:solidFill>
-            <a:schemeClr val="accent2">
-              <a:lumMod val="20000"/>
-              <a:lumOff val="80000"/>
-            </a:schemeClr>
-          </a:solidFill>
-          <a:ln>
-            <a:solidFill>
-              <a:schemeClr val="accent2">
-                <a:lumMod val="50000"/>
-              </a:schemeClr>
-            </a:solidFill>
-          </a:ln>
-        </p:spPr>
-        <p:style>
-          <a:lnRef idx="2">
-            <a:schemeClr val="accent1">
-              <a:shade val="50000"/>
-            </a:schemeClr>
-          </a:lnRef>
-          <a:fillRef idx="1">
-            <a:schemeClr val="accent1"/>
-          </a:fillRef>
-          <a:effectRef idx="0">
-            <a:schemeClr val="accent1"/>
-          </a:effectRef>
-          <a:fontRef idx="minor">
-            <a:schemeClr val="lt1"/>
-          </a:fontRef>
-        </p:style>
-        <p:txBody>
-          <a:bodyPr rtlCol="0" anchor="ctr"/>
-          <a:lstStyle/>
-          <a:p>
-            <a:pPr algn="ctr"/>
-            <a:endParaRPr lang="en-US"/>
-          </a:p>
-        </p:txBody>
-      </p:sp>
-      <p:sp>
-        <p:nvSpPr>
-          <p:cNvPr id="166" name="Rectangle 165"/>
-          <p:cNvSpPr/>
-          <p:nvPr/>
-        </p:nvSpPr>
-        <p:spPr>
-          <a:xfrm>
-            <a:off x="240583" y="5800598"/>
-            <a:ext cx="415636" cy="210624"/>
-          </a:xfrm>
-          <a:prstGeom prst="rect">
-            <a:avLst/>
-          </a:prstGeom>
-          <a:solidFill>
-            <a:schemeClr val="accent6">
-              <a:lumMod val="20000"/>
-              <a:lumOff val="80000"/>
-            </a:schemeClr>
-          </a:solidFill>
-          <a:ln>
-            <a:solidFill>
-              <a:schemeClr val="accent6">
-                <a:lumMod val="50000"/>
-              </a:schemeClr>
-            </a:solidFill>
-          </a:ln>
-        </p:spPr>
-        <p:style>
-          <a:lnRef idx="2">
-            <a:schemeClr val="accent1">
-              <a:shade val="50000"/>
-            </a:schemeClr>
-          </a:lnRef>
-          <a:fillRef idx="1">
-            <a:schemeClr val="accent1"/>
-          </a:fillRef>
-          <a:effectRef idx="0">
-            <a:schemeClr val="accent1"/>
-          </a:effectRef>
-          <a:fontRef idx="minor">
-            <a:schemeClr val="lt1"/>
-          </a:fontRef>
-        </p:style>
-        <p:txBody>
-          <a:bodyPr rtlCol="0" anchor="ctr"/>
-          <a:lstStyle/>
-          <a:p>
-            <a:pPr algn="ctr"/>
-            <a:endParaRPr lang="en-US"/>
-          </a:p>
-        </p:txBody>
-      </p:sp>
-      <p:sp>
-        <p:nvSpPr>
-          <p:cNvPr id="168" name="TextBox 167"/>
-          <p:cNvSpPr txBox="1"/>
-          <p:nvPr/>
-        </p:nvSpPr>
-        <p:spPr>
-          <a:xfrm>
-            <a:off x="124968" y="146364"/>
-            <a:ext cx="3657323" cy="430887"/>
-          </a:xfrm>
-          <a:prstGeom prst="rect">
-            <a:avLst/>
-          </a:prstGeom>
-          <a:noFill/>
-        </p:spPr>
-        <p:txBody>
-          <a:bodyPr wrap="square" rtlCol="0">
-            <a:spAutoFit/>
-          </a:bodyPr>
-          <a:lstStyle/>
-          <a:p>
-            <a:r>
-              <a:rPr lang="en-US" sz="2200" dirty="0" smtClean="0"/>
-              <a:t>FIMS Path: Maturity</a:t>
-            </a:r>
-            <a:endParaRPr lang="en-US" sz="2200" dirty="0"/>
-          </a:p>
-        </p:txBody>
-      </p:sp>
+            </a:lnRef>
+            <a:fillRef idx="1">
+              <a:schemeClr val="accent1"/>
+            </a:fillRef>
+            <a:effectRef idx="0">
+              <a:schemeClr val="accent1"/>
+            </a:effectRef>
+            <a:fontRef idx="minor">
+              <a:schemeClr val="lt1"/>
+            </a:fontRef>
+          </p:style>
+          <p:txBody>
+            <a:bodyPr rtlCol="0" anchor="ctr"/>
+            <a:lstStyle/>
+            <a:p>
+              <a:pPr algn="ctr"/>
+              <a:endParaRPr lang="en-US"/>
+            </a:p>
+          </p:txBody>
+        </p:sp>
+        <p:sp>
+          <p:nvSpPr>
+            <p:cNvPr id="168" name="TextBox 167"/>
+            <p:cNvSpPr txBox="1"/>
+            <p:nvPr/>
+          </p:nvSpPr>
+          <p:spPr>
+            <a:xfrm>
+              <a:off x="124968" y="146364"/>
+              <a:ext cx="3657323" cy="430887"/>
+            </a:xfrm>
+            <a:prstGeom prst="rect">
+              <a:avLst/>
+            </a:prstGeom>
+            <a:noFill/>
+          </p:spPr>
+          <p:txBody>
+            <a:bodyPr wrap="square" rtlCol="0">
+              <a:spAutoFit/>
+            </a:bodyPr>
+            <a:lstStyle/>
+            <a:p>
+              <a:r>
+                <a:rPr lang="en-US" sz="2200" dirty="0" smtClean="0"/>
+                <a:t>FIMS Path: Maturity</a:t>
+              </a:r>
+              <a:endParaRPr lang="en-US" sz="2200" dirty="0"/>
+            </a:p>
+          </p:txBody>
+        </p:sp>
+      </p:grpSp>
     </p:spTree>
     <p:extLst>
       <p:ext uri="{BB962C8B-B14F-4D97-AF65-F5344CB8AC3E}">
@@ -4481,7 +3743,7 @@
       </p:grpSpPr>
       <p:grpSp>
         <p:nvGrpSpPr>
-          <p:cNvPr id="8" name="Group 7"/>
+          <p:cNvPr id="7" name="Group 6"/>
           <p:cNvGrpSpPr/>
           <p:nvPr/>
         </p:nvGrpSpPr>
@@ -4821,14 +4083,24 @@
                 <a:buChar char="•"/>
               </a:pPr>
               <a:r>
-                <a:rPr lang="en-US" dirty="0" err="1" smtClean="0">
+                <a:rPr lang="en-US" dirty="0" err="1">
                   <a:solidFill>
                     <a:schemeClr val="accent2">
                       <a:lumMod val="75000"/>
                     </a:schemeClr>
                   </a:solidFill>
                 </a:rPr>
-                <a:t>Add_to_fims_tmb</a:t>
+                <a:t>a</a:t>
+              </a:r>
+              <a:r>
+                <a:rPr lang="en-US" dirty="0" err="1" smtClean="0">
+                  <a:solidFill>
+                    <a:schemeClr val="accent2">
+                      <a:lumMod val="75000"/>
+                    </a:schemeClr>
+                  </a:solidFill>
+                </a:rPr>
+                <a:t>dd_to_fims_tmb</a:t>
               </a:r>
               <a:r>
                 <a:rPr lang="en-US" dirty="0" smtClean="0">
@@ -5056,8 +4328,8 @@
           </p:nvSpPr>
           <p:spPr>
             <a:xfrm>
-              <a:off x="2658916" y="3616140"/>
-              <a:ext cx="2609271" cy="1331703"/>
+              <a:off x="2658916" y="3616141"/>
+              <a:ext cx="2609271" cy="1076630"/>
             </a:xfrm>
             <a:prstGeom prst="rect">
               <a:avLst/>
@@ -5197,22 +4469,13 @@
                 </a:rPr>
                 <a:t>slope</a:t>
               </a:r>
-            </a:p>
-            <a:p>
-              <a:pPr marL="285750" indent="-285750">
-                <a:buFont typeface="Arial" panose="020B0604020202020204" pitchFamily="34" charset="0"/>
-                <a:buChar char="•"/>
-              </a:pPr>
-              <a:r>
-                <a:rPr lang="en-US" dirty="0" smtClean="0">
-                  <a:solidFill>
-                    <a:schemeClr val="accent6">
-                      <a:lumMod val="50000"/>
-                    </a:schemeClr>
-                  </a:solidFill>
-                </a:rPr>
-                <a:t>evaluate(x)</a:t>
-              </a:r>
+              <a:endParaRPr lang="en-US" dirty="0" smtClean="0">
+                <a:solidFill>
+                  <a:schemeClr val="accent6">
+                    <a:lumMod val="50000"/>
+                  </a:schemeClr>
+                </a:solidFill>
+              </a:endParaRPr>
             </a:p>
           </p:txBody>
         </p:sp>
@@ -5251,16 +4514,467 @@
             </a:p>
           </p:txBody>
         </p:sp>
+        <p:cxnSp>
+          <p:nvCxnSpPr>
+            <p:cNvPr id="35" name="Elbow Connector 34"/>
+            <p:cNvCxnSpPr/>
+            <p:nvPr/>
+          </p:nvCxnSpPr>
+          <p:spPr>
+            <a:xfrm>
+              <a:off x="2639867" y="3353526"/>
+              <a:ext cx="12700" cy="788958"/>
+            </a:xfrm>
+            <a:prstGeom prst="bentConnector4">
+              <a:avLst>
+                <a:gd name="adj1" fmla="val -2908409"/>
+                <a:gd name="adj2" fmla="val 99829"/>
+              </a:avLst>
+            </a:prstGeom>
+            <a:ln>
+              <a:solidFill>
+                <a:schemeClr val="accent2">
+                  <a:lumMod val="75000"/>
+                </a:schemeClr>
+              </a:solidFill>
+              <a:tailEnd type="triangle"/>
+            </a:ln>
+          </p:spPr>
+          <p:style>
+            <a:lnRef idx="1">
+              <a:schemeClr val="accent2"/>
+            </a:lnRef>
+            <a:fillRef idx="0">
+              <a:schemeClr val="accent2"/>
+            </a:fillRef>
+            <a:effectRef idx="0">
+              <a:schemeClr val="accent2"/>
+            </a:effectRef>
+            <a:fontRef idx="minor">
+              <a:schemeClr val="tx1"/>
+            </a:fontRef>
+          </p:style>
+        </p:cxnSp>
         <p:sp>
           <p:nvSpPr>
-            <p:cNvPr id="37" name="Rectangle 36"/>
+            <p:cNvPr id="168" name="TextBox 167"/>
+            <p:cNvSpPr txBox="1"/>
+            <p:nvPr/>
+          </p:nvSpPr>
+          <p:spPr>
+            <a:xfrm>
+              <a:off x="124968" y="146364"/>
+              <a:ext cx="3657323" cy="430887"/>
+            </a:xfrm>
+            <a:prstGeom prst="rect">
+              <a:avLst/>
+            </a:prstGeom>
+            <a:noFill/>
+          </p:spPr>
+          <p:txBody>
+            <a:bodyPr wrap="square" rtlCol="0">
+              <a:spAutoFit/>
+            </a:bodyPr>
+            <a:lstStyle/>
+            <a:p>
+              <a:r>
+                <a:rPr lang="en-US" sz="2200" dirty="0" smtClean="0"/>
+                <a:t>FIMS Path: Maturity</a:t>
+              </a:r>
+              <a:endParaRPr lang="en-US" sz="2200" dirty="0"/>
+            </a:p>
+          </p:txBody>
+        </p:sp>
+        <p:cxnSp>
+          <p:nvCxnSpPr>
+            <p:cNvPr id="23" name="Straight Arrow Connector 22"/>
+            <p:cNvCxnSpPr>
+              <a:endCxn id="25" idx="1"/>
+            </p:cNvCxnSpPr>
+            <p:nvPr/>
+          </p:nvCxnSpPr>
+          <p:spPr>
+            <a:xfrm>
+              <a:off x="5282986" y="1867116"/>
+              <a:ext cx="1575994" cy="0"/>
+            </a:xfrm>
+            <a:prstGeom prst="straightConnector1">
+              <a:avLst/>
+            </a:prstGeom>
+            <a:ln>
+              <a:tailEnd type="triangle"/>
+            </a:ln>
+          </p:spPr>
+          <p:style>
+            <a:lnRef idx="1">
+              <a:schemeClr val="accent2"/>
+            </a:lnRef>
+            <a:fillRef idx="0">
+              <a:schemeClr val="accent2"/>
+            </a:fillRef>
+            <a:effectRef idx="0">
+              <a:schemeClr val="accent2"/>
+            </a:effectRef>
+            <a:fontRef idx="minor">
+              <a:schemeClr val="tx1"/>
+            </a:fontRef>
+          </p:style>
+        </p:cxnSp>
+        <p:sp>
+          <p:nvSpPr>
+            <p:cNvPr id="25" name="Rectangle 24"/>
             <p:cNvSpPr/>
             <p:nvPr/>
           </p:nvSpPr>
           <p:spPr>
             <a:xfrm>
-              <a:off x="2658917" y="5545941"/>
-              <a:ext cx="2609270" cy="871268"/>
+              <a:off x="6858980" y="1387415"/>
+              <a:ext cx="5197938" cy="887936"/>
+            </a:xfrm>
+            <a:prstGeom prst="rect">
+              <a:avLst/>
+            </a:prstGeom>
+            <a:solidFill>
+              <a:schemeClr val="bg2">
+                <a:lumMod val="90000"/>
+              </a:schemeClr>
+            </a:solidFill>
+            <a:ln>
+              <a:solidFill>
+                <a:schemeClr val="accent6">
+                  <a:lumMod val="50000"/>
+                </a:schemeClr>
+              </a:solidFill>
+            </a:ln>
+          </p:spPr>
+          <p:style>
+            <a:lnRef idx="2">
+              <a:schemeClr val="accent1">
+                <a:shade val="50000"/>
+              </a:schemeClr>
+            </a:lnRef>
+            <a:fillRef idx="1">
+              <a:schemeClr val="accent1"/>
+            </a:fillRef>
+            <a:effectRef idx="0">
+              <a:schemeClr val="accent1"/>
+            </a:effectRef>
+            <a:fontRef idx="minor">
+              <a:schemeClr val="lt1"/>
+            </a:fontRef>
+          </p:style>
+          <p:txBody>
+            <a:bodyPr rtlCol="0" anchor="ctr"/>
+            <a:lstStyle/>
+            <a:p>
+              <a:r>
+                <a:rPr lang="en-US" sz="1200" dirty="0" smtClean="0">
+                  <a:solidFill>
+                    <a:schemeClr val="tx1"/>
+                  </a:solidFill>
+                </a:rPr>
+                <a:t>common/information.hpp</a:t>
+              </a:r>
+            </a:p>
+            <a:p>
+              <a:r>
+                <a:rPr lang="en-US" b="1" dirty="0" err="1" smtClean="0">
+                  <a:solidFill>
+                    <a:schemeClr val="tx1"/>
+                  </a:solidFill>
+                </a:rPr>
+                <a:t>fims</a:t>
+              </a:r>
+              <a:r>
+                <a:rPr lang="en-US" b="1" dirty="0" smtClean="0">
+                  <a:solidFill>
+                    <a:schemeClr val="tx1"/>
+                  </a:solidFill>
+                </a:rPr>
+                <a:t>::</a:t>
+              </a:r>
+              <a:r>
+                <a:rPr lang="en-US" b="1" dirty="0" smtClean="0">
+                  <a:solidFill>
+                    <a:schemeClr val="tx1"/>
+                  </a:solidFill>
+                </a:rPr>
+                <a:t>Information</a:t>
+              </a:r>
+              <a:endParaRPr lang="en-US" sz="1600" dirty="0" smtClean="0">
+                <a:solidFill>
+                  <a:schemeClr val="tx1"/>
+                </a:solidFill>
+              </a:endParaRPr>
+            </a:p>
+          </p:txBody>
+        </p:sp>
+        <p:sp>
+          <p:nvSpPr>
+            <p:cNvPr id="26" name="Rectangle 25"/>
+            <p:cNvSpPr/>
+            <p:nvPr/>
+          </p:nvSpPr>
+          <p:spPr>
+            <a:xfrm>
+              <a:off x="5082346" y="1548130"/>
+              <a:ext cx="1943103" cy="646331"/>
+            </a:xfrm>
+            <a:prstGeom prst="rect">
+              <a:avLst/>
+            </a:prstGeom>
+          </p:spPr>
+          <p:txBody>
+            <a:bodyPr wrap="square">
+              <a:spAutoFit/>
+            </a:bodyPr>
+            <a:lstStyle/>
+            <a:p>
+              <a:pPr algn="ctr"/>
+              <a:r>
+                <a:rPr lang="en-US" dirty="0" smtClean="0">
+                  <a:solidFill>
+                    <a:schemeClr val="accent2">
+                      <a:lumMod val="75000"/>
+                    </a:schemeClr>
+                  </a:solidFill>
+                </a:rPr>
+                <a:t>shared pointer: </a:t>
+              </a:r>
+            </a:p>
+            <a:p>
+              <a:pPr algn="ctr"/>
+              <a:r>
+                <a:rPr lang="en-US" dirty="0" smtClean="0">
+                  <a:solidFill>
+                    <a:schemeClr val="accent2">
+                      <a:lumMod val="75000"/>
+                    </a:schemeClr>
+                  </a:solidFill>
+                </a:rPr>
+                <a:t>d0</a:t>
+              </a:r>
+            </a:p>
+          </p:txBody>
+        </p:sp>
+        <p:sp>
+          <p:nvSpPr>
+            <p:cNvPr id="27" name="Rectangle 26"/>
+            <p:cNvSpPr/>
+            <p:nvPr/>
+          </p:nvSpPr>
+          <p:spPr>
+            <a:xfrm>
+              <a:off x="124968" y="5151090"/>
+              <a:ext cx="2298281" cy="1266119"/>
+            </a:xfrm>
+            <a:prstGeom prst="rect">
+              <a:avLst/>
+            </a:prstGeom>
+            <a:solidFill>
+              <a:schemeClr val="bg1"/>
+            </a:solidFill>
+            <a:ln>
+              <a:solidFill>
+                <a:schemeClr val="tx1"/>
+              </a:solidFill>
+            </a:ln>
+          </p:spPr>
+          <p:style>
+            <a:lnRef idx="2">
+              <a:schemeClr val="accent1">
+                <a:shade val="50000"/>
+              </a:schemeClr>
+            </a:lnRef>
+            <a:fillRef idx="1">
+              <a:schemeClr val="accent1"/>
+            </a:fillRef>
+            <a:effectRef idx="0">
+              <a:schemeClr val="accent1"/>
+            </a:effectRef>
+            <a:fontRef idx="minor">
+              <a:schemeClr val="lt1"/>
+            </a:fontRef>
+          </p:style>
+          <p:txBody>
+            <a:bodyPr rtlCol="0" anchor="ctr"/>
+            <a:lstStyle/>
+            <a:p>
+              <a:pPr algn="ctr"/>
+              <a:endParaRPr lang="en-US"/>
+            </a:p>
+          </p:txBody>
+        </p:sp>
+        <p:sp>
+          <p:nvSpPr>
+            <p:cNvPr id="28" name="TextBox 27"/>
+            <p:cNvSpPr txBox="1"/>
+            <p:nvPr/>
+          </p:nvSpPr>
+          <p:spPr>
+            <a:xfrm>
+              <a:off x="668920" y="5151091"/>
+              <a:ext cx="1883654" cy="1200329"/>
+            </a:xfrm>
+            <a:prstGeom prst="rect">
+              <a:avLst/>
+            </a:prstGeom>
+            <a:noFill/>
+          </p:spPr>
+          <p:txBody>
+            <a:bodyPr wrap="square" rtlCol="0">
+              <a:spAutoFit/>
+            </a:bodyPr>
+            <a:lstStyle/>
+            <a:p>
+              <a:r>
+                <a:rPr lang="en-US" dirty="0" smtClean="0"/>
+                <a:t>R</a:t>
+              </a:r>
+            </a:p>
+            <a:p>
+              <a:r>
+                <a:rPr lang="en-US" dirty="0" err="1" smtClean="0"/>
+                <a:t>Rcpp</a:t>
+              </a:r>
+              <a:endParaRPr lang="en-US" dirty="0" smtClean="0"/>
+            </a:p>
+            <a:p>
+              <a:r>
+                <a:rPr lang="en-US" dirty="0" err="1" smtClean="0"/>
+                <a:t>fims</a:t>
+              </a:r>
+              <a:endParaRPr lang="en-US" dirty="0" smtClean="0"/>
+            </a:p>
+            <a:p>
+              <a:r>
+                <a:rPr lang="en-US" dirty="0" err="1" smtClean="0"/>
+                <a:t>fims:Information</a:t>
+              </a:r>
+              <a:r>
+                <a:rPr lang="en-US" dirty="0" smtClean="0"/>
+                <a:t> </a:t>
+              </a:r>
+              <a:endParaRPr lang="en-US" dirty="0"/>
+            </a:p>
+          </p:txBody>
+        </p:sp>
+        <p:sp>
+          <p:nvSpPr>
+            <p:cNvPr id="29" name="Rectangle 28"/>
+            <p:cNvSpPr/>
+            <p:nvPr/>
+          </p:nvSpPr>
+          <p:spPr>
+            <a:xfrm>
+              <a:off x="240583" y="5229840"/>
+              <a:ext cx="415636" cy="210624"/>
+            </a:xfrm>
+            <a:prstGeom prst="rect">
+              <a:avLst/>
+            </a:prstGeom>
+            <a:solidFill>
+              <a:schemeClr val="accent1">
+                <a:lumMod val="20000"/>
+                <a:lumOff val="80000"/>
+              </a:schemeClr>
+            </a:solidFill>
+            <a:ln>
+              <a:solidFill>
+                <a:schemeClr val="accent1">
+                  <a:lumMod val="50000"/>
+                </a:schemeClr>
+              </a:solidFill>
+            </a:ln>
+          </p:spPr>
+          <p:style>
+            <a:lnRef idx="2">
+              <a:schemeClr val="accent1">
+                <a:shade val="50000"/>
+              </a:schemeClr>
+            </a:lnRef>
+            <a:fillRef idx="1">
+              <a:schemeClr val="accent1"/>
+            </a:fillRef>
+            <a:effectRef idx="0">
+              <a:schemeClr val="accent1"/>
+            </a:effectRef>
+            <a:fontRef idx="minor">
+              <a:schemeClr val="lt1"/>
+            </a:fontRef>
+          </p:style>
+          <p:txBody>
+            <a:bodyPr rtlCol="0" anchor="ctr"/>
+            <a:lstStyle/>
+            <a:p>
+              <a:pPr algn="ctr"/>
+              <a:endParaRPr lang="en-US" dirty="0"/>
+            </a:p>
+          </p:txBody>
+        </p:sp>
+        <p:sp>
+          <p:nvSpPr>
+            <p:cNvPr id="30" name="Rectangle 29"/>
+            <p:cNvSpPr/>
+            <p:nvPr/>
+          </p:nvSpPr>
+          <p:spPr>
+            <a:xfrm>
+              <a:off x="240583" y="5520787"/>
+              <a:ext cx="415636" cy="210624"/>
+            </a:xfrm>
+            <a:prstGeom prst="rect">
+              <a:avLst/>
+            </a:prstGeom>
+            <a:solidFill>
+              <a:schemeClr val="accent2">
+                <a:lumMod val="20000"/>
+                <a:lumOff val="80000"/>
+              </a:schemeClr>
+            </a:solidFill>
+            <a:ln>
+              <a:solidFill>
+                <a:schemeClr val="accent2">
+                  <a:lumMod val="50000"/>
+                </a:schemeClr>
+              </a:solidFill>
+            </a:ln>
+          </p:spPr>
+          <p:style>
+            <a:lnRef idx="2">
+              <a:schemeClr val="accent1">
+                <a:shade val="50000"/>
+              </a:schemeClr>
+            </a:lnRef>
+            <a:fillRef idx="1">
+              <a:schemeClr val="accent1"/>
+            </a:fillRef>
+            <a:effectRef idx="0">
+              <a:schemeClr val="accent1"/>
+            </a:effectRef>
+            <a:fontRef idx="minor">
+              <a:schemeClr val="lt1"/>
+            </a:fontRef>
+          </p:style>
+          <p:txBody>
+            <a:bodyPr rtlCol="0" anchor="ctr"/>
+            <a:lstStyle/>
+            <a:p>
+              <a:pPr algn="ctr"/>
+              <a:endParaRPr lang="en-US"/>
+            </a:p>
+          </p:txBody>
+        </p:sp>
+        <p:sp>
+          <p:nvSpPr>
+            <p:cNvPr id="31" name="Rectangle 30"/>
+            <p:cNvSpPr/>
+            <p:nvPr/>
+          </p:nvSpPr>
+          <p:spPr>
+            <a:xfrm>
+              <a:off x="240583" y="5800598"/>
+              <a:ext cx="415636" cy="210624"/>
             </a:xfrm>
             <a:prstGeom prst="rect">
               <a:avLst/>
@@ -5299,65 +5013,169 @@
             <a:bodyPr rtlCol="0" anchor="ctr"/>
             <a:lstStyle/>
             <a:p>
-              <a:r>
-                <a:rPr lang="en-US" sz="1200" dirty="0" smtClean="0">
-                  <a:solidFill>
-                    <a:schemeClr val="tx1"/>
-                  </a:solidFill>
-                </a:rPr>
-                <a:t>maturity/</a:t>
-              </a:r>
-              <a:r>
-                <a:rPr lang="en-US" sz="1200" dirty="0" err="1" smtClean="0">
-                  <a:solidFill>
-                    <a:schemeClr val="tx1"/>
-                  </a:solidFill>
-                </a:rPr>
-                <a:t>functors</a:t>
-              </a:r>
-              <a:r>
-                <a:rPr lang="en-US" sz="1200" dirty="0" smtClean="0">
-                  <a:solidFill>
-                    <a:schemeClr val="tx1"/>
-                  </a:solidFill>
-                </a:rPr>
-                <a:t>/maturity_base.hpp</a:t>
-              </a:r>
-            </a:p>
+              <a:pPr algn="ctr"/>
+              <a:endParaRPr lang="en-US"/>
+            </a:p>
+          </p:txBody>
+        </p:sp>
+        <p:sp>
+          <p:nvSpPr>
+            <p:cNvPr id="32" name="Rectangle 31"/>
+            <p:cNvSpPr/>
+            <p:nvPr/>
+          </p:nvSpPr>
+          <p:spPr>
+            <a:xfrm>
+              <a:off x="240583" y="6084924"/>
+              <a:ext cx="415636" cy="210624"/>
+            </a:xfrm>
+            <a:prstGeom prst="rect">
+              <a:avLst/>
+            </a:prstGeom>
+            <a:solidFill>
+              <a:schemeClr val="bg2">
+                <a:lumMod val="90000"/>
+              </a:schemeClr>
+            </a:solidFill>
+            <a:ln>
+              <a:solidFill>
+                <a:schemeClr val="bg2">
+                  <a:lumMod val="10000"/>
+                </a:schemeClr>
+              </a:solidFill>
+            </a:ln>
+          </p:spPr>
+          <p:style>
+            <a:lnRef idx="2">
+              <a:schemeClr val="accent1">
+                <a:shade val="50000"/>
+              </a:schemeClr>
+            </a:lnRef>
+            <a:fillRef idx="1">
+              <a:schemeClr val="accent1"/>
+            </a:fillRef>
+            <a:effectRef idx="0">
+              <a:schemeClr val="accent1"/>
+            </a:effectRef>
+            <a:fontRef idx="minor">
+              <a:schemeClr val="lt1"/>
+            </a:fontRef>
+          </p:style>
+          <p:txBody>
+            <a:bodyPr rtlCol="0" anchor="ctr"/>
+            <a:lstStyle/>
+            <a:p>
+              <a:pPr algn="ctr"/>
+              <a:endParaRPr lang="en-US"/>
+            </a:p>
+          </p:txBody>
+        </p:sp>
+      </p:grpSp>
+    </p:spTree>
+    <p:extLst>
+      <p:ext uri="{BB962C8B-B14F-4D97-AF65-F5344CB8AC3E}">
+        <p14:creationId xmlns:p14="http://schemas.microsoft.com/office/powerpoint/2010/main" val="2812150445"/>
+      </p:ext>
+    </p:extLst>
+  </p:cSld>
+  <p:clrMapOvr>
+    <a:masterClrMapping/>
+  </p:clrMapOvr>
+</p:sld>
+</file>
+
+<file path=ppt/slides/slide3.xml><?xml version="1.0" encoding="utf-8"?>
+<p:sld xmlns:a="http://schemas.openxmlformats.org/drawingml/2006/main" xmlns:r="http://schemas.openxmlformats.org/officeDocument/2006/relationships" xmlns:p="http://schemas.openxmlformats.org/presentationml/2006/main">
+  <p:cSld>
+    <p:spTree>
+      <p:nvGrpSpPr>
+        <p:cNvPr id="1" name=""/>
+        <p:cNvGrpSpPr/>
+        <p:nvPr/>
+      </p:nvGrpSpPr>
+      <p:grpSpPr>
+        <a:xfrm>
+          <a:off x="0" y="0"/>
+          <a:ext cx="0" cy="0"/>
+          <a:chOff x="0" y="0"/>
+          <a:chExt cx="0" cy="0"/>
+        </a:xfrm>
+      </p:grpSpPr>
+      <p:grpSp>
+        <p:nvGrpSpPr>
+          <p:cNvPr id="13" name="Group 12"/>
+          <p:cNvGrpSpPr/>
+          <p:nvPr/>
+        </p:nvGrpSpPr>
+        <p:grpSpPr>
+          <a:xfrm>
+            <a:off x="124968" y="146364"/>
+            <a:ext cx="11931950" cy="6270845"/>
+            <a:chOff x="124968" y="146364"/>
+            <a:chExt cx="11931950" cy="6270845"/>
+          </a:xfrm>
+        </p:grpSpPr>
+        <p:sp>
+          <p:nvSpPr>
+            <p:cNvPr id="4" name="Rectangle 3"/>
+            <p:cNvSpPr/>
+            <p:nvPr/>
+          </p:nvSpPr>
+          <p:spPr>
+            <a:xfrm>
+              <a:off x="245917" y="723900"/>
+              <a:ext cx="1619250" cy="1028700"/>
+            </a:xfrm>
+            <a:prstGeom prst="rect">
+              <a:avLst/>
+            </a:prstGeom>
+            <a:solidFill>
+              <a:schemeClr val="accent1">
+                <a:lumMod val="20000"/>
+                <a:lumOff val="80000"/>
+              </a:schemeClr>
+            </a:solidFill>
+            <a:ln>
+              <a:solidFill>
+                <a:schemeClr val="accent1">
+                  <a:lumMod val="50000"/>
+                </a:schemeClr>
+              </a:solidFill>
+            </a:ln>
+          </p:spPr>
+          <p:style>
+            <a:lnRef idx="2">
+              <a:schemeClr val="accent1">
+                <a:shade val="50000"/>
+              </a:schemeClr>
+            </a:lnRef>
+            <a:fillRef idx="1">
+              <a:schemeClr val="accent1"/>
+            </a:fillRef>
+            <a:effectRef idx="0">
+              <a:schemeClr val="accent1"/>
+            </a:effectRef>
+            <a:fontRef idx="minor">
+              <a:schemeClr val="lt1"/>
+            </a:fontRef>
+          </p:style>
+          <p:txBody>
+            <a:bodyPr rtlCol="0" anchor="ctr"/>
+            <a:lstStyle/>
             <a:p>
               <a:r>
                 <a:rPr lang="en-US" b="1" dirty="0" err="1" smtClean="0">
                   <a:solidFill>
-                    <a:schemeClr val="accent6">
+                    <a:schemeClr val="accent1">
                       <a:lumMod val="50000"/>
                     </a:schemeClr>
                   </a:solidFill>
                 </a:rPr>
-                <a:t>fims</a:t>
-              </a:r>
-              <a:r>
-                <a:rPr lang="en-US" b="1" dirty="0" smtClean="0">
-                  <a:solidFill>
-                    <a:schemeClr val="accent6">
-                      <a:lumMod val="50000"/>
-                    </a:schemeClr>
-                  </a:solidFill>
-                </a:rPr>
-                <a:t>::</a:t>
-              </a:r>
-              <a:r>
-                <a:rPr lang="en-US" b="1" dirty="0" err="1" smtClean="0">
-                  <a:solidFill>
-                    <a:schemeClr val="accent6">
-                      <a:lumMod val="50000"/>
-                    </a:schemeClr>
-                  </a:solidFill>
-                </a:rPr>
-                <a:t>MaturityBase</a:t>
+                <a:t>fims$maturity</a:t>
               </a:r>
               <a:endParaRPr lang="en-US" b="1" dirty="0" smtClean="0">
                 <a:solidFill>
-                  <a:schemeClr val="accent6">
+                  <a:schemeClr val="accent1">
                     <a:lumMod val="50000"/>
                   </a:schemeClr>
                 </a:solidFill>
@@ -5371,41 +5189,355 @@
               <a:r>
                 <a:rPr lang="en-US" dirty="0" smtClean="0">
                   <a:solidFill>
-                    <a:schemeClr val="accent6">
+                    <a:schemeClr val="accent1">
                       <a:lumMod val="50000"/>
                     </a:schemeClr>
                   </a:solidFill>
                 </a:rPr>
-                <a:t>evaluate(x)</a:t>
+                <a:t>median</a:t>
+              </a:r>
+            </a:p>
+            <a:p>
+              <a:pPr marL="285750" indent="-285750">
+                <a:buFont typeface="Arial" panose="020B0604020202020204" pitchFamily="34" charset="0"/>
+                <a:buChar char="•"/>
+              </a:pPr>
+              <a:r>
+                <a:rPr lang="en-US" dirty="0" smtClean="0">
+                  <a:solidFill>
+                    <a:schemeClr val="accent1">
+                      <a:lumMod val="50000"/>
+                    </a:schemeClr>
+                  </a:solidFill>
+                </a:rPr>
+                <a:t>slope</a:t>
+              </a:r>
+              <a:endParaRPr lang="en-US" dirty="0">
+                <a:solidFill>
+                  <a:schemeClr val="accent1">
+                    <a:lumMod val="50000"/>
+                  </a:schemeClr>
+                </a:solidFill>
+              </a:endParaRPr>
+            </a:p>
+          </p:txBody>
+        </p:sp>
+        <p:sp>
+          <p:nvSpPr>
+            <p:cNvPr id="6" name="Rectangle 5"/>
+            <p:cNvSpPr/>
+            <p:nvPr/>
+          </p:nvSpPr>
+          <p:spPr>
+            <a:xfrm>
+              <a:off x="2661551" y="723900"/>
+              <a:ext cx="2606637" cy="1028700"/>
+            </a:xfrm>
+            <a:prstGeom prst="rect">
+              <a:avLst/>
+            </a:prstGeom>
+            <a:solidFill>
+              <a:schemeClr val="accent1">
+                <a:lumMod val="20000"/>
+                <a:lumOff val="80000"/>
+              </a:schemeClr>
+            </a:solidFill>
+            <a:ln>
+              <a:solidFill>
+                <a:schemeClr val="accent1">
+                  <a:lumMod val="50000"/>
+                </a:schemeClr>
+              </a:solidFill>
+            </a:ln>
+          </p:spPr>
+          <p:style>
+            <a:lnRef idx="2">
+              <a:schemeClr val="accent1">
+                <a:shade val="50000"/>
+              </a:schemeClr>
+            </a:lnRef>
+            <a:fillRef idx="1">
+              <a:schemeClr val="accent1"/>
+            </a:fillRef>
+            <a:effectRef idx="0">
+              <a:schemeClr val="accent1"/>
+            </a:effectRef>
+            <a:fontRef idx="minor">
+              <a:schemeClr val="lt1"/>
+            </a:fontRef>
+          </p:style>
+          <p:txBody>
+            <a:bodyPr rtlCol="0" anchor="ctr"/>
+            <a:lstStyle/>
+            <a:p>
+              <a:r>
+                <a:rPr lang="en-US" b="1" dirty="0" err="1" smtClean="0">
+                  <a:solidFill>
+                    <a:schemeClr val="accent1">
+                      <a:lumMod val="50000"/>
+                    </a:schemeClr>
+                  </a:solidFill>
+                </a:rPr>
+                <a:t>fims$LogisticMaturity</a:t>
+              </a:r>
+              <a:endParaRPr lang="en-US" b="1" dirty="0" smtClean="0">
+                <a:solidFill>
+                  <a:schemeClr val="accent1">
+                    <a:lumMod val="50000"/>
+                  </a:schemeClr>
+                </a:solidFill>
+              </a:endParaRPr>
+            </a:p>
+            <a:p>
+              <a:pPr marL="285750" indent="-285750">
+                <a:buFont typeface="Arial" panose="020B0604020202020204" pitchFamily="34" charset="0"/>
+                <a:buChar char="•"/>
+              </a:pPr>
+              <a:r>
+                <a:rPr lang="en-US" dirty="0" smtClean="0">
+                  <a:solidFill>
+                    <a:schemeClr val="accent1">
+                      <a:lumMod val="50000"/>
+                    </a:schemeClr>
+                  </a:solidFill>
+                </a:rPr>
+                <a:t>median</a:t>
+              </a:r>
+            </a:p>
+            <a:p>
+              <a:pPr marL="285750" indent="-285750">
+                <a:buFont typeface="Arial" panose="020B0604020202020204" pitchFamily="34" charset="0"/>
+                <a:buChar char="•"/>
+              </a:pPr>
+              <a:r>
+                <a:rPr lang="en-US" dirty="0" smtClean="0">
+                  <a:solidFill>
+                    <a:schemeClr val="accent1">
+                      <a:lumMod val="50000"/>
+                    </a:schemeClr>
+                  </a:solidFill>
+                </a:rPr>
+                <a:t>slope</a:t>
+              </a:r>
+            </a:p>
+          </p:txBody>
+        </p:sp>
+        <p:sp>
+          <p:nvSpPr>
+            <p:cNvPr id="10" name="Rectangle 9"/>
+            <p:cNvSpPr/>
+            <p:nvPr/>
+          </p:nvSpPr>
+          <p:spPr>
+            <a:xfrm>
+              <a:off x="2656160" y="1752599"/>
+              <a:ext cx="2612029" cy="1853045"/>
+            </a:xfrm>
+            <a:prstGeom prst="rect">
+              <a:avLst/>
+            </a:prstGeom>
+            <a:solidFill>
+              <a:schemeClr val="accent2">
+                <a:lumMod val="20000"/>
+                <a:lumOff val="80000"/>
+              </a:schemeClr>
+            </a:solidFill>
+            <a:ln>
+              <a:solidFill>
+                <a:schemeClr val="accent2">
+                  <a:lumMod val="50000"/>
+                </a:schemeClr>
+              </a:solidFill>
+            </a:ln>
+          </p:spPr>
+          <p:style>
+            <a:lnRef idx="2">
+              <a:schemeClr val="accent1">
+                <a:shade val="50000"/>
+              </a:schemeClr>
+            </a:lnRef>
+            <a:fillRef idx="1">
+              <a:schemeClr val="accent1"/>
+            </a:fillRef>
+            <a:effectRef idx="0">
+              <a:schemeClr val="accent1"/>
+            </a:effectRef>
+            <a:fontRef idx="minor">
+              <a:schemeClr val="lt1"/>
+            </a:fontRef>
+          </p:style>
+          <p:txBody>
+            <a:bodyPr rtlCol="0" anchor="ctr"/>
+            <a:lstStyle/>
+            <a:p>
+              <a:r>
+                <a:rPr lang="en-US" sz="1200" dirty="0" smtClean="0">
+                  <a:solidFill>
+                    <a:schemeClr val="accent2">
+                      <a:lumMod val="75000"/>
+                    </a:schemeClr>
+                  </a:solidFill>
+                </a:rPr>
+                <a:t>rcpp_maturity.hpp</a:t>
+              </a:r>
+              <a:endParaRPr lang="en-US" sz="1200" dirty="0" smtClean="0">
+                <a:solidFill>
+                  <a:schemeClr val="tx1"/>
+                </a:solidFill>
+              </a:endParaRPr>
+            </a:p>
+            <a:p>
+              <a:r>
+                <a:rPr lang="en-US" b="1" dirty="0" err="1" smtClean="0">
+                  <a:solidFill>
+                    <a:schemeClr val="accent2">
+                      <a:lumMod val="75000"/>
+                    </a:schemeClr>
+                  </a:solidFill>
+                </a:rPr>
+                <a:t>LogisticMaturityInterface</a:t>
+              </a:r>
+              <a:endParaRPr lang="en-US" b="1" dirty="0" smtClean="0">
+                <a:solidFill>
+                  <a:schemeClr val="accent2">
+                    <a:lumMod val="75000"/>
+                  </a:schemeClr>
+                </a:solidFill>
+              </a:endParaRPr>
+            </a:p>
+            <a:p>
+              <a:pPr marL="285750" indent="-285750">
+                <a:buFont typeface="Arial" panose="020B0604020202020204" pitchFamily="34" charset="0"/>
+                <a:buChar char="•"/>
+              </a:pPr>
+              <a:r>
+                <a:rPr lang="en-US" dirty="0" smtClean="0">
+                  <a:solidFill>
+                    <a:schemeClr val="accent2">
+                      <a:lumMod val="75000"/>
+                    </a:schemeClr>
+                  </a:solidFill>
+                </a:rPr>
+                <a:t>median</a:t>
+              </a:r>
+            </a:p>
+            <a:p>
+              <a:pPr marL="285750" indent="-285750">
+                <a:buFont typeface="Arial" panose="020B0604020202020204" pitchFamily="34" charset="0"/>
+                <a:buChar char="•"/>
+              </a:pPr>
+              <a:r>
+                <a:rPr lang="en-US" dirty="0" smtClean="0">
+                  <a:solidFill>
+                    <a:schemeClr val="accent2">
+                      <a:lumMod val="75000"/>
+                    </a:schemeClr>
+                  </a:solidFill>
+                </a:rPr>
+                <a:t>slope</a:t>
+              </a:r>
+            </a:p>
+            <a:p>
+              <a:pPr marL="285750" indent="-285750">
+                <a:buFont typeface="Arial" panose="020B0604020202020204" pitchFamily="34" charset="0"/>
+                <a:buChar char="•"/>
+              </a:pPr>
+              <a:r>
+                <a:rPr lang="en-US" dirty="0" err="1">
+                  <a:solidFill>
+                    <a:schemeClr val="accent2">
+                      <a:lumMod val="75000"/>
+                    </a:schemeClr>
+                  </a:solidFill>
+                </a:rPr>
+                <a:t>a</a:t>
+              </a:r>
+              <a:r>
+                <a:rPr lang="en-US" dirty="0" err="1" smtClean="0">
+                  <a:solidFill>
+                    <a:schemeClr val="accent2">
+                      <a:lumMod val="75000"/>
+                    </a:schemeClr>
+                  </a:solidFill>
+                </a:rPr>
+                <a:t>dd_to_fims_tmb</a:t>
+              </a:r>
+              <a:r>
+                <a:rPr lang="en-US" dirty="0" smtClean="0">
+                  <a:solidFill>
+                    <a:schemeClr val="accent2">
+                      <a:lumMod val="75000"/>
+                    </a:schemeClr>
+                  </a:solidFill>
+                </a:rPr>
+                <a:t>(</a:t>
+              </a:r>
+            </a:p>
+            <a:p>
+              <a:r>
+                <a:rPr lang="en-US" dirty="0">
+                  <a:solidFill>
+                    <a:schemeClr val="accent2">
+                      <a:lumMod val="75000"/>
+                    </a:schemeClr>
+                  </a:solidFill>
+                </a:rPr>
+                <a:t> </a:t>
+              </a:r>
+              <a:r>
+                <a:rPr lang="en-US" dirty="0" smtClean="0">
+                  <a:solidFill>
+                    <a:schemeClr val="accent2">
+                      <a:lumMod val="75000"/>
+                    </a:schemeClr>
+                  </a:solidFill>
+                </a:rPr>
+                <a:t>       shared pointer: lm0</a:t>
+              </a:r>
+            </a:p>
+            <a:p>
+              <a:r>
+                <a:rPr lang="en-US" dirty="0">
+                  <a:solidFill>
+                    <a:schemeClr val="accent2">
+                      <a:lumMod val="75000"/>
+                    </a:schemeClr>
+                  </a:solidFill>
+                </a:rPr>
+                <a:t> </a:t>
+              </a:r>
+              <a:r>
+                <a:rPr lang="en-US" dirty="0" smtClean="0">
+                  <a:solidFill>
+                    <a:schemeClr val="accent2">
+                      <a:lumMod val="75000"/>
+                    </a:schemeClr>
+                  </a:solidFill>
+                </a:rPr>
+                <a:t>       shared pointer: d0</a:t>
               </a:r>
             </a:p>
           </p:txBody>
         </p:sp>
         <p:cxnSp>
           <p:nvCxnSpPr>
-            <p:cNvPr id="39" name="Straight Arrow Connector 38"/>
+            <p:cNvPr id="12" name="Straight Arrow Connector 11"/>
             <p:cNvCxnSpPr>
-              <a:stCxn id="22" idx="2"/>
-              <a:endCxn id="37" idx="0"/>
+              <a:stCxn id="4" idx="3"/>
+              <a:endCxn id="6" idx="1"/>
             </p:cNvCxnSpPr>
             <p:nvPr/>
           </p:nvCxnSpPr>
           <p:spPr>
             <a:xfrm>
-              <a:off x="3916217" y="4947843"/>
-              <a:ext cx="0" cy="598098"/>
+              <a:off x="1865167" y="1238250"/>
+              <a:ext cx="796385" cy="0"/>
             </a:xfrm>
             <a:prstGeom prst="straightConnector1">
               <a:avLst/>
             </a:prstGeom>
             <a:ln>
-              <a:solidFill>
-                <a:schemeClr val="accent6">
-                  <a:lumMod val="50000"/>
-                </a:schemeClr>
-              </a:solidFill>
-              <a:headEnd type="triangle"/>
-              <a:tailEnd type="none"/>
+              <a:tailEnd type="triangle"/>
             </a:ln>
           </p:spPr>
           <p:style>
@@ -5425,14 +5557,14 @@
         </p:cxnSp>
         <p:sp>
           <p:nvSpPr>
-            <p:cNvPr id="44" name="TextBox 43"/>
+            <p:cNvPr id="15" name="TextBox 14"/>
             <p:cNvSpPr txBox="1"/>
             <p:nvPr/>
           </p:nvSpPr>
           <p:spPr>
             <a:xfrm>
-              <a:off x="3903517" y="5066539"/>
-              <a:ext cx="1532312" cy="369332"/>
+              <a:off x="1865167" y="876300"/>
+              <a:ext cx="781050" cy="369332"/>
             </a:xfrm>
             <a:prstGeom prst="rect">
               <a:avLst/>
@@ -5448,16 +5580,16 @@
               <a:r>
                 <a:rPr lang="en-US" dirty="0" smtClean="0">
                   <a:solidFill>
-                    <a:schemeClr val="accent6">
+                    <a:schemeClr val="accent1">
                       <a:lumMod val="50000"/>
                     </a:schemeClr>
                   </a:solidFill>
                 </a:rPr>
-                <a:t>inheritance</a:t>
+                <a:t>new()</a:t>
               </a:r>
               <a:endParaRPr lang="en-US" dirty="0">
                 <a:solidFill>
-                  <a:schemeClr val="accent6">
+                  <a:schemeClr val="accent1">
                     <a:lumMod val="50000"/>
                   </a:schemeClr>
                 </a:solidFill>
@@ -5465,16 +5597,99 @@
             </a:p>
           </p:txBody>
         </p:sp>
+        <p:cxnSp>
+          <p:nvCxnSpPr>
+            <p:cNvPr id="17" name="Elbow Connector 16"/>
+            <p:cNvCxnSpPr/>
+            <p:nvPr/>
+          </p:nvCxnSpPr>
+          <p:spPr>
+            <a:xfrm>
+              <a:off x="2676349" y="1387415"/>
+              <a:ext cx="12700" cy="788958"/>
+            </a:xfrm>
+            <a:prstGeom prst="bentConnector4">
+              <a:avLst>
+                <a:gd name="adj1" fmla="val -2826591"/>
+                <a:gd name="adj2" fmla="val 99829"/>
+              </a:avLst>
+            </a:prstGeom>
+            <a:ln>
+              <a:solidFill>
+                <a:schemeClr val="accent2">
+                  <a:lumMod val="75000"/>
+                </a:schemeClr>
+              </a:solidFill>
+              <a:tailEnd type="triangle"/>
+            </a:ln>
+          </p:spPr>
+          <p:style>
+            <a:lnRef idx="1">
+              <a:schemeClr val="accent2"/>
+            </a:lnRef>
+            <a:fillRef idx="0">
+              <a:schemeClr val="accent2"/>
+            </a:fillRef>
+            <a:effectRef idx="0">
+              <a:schemeClr val="accent2"/>
+            </a:effectRef>
+            <a:fontRef idx="minor">
+              <a:schemeClr val="tx1"/>
+            </a:fontRef>
+          </p:style>
+        </p:cxnSp>
         <p:sp>
           <p:nvSpPr>
-            <p:cNvPr id="46" name="Rectangle 45"/>
+            <p:cNvPr id="21" name="TextBox 20"/>
+            <p:cNvSpPr txBox="1"/>
+            <p:nvPr/>
+          </p:nvSpPr>
+          <p:spPr>
+            <a:xfrm>
+              <a:off x="367500" y="1833749"/>
+              <a:ext cx="2191110" cy="369332"/>
+            </a:xfrm>
+            <a:prstGeom prst="rect">
+              <a:avLst/>
+            </a:prstGeom>
+            <a:noFill/>
+          </p:spPr>
+          <p:txBody>
+            <a:bodyPr wrap="square" rtlCol="0">
+              <a:spAutoFit/>
+            </a:bodyPr>
+            <a:lstStyle/>
+            <a:p>
+              <a:r>
+                <a:rPr lang="en-US" dirty="0" smtClean="0">
+                  <a:solidFill>
+                    <a:schemeClr val="accent2">
+                      <a:lumMod val="75000"/>
+                    </a:schemeClr>
+                  </a:solidFill>
+                </a:rPr>
+                <a:t>rcpp_interface.hpp</a:t>
+              </a:r>
+              <a:endParaRPr lang="en-US" dirty="0">
+                <a:solidFill>
+                  <a:schemeClr val="accent2">
+                    <a:lumMod val="75000"/>
+                  </a:schemeClr>
+                </a:solidFill>
+              </a:endParaRPr>
+            </a:p>
+          </p:txBody>
+        </p:sp>
+        <p:sp>
+          <p:nvSpPr>
+            <p:cNvPr id="22" name="Rectangle 21"/>
             <p:cNvSpPr/>
             <p:nvPr/>
           </p:nvSpPr>
           <p:spPr>
             <a:xfrm>
-              <a:off x="6858980" y="5545941"/>
-              <a:ext cx="3517981" cy="871268"/>
+              <a:off x="2658916" y="3616140"/>
+              <a:ext cx="2609271" cy="1331703"/>
             </a:xfrm>
             <a:prstGeom prst="rect">
               <a:avLst/>
@@ -5516,127 +5731,155 @@
               <a:r>
                 <a:rPr lang="en-US" sz="1200" dirty="0" smtClean="0">
                   <a:solidFill>
-                    <a:schemeClr val="tx1"/>
-                  </a:solidFill>
-                </a:rPr>
-                <a:t>population/population.hpp</a:t>
-              </a:r>
-            </a:p>
-            <a:p>
-              <a:r>
-                <a:rPr lang="en-US" b="1" dirty="0" err="1" smtClean="0">
-                  <a:solidFill>
-                    <a:schemeClr val="tx1"/>
-                  </a:solidFill>
-                </a:rPr>
-                <a:t>fims</a:t>
-              </a:r>
-              <a:r>
-                <a:rPr lang="en-US" b="1" dirty="0" smtClean="0">
-                  <a:solidFill>
-                    <a:schemeClr val="tx1"/>
-                  </a:solidFill>
-                </a:rPr>
-                <a:t>::Population</a:t>
-              </a:r>
-            </a:p>
-            <a:p>
-              <a:pPr marL="285750" indent="-285750">
-                <a:buFont typeface="Arial" panose="020B0604020202020204" pitchFamily="34" charset="0"/>
-                <a:buChar char="•"/>
-              </a:pPr>
-              <a:r>
-                <a:rPr lang="en-US" dirty="0" smtClean="0">
-                  <a:solidFill>
-                    <a:schemeClr val="tx1"/>
-                  </a:solidFill>
-                </a:rPr>
-                <a:t>this-&gt;maturity-&gt;evaluate(age)</a:t>
-              </a:r>
-            </a:p>
-          </p:txBody>
-        </p:sp>
-        <p:cxnSp>
-          <p:nvCxnSpPr>
-            <p:cNvPr id="50" name="Straight Arrow Connector 49"/>
-            <p:cNvCxnSpPr>
-              <a:stCxn id="37" idx="3"/>
-              <a:endCxn id="46" idx="1"/>
-            </p:cNvCxnSpPr>
-            <p:nvPr/>
-          </p:nvCxnSpPr>
-          <p:spPr>
-            <a:xfrm>
-              <a:off x="5268187" y="5981575"/>
-              <a:ext cx="1590793" cy="0"/>
-            </a:xfrm>
-            <a:prstGeom prst="straightConnector1">
-              <a:avLst/>
-            </a:prstGeom>
-            <a:ln>
-              <a:solidFill>
-                <a:schemeClr val="accent6">
-                  <a:lumMod val="50000"/>
-                </a:schemeClr>
-              </a:solidFill>
-              <a:tailEnd type="triangle"/>
-            </a:ln>
-          </p:spPr>
-          <p:style>
-            <a:lnRef idx="1">
-              <a:schemeClr val="accent1"/>
-            </a:lnRef>
-            <a:fillRef idx="0">
-              <a:schemeClr val="accent1"/>
-            </a:fillRef>
-            <a:effectRef idx="0">
-              <a:schemeClr val="accent1"/>
-            </a:effectRef>
-            <a:fontRef idx="minor">
-              <a:schemeClr val="tx1"/>
-            </a:fontRef>
-          </p:style>
-        </p:cxnSp>
-        <p:sp>
-          <p:nvSpPr>
-            <p:cNvPr id="54" name="TextBox 53"/>
-            <p:cNvSpPr txBox="1"/>
-            <p:nvPr/>
-          </p:nvSpPr>
-          <p:spPr>
-            <a:xfrm>
-              <a:off x="5248817" y="5658409"/>
-              <a:ext cx="1610163" cy="646331"/>
-            </a:xfrm>
-            <a:prstGeom prst="rect">
-              <a:avLst/>
-            </a:prstGeom>
-            <a:noFill/>
-          </p:spPr>
-          <p:txBody>
-            <a:bodyPr wrap="square" rtlCol="0">
-              <a:spAutoFit/>
-            </a:bodyPr>
-            <a:lstStyle/>
-            <a:p>
-              <a:pPr algn="ctr"/>
-              <a:r>
-                <a:rPr lang="en-US" dirty="0" smtClean="0">
-                  <a:solidFill>
                     <a:schemeClr val="accent6">
                       <a:lumMod val="50000"/>
                     </a:schemeClr>
                   </a:solidFill>
                 </a:rPr>
-                <a:t>shared pointer: maturity</a:t>
-              </a:r>
-              <a:endParaRPr lang="en-US" dirty="0">
+                <a:t>maturity/</a:t>
+              </a:r>
+              <a:r>
+                <a:rPr lang="en-US" sz="1200" dirty="0" err="1" smtClean="0">
+                  <a:solidFill>
+                    <a:schemeClr val="accent6">
+                      <a:lumMod val="50000"/>
+                    </a:schemeClr>
+                  </a:solidFill>
+                </a:rPr>
+                <a:t>functors</a:t>
+              </a:r>
+              <a:r>
+                <a:rPr lang="en-US" sz="1200" dirty="0" smtClean="0">
+                  <a:solidFill>
+                    <a:schemeClr val="accent6">
+                      <a:lumMod val="50000"/>
+                    </a:schemeClr>
+                  </a:solidFill>
+                </a:rPr>
+                <a:t>/logistic.hpp</a:t>
+              </a:r>
+            </a:p>
+            <a:p>
+              <a:r>
+                <a:rPr lang="en-US" b="1" dirty="0" err="1" smtClean="0">
+                  <a:solidFill>
+                    <a:schemeClr val="accent6">
+                      <a:lumMod val="50000"/>
+                    </a:schemeClr>
+                  </a:solidFill>
+                </a:rPr>
+                <a:t>fims</a:t>
+              </a:r>
+              <a:r>
+                <a:rPr lang="en-US" b="1" dirty="0" smtClean="0">
+                  <a:solidFill>
+                    <a:schemeClr val="accent6">
+                      <a:lumMod val="50000"/>
+                    </a:schemeClr>
+                  </a:solidFill>
+                </a:rPr>
+                <a:t>::</a:t>
+              </a:r>
+              <a:r>
+                <a:rPr lang="en-US" b="1" dirty="0" err="1" smtClean="0">
+                  <a:solidFill>
+                    <a:schemeClr val="accent6">
+                      <a:lumMod val="50000"/>
+                    </a:schemeClr>
+                  </a:solidFill>
+                </a:rPr>
+                <a:t>LogisticMaturity</a:t>
+              </a:r>
+              <a:endParaRPr lang="en-US" b="1" dirty="0" smtClean="0">
                 <a:solidFill>
                   <a:schemeClr val="accent6">
                     <a:lumMod val="50000"/>
                   </a:schemeClr>
                 </a:solidFill>
               </a:endParaRPr>
+            </a:p>
+            <a:p>
+              <a:pPr marL="285750" indent="-285750">
+                <a:buFont typeface="Arial" panose="020B0604020202020204" pitchFamily="34" charset="0"/>
+                <a:buChar char="•"/>
+              </a:pPr>
+              <a:r>
+                <a:rPr lang="en-US" dirty="0" smtClean="0">
+                  <a:solidFill>
+                    <a:schemeClr val="accent6">
+                      <a:lumMod val="50000"/>
+                    </a:schemeClr>
+                  </a:solidFill>
+                </a:rPr>
+                <a:t>median</a:t>
+              </a:r>
+            </a:p>
+            <a:p>
+              <a:pPr marL="285750" indent="-285750">
+                <a:buFont typeface="Arial" panose="020B0604020202020204" pitchFamily="34" charset="0"/>
+                <a:buChar char="•"/>
+              </a:pPr>
+              <a:r>
+                <a:rPr lang="en-US" dirty="0" smtClean="0">
+                  <a:solidFill>
+                    <a:schemeClr val="accent6">
+                      <a:lumMod val="50000"/>
+                    </a:schemeClr>
+                  </a:solidFill>
+                </a:rPr>
+                <a:t>slope</a:t>
+              </a:r>
+            </a:p>
+            <a:p>
+              <a:pPr marL="285750" indent="-285750">
+                <a:buFont typeface="Arial" panose="020B0604020202020204" pitchFamily="34" charset="0"/>
+                <a:buChar char="•"/>
+              </a:pPr>
+              <a:r>
+                <a:rPr lang="en-US" dirty="0" smtClean="0">
+                  <a:solidFill>
+                    <a:schemeClr val="accent6">
+                      <a:lumMod val="50000"/>
+                    </a:schemeClr>
+                  </a:solidFill>
+                </a:rPr>
+                <a:t>evaluate(x)</a:t>
+              </a:r>
+            </a:p>
+          </p:txBody>
+        </p:sp>
+        <p:sp>
+          <p:nvSpPr>
+            <p:cNvPr id="24" name="TextBox 23"/>
+            <p:cNvSpPr txBox="1"/>
+            <p:nvPr/>
+          </p:nvSpPr>
+          <p:spPr>
+            <a:xfrm>
+              <a:off x="315545" y="3583279"/>
+              <a:ext cx="2133600" cy="369332"/>
+            </a:xfrm>
+            <a:prstGeom prst="rect">
+              <a:avLst/>
+            </a:prstGeom>
+            <a:noFill/>
+          </p:spPr>
+          <p:txBody>
+            <a:bodyPr wrap="square" rtlCol="0">
+              <a:spAutoFit/>
+            </a:bodyPr>
+            <a:lstStyle/>
+            <a:p>
+              <a:r>
+                <a:rPr lang="en-US" dirty="0" smtClean="0">
+                  <a:solidFill>
+                    <a:schemeClr val="accent2">
+                      <a:lumMod val="75000"/>
+                    </a:schemeClr>
+                  </a:solidFill>
+                </a:rPr>
+                <a:t>shared pointer: lm0</a:t>
+              </a:r>
             </a:p>
           </p:txBody>
         </p:sp>
@@ -5724,6 +5967,3469 @@
           </p:nvSpPr>
           <p:spPr>
             <a:xfrm>
+              <a:off x="6858980" y="1387415"/>
+              <a:ext cx="5197938" cy="887936"/>
+            </a:xfrm>
+            <a:prstGeom prst="rect">
+              <a:avLst/>
+            </a:prstGeom>
+            <a:solidFill>
+              <a:schemeClr val="bg2">
+                <a:lumMod val="90000"/>
+              </a:schemeClr>
+            </a:solidFill>
+            <a:ln>
+              <a:solidFill>
+                <a:schemeClr val="accent6">
+                  <a:lumMod val="50000"/>
+                </a:schemeClr>
+              </a:solidFill>
+            </a:ln>
+          </p:spPr>
+          <p:style>
+            <a:lnRef idx="2">
+              <a:schemeClr val="accent1">
+                <a:shade val="50000"/>
+              </a:schemeClr>
+            </a:lnRef>
+            <a:fillRef idx="1">
+              <a:schemeClr val="accent1"/>
+            </a:fillRef>
+            <a:effectRef idx="0">
+              <a:schemeClr val="accent1"/>
+            </a:effectRef>
+            <a:fontRef idx="minor">
+              <a:schemeClr val="lt1"/>
+            </a:fontRef>
+          </p:style>
+          <p:txBody>
+            <a:bodyPr rtlCol="0" anchor="ctr"/>
+            <a:lstStyle/>
+            <a:p>
+              <a:r>
+                <a:rPr lang="en-US" sz="1200" dirty="0" smtClean="0">
+                  <a:solidFill>
+                    <a:schemeClr val="tx1"/>
+                  </a:solidFill>
+                </a:rPr>
+                <a:t>common/information.hpp</a:t>
+              </a:r>
+            </a:p>
+            <a:p>
+              <a:r>
+                <a:rPr lang="en-US" b="1" dirty="0" err="1" smtClean="0">
+                  <a:solidFill>
+                    <a:schemeClr val="tx1"/>
+                  </a:solidFill>
+                </a:rPr>
+                <a:t>fims</a:t>
+              </a:r>
+              <a:r>
+                <a:rPr lang="en-US" b="1" dirty="0" smtClean="0">
+                  <a:solidFill>
+                    <a:schemeClr val="tx1"/>
+                  </a:solidFill>
+                </a:rPr>
+                <a:t>::</a:t>
+              </a:r>
+              <a:r>
+                <a:rPr lang="en-US" b="1" dirty="0" smtClean="0">
+                  <a:solidFill>
+                    <a:schemeClr val="tx1"/>
+                  </a:solidFill>
+                </a:rPr>
+                <a:t>Information</a:t>
+              </a:r>
+              <a:endParaRPr lang="en-US" sz="1600" dirty="0" smtClean="0">
+                <a:solidFill>
+                  <a:schemeClr val="tx1"/>
+                </a:solidFill>
+              </a:endParaRPr>
+            </a:p>
+          </p:txBody>
+        </p:sp>
+        <p:sp>
+          <p:nvSpPr>
+            <p:cNvPr id="48" name="Rectangle 47"/>
+            <p:cNvSpPr/>
+            <p:nvPr/>
+          </p:nvSpPr>
+          <p:spPr>
+            <a:xfrm>
+              <a:off x="5082346" y="1548130"/>
+              <a:ext cx="1943103" cy="646331"/>
+            </a:xfrm>
+            <a:prstGeom prst="rect">
+              <a:avLst/>
+            </a:prstGeom>
+          </p:spPr>
+          <p:txBody>
+            <a:bodyPr wrap="square">
+              <a:spAutoFit/>
+            </a:bodyPr>
+            <a:lstStyle/>
+            <a:p>
+              <a:pPr algn="ctr"/>
+              <a:r>
+                <a:rPr lang="en-US" dirty="0" smtClean="0">
+                  <a:solidFill>
+                    <a:schemeClr val="accent2">
+                      <a:lumMod val="75000"/>
+                    </a:schemeClr>
+                  </a:solidFill>
+                </a:rPr>
+                <a:t>shared pointer: </a:t>
+              </a:r>
+            </a:p>
+            <a:p>
+              <a:pPr algn="ctr"/>
+              <a:r>
+                <a:rPr lang="en-US" dirty="0" smtClean="0">
+                  <a:solidFill>
+                    <a:schemeClr val="accent2">
+                      <a:lumMod val="75000"/>
+                    </a:schemeClr>
+                  </a:solidFill>
+                </a:rPr>
+                <a:t>d0</a:t>
+              </a:r>
+            </a:p>
+          </p:txBody>
+        </p:sp>
+        <p:sp>
+          <p:nvSpPr>
+            <p:cNvPr id="2" name="Rectangle 1"/>
+            <p:cNvSpPr/>
+            <p:nvPr/>
+          </p:nvSpPr>
+          <p:spPr>
+            <a:xfrm>
+              <a:off x="124968" y="5151090"/>
+              <a:ext cx="2298281" cy="1266119"/>
+            </a:xfrm>
+            <a:prstGeom prst="rect">
+              <a:avLst/>
+            </a:prstGeom>
+            <a:solidFill>
+              <a:schemeClr val="bg1"/>
+            </a:solidFill>
+            <a:ln>
+              <a:solidFill>
+                <a:schemeClr val="tx1"/>
+              </a:solidFill>
+            </a:ln>
+          </p:spPr>
+          <p:style>
+            <a:lnRef idx="2">
+              <a:schemeClr val="accent1">
+                <a:shade val="50000"/>
+              </a:schemeClr>
+            </a:lnRef>
+            <a:fillRef idx="1">
+              <a:schemeClr val="accent1"/>
+            </a:fillRef>
+            <a:effectRef idx="0">
+              <a:schemeClr val="accent1"/>
+            </a:effectRef>
+            <a:fontRef idx="minor">
+              <a:schemeClr val="lt1"/>
+            </a:fontRef>
+          </p:style>
+          <p:txBody>
+            <a:bodyPr rtlCol="0" anchor="ctr"/>
+            <a:lstStyle/>
+            <a:p>
+              <a:pPr algn="ctr"/>
+              <a:endParaRPr lang="en-US"/>
+            </a:p>
+          </p:txBody>
+        </p:sp>
+        <p:sp>
+          <p:nvSpPr>
+            <p:cNvPr id="3" name="TextBox 2"/>
+            <p:cNvSpPr txBox="1"/>
+            <p:nvPr/>
+          </p:nvSpPr>
+          <p:spPr>
+            <a:xfrm>
+              <a:off x="668920" y="5151091"/>
+              <a:ext cx="1883654" cy="1200329"/>
+            </a:xfrm>
+            <a:prstGeom prst="rect">
+              <a:avLst/>
+            </a:prstGeom>
+            <a:noFill/>
+          </p:spPr>
+          <p:txBody>
+            <a:bodyPr wrap="square" rtlCol="0">
+              <a:spAutoFit/>
+            </a:bodyPr>
+            <a:lstStyle/>
+            <a:p>
+              <a:r>
+                <a:rPr lang="en-US" dirty="0" smtClean="0"/>
+                <a:t>R</a:t>
+              </a:r>
+            </a:p>
+            <a:p>
+              <a:r>
+                <a:rPr lang="en-US" dirty="0" err="1" smtClean="0"/>
+                <a:t>Rcpp</a:t>
+              </a:r>
+              <a:endParaRPr lang="en-US" dirty="0" smtClean="0"/>
+            </a:p>
+            <a:p>
+              <a:r>
+                <a:rPr lang="en-US" dirty="0" err="1" smtClean="0"/>
+                <a:t>fims</a:t>
+              </a:r>
+              <a:endParaRPr lang="en-US" dirty="0" smtClean="0"/>
+            </a:p>
+            <a:p>
+              <a:r>
+                <a:rPr lang="en-US" dirty="0" err="1" smtClean="0"/>
+                <a:t>fims:Information</a:t>
+              </a:r>
+              <a:r>
+                <a:rPr lang="en-US" dirty="0" smtClean="0"/>
+                <a:t> </a:t>
+              </a:r>
+              <a:endParaRPr lang="en-US" dirty="0"/>
+            </a:p>
+          </p:txBody>
+        </p:sp>
+        <p:sp>
+          <p:nvSpPr>
+            <p:cNvPr id="5" name="Rectangle 4"/>
+            <p:cNvSpPr/>
+            <p:nvPr/>
+          </p:nvSpPr>
+          <p:spPr>
+            <a:xfrm>
+              <a:off x="240583" y="5229840"/>
+              <a:ext cx="415636" cy="210624"/>
+            </a:xfrm>
+            <a:prstGeom prst="rect">
+              <a:avLst/>
+            </a:prstGeom>
+            <a:solidFill>
+              <a:schemeClr val="accent1">
+                <a:lumMod val="20000"/>
+                <a:lumOff val="80000"/>
+              </a:schemeClr>
+            </a:solidFill>
+            <a:ln>
+              <a:solidFill>
+                <a:schemeClr val="accent1">
+                  <a:lumMod val="50000"/>
+                </a:schemeClr>
+              </a:solidFill>
+            </a:ln>
+          </p:spPr>
+          <p:style>
+            <a:lnRef idx="2">
+              <a:schemeClr val="accent1">
+                <a:shade val="50000"/>
+              </a:schemeClr>
+            </a:lnRef>
+            <a:fillRef idx="1">
+              <a:schemeClr val="accent1"/>
+            </a:fillRef>
+            <a:effectRef idx="0">
+              <a:schemeClr val="accent1"/>
+            </a:effectRef>
+            <a:fontRef idx="minor">
+              <a:schemeClr val="lt1"/>
+            </a:fontRef>
+          </p:style>
+          <p:txBody>
+            <a:bodyPr rtlCol="0" anchor="ctr"/>
+            <a:lstStyle/>
+            <a:p>
+              <a:pPr algn="ctr"/>
+              <a:endParaRPr lang="en-US" dirty="0"/>
+            </a:p>
+          </p:txBody>
+        </p:sp>
+        <p:sp>
+          <p:nvSpPr>
+            <p:cNvPr id="32" name="Rectangle 31"/>
+            <p:cNvSpPr/>
+            <p:nvPr/>
+          </p:nvSpPr>
+          <p:spPr>
+            <a:xfrm>
+              <a:off x="240583" y="5520787"/>
+              <a:ext cx="415636" cy="210624"/>
+            </a:xfrm>
+            <a:prstGeom prst="rect">
+              <a:avLst/>
+            </a:prstGeom>
+            <a:solidFill>
+              <a:schemeClr val="accent2">
+                <a:lumMod val="20000"/>
+                <a:lumOff val="80000"/>
+              </a:schemeClr>
+            </a:solidFill>
+            <a:ln>
+              <a:solidFill>
+                <a:schemeClr val="accent2">
+                  <a:lumMod val="50000"/>
+                </a:schemeClr>
+              </a:solidFill>
+            </a:ln>
+          </p:spPr>
+          <p:style>
+            <a:lnRef idx="2">
+              <a:schemeClr val="accent1">
+                <a:shade val="50000"/>
+              </a:schemeClr>
+            </a:lnRef>
+            <a:fillRef idx="1">
+              <a:schemeClr val="accent1"/>
+            </a:fillRef>
+            <a:effectRef idx="0">
+              <a:schemeClr val="accent1"/>
+            </a:effectRef>
+            <a:fontRef idx="minor">
+              <a:schemeClr val="lt1"/>
+            </a:fontRef>
+          </p:style>
+          <p:txBody>
+            <a:bodyPr rtlCol="0" anchor="ctr"/>
+            <a:lstStyle/>
+            <a:p>
+              <a:pPr algn="ctr"/>
+              <a:endParaRPr lang="en-US"/>
+            </a:p>
+          </p:txBody>
+        </p:sp>
+        <p:sp>
+          <p:nvSpPr>
+            <p:cNvPr id="33" name="Rectangle 32"/>
+            <p:cNvSpPr/>
+            <p:nvPr/>
+          </p:nvSpPr>
+          <p:spPr>
+            <a:xfrm>
+              <a:off x="240583" y="5800598"/>
+              <a:ext cx="415636" cy="210624"/>
+            </a:xfrm>
+            <a:prstGeom prst="rect">
+              <a:avLst/>
+            </a:prstGeom>
+            <a:solidFill>
+              <a:schemeClr val="accent6">
+                <a:lumMod val="20000"/>
+                <a:lumOff val="80000"/>
+              </a:schemeClr>
+            </a:solidFill>
+            <a:ln>
+              <a:solidFill>
+                <a:schemeClr val="accent6">
+                  <a:lumMod val="50000"/>
+                </a:schemeClr>
+              </a:solidFill>
+            </a:ln>
+          </p:spPr>
+          <p:style>
+            <a:lnRef idx="2">
+              <a:schemeClr val="accent1">
+                <a:shade val="50000"/>
+              </a:schemeClr>
+            </a:lnRef>
+            <a:fillRef idx="1">
+              <a:schemeClr val="accent1"/>
+            </a:fillRef>
+            <a:effectRef idx="0">
+              <a:schemeClr val="accent1"/>
+            </a:effectRef>
+            <a:fontRef idx="minor">
+              <a:schemeClr val="lt1"/>
+            </a:fontRef>
+          </p:style>
+          <p:txBody>
+            <a:bodyPr rtlCol="0" anchor="ctr"/>
+            <a:lstStyle/>
+            <a:p>
+              <a:pPr algn="ctr"/>
+              <a:endParaRPr lang="en-US"/>
+            </a:p>
+          </p:txBody>
+        </p:sp>
+        <p:sp>
+          <p:nvSpPr>
+            <p:cNvPr id="34" name="Rectangle 33"/>
+            <p:cNvSpPr/>
+            <p:nvPr/>
+          </p:nvSpPr>
+          <p:spPr>
+            <a:xfrm>
+              <a:off x="240583" y="6084924"/>
+              <a:ext cx="415636" cy="210624"/>
+            </a:xfrm>
+            <a:prstGeom prst="rect">
+              <a:avLst/>
+            </a:prstGeom>
+            <a:solidFill>
+              <a:schemeClr val="bg2">
+                <a:lumMod val="90000"/>
+              </a:schemeClr>
+            </a:solidFill>
+            <a:ln>
+              <a:solidFill>
+                <a:schemeClr val="bg2">
+                  <a:lumMod val="10000"/>
+                </a:schemeClr>
+              </a:solidFill>
+            </a:ln>
+          </p:spPr>
+          <p:style>
+            <a:lnRef idx="2">
+              <a:schemeClr val="accent1">
+                <a:shade val="50000"/>
+              </a:schemeClr>
+            </a:lnRef>
+            <a:fillRef idx="1">
+              <a:schemeClr val="accent1"/>
+            </a:fillRef>
+            <a:effectRef idx="0">
+              <a:schemeClr val="accent1"/>
+            </a:effectRef>
+            <a:fontRef idx="minor">
+              <a:schemeClr val="lt1"/>
+            </a:fontRef>
+          </p:style>
+          <p:txBody>
+            <a:bodyPr rtlCol="0" anchor="ctr"/>
+            <a:lstStyle/>
+            <a:p>
+              <a:pPr algn="ctr"/>
+              <a:endParaRPr lang="en-US"/>
+            </a:p>
+          </p:txBody>
+        </p:sp>
+        <p:sp>
+          <p:nvSpPr>
+            <p:cNvPr id="7" name="TextBox 6"/>
+            <p:cNvSpPr txBox="1"/>
+            <p:nvPr/>
+          </p:nvSpPr>
+          <p:spPr>
+            <a:xfrm>
+              <a:off x="124968" y="146364"/>
+              <a:ext cx="3657323" cy="430887"/>
+            </a:xfrm>
+            <a:prstGeom prst="rect">
+              <a:avLst/>
+            </a:prstGeom>
+            <a:noFill/>
+          </p:spPr>
+          <p:txBody>
+            <a:bodyPr wrap="square" rtlCol="0">
+              <a:spAutoFit/>
+            </a:bodyPr>
+            <a:lstStyle/>
+            <a:p>
+              <a:r>
+                <a:rPr lang="en-US" sz="2200" dirty="0" smtClean="0"/>
+                <a:t>FIMS Path: Maturity</a:t>
+              </a:r>
+              <a:endParaRPr lang="en-US" sz="2200" dirty="0"/>
+            </a:p>
+          </p:txBody>
+        </p:sp>
+      </p:grpSp>
+    </p:spTree>
+    <p:extLst>
+      <p:ext uri="{BB962C8B-B14F-4D97-AF65-F5344CB8AC3E}">
+        <p14:creationId xmlns:p14="http://schemas.microsoft.com/office/powerpoint/2010/main" val="4213520673"/>
+      </p:ext>
+    </p:extLst>
+  </p:cSld>
+  <p:clrMapOvr>
+    <a:masterClrMapping/>
+  </p:clrMapOvr>
+</p:sld>
+</file>
+
+<file path=ppt/slides/slide4.xml><?xml version="1.0" encoding="utf-8"?>
+<p:sld xmlns:a="http://schemas.openxmlformats.org/drawingml/2006/main" xmlns:r="http://schemas.openxmlformats.org/officeDocument/2006/relationships" xmlns:p="http://schemas.openxmlformats.org/presentationml/2006/main">
+  <p:cSld>
+    <p:spTree>
+      <p:nvGrpSpPr>
+        <p:cNvPr id="1" name=""/>
+        <p:cNvGrpSpPr/>
+        <p:nvPr/>
+      </p:nvGrpSpPr>
+      <p:grpSpPr>
+        <a:xfrm>
+          <a:off x="0" y="0"/>
+          <a:ext cx="0" cy="0"/>
+          <a:chOff x="0" y="0"/>
+          <a:chExt cx="0" cy="0"/>
+        </a:xfrm>
+      </p:grpSpPr>
+      <p:grpSp>
+        <p:nvGrpSpPr>
+          <p:cNvPr id="3" name="Group 2"/>
+          <p:cNvGrpSpPr/>
+          <p:nvPr/>
+        </p:nvGrpSpPr>
+        <p:grpSpPr>
+          <a:xfrm>
+            <a:off x="124968" y="146364"/>
+            <a:ext cx="11931950" cy="6385276"/>
+            <a:chOff x="124968" y="146364"/>
+            <a:chExt cx="11931950" cy="6385276"/>
+          </a:xfrm>
+        </p:grpSpPr>
+        <p:sp>
+          <p:nvSpPr>
+            <p:cNvPr id="4" name="Rectangle 3"/>
+            <p:cNvSpPr/>
+            <p:nvPr/>
+          </p:nvSpPr>
+          <p:spPr>
+            <a:xfrm>
+              <a:off x="245917" y="723900"/>
+              <a:ext cx="1619250" cy="1028700"/>
+            </a:xfrm>
+            <a:prstGeom prst="rect">
+              <a:avLst/>
+            </a:prstGeom>
+            <a:solidFill>
+              <a:schemeClr val="accent1">
+                <a:lumMod val="20000"/>
+                <a:lumOff val="80000"/>
+              </a:schemeClr>
+            </a:solidFill>
+            <a:ln>
+              <a:solidFill>
+                <a:schemeClr val="accent1">
+                  <a:lumMod val="50000"/>
+                </a:schemeClr>
+              </a:solidFill>
+            </a:ln>
+          </p:spPr>
+          <p:style>
+            <a:lnRef idx="2">
+              <a:schemeClr val="accent1">
+                <a:shade val="50000"/>
+              </a:schemeClr>
+            </a:lnRef>
+            <a:fillRef idx="1">
+              <a:schemeClr val="accent1"/>
+            </a:fillRef>
+            <a:effectRef idx="0">
+              <a:schemeClr val="accent1"/>
+            </a:effectRef>
+            <a:fontRef idx="minor">
+              <a:schemeClr val="lt1"/>
+            </a:fontRef>
+          </p:style>
+          <p:txBody>
+            <a:bodyPr rtlCol="0" anchor="ctr"/>
+            <a:lstStyle/>
+            <a:p>
+              <a:r>
+                <a:rPr lang="en-US" b="1" dirty="0" err="1" smtClean="0">
+                  <a:solidFill>
+                    <a:schemeClr val="accent1">
+                      <a:lumMod val="50000"/>
+                    </a:schemeClr>
+                  </a:solidFill>
+                </a:rPr>
+                <a:t>fims$maturity</a:t>
+              </a:r>
+              <a:endParaRPr lang="en-US" b="1" dirty="0" smtClean="0">
+                <a:solidFill>
+                  <a:schemeClr val="accent1">
+                    <a:lumMod val="50000"/>
+                  </a:schemeClr>
+                </a:solidFill>
+              </a:endParaRPr>
+            </a:p>
+            <a:p>
+              <a:pPr marL="285750" indent="-285750">
+                <a:buFont typeface="Arial" panose="020B0604020202020204" pitchFamily="34" charset="0"/>
+                <a:buChar char="•"/>
+              </a:pPr>
+              <a:r>
+                <a:rPr lang="en-US" dirty="0" smtClean="0">
+                  <a:solidFill>
+                    <a:schemeClr val="accent1">
+                      <a:lumMod val="50000"/>
+                    </a:schemeClr>
+                  </a:solidFill>
+                </a:rPr>
+                <a:t>median</a:t>
+              </a:r>
+            </a:p>
+            <a:p>
+              <a:pPr marL="285750" indent="-285750">
+                <a:buFont typeface="Arial" panose="020B0604020202020204" pitchFamily="34" charset="0"/>
+                <a:buChar char="•"/>
+              </a:pPr>
+              <a:r>
+                <a:rPr lang="en-US" dirty="0" smtClean="0">
+                  <a:solidFill>
+                    <a:schemeClr val="accent1">
+                      <a:lumMod val="50000"/>
+                    </a:schemeClr>
+                  </a:solidFill>
+                </a:rPr>
+                <a:t>slope</a:t>
+              </a:r>
+              <a:endParaRPr lang="en-US" dirty="0">
+                <a:solidFill>
+                  <a:schemeClr val="accent1">
+                    <a:lumMod val="50000"/>
+                  </a:schemeClr>
+                </a:solidFill>
+              </a:endParaRPr>
+            </a:p>
+          </p:txBody>
+        </p:sp>
+        <p:sp>
+          <p:nvSpPr>
+            <p:cNvPr id="6" name="Rectangle 5"/>
+            <p:cNvSpPr/>
+            <p:nvPr/>
+          </p:nvSpPr>
+          <p:spPr>
+            <a:xfrm>
+              <a:off x="2661551" y="723900"/>
+              <a:ext cx="2606637" cy="1028700"/>
+            </a:xfrm>
+            <a:prstGeom prst="rect">
+              <a:avLst/>
+            </a:prstGeom>
+            <a:solidFill>
+              <a:schemeClr val="accent1">
+                <a:lumMod val="20000"/>
+                <a:lumOff val="80000"/>
+              </a:schemeClr>
+            </a:solidFill>
+            <a:ln>
+              <a:solidFill>
+                <a:schemeClr val="accent1">
+                  <a:lumMod val="50000"/>
+                </a:schemeClr>
+              </a:solidFill>
+            </a:ln>
+          </p:spPr>
+          <p:style>
+            <a:lnRef idx="2">
+              <a:schemeClr val="accent1">
+                <a:shade val="50000"/>
+              </a:schemeClr>
+            </a:lnRef>
+            <a:fillRef idx="1">
+              <a:schemeClr val="accent1"/>
+            </a:fillRef>
+            <a:effectRef idx="0">
+              <a:schemeClr val="accent1"/>
+            </a:effectRef>
+            <a:fontRef idx="minor">
+              <a:schemeClr val="lt1"/>
+            </a:fontRef>
+          </p:style>
+          <p:txBody>
+            <a:bodyPr rtlCol="0" anchor="ctr"/>
+            <a:lstStyle/>
+            <a:p>
+              <a:r>
+                <a:rPr lang="en-US" b="1" dirty="0" err="1" smtClean="0">
+                  <a:solidFill>
+                    <a:schemeClr val="accent1">
+                      <a:lumMod val="50000"/>
+                    </a:schemeClr>
+                  </a:solidFill>
+                </a:rPr>
+                <a:t>fims$LogisticMaturity</a:t>
+              </a:r>
+              <a:endParaRPr lang="en-US" b="1" dirty="0" smtClean="0">
+                <a:solidFill>
+                  <a:schemeClr val="accent1">
+                    <a:lumMod val="50000"/>
+                  </a:schemeClr>
+                </a:solidFill>
+              </a:endParaRPr>
+            </a:p>
+            <a:p>
+              <a:pPr marL="285750" indent="-285750">
+                <a:buFont typeface="Arial" panose="020B0604020202020204" pitchFamily="34" charset="0"/>
+                <a:buChar char="•"/>
+              </a:pPr>
+              <a:r>
+                <a:rPr lang="en-US" dirty="0" smtClean="0">
+                  <a:solidFill>
+                    <a:schemeClr val="accent1">
+                      <a:lumMod val="50000"/>
+                    </a:schemeClr>
+                  </a:solidFill>
+                </a:rPr>
+                <a:t>median</a:t>
+              </a:r>
+            </a:p>
+            <a:p>
+              <a:pPr marL="285750" indent="-285750">
+                <a:buFont typeface="Arial" panose="020B0604020202020204" pitchFamily="34" charset="0"/>
+                <a:buChar char="•"/>
+              </a:pPr>
+              <a:r>
+                <a:rPr lang="en-US" dirty="0" smtClean="0">
+                  <a:solidFill>
+                    <a:schemeClr val="accent1">
+                      <a:lumMod val="50000"/>
+                    </a:schemeClr>
+                  </a:solidFill>
+                </a:rPr>
+                <a:t>slope</a:t>
+              </a:r>
+            </a:p>
+          </p:txBody>
+        </p:sp>
+        <p:sp>
+          <p:nvSpPr>
+            <p:cNvPr id="10" name="Rectangle 9"/>
+            <p:cNvSpPr/>
+            <p:nvPr/>
+          </p:nvSpPr>
+          <p:spPr>
+            <a:xfrm>
+              <a:off x="2656160" y="1752599"/>
+              <a:ext cx="2612029" cy="1853045"/>
+            </a:xfrm>
+            <a:prstGeom prst="rect">
+              <a:avLst/>
+            </a:prstGeom>
+            <a:solidFill>
+              <a:schemeClr val="accent2">
+                <a:lumMod val="20000"/>
+                <a:lumOff val="80000"/>
+              </a:schemeClr>
+            </a:solidFill>
+            <a:ln>
+              <a:solidFill>
+                <a:schemeClr val="accent2">
+                  <a:lumMod val="50000"/>
+                </a:schemeClr>
+              </a:solidFill>
+            </a:ln>
+          </p:spPr>
+          <p:style>
+            <a:lnRef idx="2">
+              <a:schemeClr val="accent1">
+                <a:shade val="50000"/>
+              </a:schemeClr>
+            </a:lnRef>
+            <a:fillRef idx="1">
+              <a:schemeClr val="accent1"/>
+            </a:fillRef>
+            <a:effectRef idx="0">
+              <a:schemeClr val="accent1"/>
+            </a:effectRef>
+            <a:fontRef idx="minor">
+              <a:schemeClr val="lt1"/>
+            </a:fontRef>
+          </p:style>
+          <p:txBody>
+            <a:bodyPr rtlCol="0" anchor="ctr"/>
+            <a:lstStyle/>
+            <a:p>
+              <a:r>
+                <a:rPr lang="en-US" sz="1200" dirty="0" smtClean="0">
+                  <a:solidFill>
+                    <a:schemeClr val="accent2">
+                      <a:lumMod val="75000"/>
+                    </a:schemeClr>
+                  </a:solidFill>
+                </a:rPr>
+                <a:t>rcpp_maturity.hpp</a:t>
+              </a:r>
+              <a:endParaRPr lang="en-US" sz="1200" dirty="0" smtClean="0">
+                <a:solidFill>
+                  <a:schemeClr val="tx1"/>
+                </a:solidFill>
+              </a:endParaRPr>
+            </a:p>
+            <a:p>
+              <a:r>
+                <a:rPr lang="en-US" b="1" dirty="0" err="1" smtClean="0">
+                  <a:solidFill>
+                    <a:schemeClr val="accent2">
+                      <a:lumMod val="75000"/>
+                    </a:schemeClr>
+                  </a:solidFill>
+                </a:rPr>
+                <a:t>LogisticMaturityInterface</a:t>
+              </a:r>
+              <a:endParaRPr lang="en-US" b="1" dirty="0" smtClean="0">
+                <a:solidFill>
+                  <a:schemeClr val="accent2">
+                    <a:lumMod val="75000"/>
+                  </a:schemeClr>
+                </a:solidFill>
+              </a:endParaRPr>
+            </a:p>
+            <a:p>
+              <a:pPr marL="285750" indent="-285750">
+                <a:buFont typeface="Arial" panose="020B0604020202020204" pitchFamily="34" charset="0"/>
+                <a:buChar char="•"/>
+              </a:pPr>
+              <a:r>
+                <a:rPr lang="en-US" dirty="0" smtClean="0">
+                  <a:solidFill>
+                    <a:schemeClr val="accent2">
+                      <a:lumMod val="75000"/>
+                    </a:schemeClr>
+                  </a:solidFill>
+                </a:rPr>
+                <a:t>median</a:t>
+              </a:r>
+            </a:p>
+            <a:p>
+              <a:pPr marL="285750" indent="-285750">
+                <a:buFont typeface="Arial" panose="020B0604020202020204" pitchFamily="34" charset="0"/>
+                <a:buChar char="•"/>
+              </a:pPr>
+              <a:r>
+                <a:rPr lang="en-US" dirty="0" smtClean="0">
+                  <a:solidFill>
+                    <a:schemeClr val="accent2">
+                      <a:lumMod val="75000"/>
+                    </a:schemeClr>
+                  </a:solidFill>
+                </a:rPr>
+                <a:t>slope</a:t>
+              </a:r>
+            </a:p>
+            <a:p>
+              <a:pPr marL="285750" indent="-285750">
+                <a:buFont typeface="Arial" panose="020B0604020202020204" pitchFamily="34" charset="0"/>
+                <a:buChar char="•"/>
+              </a:pPr>
+              <a:r>
+                <a:rPr lang="en-US" dirty="0" err="1">
+                  <a:solidFill>
+                    <a:schemeClr val="accent2">
+                      <a:lumMod val="75000"/>
+                    </a:schemeClr>
+                  </a:solidFill>
+                </a:rPr>
+                <a:t>a</a:t>
+              </a:r>
+              <a:r>
+                <a:rPr lang="en-US" dirty="0" err="1" smtClean="0">
+                  <a:solidFill>
+                    <a:schemeClr val="accent2">
+                      <a:lumMod val="75000"/>
+                    </a:schemeClr>
+                  </a:solidFill>
+                </a:rPr>
+                <a:t>dd_to_fims_tmb</a:t>
+              </a:r>
+              <a:r>
+                <a:rPr lang="en-US" dirty="0" smtClean="0">
+                  <a:solidFill>
+                    <a:schemeClr val="accent2">
+                      <a:lumMod val="75000"/>
+                    </a:schemeClr>
+                  </a:solidFill>
+                </a:rPr>
+                <a:t>(</a:t>
+              </a:r>
+            </a:p>
+            <a:p>
+              <a:r>
+                <a:rPr lang="en-US" dirty="0">
+                  <a:solidFill>
+                    <a:schemeClr val="accent2">
+                      <a:lumMod val="75000"/>
+                    </a:schemeClr>
+                  </a:solidFill>
+                </a:rPr>
+                <a:t> </a:t>
+              </a:r>
+              <a:r>
+                <a:rPr lang="en-US" dirty="0" smtClean="0">
+                  <a:solidFill>
+                    <a:schemeClr val="accent2">
+                      <a:lumMod val="75000"/>
+                    </a:schemeClr>
+                  </a:solidFill>
+                </a:rPr>
+                <a:t>       shared pointer: lm0</a:t>
+              </a:r>
+            </a:p>
+            <a:p>
+              <a:r>
+                <a:rPr lang="en-US" dirty="0">
+                  <a:solidFill>
+                    <a:schemeClr val="accent2">
+                      <a:lumMod val="75000"/>
+                    </a:schemeClr>
+                  </a:solidFill>
+                </a:rPr>
+                <a:t> </a:t>
+              </a:r>
+              <a:r>
+                <a:rPr lang="en-US" dirty="0" smtClean="0">
+                  <a:solidFill>
+                    <a:schemeClr val="accent2">
+                      <a:lumMod val="75000"/>
+                    </a:schemeClr>
+                  </a:solidFill>
+                </a:rPr>
+                <a:t>       shared pointer: d0</a:t>
+              </a:r>
+            </a:p>
+          </p:txBody>
+        </p:sp>
+        <p:cxnSp>
+          <p:nvCxnSpPr>
+            <p:cNvPr id="12" name="Straight Arrow Connector 11"/>
+            <p:cNvCxnSpPr>
+              <a:stCxn id="4" idx="3"/>
+              <a:endCxn id="6" idx="1"/>
+            </p:cNvCxnSpPr>
+            <p:nvPr/>
+          </p:nvCxnSpPr>
+          <p:spPr>
+            <a:xfrm>
+              <a:off x="1865167" y="1238250"/>
+              <a:ext cx="796385" cy="0"/>
+            </a:xfrm>
+            <a:prstGeom prst="straightConnector1">
+              <a:avLst/>
+            </a:prstGeom>
+            <a:ln>
+              <a:tailEnd type="triangle"/>
+            </a:ln>
+          </p:spPr>
+          <p:style>
+            <a:lnRef idx="1">
+              <a:schemeClr val="accent1"/>
+            </a:lnRef>
+            <a:fillRef idx="0">
+              <a:schemeClr val="accent1"/>
+            </a:fillRef>
+            <a:effectRef idx="0">
+              <a:schemeClr val="accent1"/>
+            </a:effectRef>
+            <a:fontRef idx="minor">
+              <a:schemeClr val="tx1"/>
+            </a:fontRef>
+          </p:style>
+        </p:cxnSp>
+        <p:sp>
+          <p:nvSpPr>
+            <p:cNvPr id="15" name="TextBox 14"/>
+            <p:cNvSpPr txBox="1"/>
+            <p:nvPr/>
+          </p:nvSpPr>
+          <p:spPr>
+            <a:xfrm>
+              <a:off x="1865167" y="876300"/>
+              <a:ext cx="781050" cy="369332"/>
+            </a:xfrm>
+            <a:prstGeom prst="rect">
+              <a:avLst/>
+            </a:prstGeom>
+            <a:noFill/>
+          </p:spPr>
+          <p:txBody>
+            <a:bodyPr wrap="square" rtlCol="0">
+              <a:spAutoFit/>
+            </a:bodyPr>
+            <a:lstStyle/>
+            <a:p>
+              <a:r>
+                <a:rPr lang="en-US" dirty="0" smtClean="0">
+                  <a:solidFill>
+                    <a:schemeClr val="accent1">
+                      <a:lumMod val="50000"/>
+                    </a:schemeClr>
+                  </a:solidFill>
+                </a:rPr>
+                <a:t>new()</a:t>
+              </a:r>
+              <a:endParaRPr lang="en-US" dirty="0">
+                <a:solidFill>
+                  <a:schemeClr val="accent1">
+                    <a:lumMod val="50000"/>
+                  </a:schemeClr>
+                </a:solidFill>
+              </a:endParaRPr>
+            </a:p>
+          </p:txBody>
+        </p:sp>
+        <p:cxnSp>
+          <p:nvCxnSpPr>
+            <p:cNvPr id="17" name="Elbow Connector 16"/>
+            <p:cNvCxnSpPr/>
+            <p:nvPr/>
+          </p:nvCxnSpPr>
+          <p:spPr>
+            <a:xfrm>
+              <a:off x="2676349" y="1387415"/>
+              <a:ext cx="12700" cy="788958"/>
+            </a:xfrm>
+            <a:prstGeom prst="bentConnector4">
+              <a:avLst>
+                <a:gd name="adj1" fmla="val -2826591"/>
+                <a:gd name="adj2" fmla="val 99829"/>
+              </a:avLst>
+            </a:prstGeom>
+            <a:ln>
+              <a:solidFill>
+                <a:schemeClr val="accent2">
+                  <a:lumMod val="75000"/>
+                </a:schemeClr>
+              </a:solidFill>
+              <a:tailEnd type="triangle"/>
+            </a:ln>
+          </p:spPr>
+          <p:style>
+            <a:lnRef idx="1">
+              <a:schemeClr val="accent2"/>
+            </a:lnRef>
+            <a:fillRef idx="0">
+              <a:schemeClr val="accent2"/>
+            </a:fillRef>
+            <a:effectRef idx="0">
+              <a:schemeClr val="accent2"/>
+            </a:effectRef>
+            <a:fontRef idx="minor">
+              <a:schemeClr val="tx1"/>
+            </a:fontRef>
+          </p:style>
+        </p:cxnSp>
+        <p:sp>
+          <p:nvSpPr>
+            <p:cNvPr id="21" name="TextBox 20"/>
+            <p:cNvSpPr txBox="1"/>
+            <p:nvPr/>
+          </p:nvSpPr>
+          <p:spPr>
+            <a:xfrm>
+              <a:off x="367500" y="1833749"/>
+              <a:ext cx="2191110" cy="369332"/>
+            </a:xfrm>
+            <a:prstGeom prst="rect">
+              <a:avLst/>
+            </a:prstGeom>
+            <a:noFill/>
+          </p:spPr>
+          <p:txBody>
+            <a:bodyPr wrap="square" rtlCol="0">
+              <a:spAutoFit/>
+            </a:bodyPr>
+            <a:lstStyle/>
+            <a:p>
+              <a:r>
+                <a:rPr lang="en-US" dirty="0" smtClean="0">
+                  <a:solidFill>
+                    <a:schemeClr val="accent2">
+                      <a:lumMod val="75000"/>
+                    </a:schemeClr>
+                  </a:solidFill>
+                </a:rPr>
+                <a:t>rcpp_interface.hpp</a:t>
+              </a:r>
+              <a:endParaRPr lang="en-US" dirty="0">
+                <a:solidFill>
+                  <a:schemeClr val="accent2">
+                    <a:lumMod val="75000"/>
+                  </a:schemeClr>
+                </a:solidFill>
+              </a:endParaRPr>
+            </a:p>
+          </p:txBody>
+        </p:sp>
+        <p:sp>
+          <p:nvSpPr>
+            <p:cNvPr id="22" name="Rectangle 21"/>
+            <p:cNvSpPr/>
+            <p:nvPr/>
+          </p:nvSpPr>
+          <p:spPr>
+            <a:xfrm>
+              <a:off x="2658916" y="3616140"/>
+              <a:ext cx="2609271" cy="1331703"/>
+            </a:xfrm>
+            <a:prstGeom prst="rect">
+              <a:avLst/>
+            </a:prstGeom>
+            <a:solidFill>
+              <a:schemeClr val="accent6">
+                <a:lumMod val="20000"/>
+                <a:lumOff val="80000"/>
+              </a:schemeClr>
+            </a:solidFill>
+            <a:ln>
+              <a:solidFill>
+                <a:schemeClr val="accent6">
+                  <a:lumMod val="50000"/>
+                </a:schemeClr>
+              </a:solidFill>
+            </a:ln>
+          </p:spPr>
+          <p:style>
+            <a:lnRef idx="2">
+              <a:schemeClr val="accent1">
+                <a:shade val="50000"/>
+              </a:schemeClr>
+            </a:lnRef>
+            <a:fillRef idx="1">
+              <a:schemeClr val="accent1"/>
+            </a:fillRef>
+            <a:effectRef idx="0">
+              <a:schemeClr val="accent1"/>
+            </a:effectRef>
+            <a:fontRef idx="minor">
+              <a:schemeClr val="lt1"/>
+            </a:fontRef>
+          </p:style>
+          <p:txBody>
+            <a:bodyPr rtlCol="0" anchor="ctr"/>
+            <a:lstStyle/>
+            <a:p>
+              <a:r>
+                <a:rPr lang="en-US" sz="1200" dirty="0" smtClean="0">
+                  <a:solidFill>
+                    <a:schemeClr val="accent6">
+                      <a:lumMod val="50000"/>
+                    </a:schemeClr>
+                  </a:solidFill>
+                </a:rPr>
+                <a:t>maturity/</a:t>
+              </a:r>
+              <a:r>
+                <a:rPr lang="en-US" sz="1200" dirty="0" err="1" smtClean="0">
+                  <a:solidFill>
+                    <a:schemeClr val="accent6">
+                      <a:lumMod val="50000"/>
+                    </a:schemeClr>
+                  </a:solidFill>
+                </a:rPr>
+                <a:t>functors</a:t>
+              </a:r>
+              <a:r>
+                <a:rPr lang="en-US" sz="1200" dirty="0" smtClean="0">
+                  <a:solidFill>
+                    <a:schemeClr val="accent6">
+                      <a:lumMod val="50000"/>
+                    </a:schemeClr>
+                  </a:solidFill>
+                </a:rPr>
+                <a:t>/logistic.hpp</a:t>
+              </a:r>
+            </a:p>
+            <a:p>
+              <a:r>
+                <a:rPr lang="en-US" b="1" dirty="0" err="1" smtClean="0">
+                  <a:solidFill>
+                    <a:schemeClr val="accent6">
+                      <a:lumMod val="50000"/>
+                    </a:schemeClr>
+                  </a:solidFill>
+                </a:rPr>
+                <a:t>fims</a:t>
+              </a:r>
+              <a:r>
+                <a:rPr lang="en-US" b="1" dirty="0" smtClean="0">
+                  <a:solidFill>
+                    <a:schemeClr val="accent6">
+                      <a:lumMod val="50000"/>
+                    </a:schemeClr>
+                  </a:solidFill>
+                </a:rPr>
+                <a:t>::</a:t>
+              </a:r>
+              <a:r>
+                <a:rPr lang="en-US" b="1" dirty="0" err="1" smtClean="0">
+                  <a:solidFill>
+                    <a:schemeClr val="accent6">
+                      <a:lumMod val="50000"/>
+                    </a:schemeClr>
+                  </a:solidFill>
+                </a:rPr>
+                <a:t>LogisticMaturity</a:t>
+              </a:r>
+              <a:endParaRPr lang="en-US" b="1" dirty="0" smtClean="0">
+                <a:solidFill>
+                  <a:schemeClr val="accent6">
+                    <a:lumMod val="50000"/>
+                  </a:schemeClr>
+                </a:solidFill>
+              </a:endParaRPr>
+            </a:p>
+            <a:p>
+              <a:pPr marL="285750" indent="-285750">
+                <a:buFont typeface="Arial" panose="020B0604020202020204" pitchFamily="34" charset="0"/>
+                <a:buChar char="•"/>
+              </a:pPr>
+              <a:r>
+                <a:rPr lang="en-US" dirty="0" smtClean="0">
+                  <a:solidFill>
+                    <a:schemeClr val="accent6">
+                      <a:lumMod val="50000"/>
+                    </a:schemeClr>
+                  </a:solidFill>
+                </a:rPr>
+                <a:t>median</a:t>
+              </a:r>
+            </a:p>
+            <a:p>
+              <a:pPr marL="285750" indent="-285750">
+                <a:buFont typeface="Arial" panose="020B0604020202020204" pitchFamily="34" charset="0"/>
+                <a:buChar char="•"/>
+              </a:pPr>
+              <a:r>
+                <a:rPr lang="en-US" dirty="0" smtClean="0">
+                  <a:solidFill>
+                    <a:schemeClr val="accent6">
+                      <a:lumMod val="50000"/>
+                    </a:schemeClr>
+                  </a:solidFill>
+                </a:rPr>
+                <a:t>slope</a:t>
+              </a:r>
+            </a:p>
+            <a:p>
+              <a:pPr marL="285750" indent="-285750">
+                <a:buFont typeface="Arial" panose="020B0604020202020204" pitchFamily="34" charset="0"/>
+                <a:buChar char="•"/>
+              </a:pPr>
+              <a:r>
+                <a:rPr lang="en-US" dirty="0" smtClean="0">
+                  <a:solidFill>
+                    <a:schemeClr val="accent6">
+                      <a:lumMod val="50000"/>
+                    </a:schemeClr>
+                  </a:solidFill>
+                </a:rPr>
+                <a:t>evaluate(x)</a:t>
+              </a:r>
+            </a:p>
+          </p:txBody>
+        </p:sp>
+        <p:sp>
+          <p:nvSpPr>
+            <p:cNvPr id="24" name="TextBox 23"/>
+            <p:cNvSpPr txBox="1"/>
+            <p:nvPr/>
+          </p:nvSpPr>
+          <p:spPr>
+            <a:xfrm>
+              <a:off x="315545" y="3583279"/>
+              <a:ext cx="2133600" cy="369332"/>
+            </a:xfrm>
+            <a:prstGeom prst="rect">
+              <a:avLst/>
+            </a:prstGeom>
+            <a:noFill/>
+          </p:spPr>
+          <p:txBody>
+            <a:bodyPr wrap="square" rtlCol="0">
+              <a:spAutoFit/>
+            </a:bodyPr>
+            <a:lstStyle/>
+            <a:p>
+              <a:r>
+                <a:rPr lang="en-US" dirty="0" smtClean="0">
+                  <a:solidFill>
+                    <a:schemeClr val="accent2">
+                      <a:lumMod val="75000"/>
+                    </a:schemeClr>
+                  </a:solidFill>
+                </a:rPr>
+                <a:t>shared pointer: lm0</a:t>
+              </a:r>
+            </a:p>
+          </p:txBody>
+        </p:sp>
+        <p:sp>
+          <p:nvSpPr>
+            <p:cNvPr id="37" name="Rectangle 36"/>
+            <p:cNvSpPr/>
+            <p:nvPr/>
+          </p:nvSpPr>
+          <p:spPr>
+            <a:xfrm>
+              <a:off x="2658917" y="5545941"/>
+              <a:ext cx="2609270" cy="871268"/>
+            </a:xfrm>
+            <a:prstGeom prst="rect">
+              <a:avLst/>
+            </a:prstGeom>
+            <a:solidFill>
+              <a:schemeClr val="accent6">
+                <a:lumMod val="20000"/>
+                <a:lumOff val="80000"/>
+              </a:schemeClr>
+            </a:solidFill>
+            <a:ln>
+              <a:solidFill>
+                <a:schemeClr val="accent6">
+                  <a:lumMod val="50000"/>
+                </a:schemeClr>
+              </a:solidFill>
+            </a:ln>
+          </p:spPr>
+          <p:style>
+            <a:lnRef idx="2">
+              <a:schemeClr val="accent1">
+                <a:shade val="50000"/>
+              </a:schemeClr>
+            </a:lnRef>
+            <a:fillRef idx="1">
+              <a:schemeClr val="accent1"/>
+            </a:fillRef>
+            <a:effectRef idx="0">
+              <a:schemeClr val="accent1"/>
+            </a:effectRef>
+            <a:fontRef idx="minor">
+              <a:schemeClr val="lt1"/>
+            </a:fontRef>
+          </p:style>
+          <p:txBody>
+            <a:bodyPr rtlCol="0" anchor="ctr"/>
+            <a:lstStyle/>
+            <a:p>
+              <a:r>
+                <a:rPr lang="en-US" sz="1200" dirty="0" smtClean="0">
+                  <a:solidFill>
+                    <a:schemeClr val="tx1"/>
+                  </a:solidFill>
+                </a:rPr>
+                <a:t>maturity/</a:t>
+              </a:r>
+              <a:r>
+                <a:rPr lang="en-US" sz="1200" dirty="0" err="1" smtClean="0">
+                  <a:solidFill>
+                    <a:schemeClr val="tx1"/>
+                  </a:solidFill>
+                </a:rPr>
+                <a:t>functors</a:t>
+              </a:r>
+              <a:r>
+                <a:rPr lang="en-US" sz="1200" dirty="0" smtClean="0">
+                  <a:solidFill>
+                    <a:schemeClr val="tx1"/>
+                  </a:solidFill>
+                </a:rPr>
+                <a:t>/maturity_base.hpp</a:t>
+              </a:r>
+            </a:p>
+            <a:p>
+              <a:r>
+                <a:rPr lang="en-US" b="1" dirty="0" err="1" smtClean="0">
+                  <a:solidFill>
+                    <a:schemeClr val="accent6">
+                      <a:lumMod val="50000"/>
+                    </a:schemeClr>
+                  </a:solidFill>
+                </a:rPr>
+                <a:t>fims</a:t>
+              </a:r>
+              <a:r>
+                <a:rPr lang="en-US" b="1" dirty="0" smtClean="0">
+                  <a:solidFill>
+                    <a:schemeClr val="accent6">
+                      <a:lumMod val="50000"/>
+                    </a:schemeClr>
+                  </a:solidFill>
+                </a:rPr>
+                <a:t>::</a:t>
+              </a:r>
+              <a:r>
+                <a:rPr lang="en-US" b="1" dirty="0" err="1" smtClean="0">
+                  <a:solidFill>
+                    <a:schemeClr val="accent6">
+                      <a:lumMod val="50000"/>
+                    </a:schemeClr>
+                  </a:solidFill>
+                </a:rPr>
+                <a:t>MaturityBase</a:t>
+              </a:r>
+              <a:endParaRPr lang="en-US" b="1" dirty="0" smtClean="0">
+                <a:solidFill>
+                  <a:schemeClr val="accent6">
+                    <a:lumMod val="50000"/>
+                  </a:schemeClr>
+                </a:solidFill>
+              </a:endParaRPr>
+            </a:p>
+            <a:p>
+              <a:pPr marL="285750" indent="-285750">
+                <a:buFont typeface="Arial" panose="020B0604020202020204" pitchFamily="34" charset="0"/>
+                <a:buChar char="•"/>
+              </a:pPr>
+              <a:r>
+                <a:rPr lang="en-US" dirty="0" smtClean="0">
+                  <a:solidFill>
+                    <a:schemeClr val="accent6">
+                      <a:lumMod val="50000"/>
+                    </a:schemeClr>
+                  </a:solidFill>
+                </a:rPr>
+                <a:t>evaluate(x)</a:t>
+              </a:r>
+            </a:p>
+          </p:txBody>
+        </p:sp>
+        <p:cxnSp>
+          <p:nvCxnSpPr>
+            <p:cNvPr id="39" name="Straight Arrow Connector 38"/>
+            <p:cNvCxnSpPr>
+              <a:stCxn id="22" idx="2"/>
+              <a:endCxn id="37" idx="0"/>
+            </p:cNvCxnSpPr>
+            <p:nvPr/>
+          </p:nvCxnSpPr>
+          <p:spPr>
+            <a:xfrm>
+              <a:off x="3916217" y="4947843"/>
+              <a:ext cx="0" cy="598098"/>
+            </a:xfrm>
+            <a:prstGeom prst="straightConnector1">
+              <a:avLst/>
+            </a:prstGeom>
+            <a:ln>
+              <a:solidFill>
+                <a:schemeClr val="accent6">
+                  <a:lumMod val="50000"/>
+                </a:schemeClr>
+              </a:solidFill>
+              <a:headEnd type="triangle"/>
+              <a:tailEnd type="none"/>
+            </a:ln>
+          </p:spPr>
+          <p:style>
+            <a:lnRef idx="1">
+              <a:schemeClr val="accent1"/>
+            </a:lnRef>
+            <a:fillRef idx="0">
+              <a:schemeClr val="accent1"/>
+            </a:fillRef>
+            <a:effectRef idx="0">
+              <a:schemeClr val="accent1"/>
+            </a:effectRef>
+            <a:fontRef idx="minor">
+              <a:schemeClr val="tx1"/>
+            </a:fontRef>
+          </p:style>
+        </p:cxnSp>
+        <p:sp>
+          <p:nvSpPr>
+            <p:cNvPr id="44" name="TextBox 43"/>
+            <p:cNvSpPr txBox="1"/>
+            <p:nvPr/>
+          </p:nvSpPr>
+          <p:spPr>
+            <a:xfrm>
+              <a:off x="3903517" y="5066539"/>
+              <a:ext cx="1532312" cy="369332"/>
+            </a:xfrm>
+            <a:prstGeom prst="rect">
+              <a:avLst/>
+            </a:prstGeom>
+            <a:noFill/>
+          </p:spPr>
+          <p:txBody>
+            <a:bodyPr wrap="square" rtlCol="0">
+              <a:spAutoFit/>
+            </a:bodyPr>
+            <a:lstStyle/>
+            <a:p>
+              <a:r>
+                <a:rPr lang="en-US" dirty="0" smtClean="0">
+                  <a:solidFill>
+                    <a:schemeClr val="accent6">
+                      <a:lumMod val="50000"/>
+                    </a:schemeClr>
+                  </a:solidFill>
+                </a:rPr>
+                <a:t>inheritance</a:t>
+              </a:r>
+              <a:endParaRPr lang="en-US" dirty="0">
+                <a:solidFill>
+                  <a:schemeClr val="accent6">
+                    <a:lumMod val="50000"/>
+                  </a:schemeClr>
+                </a:solidFill>
+              </a:endParaRPr>
+            </a:p>
+          </p:txBody>
+        </p:sp>
+        <p:cxnSp>
+          <p:nvCxnSpPr>
+            <p:cNvPr id="50" name="Straight Arrow Connector 49"/>
+            <p:cNvCxnSpPr>
+              <a:stCxn id="37" idx="3"/>
+              <a:endCxn id="46" idx="1"/>
+            </p:cNvCxnSpPr>
+            <p:nvPr/>
+          </p:nvCxnSpPr>
+          <p:spPr>
+            <a:xfrm>
+              <a:off x="5268187" y="5981575"/>
+              <a:ext cx="1590793" cy="0"/>
+            </a:xfrm>
+            <a:prstGeom prst="straightConnector1">
+              <a:avLst/>
+            </a:prstGeom>
+            <a:ln>
+              <a:solidFill>
+                <a:schemeClr val="accent6">
+                  <a:lumMod val="50000"/>
+                </a:schemeClr>
+              </a:solidFill>
+              <a:headEnd type="triangle"/>
+              <a:tailEnd type="none"/>
+            </a:ln>
+          </p:spPr>
+          <p:style>
+            <a:lnRef idx="1">
+              <a:schemeClr val="accent1"/>
+            </a:lnRef>
+            <a:fillRef idx="0">
+              <a:schemeClr val="accent1"/>
+            </a:fillRef>
+            <a:effectRef idx="0">
+              <a:schemeClr val="accent1"/>
+            </a:effectRef>
+            <a:fontRef idx="minor">
+              <a:schemeClr val="tx1"/>
+            </a:fontRef>
+          </p:style>
+        </p:cxnSp>
+        <p:sp>
+          <p:nvSpPr>
+            <p:cNvPr id="54" name="TextBox 53"/>
+            <p:cNvSpPr txBox="1"/>
+            <p:nvPr/>
+          </p:nvSpPr>
+          <p:spPr>
+            <a:xfrm>
+              <a:off x="5286254" y="5658409"/>
+              <a:ext cx="1610163" cy="646331"/>
+            </a:xfrm>
+            <a:prstGeom prst="rect">
+              <a:avLst/>
+            </a:prstGeom>
+            <a:noFill/>
+          </p:spPr>
+          <p:txBody>
+            <a:bodyPr wrap="square" rtlCol="0">
+              <a:spAutoFit/>
+            </a:bodyPr>
+            <a:lstStyle/>
+            <a:p>
+              <a:pPr algn="ctr"/>
+              <a:r>
+                <a:rPr lang="en-US" dirty="0" smtClean="0">
+                  <a:solidFill>
+                    <a:schemeClr val="accent6">
+                      <a:lumMod val="50000"/>
+                    </a:schemeClr>
+                  </a:solidFill>
+                </a:rPr>
+                <a:t>shared pointer: maturity</a:t>
+              </a:r>
+              <a:endParaRPr lang="en-US" dirty="0">
+                <a:solidFill>
+                  <a:schemeClr val="accent6">
+                    <a:lumMod val="50000"/>
+                  </a:schemeClr>
+                </a:solidFill>
+              </a:endParaRPr>
+            </a:p>
+          </p:txBody>
+        </p:sp>
+        <p:cxnSp>
+          <p:nvCxnSpPr>
+            <p:cNvPr id="35" name="Elbow Connector 34"/>
+            <p:cNvCxnSpPr/>
+            <p:nvPr/>
+          </p:nvCxnSpPr>
+          <p:spPr>
+            <a:xfrm>
+              <a:off x="2639867" y="3353526"/>
+              <a:ext cx="12700" cy="788958"/>
+            </a:xfrm>
+            <a:prstGeom prst="bentConnector4">
+              <a:avLst>
+                <a:gd name="adj1" fmla="val -2908409"/>
+                <a:gd name="adj2" fmla="val 99829"/>
+              </a:avLst>
+            </a:prstGeom>
+            <a:ln>
+              <a:solidFill>
+                <a:schemeClr val="accent2">
+                  <a:lumMod val="75000"/>
+                </a:schemeClr>
+              </a:solidFill>
+              <a:tailEnd type="triangle"/>
+            </a:ln>
+          </p:spPr>
+          <p:style>
+            <a:lnRef idx="1">
+              <a:schemeClr val="accent2"/>
+            </a:lnRef>
+            <a:fillRef idx="0">
+              <a:schemeClr val="accent2"/>
+            </a:fillRef>
+            <a:effectRef idx="0">
+              <a:schemeClr val="accent2"/>
+            </a:effectRef>
+            <a:fontRef idx="minor">
+              <a:schemeClr val="tx1"/>
+            </a:fontRef>
+          </p:style>
+        </p:cxnSp>
+        <p:sp>
+          <p:nvSpPr>
+            <p:cNvPr id="168" name="TextBox 167"/>
+            <p:cNvSpPr txBox="1"/>
+            <p:nvPr/>
+          </p:nvSpPr>
+          <p:spPr>
+            <a:xfrm>
+              <a:off x="124968" y="146364"/>
+              <a:ext cx="3657323" cy="430887"/>
+            </a:xfrm>
+            <a:prstGeom prst="rect">
+              <a:avLst/>
+            </a:prstGeom>
+            <a:noFill/>
+          </p:spPr>
+          <p:txBody>
+            <a:bodyPr wrap="square" rtlCol="0">
+              <a:spAutoFit/>
+            </a:bodyPr>
+            <a:lstStyle/>
+            <a:p>
+              <a:r>
+                <a:rPr lang="en-US" sz="2200" dirty="0" smtClean="0"/>
+                <a:t>FIMS Path: Maturity</a:t>
+              </a:r>
+              <a:endParaRPr lang="en-US" sz="2200" dirty="0"/>
+            </a:p>
+          </p:txBody>
+        </p:sp>
+        <p:sp>
+          <p:nvSpPr>
+            <p:cNvPr id="25" name="Rectangle 24"/>
+            <p:cNvSpPr/>
+            <p:nvPr/>
+          </p:nvSpPr>
+          <p:spPr>
+            <a:xfrm>
+              <a:off x="6858980" y="5452494"/>
+              <a:ext cx="3517981" cy="1079146"/>
+            </a:xfrm>
+            <a:prstGeom prst="rect">
+              <a:avLst/>
+            </a:prstGeom>
+            <a:solidFill>
+              <a:schemeClr val="accent6">
+                <a:lumMod val="20000"/>
+                <a:lumOff val="80000"/>
+              </a:schemeClr>
+            </a:solidFill>
+            <a:ln>
+              <a:solidFill>
+                <a:schemeClr val="accent6">
+                  <a:lumMod val="50000"/>
+                </a:schemeClr>
+              </a:solidFill>
+            </a:ln>
+          </p:spPr>
+          <p:style>
+            <a:lnRef idx="2">
+              <a:schemeClr val="accent1">
+                <a:shade val="50000"/>
+              </a:schemeClr>
+            </a:lnRef>
+            <a:fillRef idx="1">
+              <a:schemeClr val="accent1"/>
+            </a:fillRef>
+            <a:effectRef idx="0">
+              <a:schemeClr val="accent1"/>
+            </a:effectRef>
+            <a:fontRef idx="minor">
+              <a:schemeClr val="lt1"/>
+            </a:fontRef>
+          </p:style>
+          <p:txBody>
+            <a:bodyPr rtlCol="0" anchor="ctr"/>
+            <a:lstStyle/>
+            <a:p>
+              <a:r>
+                <a:rPr lang="en-US" sz="1200" dirty="0" smtClean="0">
+                  <a:solidFill>
+                    <a:schemeClr val="tx1"/>
+                  </a:solidFill>
+                </a:rPr>
+                <a:t>population/population.hpp</a:t>
+              </a:r>
+            </a:p>
+            <a:p>
+              <a:r>
+                <a:rPr lang="en-US" b="1" dirty="0" err="1" smtClean="0">
+                  <a:solidFill>
+                    <a:schemeClr val="tx1"/>
+                  </a:solidFill>
+                </a:rPr>
+                <a:t>fims</a:t>
+              </a:r>
+              <a:r>
+                <a:rPr lang="en-US" b="1" dirty="0" smtClean="0">
+                  <a:solidFill>
+                    <a:schemeClr val="tx1"/>
+                  </a:solidFill>
+                </a:rPr>
+                <a:t>::</a:t>
+              </a:r>
+              <a:r>
+                <a:rPr lang="en-US" b="1" dirty="0" smtClean="0">
+                  <a:solidFill>
+                    <a:schemeClr val="tx1"/>
+                  </a:solidFill>
+                </a:rPr>
+                <a:t>Population</a:t>
+              </a:r>
+              <a:endParaRPr lang="en-US" dirty="0">
+                <a:solidFill>
+                  <a:schemeClr val="tx1"/>
+                </a:solidFill>
+              </a:endParaRPr>
+            </a:p>
+            <a:p>
+              <a:pPr marL="285750" indent="-285750">
+                <a:buFont typeface="Arial" panose="020B0604020202020204" pitchFamily="34" charset="0"/>
+                <a:buChar char="•"/>
+              </a:pPr>
+              <a:r>
+                <a:rPr lang="en-US" dirty="0" err="1">
+                  <a:solidFill>
+                    <a:schemeClr val="tx1"/>
+                  </a:solidFill>
+                </a:rPr>
+                <a:t>maturity_id</a:t>
+              </a:r>
+              <a:endParaRPr lang="en-US" dirty="0">
+                <a:solidFill>
+                  <a:schemeClr val="tx1"/>
+                </a:solidFill>
+              </a:endParaRPr>
+            </a:p>
+            <a:p>
+              <a:pPr marL="285750" indent="-285750">
+                <a:buFont typeface="Arial" panose="020B0604020202020204" pitchFamily="34" charset="0"/>
+                <a:buChar char="•"/>
+              </a:pPr>
+              <a:r>
+                <a:rPr lang="en-US" dirty="0" smtClean="0">
+                  <a:solidFill>
+                    <a:schemeClr val="tx1"/>
+                  </a:solidFill>
+                </a:rPr>
+                <a:t>this-&gt;maturity-&gt;evaluate(age)</a:t>
+              </a:r>
+              <a:endParaRPr lang="en-US" dirty="0" smtClean="0">
+                <a:solidFill>
+                  <a:schemeClr val="tx1"/>
+                </a:solidFill>
+              </a:endParaRPr>
+            </a:p>
+          </p:txBody>
+        </p:sp>
+        <p:sp>
+          <p:nvSpPr>
+            <p:cNvPr id="26" name="Rectangle 25"/>
+            <p:cNvSpPr/>
+            <p:nvPr/>
+          </p:nvSpPr>
+          <p:spPr>
+            <a:xfrm>
+              <a:off x="124968" y="5151090"/>
+              <a:ext cx="2298281" cy="1266119"/>
+            </a:xfrm>
+            <a:prstGeom prst="rect">
+              <a:avLst/>
+            </a:prstGeom>
+            <a:solidFill>
+              <a:schemeClr val="bg1"/>
+            </a:solidFill>
+            <a:ln>
+              <a:solidFill>
+                <a:schemeClr val="tx1"/>
+              </a:solidFill>
+            </a:ln>
+          </p:spPr>
+          <p:style>
+            <a:lnRef idx="2">
+              <a:schemeClr val="accent1">
+                <a:shade val="50000"/>
+              </a:schemeClr>
+            </a:lnRef>
+            <a:fillRef idx="1">
+              <a:schemeClr val="accent1"/>
+            </a:fillRef>
+            <a:effectRef idx="0">
+              <a:schemeClr val="accent1"/>
+            </a:effectRef>
+            <a:fontRef idx="minor">
+              <a:schemeClr val="lt1"/>
+            </a:fontRef>
+          </p:style>
+          <p:txBody>
+            <a:bodyPr rtlCol="0" anchor="ctr"/>
+            <a:lstStyle/>
+            <a:p>
+              <a:pPr algn="ctr"/>
+              <a:endParaRPr lang="en-US"/>
+            </a:p>
+          </p:txBody>
+        </p:sp>
+        <p:sp>
+          <p:nvSpPr>
+            <p:cNvPr id="27" name="TextBox 26"/>
+            <p:cNvSpPr txBox="1"/>
+            <p:nvPr/>
+          </p:nvSpPr>
+          <p:spPr>
+            <a:xfrm>
+              <a:off x="668920" y="5151091"/>
+              <a:ext cx="1883654" cy="1200329"/>
+            </a:xfrm>
+            <a:prstGeom prst="rect">
+              <a:avLst/>
+            </a:prstGeom>
+            <a:noFill/>
+          </p:spPr>
+          <p:txBody>
+            <a:bodyPr wrap="square" rtlCol="0">
+              <a:spAutoFit/>
+            </a:bodyPr>
+            <a:lstStyle/>
+            <a:p>
+              <a:r>
+                <a:rPr lang="en-US" dirty="0" smtClean="0"/>
+                <a:t>R</a:t>
+              </a:r>
+            </a:p>
+            <a:p>
+              <a:r>
+                <a:rPr lang="en-US" dirty="0" err="1" smtClean="0"/>
+                <a:t>Rcpp</a:t>
+              </a:r>
+              <a:endParaRPr lang="en-US" dirty="0" smtClean="0"/>
+            </a:p>
+            <a:p>
+              <a:r>
+                <a:rPr lang="en-US" dirty="0" err="1" smtClean="0"/>
+                <a:t>fims</a:t>
+              </a:r>
+              <a:endParaRPr lang="en-US" dirty="0" smtClean="0"/>
+            </a:p>
+            <a:p>
+              <a:r>
+                <a:rPr lang="en-US" dirty="0" err="1" smtClean="0"/>
+                <a:t>fims:Information</a:t>
+              </a:r>
+              <a:r>
+                <a:rPr lang="en-US" dirty="0" smtClean="0"/>
+                <a:t> </a:t>
+              </a:r>
+              <a:endParaRPr lang="en-US" dirty="0"/>
+            </a:p>
+          </p:txBody>
+        </p:sp>
+        <p:sp>
+          <p:nvSpPr>
+            <p:cNvPr id="28" name="Rectangle 27"/>
+            <p:cNvSpPr/>
+            <p:nvPr/>
+          </p:nvSpPr>
+          <p:spPr>
+            <a:xfrm>
+              <a:off x="240583" y="5229840"/>
+              <a:ext cx="415636" cy="210624"/>
+            </a:xfrm>
+            <a:prstGeom prst="rect">
+              <a:avLst/>
+            </a:prstGeom>
+            <a:solidFill>
+              <a:schemeClr val="accent1">
+                <a:lumMod val="20000"/>
+                <a:lumOff val="80000"/>
+              </a:schemeClr>
+            </a:solidFill>
+            <a:ln>
+              <a:solidFill>
+                <a:schemeClr val="accent1">
+                  <a:lumMod val="50000"/>
+                </a:schemeClr>
+              </a:solidFill>
+            </a:ln>
+          </p:spPr>
+          <p:style>
+            <a:lnRef idx="2">
+              <a:schemeClr val="accent1">
+                <a:shade val="50000"/>
+              </a:schemeClr>
+            </a:lnRef>
+            <a:fillRef idx="1">
+              <a:schemeClr val="accent1"/>
+            </a:fillRef>
+            <a:effectRef idx="0">
+              <a:schemeClr val="accent1"/>
+            </a:effectRef>
+            <a:fontRef idx="minor">
+              <a:schemeClr val="lt1"/>
+            </a:fontRef>
+          </p:style>
+          <p:txBody>
+            <a:bodyPr rtlCol="0" anchor="ctr"/>
+            <a:lstStyle/>
+            <a:p>
+              <a:pPr algn="ctr"/>
+              <a:endParaRPr lang="en-US" dirty="0"/>
+            </a:p>
+          </p:txBody>
+        </p:sp>
+        <p:sp>
+          <p:nvSpPr>
+            <p:cNvPr id="29" name="Rectangle 28"/>
+            <p:cNvSpPr/>
+            <p:nvPr/>
+          </p:nvSpPr>
+          <p:spPr>
+            <a:xfrm>
+              <a:off x="240583" y="5520787"/>
+              <a:ext cx="415636" cy="210624"/>
+            </a:xfrm>
+            <a:prstGeom prst="rect">
+              <a:avLst/>
+            </a:prstGeom>
+            <a:solidFill>
+              <a:schemeClr val="accent2">
+                <a:lumMod val="20000"/>
+                <a:lumOff val="80000"/>
+              </a:schemeClr>
+            </a:solidFill>
+            <a:ln>
+              <a:solidFill>
+                <a:schemeClr val="accent2">
+                  <a:lumMod val="50000"/>
+                </a:schemeClr>
+              </a:solidFill>
+            </a:ln>
+          </p:spPr>
+          <p:style>
+            <a:lnRef idx="2">
+              <a:schemeClr val="accent1">
+                <a:shade val="50000"/>
+              </a:schemeClr>
+            </a:lnRef>
+            <a:fillRef idx="1">
+              <a:schemeClr val="accent1"/>
+            </a:fillRef>
+            <a:effectRef idx="0">
+              <a:schemeClr val="accent1"/>
+            </a:effectRef>
+            <a:fontRef idx="minor">
+              <a:schemeClr val="lt1"/>
+            </a:fontRef>
+          </p:style>
+          <p:txBody>
+            <a:bodyPr rtlCol="0" anchor="ctr"/>
+            <a:lstStyle/>
+            <a:p>
+              <a:pPr algn="ctr"/>
+              <a:endParaRPr lang="en-US"/>
+            </a:p>
+          </p:txBody>
+        </p:sp>
+        <p:sp>
+          <p:nvSpPr>
+            <p:cNvPr id="30" name="Rectangle 29"/>
+            <p:cNvSpPr/>
+            <p:nvPr/>
+          </p:nvSpPr>
+          <p:spPr>
+            <a:xfrm>
+              <a:off x="240583" y="5800598"/>
+              <a:ext cx="415636" cy="210624"/>
+            </a:xfrm>
+            <a:prstGeom prst="rect">
+              <a:avLst/>
+            </a:prstGeom>
+            <a:solidFill>
+              <a:schemeClr val="accent6">
+                <a:lumMod val="20000"/>
+                <a:lumOff val="80000"/>
+              </a:schemeClr>
+            </a:solidFill>
+            <a:ln>
+              <a:solidFill>
+                <a:schemeClr val="accent6">
+                  <a:lumMod val="50000"/>
+                </a:schemeClr>
+              </a:solidFill>
+            </a:ln>
+          </p:spPr>
+          <p:style>
+            <a:lnRef idx="2">
+              <a:schemeClr val="accent1">
+                <a:shade val="50000"/>
+              </a:schemeClr>
+            </a:lnRef>
+            <a:fillRef idx="1">
+              <a:schemeClr val="accent1"/>
+            </a:fillRef>
+            <a:effectRef idx="0">
+              <a:schemeClr val="accent1"/>
+            </a:effectRef>
+            <a:fontRef idx="minor">
+              <a:schemeClr val="lt1"/>
+            </a:fontRef>
+          </p:style>
+          <p:txBody>
+            <a:bodyPr rtlCol="0" anchor="ctr"/>
+            <a:lstStyle/>
+            <a:p>
+              <a:pPr algn="ctr"/>
+              <a:endParaRPr lang="en-US"/>
+            </a:p>
+          </p:txBody>
+        </p:sp>
+        <p:sp>
+          <p:nvSpPr>
+            <p:cNvPr id="31" name="Rectangle 30"/>
+            <p:cNvSpPr/>
+            <p:nvPr/>
+          </p:nvSpPr>
+          <p:spPr>
+            <a:xfrm>
+              <a:off x="240583" y="6084924"/>
+              <a:ext cx="415636" cy="210624"/>
+            </a:xfrm>
+            <a:prstGeom prst="rect">
+              <a:avLst/>
+            </a:prstGeom>
+            <a:solidFill>
+              <a:schemeClr val="bg2">
+                <a:lumMod val="90000"/>
+              </a:schemeClr>
+            </a:solidFill>
+            <a:ln>
+              <a:solidFill>
+                <a:schemeClr val="bg2">
+                  <a:lumMod val="10000"/>
+                </a:schemeClr>
+              </a:solidFill>
+            </a:ln>
+          </p:spPr>
+          <p:style>
+            <a:lnRef idx="2">
+              <a:schemeClr val="accent1">
+                <a:shade val="50000"/>
+              </a:schemeClr>
+            </a:lnRef>
+            <a:fillRef idx="1">
+              <a:schemeClr val="accent1"/>
+            </a:fillRef>
+            <a:effectRef idx="0">
+              <a:schemeClr val="accent1"/>
+            </a:effectRef>
+            <a:fontRef idx="minor">
+              <a:schemeClr val="lt1"/>
+            </a:fontRef>
+          </p:style>
+          <p:txBody>
+            <a:bodyPr rtlCol="0" anchor="ctr"/>
+            <a:lstStyle/>
+            <a:p>
+              <a:pPr algn="ctr"/>
+              <a:endParaRPr lang="en-US"/>
+            </a:p>
+          </p:txBody>
+        </p:sp>
+        <p:cxnSp>
+          <p:nvCxnSpPr>
+            <p:cNvPr id="32" name="Straight Arrow Connector 31"/>
+            <p:cNvCxnSpPr>
+              <a:endCxn id="33" idx="1"/>
+            </p:cNvCxnSpPr>
+            <p:nvPr/>
+          </p:nvCxnSpPr>
+          <p:spPr>
+            <a:xfrm>
+              <a:off x="5282986" y="1867116"/>
+              <a:ext cx="1575994" cy="0"/>
+            </a:xfrm>
+            <a:prstGeom prst="straightConnector1">
+              <a:avLst/>
+            </a:prstGeom>
+            <a:ln>
+              <a:tailEnd type="triangle"/>
+            </a:ln>
+          </p:spPr>
+          <p:style>
+            <a:lnRef idx="1">
+              <a:schemeClr val="accent2"/>
+            </a:lnRef>
+            <a:fillRef idx="0">
+              <a:schemeClr val="accent2"/>
+            </a:fillRef>
+            <a:effectRef idx="0">
+              <a:schemeClr val="accent2"/>
+            </a:effectRef>
+            <a:fontRef idx="minor">
+              <a:schemeClr val="tx1"/>
+            </a:fontRef>
+          </p:style>
+        </p:cxnSp>
+        <p:sp>
+          <p:nvSpPr>
+            <p:cNvPr id="33" name="Rectangle 32"/>
+            <p:cNvSpPr/>
+            <p:nvPr/>
+          </p:nvSpPr>
+          <p:spPr>
+            <a:xfrm>
+              <a:off x="6858980" y="1387415"/>
+              <a:ext cx="5197938" cy="887936"/>
+            </a:xfrm>
+            <a:prstGeom prst="rect">
+              <a:avLst/>
+            </a:prstGeom>
+            <a:solidFill>
+              <a:schemeClr val="bg2">
+                <a:lumMod val="90000"/>
+              </a:schemeClr>
+            </a:solidFill>
+            <a:ln>
+              <a:solidFill>
+                <a:schemeClr val="accent6">
+                  <a:lumMod val="50000"/>
+                </a:schemeClr>
+              </a:solidFill>
+            </a:ln>
+          </p:spPr>
+          <p:style>
+            <a:lnRef idx="2">
+              <a:schemeClr val="accent1">
+                <a:shade val="50000"/>
+              </a:schemeClr>
+            </a:lnRef>
+            <a:fillRef idx="1">
+              <a:schemeClr val="accent1"/>
+            </a:fillRef>
+            <a:effectRef idx="0">
+              <a:schemeClr val="accent1"/>
+            </a:effectRef>
+            <a:fontRef idx="minor">
+              <a:schemeClr val="lt1"/>
+            </a:fontRef>
+          </p:style>
+          <p:txBody>
+            <a:bodyPr rtlCol="0" anchor="ctr"/>
+            <a:lstStyle/>
+            <a:p>
+              <a:r>
+                <a:rPr lang="en-US" sz="1200" dirty="0" smtClean="0">
+                  <a:solidFill>
+                    <a:schemeClr val="tx1"/>
+                  </a:solidFill>
+                </a:rPr>
+                <a:t>common/information.hpp</a:t>
+              </a:r>
+            </a:p>
+            <a:p>
+              <a:r>
+                <a:rPr lang="en-US" b="1" dirty="0" err="1" smtClean="0">
+                  <a:solidFill>
+                    <a:schemeClr val="tx1"/>
+                  </a:solidFill>
+                </a:rPr>
+                <a:t>fims</a:t>
+              </a:r>
+              <a:r>
+                <a:rPr lang="en-US" b="1" dirty="0" smtClean="0">
+                  <a:solidFill>
+                    <a:schemeClr val="tx1"/>
+                  </a:solidFill>
+                </a:rPr>
+                <a:t>::</a:t>
+              </a:r>
+              <a:r>
+                <a:rPr lang="en-US" b="1" dirty="0" smtClean="0">
+                  <a:solidFill>
+                    <a:schemeClr val="tx1"/>
+                  </a:solidFill>
+                </a:rPr>
+                <a:t>Information</a:t>
+              </a:r>
+              <a:endParaRPr lang="en-US" sz="1600" dirty="0" smtClean="0">
+                <a:solidFill>
+                  <a:schemeClr val="tx1"/>
+                </a:solidFill>
+              </a:endParaRPr>
+            </a:p>
+          </p:txBody>
+        </p:sp>
+        <p:sp>
+          <p:nvSpPr>
+            <p:cNvPr id="34" name="Rectangle 33"/>
+            <p:cNvSpPr/>
+            <p:nvPr/>
+          </p:nvSpPr>
+          <p:spPr>
+            <a:xfrm>
+              <a:off x="5082346" y="1548130"/>
+              <a:ext cx="1943103" cy="646331"/>
+            </a:xfrm>
+            <a:prstGeom prst="rect">
+              <a:avLst/>
+            </a:prstGeom>
+          </p:spPr>
+          <p:txBody>
+            <a:bodyPr wrap="square">
+              <a:spAutoFit/>
+            </a:bodyPr>
+            <a:lstStyle/>
+            <a:p>
+              <a:pPr algn="ctr"/>
+              <a:r>
+                <a:rPr lang="en-US" dirty="0" smtClean="0">
+                  <a:solidFill>
+                    <a:schemeClr val="accent2">
+                      <a:lumMod val="75000"/>
+                    </a:schemeClr>
+                  </a:solidFill>
+                </a:rPr>
+                <a:t>shared pointer: </a:t>
+              </a:r>
+            </a:p>
+            <a:p>
+              <a:pPr algn="ctr"/>
+              <a:r>
+                <a:rPr lang="en-US" dirty="0" smtClean="0">
+                  <a:solidFill>
+                    <a:schemeClr val="accent2">
+                      <a:lumMod val="75000"/>
+                    </a:schemeClr>
+                  </a:solidFill>
+                </a:rPr>
+                <a:t>d0</a:t>
+              </a:r>
+            </a:p>
+          </p:txBody>
+        </p:sp>
+      </p:grpSp>
+    </p:spTree>
+    <p:extLst>
+      <p:ext uri="{BB962C8B-B14F-4D97-AF65-F5344CB8AC3E}">
+        <p14:creationId xmlns:p14="http://schemas.microsoft.com/office/powerpoint/2010/main" val="3104187034"/>
+      </p:ext>
+    </p:extLst>
+  </p:cSld>
+  <p:clrMapOvr>
+    <a:masterClrMapping/>
+  </p:clrMapOvr>
+</p:sld>
+</file>
+
+<file path=ppt/slides/slide5.xml><?xml version="1.0" encoding="utf-8"?>
+<p:sld xmlns:a="http://schemas.openxmlformats.org/drawingml/2006/main" xmlns:r="http://schemas.openxmlformats.org/officeDocument/2006/relationships" xmlns:p="http://schemas.openxmlformats.org/presentationml/2006/main">
+  <p:cSld>
+    <p:spTree>
+      <p:nvGrpSpPr>
+        <p:cNvPr id="1" name=""/>
+        <p:cNvGrpSpPr/>
+        <p:nvPr/>
+      </p:nvGrpSpPr>
+      <p:grpSpPr>
+        <a:xfrm>
+          <a:off x="0" y="0"/>
+          <a:ext cx="0" cy="0"/>
+          <a:chOff x="0" y="0"/>
+          <a:chExt cx="0" cy="0"/>
+        </a:xfrm>
+      </p:grpSpPr>
+      <p:grpSp>
+        <p:nvGrpSpPr>
+          <p:cNvPr id="9" name="Group 8"/>
+          <p:cNvGrpSpPr/>
+          <p:nvPr/>
+        </p:nvGrpSpPr>
+        <p:grpSpPr>
+          <a:xfrm>
+            <a:off x="124968" y="146364"/>
+            <a:ext cx="11931950" cy="6385276"/>
+            <a:chOff x="124968" y="146364"/>
+            <a:chExt cx="11931950" cy="6385276"/>
+          </a:xfrm>
+        </p:grpSpPr>
+        <p:sp>
+          <p:nvSpPr>
+            <p:cNvPr id="4" name="Rectangle 3"/>
+            <p:cNvSpPr/>
+            <p:nvPr/>
+          </p:nvSpPr>
+          <p:spPr>
+            <a:xfrm>
+              <a:off x="245917" y="723900"/>
+              <a:ext cx="1619250" cy="1028700"/>
+            </a:xfrm>
+            <a:prstGeom prst="rect">
+              <a:avLst/>
+            </a:prstGeom>
+            <a:solidFill>
+              <a:schemeClr val="accent1">
+                <a:lumMod val="20000"/>
+                <a:lumOff val="80000"/>
+              </a:schemeClr>
+            </a:solidFill>
+            <a:ln>
+              <a:solidFill>
+                <a:schemeClr val="accent1">
+                  <a:lumMod val="50000"/>
+                </a:schemeClr>
+              </a:solidFill>
+            </a:ln>
+          </p:spPr>
+          <p:style>
+            <a:lnRef idx="2">
+              <a:schemeClr val="accent1">
+                <a:shade val="50000"/>
+              </a:schemeClr>
+            </a:lnRef>
+            <a:fillRef idx="1">
+              <a:schemeClr val="accent1"/>
+            </a:fillRef>
+            <a:effectRef idx="0">
+              <a:schemeClr val="accent1"/>
+            </a:effectRef>
+            <a:fontRef idx="minor">
+              <a:schemeClr val="lt1"/>
+            </a:fontRef>
+          </p:style>
+          <p:txBody>
+            <a:bodyPr rtlCol="0" anchor="ctr"/>
+            <a:lstStyle/>
+            <a:p>
+              <a:r>
+                <a:rPr lang="en-US" b="1" dirty="0" err="1" smtClean="0">
+                  <a:solidFill>
+                    <a:schemeClr val="accent1">
+                      <a:lumMod val="50000"/>
+                    </a:schemeClr>
+                  </a:solidFill>
+                </a:rPr>
+                <a:t>fims$maturity</a:t>
+              </a:r>
+              <a:endParaRPr lang="en-US" b="1" dirty="0" smtClean="0">
+                <a:solidFill>
+                  <a:schemeClr val="accent1">
+                    <a:lumMod val="50000"/>
+                  </a:schemeClr>
+                </a:solidFill>
+              </a:endParaRPr>
+            </a:p>
+            <a:p>
+              <a:pPr marL="285750" indent="-285750">
+                <a:buFont typeface="Arial" panose="020B0604020202020204" pitchFamily="34" charset="0"/>
+                <a:buChar char="•"/>
+              </a:pPr>
+              <a:r>
+                <a:rPr lang="en-US" dirty="0" smtClean="0">
+                  <a:solidFill>
+                    <a:schemeClr val="accent1">
+                      <a:lumMod val="50000"/>
+                    </a:schemeClr>
+                  </a:solidFill>
+                </a:rPr>
+                <a:t>median</a:t>
+              </a:r>
+            </a:p>
+            <a:p>
+              <a:pPr marL="285750" indent="-285750">
+                <a:buFont typeface="Arial" panose="020B0604020202020204" pitchFamily="34" charset="0"/>
+                <a:buChar char="•"/>
+              </a:pPr>
+              <a:r>
+                <a:rPr lang="en-US" dirty="0" smtClean="0">
+                  <a:solidFill>
+                    <a:schemeClr val="accent1">
+                      <a:lumMod val="50000"/>
+                    </a:schemeClr>
+                  </a:solidFill>
+                </a:rPr>
+                <a:t>slope</a:t>
+              </a:r>
+              <a:endParaRPr lang="en-US" dirty="0">
+                <a:solidFill>
+                  <a:schemeClr val="accent1">
+                    <a:lumMod val="50000"/>
+                  </a:schemeClr>
+                </a:solidFill>
+              </a:endParaRPr>
+            </a:p>
+          </p:txBody>
+        </p:sp>
+        <p:sp>
+          <p:nvSpPr>
+            <p:cNvPr id="6" name="Rectangle 5"/>
+            <p:cNvSpPr/>
+            <p:nvPr/>
+          </p:nvSpPr>
+          <p:spPr>
+            <a:xfrm>
+              <a:off x="2661551" y="723900"/>
+              <a:ext cx="2606637" cy="1028700"/>
+            </a:xfrm>
+            <a:prstGeom prst="rect">
+              <a:avLst/>
+            </a:prstGeom>
+            <a:solidFill>
+              <a:schemeClr val="accent1">
+                <a:lumMod val="20000"/>
+                <a:lumOff val="80000"/>
+              </a:schemeClr>
+            </a:solidFill>
+            <a:ln>
+              <a:solidFill>
+                <a:schemeClr val="accent1">
+                  <a:lumMod val="50000"/>
+                </a:schemeClr>
+              </a:solidFill>
+            </a:ln>
+          </p:spPr>
+          <p:style>
+            <a:lnRef idx="2">
+              <a:schemeClr val="accent1">
+                <a:shade val="50000"/>
+              </a:schemeClr>
+            </a:lnRef>
+            <a:fillRef idx="1">
+              <a:schemeClr val="accent1"/>
+            </a:fillRef>
+            <a:effectRef idx="0">
+              <a:schemeClr val="accent1"/>
+            </a:effectRef>
+            <a:fontRef idx="minor">
+              <a:schemeClr val="lt1"/>
+            </a:fontRef>
+          </p:style>
+          <p:txBody>
+            <a:bodyPr rtlCol="0" anchor="ctr"/>
+            <a:lstStyle/>
+            <a:p>
+              <a:r>
+                <a:rPr lang="en-US" b="1" dirty="0" err="1" smtClean="0">
+                  <a:solidFill>
+                    <a:schemeClr val="accent1">
+                      <a:lumMod val="50000"/>
+                    </a:schemeClr>
+                  </a:solidFill>
+                </a:rPr>
+                <a:t>fims$LogisticMaturity</a:t>
+              </a:r>
+              <a:endParaRPr lang="en-US" b="1" dirty="0" smtClean="0">
+                <a:solidFill>
+                  <a:schemeClr val="accent1">
+                    <a:lumMod val="50000"/>
+                  </a:schemeClr>
+                </a:solidFill>
+              </a:endParaRPr>
+            </a:p>
+            <a:p>
+              <a:pPr marL="285750" indent="-285750">
+                <a:buFont typeface="Arial" panose="020B0604020202020204" pitchFamily="34" charset="0"/>
+                <a:buChar char="•"/>
+              </a:pPr>
+              <a:r>
+                <a:rPr lang="en-US" dirty="0" smtClean="0">
+                  <a:solidFill>
+                    <a:schemeClr val="accent1">
+                      <a:lumMod val="50000"/>
+                    </a:schemeClr>
+                  </a:solidFill>
+                </a:rPr>
+                <a:t>median</a:t>
+              </a:r>
+            </a:p>
+            <a:p>
+              <a:pPr marL="285750" indent="-285750">
+                <a:buFont typeface="Arial" panose="020B0604020202020204" pitchFamily="34" charset="0"/>
+                <a:buChar char="•"/>
+              </a:pPr>
+              <a:r>
+                <a:rPr lang="en-US" dirty="0" smtClean="0">
+                  <a:solidFill>
+                    <a:schemeClr val="accent1">
+                      <a:lumMod val="50000"/>
+                    </a:schemeClr>
+                  </a:solidFill>
+                </a:rPr>
+                <a:t>slope</a:t>
+              </a:r>
+            </a:p>
+          </p:txBody>
+        </p:sp>
+        <p:sp>
+          <p:nvSpPr>
+            <p:cNvPr id="10" name="Rectangle 9"/>
+            <p:cNvSpPr/>
+            <p:nvPr/>
+          </p:nvSpPr>
+          <p:spPr>
+            <a:xfrm>
+              <a:off x="2656160" y="1752599"/>
+              <a:ext cx="2612029" cy="1853045"/>
+            </a:xfrm>
+            <a:prstGeom prst="rect">
+              <a:avLst/>
+            </a:prstGeom>
+            <a:solidFill>
+              <a:schemeClr val="accent2">
+                <a:lumMod val="20000"/>
+                <a:lumOff val="80000"/>
+              </a:schemeClr>
+            </a:solidFill>
+            <a:ln>
+              <a:solidFill>
+                <a:schemeClr val="accent2">
+                  <a:lumMod val="50000"/>
+                </a:schemeClr>
+              </a:solidFill>
+            </a:ln>
+          </p:spPr>
+          <p:style>
+            <a:lnRef idx="2">
+              <a:schemeClr val="accent1">
+                <a:shade val="50000"/>
+              </a:schemeClr>
+            </a:lnRef>
+            <a:fillRef idx="1">
+              <a:schemeClr val="accent1"/>
+            </a:fillRef>
+            <a:effectRef idx="0">
+              <a:schemeClr val="accent1"/>
+            </a:effectRef>
+            <a:fontRef idx="minor">
+              <a:schemeClr val="lt1"/>
+            </a:fontRef>
+          </p:style>
+          <p:txBody>
+            <a:bodyPr rtlCol="0" anchor="ctr"/>
+            <a:lstStyle/>
+            <a:p>
+              <a:r>
+                <a:rPr lang="en-US" sz="1200" dirty="0" smtClean="0">
+                  <a:solidFill>
+                    <a:schemeClr val="accent2">
+                      <a:lumMod val="75000"/>
+                    </a:schemeClr>
+                  </a:solidFill>
+                </a:rPr>
+                <a:t>rcpp_maturity.hpp</a:t>
+              </a:r>
+              <a:endParaRPr lang="en-US" sz="1200" dirty="0" smtClean="0">
+                <a:solidFill>
+                  <a:schemeClr val="tx1"/>
+                </a:solidFill>
+              </a:endParaRPr>
+            </a:p>
+            <a:p>
+              <a:r>
+                <a:rPr lang="en-US" b="1" dirty="0" err="1" smtClean="0">
+                  <a:solidFill>
+                    <a:schemeClr val="accent2">
+                      <a:lumMod val="75000"/>
+                    </a:schemeClr>
+                  </a:solidFill>
+                </a:rPr>
+                <a:t>LogisticMaturityInterface</a:t>
+              </a:r>
+              <a:endParaRPr lang="en-US" b="1" dirty="0" smtClean="0">
+                <a:solidFill>
+                  <a:schemeClr val="accent2">
+                    <a:lumMod val="75000"/>
+                  </a:schemeClr>
+                </a:solidFill>
+              </a:endParaRPr>
+            </a:p>
+            <a:p>
+              <a:pPr marL="285750" indent="-285750">
+                <a:buFont typeface="Arial" panose="020B0604020202020204" pitchFamily="34" charset="0"/>
+                <a:buChar char="•"/>
+              </a:pPr>
+              <a:r>
+                <a:rPr lang="en-US" dirty="0" smtClean="0">
+                  <a:solidFill>
+                    <a:schemeClr val="accent2">
+                      <a:lumMod val="75000"/>
+                    </a:schemeClr>
+                  </a:solidFill>
+                </a:rPr>
+                <a:t>median</a:t>
+              </a:r>
+            </a:p>
+            <a:p>
+              <a:pPr marL="285750" indent="-285750">
+                <a:buFont typeface="Arial" panose="020B0604020202020204" pitchFamily="34" charset="0"/>
+                <a:buChar char="•"/>
+              </a:pPr>
+              <a:r>
+                <a:rPr lang="en-US" dirty="0" smtClean="0">
+                  <a:solidFill>
+                    <a:schemeClr val="accent2">
+                      <a:lumMod val="75000"/>
+                    </a:schemeClr>
+                  </a:solidFill>
+                </a:rPr>
+                <a:t>slope</a:t>
+              </a:r>
+            </a:p>
+            <a:p>
+              <a:pPr marL="285750" indent="-285750">
+                <a:buFont typeface="Arial" panose="020B0604020202020204" pitchFamily="34" charset="0"/>
+                <a:buChar char="•"/>
+              </a:pPr>
+              <a:r>
+                <a:rPr lang="en-US" dirty="0" err="1">
+                  <a:solidFill>
+                    <a:schemeClr val="accent2">
+                      <a:lumMod val="75000"/>
+                    </a:schemeClr>
+                  </a:solidFill>
+                </a:rPr>
+                <a:t>a</a:t>
+              </a:r>
+              <a:r>
+                <a:rPr lang="en-US" dirty="0" err="1" smtClean="0">
+                  <a:solidFill>
+                    <a:schemeClr val="accent2">
+                      <a:lumMod val="75000"/>
+                    </a:schemeClr>
+                  </a:solidFill>
+                </a:rPr>
+                <a:t>dd_to_fims_tmb</a:t>
+              </a:r>
+              <a:r>
+                <a:rPr lang="en-US" dirty="0" smtClean="0">
+                  <a:solidFill>
+                    <a:schemeClr val="accent2">
+                      <a:lumMod val="75000"/>
+                    </a:schemeClr>
+                  </a:solidFill>
+                </a:rPr>
+                <a:t>(</a:t>
+              </a:r>
+            </a:p>
+            <a:p>
+              <a:r>
+                <a:rPr lang="en-US" dirty="0">
+                  <a:solidFill>
+                    <a:schemeClr val="accent2">
+                      <a:lumMod val="75000"/>
+                    </a:schemeClr>
+                  </a:solidFill>
+                </a:rPr>
+                <a:t> </a:t>
+              </a:r>
+              <a:r>
+                <a:rPr lang="en-US" dirty="0" smtClean="0">
+                  <a:solidFill>
+                    <a:schemeClr val="accent2">
+                      <a:lumMod val="75000"/>
+                    </a:schemeClr>
+                  </a:solidFill>
+                </a:rPr>
+                <a:t>       shared pointer: lm0</a:t>
+              </a:r>
+            </a:p>
+            <a:p>
+              <a:r>
+                <a:rPr lang="en-US" dirty="0">
+                  <a:solidFill>
+                    <a:schemeClr val="accent2">
+                      <a:lumMod val="75000"/>
+                    </a:schemeClr>
+                  </a:solidFill>
+                </a:rPr>
+                <a:t> </a:t>
+              </a:r>
+              <a:r>
+                <a:rPr lang="en-US" dirty="0" smtClean="0">
+                  <a:solidFill>
+                    <a:schemeClr val="accent2">
+                      <a:lumMod val="75000"/>
+                    </a:schemeClr>
+                  </a:solidFill>
+                </a:rPr>
+                <a:t>       shared pointer: d0</a:t>
+              </a:r>
+            </a:p>
+          </p:txBody>
+        </p:sp>
+        <p:cxnSp>
+          <p:nvCxnSpPr>
+            <p:cNvPr id="12" name="Straight Arrow Connector 11"/>
+            <p:cNvCxnSpPr>
+              <a:stCxn id="4" idx="3"/>
+              <a:endCxn id="6" idx="1"/>
+            </p:cNvCxnSpPr>
+            <p:nvPr/>
+          </p:nvCxnSpPr>
+          <p:spPr>
+            <a:xfrm>
+              <a:off x="1865167" y="1238250"/>
+              <a:ext cx="796385" cy="0"/>
+            </a:xfrm>
+            <a:prstGeom prst="straightConnector1">
+              <a:avLst/>
+            </a:prstGeom>
+            <a:ln>
+              <a:tailEnd type="triangle"/>
+            </a:ln>
+          </p:spPr>
+          <p:style>
+            <a:lnRef idx="1">
+              <a:schemeClr val="accent1"/>
+            </a:lnRef>
+            <a:fillRef idx="0">
+              <a:schemeClr val="accent1"/>
+            </a:fillRef>
+            <a:effectRef idx="0">
+              <a:schemeClr val="accent1"/>
+            </a:effectRef>
+            <a:fontRef idx="minor">
+              <a:schemeClr val="tx1"/>
+            </a:fontRef>
+          </p:style>
+        </p:cxnSp>
+        <p:sp>
+          <p:nvSpPr>
+            <p:cNvPr id="15" name="TextBox 14"/>
+            <p:cNvSpPr txBox="1"/>
+            <p:nvPr/>
+          </p:nvSpPr>
+          <p:spPr>
+            <a:xfrm>
+              <a:off x="1865167" y="876300"/>
+              <a:ext cx="781050" cy="369332"/>
+            </a:xfrm>
+            <a:prstGeom prst="rect">
+              <a:avLst/>
+            </a:prstGeom>
+            <a:noFill/>
+          </p:spPr>
+          <p:txBody>
+            <a:bodyPr wrap="square" rtlCol="0">
+              <a:spAutoFit/>
+            </a:bodyPr>
+            <a:lstStyle/>
+            <a:p>
+              <a:r>
+                <a:rPr lang="en-US" dirty="0" smtClean="0">
+                  <a:solidFill>
+                    <a:schemeClr val="accent1">
+                      <a:lumMod val="50000"/>
+                    </a:schemeClr>
+                  </a:solidFill>
+                </a:rPr>
+                <a:t>new()</a:t>
+              </a:r>
+              <a:endParaRPr lang="en-US" dirty="0">
+                <a:solidFill>
+                  <a:schemeClr val="accent1">
+                    <a:lumMod val="50000"/>
+                  </a:schemeClr>
+                </a:solidFill>
+              </a:endParaRPr>
+            </a:p>
+          </p:txBody>
+        </p:sp>
+        <p:cxnSp>
+          <p:nvCxnSpPr>
+            <p:cNvPr id="17" name="Elbow Connector 16"/>
+            <p:cNvCxnSpPr/>
+            <p:nvPr/>
+          </p:nvCxnSpPr>
+          <p:spPr>
+            <a:xfrm>
+              <a:off x="2676349" y="1387415"/>
+              <a:ext cx="12700" cy="788958"/>
+            </a:xfrm>
+            <a:prstGeom prst="bentConnector4">
+              <a:avLst>
+                <a:gd name="adj1" fmla="val -2826591"/>
+                <a:gd name="adj2" fmla="val 99829"/>
+              </a:avLst>
+            </a:prstGeom>
+            <a:ln>
+              <a:solidFill>
+                <a:schemeClr val="accent2">
+                  <a:lumMod val="75000"/>
+                </a:schemeClr>
+              </a:solidFill>
+              <a:tailEnd type="triangle"/>
+            </a:ln>
+          </p:spPr>
+          <p:style>
+            <a:lnRef idx="1">
+              <a:schemeClr val="accent2"/>
+            </a:lnRef>
+            <a:fillRef idx="0">
+              <a:schemeClr val="accent2"/>
+            </a:fillRef>
+            <a:effectRef idx="0">
+              <a:schemeClr val="accent2"/>
+            </a:effectRef>
+            <a:fontRef idx="minor">
+              <a:schemeClr val="tx1"/>
+            </a:fontRef>
+          </p:style>
+        </p:cxnSp>
+        <p:sp>
+          <p:nvSpPr>
+            <p:cNvPr id="21" name="TextBox 20"/>
+            <p:cNvSpPr txBox="1"/>
+            <p:nvPr/>
+          </p:nvSpPr>
+          <p:spPr>
+            <a:xfrm>
+              <a:off x="367500" y="1833749"/>
+              <a:ext cx="2191110" cy="369332"/>
+            </a:xfrm>
+            <a:prstGeom prst="rect">
+              <a:avLst/>
+            </a:prstGeom>
+            <a:noFill/>
+          </p:spPr>
+          <p:txBody>
+            <a:bodyPr wrap="square" rtlCol="0">
+              <a:spAutoFit/>
+            </a:bodyPr>
+            <a:lstStyle/>
+            <a:p>
+              <a:r>
+                <a:rPr lang="en-US" dirty="0" smtClean="0">
+                  <a:solidFill>
+                    <a:schemeClr val="accent2">
+                      <a:lumMod val="75000"/>
+                    </a:schemeClr>
+                  </a:solidFill>
+                </a:rPr>
+                <a:t>rcpp_interface.hpp</a:t>
+              </a:r>
+              <a:endParaRPr lang="en-US" dirty="0">
+                <a:solidFill>
+                  <a:schemeClr val="accent2">
+                    <a:lumMod val="75000"/>
+                  </a:schemeClr>
+                </a:solidFill>
+              </a:endParaRPr>
+            </a:p>
+          </p:txBody>
+        </p:sp>
+        <p:sp>
+          <p:nvSpPr>
+            <p:cNvPr id="22" name="Rectangle 21"/>
+            <p:cNvSpPr/>
+            <p:nvPr/>
+          </p:nvSpPr>
+          <p:spPr>
+            <a:xfrm>
+              <a:off x="2658916" y="3616140"/>
+              <a:ext cx="2609271" cy="1331703"/>
+            </a:xfrm>
+            <a:prstGeom prst="rect">
+              <a:avLst/>
+            </a:prstGeom>
+            <a:solidFill>
+              <a:schemeClr val="accent6">
+                <a:lumMod val="20000"/>
+                <a:lumOff val="80000"/>
+              </a:schemeClr>
+            </a:solidFill>
+            <a:ln>
+              <a:solidFill>
+                <a:schemeClr val="accent6">
+                  <a:lumMod val="50000"/>
+                </a:schemeClr>
+              </a:solidFill>
+            </a:ln>
+          </p:spPr>
+          <p:style>
+            <a:lnRef idx="2">
+              <a:schemeClr val="accent1">
+                <a:shade val="50000"/>
+              </a:schemeClr>
+            </a:lnRef>
+            <a:fillRef idx="1">
+              <a:schemeClr val="accent1"/>
+            </a:fillRef>
+            <a:effectRef idx="0">
+              <a:schemeClr val="accent1"/>
+            </a:effectRef>
+            <a:fontRef idx="minor">
+              <a:schemeClr val="lt1"/>
+            </a:fontRef>
+          </p:style>
+          <p:txBody>
+            <a:bodyPr rtlCol="0" anchor="ctr"/>
+            <a:lstStyle/>
+            <a:p>
+              <a:r>
+                <a:rPr lang="en-US" sz="1200" dirty="0" smtClean="0">
+                  <a:solidFill>
+                    <a:schemeClr val="accent6">
+                      <a:lumMod val="50000"/>
+                    </a:schemeClr>
+                  </a:solidFill>
+                </a:rPr>
+                <a:t>maturity/</a:t>
+              </a:r>
+              <a:r>
+                <a:rPr lang="en-US" sz="1200" dirty="0" err="1" smtClean="0">
+                  <a:solidFill>
+                    <a:schemeClr val="accent6">
+                      <a:lumMod val="50000"/>
+                    </a:schemeClr>
+                  </a:solidFill>
+                </a:rPr>
+                <a:t>functors</a:t>
+              </a:r>
+              <a:r>
+                <a:rPr lang="en-US" sz="1200" dirty="0" smtClean="0">
+                  <a:solidFill>
+                    <a:schemeClr val="accent6">
+                      <a:lumMod val="50000"/>
+                    </a:schemeClr>
+                  </a:solidFill>
+                </a:rPr>
+                <a:t>/logistic.hpp</a:t>
+              </a:r>
+            </a:p>
+            <a:p>
+              <a:r>
+                <a:rPr lang="en-US" b="1" dirty="0" err="1" smtClean="0">
+                  <a:solidFill>
+                    <a:schemeClr val="accent6">
+                      <a:lumMod val="50000"/>
+                    </a:schemeClr>
+                  </a:solidFill>
+                </a:rPr>
+                <a:t>fims</a:t>
+              </a:r>
+              <a:r>
+                <a:rPr lang="en-US" b="1" dirty="0" smtClean="0">
+                  <a:solidFill>
+                    <a:schemeClr val="accent6">
+                      <a:lumMod val="50000"/>
+                    </a:schemeClr>
+                  </a:solidFill>
+                </a:rPr>
+                <a:t>::</a:t>
+              </a:r>
+              <a:r>
+                <a:rPr lang="en-US" b="1" dirty="0" err="1" smtClean="0">
+                  <a:solidFill>
+                    <a:schemeClr val="accent6">
+                      <a:lumMod val="50000"/>
+                    </a:schemeClr>
+                  </a:solidFill>
+                </a:rPr>
+                <a:t>LogisticMaturity</a:t>
+              </a:r>
+              <a:endParaRPr lang="en-US" b="1" dirty="0" smtClean="0">
+                <a:solidFill>
+                  <a:schemeClr val="accent6">
+                    <a:lumMod val="50000"/>
+                  </a:schemeClr>
+                </a:solidFill>
+              </a:endParaRPr>
+            </a:p>
+            <a:p>
+              <a:pPr marL="285750" indent="-285750">
+                <a:buFont typeface="Arial" panose="020B0604020202020204" pitchFamily="34" charset="0"/>
+                <a:buChar char="•"/>
+              </a:pPr>
+              <a:r>
+                <a:rPr lang="en-US" dirty="0" smtClean="0">
+                  <a:solidFill>
+                    <a:schemeClr val="accent6">
+                      <a:lumMod val="50000"/>
+                    </a:schemeClr>
+                  </a:solidFill>
+                </a:rPr>
+                <a:t>median</a:t>
+              </a:r>
+            </a:p>
+            <a:p>
+              <a:pPr marL="285750" indent="-285750">
+                <a:buFont typeface="Arial" panose="020B0604020202020204" pitchFamily="34" charset="0"/>
+                <a:buChar char="•"/>
+              </a:pPr>
+              <a:r>
+                <a:rPr lang="en-US" dirty="0" smtClean="0">
+                  <a:solidFill>
+                    <a:schemeClr val="accent6">
+                      <a:lumMod val="50000"/>
+                    </a:schemeClr>
+                  </a:solidFill>
+                </a:rPr>
+                <a:t>slope</a:t>
+              </a:r>
+            </a:p>
+            <a:p>
+              <a:pPr marL="285750" indent="-285750">
+                <a:buFont typeface="Arial" panose="020B0604020202020204" pitchFamily="34" charset="0"/>
+                <a:buChar char="•"/>
+              </a:pPr>
+              <a:r>
+                <a:rPr lang="en-US" dirty="0" smtClean="0">
+                  <a:solidFill>
+                    <a:schemeClr val="accent6">
+                      <a:lumMod val="50000"/>
+                    </a:schemeClr>
+                  </a:solidFill>
+                </a:rPr>
+                <a:t>evaluate(x)</a:t>
+              </a:r>
+            </a:p>
+          </p:txBody>
+        </p:sp>
+        <p:sp>
+          <p:nvSpPr>
+            <p:cNvPr id="24" name="TextBox 23"/>
+            <p:cNvSpPr txBox="1"/>
+            <p:nvPr/>
+          </p:nvSpPr>
+          <p:spPr>
+            <a:xfrm>
+              <a:off x="315545" y="3583279"/>
+              <a:ext cx="2133600" cy="369332"/>
+            </a:xfrm>
+            <a:prstGeom prst="rect">
+              <a:avLst/>
+            </a:prstGeom>
+            <a:noFill/>
+          </p:spPr>
+          <p:txBody>
+            <a:bodyPr wrap="square" rtlCol="0">
+              <a:spAutoFit/>
+            </a:bodyPr>
+            <a:lstStyle/>
+            <a:p>
+              <a:r>
+                <a:rPr lang="en-US" dirty="0" smtClean="0">
+                  <a:solidFill>
+                    <a:schemeClr val="accent2">
+                      <a:lumMod val="75000"/>
+                    </a:schemeClr>
+                  </a:solidFill>
+                </a:rPr>
+                <a:t>shared pointer: lm0</a:t>
+              </a:r>
+            </a:p>
+          </p:txBody>
+        </p:sp>
+        <p:sp>
+          <p:nvSpPr>
+            <p:cNvPr id="37" name="Rectangle 36"/>
+            <p:cNvSpPr/>
+            <p:nvPr/>
+          </p:nvSpPr>
+          <p:spPr>
+            <a:xfrm>
+              <a:off x="2658917" y="5545941"/>
+              <a:ext cx="2609270" cy="871268"/>
+            </a:xfrm>
+            <a:prstGeom prst="rect">
+              <a:avLst/>
+            </a:prstGeom>
+            <a:solidFill>
+              <a:schemeClr val="accent6">
+                <a:lumMod val="20000"/>
+                <a:lumOff val="80000"/>
+              </a:schemeClr>
+            </a:solidFill>
+            <a:ln>
+              <a:solidFill>
+                <a:schemeClr val="accent6">
+                  <a:lumMod val="50000"/>
+                </a:schemeClr>
+              </a:solidFill>
+            </a:ln>
+          </p:spPr>
+          <p:style>
+            <a:lnRef idx="2">
+              <a:schemeClr val="accent1">
+                <a:shade val="50000"/>
+              </a:schemeClr>
+            </a:lnRef>
+            <a:fillRef idx="1">
+              <a:schemeClr val="accent1"/>
+            </a:fillRef>
+            <a:effectRef idx="0">
+              <a:schemeClr val="accent1"/>
+            </a:effectRef>
+            <a:fontRef idx="minor">
+              <a:schemeClr val="lt1"/>
+            </a:fontRef>
+          </p:style>
+          <p:txBody>
+            <a:bodyPr rtlCol="0" anchor="ctr"/>
+            <a:lstStyle/>
+            <a:p>
+              <a:r>
+                <a:rPr lang="en-US" sz="1200" dirty="0" smtClean="0">
+                  <a:solidFill>
+                    <a:schemeClr val="tx1"/>
+                  </a:solidFill>
+                </a:rPr>
+                <a:t>maturity/</a:t>
+              </a:r>
+              <a:r>
+                <a:rPr lang="en-US" sz="1200" dirty="0" err="1" smtClean="0">
+                  <a:solidFill>
+                    <a:schemeClr val="tx1"/>
+                  </a:solidFill>
+                </a:rPr>
+                <a:t>functors</a:t>
+              </a:r>
+              <a:r>
+                <a:rPr lang="en-US" sz="1200" dirty="0" smtClean="0">
+                  <a:solidFill>
+                    <a:schemeClr val="tx1"/>
+                  </a:solidFill>
+                </a:rPr>
+                <a:t>/maturity_base.hpp</a:t>
+              </a:r>
+            </a:p>
+            <a:p>
+              <a:r>
+                <a:rPr lang="en-US" b="1" dirty="0" err="1" smtClean="0">
+                  <a:solidFill>
+                    <a:schemeClr val="accent6">
+                      <a:lumMod val="50000"/>
+                    </a:schemeClr>
+                  </a:solidFill>
+                </a:rPr>
+                <a:t>fims</a:t>
+              </a:r>
+              <a:r>
+                <a:rPr lang="en-US" b="1" dirty="0" smtClean="0">
+                  <a:solidFill>
+                    <a:schemeClr val="accent6">
+                      <a:lumMod val="50000"/>
+                    </a:schemeClr>
+                  </a:solidFill>
+                </a:rPr>
+                <a:t>::</a:t>
+              </a:r>
+              <a:r>
+                <a:rPr lang="en-US" b="1" dirty="0" err="1" smtClean="0">
+                  <a:solidFill>
+                    <a:schemeClr val="accent6">
+                      <a:lumMod val="50000"/>
+                    </a:schemeClr>
+                  </a:solidFill>
+                </a:rPr>
+                <a:t>MaturityBase</a:t>
+              </a:r>
+              <a:endParaRPr lang="en-US" b="1" dirty="0" smtClean="0">
+                <a:solidFill>
+                  <a:schemeClr val="accent6">
+                    <a:lumMod val="50000"/>
+                  </a:schemeClr>
+                </a:solidFill>
+              </a:endParaRPr>
+            </a:p>
+            <a:p>
+              <a:pPr marL="285750" indent="-285750">
+                <a:buFont typeface="Arial" panose="020B0604020202020204" pitchFamily="34" charset="0"/>
+                <a:buChar char="•"/>
+              </a:pPr>
+              <a:r>
+                <a:rPr lang="en-US" dirty="0" smtClean="0">
+                  <a:solidFill>
+                    <a:schemeClr val="accent6">
+                      <a:lumMod val="50000"/>
+                    </a:schemeClr>
+                  </a:solidFill>
+                </a:rPr>
+                <a:t>evaluate(x)</a:t>
+              </a:r>
+            </a:p>
+          </p:txBody>
+        </p:sp>
+        <p:cxnSp>
+          <p:nvCxnSpPr>
+            <p:cNvPr id="39" name="Straight Arrow Connector 38"/>
+            <p:cNvCxnSpPr>
+              <a:stCxn id="22" idx="2"/>
+              <a:endCxn id="37" idx="0"/>
+            </p:cNvCxnSpPr>
+            <p:nvPr/>
+          </p:nvCxnSpPr>
+          <p:spPr>
+            <a:xfrm>
+              <a:off x="3916217" y="4947843"/>
+              <a:ext cx="0" cy="598098"/>
+            </a:xfrm>
+            <a:prstGeom prst="straightConnector1">
+              <a:avLst/>
+            </a:prstGeom>
+            <a:ln>
+              <a:solidFill>
+                <a:schemeClr val="accent6">
+                  <a:lumMod val="50000"/>
+                </a:schemeClr>
+              </a:solidFill>
+              <a:headEnd type="triangle"/>
+              <a:tailEnd type="none"/>
+            </a:ln>
+          </p:spPr>
+          <p:style>
+            <a:lnRef idx="1">
+              <a:schemeClr val="accent1"/>
+            </a:lnRef>
+            <a:fillRef idx="0">
+              <a:schemeClr val="accent1"/>
+            </a:fillRef>
+            <a:effectRef idx="0">
+              <a:schemeClr val="accent1"/>
+            </a:effectRef>
+            <a:fontRef idx="minor">
+              <a:schemeClr val="tx1"/>
+            </a:fontRef>
+          </p:style>
+        </p:cxnSp>
+        <p:sp>
+          <p:nvSpPr>
+            <p:cNvPr id="44" name="TextBox 43"/>
+            <p:cNvSpPr txBox="1"/>
+            <p:nvPr/>
+          </p:nvSpPr>
+          <p:spPr>
+            <a:xfrm>
+              <a:off x="3903517" y="5066539"/>
+              <a:ext cx="1532312" cy="369332"/>
+            </a:xfrm>
+            <a:prstGeom prst="rect">
+              <a:avLst/>
+            </a:prstGeom>
+            <a:noFill/>
+          </p:spPr>
+          <p:txBody>
+            <a:bodyPr wrap="square" rtlCol="0">
+              <a:spAutoFit/>
+            </a:bodyPr>
+            <a:lstStyle/>
+            <a:p>
+              <a:r>
+                <a:rPr lang="en-US" dirty="0" smtClean="0">
+                  <a:solidFill>
+                    <a:schemeClr val="accent6">
+                      <a:lumMod val="50000"/>
+                    </a:schemeClr>
+                  </a:solidFill>
+                </a:rPr>
+                <a:t>inheritance</a:t>
+              </a:r>
+              <a:endParaRPr lang="en-US" dirty="0">
+                <a:solidFill>
+                  <a:schemeClr val="accent6">
+                    <a:lumMod val="50000"/>
+                  </a:schemeClr>
+                </a:solidFill>
+              </a:endParaRPr>
+            </a:p>
+          </p:txBody>
+        </p:sp>
+        <p:cxnSp>
+          <p:nvCxnSpPr>
+            <p:cNvPr id="50" name="Straight Arrow Connector 49"/>
+            <p:cNvCxnSpPr>
+              <a:stCxn id="37" idx="3"/>
+            </p:cNvCxnSpPr>
+            <p:nvPr/>
+          </p:nvCxnSpPr>
+          <p:spPr>
+            <a:xfrm>
+              <a:off x="5268187" y="5981575"/>
+              <a:ext cx="1590793" cy="0"/>
+            </a:xfrm>
+            <a:prstGeom prst="straightConnector1">
+              <a:avLst/>
+            </a:prstGeom>
+            <a:ln>
+              <a:solidFill>
+                <a:schemeClr val="accent6">
+                  <a:lumMod val="50000"/>
+                </a:schemeClr>
+              </a:solidFill>
+              <a:headEnd type="triangle"/>
+              <a:tailEnd type="none"/>
+            </a:ln>
+          </p:spPr>
+          <p:style>
+            <a:lnRef idx="1">
+              <a:schemeClr val="accent1"/>
+            </a:lnRef>
+            <a:fillRef idx="0">
+              <a:schemeClr val="accent1"/>
+            </a:fillRef>
+            <a:effectRef idx="0">
+              <a:schemeClr val="accent1"/>
+            </a:effectRef>
+            <a:fontRef idx="minor">
+              <a:schemeClr val="tx1"/>
+            </a:fontRef>
+          </p:style>
+        </p:cxnSp>
+        <p:sp>
+          <p:nvSpPr>
+            <p:cNvPr id="54" name="TextBox 53"/>
+            <p:cNvSpPr txBox="1"/>
+            <p:nvPr/>
+          </p:nvSpPr>
+          <p:spPr>
+            <a:xfrm>
+              <a:off x="5290381" y="5658409"/>
+              <a:ext cx="1610163" cy="646331"/>
+            </a:xfrm>
+            <a:prstGeom prst="rect">
+              <a:avLst/>
+            </a:prstGeom>
+            <a:noFill/>
+          </p:spPr>
+          <p:txBody>
+            <a:bodyPr wrap="square" rtlCol="0">
+              <a:spAutoFit/>
+            </a:bodyPr>
+            <a:lstStyle/>
+            <a:p>
+              <a:pPr algn="ctr"/>
+              <a:r>
+                <a:rPr lang="en-US" dirty="0" smtClean="0">
+                  <a:solidFill>
+                    <a:schemeClr val="accent6">
+                      <a:lumMod val="50000"/>
+                    </a:schemeClr>
+                  </a:solidFill>
+                </a:rPr>
+                <a:t>shared pointer: maturity</a:t>
+              </a:r>
+              <a:endParaRPr lang="en-US" dirty="0">
+                <a:solidFill>
+                  <a:schemeClr val="accent6">
+                    <a:lumMod val="50000"/>
+                  </a:schemeClr>
+                </a:solidFill>
+              </a:endParaRPr>
+            </a:p>
+          </p:txBody>
+        </p:sp>
+        <p:cxnSp>
+          <p:nvCxnSpPr>
+            <p:cNvPr id="35" name="Elbow Connector 34"/>
+            <p:cNvCxnSpPr/>
+            <p:nvPr/>
+          </p:nvCxnSpPr>
+          <p:spPr>
+            <a:xfrm>
+              <a:off x="2639867" y="3353526"/>
+              <a:ext cx="12700" cy="788958"/>
+            </a:xfrm>
+            <a:prstGeom prst="bentConnector4">
+              <a:avLst>
+                <a:gd name="adj1" fmla="val -2908409"/>
+                <a:gd name="adj2" fmla="val 99829"/>
+              </a:avLst>
+            </a:prstGeom>
+            <a:ln>
+              <a:solidFill>
+                <a:schemeClr val="accent2">
+                  <a:lumMod val="75000"/>
+                </a:schemeClr>
+              </a:solidFill>
+              <a:tailEnd type="triangle"/>
+            </a:ln>
+          </p:spPr>
+          <p:style>
+            <a:lnRef idx="1">
+              <a:schemeClr val="accent2"/>
+            </a:lnRef>
+            <a:fillRef idx="0">
+              <a:schemeClr val="accent2"/>
+            </a:fillRef>
+            <a:effectRef idx="0">
+              <a:schemeClr val="accent2"/>
+            </a:effectRef>
+            <a:fontRef idx="minor">
+              <a:schemeClr val="tx1"/>
+            </a:fontRef>
+          </p:style>
+        </p:cxnSp>
+        <p:cxnSp>
+          <p:nvCxnSpPr>
+            <p:cNvPr id="31" name="Straight Arrow Connector 30"/>
+            <p:cNvCxnSpPr>
+              <a:endCxn id="51" idx="1"/>
+            </p:cNvCxnSpPr>
+            <p:nvPr/>
+          </p:nvCxnSpPr>
+          <p:spPr>
+            <a:xfrm>
+              <a:off x="5282986" y="1867116"/>
+              <a:ext cx="1575994" cy="0"/>
+            </a:xfrm>
+            <a:prstGeom prst="straightConnector1">
+              <a:avLst/>
+            </a:prstGeom>
+            <a:ln>
+              <a:tailEnd type="triangle"/>
+            </a:ln>
+          </p:spPr>
+          <p:style>
+            <a:lnRef idx="1">
+              <a:schemeClr val="accent2"/>
+            </a:lnRef>
+            <a:fillRef idx="0">
+              <a:schemeClr val="accent2"/>
+            </a:fillRef>
+            <a:effectRef idx="0">
+              <a:schemeClr val="accent2"/>
+            </a:effectRef>
+            <a:fontRef idx="minor">
+              <a:schemeClr val="tx1"/>
+            </a:fontRef>
+          </p:style>
+        </p:cxnSp>
+        <p:sp>
+          <p:nvSpPr>
+            <p:cNvPr id="51" name="Rectangle 50"/>
+            <p:cNvSpPr/>
+            <p:nvPr/>
+          </p:nvSpPr>
+          <p:spPr>
+            <a:xfrm>
               <a:off x="6858980" y="1023250"/>
               <a:ext cx="5197938" cy="1687732"/>
             </a:xfrm>
@@ -6051,9 +9757,7 @@
         <p:cxnSp>
           <p:nvCxnSpPr>
             <p:cNvPr id="138" name="Elbow Connector 137"/>
-            <p:cNvCxnSpPr>
-              <a:endCxn id="46" idx="3"/>
-            </p:cNvCxnSpPr>
+            <p:cNvCxnSpPr/>
             <p:nvPr/>
           </p:nvCxnSpPr>
           <p:spPr>
@@ -6126,9 +9830,7 @@
         <p:cxnSp>
           <p:nvCxnSpPr>
             <p:cNvPr id="150" name="Elbow Connector 149"/>
-            <p:cNvCxnSpPr>
-              <a:stCxn id="46" idx="0"/>
-            </p:cNvCxnSpPr>
+            <p:cNvCxnSpPr/>
             <p:nvPr/>
           </p:nvCxnSpPr>
           <p:spPr>
@@ -6540,6 +10242,134 @@
                 <a:t>FIMS Path: Maturity</a:t>
               </a:r>
               <a:endParaRPr lang="en-US" sz="2200" dirty="0"/>
+            </a:p>
+          </p:txBody>
+        </p:sp>
+        <p:sp>
+          <p:nvSpPr>
+            <p:cNvPr id="38" name="Rectangle 37"/>
+            <p:cNvSpPr/>
+            <p:nvPr/>
+          </p:nvSpPr>
+          <p:spPr>
+            <a:xfrm>
+              <a:off x="6858980" y="5452494"/>
+              <a:ext cx="3517981" cy="1079146"/>
+            </a:xfrm>
+            <a:prstGeom prst="rect">
+              <a:avLst/>
+            </a:prstGeom>
+            <a:solidFill>
+              <a:schemeClr val="accent6">
+                <a:lumMod val="20000"/>
+                <a:lumOff val="80000"/>
+              </a:schemeClr>
+            </a:solidFill>
+            <a:ln>
+              <a:solidFill>
+                <a:schemeClr val="accent6">
+                  <a:lumMod val="50000"/>
+                </a:schemeClr>
+              </a:solidFill>
+            </a:ln>
+          </p:spPr>
+          <p:style>
+            <a:lnRef idx="2">
+              <a:schemeClr val="accent1">
+                <a:shade val="50000"/>
+              </a:schemeClr>
+            </a:lnRef>
+            <a:fillRef idx="1">
+              <a:schemeClr val="accent1"/>
+            </a:fillRef>
+            <a:effectRef idx="0">
+              <a:schemeClr val="accent1"/>
+            </a:effectRef>
+            <a:fontRef idx="minor">
+              <a:schemeClr val="lt1"/>
+            </a:fontRef>
+          </p:style>
+          <p:txBody>
+            <a:bodyPr rtlCol="0" anchor="ctr"/>
+            <a:lstStyle/>
+            <a:p>
+              <a:r>
+                <a:rPr lang="en-US" sz="1200" dirty="0" smtClean="0">
+                  <a:solidFill>
+                    <a:schemeClr val="tx1"/>
+                  </a:solidFill>
+                </a:rPr>
+                <a:t>population/population.hpp</a:t>
+              </a:r>
+            </a:p>
+            <a:p>
+              <a:r>
+                <a:rPr lang="en-US" b="1" dirty="0" err="1" smtClean="0">
+                  <a:solidFill>
+                    <a:schemeClr val="tx1"/>
+                  </a:solidFill>
+                </a:rPr>
+                <a:t>fims</a:t>
+              </a:r>
+              <a:r>
+                <a:rPr lang="en-US" b="1" dirty="0" smtClean="0">
+                  <a:solidFill>
+                    <a:schemeClr val="tx1"/>
+                  </a:solidFill>
+                </a:rPr>
+                <a:t>::</a:t>
+              </a:r>
+              <a:r>
+                <a:rPr lang="en-US" b="1" dirty="0" smtClean="0">
+                  <a:solidFill>
+                    <a:schemeClr val="tx1"/>
+                  </a:solidFill>
+                </a:rPr>
+                <a:t>Population</a:t>
+              </a:r>
+              <a:endParaRPr lang="en-US" dirty="0">
+                <a:solidFill>
+                  <a:schemeClr val="tx1"/>
+                </a:solidFill>
+              </a:endParaRPr>
+            </a:p>
+            <a:p>
+              <a:pPr marL="285750" indent="-285750">
+                <a:buFont typeface="Arial" panose="020B0604020202020204" pitchFamily="34" charset="0"/>
+                <a:buChar char="•"/>
+              </a:pPr>
+              <a:r>
+                <a:rPr lang="en-US" dirty="0" err="1">
+                  <a:solidFill>
+                    <a:schemeClr val="tx1"/>
+                  </a:solidFill>
+                </a:rPr>
+                <a:t>maturity_id</a:t>
+              </a:r>
+              <a:endParaRPr lang="en-US" dirty="0">
+                <a:solidFill>
+                  <a:schemeClr val="tx1"/>
+                </a:solidFill>
+              </a:endParaRPr>
+            </a:p>
+            <a:p>
+              <a:pPr marL="285750" indent="-285750">
+                <a:buFont typeface="Arial" panose="020B0604020202020204" pitchFamily="34" charset="0"/>
+                <a:buChar char="•"/>
+              </a:pPr>
+              <a:r>
+                <a:rPr lang="en-US" dirty="0" smtClean="0">
+                  <a:solidFill>
+                    <a:schemeClr val="tx1"/>
+                  </a:solidFill>
+                </a:rPr>
+                <a:t>this-&gt;maturity-&gt;evaluate(age)</a:t>
+              </a:r>
+              <a:endParaRPr lang="en-US" dirty="0" smtClean="0">
+                <a:solidFill>
+                  <a:schemeClr val="tx1"/>
+                </a:solidFill>
+              </a:endParaRPr>
             </a:p>
           </p:txBody>
         </p:sp>

--- a/vignettes/figures/fims-path-maturity.pptx
+++ b/vignettes/figures/fims-path-maturity.pptx
@@ -9,7 +9,10 @@
     <p:sldId id="261" r:id="rId3"/>
     <p:sldId id="263" r:id="rId4"/>
     <p:sldId id="260" r:id="rId5"/>
-    <p:sldId id="259" r:id="rId6"/>
+    <p:sldId id="265" r:id="rId6"/>
+    <p:sldId id="266" r:id="rId7"/>
+    <p:sldId id="268" r:id="rId8"/>
+    <p:sldId id="264" r:id="rId9"/>
   </p:sldIdLst>
   <p:sldSz cx="12192000" cy="6858000"/>
   <p:notesSz cx="6858000" cy="9144000"/>
@@ -3319,13 +3322,6 @@
                 </a:rPr>
                 <a:t>slope</a:t>
               </a:r>
-              <a:endParaRPr lang="en-US" dirty="0" smtClean="0">
-                <a:solidFill>
-                  <a:schemeClr val="accent2">
-                    <a:lumMod val="75000"/>
-                  </a:schemeClr>
-                </a:solidFill>
-              </a:endParaRPr>
             </a:p>
           </p:txBody>
         </p:sp>
@@ -4469,13 +4465,6 @@
                 </a:rPr>
                 <a:t>slope</a:t>
               </a:r>
-              <a:endParaRPr lang="en-US" dirty="0" smtClean="0">
-                <a:solidFill>
-                  <a:schemeClr val="accent6">
-                    <a:lumMod val="50000"/>
-                  </a:schemeClr>
-                </a:solidFill>
-              </a:endParaRPr>
             </a:p>
           </p:txBody>
         </p:sp>
@@ -4691,15 +4680,7 @@
                     <a:schemeClr val="tx1"/>
                   </a:solidFill>
                 </a:rPr>
-                <a:t>::</a:t>
-              </a:r>
-              <a:r>
-                <a:rPr lang="en-US" b="1" dirty="0" smtClean="0">
-                  <a:solidFill>
-                    <a:schemeClr val="tx1"/>
-                  </a:solidFill>
-                </a:rPr>
-                <a:t>Information</a:t>
+                <a:t>::Information</a:t>
               </a:r>
               <a:endParaRPr lang="en-US" sz="1600" dirty="0" smtClean="0">
                 <a:solidFill>
@@ -6030,15 +6011,7 @@
                     <a:schemeClr val="tx1"/>
                   </a:solidFill>
                 </a:rPr>
-                <a:t>::</a:t>
-              </a:r>
-              <a:r>
-                <a:rPr lang="en-US" b="1" dirty="0" smtClean="0">
-                  <a:solidFill>
-                    <a:schemeClr val="tx1"/>
-                  </a:solidFill>
-                </a:rPr>
-                <a:t>Information</a:t>
+                <a:t>::Information</a:t>
               </a:r>
               <a:endParaRPr lang="en-US" sz="1600" dirty="0" smtClean="0">
                 <a:solidFill>
@@ -6472,7 +6445,7 @@
       </p:grpSpPr>
       <p:grpSp>
         <p:nvGrpSpPr>
-          <p:cNvPr id="3" name="Group 2"/>
+          <p:cNvPr id="23" name="Group 22"/>
           <p:cNvGrpSpPr/>
           <p:nvPr/>
         </p:nvGrpSpPr>
@@ -7694,15 +7667,7 @@
                     <a:schemeClr val="tx1"/>
                   </a:solidFill>
                 </a:rPr>
-                <a:t>::</a:t>
-              </a:r>
-              <a:r>
-                <a:rPr lang="en-US" b="1" dirty="0" smtClean="0">
-                  <a:solidFill>
-                    <a:schemeClr val="tx1"/>
-                  </a:solidFill>
-                </a:rPr>
-                <a:t>Population</a:t>
+                <a:t>::Population</a:t>
               </a:r>
               <a:endParaRPr lang="en-US" dirty="0">
                 <a:solidFill>
@@ -7742,11 +7707,6 @@
                 </a:rPr>
                 <a:t>this-&gt;maturity-&gt;evaluate(age)</a:t>
               </a:r>
-              <a:endParaRPr lang="en-US" dirty="0" smtClean="0">
-                <a:solidFill>
-                  <a:schemeClr val="tx1"/>
-                </a:solidFill>
-              </a:endParaRPr>
             </a:p>
           </p:txBody>
         </p:sp>
@@ -8066,9 +8026,7 @@
         <p:cxnSp>
           <p:nvCxnSpPr>
             <p:cNvPr id="32" name="Straight Arrow Connector 31"/>
-            <p:cNvCxnSpPr>
-              <a:endCxn id="33" idx="1"/>
-            </p:cNvCxnSpPr>
+            <p:cNvCxnSpPr/>
             <p:nvPr/>
           </p:nvCxnSpPr>
           <p:spPr>
@@ -8100,7 +8058,55 @@
         </p:cxnSp>
         <p:sp>
           <p:nvSpPr>
-            <p:cNvPr id="33" name="Rectangle 32"/>
+            <p:cNvPr id="34" name="Rectangle 33"/>
+            <p:cNvSpPr/>
+            <p:nvPr/>
+          </p:nvSpPr>
+          <p:spPr>
+            <a:xfrm>
+              <a:off x="5082346" y="1548130"/>
+              <a:ext cx="1943103" cy="646331"/>
+            </a:xfrm>
+            <a:prstGeom prst="rect">
+              <a:avLst/>
+            </a:prstGeom>
+          </p:spPr>
+          <p:txBody>
+            <a:bodyPr wrap="square">
+              <a:spAutoFit/>
+            </a:bodyPr>
+            <a:lstStyle/>
+            <a:p>
+              <a:pPr algn="ctr"/>
+              <a:r>
+                <a:rPr lang="en-US" dirty="0" smtClean="0">
+                  <a:solidFill>
+                    <a:schemeClr val="accent2">
+                      <a:lumMod val="75000"/>
+                    </a:schemeClr>
+                  </a:solidFill>
+                </a:rPr>
+                <a:t>shared pointer: </a:t>
+              </a:r>
+            </a:p>
+            <a:p>
+              <a:pPr algn="ctr"/>
+              <a:r>
+                <a:rPr lang="en-US" dirty="0" smtClean="0">
+                  <a:solidFill>
+                    <a:schemeClr val="accent2">
+                      <a:lumMod val="75000"/>
+                    </a:schemeClr>
+                  </a:solidFill>
+                </a:rPr>
+                <a:t>d0</a:t>
+              </a:r>
+            </a:p>
+          </p:txBody>
+        </p:sp>
+        <p:sp>
+          <p:nvSpPr>
+            <p:cNvPr id="46" name="Rectangle 45"/>
             <p:cNvSpPr/>
             <p:nvPr/>
           </p:nvSpPr>
@@ -8169,69 +8175,13 @@
                     <a:schemeClr val="tx1"/>
                   </a:solidFill>
                 </a:rPr>
-                <a:t>::</a:t>
-              </a:r>
-              <a:r>
-                <a:rPr lang="en-US" b="1" dirty="0" smtClean="0">
-                  <a:solidFill>
-                    <a:schemeClr val="tx1"/>
-                  </a:solidFill>
-                </a:rPr>
-                <a:t>Information</a:t>
+                <a:t>::Information</a:t>
               </a:r>
               <a:endParaRPr lang="en-US" sz="1600" dirty="0" smtClean="0">
                 <a:solidFill>
                   <a:schemeClr val="tx1"/>
                 </a:solidFill>
               </a:endParaRPr>
-            </a:p>
-          </p:txBody>
-        </p:sp>
-        <p:sp>
-          <p:nvSpPr>
-            <p:cNvPr id="34" name="Rectangle 33"/>
-            <p:cNvSpPr/>
-            <p:nvPr/>
-          </p:nvSpPr>
-          <p:spPr>
-            <a:xfrm>
-              <a:off x="5082346" y="1548130"/>
-              <a:ext cx="1943103" cy="646331"/>
-            </a:xfrm>
-            <a:prstGeom prst="rect">
-              <a:avLst/>
-            </a:prstGeom>
-          </p:spPr>
-          <p:txBody>
-            <a:bodyPr wrap="square">
-              <a:spAutoFit/>
-            </a:bodyPr>
-            <a:lstStyle/>
-            <a:p>
-              <a:pPr algn="ctr"/>
-              <a:r>
-                <a:rPr lang="en-US" dirty="0" smtClean="0">
-                  <a:solidFill>
-                    <a:schemeClr val="accent2">
-                      <a:lumMod val="75000"/>
-                    </a:schemeClr>
-                  </a:solidFill>
-                </a:rPr>
-                <a:t>shared pointer: </a:t>
-              </a:r>
-            </a:p>
-            <a:p>
-              <a:pPr algn="ctr"/>
-              <a:r>
-                <a:rPr lang="en-US" dirty="0" smtClean="0">
-                  <a:solidFill>
-                    <a:schemeClr val="accent2">
-                      <a:lumMod val="75000"/>
-                    </a:schemeClr>
-                  </a:solidFill>
-                </a:rPr>
-                <a:t>d0</a:t>
-              </a:r>
             </a:p>
           </p:txBody>
         </p:sp>
@@ -8268,7 +8218,7 @@
       </p:grpSpPr>
       <p:grpSp>
         <p:nvGrpSpPr>
-          <p:cNvPr id="9" name="Group 8"/>
+          <p:cNvPr id="3" name="Group 2"/>
           <p:cNvGrpSpPr/>
           <p:nvPr/>
         </p:nvGrpSpPr>
@@ -9267,6 +9217,7 @@
             <p:cNvPr id="50" name="Straight Arrow Connector 49"/>
             <p:cNvCxnSpPr>
               <a:stCxn id="37" idx="3"/>
+              <a:endCxn id="46" idx="1"/>
             </p:cNvCxnSpPr>
             <p:nvPr/>
           </p:nvCxnSpPr>
@@ -9311,13 +9262,6117 @@
           </p:nvSpPr>
           <p:spPr>
             <a:xfrm>
-              <a:off x="5290381" y="5658409"/>
+              <a:off x="5286254" y="5658409"/>
               <a:ext cx="1610163" cy="646331"/>
             </a:xfrm>
             <a:prstGeom prst="rect">
               <a:avLst/>
             </a:prstGeom>
             <a:noFill/>
+          </p:spPr>
+          <p:txBody>
+            <a:bodyPr wrap="square" rtlCol="0">
+              <a:spAutoFit/>
+            </a:bodyPr>
+            <a:lstStyle/>
+            <a:p>
+              <a:pPr algn="ctr"/>
+              <a:r>
+                <a:rPr lang="en-US" dirty="0" smtClean="0">
+                  <a:solidFill>
+                    <a:schemeClr val="accent6">
+                      <a:lumMod val="50000"/>
+                    </a:schemeClr>
+                  </a:solidFill>
+                </a:rPr>
+                <a:t>shared pointer: maturity</a:t>
+              </a:r>
+              <a:endParaRPr lang="en-US" dirty="0">
+                <a:solidFill>
+                  <a:schemeClr val="accent6">
+                    <a:lumMod val="50000"/>
+                  </a:schemeClr>
+                </a:solidFill>
+              </a:endParaRPr>
+            </a:p>
+          </p:txBody>
+        </p:sp>
+        <p:cxnSp>
+          <p:nvCxnSpPr>
+            <p:cNvPr id="35" name="Elbow Connector 34"/>
+            <p:cNvCxnSpPr/>
+            <p:nvPr/>
+          </p:nvCxnSpPr>
+          <p:spPr>
+            <a:xfrm>
+              <a:off x="2639867" y="3353526"/>
+              <a:ext cx="12700" cy="788958"/>
+            </a:xfrm>
+            <a:prstGeom prst="bentConnector4">
+              <a:avLst>
+                <a:gd name="adj1" fmla="val -2908409"/>
+                <a:gd name="adj2" fmla="val 99829"/>
+              </a:avLst>
+            </a:prstGeom>
+            <a:ln>
+              <a:solidFill>
+                <a:schemeClr val="accent2">
+                  <a:lumMod val="75000"/>
+                </a:schemeClr>
+              </a:solidFill>
+              <a:tailEnd type="triangle"/>
+            </a:ln>
+          </p:spPr>
+          <p:style>
+            <a:lnRef idx="1">
+              <a:schemeClr val="accent2"/>
+            </a:lnRef>
+            <a:fillRef idx="0">
+              <a:schemeClr val="accent2"/>
+            </a:fillRef>
+            <a:effectRef idx="0">
+              <a:schemeClr val="accent2"/>
+            </a:effectRef>
+            <a:fontRef idx="minor">
+              <a:schemeClr val="tx1"/>
+            </a:fontRef>
+          </p:style>
+        </p:cxnSp>
+        <p:sp>
+          <p:nvSpPr>
+            <p:cNvPr id="168" name="TextBox 167"/>
+            <p:cNvSpPr txBox="1"/>
+            <p:nvPr/>
+          </p:nvSpPr>
+          <p:spPr>
+            <a:xfrm>
+              <a:off x="124968" y="146364"/>
+              <a:ext cx="3657323" cy="430887"/>
+            </a:xfrm>
+            <a:prstGeom prst="rect">
+              <a:avLst/>
+            </a:prstGeom>
+            <a:noFill/>
+          </p:spPr>
+          <p:txBody>
+            <a:bodyPr wrap="square" rtlCol="0">
+              <a:spAutoFit/>
+            </a:bodyPr>
+            <a:lstStyle/>
+            <a:p>
+              <a:r>
+                <a:rPr lang="en-US" sz="2200" dirty="0" smtClean="0"/>
+                <a:t>FIMS Path: Maturity</a:t>
+              </a:r>
+              <a:endParaRPr lang="en-US" sz="2200" dirty="0"/>
+            </a:p>
+          </p:txBody>
+        </p:sp>
+        <p:sp>
+          <p:nvSpPr>
+            <p:cNvPr id="25" name="Rectangle 24"/>
+            <p:cNvSpPr/>
+            <p:nvPr/>
+          </p:nvSpPr>
+          <p:spPr>
+            <a:xfrm>
+              <a:off x="6858980" y="5452494"/>
+              <a:ext cx="3517981" cy="1079146"/>
+            </a:xfrm>
+            <a:prstGeom prst="rect">
+              <a:avLst/>
+            </a:prstGeom>
+            <a:solidFill>
+              <a:schemeClr val="accent6">
+                <a:lumMod val="20000"/>
+                <a:lumOff val="80000"/>
+              </a:schemeClr>
+            </a:solidFill>
+            <a:ln>
+              <a:solidFill>
+                <a:schemeClr val="accent6">
+                  <a:lumMod val="50000"/>
+                </a:schemeClr>
+              </a:solidFill>
+            </a:ln>
+          </p:spPr>
+          <p:style>
+            <a:lnRef idx="2">
+              <a:schemeClr val="accent1">
+                <a:shade val="50000"/>
+              </a:schemeClr>
+            </a:lnRef>
+            <a:fillRef idx="1">
+              <a:schemeClr val="accent1"/>
+            </a:fillRef>
+            <a:effectRef idx="0">
+              <a:schemeClr val="accent1"/>
+            </a:effectRef>
+            <a:fontRef idx="minor">
+              <a:schemeClr val="lt1"/>
+            </a:fontRef>
+          </p:style>
+          <p:txBody>
+            <a:bodyPr rtlCol="0" anchor="ctr"/>
+            <a:lstStyle/>
+            <a:p>
+              <a:r>
+                <a:rPr lang="en-US" sz="1200" dirty="0" smtClean="0">
+                  <a:solidFill>
+                    <a:schemeClr val="tx1"/>
+                  </a:solidFill>
+                </a:rPr>
+                <a:t>population/population.hpp</a:t>
+              </a:r>
+            </a:p>
+            <a:p>
+              <a:r>
+                <a:rPr lang="en-US" b="1" dirty="0" err="1" smtClean="0">
+                  <a:solidFill>
+                    <a:schemeClr val="tx1"/>
+                  </a:solidFill>
+                </a:rPr>
+                <a:t>fims</a:t>
+              </a:r>
+              <a:r>
+                <a:rPr lang="en-US" b="1" dirty="0" smtClean="0">
+                  <a:solidFill>
+                    <a:schemeClr val="tx1"/>
+                  </a:solidFill>
+                </a:rPr>
+                <a:t>::Population</a:t>
+              </a:r>
+              <a:endParaRPr lang="en-US" dirty="0">
+                <a:solidFill>
+                  <a:schemeClr val="tx1"/>
+                </a:solidFill>
+              </a:endParaRPr>
+            </a:p>
+            <a:p>
+              <a:pPr marL="285750" indent="-285750">
+                <a:buFont typeface="Arial" panose="020B0604020202020204" pitchFamily="34" charset="0"/>
+                <a:buChar char="•"/>
+              </a:pPr>
+              <a:r>
+                <a:rPr lang="en-US" dirty="0" err="1">
+                  <a:solidFill>
+                    <a:schemeClr val="tx1"/>
+                  </a:solidFill>
+                </a:rPr>
+                <a:t>maturity_id</a:t>
+              </a:r>
+              <a:endParaRPr lang="en-US" dirty="0">
+                <a:solidFill>
+                  <a:schemeClr val="tx1"/>
+                </a:solidFill>
+              </a:endParaRPr>
+            </a:p>
+            <a:p>
+              <a:pPr marL="285750" indent="-285750">
+                <a:buFont typeface="Arial" panose="020B0604020202020204" pitchFamily="34" charset="0"/>
+                <a:buChar char="•"/>
+              </a:pPr>
+              <a:r>
+                <a:rPr lang="en-US" dirty="0" smtClean="0">
+                  <a:solidFill>
+                    <a:schemeClr val="tx1"/>
+                  </a:solidFill>
+                </a:rPr>
+                <a:t>this-&gt;maturity-&gt;evaluate(age)</a:t>
+              </a:r>
+            </a:p>
+          </p:txBody>
+        </p:sp>
+        <p:sp>
+          <p:nvSpPr>
+            <p:cNvPr id="26" name="Rectangle 25"/>
+            <p:cNvSpPr/>
+            <p:nvPr/>
+          </p:nvSpPr>
+          <p:spPr>
+            <a:xfrm>
+              <a:off x="124968" y="5151090"/>
+              <a:ext cx="2298281" cy="1266119"/>
+            </a:xfrm>
+            <a:prstGeom prst="rect">
+              <a:avLst/>
+            </a:prstGeom>
+            <a:solidFill>
+              <a:schemeClr val="bg1"/>
+            </a:solidFill>
+            <a:ln>
+              <a:solidFill>
+                <a:schemeClr val="tx1"/>
+              </a:solidFill>
+            </a:ln>
+          </p:spPr>
+          <p:style>
+            <a:lnRef idx="2">
+              <a:schemeClr val="accent1">
+                <a:shade val="50000"/>
+              </a:schemeClr>
+            </a:lnRef>
+            <a:fillRef idx="1">
+              <a:schemeClr val="accent1"/>
+            </a:fillRef>
+            <a:effectRef idx="0">
+              <a:schemeClr val="accent1"/>
+            </a:effectRef>
+            <a:fontRef idx="minor">
+              <a:schemeClr val="lt1"/>
+            </a:fontRef>
+          </p:style>
+          <p:txBody>
+            <a:bodyPr rtlCol="0" anchor="ctr"/>
+            <a:lstStyle/>
+            <a:p>
+              <a:pPr algn="ctr"/>
+              <a:endParaRPr lang="en-US"/>
+            </a:p>
+          </p:txBody>
+        </p:sp>
+        <p:sp>
+          <p:nvSpPr>
+            <p:cNvPr id="27" name="TextBox 26"/>
+            <p:cNvSpPr txBox="1"/>
+            <p:nvPr/>
+          </p:nvSpPr>
+          <p:spPr>
+            <a:xfrm>
+              <a:off x="668920" y="5151091"/>
+              <a:ext cx="1883654" cy="1200329"/>
+            </a:xfrm>
+            <a:prstGeom prst="rect">
+              <a:avLst/>
+            </a:prstGeom>
+            <a:noFill/>
+          </p:spPr>
+          <p:txBody>
+            <a:bodyPr wrap="square" rtlCol="0">
+              <a:spAutoFit/>
+            </a:bodyPr>
+            <a:lstStyle/>
+            <a:p>
+              <a:r>
+                <a:rPr lang="en-US" dirty="0" smtClean="0"/>
+                <a:t>R</a:t>
+              </a:r>
+            </a:p>
+            <a:p>
+              <a:r>
+                <a:rPr lang="en-US" dirty="0" err="1" smtClean="0"/>
+                <a:t>Rcpp</a:t>
+              </a:r>
+              <a:endParaRPr lang="en-US" dirty="0" smtClean="0"/>
+            </a:p>
+            <a:p>
+              <a:r>
+                <a:rPr lang="en-US" dirty="0" err="1" smtClean="0"/>
+                <a:t>fims</a:t>
+              </a:r>
+              <a:endParaRPr lang="en-US" dirty="0" smtClean="0"/>
+            </a:p>
+            <a:p>
+              <a:r>
+                <a:rPr lang="en-US" dirty="0" err="1" smtClean="0"/>
+                <a:t>fims:Information</a:t>
+              </a:r>
+              <a:r>
+                <a:rPr lang="en-US" dirty="0" smtClean="0"/>
+                <a:t> </a:t>
+              </a:r>
+              <a:endParaRPr lang="en-US" dirty="0"/>
+            </a:p>
+          </p:txBody>
+        </p:sp>
+        <p:sp>
+          <p:nvSpPr>
+            <p:cNvPr id="28" name="Rectangle 27"/>
+            <p:cNvSpPr/>
+            <p:nvPr/>
+          </p:nvSpPr>
+          <p:spPr>
+            <a:xfrm>
+              <a:off x="240583" y="5229840"/>
+              <a:ext cx="415636" cy="210624"/>
+            </a:xfrm>
+            <a:prstGeom prst="rect">
+              <a:avLst/>
+            </a:prstGeom>
+            <a:solidFill>
+              <a:schemeClr val="accent1">
+                <a:lumMod val="20000"/>
+                <a:lumOff val="80000"/>
+              </a:schemeClr>
+            </a:solidFill>
+            <a:ln>
+              <a:solidFill>
+                <a:schemeClr val="accent1">
+                  <a:lumMod val="50000"/>
+                </a:schemeClr>
+              </a:solidFill>
+            </a:ln>
+          </p:spPr>
+          <p:style>
+            <a:lnRef idx="2">
+              <a:schemeClr val="accent1">
+                <a:shade val="50000"/>
+              </a:schemeClr>
+            </a:lnRef>
+            <a:fillRef idx="1">
+              <a:schemeClr val="accent1"/>
+            </a:fillRef>
+            <a:effectRef idx="0">
+              <a:schemeClr val="accent1"/>
+            </a:effectRef>
+            <a:fontRef idx="minor">
+              <a:schemeClr val="lt1"/>
+            </a:fontRef>
+          </p:style>
+          <p:txBody>
+            <a:bodyPr rtlCol="0" anchor="ctr"/>
+            <a:lstStyle/>
+            <a:p>
+              <a:pPr algn="ctr"/>
+              <a:endParaRPr lang="en-US" dirty="0"/>
+            </a:p>
+          </p:txBody>
+        </p:sp>
+        <p:sp>
+          <p:nvSpPr>
+            <p:cNvPr id="29" name="Rectangle 28"/>
+            <p:cNvSpPr/>
+            <p:nvPr/>
+          </p:nvSpPr>
+          <p:spPr>
+            <a:xfrm>
+              <a:off x="240583" y="5520787"/>
+              <a:ext cx="415636" cy="210624"/>
+            </a:xfrm>
+            <a:prstGeom prst="rect">
+              <a:avLst/>
+            </a:prstGeom>
+            <a:solidFill>
+              <a:schemeClr val="accent2">
+                <a:lumMod val="20000"/>
+                <a:lumOff val="80000"/>
+              </a:schemeClr>
+            </a:solidFill>
+            <a:ln>
+              <a:solidFill>
+                <a:schemeClr val="accent2">
+                  <a:lumMod val="50000"/>
+                </a:schemeClr>
+              </a:solidFill>
+            </a:ln>
+          </p:spPr>
+          <p:style>
+            <a:lnRef idx="2">
+              <a:schemeClr val="accent1">
+                <a:shade val="50000"/>
+              </a:schemeClr>
+            </a:lnRef>
+            <a:fillRef idx="1">
+              <a:schemeClr val="accent1"/>
+            </a:fillRef>
+            <a:effectRef idx="0">
+              <a:schemeClr val="accent1"/>
+            </a:effectRef>
+            <a:fontRef idx="minor">
+              <a:schemeClr val="lt1"/>
+            </a:fontRef>
+          </p:style>
+          <p:txBody>
+            <a:bodyPr rtlCol="0" anchor="ctr"/>
+            <a:lstStyle/>
+            <a:p>
+              <a:pPr algn="ctr"/>
+              <a:endParaRPr lang="en-US"/>
+            </a:p>
+          </p:txBody>
+        </p:sp>
+        <p:sp>
+          <p:nvSpPr>
+            <p:cNvPr id="30" name="Rectangle 29"/>
+            <p:cNvSpPr/>
+            <p:nvPr/>
+          </p:nvSpPr>
+          <p:spPr>
+            <a:xfrm>
+              <a:off x="240583" y="5800598"/>
+              <a:ext cx="415636" cy="210624"/>
+            </a:xfrm>
+            <a:prstGeom prst="rect">
+              <a:avLst/>
+            </a:prstGeom>
+            <a:solidFill>
+              <a:schemeClr val="accent6">
+                <a:lumMod val="20000"/>
+                <a:lumOff val="80000"/>
+              </a:schemeClr>
+            </a:solidFill>
+            <a:ln>
+              <a:solidFill>
+                <a:schemeClr val="accent6">
+                  <a:lumMod val="50000"/>
+                </a:schemeClr>
+              </a:solidFill>
+            </a:ln>
+          </p:spPr>
+          <p:style>
+            <a:lnRef idx="2">
+              <a:schemeClr val="accent1">
+                <a:shade val="50000"/>
+              </a:schemeClr>
+            </a:lnRef>
+            <a:fillRef idx="1">
+              <a:schemeClr val="accent1"/>
+            </a:fillRef>
+            <a:effectRef idx="0">
+              <a:schemeClr val="accent1"/>
+            </a:effectRef>
+            <a:fontRef idx="minor">
+              <a:schemeClr val="lt1"/>
+            </a:fontRef>
+          </p:style>
+          <p:txBody>
+            <a:bodyPr rtlCol="0" anchor="ctr"/>
+            <a:lstStyle/>
+            <a:p>
+              <a:pPr algn="ctr"/>
+              <a:endParaRPr lang="en-US"/>
+            </a:p>
+          </p:txBody>
+        </p:sp>
+        <p:sp>
+          <p:nvSpPr>
+            <p:cNvPr id="31" name="Rectangle 30"/>
+            <p:cNvSpPr/>
+            <p:nvPr/>
+          </p:nvSpPr>
+          <p:spPr>
+            <a:xfrm>
+              <a:off x="240583" y="6084924"/>
+              <a:ext cx="415636" cy="210624"/>
+            </a:xfrm>
+            <a:prstGeom prst="rect">
+              <a:avLst/>
+            </a:prstGeom>
+            <a:solidFill>
+              <a:schemeClr val="bg2">
+                <a:lumMod val="90000"/>
+              </a:schemeClr>
+            </a:solidFill>
+            <a:ln>
+              <a:solidFill>
+                <a:schemeClr val="bg2">
+                  <a:lumMod val="10000"/>
+                </a:schemeClr>
+              </a:solidFill>
+            </a:ln>
+          </p:spPr>
+          <p:style>
+            <a:lnRef idx="2">
+              <a:schemeClr val="accent1">
+                <a:shade val="50000"/>
+              </a:schemeClr>
+            </a:lnRef>
+            <a:fillRef idx="1">
+              <a:schemeClr val="accent1"/>
+            </a:fillRef>
+            <a:effectRef idx="0">
+              <a:schemeClr val="accent1"/>
+            </a:effectRef>
+            <a:fontRef idx="minor">
+              <a:schemeClr val="lt1"/>
+            </a:fontRef>
+          </p:style>
+          <p:txBody>
+            <a:bodyPr rtlCol="0" anchor="ctr"/>
+            <a:lstStyle/>
+            <a:p>
+              <a:pPr algn="ctr"/>
+              <a:endParaRPr lang="en-US"/>
+            </a:p>
+          </p:txBody>
+        </p:sp>
+        <p:cxnSp>
+          <p:nvCxnSpPr>
+            <p:cNvPr id="32" name="Straight Arrow Connector 31"/>
+            <p:cNvCxnSpPr>
+              <a:endCxn id="33" idx="1"/>
+            </p:cNvCxnSpPr>
+            <p:nvPr/>
+          </p:nvCxnSpPr>
+          <p:spPr>
+            <a:xfrm>
+              <a:off x="5282986" y="1867116"/>
+              <a:ext cx="1575994" cy="0"/>
+            </a:xfrm>
+            <a:prstGeom prst="straightConnector1">
+              <a:avLst/>
+            </a:prstGeom>
+            <a:ln>
+              <a:tailEnd type="triangle"/>
+            </a:ln>
+          </p:spPr>
+          <p:style>
+            <a:lnRef idx="1">
+              <a:schemeClr val="accent2"/>
+            </a:lnRef>
+            <a:fillRef idx="0">
+              <a:schemeClr val="accent2"/>
+            </a:fillRef>
+            <a:effectRef idx="0">
+              <a:schemeClr val="accent2"/>
+            </a:effectRef>
+            <a:fontRef idx="minor">
+              <a:schemeClr val="tx1"/>
+            </a:fontRef>
+          </p:style>
+        </p:cxnSp>
+        <p:sp>
+          <p:nvSpPr>
+            <p:cNvPr id="33" name="Rectangle 32"/>
+            <p:cNvSpPr/>
+            <p:nvPr/>
+          </p:nvSpPr>
+          <p:spPr>
+            <a:xfrm>
+              <a:off x="6858980" y="1387415"/>
+              <a:ext cx="5197938" cy="887936"/>
+            </a:xfrm>
+            <a:prstGeom prst="rect">
+              <a:avLst/>
+            </a:prstGeom>
+            <a:solidFill>
+              <a:schemeClr val="bg2">
+                <a:lumMod val="90000"/>
+              </a:schemeClr>
+            </a:solidFill>
+            <a:ln>
+              <a:solidFill>
+                <a:schemeClr val="tx1"/>
+              </a:solidFill>
+            </a:ln>
+          </p:spPr>
+          <p:style>
+            <a:lnRef idx="2">
+              <a:schemeClr val="accent1">
+                <a:shade val="50000"/>
+              </a:schemeClr>
+            </a:lnRef>
+            <a:fillRef idx="1">
+              <a:schemeClr val="accent1"/>
+            </a:fillRef>
+            <a:effectRef idx="0">
+              <a:schemeClr val="accent1"/>
+            </a:effectRef>
+            <a:fontRef idx="minor">
+              <a:schemeClr val="lt1"/>
+            </a:fontRef>
+          </p:style>
+          <p:txBody>
+            <a:bodyPr rtlCol="0" anchor="ctr"/>
+            <a:lstStyle/>
+            <a:p>
+              <a:r>
+                <a:rPr lang="en-US" sz="1200" dirty="0" smtClean="0">
+                  <a:solidFill>
+                    <a:schemeClr val="tx1"/>
+                  </a:solidFill>
+                </a:rPr>
+                <a:t>common/information.hpp</a:t>
+              </a:r>
+            </a:p>
+            <a:p>
+              <a:r>
+                <a:rPr lang="en-US" b="1" dirty="0" err="1" smtClean="0">
+                  <a:solidFill>
+                    <a:schemeClr val="tx1"/>
+                  </a:solidFill>
+                </a:rPr>
+                <a:t>fims</a:t>
+              </a:r>
+              <a:r>
+                <a:rPr lang="en-US" b="1" dirty="0" smtClean="0">
+                  <a:solidFill>
+                    <a:schemeClr val="tx1"/>
+                  </a:solidFill>
+                </a:rPr>
+                <a:t>::Information</a:t>
+              </a:r>
+              <a:endParaRPr lang="en-US" sz="1600" b="1" dirty="0">
+                <a:solidFill>
+                  <a:schemeClr val="tx1"/>
+                </a:solidFill>
+              </a:endParaRPr>
+            </a:p>
+            <a:p>
+              <a:r>
+                <a:rPr lang="en-US" sz="1600" dirty="0" err="1">
+                  <a:solidFill>
+                    <a:schemeClr val="tx1"/>
+                  </a:solidFill>
+                </a:rPr>
+                <a:t>maturity_models</a:t>
+              </a:r>
+              <a:r>
+                <a:rPr lang="en-US" sz="1600" dirty="0">
+                  <a:solidFill>
+                    <a:schemeClr val="tx1"/>
+                  </a:solidFill>
+                </a:rPr>
+                <a:t>(id, shared pointer to </a:t>
+              </a:r>
+              <a:r>
+                <a:rPr lang="en-US" sz="1600" dirty="0" err="1">
+                  <a:solidFill>
+                    <a:schemeClr val="tx1"/>
+                  </a:solidFill>
+                </a:rPr>
+                <a:t>MaturityBase</a:t>
+              </a:r>
+              <a:r>
+                <a:rPr lang="en-US" sz="1600" dirty="0">
+                  <a:solidFill>
+                    <a:schemeClr val="tx1"/>
+                  </a:solidFill>
+                </a:rPr>
+                <a:t>)  </a:t>
+              </a:r>
+            </a:p>
+          </p:txBody>
+        </p:sp>
+        <p:sp>
+          <p:nvSpPr>
+            <p:cNvPr id="34" name="Rectangle 33"/>
+            <p:cNvSpPr/>
+            <p:nvPr/>
+          </p:nvSpPr>
+          <p:spPr>
+            <a:xfrm>
+              <a:off x="5082346" y="1548130"/>
+              <a:ext cx="1943103" cy="646331"/>
+            </a:xfrm>
+            <a:prstGeom prst="rect">
+              <a:avLst/>
+            </a:prstGeom>
+          </p:spPr>
+          <p:txBody>
+            <a:bodyPr wrap="square">
+              <a:spAutoFit/>
+            </a:bodyPr>
+            <a:lstStyle/>
+            <a:p>
+              <a:pPr algn="ctr"/>
+              <a:r>
+                <a:rPr lang="en-US" dirty="0" smtClean="0">
+                  <a:solidFill>
+                    <a:schemeClr val="accent2">
+                      <a:lumMod val="75000"/>
+                    </a:schemeClr>
+                  </a:solidFill>
+                </a:rPr>
+                <a:t>shared pointer: </a:t>
+              </a:r>
+            </a:p>
+            <a:p>
+              <a:pPr algn="ctr"/>
+              <a:r>
+                <a:rPr lang="en-US" dirty="0" smtClean="0">
+                  <a:solidFill>
+                    <a:schemeClr val="accent2">
+                      <a:lumMod val="75000"/>
+                    </a:schemeClr>
+                  </a:solidFill>
+                </a:rPr>
+                <a:t>d0</a:t>
+              </a:r>
+            </a:p>
+          </p:txBody>
+        </p:sp>
+        <p:cxnSp>
+          <p:nvCxnSpPr>
+            <p:cNvPr id="36" name="Elbow Connector 35"/>
+            <p:cNvCxnSpPr>
+              <a:endCxn id="33" idx="2"/>
+            </p:cNvCxnSpPr>
+            <p:nvPr/>
+          </p:nvCxnSpPr>
+          <p:spPr>
+            <a:xfrm flipV="1">
+              <a:off x="5248817" y="2275351"/>
+              <a:ext cx="4209132" cy="1153649"/>
+            </a:xfrm>
+            <a:prstGeom prst="bentConnector2">
+              <a:avLst/>
+            </a:prstGeom>
+            <a:ln>
+              <a:solidFill>
+                <a:schemeClr val="accent2">
+                  <a:lumMod val="50000"/>
+                </a:schemeClr>
+              </a:solidFill>
+              <a:tailEnd type="triangle"/>
+            </a:ln>
+          </p:spPr>
+          <p:style>
+            <a:lnRef idx="1">
+              <a:schemeClr val="dk1"/>
+            </a:lnRef>
+            <a:fillRef idx="0">
+              <a:schemeClr val="dk1"/>
+            </a:fillRef>
+            <a:effectRef idx="0">
+              <a:schemeClr val="dk1"/>
+            </a:effectRef>
+            <a:fontRef idx="minor">
+              <a:schemeClr val="tx1"/>
+            </a:fontRef>
+          </p:style>
+        </p:cxnSp>
+        <p:sp>
+          <p:nvSpPr>
+            <p:cNvPr id="38" name="TextBox 37"/>
+            <p:cNvSpPr txBox="1"/>
+            <p:nvPr/>
+          </p:nvSpPr>
+          <p:spPr>
+            <a:xfrm>
+              <a:off x="5456337" y="3070160"/>
+              <a:ext cx="3813464" cy="369332"/>
+            </a:xfrm>
+            <a:prstGeom prst="rect">
+              <a:avLst/>
+            </a:prstGeom>
+            <a:noFill/>
+          </p:spPr>
+          <p:txBody>
+            <a:bodyPr wrap="square" rtlCol="0">
+              <a:spAutoFit/>
+            </a:bodyPr>
+            <a:lstStyle/>
+            <a:p>
+              <a:r>
+                <a:rPr lang="en-US" dirty="0" smtClean="0">
+                  <a:solidFill>
+                    <a:schemeClr val="accent2">
+                      <a:lumMod val="50000"/>
+                    </a:schemeClr>
+                  </a:solidFill>
+                </a:rPr>
+                <a:t>d0-&gt;</a:t>
+              </a:r>
+              <a:r>
+                <a:rPr lang="en-US" dirty="0" err="1" smtClean="0">
+                  <a:solidFill>
+                    <a:schemeClr val="accent2">
+                      <a:lumMod val="50000"/>
+                    </a:schemeClr>
+                  </a:solidFill>
+                </a:rPr>
+                <a:t>maturity_models</a:t>
+              </a:r>
+              <a:endParaRPr lang="en-US" dirty="0">
+                <a:solidFill>
+                  <a:schemeClr val="accent2">
+                    <a:lumMod val="50000"/>
+                  </a:schemeClr>
+                </a:solidFill>
+              </a:endParaRPr>
+            </a:p>
+          </p:txBody>
+        </p:sp>
+        <p:cxnSp>
+          <p:nvCxnSpPr>
+            <p:cNvPr id="40" name="Straight Arrow Connector 39"/>
+            <p:cNvCxnSpPr/>
+            <p:nvPr/>
+          </p:nvCxnSpPr>
+          <p:spPr>
+            <a:xfrm flipV="1">
+              <a:off x="5268187" y="3439492"/>
+              <a:ext cx="4686696" cy="2095959"/>
+            </a:xfrm>
+            <a:prstGeom prst="straightConnector1">
+              <a:avLst/>
+            </a:prstGeom>
+            <a:ln>
+              <a:solidFill>
+                <a:schemeClr val="tx1"/>
+              </a:solidFill>
+              <a:headEnd type="triangle"/>
+              <a:tailEnd type="none"/>
+            </a:ln>
+          </p:spPr>
+          <p:style>
+            <a:lnRef idx="1">
+              <a:schemeClr val="accent1"/>
+            </a:lnRef>
+            <a:fillRef idx="0">
+              <a:schemeClr val="accent1"/>
+            </a:fillRef>
+            <a:effectRef idx="0">
+              <a:schemeClr val="accent1"/>
+            </a:effectRef>
+            <a:fontRef idx="minor">
+              <a:schemeClr val="tx1"/>
+            </a:fontRef>
+          </p:style>
+        </p:cxnSp>
+        <p:cxnSp>
+          <p:nvCxnSpPr>
+            <p:cNvPr id="13" name="Straight Connector 12"/>
+            <p:cNvCxnSpPr/>
+            <p:nvPr/>
+          </p:nvCxnSpPr>
+          <p:spPr>
+            <a:xfrm flipV="1">
+              <a:off x="9954883" y="2275351"/>
+              <a:ext cx="0" cy="1164142"/>
+            </a:xfrm>
+            <a:prstGeom prst="line">
+              <a:avLst/>
+            </a:prstGeom>
+            <a:ln>
+              <a:solidFill>
+                <a:schemeClr val="tx1"/>
+              </a:solidFill>
+            </a:ln>
+          </p:spPr>
+          <p:style>
+            <a:lnRef idx="1">
+              <a:schemeClr val="accent1"/>
+            </a:lnRef>
+            <a:fillRef idx="0">
+              <a:schemeClr val="accent1"/>
+            </a:fillRef>
+            <a:effectRef idx="0">
+              <a:schemeClr val="accent1"/>
+            </a:effectRef>
+            <a:fontRef idx="minor">
+              <a:schemeClr val="tx1"/>
+            </a:fontRef>
+          </p:style>
+        </p:cxnSp>
+        <p:sp>
+          <p:nvSpPr>
+            <p:cNvPr id="45" name="Rectangle 44"/>
+            <p:cNvSpPr/>
+            <p:nvPr/>
+          </p:nvSpPr>
+          <p:spPr>
+            <a:xfrm>
+              <a:off x="6678946" y="3958097"/>
+              <a:ext cx="3698015" cy="369332"/>
+            </a:xfrm>
+            <a:prstGeom prst="rect">
+              <a:avLst/>
+            </a:prstGeom>
+            <a:solidFill>
+              <a:schemeClr val="bg1"/>
+            </a:solidFill>
+          </p:spPr>
+          <p:txBody>
+            <a:bodyPr wrap="square">
+              <a:spAutoFit/>
+            </a:bodyPr>
+            <a:lstStyle/>
+            <a:p>
+              <a:pPr algn="ctr"/>
+              <a:r>
+                <a:rPr lang="en-US" dirty="0" err="1" smtClean="0"/>
+                <a:t>maturity_models</a:t>
+              </a:r>
+              <a:r>
+                <a:rPr lang="en-US" dirty="0" smtClean="0"/>
+                <a:t>(id, shared pointer)</a:t>
+              </a:r>
+            </a:p>
+          </p:txBody>
+        </p:sp>
+      </p:grpSp>
+    </p:spTree>
+    <p:extLst>
+      <p:ext uri="{BB962C8B-B14F-4D97-AF65-F5344CB8AC3E}">
+        <p14:creationId xmlns:p14="http://schemas.microsoft.com/office/powerpoint/2010/main" val="3493128855"/>
+      </p:ext>
+    </p:extLst>
+  </p:cSld>
+  <p:clrMapOvr>
+    <a:masterClrMapping/>
+  </p:clrMapOvr>
+</p:sld>
+</file>
+
+<file path=ppt/slides/slide6.xml><?xml version="1.0" encoding="utf-8"?>
+<p:sld xmlns:a="http://schemas.openxmlformats.org/drawingml/2006/main" xmlns:r="http://schemas.openxmlformats.org/officeDocument/2006/relationships" xmlns:p="http://schemas.openxmlformats.org/presentationml/2006/main">
+  <p:cSld>
+    <p:spTree>
+      <p:nvGrpSpPr>
+        <p:cNvPr id="1" name=""/>
+        <p:cNvGrpSpPr/>
+        <p:nvPr/>
+      </p:nvGrpSpPr>
+      <p:grpSpPr>
+        <a:xfrm>
+          <a:off x="0" y="0"/>
+          <a:ext cx="0" cy="0"/>
+          <a:chOff x="0" y="0"/>
+          <a:chExt cx="0" cy="0"/>
+        </a:xfrm>
+      </p:grpSpPr>
+      <p:grpSp>
+        <p:nvGrpSpPr>
+          <p:cNvPr id="2" name="Group 1"/>
+          <p:cNvGrpSpPr/>
+          <p:nvPr/>
+        </p:nvGrpSpPr>
+        <p:grpSpPr>
+          <a:xfrm>
+            <a:off x="124968" y="146364"/>
+            <a:ext cx="11931950" cy="6385276"/>
+            <a:chOff x="124968" y="146364"/>
+            <a:chExt cx="11931950" cy="6385276"/>
+          </a:xfrm>
+        </p:grpSpPr>
+        <p:sp>
+          <p:nvSpPr>
+            <p:cNvPr id="4" name="Rectangle 3"/>
+            <p:cNvSpPr/>
+            <p:nvPr/>
+          </p:nvSpPr>
+          <p:spPr>
+            <a:xfrm>
+              <a:off x="245917" y="723900"/>
+              <a:ext cx="1619250" cy="1028700"/>
+            </a:xfrm>
+            <a:prstGeom prst="rect">
+              <a:avLst/>
+            </a:prstGeom>
+            <a:solidFill>
+              <a:schemeClr val="accent1">
+                <a:lumMod val="20000"/>
+                <a:lumOff val="80000"/>
+              </a:schemeClr>
+            </a:solidFill>
+            <a:ln>
+              <a:solidFill>
+                <a:schemeClr val="accent1">
+                  <a:lumMod val="50000"/>
+                </a:schemeClr>
+              </a:solidFill>
+            </a:ln>
+          </p:spPr>
+          <p:style>
+            <a:lnRef idx="2">
+              <a:schemeClr val="accent1">
+                <a:shade val="50000"/>
+              </a:schemeClr>
+            </a:lnRef>
+            <a:fillRef idx="1">
+              <a:schemeClr val="accent1"/>
+            </a:fillRef>
+            <a:effectRef idx="0">
+              <a:schemeClr val="accent1"/>
+            </a:effectRef>
+            <a:fontRef idx="minor">
+              <a:schemeClr val="lt1"/>
+            </a:fontRef>
+          </p:style>
+          <p:txBody>
+            <a:bodyPr rtlCol="0" anchor="ctr"/>
+            <a:lstStyle/>
+            <a:p>
+              <a:r>
+                <a:rPr lang="en-US" b="1" dirty="0" err="1" smtClean="0">
+                  <a:solidFill>
+                    <a:schemeClr val="accent1">
+                      <a:lumMod val="50000"/>
+                    </a:schemeClr>
+                  </a:solidFill>
+                </a:rPr>
+                <a:t>fims$maturity</a:t>
+              </a:r>
+              <a:endParaRPr lang="en-US" b="1" dirty="0" smtClean="0">
+                <a:solidFill>
+                  <a:schemeClr val="accent1">
+                    <a:lumMod val="50000"/>
+                  </a:schemeClr>
+                </a:solidFill>
+              </a:endParaRPr>
+            </a:p>
+            <a:p>
+              <a:pPr marL="285750" indent="-285750">
+                <a:buFont typeface="Arial" panose="020B0604020202020204" pitchFamily="34" charset="0"/>
+                <a:buChar char="•"/>
+              </a:pPr>
+              <a:r>
+                <a:rPr lang="en-US" dirty="0" smtClean="0">
+                  <a:solidFill>
+                    <a:schemeClr val="accent1">
+                      <a:lumMod val="50000"/>
+                    </a:schemeClr>
+                  </a:solidFill>
+                </a:rPr>
+                <a:t>median</a:t>
+              </a:r>
+            </a:p>
+            <a:p>
+              <a:pPr marL="285750" indent="-285750">
+                <a:buFont typeface="Arial" panose="020B0604020202020204" pitchFamily="34" charset="0"/>
+                <a:buChar char="•"/>
+              </a:pPr>
+              <a:r>
+                <a:rPr lang="en-US" dirty="0" smtClean="0">
+                  <a:solidFill>
+                    <a:schemeClr val="accent1">
+                      <a:lumMod val="50000"/>
+                    </a:schemeClr>
+                  </a:solidFill>
+                </a:rPr>
+                <a:t>slope</a:t>
+              </a:r>
+              <a:endParaRPr lang="en-US" dirty="0">
+                <a:solidFill>
+                  <a:schemeClr val="accent1">
+                    <a:lumMod val="50000"/>
+                  </a:schemeClr>
+                </a:solidFill>
+              </a:endParaRPr>
+            </a:p>
+          </p:txBody>
+        </p:sp>
+        <p:sp>
+          <p:nvSpPr>
+            <p:cNvPr id="6" name="Rectangle 5"/>
+            <p:cNvSpPr/>
+            <p:nvPr/>
+          </p:nvSpPr>
+          <p:spPr>
+            <a:xfrm>
+              <a:off x="2661551" y="723900"/>
+              <a:ext cx="2606637" cy="1028700"/>
+            </a:xfrm>
+            <a:prstGeom prst="rect">
+              <a:avLst/>
+            </a:prstGeom>
+            <a:solidFill>
+              <a:schemeClr val="accent1">
+                <a:lumMod val="20000"/>
+                <a:lumOff val="80000"/>
+              </a:schemeClr>
+            </a:solidFill>
+            <a:ln>
+              <a:solidFill>
+                <a:schemeClr val="accent1">
+                  <a:lumMod val="50000"/>
+                </a:schemeClr>
+              </a:solidFill>
+            </a:ln>
+          </p:spPr>
+          <p:style>
+            <a:lnRef idx="2">
+              <a:schemeClr val="accent1">
+                <a:shade val="50000"/>
+              </a:schemeClr>
+            </a:lnRef>
+            <a:fillRef idx="1">
+              <a:schemeClr val="accent1"/>
+            </a:fillRef>
+            <a:effectRef idx="0">
+              <a:schemeClr val="accent1"/>
+            </a:effectRef>
+            <a:fontRef idx="minor">
+              <a:schemeClr val="lt1"/>
+            </a:fontRef>
+          </p:style>
+          <p:txBody>
+            <a:bodyPr rtlCol="0" anchor="ctr"/>
+            <a:lstStyle/>
+            <a:p>
+              <a:r>
+                <a:rPr lang="en-US" b="1" dirty="0" err="1" smtClean="0">
+                  <a:solidFill>
+                    <a:schemeClr val="accent1">
+                      <a:lumMod val="50000"/>
+                    </a:schemeClr>
+                  </a:solidFill>
+                </a:rPr>
+                <a:t>fims$LogisticMaturity</a:t>
+              </a:r>
+              <a:endParaRPr lang="en-US" b="1" dirty="0" smtClean="0">
+                <a:solidFill>
+                  <a:schemeClr val="accent1">
+                    <a:lumMod val="50000"/>
+                  </a:schemeClr>
+                </a:solidFill>
+              </a:endParaRPr>
+            </a:p>
+            <a:p>
+              <a:pPr marL="285750" indent="-285750">
+                <a:buFont typeface="Arial" panose="020B0604020202020204" pitchFamily="34" charset="0"/>
+                <a:buChar char="•"/>
+              </a:pPr>
+              <a:r>
+                <a:rPr lang="en-US" dirty="0" smtClean="0">
+                  <a:solidFill>
+                    <a:schemeClr val="accent1">
+                      <a:lumMod val="50000"/>
+                    </a:schemeClr>
+                  </a:solidFill>
+                </a:rPr>
+                <a:t>median</a:t>
+              </a:r>
+            </a:p>
+            <a:p>
+              <a:pPr marL="285750" indent="-285750">
+                <a:buFont typeface="Arial" panose="020B0604020202020204" pitchFamily="34" charset="0"/>
+                <a:buChar char="•"/>
+              </a:pPr>
+              <a:r>
+                <a:rPr lang="en-US" dirty="0" smtClean="0">
+                  <a:solidFill>
+                    <a:schemeClr val="accent1">
+                      <a:lumMod val="50000"/>
+                    </a:schemeClr>
+                  </a:solidFill>
+                </a:rPr>
+                <a:t>slope</a:t>
+              </a:r>
+            </a:p>
+          </p:txBody>
+        </p:sp>
+        <p:sp>
+          <p:nvSpPr>
+            <p:cNvPr id="10" name="Rectangle 9"/>
+            <p:cNvSpPr/>
+            <p:nvPr/>
+          </p:nvSpPr>
+          <p:spPr>
+            <a:xfrm>
+              <a:off x="2656160" y="1752599"/>
+              <a:ext cx="2612029" cy="1853045"/>
+            </a:xfrm>
+            <a:prstGeom prst="rect">
+              <a:avLst/>
+            </a:prstGeom>
+            <a:solidFill>
+              <a:schemeClr val="accent2">
+                <a:lumMod val="20000"/>
+                <a:lumOff val="80000"/>
+              </a:schemeClr>
+            </a:solidFill>
+            <a:ln>
+              <a:solidFill>
+                <a:schemeClr val="accent2">
+                  <a:lumMod val="50000"/>
+                </a:schemeClr>
+              </a:solidFill>
+            </a:ln>
+          </p:spPr>
+          <p:style>
+            <a:lnRef idx="2">
+              <a:schemeClr val="accent1">
+                <a:shade val="50000"/>
+              </a:schemeClr>
+            </a:lnRef>
+            <a:fillRef idx="1">
+              <a:schemeClr val="accent1"/>
+            </a:fillRef>
+            <a:effectRef idx="0">
+              <a:schemeClr val="accent1"/>
+            </a:effectRef>
+            <a:fontRef idx="minor">
+              <a:schemeClr val="lt1"/>
+            </a:fontRef>
+          </p:style>
+          <p:txBody>
+            <a:bodyPr rtlCol="0" anchor="ctr"/>
+            <a:lstStyle/>
+            <a:p>
+              <a:r>
+                <a:rPr lang="en-US" sz="1200" dirty="0" smtClean="0">
+                  <a:solidFill>
+                    <a:schemeClr val="accent2">
+                      <a:lumMod val="75000"/>
+                    </a:schemeClr>
+                  </a:solidFill>
+                </a:rPr>
+                <a:t>rcpp_maturity.hpp</a:t>
+              </a:r>
+              <a:endParaRPr lang="en-US" sz="1200" dirty="0" smtClean="0">
+                <a:solidFill>
+                  <a:schemeClr val="tx1"/>
+                </a:solidFill>
+              </a:endParaRPr>
+            </a:p>
+            <a:p>
+              <a:r>
+                <a:rPr lang="en-US" b="1" dirty="0" err="1" smtClean="0">
+                  <a:solidFill>
+                    <a:schemeClr val="accent2">
+                      <a:lumMod val="75000"/>
+                    </a:schemeClr>
+                  </a:solidFill>
+                </a:rPr>
+                <a:t>LogisticMaturityInterface</a:t>
+              </a:r>
+              <a:endParaRPr lang="en-US" b="1" dirty="0" smtClean="0">
+                <a:solidFill>
+                  <a:schemeClr val="accent2">
+                    <a:lumMod val="75000"/>
+                  </a:schemeClr>
+                </a:solidFill>
+              </a:endParaRPr>
+            </a:p>
+            <a:p>
+              <a:pPr marL="285750" indent="-285750">
+                <a:buFont typeface="Arial" panose="020B0604020202020204" pitchFamily="34" charset="0"/>
+                <a:buChar char="•"/>
+              </a:pPr>
+              <a:r>
+                <a:rPr lang="en-US" dirty="0" smtClean="0">
+                  <a:solidFill>
+                    <a:schemeClr val="accent2">
+                      <a:lumMod val="75000"/>
+                    </a:schemeClr>
+                  </a:solidFill>
+                </a:rPr>
+                <a:t>median</a:t>
+              </a:r>
+            </a:p>
+            <a:p>
+              <a:pPr marL="285750" indent="-285750">
+                <a:buFont typeface="Arial" panose="020B0604020202020204" pitchFamily="34" charset="0"/>
+                <a:buChar char="•"/>
+              </a:pPr>
+              <a:r>
+                <a:rPr lang="en-US" dirty="0" smtClean="0">
+                  <a:solidFill>
+                    <a:schemeClr val="accent2">
+                      <a:lumMod val="75000"/>
+                    </a:schemeClr>
+                  </a:solidFill>
+                </a:rPr>
+                <a:t>slope</a:t>
+              </a:r>
+            </a:p>
+            <a:p>
+              <a:pPr marL="285750" indent="-285750">
+                <a:buFont typeface="Arial" panose="020B0604020202020204" pitchFamily="34" charset="0"/>
+                <a:buChar char="•"/>
+              </a:pPr>
+              <a:r>
+                <a:rPr lang="en-US" dirty="0" err="1">
+                  <a:solidFill>
+                    <a:schemeClr val="accent2">
+                      <a:lumMod val="75000"/>
+                    </a:schemeClr>
+                  </a:solidFill>
+                </a:rPr>
+                <a:t>a</a:t>
+              </a:r>
+              <a:r>
+                <a:rPr lang="en-US" dirty="0" err="1" smtClean="0">
+                  <a:solidFill>
+                    <a:schemeClr val="accent2">
+                      <a:lumMod val="75000"/>
+                    </a:schemeClr>
+                  </a:solidFill>
+                </a:rPr>
+                <a:t>dd_to_fims_tmb</a:t>
+              </a:r>
+              <a:r>
+                <a:rPr lang="en-US" dirty="0" smtClean="0">
+                  <a:solidFill>
+                    <a:schemeClr val="accent2">
+                      <a:lumMod val="75000"/>
+                    </a:schemeClr>
+                  </a:solidFill>
+                </a:rPr>
+                <a:t>(</a:t>
+              </a:r>
+            </a:p>
+            <a:p>
+              <a:r>
+                <a:rPr lang="en-US" dirty="0">
+                  <a:solidFill>
+                    <a:schemeClr val="accent2">
+                      <a:lumMod val="75000"/>
+                    </a:schemeClr>
+                  </a:solidFill>
+                </a:rPr>
+                <a:t> </a:t>
+              </a:r>
+              <a:r>
+                <a:rPr lang="en-US" dirty="0" smtClean="0">
+                  <a:solidFill>
+                    <a:schemeClr val="accent2">
+                      <a:lumMod val="75000"/>
+                    </a:schemeClr>
+                  </a:solidFill>
+                </a:rPr>
+                <a:t>       shared pointer: lm0</a:t>
+              </a:r>
+            </a:p>
+            <a:p>
+              <a:r>
+                <a:rPr lang="en-US" dirty="0">
+                  <a:solidFill>
+                    <a:schemeClr val="accent2">
+                      <a:lumMod val="75000"/>
+                    </a:schemeClr>
+                  </a:solidFill>
+                </a:rPr>
+                <a:t> </a:t>
+              </a:r>
+              <a:r>
+                <a:rPr lang="en-US" dirty="0" smtClean="0">
+                  <a:solidFill>
+                    <a:schemeClr val="accent2">
+                      <a:lumMod val="75000"/>
+                    </a:schemeClr>
+                  </a:solidFill>
+                </a:rPr>
+                <a:t>       shared pointer: d0</a:t>
+              </a:r>
+            </a:p>
+          </p:txBody>
+        </p:sp>
+        <p:cxnSp>
+          <p:nvCxnSpPr>
+            <p:cNvPr id="12" name="Straight Arrow Connector 11"/>
+            <p:cNvCxnSpPr>
+              <a:stCxn id="4" idx="3"/>
+              <a:endCxn id="6" idx="1"/>
+            </p:cNvCxnSpPr>
+            <p:nvPr/>
+          </p:nvCxnSpPr>
+          <p:spPr>
+            <a:xfrm>
+              <a:off x="1865167" y="1238250"/>
+              <a:ext cx="796385" cy="0"/>
+            </a:xfrm>
+            <a:prstGeom prst="straightConnector1">
+              <a:avLst/>
+            </a:prstGeom>
+            <a:ln>
+              <a:tailEnd type="triangle"/>
+            </a:ln>
+          </p:spPr>
+          <p:style>
+            <a:lnRef idx="1">
+              <a:schemeClr val="accent1"/>
+            </a:lnRef>
+            <a:fillRef idx="0">
+              <a:schemeClr val="accent1"/>
+            </a:fillRef>
+            <a:effectRef idx="0">
+              <a:schemeClr val="accent1"/>
+            </a:effectRef>
+            <a:fontRef idx="minor">
+              <a:schemeClr val="tx1"/>
+            </a:fontRef>
+          </p:style>
+        </p:cxnSp>
+        <p:sp>
+          <p:nvSpPr>
+            <p:cNvPr id="15" name="TextBox 14"/>
+            <p:cNvSpPr txBox="1"/>
+            <p:nvPr/>
+          </p:nvSpPr>
+          <p:spPr>
+            <a:xfrm>
+              <a:off x="1865167" y="876300"/>
+              <a:ext cx="781050" cy="369332"/>
+            </a:xfrm>
+            <a:prstGeom prst="rect">
+              <a:avLst/>
+            </a:prstGeom>
+            <a:noFill/>
+          </p:spPr>
+          <p:txBody>
+            <a:bodyPr wrap="square" rtlCol="0">
+              <a:spAutoFit/>
+            </a:bodyPr>
+            <a:lstStyle/>
+            <a:p>
+              <a:r>
+                <a:rPr lang="en-US" dirty="0" smtClean="0">
+                  <a:solidFill>
+                    <a:schemeClr val="accent1">
+                      <a:lumMod val="50000"/>
+                    </a:schemeClr>
+                  </a:solidFill>
+                </a:rPr>
+                <a:t>new()</a:t>
+              </a:r>
+              <a:endParaRPr lang="en-US" dirty="0">
+                <a:solidFill>
+                  <a:schemeClr val="accent1">
+                    <a:lumMod val="50000"/>
+                  </a:schemeClr>
+                </a:solidFill>
+              </a:endParaRPr>
+            </a:p>
+          </p:txBody>
+        </p:sp>
+        <p:cxnSp>
+          <p:nvCxnSpPr>
+            <p:cNvPr id="17" name="Elbow Connector 16"/>
+            <p:cNvCxnSpPr/>
+            <p:nvPr/>
+          </p:nvCxnSpPr>
+          <p:spPr>
+            <a:xfrm>
+              <a:off x="2676349" y="1387415"/>
+              <a:ext cx="12700" cy="788958"/>
+            </a:xfrm>
+            <a:prstGeom prst="bentConnector4">
+              <a:avLst>
+                <a:gd name="adj1" fmla="val -2826591"/>
+                <a:gd name="adj2" fmla="val 99829"/>
+              </a:avLst>
+            </a:prstGeom>
+            <a:ln>
+              <a:solidFill>
+                <a:schemeClr val="accent2">
+                  <a:lumMod val="75000"/>
+                </a:schemeClr>
+              </a:solidFill>
+              <a:tailEnd type="triangle"/>
+            </a:ln>
+          </p:spPr>
+          <p:style>
+            <a:lnRef idx="1">
+              <a:schemeClr val="accent2"/>
+            </a:lnRef>
+            <a:fillRef idx="0">
+              <a:schemeClr val="accent2"/>
+            </a:fillRef>
+            <a:effectRef idx="0">
+              <a:schemeClr val="accent2"/>
+            </a:effectRef>
+            <a:fontRef idx="minor">
+              <a:schemeClr val="tx1"/>
+            </a:fontRef>
+          </p:style>
+        </p:cxnSp>
+        <p:sp>
+          <p:nvSpPr>
+            <p:cNvPr id="21" name="TextBox 20"/>
+            <p:cNvSpPr txBox="1"/>
+            <p:nvPr/>
+          </p:nvSpPr>
+          <p:spPr>
+            <a:xfrm>
+              <a:off x="367500" y="1833749"/>
+              <a:ext cx="2191110" cy="369332"/>
+            </a:xfrm>
+            <a:prstGeom prst="rect">
+              <a:avLst/>
+            </a:prstGeom>
+            <a:noFill/>
+          </p:spPr>
+          <p:txBody>
+            <a:bodyPr wrap="square" rtlCol="0">
+              <a:spAutoFit/>
+            </a:bodyPr>
+            <a:lstStyle/>
+            <a:p>
+              <a:r>
+                <a:rPr lang="en-US" dirty="0" smtClean="0">
+                  <a:solidFill>
+                    <a:schemeClr val="accent2">
+                      <a:lumMod val="75000"/>
+                    </a:schemeClr>
+                  </a:solidFill>
+                </a:rPr>
+                <a:t>rcpp_interface.hpp</a:t>
+              </a:r>
+              <a:endParaRPr lang="en-US" dirty="0">
+                <a:solidFill>
+                  <a:schemeClr val="accent2">
+                    <a:lumMod val="75000"/>
+                  </a:schemeClr>
+                </a:solidFill>
+              </a:endParaRPr>
+            </a:p>
+          </p:txBody>
+        </p:sp>
+        <p:sp>
+          <p:nvSpPr>
+            <p:cNvPr id="22" name="Rectangle 21"/>
+            <p:cNvSpPr/>
+            <p:nvPr/>
+          </p:nvSpPr>
+          <p:spPr>
+            <a:xfrm>
+              <a:off x="2658916" y="3616140"/>
+              <a:ext cx="2609271" cy="1331703"/>
+            </a:xfrm>
+            <a:prstGeom prst="rect">
+              <a:avLst/>
+            </a:prstGeom>
+            <a:solidFill>
+              <a:schemeClr val="accent6">
+                <a:lumMod val="20000"/>
+                <a:lumOff val="80000"/>
+              </a:schemeClr>
+            </a:solidFill>
+            <a:ln>
+              <a:solidFill>
+                <a:schemeClr val="accent6">
+                  <a:lumMod val="50000"/>
+                </a:schemeClr>
+              </a:solidFill>
+            </a:ln>
+          </p:spPr>
+          <p:style>
+            <a:lnRef idx="2">
+              <a:schemeClr val="accent1">
+                <a:shade val="50000"/>
+              </a:schemeClr>
+            </a:lnRef>
+            <a:fillRef idx="1">
+              <a:schemeClr val="accent1"/>
+            </a:fillRef>
+            <a:effectRef idx="0">
+              <a:schemeClr val="accent1"/>
+            </a:effectRef>
+            <a:fontRef idx="minor">
+              <a:schemeClr val="lt1"/>
+            </a:fontRef>
+          </p:style>
+          <p:txBody>
+            <a:bodyPr rtlCol="0" anchor="ctr"/>
+            <a:lstStyle/>
+            <a:p>
+              <a:r>
+                <a:rPr lang="en-US" sz="1200" dirty="0" smtClean="0">
+                  <a:solidFill>
+                    <a:schemeClr val="accent6">
+                      <a:lumMod val="50000"/>
+                    </a:schemeClr>
+                  </a:solidFill>
+                </a:rPr>
+                <a:t>maturity/</a:t>
+              </a:r>
+              <a:r>
+                <a:rPr lang="en-US" sz="1200" dirty="0" err="1" smtClean="0">
+                  <a:solidFill>
+                    <a:schemeClr val="accent6">
+                      <a:lumMod val="50000"/>
+                    </a:schemeClr>
+                  </a:solidFill>
+                </a:rPr>
+                <a:t>functors</a:t>
+              </a:r>
+              <a:r>
+                <a:rPr lang="en-US" sz="1200" dirty="0" smtClean="0">
+                  <a:solidFill>
+                    <a:schemeClr val="accent6">
+                      <a:lumMod val="50000"/>
+                    </a:schemeClr>
+                  </a:solidFill>
+                </a:rPr>
+                <a:t>/logistic.hpp</a:t>
+              </a:r>
+            </a:p>
+            <a:p>
+              <a:r>
+                <a:rPr lang="en-US" b="1" dirty="0" err="1" smtClean="0">
+                  <a:solidFill>
+                    <a:schemeClr val="accent6">
+                      <a:lumMod val="50000"/>
+                    </a:schemeClr>
+                  </a:solidFill>
+                </a:rPr>
+                <a:t>fims</a:t>
+              </a:r>
+              <a:r>
+                <a:rPr lang="en-US" b="1" dirty="0" smtClean="0">
+                  <a:solidFill>
+                    <a:schemeClr val="accent6">
+                      <a:lumMod val="50000"/>
+                    </a:schemeClr>
+                  </a:solidFill>
+                </a:rPr>
+                <a:t>::</a:t>
+              </a:r>
+              <a:r>
+                <a:rPr lang="en-US" b="1" dirty="0" err="1" smtClean="0">
+                  <a:solidFill>
+                    <a:schemeClr val="accent6">
+                      <a:lumMod val="50000"/>
+                    </a:schemeClr>
+                  </a:solidFill>
+                </a:rPr>
+                <a:t>LogisticMaturity</a:t>
+              </a:r>
+              <a:endParaRPr lang="en-US" b="1" dirty="0" smtClean="0">
+                <a:solidFill>
+                  <a:schemeClr val="accent6">
+                    <a:lumMod val="50000"/>
+                  </a:schemeClr>
+                </a:solidFill>
+              </a:endParaRPr>
+            </a:p>
+            <a:p>
+              <a:pPr marL="285750" indent="-285750">
+                <a:buFont typeface="Arial" panose="020B0604020202020204" pitchFamily="34" charset="0"/>
+                <a:buChar char="•"/>
+              </a:pPr>
+              <a:r>
+                <a:rPr lang="en-US" dirty="0" smtClean="0">
+                  <a:solidFill>
+                    <a:schemeClr val="accent6">
+                      <a:lumMod val="50000"/>
+                    </a:schemeClr>
+                  </a:solidFill>
+                </a:rPr>
+                <a:t>median</a:t>
+              </a:r>
+            </a:p>
+            <a:p>
+              <a:pPr marL="285750" indent="-285750">
+                <a:buFont typeface="Arial" panose="020B0604020202020204" pitchFamily="34" charset="0"/>
+                <a:buChar char="•"/>
+              </a:pPr>
+              <a:r>
+                <a:rPr lang="en-US" dirty="0" smtClean="0">
+                  <a:solidFill>
+                    <a:schemeClr val="accent6">
+                      <a:lumMod val="50000"/>
+                    </a:schemeClr>
+                  </a:solidFill>
+                </a:rPr>
+                <a:t>slope</a:t>
+              </a:r>
+            </a:p>
+            <a:p>
+              <a:pPr marL="285750" indent="-285750">
+                <a:buFont typeface="Arial" panose="020B0604020202020204" pitchFamily="34" charset="0"/>
+                <a:buChar char="•"/>
+              </a:pPr>
+              <a:r>
+                <a:rPr lang="en-US" dirty="0" smtClean="0">
+                  <a:solidFill>
+                    <a:schemeClr val="accent6">
+                      <a:lumMod val="50000"/>
+                    </a:schemeClr>
+                  </a:solidFill>
+                </a:rPr>
+                <a:t>evaluate(x)</a:t>
+              </a:r>
+            </a:p>
+          </p:txBody>
+        </p:sp>
+        <p:sp>
+          <p:nvSpPr>
+            <p:cNvPr id="24" name="TextBox 23"/>
+            <p:cNvSpPr txBox="1"/>
+            <p:nvPr/>
+          </p:nvSpPr>
+          <p:spPr>
+            <a:xfrm>
+              <a:off x="315545" y="3583279"/>
+              <a:ext cx="2133600" cy="369332"/>
+            </a:xfrm>
+            <a:prstGeom prst="rect">
+              <a:avLst/>
+            </a:prstGeom>
+            <a:noFill/>
+          </p:spPr>
+          <p:txBody>
+            <a:bodyPr wrap="square" rtlCol="0">
+              <a:spAutoFit/>
+            </a:bodyPr>
+            <a:lstStyle/>
+            <a:p>
+              <a:r>
+                <a:rPr lang="en-US" dirty="0" smtClean="0">
+                  <a:solidFill>
+                    <a:schemeClr val="accent2">
+                      <a:lumMod val="75000"/>
+                    </a:schemeClr>
+                  </a:solidFill>
+                </a:rPr>
+                <a:t>shared pointer: lm0</a:t>
+              </a:r>
+            </a:p>
+          </p:txBody>
+        </p:sp>
+        <p:sp>
+          <p:nvSpPr>
+            <p:cNvPr id="37" name="Rectangle 36"/>
+            <p:cNvSpPr/>
+            <p:nvPr/>
+          </p:nvSpPr>
+          <p:spPr>
+            <a:xfrm>
+              <a:off x="2658917" y="5545941"/>
+              <a:ext cx="2609270" cy="871268"/>
+            </a:xfrm>
+            <a:prstGeom prst="rect">
+              <a:avLst/>
+            </a:prstGeom>
+            <a:solidFill>
+              <a:schemeClr val="accent6">
+                <a:lumMod val="20000"/>
+                <a:lumOff val="80000"/>
+              </a:schemeClr>
+            </a:solidFill>
+            <a:ln>
+              <a:solidFill>
+                <a:schemeClr val="accent6">
+                  <a:lumMod val="50000"/>
+                </a:schemeClr>
+              </a:solidFill>
+            </a:ln>
+          </p:spPr>
+          <p:style>
+            <a:lnRef idx="2">
+              <a:schemeClr val="accent1">
+                <a:shade val="50000"/>
+              </a:schemeClr>
+            </a:lnRef>
+            <a:fillRef idx="1">
+              <a:schemeClr val="accent1"/>
+            </a:fillRef>
+            <a:effectRef idx="0">
+              <a:schemeClr val="accent1"/>
+            </a:effectRef>
+            <a:fontRef idx="minor">
+              <a:schemeClr val="lt1"/>
+            </a:fontRef>
+          </p:style>
+          <p:txBody>
+            <a:bodyPr rtlCol="0" anchor="ctr"/>
+            <a:lstStyle/>
+            <a:p>
+              <a:r>
+                <a:rPr lang="en-US" sz="1200" dirty="0" smtClean="0">
+                  <a:solidFill>
+                    <a:schemeClr val="tx1"/>
+                  </a:solidFill>
+                </a:rPr>
+                <a:t>maturity/</a:t>
+              </a:r>
+              <a:r>
+                <a:rPr lang="en-US" sz="1200" dirty="0" err="1" smtClean="0">
+                  <a:solidFill>
+                    <a:schemeClr val="tx1"/>
+                  </a:solidFill>
+                </a:rPr>
+                <a:t>functors</a:t>
+              </a:r>
+              <a:r>
+                <a:rPr lang="en-US" sz="1200" dirty="0" smtClean="0">
+                  <a:solidFill>
+                    <a:schemeClr val="tx1"/>
+                  </a:solidFill>
+                </a:rPr>
+                <a:t>/maturity_base.hpp</a:t>
+              </a:r>
+            </a:p>
+            <a:p>
+              <a:r>
+                <a:rPr lang="en-US" b="1" dirty="0" err="1" smtClean="0">
+                  <a:solidFill>
+                    <a:schemeClr val="accent6">
+                      <a:lumMod val="50000"/>
+                    </a:schemeClr>
+                  </a:solidFill>
+                </a:rPr>
+                <a:t>fims</a:t>
+              </a:r>
+              <a:r>
+                <a:rPr lang="en-US" b="1" dirty="0" smtClean="0">
+                  <a:solidFill>
+                    <a:schemeClr val="accent6">
+                      <a:lumMod val="50000"/>
+                    </a:schemeClr>
+                  </a:solidFill>
+                </a:rPr>
+                <a:t>::</a:t>
+              </a:r>
+              <a:r>
+                <a:rPr lang="en-US" b="1" dirty="0" err="1" smtClean="0">
+                  <a:solidFill>
+                    <a:schemeClr val="accent6">
+                      <a:lumMod val="50000"/>
+                    </a:schemeClr>
+                  </a:solidFill>
+                </a:rPr>
+                <a:t>MaturityBase</a:t>
+              </a:r>
+              <a:endParaRPr lang="en-US" b="1" dirty="0" smtClean="0">
+                <a:solidFill>
+                  <a:schemeClr val="accent6">
+                    <a:lumMod val="50000"/>
+                  </a:schemeClr>
+                </a:solidFill>
+              </a:endParaRPr>
+            </a:p>
+            <a:p>
+              <a:pPr marL="285750" indent="-285750">
+                <a:buFont typeface="Arial" panose="020B0604020202020204" pitchFamily="34" charset="0"/>
+                <a:buChar char="•"/>
+              </a:pPr>
+              <a:r>
+                <a:rPr lang="en-US" dirty="0" smtClean="0">
+                  <a:solidFill>
+                    <a:schemeClr val="accent6">
+                      <a:lumMod val="50000"/>
+                    </a:schemeClr>
+                  </a:solidFill>
+                </a:rPr>
+                <a:t>evaluate(x)</a:t>
+              </a:r>
+            </a:p>
+          </p:txBody>
+        </p:sp>
+        <p:cxnSp>
+          <p:nvCxnSpPr>
+            <p:cNvPr id="39" name="Straight Arrow Connector 38"/>
+            <p:cNvCxnSpPr>
+              <a:stCxn id="22" idx="2"/>
+              <a:endCxn id="37" idx="0"/>
+            </p:cNvCxnSpPr>
+            <p:nvPr/>
+          </p:nvCxnSpPr>
+          <p:spPr>
+            <a:xfrm>
+              <a:off x="3916217" y="4947843"/>
+              <a:ext cx="0" cy="598098"/>
+            </a:xfrm>
+            <a:prstGeom prst="straightConnector1">
+              <a:avLst/>
+            </a:prstGeom>
+            <a:ln>
+              <a:solidFill>
+                <a:schemeClr val="accent6">
+                  <a:lumMod val="50000"/>
+                </a:schemeClr>
+              </a:solidFill>
+              <a:headEnd type="triangle"/>
+              <a:tailEnd type="none"/>
+            </a:ln>
+          </p:spPr>
+          <p:style>
+            <a:lnRef idx="1">
+              <a:schemeClr val="accent1"/>
+            </a:lnRef>
+            <a:fillRef idx="0">
+              <a:schemeClr val="accent1"/>
+            </a:fillRef>
+            <a:effectRef idx="0">
+              <a:schemeClr val="accent1"/>
+            </a:effectRef>
+            <a:fontRef idx="minor">
+              <a:schemeClr val="tx1"/>
+            </a:fontRef>
+          </p:style>
+        </p:cxnSp>
+        <p:sp>
+          <p:nvSpPr>
+            <p:cNvPr id="44" name="TextBox 43"/>
+            <p:cNvSpPr txBox="1"/>
+            <p:nvPr/>
+          </p:nvSpPr>
+          <p:spPr>
+            <a:xfrm>
+              <a:off x="3903517" y="5066539"/>
+              <a:ext cx="1532312" cy="369332"/>
+            </a:xfrm>
+            <a:prstGeom prst="rect">
+              <a:avLst/>
+            </a:prstGeom>
+            <a:noFill/>
+          </p:spPr>
+          <p:txBody>
+            <a:bodyPr wrap="square" rtlCol="0">
+              <a:spAutoFit/>
+            </a:bodyPr>
+            <a:lstStyle/>
+            <a:p>
+              <a:r>
+                <a:rPr lang="en-US" dirty="0" smtClean="0">
+                  <a:solidFill>
+                    <a:schemeClr val="accent6">
+                      <a:lumMod val="50000"/>
+                    </a:schemeClr>
+                  </a:solidFill>
+                </a:rPr>
+                <a:t>inheritance</a:t>
+              </a:r>
+              <a:endParaRPr lang="en-US" dirty="0">
+                <a:solidFill>
+                  <a:schemeClr val="accent6">
+                    <a:lumMod val="50000"/>
+                  </a:schemeClr>
+                </a:solidFill>
+              </a:endParaRPr>
+            </a:p>
+          </p:txBody>
+        </p:sp>
+        <p:cxnSp>
+          <p:nvCxnSpPr>
+            <p:cNvPr id="50" name="Straight Arrow Connector 49"/>
+            <p:cNvCxnSpPr>
+              <a:stCxn id="37" idx="3"/>
+              <a:endCxn id="46" idx="1"/>
+            </p:cNvCxnSpPr>
+            <p:nvPr/>
+          </p:nvCxnSpPr>
+          <p:spPr>
+            <a:xfrm>
+              <a:off x="5268187" y="5981575"/>
+              <a:ext cx="1590793" cy="0"/>
+            </a:xfrm>
+            <a:prstGeom prst="straightConnector1">
+              <a:avLst/>
+            </a:prstGeom>
+            <a:ln>
+              <a:solidFill>
+                <a:schemeClr val="accent6">
+                  <a:lumMod val="50000"/>
+                </a:schemeClr>
+              </a:solidFill>
+              <a:headEnd type="triangle"/>
+              <a:tailEnd type="none"/>
+            </a:ln>
+          </p:spPr>
+          <p:style>
+            <a:lnRef idx="1">
+              <a:schemeClr val="accent1"/>
+            </a:lnRef>
+            <a:fillRef idx="0">
+              <a:schemeClr val="accent1"/>
+            </a:fillRef>
+            <a:effectRef idx="0">
+              <a:schemeClr val="accent1"/>
+            </a:effectRef>
+            <a:fontRef idx="minor">
+              <a:schemeClr val="tx1"/>
+            </a:fontRef>
+          </p:style>
+        </p:cxnSp>
+        <p:sp>
+          <p:nvSpPr>
+            <p:cNvPr id="54" name="TextBox 53"/>
+            <p:cNvSpPr txBox="1"/>
+            <p:nvPr/>
+          </p:nvSpPr>
+          <p:spPr>
+            <a:xfrm>
+              <a:off x="5286254" y="5658409"/>
+              <a:ext cx="1610163" cy="646331"/>
+            </a:xfrm>
+            <a:prstGeom prst="rect">
+              <a:avLst/>
+            </a:prstGeom>
+            <a:noFill/>
+          </p:spPr>
+          <p:txBody>
+            <a:bodyPr wrap="square" rtlCol="0">
+              <a:spAutoFit/>
+            </a:bodyPr>
+            <a:lstStyle/>
+            <a:p>
+              <a:pPr algn="ctr"/>
+              <a:r>
+                <a:rPr lang="en-US" dirty="0" smtClean="0">
+                  <a:solidFill>
+                    <a:schemeClr val="accent6">
+                      <a:lumMod val="50000"/>
+                    </a:schemeClr>
+                  </a:solidFill>
+                </a:rPr>
+                <a:t>shared pointer: maturity</a:t>
+              </a:r>
+              <a:endParaRPr lang="en-US" dirty="0">
+                <a:solidFill>
+                  <a:schemeClr val="accent6">
+                    <a:lumMod val="50000"/>
+                  </a:schemeClr>
+                </a:solidFill>
+              </a:endParaRPr>
+            </a:p>
+          </p:txBody>
+        </p:sp>
+        <p:cxnSp>
+          <p:nvCxnSpPr>
+            <p:cNvPr id="35" name="Elbow Connector 34"/>
+            <p:cNvCxnSpPr/>
+            <p:nvPr/>
+          </p:nvCxnSpPr>
+          <p:spPr>
+            <a:xfrm>
+              <a:off x="2639867" y="3353526"/>
+              <a:ext cx="12700" cy="788958"/>
+            </a:xfrm>
+            <a:prstGeom prst="bentConnector4">
+              <a:avLst>
+                <a:gd name="adj1" fmla="val -2908409"/>
+                <a:gd name="adj2" fmla="val 99829"/>
+              </a:avLst>
+            </a:prstGeom>
+            <a:ln>
+              <a:solidFill>
+                <a:schemeClr val="accent2">
+                  <a:lumMod val="75000"/>
+                </a:schemeClr>
+              </a:solidFill>
+              <a:tailEnd type="triangle"/>
+            </a:ln>
+          </p:spPr>
+          <p:style>
+            <a:lnRef idx="1">
+              <a:schemeClr val="accent2"/>
+            </a:lnRef>
+            <a:fillRef idx="0">
+              <a:schemeClr val="accent2"/>
+            </a:fillRef>
+            <a:effectRef idx="0">
+              <a:schemeClr val="accent2"/>
+            </a:effectRef>
+            <a:fontRef idx="minor">
+              <a:schemeClr val="tx1"/>
+            </a:fontRef>
+          </p:style>
+        </p:cxnSp>
+        <p:sp>
+          <p:nvSpPr>
+            <p:cNvPr id="168" name="TextBox 167"/>
+            <p:cNvSpPr txBox="1"/>
+            <p:nvPr/>
+          </p:nvSpPr>
+          <p:spPr>
+            <a:xfrm>
+              <a:off x="124968" y="146364"/>
+              <a:ext cx="3657323" cy="430887"/>
+            </a:xfrm>
+            <a:prstGeom prst="rect">
+              <a:avLst/>
+            </a:prstGeom>
+            <a:noFill/>
+          </p:spPr>
+          <p:txBody>
+            <a:bodyPr wrap="square" rtlCol="0">
+              <a:spAutoFit/>
+            </a:bodyPr>
+            <a:lstStyle/>
+            <a:p>
+              <a:r>
+                <a:rPr lang="en-US" sz="2200" dirty="0" smtClean="0"/>
+                <a:t>FIMS Path: Maturity</a:t>
+              </a:r>
+              <a:endParaRPr lang="en-US" sz="2200" dirty="0"/>
+            </a:p>
+          </p:txBody>
+        </p:sp>
+        <p:sp>
+          <p:nvSpPr>
+            <p:cNvPr id="25" name="Rectangle 24"/>
+            <p:cNvSpPr/>
+            <p:nvPr/>
+          </p:nvSpPr>
+          <p:spPr>
+            <a:xfrm>
+              <a:off x="6858980" y="5452494"/>
+              <a:ext cx="3517981" cy="1079146"/>
+            </a:xfrm>
+            <a:prstGeom prst="rect">
+              <a:avLst/>
+            </a:prstGeom>
+            <a:solidFill>
+              <a:schemeClr val="accent6">
+                <a:lumMod val="20000"/>
+                <a:lumOff val="80000"/>
+              </a:schemeClr>
+            </a:solidFill>
+            <a:ln>
+              <a:solidFill>
+                <a:schemeClr val="accent6">
+                  <a:lumMod val="50000"/>
+                </a:schemeClr>
+              </a:solidFill>
+            </a:ln>
+          </p:spPr>
+          <p:style>
+            <a:lnRef idx="2">
+              <a:schemeClr val="accent1">
+                <a:shade val="50000"/>
+              </a:schemeClr>
+            </a:lnRef>
+            <a:fillRef idx="1">
+              <a:schemeClr val="accent1"/>
+            </a:fillRef>
+            <a:effectRef idx="0">
+              <a:schemeClr val="accent1"/>
+            </a:effectRef>
+            <a:fontRef idx="minor">
+              <a:schemeClr val="lt1"/>
+            </a:fontRef>
+          </p:style>
+          <p:txBody>
+            <a:bodyPr rtlCol="0" anchor="ctr"/>
+            <a:lstStyle/>
+            <a:p>
+              <a:r>
+                <a:rPr lang="en-US" sz="1200" dirty="0" smtClean="0">
+                  <a:solidFill>
+                    <a:schemeClr val="tx1"/>
+                  </a:solidFill>
+                </a:rPr>
+                <a:t>population/population.hpp</a:t>
+              </a:r>
+            </a:p>
+            <a:p>
+              <a:r>
+                <a:rPr lang="en-US" b="1" dirty="0" err="1" smtClean="0">
+                  <a:solidFill>
+                    <a:schemeClr val="tx1"/>
+                  </a:solidFill>
+                </a:rPr>
+                <a:t>fims</a:t>
+              </a:r>
+              <a:r>
+                <a:rPr lang="en-US" b="1" dirty="0" smtClean="0">
+                  <a:solidFill>
+                    <a:schemeClr val="tx1"/>
+                  </a:solidFill>
+                </a:rPr>
+                <a:t>::Population</a:t>
+              </a:r>
+              <a:endParaRPr lang="en-US" dirty="0">
+                <a:solidFill>
+                  <a:schemeClr val="tx1"/>
+                </a:solidFill>
+              </a:endParaRPr>
+            </a:p>
+            <a:p>
+              <a:pPr marL="285750" indent="-285750">
+                <a:buFont typeface="Arial" panose="020B0604020202020204" pitchFamily="34" charset="0"/>
+                <a:buChar char="•"/>
+              </a:pPr>
+              <a:r>
+                <a:rPr lang="en-US" dirty="0" err="1">
+                  <a:solidFill>
+                    <a:schemeClr val="tx1"/>
+                  </a:solidFill>
+                </a:rPr>
+                <a:t>maturity_id</a:t>
+              </a:r>
+              <a:endParaRPr lang="en-US" dirty="0">
+                <a:solidFill>
+                  <a:schemeClr val="tx1"/>
+                </a:solidFill>
+              </a:endParaRPr>
+            </a:p>
+            <a:p>
+              <a:pPr marL="285750" indent="-285750">
+                <a:buFont typeface="Arial" panose="020B0604020202020204" pitchFamily="34" charset="0"/>
+                <a:buChar char="•"/>
+              </a:pPr>
+              <a:r>
+                <a:rPr lang="en-US" dirty="0" smtClean="0">
+                  <a:solidFill>
+                    <a:schemeClr val="tx1"/>
+                  </a:solidFill>
+                </a:rPr>
+                <a:t>this-&gt;maturity-&gt;evaluate(age)</a:t>
+              </a:r>
+            </a:p>
+          </p:txBody>
+        </p:sp>
+        <p:sp>
+          <p:nvSpPr>
+            <p:cNvPr id="26" name="Rectangle 25"/>
+            <p:cNvSpPr/>
+            <p:nvPr/>
+          </p:nvSpPr>
+          <p:spPr>
+            <a:xfrm>
+              <a:off x="124968" y="5151090"/>
+              <a:ext cx="2298281" cy="1266119"/>
+            </a:xfrm>
+            <a:prstGeom prst="rect">
+              <a:avLst/>
+            </a:prstGeom>
+            <a:solidFill>
+              <a:schemeClr val="bg1"/>
+            </a:solidFill>
+            <a:ln>
+              <a:solidFill>
+                <a:schemeClr val="tx1"/>
+              </a:solidFill>
+            </a:ln>
+          </p:spPr>
+          <p:style>
+            <a:lnRef idx="2">
+              <a:schemeClr val="accent1">
+                <a:shade val="50000"/>
+              </a:schemeClr>
+            </a:lnRef>
+            <a:fillRef idx="1">
+              <a:schemeClr val="accent1"/>
+            </a:fillRef>
+            <a:effectRef idx="0">
+              <a:schemeClr val="accent1"/>
+            </a:effectRef>
+            <a:fontRef idx="minor">
+              <a:schemeClr val="lt1"/>
+            </a:fontRef>
+          </p:style>
+          <p:txBody>
+            <a:bodyPr rtlCol="0" anchor="ctr"/>
+            <a:lstStyle/>
+            <a:p>
+              <a:pPr algn="ctr"/>
+              <a:endParaRPr lang="en-US"/>
+            </a:p>
+          </p:txBody>
+        </p:sp>
+        <p:sp>
+          <p:nvSpPr>
+            <p:cNvPr id="27" name="TextBox 26"/>
+            <p:cNvSpPr txBox="1"/>
+            <p:nvPr/>
+          </p:nvSpPr>
+          <p:spPr>
+            <a:xfrm>
+              <a:off x="668920" y="5151091"/>
+              <a:ext cx="1883654" cy="1200329"/>
+            </a:xfrm>
+            <a:prstGeom prst="rect">
+              <a:avLst/>
+            </a:prstGeom>
+            <a:noFill/>
+          </p:spPr>
+          <p:txBody>
+            <a:bodyPr wrap="square" rtlCol="0">
+              <a:spAutoFit/>
+            </a:bodyPr>
+            <a:lstStyle/>
+            <a:p>
+              <a:r>
+                <a:rPr lang="en-US" dirty="0" smtClean="0"/>
+                <a:t>R</a:t>
+              </a:r>
+            </a:p>
+            <a:p>
+              <a:r>
+                <a:rPr lang="en-US" dirty="0" err="1" smtClean="0"/>
+                <a:t>Rcpp</a:t>
+              </a:r>
+              <a:endParaRPr lang="en-US" dirty="0" smtClean="0"/>
+            </a:p>
+            <a:p>
+              <a:r>
+                <a:rPr lang="en-US" dirty="0" err="1" smtClean="0"/>
+                <a:t>fims</a:t>
+              </a:r>
+              <a:endParaRPr lang="en-US" dirty="0" smtClean="0"/>
+            </a:p>
+            <a:p>
+              <a:r>
+                <a:rPr lang="en-US" dirty="0" err="1" smtClean="0"/>
+                <a:t>fims:Information</a:t>
+              </a:r>
+              <a:r>
+                <a:rPr lang="en-US" dirty="0" smtClean="0"/>
+                <a:t> </a:t>
+              </a:r>
+              <a:endParaRPr lang="en-US" dirty="0"/>
+            </a:p>
+          </p:txBody>
+        </p:sp>
+        <p:sp>
+          <p:nvSpPr>
+            <p:cNvPr id="28" name="Rectangle 27"/>
+            <p:cNvSpPr/>
+            <p:nvPr/>
+          </p:nvSpPr>
+          <p:spPr>
+            <a:xfrm>
+              <a:off x="240583" y="5229840"/>
+              <a:ext cx="415636" cy="210624"/>
+            </a:xfrm>
+            <a:prstGeom prst="rect">
+              <a:avLst/>
+            </a:prstGeom>
+            <a:solidFill>
+              <a:schemeClr val="accent1">
+                <a:lumMod val="20000"/>
+                <a:lumOff val="80000"/>
+              </a:schemeClr>
+            </a:solidFill>
+            <a:ln>
+              <a:solidFill>
+                <a:schemeClr val="accent1">
+                  <a:lumMod val="50000"/>
+                </a:schemeClr>
+              </a:solidFill>
+            </a:ln>
+          </p:spPr>
+          <p:style>
+            <a:lnRef idx="2">
+              <a:schemeClr val="accent1">
+                <a:shade val="50000"/>
+              </a:schemeClr>
+            </a:lnRef>
+            <a:fillRef idx="1">
+              <a:schemeClr val="accent1"/>
+            </a:fillRef>
+            <a:effectRef idx="0">
+              <a:schemeClr val="accent1"/>
+            </a:effectRef>
+            <a:fontRef idx="minor">
+              <a:schemeClr val="lt1"/>
+            </a:fontRef>
+          </p:style>
+          <p:txBody>
+            <a:bodyPr rtlCol="0" anchor="ctr"/>
+            <a:lstStyle/>
+            <a:p>
+              <a:pPr algn="ctr"/>
+              <a:endParaRPr lang="en-US" dirty="0"/>
+            </a:p>
+          </p:txBody>
+        </p:sp>
+        <p:sp>
+          <p:nvSpPr>
+            <p:cNvPr id="29" name="Rectangle 28"/>
+            <p:cNvSpPr/>
+            <p:nvPr/>
+          </p:nvSpPr>
+          <p:spPr>
+            <a:xfrm>
+              <a:off x="240583" y="5520787"/>
+              <a:ext cx="415636" cy="210624"/>
+            </a:xfrm>
+            <a:prstGeom prst="rect">
+              <a:avLst/>
+            </a:prstGeom>
+            <a:solidFill>
+              <a:schemeClr val="accent2">
+                <a:lumMod val="20000"/>
+                <a:lumOff val="80000"/>
+              </a:schemeClr>
+            </a:solidFill>
+            <a:ln>
+              <a:solidFill>
+                <a:schemeClr val="accent2">
+                  <a:lumMod val="50000"/>
+                </a:schemeClr>
+              </a:solidFill>
+            </a:ln>
+          </p:spPr>
+          <p:style>
+            <a:lnRef idx="2">
+              <a:schemeClr val="accent1">
+                <a:shade val="50000"/>
+              </a:schemeClr>
+            </a:lnRef>
+            <a:fillRef idx="1">
+              <a:schemeClr val="accent1"/>
+            </a:fillRef>
+            <a:effectRef idx="0">
+              <a:schemeClr val="accent1"/>
+            </a:effectRef>
+            <a:fontRef idx="minor">
+              <a:schemeClr val="lt1"/>
+            </a:fontRef>
+          </p:style>
+          <p:txBody>
+            <a:bodyPr rtlCol="0" anchor="ctr"/>
+            <a:lstStyle/>
+            <a:p>
+              <a:pPr algn="ctr"/>
+              <a:endParaRPr lang="en-US"/>
+            </a:p>
+          </p:txBody>
+        </p:sp>
+        <p:sp>
+          <p:nvSpPr>
+            <p:cNvPr id="30" name="Rectangle 29"/>
+            <p:cNvSpPr/>
+            <p:nvPr/>
+          </p:nvSpPr>
+          <p:spPr>
+            <a:xfrm>
+              <a:off x="240583" y="5800598"/>
+              <a:ext cx="415636" cy="210624"/>
+            </a:xfrm>
+            <a:prstGeom prst="rect">
+              <a:avLst/>
+            </a:prstGeom>
+            <a:solidFill>
+              <a:schemeClr val="accent6">
+                <a:lumMod val="20000"/>
+                <a:lumOff val="80000"/>
+              </a:schemeClr>
+            </a:solidFill>
+            <a:ln>
+              <a:solidFill>
+                <a:schemeClr val="accent6">
+                  <a:lumMod val="50000"/>
+                </a:schemeClr>
+              </a:solidFill>
+            </a:ln>
+          </p:spPr>
+          <p:style>
+            <a:lnRef idx="2">
+              <a:schemeClr val="accent1">
+                <a:shade val="50000"/>
+              </a:schemeClr>
+            </a:lnRef>
+            <a:fillRef idx="1">
+              <a:schemeClr val="accent1"/>
+            </a:fillRef>
+            <a:effectRef idx="0">
+              <a:schemeClr val="accent1"/>
+            </a:effectRef>
+            <a:fontRef idx="minor">
+              <a:schemeClr val="lt1"/>
+            </a:fontRef>
+          </p:style>
+          <p:txBody>
+            <a:bodyPr rtlCol="0" anchor="ctr"/>
+            <a:lstStyle/>
+            <a:p>
+              <a:pPr algn="ctr"/>
+              <a:endParaRPr lang="en-US"/>
+            </a:p>
+          </p:txBody>
+        </p:sp>
+        <p:sp>
+          <p:nvSpPr>
+            <p:cNvPr id="31" name="Rectangle 30"/>
+            <p:cNvSpPr/>
+            <p:nvPr/>
+          </p:nvSpPr>
+          <p:spPr>
+            <a:xfrm>
+              <a:off x="240583" y="6084924"/>
+              <a:ext cx="415636" cy="210624"/>
+            </a:xfrm>
+            <a:prstGeom prst="rect">
+              <a:avLst/>
+            </a:prstGeom>
+            <a:solidFill>
+              <a:schemeClr val="bg2">
+                <a:lumMod val="90000"/>
+              </a:schemeClr>
+            </a:solidFill>
+            <a:ln>
+              <a:solidFill>
+                <a:schemeClr val="bg2">
+                  <a:lumMod val="10000"/>
+                </a:schemeClr>
+              </a:solidFill>
+            </a:ln>
+          </p:spPr>
+          <p:style>
+            <a:lnRef idx="2">
+              <a:schemeClr val="accent1">
+                <a:shade val="50000"/>
+              </a:schemeClr>
+            </a:lnRef>
+            <a:fillRef idx="1">
+              <a:schemeClr val="accent1"/>
+            </a:fillRef>
+            <a:effectRef idx="0">
+              <a:schemeClr val="accent1"/>
+            </a:effectRef>
+            <a:fontRef idx="minor">
+              <a:schemeClr val="lt1"/>
+            </a:fontRef>
+          </p:style>
+          <p:txBody>
+            <a:bodyPr rtlCol="0" anchor="ctr"/>
+            <a:lstStyle/>
+            <a:p>
+              <a:pPr algn="ctr"/>
+              <a:endParaRPr lang="en-US"/>
+            </a:p>
+          </p:txBody>
+        </p:sp>
+        <p:cxnSp>
+          <p:nvCxnSpPr>
+            <p:cNvPr id="32" name="Straight Arrow Connector 31"/>
+            <p:cNvCxnSpPr>
+              <a:endCxn id="33" idx="1"/>
+            </p:cNvCxnSpPr>
+            <p:nvPr/>
+          </p:nvCxnSpPr>
+          <p:spPr>
+            <a:xfrm>
+              <a:off x="5282986" y="1867116"/>
+              <a:ext cx="1575994" cy="0"/>
+            </a:xfrm>
+            <a:prstGeom prst="straightConnector1">
+              <a:avLst/>
+            </a:prstGeom>
+            <a:ln>
+              <a:tailEnd type="triangle"/>
+            </a:ln>
+          </p:spPr>
+          <p:style>
+            <a:lnRef idx="1">
+              <a:schemeClr val="accent2"/>
+            </a:lnRef>
+            <a:fillRef idx="0">
+              <a:schemeClr val="accent2"/>
+            </a:fillRef>
+            <a:effectRef idx="0">
+              <a:schemeClr val="accent2"/>
+            </a:effectRef>
+            <a:fontRef idx="minor">
+              <a:schemeClr val="tx1"/>
+            </a:fontRef>
+          </p:style>
+        </p:cxnSp>
+        <p:sp>
+          <p:nvSpPr>
+            <p:cNvPr id="33" name="Rectangle 32"/>
+            <p:cNvSpPr/>
+            <p:nvPr/>
+          </p:nvSpPr>
+          <p:spPr>
+            <a:xfrm>
+              <a:off x="6858980" y="1387415"/>
+              <a:ext cx="5197938" cy="887936"/>
+            </a:xfrm>
+            <a:prstGeom prst="rect">
+              <a:avLst/>
+            </a:prstGeom>
+            <a:solidFill>
+              <a:schemeClr val="bg2">
+                <a:lumMod val="90000"/>
+              </a:schemeClr>
+            </a:solidFill>
+            <a:ln>
+              <a:solidFill>
+                <a:schemeClr val="tx1"/>
+              </a:solidFill>
+            </a:ln>
+          </p:spPr>
+          <p:style>
+            <a:lnRef idx="2">
+              <a:schemeClr val="accent1">
+                <a:shade val="50000"/>
+              </a:schemeClr>
+            </a:lnRef>
+            <a:fillRef idx="1">
+              <a:schemeClr val="accent1"/>
+            </a:fillRef>
+            <a:effectRef idx="0">
+              <a:schemeClr val="accent1"/>
+            </a:effectRef>
+            <a:fontRef idx="minor">
+              <a:schemeClr val="lt1"/>
+            </a:fontRef>
+          </p:style>
+          <p:txBody>
+            <a:bodyPr rtlCol="0" anchor="ctr"/>
+            <a:lstStyle/>
+            <a:p>
+              <a:r>
+                <a:rPr lang="en-US" sz="1200" dirty="0" smtClean="0">
+                  <a:solidFill>
+                    <a:schemeClr val="tx1"/>
+                  </a:solidFill>
+                </a:rPr>
+                <a:t>common/information.hpp</a:t>
+              </a:r>
+            </a:p>
+            <a:p>
+              <a:r>
+                <a:rPr lang="en-US" b="1" dirty="0" err="1" smtClean="0">
+                  <a:solidFill>
+                    <a:schemeClr val="tx1"/>
+                  </a:solidFill>
+                </a:rPr>
+                <a:t>fims</a:t>
+              </a:r>
+              <a:r>
+                <a:rPr lang="en-US" b="1" dirty="0" smtClean="0">
+                  <a:solidFill>
+                    <a:schemeClr val="tx1"/>
+                  </a:solidFill>
+                </a:rPr>
+                <a:t>::Information</a:t>
+              </a:r>
+              <a:endParaRPr lang="en-US" sz="1600" b="1" dirty="0">
+                <a:solidFill>
+                  <a:schemeClr val="tx1"/>
+                </a:solidFill>
+              </a:endParaRPr>
+            </a:p>
+            <a:p>
+              <a:r>
+                <a:rPr lang="en-US" sz="1600" dirty="0" err="1">
+                  <a:solidFill>
+                    <a:schemeClr val="tx1"/>
+                  </a:solidFill>
+                </a:rPr>
+                <a:t>maturity_models</a:t>
+              </a:r>
+              <a:r>
+                <a:rPr lang="en-US" sz="1600" dirty="0">
+                  <a:solidFill>
+                    <a:schemeClr val="tx1"/>
+                  </a:solidFill>
+                </a:rPr>
+                <a:t>(id, shared pointer to </a:t>
+              </a:r>
+              <a:r>
+                <a:rPr lang="en-US" sz="1600" dirty="0" err="1">
+                  <a:solidFill>
+                    <a:schemeClr val="tx1"/>
+                  </a:solidFill>
+                </a:rPr>
+                <a:t>MaturityBase</a:t>
+              </a:r>
+              <a:r>
+                <a:rPr lang="en-US" sz="1600" dirty="0">
+                  <a:solidFill>
+                    <a:schemeClr val="tx1"/>
+                  </a:solidFill>
+                </a:rPr>
+                <a:t>)  </a:t>
+              </a:r>
+            </a:p>
+          </p:txBody>
+        </p:sp>
+        <p:sp>
+          <p:nvSpPr>
+            <p:cNvPr id="34" name="Rectangle 33"/>
+            <p:cNvSpPr/>
+            <p:nvPr/>
+          </p:nvSpPr>
+          <p:spPr>
+            <a:xfrm>
+              <a:off x="5082346" y="1548130"/>
+              <a:ext cx="1943103" cy="646331"/>
+            </a:xfrm>
+            <a:prstGeom prst="rect">
+              <a:avLst/>
+            </a:prstGeom>
+          </p:spPr>
+          <p:txBody>
+            <a:bodyPr wrap="square">
+              <a:spAutoFit/>
+            </a:bodyPr>
+            <a:lstStyle/>
+            <a:p>
+              <a:pPr algn="ctr"/>
+              <a:r>
+                <a:rPr lang="en-US" dirty="0" smtClean="0">
+                  <a:solidFill>
+                    <a:schemeClr val="accent2">
+                      <a:lumMod val="75000"/>
+                    </a:schemeClr>
+                  </a:solidFill>
+                </a:rPr>
+                <a:t>shared pointer: </a:t>
+              </a:r>
+            </a:p>
+            <a:p>
+              <a:pPr algn="ctr"/>
+              <a:r>
+                <a:rPr lang="en-US" dirty="0" smtClean="0">
+                  <a:solidFill>
+                    <a:schemeClr val="accent2">
+                      <a:lumMod val="75000"/>
+                    </a:schemeClr>
+                  </a:solidFill>
+                </a:rPr>
+                <a:t>d0</a:t>
+              </a:r>
+            </a:p>
+          </p:txBody>
+        </p:sp>
+        <p:cxnSp>
+          <p:nvCxnSpPr>
+            <p:cNvPr id="36" name="Elbow Connector 35"/>
+            <p:cNvCxnSpPr>
+              <a:endCxn id="33" idx="2"/>
+            </p:cNvCxnSpPr>
+            <p:nvPr/>
+          </p:nvCxnSpPr>
+          <p:spPr>
+            <a:xfrm flipV="1">
+              <a:off x="5248817" y="2275351"/>
+              <a:ext cx="4209132" cy="1153649"/>
+            </a:xfrm>
+            <a:prstGeom prst="bentConnector2">
+              <a:avLst/>
+            </a:prstGeom>
+            <a:ln>
+              <a:solidFill>
+                <a:schemeClr val="accent2">
+                  <a:lumMod val="50000"/>
+                </a:schemeClr>
+              </a:solidFill>
+              <a:tailEnd type="triangle"/>
+            </a:ln>
+          </p:spPr>
+          <p:style>
+            <a:lnRef idx="1">
+              <a:schemeClr val="dk1"/>
+            </a:lnRef>
+            <a:fillRef idx="0">
+              <a:schemeClr val="dk1"/>
+            </a:fillRef>
+            <a:effectRef idx="0">
+              <a:schemeClr val="dk1"/>
+            </a:effectRef>
+            <a:fontRef idx="minor">
+              <a:schemeClr val="tx1"/>
+            </a:fontRef>
+          </p:style>
+        </p:cxnSp>
+        <p:sp>
+          <p:nvSpPr>
+            <p:cNvPr id="38" name="TextBox 37"/>
+            <p:cNvSpPr txBox="1"/>
+            <p:nvPr/>
+          </p:nvSpPr>
+          <p:spPr>
+            <a:xfrm>
+              <a:off x="5456337" y="3070160"/>
+              <a:ext cx="3813464" cy="369332"/>
+            </a:xfrm>
+            <a:prstGeom prst="rect">
+              <a:avLst/>
+            </a:prstGeom>
+            <a:noFill/>
+          </p:spPr>
+          <p:txBody>
+            <a:bodyPr wrap="square" rtlCol="0">
+              <a:spAutoFit/>
+            </a:bodyPr>
+            <a:lstStyle/>
+            <a:p>
+              <a:r>
+                <a:rPr lang="en-US" dirty="0">
+                  <a:solidFill>
+                    <a:schemeClr val="accent2">
+                      <a:lumMod val="50000"/>
+                    </a:schemeClr>
+                  </a:solidFill>
+                </a:rPr>
+                <a:t>d0-&gt;</a:t>
+              </a:r>
+              <a:r>
+                <a:rPr lang="en-US" dirty="0" err="1">
+                  <a:solidFill>
+                    <a:schemeClr val="accent2">
+                      <a:lumMod val="50000"/>
+                    </a:schemeClr>
+                  </a:solidFill>
+                </a:rPr>
+                <a:t>maturity_models</a:t>
+              </a:r>
+              <a:r>
+                <a:rPr lang="en-US" dirty="0">
+                  <a:solidFill>
+                    <a:schemeClr val="accent2">
+                      <a:lumMod val="50000"/>
+                    </a:schemeClr>
+                  </a:solidFill>
+                </a:rPr>
+                <a:t>[lm0-&gt;id] = lm0;</a:t>
+              </a:r>
+            </a:p>
+          </p:txBody>
+        </p:sp>
+        <p:cxnSp>
+          <p:nvCxnSpPr>
+            <p:cNvPr id="40" name="Straight Arrow Connector 39"/>
+            <p:cNvCxnSpPr/>
+            <p:nvPr/>
+          </p:nvCxnSpPr>
+          <p:spPr>
+            <a:xfrm flipV="1">
+              <a:off x="5282986" y="3439493"/>
+              <a:ext cx="4671897" cy="1163680"/>
+            </a:xfrm>
+            <a:prstGeom prst="straightConnector1">
+              <a:avLst/>
+            </a:prstGeom>
+            <a:ln>
+              <a:solidFill>
+                <a:schemeClr val="tx1"/>
+              </a:solidFill>
+              <a:headEnd type="triangle"/>
+              <a:tailEnd type="none"/>
+            </a:ln>
+          </p:spPr>
+          <p:style>
+            <a:lnRef idx="1">
+              <a:schemeClr val="accent1"/>
+            </a:lnRef>
+            <a:fillRef idx="0">
+              <a:schemeClr val="accent1"/>
+            </a:fillRef>
+            <a:effectRef idx="0">
+              <a:schemeClr val="accent1"/>
+            </a:effectRef>
+            <a:fontRef idx="minor">
+              <a:schemeClr val="tx1"/>
+            </a:fontRef>
+          </p:style>
+        </p:cxnSp>
+        <p:cxnSp>
+          <p:nvCxnSpPr>
+            <p:cNvPr id="13" name="Straight Connector 12"/>
+            <p:cNvCxnSpPr/>
+            <p:nvPr/>
+          </p:nvCxnSpPr>
+          <p:spPr>
+            <a:xfrm flipV="1">
+              <a:off x="9954883" y="2275351"/>
+              <a:ext cx="0" cy="1164142"/>
+            </a:xfrm>
+            <a:prstGeom prst="line">
+              <a:avLst/>
+            </a:prstGeom>
+            <a:ln>
+              <a:solidFill>
+                <a:schemeClr val="tx1"/>
+              </a:solidFill>
+            </a:ln>
+          </p:spPr>
+          <p:style>
+            <a:lnRef idx="1">
+              <a:schemeClr val="accent1"/>
+            </a:lnRef>
+            <a:fillRef idx="0">
+              <a:schemeClr val="accent1"/>
+            </a:fillRef>
+            <a:effectRef idx="0">
+              <a:schemeClr val="accent1"/>
+            </a:effectRef>
+            <a:fontRef idx="minor">
+              <a:schemeClr val="tx1"/>
+            </a:fontRef>
+          </p:style>
+        </p:cxnSp>
+        <p:sp>
+          <p:nvSpPr>
+            <p:cNvPr id="45" name="Rectangle 44"/>
+            <p:cNvSpPr/>
+            <p:nvPr/>
+          </p:nvSpPr>
+          <p:spPr>
+            <a:xfrm>
+              <a:off x="5769926" y="3903409"/>
+              <a:ext cx="3698015" cy="369332"/>
+            </a:xfrm>
+            <a:prstGeom prst="rect">
+              <a:avLst/>
+            </a:prstGeom>
+            <a:solidFill>
+              <a:schemeClr val="bg1"/>
+            </a:solidFill>
+          </p:spPr>
+          <p:txBody>
+            <a:bodyPr wrap="square">
+              <a:spAutoFit/>
+            </a:bodyPr>
+            <a:lstStyle/>
+            <a:p>
+              <a:pPr algn="ctr"/>
+              <a:r>
+                <a:rPr lang="en-US" dirty="0" err="1" smtClean="0"/>
+                <a:t>maturity_models</a:t>
+              </a:r>
+              <a:r>
+                <a:rPr lang="en-US" dirty="0" smtClean="0"/>
+                <a:t>(id, shared pointer)</a:t>
+              </a:r>
+            </a:p>
+          </p:txBody>
+        </p:sp>
+      </p:grpSp>
+    </p:spTree>
+    <p:extLst>
+      <p:ext uri="{BB962C8B-B14F-4D97-AF65-F5344CB8AC3E}">
+        <p14:creationId xmlns:p14="http://schemas.microsoft.com/office/powerpoint/2010/main" val="1333278834"/>
+      </p:ext>
+    </p:extLst>
+  </p:cSld>
+  <p:clrMapOvr>
+    <a:masterClrMapping/>
+  </p:clrMapOvr>
+</p:sld>
+</file>
+
+<file path=ppt/slides/slide7.xml><?xml version="1.0" encoding="utf-8"?>
+<p:sld xmlns:a="http://schemas.openxmlformats.org/drawingml/2006/main" xmlns:r="http://schemas.openxmlformats.org/officeDocument/2006/relationships" xmlns:p="http://schemas.openxmlformats.org/presentationml/2006/main">
+  <p:cSld>
+    <p:spTree>
+      <p:nvGrpSpPr>
+        <p:cNvPr id="1" name=""/>
+        <p:cNvGrpSpPr/>
+        <p:nvPr/>
+      </p:nvGrpSpPr>
+      <p:grpSpPr>
+        <a:xfrm>
+          <a:off x="0" y="0"/>
+          <a:ext cx="0" cy="0"/>
+          <a:chOff x="0" y="0"/>
+          <a:chExt cx="0" cy="0"/>
+        </a:xfrm>
+      </p:grpSpPr>
+      <p:grpSp>
+        <p:nvGrpSpPr>
+          <p:cNvPr id="2" name="Group 1"/>
+          <p:cNvGrpSpPr/>
+          <p:nvPr/>
+        </p:nvGrpSpPr>
+        <p:grpSpPr>
+          <a:xfrm>
+            <a:off x="124968" y="146364"/>
+            <a:ext cx="11931950" cy="6385276"/>
+            <a:chOff x="124968" y="146364"/>
+            <a:chExt cx="11931950" cy="6385276"/>
+          </a:xfrm>
+        </p:grpSpPr>
+        <p:sp>
+          <p:nvSpPr>
+            <p:cNvPr id="4" name="Rectangle 3"/>
+            <p:cNvSpPr/>
+            <p:nvPr/>
+          </p:nvSpPr>
+          <p:spPr>
+            <a:xfrm>
+              <a:off x="245917" y="723900"/>
+              <a:ext cx="1619250" cy="1028700"/>
+            </a:xfrm>
+            <a:prstGeom prst="rect">
+              <a:avLst/>
+            </a:prstGeom>
+            <a:solidFill>
+              <a:schemeClr val="accent1">
+                <a:lumMod val="20000"/>
+                <a:lumOff val="80000"/>
+              </a:schemeClr>
+            </a:solidFill>
+            <a:ln>
+              <a:solidFill>
+                <a:schemeClr val="accent1">
+                  <a:lumMod val="50000"/>
+                </a:schemeClr>
+              </a:solidFill>
+            </a:ln>
+          </p:spPr>
+          <p:style>
+            <a:lnRef idx="2">
+              <a:schemeClr val="accent1">
+                <a:shade val="50000"/>
+              </a:schemeClr>
+            </a:lnRef>
+            <a:fillRef idx="1">
+              <a:schemeClr val="accent1"/>
+            </a:fillRef>
+            <a:effectRef idx="0">
+              <a:schemeClr val="accent1"/>
+            </a:effectRef>
+            <a:fontRef idx="minor">
+              <a:schemeClr val="lt1"/>
+            </a:fontRef>
+          </p:style>
+          <p:txBody>
+            <a:bodyPr rtlCol="0" anchor="ctr"/>
+            <a:lstStyle/>
+            <a:p>
+              <a:r>
+                <a:rPr lang="en-US" b="1" dirty="0" err="1" smtClean="0">
+                  <a:solidFill>
+                    <a:schemeClr val="accent1">
+                      <a:lumMod val="50000"/>
+                    </a:schemeClr>
+                  </a:solidFill>
+                </a:rPr>
+                <a:t>fims$maturity</a:t>
+              </a:r>
+              <a:endParaRPr lang="en-US" b="1" dirty="0" smtClean="0">
+                <a:solidFill>
+                  <a:schemeClr val="accent1">
+                    <a:lumMod val="50000"/>
+                  </a:schemeClr>
+                </a:solidFill>
+              </a:endParaRPr>
+            </a:p>
+            <a:p>
+              <a:pPr marL="285750" indent="-285750">
+                <a:buFont typeface="Arial" panose="020B0604020202020204" pitchFamily="34" charset="0"/>
+                <a:buChar char="•"/>
+              </a:pPr>
+              <a:r>
+                <a:rPr lang="en-US" dirty="0" smtClean="0">
+                  <a:solidFill>
+                    <a:schemeClr val="accent1">
+                      <a:lumMod val="50000"/>
+                    </a:schemeClr>
+                  </a:solidFill>
+                </a:rPr>
+                <a:t>median</a:t>
+              </a:r>
+            </a:p>
+            <a:p>
+              <a:pPr marL="285750" indent="-285750">
+                <a:buFont typeface="Arial" panose="020B0604020202020204" pitchFamily="34" charset="0"/>
+                <a:buChar char="•"/>
+              </a:pPr>
+              <a:r>
+                <a:rPr lang="en-US" dirty="0" smtClean="0">
+                  <a:solidFill>
+                    <a:schemeClr val="accent1">
+                      <a:lumMod val="50000"/>
+                    </a:schemeClr>
+                  </a:solidFill>
+                </a:rPr>
+                <a:t>slope</a:t>
+              </a:r>
+              <a:endParaRPr lang="en-US" dirty="0">
+                <a:solidFill>
+                  <a:schemeClr val="accent1">
+                    <a:lumMod val="50000"/>
+                  </a:schemeClr>
+                </a:solidFill>
+              </a:endParaRPr>
+            </a:p>
+          </p:txBody>
+        </p:sp>
+        <p:sp>
+          <p:nvSpPr>
+            <p:cNvPr id="6" name="Rectangle 5"/>
+            <p:cNvSpPr/>
+            <p:nvPr/>
+          </p:nvSpPr>
+          <p:spPr>
+            <a:xfrm>
+              <a:off x="2661551" y="723900"/>
+              <a:ext cx="2606637" cy="1028700"/>
+            </a:xfrm>
+            <a:prstGeom prst="rect">
+              <a:avLst/>
+            </a:prstGeom>
+            <a:solidFill>
+              <a:schemeClr val="accent1">
+                <a:lumMod val="20000"/>
+                <a:lumOff val="80000"/>
+              </a:schemeClr>
+            </a:solidFill>
+            <a:ln>
+              <a:solidFill>
+                <a:schemeClr val="accent1">
+                  <a:lumMod val="50000"/>
+                </a:schemeClr>
+              </a:solidFill>
+            </a:ln>
+          </p:spPr>
+          <p:style>
+            <a:lnRef idx="2">
+              <a:schemeClr val="accent1">
+                <a:shade val="50000"/>
+              </a:schemeClr>
+            </a:lnRef>
+            <a:fillRef idx="1">
+              <a:schemeClr val="accent1"/>
+            </a:fillRef>
+            <a:effectRef idx="0">
+              <a:schemeClr val="accent1"/>
+            </a:effectRef>
+            <a:fontRef idx="minor">
+              <a:schemeClr val="lt1"/>
+            </a:fontRef>
+          </p:style>
+          <p:txBody>
+            <a:bodyPr rtlCol="0" anchor="ctr"/>
+            <a:lstStyle/>
+            <a:p>
+              <a:r>
+                <a:rPr lang="en-US" b="1" dirty="0" err="1" smtClean="0">
+                  <a:solidFill>
+                    <a:schemeClr val="accent1">
+                      <a:lumMod val="50000"/>
+                    </a:schemeClr>
+                  </a:solidFill>
+                </a:rPr>
+                <a:t>fims$LogisticMaturity</a:t>
+              </a:r>
+              <a:endParaRPr lang="en-US" b="1" dirty="0" smtClean="0">
+                <a:solidFill>
+                  <a:schemeClr val="accent1">
+                    <a:lumMod val="50000"/>
+                  </a:schemeClr>
+                </a:solidFill>
+              </a:endParaRPr>
+            </a:p>
+            <a:p>
+              <a:pPr marL="285750" indent="-285750">
+                <a:buFont typeface="Arial" panose="020B0604020202020204" pitchFamily="34" charset="0"/>
+                <a:buChar char="•"/>
+              </a:pPr>
+              <a:r>
+                <a:rPr lang="en-US" dirty="0" smtClean="0">
+                  <a:solidFill>
+                    <a:schemeClr val="accent1">
+                      <a:lumMod val="50000"/>
+                    </a:schemeClr>
+                  </a:solidFill>
+                </a:rPr>
+                <a:t>median</a:t>
+              </a:r>
+            </a:p>
+            <a:p>
+              <a:pPr marL="285750" indent="-285750">
+                <a:buFont typeface="Arial" panose="020B0604020202020204" pitchFamily="34" charset="0"/>
+                <a:buChar char="•"/>
+              </a:pPr>
+              <a:r>
+                <a:rPr lang="en-US" dirty="0" smtClean="0">
+                  <a:solidFill>
+                    <a:schemeClr val="accent1">
+                      <a:lumMod val="50000"/>
+                    </a:schemeClr>
+                  </a:solidFill>
+                </a:rPr>
+                <a:t>slope</a:t>
+              </a:r>
+            </a:p>
+          </p:txBody>
+        </p:sp>
+        <p:sp>
+          <p:nvSpPr>
+            <p:cNvPr id="10" name="Rectangle 9"/>
+            <p:cNvSpPr/>
+            <p:nvPr/>
+          </p:nvSpPr>
+          <p:spPr>
+            <a:xfrm>
+              <a:off x="2656160" y="1752599"/>
+              <a:ext cx="2612029" cy="1853045"/>
+            </a:xfrm>
+            <a:prstGeom prst="rect">
+              <a:avLst/>
+            </a:prstGeom>
+            <a:solidFill>
+              <a:schemeClr val="accent2">
+                <a:lumMod val="20000"/>
+                <a:lumOff val="80000"/>
+              </a:schemeClr>
+            </a:solidFill>
+            <a:ln>
+              <a:solidFill>
+                <a:schemeClr val="accent2">
+                  <a:lumMod val="50000"/>
+                </a:schemeClr>
+              </a:solidFill>
+            </a:ln>
+          </p:spPr>
+          <p:style>
+            <a:lnRef idx="2">
+              <a:schemeClr val="accent1">
+                <a:shade val="50000"/>
+              </a:schemeClr>
+            </a:lnRef>
+            <a:fillRef idx="1">
+              <a:schemeClr val="accent1"/>
+            </a:fillRef>
+            <a:effectRef idx="0">
+              <a:schemeClr val="accent1"/>
+            </a:effectRef>
+            <a:fontRef idx="minor">
+              <a:schemeClr val="lt1"/>
+            </a:fontRef>
+          </p:style>
+          <p:txBody>
+            <a:bodyPr rtlCol="0" anchor="ctr"/>
+            <a:lstStyle/>
+            <a:p>
+              <a:r>
+                <a:rPr lang="en-US" sz="1200" dirty="0" smtClean="0">
+                  <a:solidFill>
+                    <a:schemeClr val="accent2">
+                      <a:lumMod val="75000"/>
+                    </a:schemeClr>
+                  </a:solidFill>
+                </a:rPr>
+                <a:t>rcpp_maturity.hpp</a:t>
+              </a:r>
+              <a:endParaRPr lang="en-US" sz="1200" dirty="0" smtClean="0">
+                <a:solidFill>
+                  <a:schemeClr val="tx1"/>
+                </a:solidFill>
+              </a:endParaRPr>
+            </a:p>
+            <a:p>
+              <a:r>
+                <a:rPr lang="en-US" b="1" dirty="0" err="1" smtClean="0">
+                  <a:solidFill>
+                    <a:schemeClr val="accent2">
+                      <a:lumMod val="75000"/>
+                    </a:schemeClr>
+                  </a:solidFill>
+                </a:rPr>
+                <a:t>LogisticMaturityInterface</a:t>
+              </a:r>
+              <a:endParaRPr lang="en-US" b="1" dirty="0" smtClean="0">
+                <a:solidFill>
+                  <a:schemeClr val="accent2">
+                    <a:lumMod val="75000"/>
+                  </a:schemeClr>
+                </a:solidFill>
+              </a:endParaRPr>
+            </a:p>
+            <a:p>
+              <a:pPr marL="285750" indent="-285750">
+                <a:buFont typeface="Arial" panose="020B0604020202020204" pitchFamily="34" charset="0"/>
+                <a:buChar char="•"/>
+              </a:pPr>
+              <a:r>
+                <a:rPr lang="en-US" dirty="0" smtClean="0">
+                  <a:solidFill>
+                    <a:schemeClr val="accent2">
+                      <a:lumMod val="75000"/>
+                    </a:schemeClr>
+                  </a:solidFill>
+                </a:rPr>
+                <a:t>median</a:t>
+              </a:r>
+            </a:p>
+            <a:p>
+              <a:pPr marL="285750" indent="-285750">
+                <a:buFont typeface="Arial" panose="020B0604020202020204" pitchFamily="34" charset="0"/>
+                <a:buChar char="•"/>
+              </a:pPr>
+              <a:r>
+                <a:rPr lang="en-US" dirty="0" smtClean="0">
+                  <a:solidFill>
+                    <a:schemeClr val="accent2">
+                      <a:lumMod val="75000"/>
+                    </a:schemeClr>
+                  </a:solidFill>
+                </a:rPr>
+                <a:t>slope</a:t>
+              </a:r>
+            </a:p>
+            <a:p>
+              <a:pPr marL="285750" indent="-285750">
+                <a:buFont typeface="Arial" panose="020B0604020202020204" pitchFamily="34" charset="0"/>
+                <a:buChar char="•"/>
+              </a:pPr>
+              <a:r>
+                <a:rPr lang="en-US" dirty="0" err="1">
+                  <a:solidFill>
+                    <a:schemeClr val="accent2">
+                      <a:lumMod val="75000"/>
+                    </a:schemeClr>
+                  </a:solidFill>
+                </a:rPr>
+                <a:t>a</a:t>
+              </a:r>
+              <a:r>
+                <a:rPr lang="en-US" dirty="0" err="1" smtClean="0">
+                  <a:solidFill>
+                    <a:schemeClr val="accent2">
+                      <a:lumMod val="75000"/>
+                    </a:schemeClr>
+                  </a:solidFill>
+                </a:rPr>
+                <a:t>dd_to_fims_tmb</a:t>
+              </a:r>
+              <a:r>
+                <a:rPr lang="en-US" dirty="0" smtClean="0">
+                  <a:solidFill>
+                    <a:schemeClr val="accent2">
+                      <a:lumMod val="75000"/>
+                    </a:schemeClr>
+                  </a:solidFill>
+                </a:rPr>
+                <a:t>(</a:t>
+              </a:r>
+            </a:p>
+            <a:p>
+              <a:r>
+                <a:rPr lang="en-US" dirty="0">
+                  <a:solidFill>
+                    <a:schemeClr val="accent2">
+                      <a:lumMod val="75000"/>
+                    </a:schemeClr>
+                  </a:solidFill>
+                </a:rPr>
+                <a:t> </a:t>
+              </a:r>
+              <a:r>
+                <a:rPr lang="en-US" dirty="0" smtClean="0">
+                  <a:solidFill>
+                    <a:schemeClr val="accent2">
+                      <a:lumMod val="75000"/>
+                    </a:schemeClr>
+                  </a:solidFill>
+                </a:rPr>
+                <a:t>       shared pointer: lm0</a:t>
+              </a:r>
+            </a:p>
+            <a:p>
+              <a:r>
+                <a:rPr lang="en-US" dirty="0">
+                  <a:solidFill>
+                    <a:schemeClr val="accent2">
+                      <a:lumMod val="75000"/>
+                    </a:schemeClr>
+                  </a:solidFill>
+                </a:rPr>
+                <a:t> </a:t>
+              </a:r>
+              <a:r>
+                <a:rPr lang="en-US" dirty="0" smtClean="0">
+                  <a:solidFill>
+                    <a:schemeClr val="accent2">
+                      <a:lumMod val="75000"/>
+                    </a:schemeClr>
+                  </a:solidFill>
+                </a:rPr>
+                <a:t>       shared pointer: d0</a:t>
+              </a:r>
+            </a:p>
+          </p:txBody>
+        </p:sp>
+        <p:cxnSp>
+          <p:nvCxnSpPr>
+            <p:cNvPr id="12" name="Straight Arrow Connector 11"/>
+            <p:cNvCxnSpPr>
+              <a:stCxn id="4" idx="3"/>
+              <a:endCxn id="6" idx="1"/>
+            </p:cNvCxnSpPr>
+            <p:nvPr/>
+          </p:nvCxnSpPr>
+          <p:spPr>
+            <a:xfrm>
+              <a:off x="1865167" y="1238250"/>
+              <a:ext cx="796385" cy="0"/>
+            </a:xfrm>
+            <a:prstGeom prst="straightConnector1">
+              <a:avLst/>
+            </a:prstGeom>
+            <a:ln>
+              <a:tailEnd type="triangle"/>
+            </a:ln>
+          </p:spPr>
+          <p:style>
+            <a:lnRef idx="1">
+              <a:schemeClr val="accent1"/>
+            </a:lnRef>
+            <a:fillRef idx="0">
+              <a:schemeClr val="accent1"/>
+            </a:fillRef>
+            <a:effectRef idx="0">
+              <a:schemeClr val="accent1"/>
+            </a:effectRef>
+            <a:fontRef idx="minor">
+              <a:schemeClr val="tx1"/>
+            </a:fontRef>
+          </p:style>
+        </p:cxnSp>
+        <p:sp>
+          <p:nvSpPr>
+            <p:cNvPr id="15" name="TextBox 14"/>
+            <p:cNvSpPr txBox="1"/>
+            <p:nvPr/>
+          </p:nvSpPr>
+          <p:spPr>
+            <a:xfrm>
+              <a:off x="1865167" y="876300"/>
+              <a:ext cx="781050" cy="369332"/>
+            </a:xfrm>
+            <a:prstGeom prst="rect">
+              <a:avLst/>
+            </a:prstGeom>
+            <a:noFill/>
+          </p:spPr>
+          <p:txBody>
+            <a:bodyPr wrap="square" rtlCol="0">
+              <a:spAutoFit/>
+            </a:bodyPr>
+            <a:lstStyle/>
+            <a:p>
+              <a:r>
+                <a:rPr lang="en-US" dirty="0" smtClean="0">
+                  <a:solidFill>
+                    <a:schemeClr val="accent1">
+                      <a:lumMod val="50000"/>
+                    </a:schemeClr>
+                  </a:solidFill>
+                </a:rPr>
+                <a:t>new()</a:t>
+              </a:r>
+              <a:endParaRPr lang="en-US" dirty="0">
+                <a:solidFill>
+                  <a:schemeClr val="accent1">
+                    <a:lumMod val="50000"/>
+                  </a:schemeClr>
+                </a:solidFill>
+              </a:endParaRPr>
+            </a:p>
+          </p:txBody>
+        </p:sp>
+        <p:cxnSp>
+          <p:nvCxnSpPr>
+            <p:cNvPr id="17" name="Elbow Connector 16"/>
+            <p:cNvCxnSpPr/>
+            <p:nvPr/>
+          </p:nvCxnSpPr>
+          <p:spPr>
+            <a:xfrm>
+              <a:off x="2676349" y="1387415"/>
+              <a:ext cx="12700" cy="788958"/>
+            </a:xfrm>
+            <a:prstGeom prst="bentConnector4">
+              <a:avLst>
+                <a:gd name="adj1" fmla="val -2826591"/>
+                <a:gd name="adj2" fmla="val 99829"/>
+              </a:avLst>
+            </a:prstGeom>
+            <a:ln>
+              <a:solidFill>
+                <a:schemeClr val="accent2">
+                  <a:lumMod val="75000"/>
+                </a:schemeClr>
+              </a:solidFill>
+              <a:tailEnd type="triangle"/>
+            </a:ln>
+          </p:spPr>
+          <p:style>
+            <a:lnRef idx="1">
+              <a:schemeClr val="accent2"/>
+            </a:lnRef>
+            <a:fillRef idx="0">
+              <a:schemeClr val="accent2"/>
+            </a:fillRef>
+            <a:effectRef idx="0">
+              <a:schemeClr val="accent2"/>
+            </a:effectRef>
+            <a:fontRef idx="minor">
+              <a:schemeClr val="tx1"/>
+            </a:fontRef>
+          </p:style>
+        </p:cxnSp>
+        <p:sp>
+          <p:nvSpPr>
+            <p:cNvPr id="21" name="TextBox 20"/>
+            <p:cNvSpPr txBox="1"/>
+            <p:nvPr/>
+          </p:nvSpPr>
+          <p:spPr>
+            <a:xfrm>
+              <a:off x="367500" y="1833749"/>
+              <a:ext cx="2191110" cy="369332"/>
+            </a:xfrm>
+            <a:prstGeom prst="rect">
+              <a:avLst/>
+            </a:prstGeom>
+            <a:noFill/>
+          </p:spPr>
+          <p:txBody>
+            <a:bodyPr wrap="square" rtlCol="0">
+              <a:spAutoFit/>
+            </a:bodyPr>
+            <a:lstStyle/>
+            <a:p>
+              <a:r>
+                <a:rPr lang="en-US" dirty="0" smtClean="0">
+                  <a:solidFill>
+                    <a:schemeClr val="accent2">
+                      <a:lumMod val="75000"/>
+                    </a:schemeClr>
+                  </a:solidFill>
+                </a:rPr>
+                <a:t>rcpp_interface.hpp</a:t>
+              </a:r>
+              <a:endParaRPr lang="en-US" dirty="0">
+                <a:solidFill>
+                  <a:schemeClr val="accent2">
+                    <a:lumMod val="75000"/>
+                  </a:schemeClr>
+                </a:solidFill>
+              </a:endParaRPr>
+            </a:p>
+          </p:txBody>
+        </p:sp>
+        <p:sp>
+          <p:nvSpPr>
+            <p:cNvPr id="22" name="Rectangle 21"/>
+            <p:cNvSpPr/>
+            <p:nvPr/>
+          </p:nvSpPr>
+          <p:spPr>
+            <a:xfrm>
+              <a:off x="2658916" y="3616140"/>
+              <a:ext cx="2609271" cy="1331703"/>
+            </a:xfrm>
+            <a:prstGeom prst="rect">
+              <a:avLst/>
+            </a:prstGeom>
+            <a:solidFill>
+              <a:schemeClr val="accent6">
+                <a:lumMod val="20000"/>
+                <a:lumOff val="80000"/>
+              </a:schemeClr>
+            </a:solidFill>
+            <a:ln>
+              <a:solidFill>
+                <a:schemeClr val="accent6">
+                  <a:lumMod val="50000"/>
+                </a:schemeClr>
+              </a:solidFill>
+            </a:ln>
+          </p:spPr>
+          <p:style>
+            <a:lnRef idx="2">
+              <a:schemeClr val="accent1">
+                <a:shade val="50000"/>
+              </a:schemeClr>
+            </a:lnRef>
+            <a:fillRef idx="1">
+              <a:schemeClr val="accent1"/>
+            </a:fillRef>
+            <a:effectRef idx="0">
+              <a:schemeClr val="accent1"/>
+            </a:effectRef>
+            <a:fontRef idx="minor">
+              <a:schemeClr val="lt1"/>
+            </a:fontRef>
+          </p:style>
+          <p:txBody>
+            <a:bodyPr rtlCol="0" anchor="ctr"/>
+            <a:lstStyle/>
+            <a:p>
+              <a:r>
+                <a:rPr lang="en-US" sz="1200" dirty="0" smtClean="0">
+                  <a:solidFill>
+                    <a:schemeClr val="accent6">
+                      <a:lumMod val="50000"/>
+                    </a:schemeClr>
+                  </a:solidFill>
+                </a:rPr>
+                <a:t>maturity/</a:t>
+              </a:r>
+              <a:r>
+                <a:rPr lang="en-US" sz="1200" dirty="0" err="1" smtClean="0">
+                  <a:solidFill>
+                    <a:schemeClr val="accent6">
+                      <a:lumMod val="50000"/>
+                    </a:schemeClr>
+                  </a:solidFill>
+                </a:rPr>
+                <a:t>functors</a:t>
+              </a:r>
+              <a:r>
+                <a:rPr lang="en-US" sz="1200" dirty="0" smtClean="0">
+                  <a:solidFill>
+                    <a:schemeClr val="accent6">
+                      <a:lumMod val="50000"/>
+                    </a:schemeClr>
+                  </a:solidFill>
+                </a:rPr>
+                <a:t>/logistic.hpp</a:t>
+              </a:r>
+            </a:p>
+            <a:p>
+              <a:r>
+                <a:rPr lang="en-US" b="1" dirty="0" err="1" smtClean="0">
+                  <a:solidFill>
+                    <a:schemeClr val="accent6">
+                      <a:lumMod val="50000"/>
+                    </a:schemeClr>
+                  </a:solidFill>
+                </a:rPr>
+                <a:t>fims</a:t>
+              </a:r>
+              <a:r>
+                <a:rPr lang="en-US" b="1" dirty="0" smtClean="0">
+                  <a:solidFill>
+                    <a:schemeClr val="accent6">
+                      <a:lumMod val="50000"/>
+                    </a:schemeClr>
+                  </a:solidFill>
+                </a:rPr>
+                <a:t>::</a:t>
+              </a:r>
+              <a:r>
+                <a:rPr lang="en-US" b="1" dirty="0" err="1" smtClean="0">
+                  <a:solidFill>
+                    <a:schemeClr val="accent6">
+                      <a:lumMod val="50000"/>
+                    </a:schemeClr>
+                  </a:solidFill>
+                </a:rPr>
+                <a:t>LogisticMaturity</a:t>
+              </a:r>
+              <a:endParaRPr lang="en-US" b="1" dirty="0" smtClean="0">
+                <a:solidFill>
+                  <a:schemeClr val="accent6">
+                    <a:lumMod val="50000"/>
+                  </a:schemeClr>
+                </a:solidFill>
+              </a:endParaRPr>
+            </a:p>
+            <a:p>
+              <a:pPr marL="285750" indent="-285750">
+                <a:buFont typeface="Arial" panose="020B0604020202020204" pitchFamily="34" charset="0"/>
+                <a:buChar char="•"/>
+              </a:pPr>
+              <a:r>
+                <a:rPr lang="en-US" dirty="0" smtClean="0">
+                  <a:solidFill>
+                    <a:schemeClr val="accent6">
+                      <a:lumMod val="50000"/>
+                    </a:schemeClr>
+                  </a:solidFill>
+                </a:rPr>
+                <a:t>median</a:t>
+              </a:r>
+            </a:p>
+            <a:p>
+              <a:pPr marL="285750" indent="-285750">
+                <a:buFont typeface="Arial" panose="020B0604020202020204" pitchFamily="34" charset="0"/>
+                <a:buChar char="•"/>
+              </a:pPr>
+              <a:r>
+                <a:rPr lang="en-US" dirty="0" smtClean="0">
+                  <a:solidFill>
+                    <a:schemeClr val="accent6">
+                      <a:lumMod val="50000"/>
+                    </a:schemeClr>
+                  </a:solidFill>
+                </a:rPr>
+                <a:t>slope</a:t>
+              </a:r>
+            </a:p>
+            <a:p>
+              <a:pPr marL="285750" indent="-285750">
+                <a:buFont typeface="Arial" panose="020B0604020202020204" pitchFamily="34" charset="0"/>
+                <a:buChar char="•"/>
+              </a:pPr>
+              <a:r>
+                <a:rPr lang="en-US" dirty="0" smtClean="0">
+                  <a:solidFill>
+                    <a:schemeClr val="accent6">
+                      <a:lumMod val="50000"/>
+                    </a:schemeClr>
+                  </a:solidFill>
+                </a:rPr>
+                <a:t>evaluate(x)</a:t>
+              </a:r>
+            </a:p>
+          </p:txBody>
+        </p:sp>
+        <p:sp>
+          <p:nvSpPr>
+            <p:cNvPr id="24" name="TextBox 23"/>
+            <p:cNvSpPr txBox="1"/>
+            <p:nvPr/>
+          </p:nvSpPr>
+          <p:spPr>
+            <a:xfrm>
+              <a:off x="315545" y="3583279"/>
+              <a:ext cx="2133600" cy="369332"/>
+            </a:xfrm>
+            <a:prstGeom prst="rect">
+              <a:avLst/>
+            </a:prstGeom>
+            <a:noFill/>
+          </p:spPr>
+          <p:txBody>
+            <a:bodyPr wrap="square" rtlCol="0">
+              <a:spAutoFit/>
+            </a:bodyPr>
+            <a:lstStyle/>
+            <a:p>
+              <a:r>
+                <a:rPr lang="en-US" dirty="0" smtClean="0">
+                  <a:solidFill>
+                    <a:schemeClr val="accent2">
+                      <a:lumMod val="75000"/>
+                    </a:schemeClr>
+                  </a:solidFill>
+                </a:rPr>
+                <a:t>shared pointer: lm0</a:t>
+              </a:r>
+            </a:p>
+          </p:txBody>
+        </p:sp>
+        <p:sp>
+          <p:nvSpPr>
+            <p:cNvPr id="37" name="Rectangle 36"/>
+            <p:cNvSpPr/>
+            <p:nvPr/>
+          </p:nvSpPr>
+          <p:spPr>
+            <a:xfrm>
+              <a:off x="2658917" y="5545941"/>
+              <a:ext cx="2609270" cy="871268"/>
+            </a:xfrm>
+            <a:prstGeom prst="rect">
+              <a:avLst/>
+            </a:prstGeom>
+            <a:solidFill>
+              <a:schemeClr val="accent6">
+                <a:lumMod val="20000"/>
+                <a:lumOff val="80000"/>
+              </a:schemeClr>
+            </a:solidFill>
+            <a:ln>
+              <a:solidFill>
+                <a:schemeClr val="accent6">
+                  <a:lumMod val="50000"/>
+                </a:schemeClr>
+              </a:solidFill>
+            </a:ln>
+          </p:spPr>
+          <p:style>
+            <a:lnRef idx="2">
+              <a:schemeClr val="accent1">
+                <a:shade val="50000"/>
+              </a:schemeClr>
+            </a:lnRef>
+            <a:fillRef idx="1">
+              <a:schemeClr val="accent1"/>
+            </a:fillRef>
+            <a:effectRef idx="0">
+              <a:schemeClr val="accent1"/>
+            </a:effectRef>
+            <a:fontRef idx="minor">
+              <a:schemeClr val="lt1"/>
+            </a:fontRef>
+          </p:style>
+          <p:txBody>
+            <a:bodyPr rtlCol="0" anchor="ctr"/>
+            <a:lstStyle/>
+            <a:p>
+              <a:r>
+                <a:rPr lang="en-US" sz="1200" dirty="0" smtClean="0">
+                  <a:solidFill>
+                    <a:schemeClr val="tx1"/>
+                  </a:solidFill>
+                </a:rPr>
+                <a:t>maturity/</a:t>
+              </a:r>
+              <a:r>
+                <a:rPr lang="en-US" sz="1200" dirty="0" err="1" smtClean="0">
+                  <a:solidFill>
+                    <a:schemeClr val="tx1"/>
+                  </a:solidFill>
+                </a:rPr>
+                <a:t>functors</a:t>
+              </a:r>
+              <a:r>
+                <a:rPr lang="en-US" sz="1200" dirty="0" smtClean="0">
+                  <a:solidFill>
+                    <a:schemeClr val="tx1"/>
+                  </a:solidFill>
+                </a:rPr>
+                <a:t>/maturity_base.hpp</a:t>
+              </a:r>
+            </a:p>
+            <a:p>
+              <a:r>
+                <a:rPr lang="en-US" b="1" dirty="0" err="1" smtClean="0">
+                  <a:solidFill>
+                    <a:schemeClr val="accent6">
+                      <a:lumMod val="50000"/>
+                    </a:schemeClr>
+                  </a:solidFill>
+                </a:rPr>
+                <a:t>fims</a:t>
+              </a:r>
+              <a:r>
+                <a:rPr lang="en-US" b="1" dirty="0" smtClean="0">
+                  <a:solidFill>
+                    <a:schemeClr val="accent6">
+                      <a:lumMod val="50000"/>
+                    </a:schemeClr>
+                  </a:solidFill>
+                </a:rPr>
+                <a:t>::</a:t>
+              </a:r>
+              <a:r>
+                <a:rPr lang="en-US" b="1" dirty="0" err="1" smtClean="0">
+                  <a:solidFill>
+                    <a:schemeClr val="accent6">
+                      <a:lumMod val="50000"/>
+                    </a:schemeClr>
+                  </a:solidFill>
+                </a:rPr>
+                <a:t>MaturityBase</a:t>
+              </a:r>
+              <a:endParaRPr lang="en-US" b="1" dirty="0" smtClean="0">
+                <a:solidFill>
+                  <a:schemeClr val="accent6">
+                    <a:lumMod val="50000"/>
+                  </a:schemeClr>
+                </a:solidFill>
+              </a:endParaRPr>
+            </a:p>
+            <a:p>
+              <a:pPr marL="285750" indent="-285750">
+                <a:buFont typeface="Arial" panose="020B0604020202020204" pitchFamily="34" charset="0"/>
+                <a:buChar char="•"/>
+              </a:pPr>
+              <a:r>
+                <a:rPr lang="en-US" dirty="0" smtClean="0">
+                  <a:solidFill>
+                    <a:schemeClr val="accent6">
+                      <a:lumMod val="50000"/>
+                    </a:schemeClr>
+                  </a:solidFill>
+                </a:rPr>
+                <a:t>evaluate(x)</a:t>
+              </a:r>
+            </a:p>
+          </p:txBody>
+        </p:sp>
+        <p:cxnSp>
+          <p:nvCxnSpPr>
+            <p:cNvPr id="39" name="Straight Arrow Connector 38"/>
+            <p:cNvCxnSpPr>
+              <a:stCxn id="22" idx="2"/>
+              <a:endCxn id="37" idx="0"/>
+            </p:cNvCxnSpPr>
+            <p:nvPr/>
+          </p:nvCxnSpPr>
+          <p:spPr>
+            <a:xfrm>
+              <a:off x="3916217" y="4947843"/>
+              <a:ext cx="0" cy="598098"/>
+            </a:xfrm>
+            <a:prstGeom prst="straightConnector1">
+              <a:avLst/>
+            </a:prstGeom>
+            <a:ln>
+              <a:solidFill>
+                <a:schemeClr val="accent6">
+                  <a:lumMod val="50000"/>
+                </a:schemeClr>
+              </a:solidFill>
+              <a:headEnd type="triangle"/>
+              <a:tailEnd type="none"/>
+            </a:ln>
+          </p:spPr>
+          <p:style>
+            <a:lnRef idx="1">
+              <a:schemeClr val="accent1"/>
+            </a:lnRef>
+            <a:fillRef idx="0">
+              <a:schemeClr val="accent1"/>
+            </a:fillRef>
+            <a:effectRef idx="0">
+              <a:schemeClr val="accent1"/>
+            </a:effectRef>
+            <a:fontRef idx="minor">
+              <a:schemeClr val="tx1"/>
+            </a:fontRef>
+          </p:style>
+        </p:cxnSp>
+        <p:sp>
+          <p:nvSpPr>
+            <p:cNvPr id="44" name="TextBox 43"/>
+            <p:cNvSpPr txBox="1"/>
+            <p:nvPr/>
+          </p:nvSpPr>
+          <p:spPr>
+            <a:xfrm>
+              <a:off x="3903517" y="5066539"/>
+              <a:ext cx="1532312" cy="369332"/>
+            </a:xfrm>
+            <a:prstGeom prst="rect">
+              <a:avLst/>
+            </a:prstGeom>
+            <a:noFill/>
+          </p:spPr>
+          <p:txBody>
+            <a:bodyPr wrap="square" rtlCol="0">
+              <a:spAutoFit/>
+            </a:bodyPr>
+            <a:lstStyle/>
+            <a:p>
+              <a:r>
+                <a:rPr lang="en-US" dirty="0" smtClean="0">
+                  <a:solidFill>
+                    <a:schemeClr val="accent6">
+                      <a:lumMod val="50000"/>
+                    </a:schemeClr>
+                  </a:solidFill>
+                </a:rPr>
+                <a:t>inheritance</a:t>
+              </a:r>
+              <a:endParaRPr lang="en-US" dirty="0">
+                <a:solidFill>
+                  <a:schemeClr val="accent6">
+                    <a:lumMod val="50000"/>
+                  </a:schemeClr>
+                </a:solidFill>
+              </a:endParaRPr>
+            </a:p>
+          </p:txBody>
+        </p:sp>
+        <p:cxnSp>
+          <p:nvCxnSpPr>
+            <p:cNvPr id="50" name="Straight Arrow Connector 49"/>
+            <p:cNvCxnSpPr>
+              <a:stCxn id="37" idx="3"/>
+              <a:endCxn id="46" idx="1"/>
+            </p:cNvCxnSpPr>
+            <p:nvPr/>
+          </p:nvCxnSpPr>
+          <p:spPr>
+            <a:xfrm>
+              <a:off x="5268187" y="5981575"/>
+              <a:ext cx="1590793" cy="0"/>
+            </a:xfrm>
+            <a:prstGeom prst="straightConnector1">
+              <a:avLst/>
+            </a:prstGeom>
+            <a:ln>
+              <a:solidFill>
+                <a:schemeClr val="accent6">
+                  <a:lumMod val="50000"/>
+                </a:schemeClr>
+              </a:solidFill>
+              <a:headEnd type="triangle"/>
+              <a:tailEnd type="none"/>
+            </a:ln>
+          </p:spPr>
+          <p:style>
+            <a:lnRef idx="1">
+              <a:schemeClr val="accent1"/>
+            </a:lnRef>
+            <a:fillRef idx="0">
+              <a:schemeClr val="accent1"/>
+            </a:fillRef>
+            <a:effectRef idx="0">
+              <a:schemeClr val="accent1"/>
+            </a:effectRef>
+            <a:fontRef idx="minor">
+              <a:schemeClr val="tx1"/>
+            </a:fontRef>
+          </p:style>
+        </p:cxnSp>
+        <p:sp>
+          <p:nvSpPr>
+            <p:cNvPr id="54" name="TextBox 53"/>
+            <p:cNvSpPr txBox="1"/>
+            <p:nvPr/>
+          </p:nvSpPr>
+          <p:spPr>
+            <a:xfrm>
+              <a:off x="5286254" y="5658409"/>
+              <a:ext cx="1610163" cy="646331"/>
+            </a:xfrm>
+            <a:prstGeom prst="rect">
+              <a:avLst/>
+            </a:prstGeom>
+            <a:noFill/>
+          </p:spPr>
+          <p:txBody>
+            <a:bodyPr wrap="square" rtlCol="0">
+              <a:spAutoFit/>
+            </a:bodyPr>
+            <a:lstStyle/>
+            <a:p>
+              <a:pPr algn="ctr"/>
+              <a:r>
+                <a:rPr lang="en-US" dirty="0" smtClean="0">
+                  <a:solidFill>
+                    <a:schemeClr val="accent6">
+                      <a:lumMod val="50000"/>
+                    </a:schemeClr>
+                  </a:solidFill>
+                </a:rPr>
+                <a:t>shared pointer: maturity</a:t>
+              </a:r>
+              <a:endParaRPr lang="en-US" dirty="0">
+                <a:solidFill>
+                  <a:schemeClr val="accent6">
+                    <a:lumMod val="50000"/>
+                  </a:schemeClr>
+                </a:solidFill>
+              </a:endParaRPr>
+            </a:p>
+          </p:txBody>
+        </p:sp>
+        <p:cxnSp>
+          <p:nvCxnSpPr>
+            <p:cNvPr id="35" name="Elbow Connector 34"/>
+            <p:cNvCxnSpPr/>
+            <p:nvPr/>
+          </p:nvCxnSpPr>
+          <p:spPr>
+            <a:xfrm>
+              <a:off x="2639867" y="3353526"/>
+              <a:ext cx="12700" cy="788958"/>
+            </a:xfrm>
+            <a:prstGeom prst="bentConnector4">
+              <a:avLst>
+                <a:gd name="adj1" fmla="val -2908409"/>
+                <a:gd name="adj2" fmla="val 99829"/>
+              </a:avLst>
+            </a:prstGeom>
+            <a:ln>
+              <a:solidFill>
+                <a:schemeClr val="accent2">
+                  <a:lumMod val="75000"/>
+                </a:schemeClr>
+              </a:solidFill>
+              <a:tailEnd type="triangle"/>
+            </a:ln>
+          </p:spPr>
+          <p:style>
+            <a:lnRef idx="1">
+              <a:schemeClr val="accent2"/>
+            </a:lnRef>
+            <a:fillRef idx="0">
+              <a:schemeClr val="accent2"/>
+            </a:fillRef>
+            <a:effectRef idx="0">
+              <a:schemeClr val="accent2"/>
+            </a:effectRef>
+            <a:fontRef idx="minor">
+              <a:schemeClr val="tx1"/>
+            </a:fontRef>
+          </p:style>
+        </p:cxnSp>
+        <p:sp>
+          <p:nvSpPr>
+            <p:cNvPr id="168" name="TextBox 167"/>
+            <p:cNvSpPr txBox="1"/>
+            <p:nvPr/>
+          </p:nvSpPr>
+          <p:spPr>
+            <a:xfrm>
+              <a:off x="124968" y="146364"/>
+              <a:ext cx="3657323" cy="430887"/>
+            </a:xfrm>
+            <a:prstGeom prst="rect">
+              <a:avLst/>
+            </a:prstGeom>
+            <a:noFill/>
+          </p:spPr>
+          <p:txBody>
+            <a:bodyPr wrap="square" rtlCol="0">
+              <a:spAutoFit/>
+            </a:bodyPr>
+            <a:lstStyle/>
+            <a:p>
+              <a:r>
+                <a:rPr lang="en-US" sz="2200" dirty="0" smtClean="0"/>
+                <a:t>FIMS Path: Maturity</a:t>
+              </a:r>
+              <a:endParaRPr lang="en-US" sz="2200" dirty="0"/>
+            </a:p>
+          </p:txBody>
+        </p:sp>
+        <p:sp>
+          <p:nvSpPr>
+            <p:cNvPr id="25" name="Rectangle 24"/>
+            <p:cNvSpPr/>
+            <p:nvPr/>
+          </p:nvSpPr>
+          <p:spPr>
+            <a:xfrm>
+              <a:off x="6858980" y="5452494"/>
+              <a:ext cx="3517981" cy="1079146"/>
+            </a:xfrm>
+            <a:prstGeom prst="rect">
+              <a:avLst/>
+            </a:prstGeom>
+            <a:solidFill>
+              <a:schemeClr val="accent6">
+                <a:lumMod val="20000"/>
+                <a:lumOff val="80000"/>
+              </a:schemeClr>
+            </a:solidFill>
+            <a:ln>
+              <a:solidFill>
+                <a:schemeClr val="accent6">
+                  <a:lumMod val="50000"/>
+                </a:schemeClr>
+              </a:solidFill>
+            </a:ln>
+          </p:spPr>
+          <p:style>
+            <a:lnRef idx="2">
+              <a:schemeClr val="accent1">
+                <a:shade val="50000"/>
+              </a:schemeClr>
+            </a:lnRef>
+            <a:fillRef idx="1">
+              <a:schemeClr val="accent1"/>
+            </a:fillRef>
+            <a:effectRef idx="0">
+              <a:schemeClr val="accent1"/>
+            </a:effectRef>
+            <a:fontRef idx="minor">
+              <a:schemeClr val="lt1"/>
+            </a:fontRef>
+          </p:style>
+          <p:txBody>
+            <a:bodyPr rtlCol="0" anchor="ctr"/>
+            <a:lstStyle/>
+            <a:p>
+              <a:r>
+                <a:rPr lang="en-US" sz="1200" dirty="0" smtClean="0">
+                  <a:solidFill>
+                    <a:schemeClr val="tx1"/>
+                  </a:solidFill>
+                </a:rPr>
+                <a:t>population/population.hpp</a:t>
+              </a:r>
+            </a:p>
+            <a:p>
+              <a:r>
+                <a:rPr lang="en-US" b="1" dirty="0" err="1" smtClean="0">
+                  <a:solidFill>
+                    <a:schemeClr val="tx1"/>
+                  </a:solidFill>
+                </a:rPr>
+                <a:t>fims</a:t>
+              </a:r>
+              <a:r>
+                <a:rPr lang="en-US" b="1" dirty="0" smtClean="0">
+                  <a:solidFill>
+                    <a:schemeClr val="tx1"/>
+                  </a:solidFill>
+                </a:rPr>
+                <a:t>::Population</a:t>
+              </a:r>
+              <a:endParaRPr lang="en-US" dirty="0">
+                <a:solidFill>
+                  <a:schemeClr val="tx1"/>
+                </a:solidFill>
+              </a:endParaRPr>
+            </a:p>
+            <a:p>
+              <a:pPr marL="285750" indent="-285750">
+                <a:buFont typeface="Arial" panose="020B0604020202020204" pitchFamily="34" charset="0"/>
+                <a:buChar char="•"/>
+              </a:pPr>
+              <a:r>
+                <a:rPr lang="en-US" dirty="0" err="1">
+                  <a:solidFill>
+                    <a:schemeClr val="tx1"/>
+                  </a:solidFill>
+                </a:rPr>
+                <a:t>maturity_id</a:t>
+              </a:r>
+              <a:endParaRPr lang="en-US" dirty="0">
+                <a:solidFill>
+                  <a:schemeClr val="tx1"/>
+                </a:solidFill>
+              </a:endParaRPr>
+            </a:p>
+            <a:p>
+              <a:pPr marL="285750" indent="-285750">
+                <a:buFont typeface="Arial" panose="020B0604020202020204" pitchFamily="34" charset="0"/>
+                <a:buChar char="•"/>
+              </a:pPr>
+              <a:r>
+                <a:rPr lang="en-US" dirty="0" smtClean="0">
+                  <a:solidFill>
+                    <a:schemeClr val="tx1"/>
+                  </a:solidFill>
+                </a:rPr>
+                <a:t>this-&gt;maturity-&gt;evaluate(age)</a:t>
+              </a:r>
+            </a:p>
+          </p:txBody>
+        </p:sp>
+        <p:sp>
+          <p:nvSpPr>
+            <p:cNvPr id="26" name="Rectangle 25"/>
+            <p:cNvSpPr/>
+            <p:nvPr/>
+          </p:nvSpPr>
+          <p:spPr>
+            <a:xfrm>
+              <a:off x="124968" y="5151090"/>
+              <a:ext cx="2298281" cy="1266119"/>
+            </a:xfrm>
+            <a:prstGeom prst="rect">
+              <a:avLst/>
+            </a:prstGeom>
+            <a:solidFill>
+              <a:schemeClr val="bg1"/>
+            </a:solidFill>
+            <a:ln>
+              <a:solidFill>
+                <a:schemeClr val="tx1"/>
+              </a:solidFill>
+            </a:ln>
+          </p:spPr>
+          <p:style>
+            <a:lnRef idx="2">
+              <a:schemeClr val="accent1">
+                <a:shade val="50000"/>
+              </a:schemeClr>
+            </a:lnRef>
+            <a:fillRef idx="1">
+              <a:schemeClr val="accent1"/>
+            </a:fillRef>
+            <a:effectRef idx="0">
+              <a:schemeClr val="accent1"/>
+            </a:effectRef>
+            <a:fontRef idx="minor">
+              <a:schemeClr val="lt1"/>
+            </a:fontRef>
+          </p:style>
+          <p:txBody>
+            <a:bodyPr rtlCol="0" anchor="ctr"/>
+            <a:lstStyle/>
+            <a:p>
+              <a:pPr algn="ctr"/>
+              <a:endParaRPr lang="en-US"/>
+            </a:p>
+          </p:txBody>
+        </p:sp>
+        <p:sp>
+          <p:nvSpPr>
+            <p:cNvPr id="27" name="TextBox 26"/>
+            <p:cNvSpPr txBox="1"/>
+            <p:nvPr/>
+          </p:nvSpPr>
+          <p:spPr>
+            <a:xfrm>
+              <a:off x="668920" y="5151091"/>
+              <a:ext cx="1883654" cy="1200329"/>
+            </a:xfrm>
+            <a:prstGeom prst="rect">
+              <a:avLst/>
+            </a:prstGeom>
+            <a:noFill/>
+          </p:spPr>
+          <p:txBody>
+            <a:bodyPr wrap="square" rtlCol="0">
+              <a:spAutoFit/>
+            </a:bodyPr>
+            <a:lstStyle/>
+            <a:p>
+              <a:r>
+                <a:rPr lang="en-US" dirty="0" smtClean="0"/>
+                <a:t>R</a:t>
+              </a:r>
+            </a:p>
+            <a:p>
+              <a:r>
+                <a:rPr lang="en-US" dirty="0" err="1" smtClean="0"/>
+                <a:t>Rcpp</a:t>
+              </a:r>
+              <a:endParaRPr lang="en-US" dirty="0" smtClean="0"/>
+            </a:p>
+            <a:p>
+              <a:r>
+                <a:rPr lang="en-US" dirty="0" err="1" smtClean="0"/>
+                <a:t>fims</a:t>
+              </a:r>
+              <a:endParaRPr lang="en-US" dirty="0" smtClean="0"/>
+            </a:p>
+            <a:p>
+              <a:r>
+                <a:rPr lang="en-US" dirty="0" err="1" smtClean="0"/>
+                <a:t>fims:Information</a:t>
+              </a:r>
+              <a:r>
+                <a:rPr lang="en-US" dirty="0" smtClean="0"/>
+                <a:t> </a:t>
+              </a:r>
+              <a:endParaRPr lang="en-US" dirty="0"/>
+            </a:p>
+          </p:txBody>
+        </p:sp>
+        <p:sp>
+          <p:nvSpPr>
+            <p:cNvPr id="28" name="Rectangle 27"/>
+            <p:cNvSpPr/>
+            <p:nvPr/>
+          </p:nvSpPr>
+          <p:spPr>
+            <a:xfrm>
+              <a:off x="240583" y="5229840"/>
+              <a:ext cx="415636" cy="210624"/>
+            </a:xfrm>
+            <a:prstGeom prst="rect">
+              <a:avLst/>
+            </a:prstGeom>
+            <a:solidFill>
+              <a:schemeClr val="accent1">
+                <a:lumMod val="20000"/>
+                <a:lumOff val="80000"/>
+              </a:schemeClr>
+            </a:solidFill>
+            <a:ln>
+              <a:solidFill>
+                <a:schemeClr val="accent1">
+                  <a:lumMod val="50000"/>
+                </a:schemeClr>
+              </a:solidFill>
+            </a:ln>
+          </p:spPr>
+          <p:style>
+            <a:lnRef idx="2">
+              <a:schemeClr val="accent1">
+                <a:shade val="50000"/>
+              </a:schemeClr>
+            </a:lnRef>
+            <a:fillRef idx="1">
+              <a:schemeClr val="accent1"/>
+            </a:fillRef>
+            <a:effectRef idx="0">
+              <a:schemeClr val="accent1"/>
+            </a:effectRef>
+            <a:fontRef idx="minor">
+              <a:schemeClr val="lt1"/>
+            </a:fontRef>
+          </p:style>
+          <p:txBody>
+            <a:bodyPr rtlCol="0" anchor="ctr"/>
+            <a:lstStyle/>
+            <a:p>
+              <a:pPr algn="ctr"/>
+              <a:endParaRPr lang="en-US" dirty="0"/>
+            </a:p>
+          </p:txBody>
+        </p:sp>
+        <p:sp>
+          <p:nvSpPr>
+            <p:cNvPr id="29" name="Rectangle 28"/>
+            <p:cNvSpPr/>
+            <p:nvPr/>
+          </p:nvSpPr>
+          <p:spPr>
+            <a:xfrm>
+              <a:off x="240583" y="5520787"/>
+              <a:ext cx="415636" cy="210624"/>
+            </a:xfrm>
+            <a:prstGeom prst="rect">
+              <a:avLst/>
+            </a:prstGeom>
+            <a:solidFill>
+              <a:schemeClr val="accent2">
+                <a:lumMod val="20000"/>
+                <a:lumOff val="80000"/>
+              </a:schemeClr>
+            </a:solidFill>
+            <a:ln>
+              <a:solidFill>
+                <a:schemeClr val="accent2">
+                  <a:lumMod val="50000"/>
+                </a:schemeClr>
+              </a:solidFill>
+            </a:ln>
+          </p:spPr>
+          <p:style>
+            <a:lnRef idx="2">
+              <a:schemeClr val="accent1">
+                <a:shade val="50000"/>
+              </a:schemeClr>
+            </a:lnRef>
+            <a:fillRef idx="1">
+              <a:schemeClr val="accent1"/>
+            </a:fillRef>
+            <a:effectRef idx="0">
+              <a:schemeClr val="accent1"/>
+            </a:effectRef>
+            <a:fontRef idx="minor">
+              <a:schemeClr val="lt1"/>
+            </a:fontRef>
+          </p:style>
+          <p:txBody>
+            <a:bodyPr rtlCol="0" anchor="ctr"/>
+            <a:lstStyle/>
+            <a:p>
+              <a:pPr algn="ctr"/>
+              <a:endParaRPr lang="en-US"/>
+            </a:p>
+          </p:txBody>
+        </p:sp>
+        <p:sp>
+          <p:nvSpPr>
+            <p:cNvPr id="30" name="Rectangle 29"/>
+            <p:cNvSpPr/>
+            <p:nvPr/>
+          </p:nvSpPr>
+          <p:spPr>
+            <a:xfrm>
+              <a:off x="240583" y="5800598"/>
+              <a:ext cx="415636" cy="210624"/>
+            </a:xfrm>
+            <a:prstGeom prst="rect">
+              <a:avLst/>
+            </a:prstGeom>
+            <a:solidFill>
+              <a:schemeClr val="accent6">
+                <a:lumMod val="20000"/>
+                <a:lumOff val="80000"/>
+              </a:schemeClr>
+            </a:solidFill>
+            <a:ln>
+              <a:solidFill>
+                <a:schemeClr val="accent6">
+                  <a:lumMod val="50000"/>
+                </a:schemeClr>
+              </a:solidFill>
+            </a:ln>
+          </p:spPr>
+          <p:style>
+            <a:lnRef idx="2">
+              <a:schemeClr val="accent1">
+                <a:shade val="50000"/>
+              </a:schemeClr>
+            </a:lnRef>
+            <a:fillRef idx="1">
+              <a:schemeClr val="accent1"/>
+            </a:fillRef>
+            <a:effectRef idx="0">
+              <a:schemeClr val="accent1"/>
+            </a:effectRef>
+            <a:fontRef idx="minor">
+              <a:schemeClr val="lt1"/>
+            </a:fontRef>
+          </p:style>
+          <p:txBody>
+            <a:bodyPr rtlCol="0" anchor="ctr"/>
+            <a:lstStyle/>
+            <a:p>
+              <a:pPr algn="ctr"/>
+              <a:endParaRPr lang="en-US"/>
+            </a:p>
+          </p:txBody>
+        </p:sp>
+        <p:sp>
+          <p:nvSpPr>
+            <p:cNvPr id="31" name="Rectangle 30"/>
+            <p:cNvSpPr/>
+            <p:nvPr/>
+          </p:nvSpPr>
+          <p:spPr>
+            <a:xfrm>
+              <a:off x="240583" y="6084924"/>
+              <a:ext cx="415636" cy="210624"/>
+            </a:xfrm>
+            <a:prstGeom prst="rect">
+              <a:avLst/>
+            </a:prstGeom>
+            <a:solidFill>
+              <a:schemeClr val="bg2">
+                <a:lumMod val="90000"/>
+              </a:schemeClr>
+            </a:solidFill>
+            <a:ln>
+              <a:solidFill>
+                <a:schemeClr val="bg2">
+                  <a:lumMod val="10000"/>
+                </a:schemeClr>
+              </a:solidFill>
+            </a:ln>
+          </p:spPr>
+          <p:style>
+            <a:lnRef idx="2">
+              <a:schemeClr val="accent1">
+                <a:shade val="50000"/>
+              </a:schemeClr>
+            </a:lnRef>
+            <a:fillRef idx="1">
+              <a:schemeClr val="accent1"/>
+            </a:fillRef>
+            <a:effectRef idx="0">
+              <a:schemeClr val="accent1"/>
+            </a:effectRef>
+            <a:fontRef idx="minor">
+              <a:schemeClr val="lt1"/>
+            </a:fontRef>
+          </p:style>
+          <p:txBody>
+            <a:bodyPr rtlCol="0" anchor="ctr"/>
+            <a:lstStyle/>
+            <a:p>
+              <a:pPr algn="ctr"/>
+              <a:endParaRPr lang="en-US"/>
+            </a:p>
+          </p:txBody>
+        </p:sp>
+        <p:cxnSp>
+          <p:nvCxnSpPr>
+            <p:cNvPr id="32" name="Straight Arrow Connector 31"/>
+            <p:cNvCxnSpPr>
+              <a:endCxn id="33" idx="1"/>
+            </p:cNvCxnSpPr>
+            <p:nvPr/>
+          </p:nvCxnSpPr>
+          <p:spPr>
+            <a:xfrm>
+              <a:off x="5282986" y="1867116"/>
+              <a:ext cx="1575994" cy="0"/>
+            </a:xfrm>
+            <a:prstGeom prst="straightConnector1">
+              <a:avLst/>
+            </a:prstGeom>
+            <a:ln>
+              <a:tailEnd type="triangle"/>
+            </a:ln>
+          </p:spPr>
+          <p:style>
+            <a:lnRef idx="1">
+              <a:schemeClr val="accent2"/>
+            </a:lnRef>
+            <a:fillRef idx="0">
+              <a:schemeClr val="accent2"/>
+            </a:fillRef>
+            <a:effectRef idx="0">
+              <a:schemeClr val="accent2"/>
+            </a:effectRef>
+            <a:fontRef idx="minor">
+              <a:schemeClr val="tx1"/>
+            </a:fontRef>
+          </p:style>
+        </p:cxnSp>
+        <p:sp>
+          <p:nvSpPr>
+            <p:cNvPr id="33" name="Rectangle 32"/>
+            <p:cNvSpPr/>
+            <p:nvPr/>
+          </p:nvSpPr>
+          <p:spPr>
+            <a:xfrm>
+              <a:off x="6858980" y="1143000"/>
+              <a:ext cx="5197938" cy="1132351"/>
+            </a:xfrm>
+            <a:prstGeom prst="rect">
+              <a:avLst/>
+            </a:prstGeom>
+            <a:solidFill>
+              <a:schemeClr val="bg2">
+                <a:lumMod val="90000"/>
+              </a:schemeClr>
+            </a:solidFill>
+            <a:ln>
+              <a:solidFill>
+                <a:schemeClr val="tx1"/>
+              </a:solidFill>
+            </a:ln>
+          </p:spPr>
+          <p:style>
+            <a:lnRef idx="2">
+              <a:schemeClr val="accent1">
+                <a:shade val="50000"/>
+              </a:schemeClr>
+            </a:lnRef>
+            <a:fillRef idx="1">
+              <a:schemeClr val="accent1"/>
+            </a:fillRef>
+            <a:effectRef idx="0">
+              <a:schemeClr val="accent1"/>
+            </a:effectRef>
+            <a:fontRef idx="minor">
+              <a:schemeClr val="lt1"/>
+            </a:fontRef>
+          </p:style>
+          <p:txBody>
+            <a:bodyPr rtlCol="0" anchor="ctr"/>
+            <a:lstStyle/>
+            <a:p>
+              <a:r>
+                <a:rPr lang="en-US" sz="1200" dirty="0" smtClean="0">
+                  <a:solidFill>
+                    <a:schemeClr val="tx1"/>
+                  </a:solidFill>
+                </a:rPr>
+                <a:t>common/information.hpp</a:t>
+              </a:r>
+            </a:p>
+            <a:p>
+              <a:r>
+                <a:rPr lang="en-US" b="1" dirty="0" err="1" smtClean="0">
+                  <a:solidFill>
+                    <a:schemeClr val="tx1"/>
+                  </a:solidFill>
+                </a:rPr>
+                <a:t>fims</a:t>
+              </a:r>
+              <a:r>
+                <a:rPr lang="en-US" b="1" dirty="0" smtClean="0">
+                  <a:solidFill>
+                    <a:schemeClr val="tx1"/>
+                  </a:solidFill>
+                </a:rPr>
+                <a:t>::Information</a:t>
+              </a:r>
+              <a:endParaRPr lang="en-US" sz="1600" b="1" dirty="0">
+                <a:solidFill>
+                  <a:schemeClr val="tx1"/>
+                </a:solidFill>
+              </a:endParaRPr>
+            </a:p>
+            <a:p>
+              <a:r>
+                <a:rPr lang="en-US" sz="1600" dirty="0" err="1">
+                  <a:solidFill>
+                    <a:schemeClr val="tx1"/>
+                  </a:solidFill>
+                </a:rPr>
+                <a:t>maturity_models</a:t>
+              </a:r>
+              <a:r>
+                <a:rPr lang="en-US" sz="1600" dirty="0">
+                  <a:solidFill>
+                    <a:schemeClr val="tx1"/>
+                  </a:solidFill>
+                </a:rPr>
+                <a:t>(id, shared pointer to </a:t>
+              </a:r>
+              <a:r>
+                <a:rPr lang="en-US" sz="1600" dirty="0" err="1">
+                  <a:solidFill>
+                    <a:schemeClr val="tx1"/>
+                  </a:solidFill>
+                </a:rPr>
+                <a:t>MaturityBase</a:t>
+              </a:r>
+              <a:r>
+                <a:rPr lang="en-US" sz="1600" dirty="0">
+                  <a:solidFill>
+                    <a:schemeClr val="tx1"/>
+                  </a:solidFill>
+                </a:rPr>
+                <a:t>)   </a:t>
+              </a:r>
+            </a:p>
+            <a:p>
+              <a:r>
+                <a:rPr lang="en-US" sz="1600" dirty="0">
+                  <a:solidFill>
+                    <a:schemeClr val="tx1"/>
+                  </a:solidFill>
+                </a:rPr>
+                <a:t>populations(id, shared pointer to  Population)  </a:t>
+              </a:r>
+            </a:p>
+          </p:txBody>
+        </p:sp>
+        <p:sp>
+          <p:nvSpPr>
+            <p:cNvPr id="34" name="Rectangle 33"/>
+            <p:cNvSpPr/>
+            <p:nvPr/>
+          </p:nvSpPr>
+          <p:spPr>
+            <a:xfrm>
+              <a:off x="5082346" y="1548130"/>
+              <a:ext cx="1943103" cy="646331"/>
+            </a:xfrm>
+            <a:prstGeom prst="rect">
+              <a:avLst/>
+            </a:prstGeom>
+          </p:spPr>
+          <p:txBody>
+            <a:bodyPr wrap="square">
+              <a:spAutoFit/>
+            </a:bodyPr>
+            <a:lstStyle/>
+            <a:p>
+              <a:pPr algn="ctr"/>
+              <a:r>
+                <a:rPr lang="en-US" dirty="0" smtClean="0">
+                  <a:solidFill>
+                    <a:schemeClr val="accent2">
+                      <a:lumMod val="75000"/>
+                    </a:schemeClr>
+                  </a:solidFill>
+                </a:rPr>
+                <a:t>shared pointer: </a:t>
+              </a:r>
+            </a:p>
+            <a:p>
+              <a:pPr algn="ctr"/>
+              <a:r>
+                <a:rPr lang="en-US" dirty="0" smtClean="0">
+                  <a:solidFill>
+                    <a:schemeClr val="accent2">
+                      <a:lumMod val="75000"/>
+                    </a:schemeClr>
+                  </a:solidFill>
+                </a:rPr>
+                <a:t>d0</a:t>
+              </a:r>
+            </a:p>
+          </p:txBody>
+        </p:sp>
+        <p:cxnSp>
+          <p:nvCxnSpPr>
+            <p:cNvPr id="36" name="Elbow Connector 35"/>
+            <p:cNvCxnSpPr>
+              <a:endCxn id="33" idx="2"/>
+            </p:cNvCxnSpPr>
+            <p:nvPr/>
+          </p:nvCxnSpPr>
+          <p:spPr>
+            <a:xfrm flipV="1">
+              <a:off x="5248817" y="2275351"/>
+              <a:ext cx="4209132" cy="1153649"/>
+            </a:xfrm>
+            <a:prstGeom prst="bentConnector2">
+              <a:avLst/>
+            </a:prstGeom>
+            <a:ln>
+              <a:solidFill>
+                <a:schemeClr val="accent2">
+                  <a:lumMod val="50000"/>
+                </a:schemeClr>
+              </a:solidFill>
+              <a:tailEnd type="triangle"/>
+            </a:ln>
+          </p:spPr>
+          <p:style>
+            <a:lnRef idx="1">
+              <a:schemeClr val="dk1"/>
+            </a:lnRef>
+            <a:fillRef idx="0">
+              <a:schemeClr val="dk1"/>
+            </a:fillRef>
+            <a:effectRef idx="0">
+              <a:schemeClr val="dk1"/>
+            </a:effectRef>
+            <a:fontRef idx="minor">
+              <a:schemeClr val="tx1"/>
+            </a:fontRef>
+          </p:style>
+        </p:cxnSp>
+        <p:sp>
+          <p:nvSpPr>
+            <p:cNvPr id="38" name="TextBox 37"/>
+            <p:cNvSpPr txBox="1"/>
+            <p:nvPr/>
+          </p:nvSpPr>
+          <p:spPr>
+            <a:xfrm>
+              <a:off x="5456337" y="3070160"/>
+              <a:ext cx="3813464" cy="369332"/>
+            </a:xfrm>
+            <a:prstGeom prst="rect">
+              <a:avLst/>
+            </a:prstGeom>
+            <a:noFill/>
+          </p:spPr>
+          <p:txBody>
+            <a:bodyPr wrap="square" rtlCol="0">
+              <a:spAutoFit/>
+            </a:bodyPr>
+            <a:lstStyle/>
+            <a:p>
+              <a:r>
+                <a:rPr lang="en-US" dirty="0">
+                  <a:solidFill>
+                    <a:schemeClr val="accent2">
+                      <a:lumMod val="50000"/>
+                    </a:schemeClr>
+                  </a:solidFill>
+                </a:rPr>
+                <a:t>d0-&gt;</a:t>
+              </a:r>
+              <a:r>
+                <a:rPr lang="en-US" dirty="0" err="1">
+                  <a:solidFill>
+                    <a:schemeClr val="accent2">
+                      <a:lumMod val="50000"/>
+                    </a:schemeClr>
+                  </a:solidFill>
+                </a:rPr>
+                <a:t>maturity_models</a:t>
+              </a:r>
+              <a:r>
+                <a:rPr lang="en-US" dirty="0">
+                  <a:solidFill>
+                    <a:schemeClr val="accent2">
+                      <a:lumMod val="50000"/>
+                    </a:schemeClr>
+                  </a:solidFill>
+                </a:rPr>
+                <a:t>[lm0-&gt;id] = lm0;</a:t>
+              </a:r>
+            </a:p>
+          </p:txBody>
+        </p:sp>
+        <p:cxnSp>
+          <p:nvCxnSpPr>
+            <p:cNvPr id="40" name="Straight Arrow Connector 39"/>
+            <p:cNvCxnSpPr/>
+            <p:nvPr/>
+          </p:nvCxnSpPr>
+          <p:spPr>
+            <a:xfrm flipV="1">
+              <a:off x="5282986" y="3439493"/>
+              <a:ext cx="4671897" cy="1163680"/>
+            </a:xfrm>
+            <a:prstGeom prst="straightConnector1">
+              <a:avLst/>
+            </a:prstGeom>
+            <a:ln>
+              <a:solidFill>
+                <a:schemeClr val="tx1"/>
+              </a:solidFill>
+              <a:headEnd type="triangle"/>
+              <a:tailEnd type="none"/>
+            </a:ln>
+          </p:spPr>
+          <p:style>
+            <a:lnRef idx="1">
+              <a:schemeClr val="accent1"/>
+            </a:lnRef>
+            <a:fillRef idx="0">
+              <a:schemeClr val="accent1"/>
+            </a:fillRef>
+            <a:effectRef idx="0">
+              <a:schemeClr val="accent1"/>
+            </a:effectRef>
+            <a:fontRef idx="minor">
+              <a:schemeClr val="tx1"/>
+            </a:fontRef>
+          </p:style>
+        </p:cxnSp>
+        <p:cxnSp>
+          <p:nvCxnSpPr>
+            <p:cNvPr id="13" name="Straight Connector 12"/>
+            <p:cNvCxnSpPr/>
+            <p:nvPr/>
+          </p:nvCxnSpPr>
+          <p:spPr>
+            <a:xfrm flipV="1">
+              <a:off x="9954883" y="2275351"/>
+              <a:ext cx="0" cy="1164142"/>
+            </a:xfrm>
+            <a:prstGeom prst="line">
+              <a:avLst/>
+            </a:prstGeom>
+            <a:ln>
+              <a:solidFill>
+                <a:schemeClr val="tx1"/>
+              </a:solidFill>
+            </a:ln>
+          </p:spPr>
+          <p:style>
+            <a:lnRef idx="1">
+              <a:schemeClr val="accent1"/>
+            </a:lnRef>
+            <a:fillRef idx="0">
+              <a:schemeClr val="accent1"/>
+            </a:fillRef>
+            <a:effectRef idx="0">
+              <a:schemeClr val="accent1"/>
+            </a:effectRef>
+            <a:fontRef idx="minor">
+              <a:schemeClr val="tx1"/>
+            </a:fontRef>
+          </p:style>
+        </p:cxnSp>
+        <p:sp>
+          <p:nvSpPr>
+            <p:cNvPr id="45" name="Rectangle 44"/>
+            <p:cNvSpPr/>
+            <p:nvPr/>
+          </p:nvSpPr>
+          <p:spPr>
+            <a:xfrm>
+              <a:off x="5769926" y="3903409"/>
+              <a:ext cx="3698015" cy="369332"/>
+            </a:xfrm>
+            <a:prstGeom prst="rect">
+              <a:avLst/>
+            </a:prstGeom>
+            <a:solidFill>
+              <a:schemeClr val="bg1"/>
+            </a:solidFill>
+          </p:spPr>
+          <p:txBody>
+            <a:bodyPr wrap="square">
+              <a:spAutoFit/>
+            </a:bodyPr>
+            <a:lstStyle/>
+            <a:p>
+              <a:pPr algn="ctr"/>
+              <a:r>
+                <a:rPr lang="en-US" dirty="0" err="1" smtClean="0"/>
+                <a:t>maturity_models</a:t>
+              </a:r>
+              <a:r>
+                <a:rPr lang="en-US" dirty="0" smtClean="0"/>
+                <a:t>(id, shared pointer)</a:t>
+              </a:r>
+            </a:p>
+          </p:txBody>
+        </p:sp>
+        <p:cxnSp>
+          <p:nvCxnSpPr>
+            <p:cNvPr id="3" name="Straight Arrow Connector 2"/>
+            <p:cNvCxnSpPr/>
+            <p:nvPr/>
+          </p:nvCxnSpPr>
+          <p:spPr>
+            <a:xfrm flipH="1">
+              <a:off x="9632373" y="2275351"/>
+              <a:ext cx="1496291" cy="3177143"/>
+            </a:xfrm>
+            <a:prstGeom prst="straightConnector1">
+              <a:avLst/>
+            </a:prstGeom>
+            <a:ln>
+              <a:solidFill>
+                <a:schemeClr val="tx1"/>
+              </a:solidFill>
+              <a:tailEnd type="triangle"/>
+            </a:ln>
+          </p:spPr>
+          <p:style>
+            <a:lnRef idx="1">
+              <a:schemeClr val="accent1"/>
+            </a:lnRef>
+            <a:fillRef idx="0">
+              <a:schemeClr val="accent1"/>
+            </a:fillRef>
+            <a:effectRef idx="0">
+              <a:schemeClr val="accent1"/>
+            </a:effectRef>
+            <a:fontRef idx="minor">
+              <a:schemeClr val="tx1"/>
+            </a:fontRef>
+          </p:style>
+        </p:cxnSp>
+        <p:sp>
+          <p:nvSpPr>
+            <p:cNvPr id="47" name="Rectangle 46"/>
+            <p:cNvSpPr/>
+            <p:nvPr/>
+          </p:nvSpPr>
+          <p:spPr>
+            <a:xfrm>
+              <a:off x="8105875" y="4551991"/>
+              <a:ext cx="3698015" cy="369332"/>
+            </a:xfrm>
+            <a:prstGeom prst="rect">
+              <a:avLst/>
+            </a:prstGeom>
+            <a:solidFill>
+              <a:schemeClr val="bg1"/>
+            </a:solidFill>
+          </p:spPr>
+          <p:txBody>
+            <a:bodyPr wrap="square">
+              <a:spAutoFit/>
+            </a:bodyPr>
+            <a:lstStyle/>
+            <a:p>
+              <a:pPr algn="ctr"/>
+              <a:r>
+                <a:rPr lang="en-US" dirty="0" smtClean="0"/>
+                <a:t>populations(id, shared pointer)</a:t>
+              </a:r>
+            </a:p>
+          </p:txBody>
+        </p:sp>
+      </p:grpSp>
+    </p:spTree>
+    <p:extLst>
+      <p:ext uri="{BB962C8B-B14F-4D97-AF65-F5344CB8AC3E}">
+        <p14:creationId xmlns:p14="http://schemas.microsoft.com/office/powerpoint/2010/main" val="1310769892"/>
+      </p:ext>
+    </p:extLst>
+  </p:cSld>
+  <p:clrMapOvr>
+    <a:masterClrMapping/>
+  </p:clrMapOvr>
+</p:sld>
+</file>
+
+<file path=ppt/slides/slide8.xml><?xml version="1.0" encoding="utf-8"?>
+<p:sld xmlns:a="http://schemas.openxmlformats.org/drawingml/2006/main" xmlns:r="http://schemas.openxmlformats.org/officeDocument/2006/relationships" xmlns:p="http://schemas.openxmlformats.org/presentationml/2006/main">
+  <p:cSld>
+    <p:spTree>
+      <p:nvGrpSpPr>
+        <p:cNvPr id="1" name=""/>
+        <p:cNvGrpSpPr/>
+        <p:nvPr/>
+      </p:nvGrpSpPr>
+      <p:grpSpPr>
+        <a:xfrm>
+          <a:off x="0" y="0"/>
+          <a:ext cx="0" cy="0"/>
+          <a:chOff x="0" y="0"/>
+          <a:chExt cx="0" cy="0"/>
+        </a:xfrm>
+      </p:grpSpPr>
+      <p:grpSp>
+        <p:nvGrpSpPr>
+          <p:cNvPr id="8" name="Group 7"/>
+          <p:cNvGrpSpPr/>
+          <p:nvPr/>
+        </p:nvGrpSpPr>
+        <p:grpSpPr>
+          <a:xfrm>
+            <a:off x="124968" y="146364"/>
+            <a:ext cx="11931950" cy="6385276"/>
+            <a:chOff x="124968" y="146364"/>
+            <a:chExt cx="11931950" cy="6385276"/>
+          </a:xfrm>
+        </p:grpSpPr>
+        <p:sp>
+          <p:nvSpPr>
+            <p:cNvPr id="4" name="Rectangle 3"/>
+            <p:cNvSpPr/>
+            <p:nvPr/>
+          </p:nvSpPr>
+          <p:spPr>
+            <a:xfrm>
+              <a:off x="245917" y="723900"/>
+              <a:ext cx="1619250" cy="1028700"/>
+            </a:xfrm>
+            <a:prstGeom prst="rect">
+              <a:avLst/>
+            </a:prstGeom>
+            <a:solidFill>
+              <a:schemeClr val="accent1">
+                <a:lumMod val="20000"/>
+                <a:lumOff val="80000"/>
+              </a:schemeClr>
+            </a:solidFill>
+            <a:ln>
+              <a:solidFill>
+                <a:schemeClr val="accent1">
+                  <a:lumMod val="50000"/>
+                </a:schemeClr>
+              </a:solidFill>
+            </a:ln>
+          </p:spPr>
+          <p:style>
+            <a:lnRef idx="2">
+              <a:schemeClr val="accent1">
+                <a:shade val="50000"/>
+              </a:schemeClr>
+            </a:lnRef>
+            <a:fillRef idx="1">
+              <a:schemeClr val="accent1"/>
+            </a:fillRef>
+            <a:effectRef idx="0">
+              <a:schemeClr val="accent1"/>
+            </a:effectRef>
+            <a:fontRef idx="minor">
+              <a:schemeClr val="lt1"/>
+            </a:fontRef>
+          </p:style>
+          <p:txBody>
+            <a:bodyPr rtlCol="0" anchor="ctr"/>
+            <a:lstStyle/>
+            <a:p>
+              <a:r>
+                <a:rPr lang="en-US" b="1" dirty="0" err="1" smtClean="0">
+                  <a:solidFill>
+                    <a:schemeClr val="accent1">
+                      <a:lumMod val="50000"/>
+                    </a:schemeClr>
+                  </a:solidFill>
+                </a:rPr>
+                <a:t>fims$maturity</a:t>
+              </a:r>
+              <a:endParaRPr lang="en-US" b="1" dirty="0" smtClean="0">
+                <a:solidFill>
+                  <a:schemeClr val="accent1">
+                    <a:lumMod val="50000"/>
+                  </a:schemeClr>
+                </a:solidFill>
+              </a:endParaRPr>
+            </a:p>
+            <a:p>
+              <a:pPr marL="285750" indent="-285750">
+                <a:buFont typeface="Arial" panose="020B0604020202020204" pitchFamily="34" charset="0"/>
+                <a:buChar char="•"/>
+              </a:pPr>
+              <a:r>
+                <a:rPr lang="en-US" dirty="0" smtClean="0">
+                  <a:solidFill>
+                    <a:schemeClr val="accent1">
+                      <a:lumMod val="50000"/>
+                    </a:schemeClr>
+                  </a:solidFill>
+                </a:rPr>
+                <a:t>median</a:t>
+              </a:r>
+            </a:p>
+            <a:p>
+              <a:pPr marL="285750" indent="-285750">
+                <a:buFont typeface="Arial" panose="020B0604020202020204" pitchFamily="34" charset="0"/>
+                <a:buChar char="•"/>
+              </a:pPr>
+              <a:r>
+                <a:rPr lang="en-US" dirty="0" smtClean="0">
+                  <a:solidFill>
+                    <a:schemeClr val="accent1">
+                      <a:lumMod val="50000"/>
+                    </a:schemeClr>
+                  </a:solidFill>
+                </a:rPr>
+                <a:t>slope</a:t>
+              </a:r>
+              <a:endParaRPr lang="en-US" dirty="0">
+                <a:solidFill>
+                  <a:schemeClr val="accent1">
+                    <a:lumMod val="50000"/>
+                  </a:schemeClr>
+                </a:solidFill>
+              </a:endParaRPr>
+            </a:p>
+          </p:txBody>
+        </p:sp>
+        <p:sp>
+          <p:nvSpPr>
+            <p:cNvPr id="6" name="Rectangle 5"/>
+            <p:cNvSpPr/>
+            <p:nvPr/>
+          </p:nvSpPr>
+          <p:spPr>
+            <a:xfrm>
+              <a:off x="2661551" y="723900"/>
+              <a:ext cx="2606637" cy="1028700"/>
+            </a:xfrm>
+            <a:prstGeom prst="rect">
+              <a:avLst/>
+            </a:prstGeom>
+            <a:solidFill>
+              <a:schemeClr val="accent1">
+                <a:lumMod val="20000"/>
+                <a:lumOff val="80000"/>
+              </a:schemeClr>
+            </a:solidFill>
+            <a:ln>
+              <a:solidFill>
+                <a:schemeClr val="accent1">
+                  <a:lumMod val="50000"/>
+                </a:schemeClr>
+              </a:solidFill>
+            </a:ln>
+          </p:spPr>
+          <p:style>
+            <a:lnRef idx="2">
+              <a:schemeClr val="accent1">
+                <a:shade val="50000"/>
+              </a:schemeClr>
+            </a:lnRef>
+            <a:fillRef idx="1">
+              <a:schemeClr val="accent1"/>
+            </a:fillRef>
+            <a:effectRef idx="0">
+              <a:schemeClr val="accent1"/>
+            </a:effectRef>
+            <a:fontRef idx="minor">
+              <a:schemeClr val="lt1"/>
+            </a:fontRef>
+          </p:style>
+          <p:txBody>
+            <a:bodyPr rtlCol="0" anchor="ctr"/>
+            <a:lstStyle/>
+            <a:p>
+              <a:r>
+                <a:rPr lang="en-US" b="1" dirty="0" err="1" smtClean="0">
+                  <a:solidFill>
+                    <a:schemeClr val="accent1">
+                      <a:lumMod val="50000"/>
+                    </a:schemeClr>
+                  </a:solidFill>
+                </a:rPr>
+                <a:t>fims$LogisticMaturity</a:t>
+              </a:r>
+              <a:endParaRPr lang="en-US" b="1" dirty="0" smtClean="0">
+                <a:solidFill>
+                  <a:schemeClr val="accent1">
+                    <a:lumMod val="50000"/>
+                  </a:schemeClr>
+                </a:solidFill>
+              </a:endParaRPr>
+            </a:p>
+            <a:p>
+              <a:pPr marL="285750" indent="-285750">
+                <a:buFont typeface="Arial" panose="020B0604020202020204" pitchFamily="34" charset="0"/>
+                <a:buChar char="•"/>
+              </a:pPr>
+              <a:r>
+                <a:rPr lang="en-US" dirty="0" smtClean="0">
+                  <a:solidFill>
+                    <a:schemeClr val="accent1">
+                      <a:lumMod val="50000"/>
+                    </a:schemeClr>
+                  </a:solidFill>
+                </a:rPr>
+                <a:t>median</a:t>
+              </a:r>
+            </a:p>
+            <a:p>
+              <a:pPr marL="285750" indent="-285750">
+                <a:buFont typeface="Arial" panose="020B0604020202020204" pitchFamily="34" charset="0"/>
+                <a:buChar char="•"/>
+              </a:pPr>
+              <a:r>
+                <a:rPr lang="en-US" dirty="0" smtClean="0">
+                  <a:solidFill>
+                    <a:schemeClr val="accent1">
+                      <a:lumMod val="50000"/>
+                    </a:schemeClr>
+                  </a:solidFill>
+                </a:rPr>
+                <a:t>slope</a:t>
+              </a:r>
+            </a:p>
+          </p:txBody>
+        </p:sp>
+        <p:sp>
+          <p:nvSpPr>
+            <p:cNvPr id="10" name="Rectangle 9"/>
+            <p:cNvSpPr/>
+            <p:nvPr/>
+          </p:nvSpPr>
+          <p:spPr>
+            <a:xfrm>
+              <a:off x="2656160" y="1752599"/>
+              <a:ext cx="2612029" cy="1853045"/>
+            </a:xfrm>
+            <a:prstGeom prst="rect">
+              <a:avLst/>
+            </a:prstGeom>
+            <a:solidFill>
+              <a:schemeClr val="accent2">
+                <a:lumMod val="20000"/>
+                <a:lumOff val="80000"/>
+              </a:schemeClr>
+            </a:solidFill>
+            <a:ln>
+              <a:solidFill>
+                <a:schemeClr val="accent2">
+                  <a:lumMod val="50000"/>
+                </a:schemeClr>
+              </a:solidFill>
+            </a:ln>
+          </p:spPr>
+          <p:style>
+            <a:lnRef idx="2">
+              <a:schemeClr val="accent1">
+                <a:shade val="50000"/>
+              </a:schemeClr>
+            </a:lnRef>
+            <a:fillRef idx="1">
+              <a:schemeClr val="accent1"/>
+            </a:fillRef>
+            <a:effectRef idx="0">
+              <a:schemeClr val="accent1"/>
+            </a:effectRef>
+            <a:fontRef idx="minor">
+              <a:schemeClr val="lt1"/>
+            </a:fontRef>
+          </p:style>
+          <p:txBody>
+            <a:bodyPr rtlCol="0" anchor="ctr"/>
+            <a:lstStyle/>
+            <a:p>
+              <a:r>
+                <a:rPr lang="en-US" sz="1200" dirty="0" smtClean="0">
+                  <a:solidFill>
+                    <a:schemeClr val="accent2">
+                      <a:lumMod val="75000"/>
+                    </a:schemeClr>
+                  </a:solidFill>
+                </a:rPr>
+                <a:t>rcpp_maturity.hpp</a:t>
+              </a:r>
+              <a:endParaRPr lang="en-US" sz="1200" dirty="0" smtClean="0">
+                <a:solidFill>
+                  <a:schemeClr val="tx1"/>
+                </a:solidFill>
+              </a:endParaRPr>
+            </a:p>
+            <a:p>
+              <a:r>
+                <a:rPr lang="en-US" b="1" dirty="0" err="1" smtClean="0">
+                  <a:solidFill>
+                    <a:schemeClr val="accent2">
+                      <a:lumMod val="75000"/>
+                    </a:schemeClr>
+                  </a:solidFill>
+                </a:rPr>
+                <a:t>LogisticMaturityInterface</a:t>
+              </a:r>
+              <a:endParaRPr lang="en-US" b="1" dirty="0" smtClean="0">
+                <a:solidFill>
+                  <a:schemeClr val="accent2">
+                    <a:lumMod val="75000"/>
+                  </a:schemeClr>
+                </a:solidFill>
+              </a:endParaRPr>
+            </a:p>
+            <a:p>
+              <a:pPr marL="285750" indent="-285750">
+                <a:buFont typeface="Arial" panose="020B0604020202020204" pitchFamily="34" charset="0"/>
+                <a:buChar char="•"/>
+              </a:pPr>
+              <a:r>
+                <a:rPr lang="en-US" dirty="0" smtClean="0">
+                  <a:solidFill>
+                    <a:schemeClr val="accent2">
+                      <a:lumMod val="75000"/>
+                    </a:schemeClr>
+                  </a:solidFill>
+                </a:rPr>
+                <a:t>median</a:t>
+              </a:r>
+            </a:p>
+            <a:p>
+              <a:pPr marL="285750" indent="-285750">
+                <a:buFont typeface="Arial" panose="020B0604020202020204" pitchFamily="34" charset="0"/>
+                <a:buChar char="•"/>
+              </a:pPr>
+              <a:r>
+                <a:rPr lang="en-US" dirty="0" smtClean="0">
+                  <a:solidFill>
+                    <a:schemeClr val="accent2">
+                      <a:lumMod val="75000"/>
+                    </a:schemeClr>
+                  </a:solidFill>
+                </a:rPr>
+                <a:t>slope</a:t>
+              </a:r>
+            </a:p>
+            <a:p>
+              <a:pPr marL="285750" indent="-285750">
+                <a:buFont typeface="Arial" panose="020B0604020202020204" pitchFamily="34" charset="0"/>
+                <a:buChar char="•"/>
+              </a:pPr>
+              <a:r>
+                <a:rPr lang="en-US" dirty="0" err="1">
+                  <a:solidFill>
+                    <a:schemeClr val="accent2">
+                      <a:lumMod val="75000"/>
+                    </a:schemeClr>
+                  </a:solidFill>
+                </a:rPr>
+                <a:t>a</a:t>
+              </a:r>
+              <a:r>
+                <a:rPr lang="en-US" dirty="0" err="1" smtClean="0">
+                  <a:solidFill>
+                    <a:schemeClr val="accent2">
+                      <a:lumMod val="75000"/>
+                    </a:schemeClr>
+                  </a:solidFill>
+                </a:rPr>
+                <a:t>dd_to_fims_tmb</a:t>
+              </a:r>
+              <a:r>
+                <a:rPr lang="en-US" dirty="0" smtClean="0">
+                  <a:solidFill>
+                    <a:schemeClr val="accent2">
+                      <a:lumMod val="75000"/>
+                    </a:schemeClr>
+                  </a:solidFill>
+                </a:rPr>
+                <a:t>(</a:t>
+              </a:r>
+            </a:p>
+            <a:p>
+              <a:r>
+                <a:rPr lang="en-US" dirty="0">
+                  <a:solidFill>
+                    <a:schemeClr val="accent2">
+                      <a:lumMod val="75000"/>
+                    </a:schemeClr>
+                  </a:solidFill>
+                </a:rPr>
+                <a:t> </a:t>
+              </a:r>
+              <a:r>
+                <a:rPr lang="en-US" dirty="0" smtClean="0">
+                  <a:solidFill>
+                    <a:schemeClr val="accent2">
+                      <a:lumMod val="75000"/>
+                    </a:schemeClr>
+                  </a:solidFill>
+                </a:rPr>
+                <a:t>       shared pointer: lm0</a:t>
+              </a:r>
+            </a:p>
+            <a:p>
+              <a:r>
+                <a:rPr lang="en-US" dirty="0">
+                  <a:solidFill>
+                    <a:schemeClr val="accent2">
+                      <a:lumMod val="75000"/>
+                    </a:schemeClr>
+                  </a:solidFill>
+                </a:rPr>
+                <a:t> </a:t>
+              </a:r>
+              <a:r>
+                <a:rPr lang="en-US" dirty="0" smtClean="0">
+                  <a:solidFill>
+                    <a:schemeClr val="accent2">
+                      <a:lumMod val="75000"/>
+                    </a:schemeClr>
+                  </a:solidFill>
+                </a:rPr>
+                <a:t>       shared pointer: d0</a:t>
+              </a:r>
+            </a:p>
+          </p:txBody>
+        </p:sp>
+        <p:cxnSp>
+          <p:nvCxnSpPr>
+            <p:cNvPr id="12" name="Straight Arrow Connector 11"/>
+            <p:cNvCxnSpPr>
+              <a:stCxn id="4" idx="3"/>
+              <a:endCxn id="6" idx="1"/>
+            </p:cNvCxnSpPr>
+            <p:nvPr/>
+          </p:nvCxnSpPr>
+          <p:spPr>
+            <a:xfrm>
+              <a:off x="1865167" y="1238250"/>
+              <a:ext cx="796385" cy="0"/>
+            </a:xfrm>
+            <a:prstGeom prst="straightConnector1">
+              <a:avLst/>
+            </a:prstGeom>
+            <a:ln>
+              <a:tailEnd type="triangle"/>
+            </a:ln>
+          </p:spPr>
+          <p:style>
+            <a:lnRef idx="1">
+              <a:schemeClr val="accent1"/>
+            </a:lnRef>
+            <a:fillRef idx="0">
+              <a:schemeClr val="accent1"/>
+            </a:fillRef>
+            <a:effectRef idx="0">
+              <a:schemeClr val="accent1"/>
+            </a:effectRef>
+            <a:fontRef idx="minor">
+              <a:schemeClr val="tx1"/>
+            </a:fontRef>
+          </p:style>
+        </p:cxnSp>
+        <p:sp>
+          <p:nvSpPr>
+            <p:cNvPr id="15" name="TextBox 14"/>
+            <p:cNvSpPr txBox="1"/>
+            <p:nvPr/>
+          </p:nvSpPr>
+          <p:spPr>
+            <a:xfrm>
+              <a:off x="1865167" y="876300"/>
+              <a:ext cx="781050" cy="369332"/>
+            </a:xfrm>
+            <a:prstGeom prst="rect">
+              <a:avLst/>
+            </a:prstGeom>
+            <a:noFill/>
+          </p:spPr>
+          <p:txBody>
+            <a:bodyPr wrap="square" rtlCol="0">
+              <a:spAutoFit/>
+            </a:bodyPr>
+            <a:lstStyle/>
+            <a:p>
+              <a:r>
+                <a:rPr lang="en-US" dirty="0" smtClean="0">
+                  <a:solidFill>
+                    <a:schemeClr val="accent1">
+                      <a:lumMod val="50000"/>
+                    </a:schemeClr>
+                  </a:solidFill>
+                </a:rPr>
+                <a:t>new()</a:t>
+              </a:r>
+              <a:endParaRPr lang="en-US" dirty="0">
+                <a:solidFill>
+                  <a:schemeClr val="accent1">
+                    <a:lumMod val="50000"/>
+                  </a:schemeClr>
+                </a:solidFill>
+              </a:endParaRPr>
+            </a:p>
+          </p:txBody>
+        </p:sp>
+        <p:cxnSp>
+          <p:nvCxnSpPr>
+            <p:cNvPr id="17" name="Elbow Connector 16"/>
+            <p:cNvCxnSpPr/>
+            <p:nvPr/>
+          </p:nvCxnSpPr>
+          <p:spPr>
+            <a:xfrm>
+              <a:off x="2676349" y="1387415"/>
+              <a:ext cx="12700" cy="788958"/>
+            </a:xfrm>
+            <a:prstGeom prst="bentConnector4">
+              <a:avLst>
+                <a:gd name="adj1" fmla="val -2826591"/>
+                <a:gd name="adj2" fmla="val 99829"/>
+              </a:avLst>
+            </a:prstGeom>
+            <a:ln>
+              <a:solidFill>
+                <a:schemeClr val="accent2">
+                  <a:lumMod val="75000"/>
+                </a:schemeClr>
+              </a:solidFill>
+              <a:tailEnd type="triangle"/>
+            </a:ln>
+          </p:spPr>
+          <p:style>
+            <a:lnRef idx="1">
+              <a:schemeClr val="accent2"/>
+            </a:lnRef>
+            <a:fillRef idx="0">
+              <a:schemeClr val="accent2"/>
+            </a:fillRef>
+            <a:effectRef idx="0">
+              <a:schemeClr val="accent2"/>
+            </a:effectRef>
+            <a:fontRef idx="minor">
+              <a:schemeClr val="tx1"/>
+            </a:fontRef>
+          </p:style>
+        </p:cxnSp>
+        <p:sp>
+          <p:nvSpPr>
+            <p:cNvPr id="21" name="TextBox 20"/>
+            <p:cNvSpPr txBox="1"/>
+            <p:nvPr/>
+          </p:nvSpPr>
+          <p:spPr>
+            <a:xfrm>
+              <a:off x="367500" y="1833749"/>
+              <a:ext cx="2191110" cy="369332"/>
+            </a:xfrm>
+            <a:prstGeom prst="rect">
+              <a:avLst/>
+            </a:prstGeom>
+            <a:noFill/>
+          </p:spPr>
+          <p:txBody>
+            <a:bodyPr wrap="square" rtlCol="0">
+              <a:spAutoFit/>
+            </a:bodyPr>
+            <a:lstStyle/>
+            <a:p>
+              <a:r>
+                <a:rPr lang="en-US" dirty="0" smtClean="0">
+                  <a:solidFill>
+                    <a:schemeClr val="accent2">
+                      <a:lumMod val="75000"/>
+                    </a:schemeClr>
+                  </a:solidFill>
+                </a:rPr>
+                <a:t>rcpp_interface.hpp</a:t>
+              </a:r>
+              <a:endParaRPr lang="en-US" dirty="0">
+                <a:solidFill>
+                  <a:schemeClr val="accent2">
+                    <a:lumMod val="75000"/>
+                  </a:schemeClr>
+                </a:solidFill>
+              </a:endParaRPr>
+            </a:p>
+          </p:txBody>
+        </p:sp>
+        <p:sp>
+          <p:nvSpPr>
+            <p:cNvPr id="22" name="Rectangle 21"/>
+            <p:cNvSpPr/>
+            <p:nvPr/>
+          </p:nvSpPr>
+          <p:spPr>
+            <a:xfrm>
+              <a:off x="2658916" y="3616140"/>
+              <a:ext cx="2609271" cy="1331703"/>
+            </a:xfrm>
+            <a:prstGeom prst="rect">
+              <a:avLst/>
+            </a:prstGeom>
+            <a:solidFill>
+              <a:schemeClr val="accent6">
+                <a:lumMod val="20000"/>
+                <a:lumOff val="80000"/>
+              </a:schemeClr>
+            </a:solidFill>
+            <a:ln>
+              <a:solidFill>
+                <a:schemeClr val="accent6">
+                  <a:lumMod val="50000"/>
+                </a:schemeClr>
+              </a:solidFill>
+            </a:ln>
+          </p:spPr>
+          <p:style>
+            <a:lnRef idx="2">
+              <a:schemeClr val="accent1">
+                <a:shade val="50000"/>
+              </a:schemeClr>
+            </a:lnRef>
+            <a:fillRef idx="1">
+              <a:schemeClr val="accent1"/>
+            </a:fillRef>
+            <a:effectRef idx="0">
+              <a:schemeClr val="accent1"/>
+            </a:effectRef>
+            <a:fontRef idx="minor">
+              <a:schemeClr val="lt1"/>
+            </a:fontRef>
+          </p:style>
+          <p:txBody>
+            <a:bodyPr rtlCol="0" anchor="ctr"/>
+            <a:lstStyle/>
+            <a:p>
+              <a:r>
+                <a:rPr lang="en-US" sz="1200" dirty="0" smtClean="0">
+                  <a:solidFill>
+                    <a:schemeClr val="accent6">
+                      <a:lumMod val="50000"/>
+                    </a:schemeClr>
+                  </a:solidFill>
+                </a:rPr>
+                <a:t>maturity/</a:t>
+              </a:r>
+              <a:r>
+                <a:rPr lang="en-US" sz="1200" dirty="0" err="1" smtClean="0">
+                  <a:solidFill>
+                    <a:schemeClr val="accent6">
+                      <a:lumMod val="50000"/>
+                    </a:schemeClr>
+                  </a:solidFill>
+                </a:rPr>
+                <a:t>functors</a:t>
+              </a:r>
+              <a:r>
+                <a:rPr lang="en-US" sz="1200" dirty="0" smtClean="0">
+                  <a:solidFill>
+                    <a:schemeClr val="accent6">
+                      <a:lumMod val="50000"/>
+                    </a:schemeClr>
+                  </a:solidFill>
+                </a:rPr>
+                <a:t>/logistic.hpp</a:t>
+              </a:r>
+            </a:p>
+            <a:p>
+              <a:r>
+                <a:rPr lang="en-US" b="1" dirty="0" err="1" smtClean="0">
+                  <a:solidFill>
+                    <a:schemeClr val="accent6">
+                      <a:lumMod val="50000"/>
+                    </a:schemeClr>
+                  </a:solidFill>
+                </a:rPr>
+                <a:t>fims</a:t>
+              </a:r>
+              <a:r>
+                <a:rPr lang="en-US" b="1" dirty="0" smtClean="0">
+                  <a:solidFill>
+                    <a:schemeClr val="accent6">
+                      <a:lumMod val="50000"/>
+                    </a:schemeClr>
+                  </a:solidFill>
+                </a:rPr>
+                <a:t>::</a:t>
+              </a:r>
+              <a:r>
+                <a:rPr lang="en-US" b="1" dirty="0" err="1" smtClean="0">
+                  <a:solidFill>
+                    <a:schemeClr val="accent6">
+                      <a:lumMod val="50000"/>
+                    </a:schemeClr>
+                  </a:solidFill>
+                </a:rPr>
+                <a:t>LogisticMaturity</a:t>
+              </a:r>
+              <a:endParaRPr lang="en-US" b="1" dirty="0" smtClean="0">
+                <a:solidFill>
+                  <a:schemeClr val="accent6">
+                    <a:lumMod val="50000"/>
+                  </a:schemeClr>
+                </a:solidFill>
+              </a:endParaRPr>
+            </a:p>
+            <a:p>
+              <a:pPr marL="285750" indent="-285750">
+                <a:buFont typeface="Arial" panose="020B0604020202020204" pitchFamily="34" charset="0"/>
+                <a:buChar char="•"/>
+              </a:pPr>
+              <a:r>
+                <a:rPr lang="en-US" dirty="0" smtClean="0">
+                  <a:solidFill>
+                    <a:schemeClr val="accent6">
+                      <a:lumMod val="50000"/>
+                    </a:schemeClr>
+                  </a:solidFill>
+                </a:rPr>
+                <a:t>median</a:t>
+              </a:r>
+            </a:p>
+            <a:p>
+              <a:pPr marL="285750" indent="-285750">
+                <a:buFont typeface="Arial" panose="020B0604020202020204" pitchFamily="34" charset="0"/>
+                <a:buChar char="•"/>
+              </a:pPr>
+              <a:r>
+                <a:rPr lang="en-US" dirty="0" smtClean="0">
+                  <a:solidFill>
+                    <a:schemeClr val="accent6">
+                      <a:lumMod val="50000"/>
+                    </a:schemeClr>
+                  </a:solidFill>
+                </a:rPr>
+                <a:t>slope</a:t>
+              </a:r>
+            </a:p>
+            <a:p>
+              <a:pPr marL="285750" indent="-285750">
+                <a:buFont typeface="Arial" panose="020B0604020202020204" pitchFamily="34" charset="0"/>
+                <a:buChar char="•"/>
+              </a:pPr>
+              <a:r>
+                <a:rPr lang="en-US" dirty="0" smtClean="0">
+                  <a:solidFill>
+                    <a:schemeClr val="accent6">
+                      <a:lumMod val="50000"/>
+                    </a:schemeClr>
+                  </a:solidFill>
+                </a:rPr>
+                <a:t>evaluate(x)</a:t>
+              </a:r>
+            </a:p>
+          </p:txBody>
+        </p:sp>
+        <p:sp>
+          <p:nvSpPr>
+            <p:cNvPr id="24" name="TextBox 23"/>
+            <p:cNvSpPr txBox="1"/>
+            <p:nvPr/>
+          </p:nvSpPr>
+          <p:spPr>
+            <a:xfrm>
+              <a:off x="315545" y="3583279"/>
+              <a:ext cx="2133600" cy="369332"/>
+            </a:xfrm>
+            <a:prstGeom prst="rect">
+              <a:avLst/>
+            </a:prstGeom>
+            <a:noFill/>
+          </p:spPr>
+          <p:txBody>
+            <a:bodyPr wrap="square" rtlCol="0">
+              <a:spAutoFit/>
+            </a:bodyPr>
+            <a:lstStyle/>
+            <a:p>
+              <a:r>
+                <a:rPr lang="en-US" dirty="0" smtClean="0">
+                  <a:solidFill>
+                    <a:schemeClr val="accent2">
+                      <a:lumMod val="75000"/>
+                    </a:schemeClr>
+                  </a:solidFill>
+                </a:rPr>
+                <a:t>shared pointer: lm0</a:t>
+              </a:r>
+            </a:p>
+          </p:txBody>
+        </p:sp>
+        <p:sp>
+          <p:nvSpPr>
+            <p:cNvPr id="37" name="Rectangle 36"/>
+            <p:cNvSpPr/>
+            <p:nvPr/>
+          </p:nvSpPr>
+          <p:spPr>
+            <a:xfrm>
+              <a:off x="2658917" y="5545941"/>
+              <a:ext cx="2609270" cy="871268"/>
+            </a:xfrm>
+            <a:prstGeom prst="rect">
+              <a:avLst/>
+            </a:prstGeom>
+            <a:solidFill>
+              <a:schemeClr val="accent6">
+                <a:lumMod val="20000"/>
+                <a:lumOff val="80000"/>
+              </a:schemeClr>
+            </a:solidFill>
+            <a:ln>
+              <a:solidFill>
+                <a:schemeClr val="accent6">
+                  <a:lumMod val="50000"/>
+                </a:schemeClr>
+              </a:solidFill>
+            </a:ln>
+          </p:spPr>
+          <p:style>
+            <a:lnRef idx="2">
+              <a:schemeClr val="accent1">
+                <a:shade val="50000"/>
+              </a:schemeClr>
+            </a:lnRef>
+            <a:fillRef idx="1">
+              <a:schemeClr val="accent1"/>
+            </a:fillRef>
+            <a:effectRef idx="0">
+              <a:schemeClr val="accent1"/>
+            </a:effectRef>
+            <a:fontRef idx="minor">
+              <a:schemeClr val="lt1"/>
+            </a:fontRef>
+          </p:style>
+          <p:txBody>
+            <a:bodyPr rtlCol="0" anchor="ctr"/>
+            <a:lstStyle/>
+            <a:p>
+              <a:r>
+                <a:rPr lang="en-US" sz="1200" dirty="0" smtClean="0">
+                  <a:solidFill>
+                    <a:schemeClr val="tx1"/>
+                  </a:solidFill>
+                </a:rPr>
+                <a:t>maturity/</a:t>
+              </a:r>
+              <a:r>
+                <a:rPr lang="en-US" sz="1200" dirty="0" err="1" smtClean="0">
+                  <a:solidFill>
+                    <a:schemeClr val="tx1"/>
+                  </a:solidFill>
+                </a:rPr>
+                <a:t>functors</a:t>
+              </a:r>
+              <a:r>
+                <a:rPr lang="en-US" sz="1200" dirty="0" smtClean="0">
+                  <a:solidFill>
+                    <a:schemeClr val="tx1"/>
+                  </a:solidFill>
+                </a:rPr>
+                <a:t>/maturity_base.hpp</a:t>
+              </a:r>
+            </a:p>
+            <a:p>
+              <a:r>
+                <a:rPr lang="en-US" b="1" dirty="0" err="1" smtClean="0">
+                  <a:solidFill>
+                    <a:schemeClr val="accent6">
+                      <a:lumMod val="50000"/>
+                    </a:schemeClr>
+                  </a:solidFill>
+                </a:rPr>
+                <a:t>fims</a:t>
+              </a:r>
+              <a:r>
+                <a:rPr lang="en-US" b="1" dirty="0" smtClean="0">
+                  <a:solidFill>
+                    <a:schemeClr val="accent6">
+                      <a:lumMod val="50000"/>
+                    </a:schemeClr>
+                  </a:solidFill>
+                </a:rPr>
+                <a:t>::</a:t>
+              </a:r>
+              <a:r>
+                <a:rPr lang="en-US" b="1" dirty="0" err="1" smtClean="0">
+                  <a:solidFill>
+                    <a:schemeClr val="accent6">
+                      <a:lumMod val="50000"/>
+                    </a:schemeClr>
+                  </a:solidFill>
+                </a:rPr>
+                <a:t>MaturityBase</a:t>
+              </a:r>
+              <a:endParaRPr lang="en-US" b="1" dirty="0" smtClean="0">
+                <a:solidFill>
+                  <a:schemeClr val="accent6">
+                    <a:lumMod val="50000"/>
+                  </a:schemeClr>
+                </a:solidFill>
+              </a:endParaRPr>
+            </a:p>
+            <a:p>
+              <a:pPr marL="285750" indent="-285750">
+                <a:buFont typeface="Arial" panose="020B0604020202020204" pitchFamily="34" charset="0"/>
+                <a:buChar char="•"/>
+              </a:pPr>
+              <a:r>
+                <a:rPr lang="en-US" dirty="0" smtClean="0">
+                  <a:solidFill>
+                    <a:schemeClr val="accent6">
+                      <a:lumMod val="50000"/>
+                    </a:schemeClr>
+                  </a:solidFill>
+                </a:rPr>
+                <a:t>evaluate(x)</a:t>
+              </a:r>
+            </a:p>
+          </p:txBody>
+        </p:sp>
+        <p:cxnSp>
+          <p:nvCxnSpPr>
+            <p:cNvPr id="39" name="Straight Arrow Connector 38"/>
+            <p:cNvCxnSpPr>
+              <a:stCxn id="22" idx="2"/>
+              <a:endCxn id="37" idx="0"/>
+            </p:cNvCxnSpPr>
+            <p:nvPr/>
+          </p:nvCxnSpPr>
+          <p:spPr>
+            <a:xfrm>
+              <a:off x="3916217" y="4947843"/>
+              <a:ext cx="0" cy="598098"/>
+            </a:xfrm>
+            <a:prstGeom prst="straightConnector1">
+              <a:avLst/>
+            </a:prstGeom>
+            <a:ln>
+              <a:solidFill>
+                <a:schemeClr val="accent6">
+                  <a:lumMod val="50000"/>
+                </a:schemeClr>
+              </a:solidFill>
+              <a:headEnd type="triangle"/>
+              <a:tailEnd type="none"/>
+            </a:ln>
+          </p:spPr>
+          <p:style>
+            <a:lnRef idx="1">
+              <a:schemeClr val="accent1"/>
+            </a:lnRef>
+            <a:fillRef idx="0">
+              <a:schemeClr val="accent1"/>
+            </a:fillRef>
+            <a:effectRef idx="0">
+              <a:schemeClr val="accent1"/>
+            </a:effectRef>
+            <a:fontRef idx="minor">
+              <a:schemeClr val="tx1"/>
+            </a:fontRef>
+          </p:style>
+        </p:cxnSp>
+        <p:sp>
+          <p:nvSpPr>
+            <p:cNvPr id="44" name="TextBox 43"/>
+            <p:cNvSpPr txBox="1"/>
+            <p:nvPr/>
+          </p:nvSpPr>
+          <p:spPr>
+            <a:xfrm>
+              <a:off x="3903517" y="5066539"/>
+              <a:ext cx="1532312" cy="369332"/>
+            </a:xfrm>
+            <a:prstGeom prst="rect">
+              <a:avLst/>
+            </a:prstGeom>
+            <a:noFill/>
+          </p:spPr>
+          <p:txBody>
+            <a:bodyPr wrap="square" rtlCol="0">
+              <a:spAutoFit/>
+            </a:bodyPr>
+            <a:lstStyle/>
+            <a:p>
+              <a:r>
+                <a:rPr lang="en-US" dirty="0" smtClean="0">
+                  <a:solidFill>
+                    <a:schemeClr val="accent6">
+                      <a:lumMod val="50000"/>
+                    </a:schemeClr>
+                  </a:solidFill>
+                </a:rPr>
+                <a:t>inheritance</a:t>
+              </a:r>
+              <a:endParaRPr lang="en-US" dirty="0">
+                <a:solidFill>
+                  <a:schemeClr val="accent6">
+                    <a:lumMod val="50000"/>
+                  </a:schemeClr>
+                </a:solidFill>
+              </a:endParaRPr>
+            </a:p>
+          </p:txBody>
+        </p:sp>
+        <p:cxnSp>
+          <p:nvCxnSpPr>
+            <p:cNvPr id="50" name="Straight Arrow Connector 49"/>
+            <p:cNvCxnSpPr/>
+            <p:nvPr/>
+          </p:nvCxnSpPr>
+          <p:spPr>
+            <a:xfrm>
+              <a:off x="5248817" y="4763177"/>
+              <a:ext cx="1610163" cy="1218398"/>
+            </a:xfrm>
+            <a:prstGeom prst="straightConnector1">
+              <a:avLst/>
+            </a:prstGeom>
+            <a:ln>
+              <a:solidFill>
+                <a:schemeClr val="accent6">
+                  <a:lumMod val="50000"/>
+                </a:schemeClr>
+              </a:solidFill>
+              <a:headEnd type="triangle"/>
+              <a:tailEnd type="none"/>
+            </a:ln>
+          </p:spPr>
+          <p:style>
+            <a:lnRef idx="1">
+              <a:schemeClr val="accent1"/>
+            </a:lnRef>
+            <a:fillRef idx="0">
+              <a:schemeClr val="accent1"/>
+            </a:fillRef>
+            <a:effectRef idx="0">
+              <a:schemeClr val="accent1"/>
+            </a:effectRef>
+            <a:fontRef idx="minor">
+              <a:schemeClr val="tx1"/>
+            </a:fontRef>
+          </p:style>
+        </p:cxnSp>
+        <p:sp>
+          <p:nvSpPr>
+            <p:cNvPr id="54" name="TextBox 53"/>
+            <p:cNvSpPr txBox="1"/>
+            <p:nvPr/>
+          </p:nvSpPr>
+          <p:spPr>
+            <a:xfrm>
+              <a:off x="5312722" y="5103879"/>
+              <a:ext cx="1610163" cy="646331"/>
+            </a:xfrm>
+            <a:prstGeom prst="rect">
+              <a:avLst/>
+            </a:prstGeom>
+            <a:solidFill>
+              <a:schemeClr val="bg1"/>
+            </a:solidFill>
           </p:spPr>
           <p:txBody>
             <a:bodyPr wrap="square" rtlCol="0">
@@ -9609,153 +15664,6 @@
         </p:sp>
         <p:cxnSp>
           <p:nvCxnSpPr>
-            <p:cNvPr id="72" name="Elbow Connector 71"/>
-            <p:cNvCxnSpPr>
-              <a:endCxn id="51" idx="2"/>
-            </p:cNvCxnSpPr>
-            <p:nvPr/>
-          </p:nvCxnSpPr>
-          <p:spPr>
-            <a:xfrm flipV="1">
-              <a:off x="5248817" y="2710982"/>
-              <a:ext cx="4209132" cy="718018"/>
-            </a:xfrm>
-            <a:prstGeom prst="bentConnector2">
-              <a:avLst/>
-            </a:prstGeom>
-            <a:ln>
-              <a:tailEnd type="triangle"/>
-            </a:ln>
-          </p:spPr>
-          <p:style>
-            <a:lnRef idx="1">
-              <a:schemeClr val="dk1"/>
-            </a:lnRef>
-            <a:fillRef idx="0">
-              <a:schemeClr val="dk1"/>
-            </a:fillRef>
-            <a:effectRef idx="0">
-              <a:schemeClr val="dk1"/>
-            </a:effectRef>
-            <a:fontRef idx="minor">
-              <a:schemeClr val="tx1"/>
-            </a:fontRef>
-          </p:style>
-        </p:cxnSp>
-        <p:sp>
-          <p:nvSpPr>
-            <p:cNvPr id="79" name="TextBox 78"/>
-            <p:cNvSpPr txBox="1"/>
-            <p:nvPr/>
-          </p:nvSpPr>
-          <p:spPr>
-            <a:xfrm>
-              <a:off x="5456337" y="3070160"/>
-              <a:ext cx="3813464" cy="369332"/>
-            </a:xfrm>
-            <a:prstGeom prst="rect">
-              <a:avLst/>
-            </a:prstGeom>
-            <a:noFill/>
-          </p:spPr>
-          <p:txBody>
-            <a:bodyPr wrap="square" rtlCol="0">
-              <a:spAutoFit/>
-            </a:bodyPr>
-            <a:lstStyle/>
-            <a:p>
-              <a:r>
-                <a:rPr lang="en-US" dirty="0" smtClean="0"/>
-                <a:t>d0-&gt;</a:t>
-              </a:r>
-              <a:r>
-                <a:rPr lang="en-US" dirty="0" err="1" smtClean="0"/>
-                <a:t>maturity_models</a:t>
-              </a:r>
-              <a:r>
-                <a:rPr lang="en-US" dirty="0" smtClean="0"/>
-                <a:t>[lm0-&gt;id] = lm0</a:t>
-              </a:r>
-              <a:endParaRPr lang="en-US" dirty="0"/>
-            </a:p>
-          </p:txBody>
-        </p:sp>
-        <p:cxnSp>
-          <p:nvCxnSpPr>
-            <p:cNvPr id="101" name="Straight Arrow Connector 100"/>
-            <p:cNvCxnSpPr/>
-            <p:nvPr/>
-          </p:nvCxnSpPr>
-          <p:spPr>
-            <a:xfrm flipV="1">
-              <a:off x="5268187" y="3439492"/>
-              <a:ext cx="4189762" cy="2095958"/>
-            </a:xfrm>
-            <a:prstGeom prst="straightConnector1">
-              <a:avLst/>
-            </a:prstGeom>
-            <a:ln>
-              <a:solidFill>
-                <a:schemeClr val="tx1"/>
-              </a:solidFill>
-              <a:headEnd type="triangle"/>
-              <a:tailEnd type="none"/>
-            </a:ln>
-          </p:spPr>
-          <p:style>
-            <a:lnRef idx="1">
-              <a:schemeClr val="accent1"/>
-            </a:lnRef>
-            <a:fillRef idx="0">
-              <a:schemeClr val="accent1"/>
-            </a:fillRef>
-            <a:effectRef idx="0">
-              <a:schemeClr val="accent1"/>
-            </a:effectRef>
-            <a:fontRef idx="minor">
-              <a:schemeClr val="tx1"/>
-            </a:fontRef>
-          </p:style>
-        </p:cxnSp>
-        <p:cxnSp>
-          <p:nvCxnSpPr>
-            <p:cNvPr id="103" name="Straight Arrow Connector 102"/>
-            <p:cNvCxnSpPr/>
-            <p:nvPr/>
-          </p:nvCxnSpPr>
-          <p:spPr>
-            <a:xfrm>
-              <a:off x="5268187" y="4958339"/>
-              <a:ext cx="0" cy="587601"/>
-            </a:xfrm>
-            <a:prstGeom prst="straightConnector1">
-              <a:avLst/>
-            </a:prstGeom>
-            <a:ln>
-              <a:solidFill>
-                <a:schemeClr val="tx1"/>
-              </a:solidFill>
-              <a:headEnd type="triangle"/>
-              <a:tailEnd type="none"/>
-            </a:ln>
-          </p:spPr>
-          <p:style>
-            <a:lnRef idx="1">
-              <a:schemeClr val="accent1"/>
-            </a:lnRef>
-            <a:fillRef idx="0">
-              <a:schemeClr val="accent1"/>
-            </a:fillRef>
-            <a:effectRef idx="0">
-              <a:schemeClr val="accent1"/>
-            </a:effectRef>
-            <a:fontRef idx="minor">
-              <a:schemeClr val="tx1"/>
-            </a:fontRef>
-          </p:style>
-        </p:cxnSp>
-        <p:cxnSp>
-          <p:nvCxnSpPr>
             <p:cNvPr id="138" name="Elbow Connector 137"/>
             <p:cNvCxnSpPr/>
             <p:nvPr/>
@@ -9830,24 +15738,27 @@
         <p:cxnSp>
           <p:nvCxnSpPr>
             <p:cNvPr id="150" name="Elbow Connector 149"/>
-            <p:cNvCxnSpPr/>
+            <p:cNvCxnSpPr>
+              <a:stCxn id="38" idx="0"/>
+            </p:cNvCxnSpPr>
             <p:nvPr/>
           </p:nvCxnSpPr>
           <p:spPr>
             <a:xfrm rot="5400000" flipH="1" flipV="1">
-              <a:off x="8497402" y="2831552"/>
-              <a:ext cx="2834958" cy="2593821"/>
+              <a:off x="8544126" y="2784829"/>
+              <a:ext cx="2741510" cy="2593820"/>
             </a:xfrm>
             <a:prstGeom prst="bentConnector3">
               <a:avLst>
-                <a:gd name="adj1" fmla="val 21411"/>
+                <a:gd name="adj1" fmla="val 18162"/>
               </a:avLst>
             </a:prstGeom>
             <a:ln>
               <a:solidFill>
                 <a:schemeClr val="tx1"/>
               </a:solidFill>
-              <a:tailEnd type="triangle"/>
+              <a:headEnd type="triangle"/>
+              <a:tailEnd type="none"/>
             </a:ln>
           </p:spPr>
           <p:style>
@@ -10317,15 +16228,7 @@
                     <a:schemeClr val="tx1"/>
                   </a:solidFill>
                 </a:rPr>
-                <a:t>::</a:t>
-              </a:r>
-              <a:r>
-                <a:rPr lang="en-US" b="1" dirty="0" smtClean="0">
-                  <a:solidFill>
-                    <a:schemeClr val="tx1"/>
-                  </a:solidFill>
-                </a:rPr>
-                <a:t>Population</a:t>
+                <a:t>::Population</a:t>
               </a:r>
               <a:endParaRPr lang="en-US" dirty="0">
                 <a:solidFill>
@@ -10365,11 +16268,255 @@
                 </a:rPr>
                 <a:t>this-&gt;maturity-&gt;evaluate(age)</a:t>
               </a:r>
-              <a:endParaRPr lang="en-US" dirty="0" smtClean="0">
-                <a:solidFill>
-                  <a:schemeClr val="tx1"/>
-                </a:solidFill>
-              </a:endParaRPr>
+            </a:p>
+          </p:txBody>
+        </p:sp>
+        <p:cxnSp>
+          <p:nvCxnSpPr>
+            <p:cNvPr id="40" name="Elbow Connector 39"/>
+            <p:cNvCxnSpPr>
+              <a:endCxn id="51" idx="2"/>
+            </p:cNvCxnSpPr>
+            <p:nvPr/>
+          </p:nvCxnSpPr>
+          <p:spPr>
+            <a:xfrm flipV="1">
+              <a:off x="5248817" y="2710982"/>
+              <a:ext cx="4209132" cy="718019"/>
+            </a:xfrm>
+            <a:prstGeom prst="bentConnector2">
+              <a:avLst/>
+            </a:prstGeom>
+            <a:ln>
+              <a:solidFill>
+                <a:schemeClr val="accent2">
+                  <a:lumMod val="50000"/>
+                </a:schemeClr>
+              </a:solidFill>
+              <a:tailEnd type="triangle"/>
+            </a:ln>
+          </p:spPr>
+          <p:style>
+            <a:lnRef idx="1">
+              <a:schemeClr val="dk1"/>
+            </a:lnRef>
+            <a:fillRef idx="0">
+              <a:schemeClr val="dk1"/>
+            </a:fillRef>
+            <a:effectRef idx="0">
+              <a:schemeClr val="dk1"/>
+            </a:effectRef>
+            <a:fontRef idx="minor">
+              <a:schemeClr val="tx1"/>
+            </a:fontRef>
+          </p:style>
+        </p:cxnSp>
+        <p:sp>
+          <p:nvSpPr>
+            <p:cNvPr id="41" name="TextBox 40"/>
+            <p:cNvSpPr txBox="1"/>
+            <p:nvPr/>
+          </p:nvSpPr>
+          <p:spPr>
+            <a:xfrm>
+              <a:off x="5456337" y="3070160"/>
+              <a:ext cx="3813464" cy="369332"/>
+            </a:xfrm>
+            <a:prstGeom prst="rect">
+              <a:avLst/>
+            </a:prstGeom>
+            <a:noFill/>
+          </p:spPr>
+          <p:txBody>
+            <a:bodyPr wrap="square" rtlCol="0">
+              <a:spAutoFit/>
+            </a:bodyPr>
+            <a:lstStyle/>
+            <a:p>
+              <a:r>
+                <a:rPr lang="en-US" dirty="0">
+                  <a:solidFill>
+                    <a:schemeClr val="accent2">
+                      <a:lumMod val="50000"/>
+                    </a:schemeClr>
+                  </a:solidFill>
+                </a:rPr>
+                <a:t>d0-&gt;</a:t>
+              </a:r>
+              <a:r>
+                <a:rPr lang="en-US" dirty="0" err="1">
+                  <a:solidFill>
+                    <a:schemeClr val="accent2">
+                      <a:lumMod val="50000"/>
+                    </a:schemeClr>
+                  </a:solidFill>
+                </a:rPr>
+                <a:t>maturity_models</a:t>
+              </a:r>
+              <a:r>
+                <a:rPr lang="en-US" dirty="0">
+                  <a:solidFill>
+                    <a:schemeClr val="accent2">
+                      <a:lumMod val="50000"/>
+                    </a:schemeClr>
+                  </a:solidFill>
+                </a:rPr>
+                <a:t>[lm0-&gt;id] = lm0;</a:t>
+              </a:r>
+            </a:p>
+          </p:txBody>
+        </p:sp>
+        <p:cxnSp>
+          <p:nvCxnSpPr>
+            <p:cNvPr id="42" name="Straight Connector 41"/>
+            <p:cNvCxnSpPr/>
+            <p:nvPr/>
+          </p:nvCxnSpPr>
+          <p:spPr>
+            <a:xfrm flipH="1" flipV="1">
+              <a:off x="9954883" y="2710982"/>
+              <a:ext cx="2" cy="728512"/>
+            </a:xfrm>
+            <a:prstGeom prst="line">
+              <a:avLst/>
+            </a:prstGeom>
+            <a:ln>
+              <a:solidFill>
+                <a:schemeClr val="tx1"/>
+              </a:solidFill>
+            </a:ln>
+          </p:spPr>
+          <p:style>
+            <a:lnRef idx="1">
+              <a:schemeClr val="accent1"/>
+            </a:lnRef>
+            <a:fillRef idx="0">
+              <a:schemeClr val="accent1"/>
+            </a:fillRef>
+            <a:effectRef idx="0">
+              <a:schemeClr val="accent1"/>
+            </a:effectRef>
+            <a:fontRef idx="minor">
+              <a:schemeClr val="tx1"/>
+            </a:fontRef>
+          </p:style>
+        </p:cxnSp>
+        <p:cxnSp>
+          <p:nvCxnSpPr>
+            <p:cNvPr id="45" name="Straight Arrow Connector 44"/>
+            <p:cNvCxnSpPr/>
+            <p:nvPr/>
+          </p:nvCxnSpPr>
+          <p:spPr>
+            <a:xfrm flipV="1">
+              <a:off x="5282986" y="3439493"/>
+              <a:ext cx="4671897" cy="1163680"/>
+            </a:xfrm>
+            <a:prstGeom prst="straightConnector1">
+              <a:avLst/>
+            </a:prstGeom>
+            <a:ln>
+              <a:solidFill>
+                <a:schemeClr val="tx1"/>
+              </a:solidFill>
+              <a:headEnd type="triangle"/>
+              <a:tailEnd type="none"/>
+            </a:ln>
+          </p:spPr>
+          <p:style>
+            <a:lnRef idx="1">
+              <a:schemeClr val="accent1"/>
+            </a:lnRef>
+            <a:fillRef idx="0">
+              <a:schemeClr val="accent1"/>
+            </a:fillRef>
+            <a:effectRef idx="0">
+              <a:schemeClr val="accent1"/>
+            </a:effectRef>
+            <a:fontRef idx="minor">
+              <a:schemeClr val="tx1"/>
+            </a:fontRef>
+          </p:style>
+        </p:cxnSp>
+        <p:sp>
+          <p:nvSpPr>
+            <p:cNvPr id="43" name="Rectangle 42"/>
+            <p:cNvSpPr/>
+            <p:nvPr/>
+          </p:nvSpPr>
+          <p:spPr>
+            <a:xfrm>
+              <a:off x="5769926" y="3903409"/>
+              <a:ext cx="3698015" cy="369332"/>
+            </a:xfrm>
+            <a:prstGeom prst="rect">
+              <a:avLst/>
+            </a:prstGeom>
+            <a:solidFill>
+              <a:schemeClr val="bg1"/>
+            </a:solidFill>
+          </p:spPr>
+          <p:txBody>
+            <a:bodyPr wrap="square">
+              <a:spAutoFit/>
+            </a:bodyPr>
+            <a:lstStyle/>
+            <a:p>
+              <a:pPr algn="ctr"/>
+              <a:r>
+                <a:rPr lang="en-US" dirty="0" err="1" smtClean="0"/>
+                <a:t>maturity_models</a:t>
+              </a:r>
+              <a:r>
+                <a:rPr lang="en-US" dirty="0" smtClean="0"/>
+                <a:t>(id, shared pointer)</a:t>
+              </a:r>
+            </a:p>
+          </p:txBody>
+        </p:sp>
+        <p:sp>
+          <p:nvSpPr>
+            <p:cNvPr id="23" name="Oval 22"/>
+            <p:cNvSpPr/>
+            <p:nvPr/>
+          </p:nvSpPr>
+          <p:spPr>
+            <a:xfrm rot="18324036">
+              <a:off x="5506959" y="4298356"/>
+              <a:ext cx="1257264" cy="2229208"/>
+            </a:xfrm>
+            <a:prstGeom prst="ellipse">
+              <a:avLst/>
+            </a:prstGeom>
+            <a:noFill/>
+            <a:ln>
+              <a:solidFill>
+                <a:srgbClr val="FF0000"/>
+              </a:solidFill>
+            </a:ln>
+          </p:spPr>
+          <p:style>
+            <a:lnRef idx="2">
+              <a:schemeClr val="accent1">
+                <a:shade val="50000"/>
+              </a:schemeClr>
+            </a:lnRef>
+            <a:fillRef idx="1">
+              <a:schemeClr val="accent1"/>
+            </a:fillRef>
+            <a:effectRef idx="0">
+              <a:schemeClr val="accent1"/>
+            </a:effectRef>
+            <a:fontRef idx="minor">
+              <a:schemeClr val="lt1"/>
+            </a:fontRef>
+          </p:style>
+          <p:txBody>
+            <a:bodyPr rtlCol="0" anchor="ctr"/>
+            <a:lstStyle/>
+            <a:p>
+              <a:pPr algn="ctr"/>
+              <a:endParaRPr lang="en-US"/>
             </a:p>
           </p:txBody>
         </p:sp>
@@ -10377,7 +16524,7 @@
     </p:spTree>
     <p:extLst>
       <p:ext uri="{BB962C8B-B14F-4D97-AF65-F5344CB8AC3E}">
-        <p14:creationId xmlns:p14="http://schemas.microsoft.com/office/powerpoint/2010/main" val="2299559456"/>
+        <p14:creationId xmlns:p14="http://schemas.microsoft.com/office/powerpoint/2010/main" val="1413701341"/>
       </p:ext>
     </p:extLst>
   </p:cSld>

--- a/vignettes/figures/fims-path-maturity.pptx
+++ b/vignettes/figures/fims-path-maturity.pptx
@@ -261,7 +261,7 @@
           <a:p>
             <a:fld id="{576C322C-E16E-4C03-B617-B5EC0115F350}" type="datetimeFigureOut">
               <a:rPr lang="en-US" smtClean="0"/>
-              <a:t>5/26/2023</a:t>
+              <a:t>6/27/2023</a:t>
             </a:fld>
             <a:endParaRPr lang="en-US"/>
           </a:p>
@@ -431,7 +431,7 @@
           <a:p>
             <a:fld id="{576C322C-E16E-4C03-B617-B5EC0115F350}" type="datetimeFigureOut">
               <a:rPr lang="en-US" smtClean="0"/>
-              <a:t>5/26/2023</a:t>
+              <a:t>6/27/2023</a:t>
             </a:fld>
             <a:endParaRPr lang="en-US"/>
           </a:p>
@@ -611,7 +611,7 @@
           <a:p>
             <a:fld id="{576C322C-E16E-4C03-B617-B5EC0115F350}" type="datetimeFigureOut">
               <a:rPr lang="en-US" smtClean="0"/>
-              <a:t>5/26/2023</a:t>
+              <a:t>6/27/2023</a:t>
             </a:fld>
             <a:endParaRPr lang="en-US"/>
           </a:p>
@@ -781,7 +781,7 @@
           <a:p>
             <a:fld id="{576C322C-E16E-4C03-B617-B5EC0115F350}" type="datetimeFigureOut">
               <a:rPr lang="en-US" smtClean="0"/>
-              <a:t>5/26/2023</a:t>
+              <a:t>6/27/2023</a:t>
             </a:fld>
             <a:endParaRPr lang="en-US"/>
           </a:p>
@@ -1027,7 +1027,7 @@
           <a:p>
             <a:fld id="{576C322C-E16E-4C03-B617-B5EC0115F350}" type="datetimeFigureOut">
               <a:rPr lang="en-US" smtClean="0"/>
-              <a:t>5/26/2023</a:t>
+              <a:t>6/27/2023</a:t>
             </a:fld>
             <a:endParaRPr lang="en-US"/>
           </a:p>
@@ -1259,7 +1259,7 @@
           <a:p>
             <a:fld id="{576C322C-E16E-4C03-B617-B5EC0115F350}" type="datetimeFigureOut">
               <a:rPr lang="en-US" smtClean="0"/>
-              <a:t>5/26/2023</a:t>
+              <a:t>6/27/2023</a:t>
             </a:fld>
             <a:endParaRPr lang="en-US"/>
           </a:p>
@@ -1626,7 +1626,7 @@
           <a:p>
             <a:fld id="{576C322C-E16E-4C03-B617-B5EC0115F350}" type="datetimeFigureOut">
               <a:rPr lang="en-US" smtClean="0"/>
-              <a:t>5/26/2023</a:t>
+              <a:t>6/27/2023</a:t>
             </a:fld>
             <a:endParaRPr lang="en-US"/>
           </a:p>
@@ -1744,7 +1744,7 @@
           <a:p>
             <a:fld id="{576C322C-E16E-4C03-B617-B5EC0115F350}" type="datetimeFigureOut">
               <a:rPr lang="en-US" smtClean="0"/>
-              <a:t>5/26/2023</a:t>
+              <a:t>6/27/2023</a:t>
             </a:fld>
             <a:endParaRPr lang="en-US"/>
           </a:p>
@@ -1839,7 +1839,7 @@
           <a:p>
             <a:fld id="{576C322C-E16E-4C03-B617-B5EC0115F350}" type="datetimeFigureOut">
               <a:rPr lang="en-US" smtClean="0"/>
-              <a:t>5/26/2023</a:t>
+              <a:t>6/27/2023</a:t>
             </a:fld>
             <a:endParaRPr lang="en-US"/>
           </a:p>
@@ -2116,7 +2116,7 @@
           <a:p>
             <a:fld id="{576C322C-E16E-4C03-B617-B5EC0115F350}" type="datetimeFigureOut">
               <a:rPr lang="en-US" smtClean="0"/>
-              <a:t>5/26/2023</a:t>
+              <a:t>6/27/2023</a:t>
             </a:fld>
             <a:endParaRPr lang="en-US"/>
           </a:p>
@@ -2369,7 +2369,7 @@
           <a:p>
             <a:fld id="{576C322C-E16E-4C03-B617-B5EC0115F350}" type="datetimeFigureOut">
               <a:rPr lang="en-US" smtClean="0"/>
-              <a:t>5/26/2023</a:t>
+              <a:t>6/27/2023</a:t>
             </a:fld>
             <a:endParaRPr lang="en-US"/>
           </a:p>
@@ -2582,7 +2582,7 @@
           <a:p>
             <a:fld id="{576C322C-E16E-4C03-B617-B5EC0115F350}" type="datetimeFigureOut">
               <a:rPr lang="en-US" smtClean="0"/>
-              <a:t>5/26/2023</a:t>
+              <a:t>6/27/2023</a:t>
             </a:fld>
             <a:endParaRPr lang="en-US"/>
           </a:p>
@@ -2989,7 +2989,7 @@
       </p:grpSpPr>
       <p:grpSp>
         <p:nvGrpSpPr>
-          <p:cNvPr id="2" name="Group 1"/>
+          <p:cNvPr id="3" name="Group 2"/>
           <p:cNvGrpSpPr/>
           <p:nvPr/>
         </p:nvGrpSpPr>
@@ -3342,7 +3342,7 @@
             <a:prstGeom prst="straightConnector1">
               <a:avLst/>
             </a:prstGeom>
-            <a:ln>
+            <a:ln w="15875">
               <a:tailEnd type="triangle"/>
             </a:ln>
           </p:spPr>
@@ -3420,7 +3420,7 @@
                 <a:gd name="adj2" fmla="val 99829"/>
               </a:avLst>
             </a:prstGeom>
-            <a:ln>
+            <a:ln w="15875">
               <a:solidFill>
                 <a:schemeClr val="accent2">
                   <a:lumMod val="75000"/>
@@ -3739,7 +3739,7 @@
       </p:grpSpPr>
       <p:grpSp>
         <p:nvGrpSpPr>
-          <p:cNvPr id="7" name="Group 6"/>
+          <p:cNvPr id="3" name="Group 2"/>
           <p:cNvGrpSpPr/>
           <p:nvPr/>
         </p:nvGrpSpPr>
@@ -4150,8 +4150,25 @@
                     </a:schemeClr>
                   </a:solidFill>
                 </a:rPr>
-                <a:t>       shared pointer: d0</a:t>
-              </a:r>
+                <a:t>       shared pointer: </a:t>
+              </a:r>
+              <a:r>
+                <a:rPr lang="en-US" dirty="0" smtClean="0">
+                  <a:solidFill>
+                    <a:schemeClr val="accent2">
+                      <a:lumMod val="75000"/>
+                    </a:schemeClr>
+                  </a:solidFill>
+                </a:rPr>
+                <a:t>d0)</a:t>
+              </a:r>
+              <a:endParaRPr lang="en-US" dirty="0" smtClean="0">
+                <a:solidFill>
+                  <a:schemeClr val="accent2">
+                    <a:lumMod val="75000"/>
+                  </a:schemeClr>
+                </a:solidFill>
+              </a:endParaRPr>
             </a:p>
           </p:txBody>
         </p:sp>
@@ -4172,7 +4189,7 @@
             <a:prstGeom prst="straightConnector1">
               <a:avLst/>
             </a:prstGeom>
-            <a:ln>
+            <a:ln w="15875">
               <a:tailEnd type="triangle"/>
             </a:ln>
           </p:spPr>
@@ -4250,7 +4267,7 @@
                 <a:gd name="adj2" fmla="val 99829"/>
               </a:avLst>
             </a:prstGeom>
-            <a:ln>
+            <a:ln w="15875">
               <a:solidFill>
                 <a:schemeClr val="accent2">
                   <a:lumMod val="75000"/>
@@ -4520,7 +4537,7 @@
                 <a:gd name="adj2" fmla="val 99829"/>
               </a:avLst>
             </a:prstGeom>
-            <a:ln>
+            <a:ln w="15875">
               <a:solidFill>
                 <a:schemeClr val="accent2">
                   <a:lumMod val="75000"/>
@@ -4590,7 +4607,7 @@
             <a:prstGeom prst="straightConnector1">
               <a:avLst/>
             </a:prstGeom>
-            <a:ln>
+            <a:ln w="15875">
               <a:tailEnd type="triangle"/>
             </a:ln>
           </p:spPr>
@@ -4830,11 +4847,15 @@
             <a:p>
               <a:r>
                 <a:rPr lang="en-US" dirty="0" err="1" smtClean="0"/>
-                <a:t>fims:Information</a:t>
+                <a:t>fims</a:t>
               </a:r>
               <a:r>
                 <a:rPr lang="en-US" dirty="0" smtClean="0"/>
-                <a:t> </a:t>
+                <a:t>::</a:t>
+              </a:r>
+              <a:r>
+                <a:rPr lang="en-US" dirty="0" smtClean="0"/>
+                <a:t>Information </a:t>
               </a:r>
               <a:endParaRPr lang="en-US" dirty="0"/>
             </a:p>
@@ -5084,7 +5105,7 @@
       </p:grpSpPr>
       <p:grpSp>
         <p:nvGrpSpPr>
-          <p:cNvPr id="13" name="Group 12"/>
+          <p:cNvPr id="8" name="Group 7"/>
           <p:cNvGrpSpPr/>
           <p:nvPr/>
         </p:nvGrpSpPr>
@@ -5495,8 +5516,25 @@
                     </a:schemeClr>
                   </a:solidFill>
                 </a:rPr>
-                <a:t>       shared pointer: d0</a:t>
-              </a:r>
+                <a:t>       shared pointer: </a:t>
+              </a:r>
+              <a:r>
+                <a:rPr lang="en-US" dirty="0" smtClean="0">
+                  <a:solidFill>
+                    <a:schemeClr val="accent2">
+                      <a:lumMod val="75000"/>
+                    </a:schemeClr>
+                  </a:solidFill>
+                </a:rPr>
+                <a:t>d0)</a:t>
+              </a:r>
+              <a:endParaRPr lang="en-US" dirty="0" smtClean="0">
+                <a:solidFill>
+                  <a:schemeClr val="accent2">
+                    <a:lumMod val="75000"/>
+                  </a:schemeClr>
+                </a:solidFill>
+              </a:endParaRPr>
             </a:p>
           </p:txBody>
         </p:sp>
@@ -5517,7 +5555,7 @@
             <a:prstGeom prst="straightConnector1">
               <a:avLst/>
             </a:prstGeom>
-            <a:ln>
+            <a:ln w="15875">
               <a:tailEnd type="triangle"/>
             </a:ln>
           </p:spPr>
@@ -5595,7 +5633,7 @@
                 <a:gd name="adj2" fmla="val 99829"/>
               </a:avLst>
             </a:prstGeom>
-            <a:ln>
+            <a:ln w="15875">
               <a:solidFill>
                 <a:schemeClr val="accent2">
                   <a:lumMod val="75000"/>
@@ -5881,7 +5919,7 @@
                 <a:gd name="adj2" fmla="val 99829"/>
               </a:avLst>
             </a:prstGeom>
-            <a:ln>
+            <a:ln w="15875">
               <a:solidFill>
                 <a:schemeClr val="accent2">
                   <a:lumMod val="75000"/>
@@ -5921,7 +5959,7 @@
             <a:prstGeom prst="straightConnector1">
               <a:avLst/>
             </a:prstGeom>
-            <a:ln>
+            <a:ln w="15875">
               <a:tailEnd type="triangle"/>
             </a:ln>
           </p:spPr>
@@ -6161,11 +6199,15 @@
             <a:p>
               <a:r>
                 <a:rPr lang="en-US" dirty="0" err="1" smtClean="0"/>
-                <a:t>fims:Information</a:t>
+                <a:t>fims</a:t>
               </a:r>
               <a:r>
                 <a:rPr lang="en-US" dirty="0" smtClean="0"/>
-                <a:t> </a:t>
+                <a:t>::</a:t>
+              </a:r>
+              <a:r>
+                <a:rPr lang="en-US" dirty="0" smtClean="0"/>
+                <a:t>Information </a:t>
               </a:r>
               <a:endParaRPr lang="en-US" dirty="0"/>
             </a:p>
@@ -6445,7 +6487,7 @@
       </p:grpSpPr>
       <p:grpSp>
         <p:nvGrpSpPr>
-          <p:cNvPr id="23" name="Group 22"/>
+          <p:cNvPr id="2" name="Group 1"/>
           <p:cNvGrpSpPr/>
           <p:nvPr/>
         </p:nvGrpSpPr>
@@ -6856,8 +6898,25 @@
                     </a:schemeClr>
                   </a:solidFill>
                 </a:rPr>
-                <a:t>       shared pointer: d0</a:t>
-              </a:r>
+                <a:t>       shared pointer: </a:t>
+              </a:r>
+              <a:r>
+                <a:rPr lang="en-US" dirty="0" smtClean="0">
+                  <a:solidFill>
+                    <a:schemeClr val="accent2">
+                      <a:lumMod val="75000"/>
+                    </a:schemeClr>
+                  </a:solidFill>
+                </a:rPr>
+                <a:t>d0)</a:t>
+              </a:r>
+              <a:endParaRPr lang="en-US" dirty="0" smtClean="0">
+                <a:solidFill>
+                  <a:schemeClr val="accent2">
+                    <a:lumMod val="75000"/>
+                  </a:schemeClr>
+                </a:solidFill>
+              </a:endParaRPr>
             </a:p>
           </p:txBody>
         </p:sp>
@@ -6878,7 +6937,7 @@
             <a:prstGeom prst="straightConnector1">
               <a:avLst/>
             </a:prstGeom>
-            <a:ln>
+            <a:ln w="15875">
               <a:tailEnd type="triangle"/>
             </a:ln>
           </p:spPr>
@@ -6956,7 +7015,7 @@
                 <a:gd name="adj2" fmla="val 99829"/>
               </a:avLst>
             </a:prstGeom>
-            <a:ln>
+            <a:ln w="15875">
               <a:solidFill>
                 <a:schemeClr val="accent2">
                   <a:lumMod val="75000"/>
@@ -7456,7 +7515,7 @@
             <a:prstGeom prst="straightConnector1">
               <a:avLst/>
             </a:prstGeom>
-            <a:ln>
+            <a:ln w="15875">
               <a:solidFill>
                 <a:schemeClr val="accent6">
                   <a:lumMod val="50000"/>
@@ -7541,7 +7600,7 @@
                 <a:gd name="adj2" fmla="val 99829"/>
               </a:avLst>
             </a:prstGeom>
-            <a:ln>
+            <a:ln w="15875">
               <a:solidFill>
                 <a:schemeClr val="accent2">
                   <a:lumMod val="75000"/>
@@ -7802,11 +7861,11 @@
             <a:p>
               <a:r>
                 <a:rPr lang="en-US" dirty="0" err="1" smtClean="0"/>
-                <a:t>fims:Information</a:t>
+                <a:t>fims</a:t>
               </a:r>
               <a:r>
                 <a:rPr lang="en-US" dirty="0" smtClean="0"/>
-                <a:t> </a:t>
+                <a:t>::Information </a:t>
               </a:r>
               <a:endParaRPr lang="en-US" dirty="0"/>
             </a:p>
@@ -8037,7 +8096,7 @@
             <a:prstGeom prst="straightConnector1">
               <a:avLst/>
             </a:prstGeom>
-            <a:ln>
+            <a:ln w="15875">
               <a:tailEnd type="triangle"/>
             </a:ln>
           </p:spPr>
@@ -8218,7 +8277,7 @@
       </p:grpSpPr>
       <p:grpSp>
         <p:nvGrpSpPr>
-          <p:cNvPr id="3" name="Group 2"/>
+          <p:cNvPr id="2" name="Group 1"/>
           <p:cNvGrpSpPr/>
           <p:nvPr/>
         </p:nvGrpSpPr>
@@ -8629,8 +8688,25 @@
                     </a:schemeClr>
                   </a:solidFill>
                 </a:rPr>
-                <a:t>       shared pointer: d0</a:t>
-              </a:r>
+                <a:t>       shared pointer: </a:t>
+              </a:r>
+              <a:r>
+                <a:rPr lang="en-US" dirty="0" smtClean="0">
+                  <a:solidFill>
+                    <a:schemeClr val="accent2">
+                      <a:lumMod val="75000"/>
+                    </a:schemeClr>
+                  </a:solidFill>
+                </a:rPr>
+                <a:t>d0)</a:t>
+              </a:r>
+              <a:endParaRPr lang="en-US" dirty="0" smtClean="0">
+                <a:solidFill>
+                  <a:schemeClr val="accent2">
+                    <a:lumMod val="75000"/>
+                  </a:schemeClr>
+                </a:solidFill>
+              </a:endParaRPr>
             </a:p>
           </p:txBody>
         </p:sp>
@@ -8651,7 +8727,7 @@
             <a:prstGeom prst="straightConnector1">
               <a:avLst/>
             </a:prstGeom>
-            <a:ln>
+            <a:ln w="15875">
               <a:tailEnd type="triangle"/>
             </a:ln>
           </p:spPr>
@@ -8729,7 +8805,7 @@
                 <a:gd name="adj2" fmla="val 99829"/>
               </a:avLst>
             </a:prstGeom>
-            <a:ln>
+            <a:ln w="15875">
               <a:solidFill>
                 <a:schemeClr val="accent2">
                   <a:lumMod val="75000"/>
@@ -9145,7 +9221,7 @@
             <a:prstGeom prst="straightConnector1">
               <a:avLst/>
             </a:prstGeom>
-            <a:ln>
+            <a:ln w="15875">
               <a:solidFill>
                 <a:schemeClr val="accent6">
                   <a:lumMod val="50000"/>
@@ -9229,7 +9305,7 @@
             <a:prstGeom prst="straightConnector1">
               <a:avLst/>
             </a:prstGeom>
-            <a:ln>
+            <a:ln w="15875">
               <a:solidFill>
                 <a:schemeClr val="accent6">
                   <a:lumMod val="50000"/>
@@ -9314,7 +9390,7 @@
                 <a:gd name="adj2" fmla="val 99829"/>
               </a:avLst>
             </a:prstGeom>
-            <a:ln>
+            <a:ln w="15875">
               <a:solidFill>
                 <a:schemeClr val="accent2">
                   <a:lumMod val="75000"/>
@@ -9575,11 +9651,15 @@
             <a:p>
               <a:r>
                 <a:rPr lang="en-US" dirty="0" err="1" smtClean="0"/>
-                <a:t>fims:Information</a:t>
+                <a:t>fims</a:t>
               </a:r>
               <a:r>
                 <a:rPr lang="en-US" dirty="0" smtClean="0"/>
-                <a:t> </a:t>
+                <a:t>::</a:t>
+              </a:r>
+              <a:r>
+                <a:rPr lang="en-US" dirty="0" smtClean="0"/>
+                <a:t>Information </a:t>
               </a:r>
               <a:endParaRPr lang="en-US" dirty="0"/>
             </a:p>
@@ -9812,7 +9892,7 @@
             <a:prstGeom prst="straightConnector1">
               <a:avLst/>
             </a:prstGeom>
-            <a:ln>
+            <a:ln w="15875">
               <a:tailEnd type="triangle"/>
             </a:ln>
           </p:spPr>
@@ -10008,10 +10088,10 @@
             <a:prstGeom prst="bentConnector2">
               <a:avLst/>
             </a:prstGeom>
-            <a:ln>
+            <a:ln w="15875">
               <a:solidFill>
                 <a:schemeClr val="accent2">
-                  <a:lumMod val="50000"/>
+                  <a:lumMod val="75000"/>
                 </a:schemeClr>
               </a:solidFill>
               <a:tailEnd type="triangle"/>
@@ -10058,7 +10138,7 @@
                 <a:rPr lang="en-US" dirty="0" smtClean="0">
                   <a:solidFill>
                     <a:schemeClr val="accent2">
-                      <a:lumMod val="50000"/>
+                      <a:lumMod val="75000"/>
                     </a:schemeClr>
                   </a:solidFill>
                 </a:rPr>
@@ -10068,7 +10148,7 @@
                 <a:rPr lang="en-US" dirty="0" err="1" smtClean="0">
                   <a:solidFill>
                     <a:schemeClr val="accent2">
-                      <a:lumMod val="50000"/>
+                      <a:lumMod val="75000"/>
                     </a:schemeClr>
                   </a:solidFill>
                 </a:rPr>
@@ -10077,7 +10157,7 @@
               <a:endParaRPr lang="en-US" dirty="0">
                 <a:solidFill>
                   <a:schemeClr val="accent2">
-                    <a:lumMod val="50000"/>
+                    <a:lumMod val="75000"/>
                   </a:schemeClr>
                 </a:solidFill>
               </a:endParaRPr>
@@ -10098,7 +10178,7 @@
             <a:prstGeom prst="straightConnector1">
               <a:avLst/>
             </a:prstGeom>
-            <a:ln>
+            <a:ln w="15875">
               <a:solidFill>
                 <a:schemeClr val="tx1"/>
               </a:solidFill>
@@ -10135,7 +10215,7 @@
             <a:prstGeom prst="line">
               <a:avLst/>
             </a:prstGeom>
-            <a:ln>
+            <a:ln w="15875">
               <a:solidFill>
                 <a:schemeClr val="tx1"/>
               </a:solidFill>
@@ -10225,7 +10305,7 @@
       </p:grpSpPr>
       <p:grpSp>
         <p:nvGrpSpPr>
-          <p:cNvPr id="2" name="Group 1"/>
+          <p:cNvPr id="3" name="Group 2"/>
           <p:cNvGrpSpPr/>
           <p:nvPr/>
         </p:nvGrpSpPr>
@@ -10636,8 +10716,25 @@
                     </a:schemeClr>
                   </a:solidFill>
                 </a:rPr>
-                <a:t>       shared pointer: d0</a:t>
-              </a:r>
+                <a:t>       shared pointer: </a:t>
+              </a:r>
+              <a:r>
+                <a:rPr lang="en-US" dirty="0" smtClean="0">
+                  <a:solidFill>
+                    <a:schemeClr val="accent2">
+                      <a:lumMod val="75000"/>
+                    </a:schemeClr>
+                  </a:solidFill>
+                </a:rPr>
+                <a:t>d0)</a:t>
+              </a:r>
+              <a:endParaRPr lang="en-US" dirty="0" smtClean="0">
+                <a:solidFill>
+                  <a:schemeClr val="accent2">
+                    <a:lumMod val="75000"/>
+                  </a:schemeClr>
+                </a:solidFill>
+              </a:endParaRPr>
             </a:p>
           </p:txBody>
         </p:sp>
@@ -10658,7 +10755,7 @@
             <a:prstGeom prst="straightConnector1">
               <a:avLst/>
             </a:prstGeom>
-            <a:ln>
+            <a:ln w="15875">
               <a:tailEnd type="triangle"/>
             </a:ln>
           </p:spPr>
@@ -10736,7 +10833,7 @@
                 <a:gd name="adj2" fmla="val 99829"/>
               </a:avLst>
             </a:prstGeom>
-            <a:ln>
+            <a:ln w="15875">
               <a:solidFill>
                 <a:schemeClr val="accent2">
                   <a:lumMod val="75000"/>
@@ -11152,7 +11249,7 @@
             <a:prstGeom prst="straightConnector1">
               <a:avLst/>
             </a:prstGeom>
-            <a:ln>
+            <a:ln w="15875">
               <a:solidFill>
                 <a:schemeClr val="accent6">
                   <a:lumMod val="50000"/>
@@ -11236,7 +11333,7 @@
             <a:prstGeom prst="straightConnector1">
               <a:avLst/>
             </a:prstGeom>
-            <a:ln>
+            <a:ln w="15875">
               <a:solidFill>
                 <a:schemeClr val="accent6">
                   <a:lumMod val="50000"/>
@@ -11321,7 +11418,7 @@
                 <a:gd name="adj2" fmla="val 99829"/>
               </a:avLst>
             </a:prstGeom>
-            <a:ln>
+            <a:ln w="15875">
               <a:solidFill>
                 <a:schemeClr val="accent2">
                   <a:lumMod val="75000"/>
@@ -11582,11 +11679,11 @@
             <a:p>
               <a:r>
                 <a:rPr lang="en-US" dirty="0" err="1" smtClean="0"/>
-                <a:t>fims:Information</a:t>
+                <a:t>fims</a:t>
               </a:r>
               <a:r>
                 <a:rPr lang="en-US" dirty="0" smtClean="0"/>
-                <a:t> </a:t>
+                <a:t>::Information </a:t>
               </a:r>
               <a:endParaRPr lang="en-US" dirty="0"/>
             </a:p>
@@ -11819,7 +11916,7 @@
             <a:prstGeom prst="straightConnector1">
               <a:avLst/>
             </a:prstGeom>
-            <a:ln>
+            <a:ln w="15875">
               <a:tailEnd type="triangle"/>
             </a:ln>
           </p:spPr>
@@ -12015,10 +12112,10 @@
             <a:prstGeom prst="bentConnector2">
               <a:avLst/>
             </a:prstGeom>
-            <a:ln>
+            <a:ln w="15875">
               <a:solidFill>
                 <a:schemeClr val="accent2">
-                  <a:lumMod val="50000"/>
+                  <a:lumMod val="75000"/>
                 </a:schemeClr>
               </a:solidFill>
               <a:tailEnd type="triangle"/>
@@ -12065,7 +12162,7 @@
                 <a:rPr lang="en-US" dirty="0">
                   <a:solidFill>
                     <a:schemeClr val="accent2">
-                      <a:lumMod val="50000"/>
+                      <a:lumMod val="75000"/>
                     </a:schemeClr>
                   </a:solidFill>
                 </a:rPr>
@@ -12075,7 +12172,7 @@
                 <a:rPr lang="en-US" dirty="0" err="1">
                   <a:solidFill>
                     <a:schemeClr val="accent2">
-                      <a:lumMod val="50000"/>
+                      <a:lumMod val="75000"/>
                     </a:schemeClr>
                   </a:solidFill>
                 </a:rPr>
@@ -12085,7 +12182,7 @@
                 <a:rPr lang="en-US" dirty="0">
                   <a:solidFill>
                     <a:schemeClr val="accent2">
-                      <a:lumMod val="50000"/>
+                      <a:lumMod val="75000"/>
                     </a:schemeClr>
                   </a:solidFill>
                 </a:rPr>
@@ -12108,7 +12205,7 @@
             <a:prstGeom prst="straightConnector1">
               <a:avLst/>
             </a:prstGeom>
-            <a:ln>
+            <a:ln w="15875">
               <a:solidFill>
                 <a:schemeClr val="tx1"/>
               </a:solidFill>
@@ -12145,7 +12242,7 @@
             <a:prstGeom prst="line">
               <a:avLst/>
             </a:prstGeom>
-            <a:ln>
+            <a:ln w="15875">
               <a:solidFill>
                 <a:schemeClr val="tx1"/>
               </a:solidFill>
@@ -12235,7 +12332,7 @@
       </p:grpSpPr>
       <p:grpSp>
         <p:nvGrpSpPr>
-          <p:cNvPr id="2" name="Group 1"/>
+          <p:cNvPr id="5" name="Group 4"/>
           <p:cNvGrpSpPr/>
           <p:nvPr/>
         </p:nvGrpSpPr>
@@ -12646,8 +12743,25 @@
                     </a:schemeClr>
                   </a:solidFill>
                 </a:rPr>
-                <a:t>       shared pointer: d0</a:t>
-              </a:r>
+                <a:t>       shared pointer: </a:t>
+              </a:r>
+              <a:r>
+                <a:rPr lang="en-US" dirty="0" smtClean="0">
+                  <a:solidFill>
+                    <a:schemeClr val="accent2">
+                      <a:lumMod val="75000"/>
+                    </a:schemeClr>
+                  </a:solidFill>
+                </a:rPr>
+                <a:t>d0)</a:t>
+              </a:r>
+              <a:endParaRPr lang="en-US" dirty="0" smtClean="0">
+                <a:solidFill>
+                  <a:schemeClr val="accent2">
+                    <a:lumMod val="75000"/>
+                  </a:schemeClr>
+                </a:solidFill>
+              </a:endParaRPr>
             </a:p>
           </p:txBody>
         </p:sp>
@@ -12668,7 +12782,7 @@
             <a:prstGeom prst="straightConnector1">
               <a:avLst/>
             </a:prstGeom>
-            <a:ln>
+            <a:ln w="15875">
               <a:tailEnd type="triangle"/>
             </a:ln>
           </p:spPr>
@@ -12746,7 +12860,7 @@
                 <a:gd name="adj2" fmla="val 99829"/>
               </a:avLst>
             </a:prstGeom>
-            <a:ln>
+            <a:ln w="15875">
               <a:solidFill>
                 <a:schemeClr val="accent2">
                   <a:lumMod val="75000"/>
@@ -13162,7 +13276,7 @@
             <a:prstGeom prst="straightConnector1">
               <a:avLst/>
             </a:prstGeom>
-            <a:ln>
+            <a:ln w="15875">
               <a:solidFill>
                 <a:schemeClr val="accent6">
                   <a:lumMod val="50000"/>
@@ -13246,7 +13360,7 @@
             <a:prstGeom prst="straightConnector1">
               <a:avLst/>
             </a:prstGeom>
-            <a:ln>
+            <a:ln w="15875">
               <a:solidFill>
                 <a:schemeClr val="accent6">
                   <a:lumMod val="50000"/>
@@ -13331,7 +13445,7 @@
                 <a:gd name="adj2" fmla="val 99829"/>
               </a:avLst>
             </a:prstGeom>
-            <a:ln>
+            <a:ln w="15875">
               <a:solidFill>
                 <a:schemeClr val="accent2">
                   <a:lumMod val="75000"/>
@@ -13592,11 +13706,11 @@
             <a:p>
               <a:r>
                 <a:rPr lang="en-US" dirty="0" err="1" smtClean="0"/>
-                <a:t>fims:Information</a:t>
+                <a:t>fims</a:t>
               </a:r>
               <a:r>
                 <a:rPr lang="en-US" dirty="0" smtClean="0"/>
-                <a:t> </a:t>
+                <a:t>::Information </a:t>
               </a:r>
               <a:endParaRPr lang="en-US" dirty="0"/>
             </a:p>
@@ -13829,7 +13943,7 @@
             <a:prstGeom prst="straightConnector1">
               <a:avLst/>
             </a:prstGeom>
-            <a:ln>
+            <a:ln w="15875">
               <a:tailEnd type="triangle"/>
             </a:ln>
           </p:spPr>
@@ -14035,10 +14149,10 @@
             <a:prstGeom prst="bentConnector2">
               <a:avLst/>
             </a:prstGeom>
-            <a:ln>
+            <a:ln w="15875">
               <a:solidFill>
                 <a:schemeClr val="accent2">
-                  <a:lumMod val="50000"/>
+                  <a:lumMod val="75000"/>
                 </a:schemeClr>
               </a:solidFill>
               <a:tailEnd type="triangle"/>
@@ -14085,7 +14199,7 @@
                 <a:rPr lang="en-US" dirty="0">
                   <a:solidFill>
                     <a:schemeClr val="accent2">
-                      <a:lumMod val="50000"/>
+                      <a:lumMod val="75000"/>
                     </a:schemeClr>
                   </a:solidFill>
                 </a:rPr>
@@ -14095,7 +14209,7 @@
                 <a:rPr lang="en-US" dirty="0" err="1">
                   <a:solidFill>
                     <a:schemeClr val="accent2">
-                      <a:lumMod val="50000"/>
+                      <a:lumMod val="75000"/>
                     </a:schemeClr>
                   </a:solidFill>
                 </a:rPr>
@@ -14105,7 +14219,7 @@
                 <a:rPr lang="en-US" dirty="0">
                   <a:solidFill>
                     <a:schemeClr val="accent2">
-                      <a:lumMod val="50000"/>
+                      <a:lumMod val="75000"/>
                     </a:schemeClr>
                   </a:solidFill>
                 </a:rPr>
@@ -14128,7 +14242,7 @@
             <a:prstGeom prst="straightConnector1">
               <a:avLst/>
             </a:prstGeom>
-            <a:ln>
+            <a:ln w="15875">
               <a:solidFill>
                 <a:schemeClr val="tx1"/>
               </a:solidFill>
@@ -14165,7 +14279,7 @@
             <a:prstGeom prst="line">
               <a:avLst/>
             </a:prstGeom>
-            <a:ln>
+            <a:ln w="15875">
               <a:solidFill>
                 <a:schemeClr val="tx1"/>
               </a:solidFill>
@@ -14236,7 +14350,7 @@
             <a:prstGeom prst="straightConnector1">
               <a:avLst/>
             </a:prstGeom>
-            <a:ln>
+            <a:ln w="15875">
               <a:solidFill>
                 <a:schemeClr val="tx1"/>
               </a:solidFill>
@@ -14321,2206 +14435,2212 @@
           <a:chExt cx="0" cy="0"/>
         </a:xfrm>
       </p:grpSpPr>
-      <p:grpSp>
-        <p:nvGrpSpPr>
-          <p:cNvPr id="8" name="Group 7"/>
-          <p:cNvGrpSpPr/>
+      <p:sp>
+        <p:nvSpPr>
+          <p:cNvPr id="4" name="Rectangle 3"/>
+          <p:cNvSpPr/>
           <p:nvPr/>
-        </p:nvGrpSpPr>
-        <p:grpSpPr>
+        </p:nvSpPr>
+        <p:spPr>
           <a:xfrm>
-            <a:off x="124968" y="146364"/>
-            <a:ext cx="11931950" cy="6385276"/>
-            <a:chOff x="124968" y="146364"/>
-            <a:chExt cx="11931950" cy="6385276"/>
+            <a:off x="245917" y="723900"/>
+            <a:ext cx="1619250" cy="1028700"/>
           </a:xfrm>
-        </p:grpSpPr>
-        <p:sp>
-          <p:nvSpPr>
-            <p:cNvPr id="4" name="Rectangle 3"/>
-            <p:cNvSpPr/>
-            <p:nvPr/>
-          </p:nvSpPr>
-          <p:spPr>
-            <a:xfrm>
-              <a:off x="245917" y="723900"/>
-              <a:ext cx="1619250" cy="1028700"/>
-            </a:xfrm>
-            <a:prstGeom prst="rect">
-              <a:avLst/>
-            </a:prstGeom>
+          <a:prstGeom prst="rect">
+            <a:avLst/>
+          </a:prstGeom>
+          <a:solidFill>
+            <a:schemeClr val="accent1">
+              <a:lumMod val="20000"/>
+              <a:lumOff val="80000"/>
+            </a:schemeClr>
+          </a:solidFill>
+          <a:ln>
             <a:solidFill>
               <a:schemeClr val="accent1">
-                <a:lumMod val="20000"/>
-                <a:lumOff val="80000"/>
+                <a:lumMod val="50000"/>
               </a:schemeClr>
             </a:solidFill>
-            <a:ln>
+          </a:ln>
+        </p:spPr>
+        <p:style>
+          <a:lnRef idx="2">
+            <a:schemeClr val="accent1">
+              <a:shade val="50000"/>
+            </a:schemeClr>
+          </a:lnRef>
+          <a:fillRef idx="1">
+            <a:schemeClr val="accent1"/>
+          </a:fillRef>
+          <a:effectRef idx="0">
+            <a:schemeClr val="accent1"/>
+          </a:effectRef>
+          <a:fontRef idx="minor">
+            <a:schemeClr val="lt1"/>
+          </a:fontRef>
+        </p:style>
+        <p:txBody>
+          <a:bodyPr rtlCol="0" anchor="ctr"/>
+          <a:lstStyle/>
+          <a:p>
+            <a:r>
+              <a:rPr lang="en-US" b="1" dirty="0" err="1" smtClean="0">
+                <a:solidFill>
+                  <a:schemeClr val="accent1">
+                    <a:lumMod val="50000"/>
+                  </a:schemeClr>
+                </a:solidFill>
+              </a:rPr>
+              <a:t>fims$maturity</a:t>
+            </a:r>
+            <a:endParaRPr lang="en-US" b="1" dirty="0" smtClean="0">
               <a:solidFill>
                 <a:schemeClr val="accent1">
                   <a:lumMod val="50000"/>
                 </a:schemeClr>
               </a:solidFill>
-            </a:ln>
-          </p:spPr>
-          <p:style>
-            <a:lnRef idx="2">
-              <a:schemeClr val="accent1">
-                <a:shade val="50000"/>
-              </a:schemeClr>
-            </a:lnRef>
-            <a:fillRef idx="1">
-              <a:schemeClr val="accent1"/>
-            </a:fillRef>
-            <a:effectRef idx="0">
-              <a:schemeClr val="accent1"/>
-            </a:effectRef>
-            <a:fontRef idx="minor">
-              <a:schemeClr val="lt1"/>
-            </a:fontRef>
-          </p:style>
-          <p:txBody>
-            <a:bodyPr rtlCol="0" anchor="ctr"/>
-            <a:lstStyle/>
-            <a:p>
-              <a:r>
-                <a:rPr lang="en-US" b="1" dirty="0" err="1" smtClean="0">
-                  <a:solidFill>
-                    <a:schemeClr val="accent1">
-                      <a:lumMod val="50000"/>
-                    </a:schemeClr>
-                  </a:solidFill>
-                </a:rPr>
-                <a:t>fims$maturity</a:t>
-              </a:r>
-              <a:endParaRPr lang="en-US" b="1" dirty="0" smtClean="0">
+            </a:endParaRPr>
+          </a:p>
+          <a:p>
+            <a:pPr marL="285750" indent="-285750">
+              <a:buFont typeface="Arial" panose="020B0604020202020204" pitchFamily="34" charset="0"/>
+              <a:buChar char="•"/>
+            </a:pPr>
+            <a:r>
+              <a:rPr lang="en-US" dirty="0" smtClean="0">
                 <a:solidFill>
                   <a:schemeClr val="accent1">
                     <a:lumMod val="50000"/>
                   </a:schemeClr>
                 </a:solidFill>
-              </a:endParaRPr>
-            </a:p>
-            <a:p>
-              <a:pPr marL="285750" indent="-285750">
-                <a:buFont typeface="Arial" panose="020B0604020202020204" pitchFamily="34" charset="0"/>
-                <a:buChar char="•"/>
-              </a:pPr>
-              <a:r>
-                <a:rPr lang="en-US" dirty="0" smtClean="0">
-                  <a:solidFill>
-                    <a:schemeClr val="accent1">
-                      <a:lumMod val="50000"/>
-                    </a:schemeClr>
-                  </a:solidFill>
-                </a:rPr>
-                <a:t>median</a:t>
-              </a:r>
-            </a:p>
-            <a:p>
-              <a:pPr marL="285750" indent="-285750">
-                <a:buFont typeface="Arial" panose="020B0604020202020204" pitchFamily="34" charset="0"/>
-                <a:buChar char="•"/>
-              </a:pPr>
-              <a:r>
-                <a:rPr lang="en-US" dirty="0" smtClean="0">
-                  <a:solidFill>
-                    <a:schemeClr val="accent1">
-                      <a:lumMod val="50000"/>
-                    </a:schemeClr>
-                  </a:solidFill>
-                </a:rPr>
-                <a:t>slope</a:t>
-              </a:r>
-              <a:endParaRPr lang="en-US" dirty="0">
+              </a:rPr>
+              <a:t>median</a:t>
+            </a:r>
+          </a:p>
+          <a:p>
+            <a:pPr marL="285750" indent="-285750">
+              <a:buFont typeface="Arial" panose="020B0604020202020204" pitchFamily="34" charset="0"/>
+              <a:buChar char="•"/>
+            </a:pPr>
+            <a:r>
+              <a:rPr lang="en-US" dirty="0" smtClean="0">
                 <a:solidFill>
                   <a:schemeClr val="accent1">
                     <a:lumMod val="50000"/>
                   </a:schemeClr>
                 </a:solidFill>
-              </a:endParaRPr>
-            </a:p>
-          </p:txBody>
-        </p:sp>
-        <p:sp>
-          <p:nvSpPr>
-            <p:cNvPr id="6" name="Rectangle 5"/>
-            <p:cNvSpPr/>
-            <p:nvPr/>
-          </p:nvSpPr>
-          <p:spPr>
-            <a:xfrm>
-              <a:off x="2661551" y="723900"/>
-              <a:ext cx="2606637" cy="1028700"/>
-            </a:xfrm>
-            <a:prstGeom prst="rect">
-              <a:avLst/>
-            </a:prstGeom>
-            <a:solidFill>
-              <a:schemeClr val="accent1">
-                <a:lumMod val="20000"/>
-                <a:lumOff val="80000"/>
-              </a:schemeClr>
-            </a:solidFill>
-            <a:ln>
+              </a:rPr>
+              <a:t>slope</a:t>
+            </a:r>
+            <a:endParaRPr lang="en-US" dirty="0">
               <a:solidFill>
                 <a:schemeClr val="accent1">
                   <a:lumMod val="50000"/>
                 </a:schemeClr>
               </a:solidFill>
-            </a:ln>
-          </p:spPr>
-          <p:style>
-            <a:lnRef idx="2">
+            </a:endParaRPr>
+          </a:p>
+        </p:txBody>
+      </p:sp>
+      <p:sp>
+        <p:nvSpPr>
+          <p:cNvPr id="6" name="Rectangle 5"/>
+          <p:cNvSpPr/>
+          <p:nvPr/>
+        </p:nvSpPr>
+        <p:spPr>
+          <a:xfrm>
+            <a:off x="2661551" y="723900"/>
+            <a:ext cx="2606637" cy="1028700"/>
+          </a:xfrm>
+          <a:prstGeom prst="rect">
+            <a:avLst/>
+          </a:prstGeom>
+          <a:solidFill>
+            <a:schemeClr val="accent1">
+              <a:lumMod val="20000"/>
+              <a:lumOff val="80000"/>
+            </a:schemeClr>
+          </a:solidFill>
+          <a:ln>
+            <a:solidFill>
               <a:schemeClr val="accent1">
-                <a:shade val="50000"/>
+                <a:lumMod val="50000"/>
               </a:schemeClr>
-            </a:lnRef>
-            <a:fillRef idx="1">
-              <a:schemeClr val="accent1"/>
-            </a:fillRef>
-            <a:effectRef idx="0">
-              <a:schemeClr val="accent1"/>
-            </a:effectRef>
-            <a:fontRef idx="minor">
-              <a:schemeClr val="lt1"/>
-            </a:fontRef>
-          </p:style>
-          <p:txBody>
-            <a:bodyPr rtlCol="0" anchor="ctr"/>
-            <a:lstStyle/>
-            <a:p>
-              <a:r>
-                <a:rPr lang="en-US" b="1" dirty="0" err="1" smtClean="0">
-                  <a:solidFill>
-                    <a:schemeClr val="accent1">
-                      <a:lumMod val="50000"/>
-                    </a:schemeClr>
-                  </a:solidFill>
-                </a:rPr>
-                <a:t>fims$LogisticMaturity</a:t>
-              </a:r>
-              <a:endParaRPr lang="en-US" b="1" dirty="0" smtClean="0">
+            </a:solidFill>
+          </a:ln>
+        </p:spPr>
+        <p:style>
+          <a:lnRef idx="2">
+            <a:schemeClr val="accent1">
+              <a:shade val="50000"/>
+            </a:schemeClr>
+          </a:lnRef>
+          <a:fillRef idx="1">
+            <a:schemeClr val="accent1"/>
+          </a:fillRef>
+          <a:effectRef idx="0">
+            <a:schemeClr val="accent1"/>
+          </a:effectRef>
+          <a:fontRef idx="minor">
+            <a:schemeClr val="lt1"/>
+          </a:fontRef>
+        </p:style>
+        <p:txBody>
+          <a:bodyPr rtlCol="0" anchor="ctr"/>
+          <a:lstStyle/>
+          <a:p>
+            <a:r>
+              <a:rPr lang="en-US" b="1" dirty="0" err="1" smtClean="0">
                 <a:solidFill>
                   <a:schemeClr val="accent1">
                     <a:lumMod val="50000"/>
                   </a:schemeClr>
                 </a:solidFill>
-              </a:endParaRPr>
-            </a:p>
-            <a:p>
-              <a:pPr marL="285750" indent="-285750">
-                <a:buFont typeface="Arial" panose="020B0604020202020204" pitchFamily="34" charset="0"/>
-                <a:buChar char="•"/>
-              </a:pPr>
-              <a:r>
-                <a:rPr lang="en-US" dirty="0" smtClean="0">
-                  <a:solidFill>
-                    <a:schemeClr val="accent1">
-                      <a:lumMod val="50000"/>
-                    </a:schemeClr>
-                  </a:solidFill>
-                </a:rPr>
-                <a:t>median</a:t>
-              </a:r>
-            </a:p>
-            <a:p>
-              <a:pPr marL="285750" indent="-285750">
-                <a:buFont typeface="Arial" panose="020B0604020202020204" pitchFamily="34" charset="0"/>
-                <a:buChar char="•"/>
-              </a:pPr>
-              <a:r>
-                <a:rPr lang="en-US" dirty="0" smtClean="0">
-                  <a:solidFill>
-                    <a:schemeClr val="accent1">
-                      <a:lumMod val="50000"/>
-                    </a:schemeClr>
-                  </a:solidFill>
-                </a:rPr>
-                <a:t>slope</a:t>
-              </a:r>
-            </a:p>
-          </p:txBody>
-        </p:sp>
-        <p:sp>
-          <p:nvSpPr>
-            <p:cNvPr id="10" name="Rectangle 9"/>
-            <p:cNvSpPr/>
-            <p:nvPr/>
-          </p:nvSpPr>
-          <p:spPr>
-            <a:xfrm>
-              <a:off x="2656160" y="1752599"/>
-              <a:ext cx="2612029" cy="1853045"/>
-            </a:xfrm>
-            <a:prstGeom prst="rect">
-              <a:avLst/>
-            </a:prstGeom>
-            <a:solidFill>
-              <a:schemeClr val="accent2">
-                <a:lumMod val="20000"/>
-                <a:lumOff val="80000"/>
-              </a:schemeClr>
-            </a:solidFill>
-            <a:ln>
+              </a:rPr>
+              <a:t>fims$LogisticMaturity</a:t>
+            </a:r>
+            <a:endParaRPr lang="en-US" b="1" dirty="0" smtClean="0">
               <a:solidFill>
-                <a:schemeClr val="accent2">
+                <a:schemeClr val="accent1">
                   <a:lumMod val="50000"/>
                 </a:schemeClr>
               </a:solidFill>
-            </a:ln>
-          </p:spPr>
-          <p:style>
-            <a:lnRef idx="2">
-              <a:schemeClr val="accent1">
-                <a:shade val="50000"/>
+            </a:endParaRPr>
+          </a:p>
+          <a:p>
+            <a:pPr marL="285750" indent="-285750">
+              <a:buFont typeface="Arial" panose="020B0604020202020204" pitchFamily="34" charset="0"/>
+              <a:buChar char="•"/>
+            </a:pPr>
+            <a:r>
+              <a:rPr lang="en-US" dirty="0" smtClean="0">
+                <a:solidFill>
+                  <a:schemeClr val="accent1">
+                    <a:lumMod val="50000"/>
+                  </a:schemeClr>
+                </a:solidFill>
+              </a:rPr>
+              <a:t>median</a:t>
+            </a:r>
+          </a:p>
+          <a:p>
+            <a:pPr marL="285750" indent="-285750">
+              <a:buFont typeface="Arial" panose="020B0604020202020204" pitchFamily="34" charset="0"/>
+              <a:buChar char="•"/>
+            </a:pPr>
+            <a:r>
+              <a:rPr lang="en-US" dirty="0" smtClean="0">
+                <a:solidFill>
+                  <a:schemeClr val="accent1">
+                    <a:lumMod val="50000"/>
+                  </a:schemeClr>
+                </a:solidFill>
+              </a:rPr>
+              <a:t>slope</a:t>
+            </a:r>
+          </a:p>
+        </p:txBody>
+      </p:sp>
+      <p:sp>
+        <p:nvSpPr>
+          <p:cNvPr id="10" name="Rectangle 9"/>
+          <p:cNvSpPr/>
+          <p:nvPr/>
+        </p:nvSpPr>
+        <p:spPr>
+          <a:xfrm>
+            <a:off x="2656160" y="1752599"/>
+            <a:ext cx="2612029" cy="1853045"/>
+          </a:xfrm>
+          <a:prstGeom prst="rect">
+            <a:avLst/>
+          </a:prstGeom>
+          <a:solidFill>
+            <a:schemeClr val="accent2">
+              <a:lumMod val="20000"/>
+              <a:lumOff val="80000"/>
+            </a:schemeClr>
+          </a:solidFill>
+          <a:ln>
+            <a:solidFill>
+              <a:schemeClr val="accent2">
+                <a:lumMod val="50000"/>
               </a:schemeClr>
-            </a:lnRef>
-            <a:fillRef idx="1">
-              <a:schemeClr val="accent1"/>
-            </a:fillRef>
-            <a:effectRef idx="0">
-              <a:schemeClr val="accent1"/>
-            </a:effectRef>
-            <a:fontRef idx="minor">
-              <a:schemeClr val="lt1"/>
-            </a:fontRef>
-          </p:style>
-          <p:txBody>
-            <a:bodyPr rtlCol="0" anchor="ctr"/>
-            <a:lstStyle/>
-            <a:p>
-              <a:r>
-                <a:rPr lang="en-US" sz="1200" dirty="0" smtClean="0">
-                  <a:solidFill>
-                    <a:schemeClr val="accent2">
-                      <a:lumMod val="75000"/>
-                    </a:schemeClr>
-                  </a:solidFill>
-                </a:rPr>
-                <a:t>rcpp_maturity.hpp</a:t>
-              </a:r>
-              <a:endParaRPr lang="en-US" sz="1200" dirty="0" smtClean="0">
-                <a:solidFill>
-                  <a:schemeClr val="tx1"/>
-                </a:solidFill>
-              </a:endParaRPr>
-            </a:p>
-            <a:p>
-              <a:r>
-                <a:rPr lang="en-US" b="1" dirty="0" err="1" smtClean="0">
-                  <a:solidFill>
-                    <a:schemeClr val="accent2">
-                      <a:lumMod val="75000"/>
-                    </a:schemeClr>
-                  </a:solidFill>
-                </a:rPr>
-                <a:t>LogisticMaturityInterface</a:t>
-              </a:r>
-              <a:endParaRPr lang="en-US" b="1" dirty="0" smtClean="0">
+            </a:solidFill>
+          </a:ln>
+        </p:spPr>
+        <p:style>
+          <a:lnRef idx="2">
+            <a:schemeClr val="accent1">
+              <a:shade val="50000"/>
+            </a:schemeClr>
+          </a:lnRef>
+          <a:fillRef idx="1">
+            <a:schemeClr val="accent1"/>
+          </a:fillRef>
+          <a:effectRef idx="0">
+            <a:schemeClr val="accent1"/>
+          </a:effectRef>
+          <a:fontRef idx="minor">
+            <a:schemeClr val="lt1"/>
+          </a:fontRef>
+        </p:style>
+        <p:txBody>
+          <a:bodyPr rtlCol="0" anchor="ctr"/>
+          <a:lstStyle/>
+          <a:p>
+            <a:r>
+              <a:rPr lang="en-US" sz="1200" dirty="0" smtClean="0">
                 <a:solidFill>
                   <a:schemeClr val="accent2">
                     <a:lumMod val="75000"/>
                   </a:schemeClr>
                 </a:solidFill>
-              </a:endParaRPr>
-            </a:p>
-            <a:p>
-              <a:pPr marL="285750" indent="-285750">
-                <a:buFont typeface="Arial" panose="020B0604020202020204" pitchFamily="34" charset="0"/>
-                <a:buChar char="•"/>
-              </a:pPr>
-              <a:r>
-                <a:rPr lang="en-US" dirty="0" smtClean="0">
-                  <a:solidFill>
-                    <a:schemeClr val="accent2">
-                      <a:lumMod val="75000"/>
-                    </a:schemeClr>
-                  </a:solidFill>
-                </a:rPr>
-                <a:t>median</a:t>
-              </a:r>
-            </a:p>
-            <a:p>
-              <a:pPr marL="285750" indent="-285750">
-                <a:buFont typeface="Arial" panose="020B0604020202020204" pitchFamily="34" charset="0"/>
-                <a:buChar char="•"/>
-              </a:pPr>
-              <a:r>
-                <a:rPr lang="en-US" dirty="0" smtClean="0">
-                  <a:solidFill>
-                    <a:schemeClr val="accent2">
-                      <a:lumMod val="75000"/>
-                    </a:schemeClr>
-                  </a:solidFill>
-                </a:rPr>
-                <a:t>slope</a:t>
-              </a:r>
-            </a:p>
-            <a:p>
-              <a:pPr marL="285750" indent="-285750">
-                <a:buFont typeface="Arial" panose="020B0604020202020204" pitchFamily="34" charset="0"/>
-                <a:buChar char="•"/>
-              </a:pPr>
-              <a:r>
-                <a:rPr lang="en-US" dirty="0" err="1">
-                  <a:solidFill>
-                    <a:schemeClr val="accent2">
-                      <a:lumMod val="75000"/>
-                    </a:schemeClr>
-                  </a:solidFill>
-                </a:rPr>
-                <a:t>a</a:t>
-              </a:r>
-              <a:r>
-                <a:rPr lang="en-US" dirty="0" err="1" smtClean="0">
-                  <a:solidFill>
-                    <a:schemeClr val="accent2">
-                      <a:lumMod val="75000"/>
-                    </a:schemeClr>
-                  </a:solidFill>
-                </a:rPr>
-                <a:t>dd_to_fims_tmb</a:t>
-              </a:r>
-              <a:r>
-                <a:rPr lang="en-US" dirty="0" smtClean="0">
-                  <a:solidFill>
-                    <a:schemeClr val="accent2">
-                      <a:lumMod val="75000"/>
-                    </a:schemeClr>
-                  </a:solidFill>
-                </a:rPr>
-                <a:t>(</a:t>
-              </a:r>
-            </a:p>
-            <a:p>
-              <a:r>
-                <a:rPr lang="en-US" dirty="0">
-                  <a:solidFill>
-                    <a:schemeClr val="accent2">
-                      <a:lumMod val="75000"/>
-                    </a:schemeClr>
-                  </a:solidFill>
-                </a:rPr>
-                <a:t> </a:t>
-              </a:r>
-              <a:r>
-                <a:rPr lang="en-US" dirty="0" smtClean="0">
-                  <a:solidFill>
-                    <a:schemeClr val="accent2">
-                      <a:lumMod val="75000"/>
-                    </a:schemeClr>
-                  </a:solidFill>
-                </a:rPr>
-                <a:t>       shared pointer: lm0</a:t>
-              </a:r>
-            </a:p>
-            <a:p>
-              <a:r>
-                <a:rPr lang="en-US" dirty="0">
-                  <a:solidFill>
-                    <a:schemeClr val="accent2">
-                      <a:lumMod val="75000"/>
-                    </a:schemeClr>
-                  </a:solidFill>
-                </a:rPr>
-                <a:t> </a:t>
-              </a:r>
-              <a:r>
-                <a:rPr lang="en-US" dirty="0" smtClean="0">
-                  <a:solidFill>
-                    <a:schemeClr val="accent2">
-                      <a:lumMod val="75000"/>
-                    </a:schemeClr>
-                  </a:solidFill>
-                </a:rPr>
-                <a:t>       shared pointer: d0</a:t>
-              </a:r>
-            </a:p>
-          </p:txBody>
-        </p:sp>
-        <p:cxnSp>
-          <p:nvCxnSpPr>
-            <p:cNvPr id="12" name="Straight Arrow Connector 11"/>
-            <p:cNvCxnSpPr>
-              <a:stCxn id="4" idx="3"/>
-              <a:endCxn id="6" idx="1"/>
-            </p:cNvCxnSpPr>
-            <p:nvPr/>
-          </p:nvCxnSpPr>
-          <p:spPr>
-            <a:xfrm>
-              <a:off x="1865167" y="1238250"/>
-              <a:ext cx="796385" cy="0"/>
-            </a:xfrm>
-            <a:prstGeom prst="straightConnector1">
-              <a:avLst/>
-            </a:prstGeom>
-            <a:ln>
-              <a:tailEnd type="triangle"/>
-            </a:ln>
-          </p:spPr>
-          <p:style>
-            <a:lnRef idx="1">
-              <a:schemeClr val="accent1"/>
-            </a:lnRef>
-            <a:fillRef idx="0">
-              <a:schemeClr val="accent1"/>
-            </a:fillRef>
-            <a:effectRef idx="0">
-              <a:schemeClr val="accent1"/>
-            </a:effectRef>
-            <a:fontRef idx="minor">
-              <a:schemeClr val="tx1"/>
-            </a:fontRef>
-          </p:style>
-        </p:cxnSp>
-        <p:sp>
-          <p:nvSpPr>
-            <p:cNvPr id="15" name="TextBox 14"/>
-            <p:cNvSpPr txBox="1"/>
-            <p:nvPr/>
-          </p:nvSpPr>
-          <p:spPr>
-            <a:xfrm>
-              <a:off x="1865167" y="876300"/>
-              <a:ext cx="781050" cy="369332"/>
-            </a:xfrm>
-            <a:prstGeom prst="rect">
-              <a:avLst/>
-            </a:prstGeom>
-            <a:noFill/>
-          </p:spPr>
-          <p:txBody>
-            <a:bodyPr wrap="square" rtlCol="0">
-              <a:spAutoFit/>
-            </a:bodyPr>
-            <a:lstStyle/>
-            <a:p>
-              <a:r>
-                <a:rPr lang="en-US" dirty="0" smtClean="0">
-                  <a:solidFill>
-                    <a:schemeClr val="accent1">
-                      <a:lumMod val="50000"/>
-                    </a:schemeClr>
-                  </a:solidFill>
-                </a:rPr>
-                <a:t>new()</a:t>
-              </a:r>
-              <a:endParaRPr lang="en-US" dirty="0">
+              </a:rPr>
+              <a:t>rcpp_maturity.hpp</a:t>
+            </a:r>
+            <a:endParaRPr lang="en-US" sz="1200" dirty="0" smtClean="0">
+              <a:solidFill>
+                <a:schemeClr val="tx1"/>
+              </a:solidFill>
+            </a:endParaRPr>
+          </a:p>
+          <a:p>
+            <a:r>
+              <a:rPr lang="en-US" b="1" dirty="0" err="1" smtClean="0">
+                <a:solidFill>
+                  <a:schemeClr val="accent2">
+                    <a:lumMod val="75000"/>
+                  </a:schemeClr>
+                </a:solidFill>
+              </a:rPr>
+              <a:t>LogisticMaturityInterface</a:t>
+            </a:r>
+            <a:endParaRPr lang="en-US" b="1" dirty="0" smtClean="0">
+              <a:solidFill>
+                <a:schemeClr val="accent2">
+                  <a:lumMod val="75000"/>
+                </a:schemeClr>
+              </a:solidFill>
+            </a:endParaRPr>
+          </a:p>
+          <a:p>
+            <a:pPr marL="285750" indent="-285750">
+              <a:buFont typeface="Arial" panose="020B0604020202020204" pitchFamily="34" charset="0"/>
+              <a:buChar char="•"/>
+            </a:pPr>
+            <a:r>
+              <a:rPr lang="en-US" dirty="0" smtClean="0">
+                <a:solidFill>
+                  <a:schemeClr val="accent2">
+                    <a:lumMod val="75000"/>
+                  </a:schemeClr>
+                </a:solidFill>
+              </a:rPr>
+              <a:t>median</a:t>
+            </a:r>
+          </a:p>
+          <a:p>
+            <a:pPr marL="285750" indent="-285750">
+              <a:buFont typeface="Arial" panose="020B0604020202020204" pitchFamily="34" charset="0"/>
+              <a:buChar char="•"/>
+            </a:pPr>
+            <a:r>
+              <a:rPr lang="en-US" dirty="0" smtClean="0">
+                <a:solidFill>
+                  <a:schemeClr val="accent2">
+                    <a:lumMod val="75000"/>
+                  </a:schemeClr>
+                </a:solidFill>
+              </a:rPr>
+              <a:t>slope</a:t>
+            </a:r>
+          </a:p>
+          <a:p>
+            <a:pPr marL="285750" indent="-285750">
+              <a:buFont typeface="Arial" panose="020B0604020202020204" pitchFamily="34" charset="0"/>
+              <a:buChar char="•"/>
+            </a:pPr>
+            <a:r>
+              <a:rPr lang="en-US" dirty="0" err="1">
+                <a:solidFill>
+                  <a:schemeClr val="accent2">
+                    <a:lumMod val="75000"/>
+                  </a:schemeClr>
+                </a:solidFill>
+              </a:rPr>
+              <a:t>a</a:t>
+            </a:r>
+            <a:r>
+              <a:rPr lang="en-US" dirty="0" err="1" smtClean="0">
+                <a:solidFill>
+                  <a:schemeClr val="accent2">
+                    <a:lumMod val="75000"/>
+                  </a:schemeClr>
+                </a:solidFill>
+              </a:rPr>
+              <a:t>dd_to_fims_tmb</a:t>
+            </a:r>
+            <a:r>
+              <a:rPr lang="en-US" dirty="0" smtClean="0">
+                <a:solidFill>
+                  <a:schemeClr val="accent2">
+                    <a:lumMod val="75000"/>
+                  </a:schemeClr>
+                </a:solidFill>
+              </a:rPr>
+              <a:t>(</a:t>
+            </a:r>
+          </a:p>
+          <a:p>
+            <a:r>
+              <a:rPr lang="en-US" dirty="0">
+                <a:solidFill>
+                  <a:schemeClr val="accent2">
+                    <a:lumMod val="75000"/>
+                  </a:schemeClr>
+                </a:solidFill>
+              </a:rPr>
+              <a:t> </a:t>
+            </a:r>
+            <a:r>
+              <a:rPr lang="en-US" dirty="0" smtClean="0">
+                <a:solidFill>
+                  <a:schemeClr val="accent2">
+                    <a:lumMod val="75000"/>
+                  </a:schemeClr>
+                </a:solidFill>
+              </a:rPr>
+              <a:t>       shared pointer: lm0</a:t>
+            </a:r>
+          </a:p>
+          <a:p>
+            <a:r>
+              <a:rPr lang="en-US" dirty="0">
+                <a:solidFill>
+                  <a:schemeClr val="accent2">
+                    <a:lumMod val="75000"/>
+                  </a:schemeClr>
+                </a:solidFill>
+              </a:rPr>
+              <a:t> </a:t>
+            </a:r>
+            <a:r>
+              <a:rPr lang="en-US" dirty="0" smtClean="0">
+                <a:solidFill>
+                  <a:schemeClr val="accent2">
+                    <a:lumMod val="75000"/>
+                  </a:schemeClr>
+                </a:solidFill>
+              </a:rPr>
+              <a:t>       shared pointer: </a:t>
+            </a:r>
+            <a:r>
+              <a:rPr lang="en-US" dirty="0" smtClean="0">
+                <a:solidFill>
+                  <a:schemeClr val="accent2">
+                    <a:lumMod val="75000"/>
+                  </a:schemeClr>
+                </a:solidFill>
+              </a:rPr>
+              <a:t>d0)</a:t>
+            </a:r>
+            <a:endParaRPr lang="en-US" dirty="0" smtClean="0">
+              <a:solidFill>
+                <a:schemeClr val="accent2">
+                  <a:lumMod val="75000"/>
+                </a:schemeClr>
+              </a:solidFill>
+            </a:endParaRPr>
+          </a:p>
+        </p:txBody>
+      </p:sp>
+      <p:cxnSp>
+        <p:nvCxnSpPr>
+          <p:cNvPr id="12" name="Straight Arrow Connector 11"/>
+          <p:cNvCxnSpPr>
+            <a:stCxn id="4" idx="3"/>
+            <a:endCxn id="6" idx="1"/>
+          </p:cNvCxnSpPr>
+          <p:nvPr/>
+        </p:nvCxnSpPr>
+        <p:spPr>
+          <a:xfrm>
+            <a:off x="1865167" y="1238250"/>
+            <a:ext cx="796385" cy="0"/>
+          </a:xfrm>
+          <a:prstGeom prst="straightConnector1">
+            <a:avLst/>
+          </a:prstGeom>
+          <a:ln w="15875">
+            <a:tailEnd type="triangle"/>
+          </a:ln>
+        </p:spPr>
+        <p:style>
+          <a:lnRef idx="1">
+            <a:schemeClr val="accent1"/>
+          </a:lnRef>
+          <a:fillRef idx="0">
+            <a:schemeClr val="accent1"/>
+          </a:fillRef>
+          <a:effectRef idx="0">
+            <a:schemeClr val="accent1"/>
+          </a:effectRef>
+          <a:fontRef idx="minor">
+            <a:schemeClr val="tx1"/>
+          </a:fontRef>
+        </p:style>
+      </p:cxnSp>
+      <p:sp>
+        <p:nvSpPr>
+          <p:cNvPr id="15" name="TextBox 14"/>
+          <p:cNvSpPr txBox="1"/>
+          <p:nvPr/>
+        </p:nvSpPr>
+        <p:spPr>
+          <a:xfrm>
+            <a:off x="1865167" y="876300"/>
+            <a:ext cx="781050" cy="369332"/>
+          </a:xfrm>
+          <a:prstGeom prst="rect">
+            <a:avLst/>
+          </a:prstGeom>
+          <a:noFill/>
+        </p:spPr>
+        <p:txBody>
+          <a:bodyPr wrap="square" rtlCol="0">
+            <a:spAutoFit/>
+          </a:bodyPr>
+          <a:lstStyle/>
+          <a:p>
+            <a:r>
+              <a:rPr lang="en-US" dirty="0" smtClean="0">
                 <a:solidFill>
                   <a:schemeClr val="accent1">
                     <a:lumMod val="50000"/>
                   </a:schemeClr>
                 </a:solidFill>
-              </a:endParaRPr>
-            </a:p>
-          </p:txBody>
-        </p:sp>
-        <p:cxnSp>
-          <p:nvCxnSpPr>
-            <p:cNvPr id="17" name="Elbow Connector 16"/>
-            <p:cNvCxnSpPr/>
-            <p:nvPr/>
-          </p:nvCxnSpPr>
-          <p:spPr>
-            <a:xfrm>
-              <a:off x="2676349" y="1387415"/>
-              <a:ext cx="12700" cy="788958"/>
-            </a:xfrm>
-            <a:prstGeom prst="bentConnector4">
-              <a:avLst>
-                <a:gd name="adj1" fmla="val -2826591"/>
-                <a:gd name="adj2" fmla="val 99829"/>
-              </a:avLst>
-            </a:prstGeom>
-            <a:ln>
+              </a:rPr>
+              <a:t>new()</a:t>
+            </a:r>
+            <a:endParaRPr lang="en-US" dirty="0">
+              <a:solidFill>
+                <a:schemeClr val="accent1">
+                  <a:lumMod val="50000"/>
+                </a:schemeClr>
+              </a:solidFill>
+            </a:endParaRPr>
+          </a:p>
+        </p:txBody>
+      </p:sp>
+      <p:cxnSp>
+        <p:nvCxnSpPr>
+          <p:cNvPr id="17" name="Elbow Connector 16"/>
+          <p:cNvCxnSpPr/>
+          <p:nvPr/>
+        </p:nvCxnSpPr>
+        <p:spPr>
+          <a:xfrm>
+            <a:off x="2676349" y="1387415"/>
+            <a:ext cx="12700" cy="788958"/>
+          </a:xfrm>
+          <a:prstGeom prst="bentConnector4">
+            <a:avLst>
+              <a:gd name="adj1" fmla="val -2826591"/>
+              <a:gd name="adj2" fmla="val 99829"/>
+            </a:avLst>
+          </a:prstGeom>
+          <a:ln w="15875">
+            <a:solidFill>
+              <a:schemeClr val="accent2">
+                <a:lumMod val="75000"/>
+              </a:schemeClr>
+            </a:solidFill>
+            <a:tailEnd type="triangle"/>
+          </a:ln>
+        </p:spPr>
+        <p:style>
+          <a:lnRef idx="1">
+            <a:schemeClr val="accent2"/>
+          </a:lnRef>
+          <a:fillRef idx="0">
+            <a:schemeClr val="accent2"/>
+          </a:fillRef>
+          <a:effectRef idx="0">
+            <a:schemeClr val="accent2"/>
+          </a:effectRef>
+          <a:fontRef idx="minor">
+            <a:schemeClr val="tx1"/>
+          </a:fontRef>
+        </p:style>
+      </p:cxnSp>
+      <p:sp>
+        <p:nvSpPr>
+          <p:cNvPr id="21" name="TextBox 20"/>
+          <p:cNvSpPr txBox="1"/>
+          <p:nvPr/>
+        </p:nvSpPr>
+        <p:spPr>
+          <a:xfrm>
+            <a:off x="367500" y="1833749"/>
+            <a:ext cx="2191110" cy="369332"/>
+          </a:xfrm>
+          <a:prstGeom prst="rect">
+            <a:avLst/>
+          </a:prstGeom>
+          <a:noFill/>
+        </p:spPr>
+        <p:txBody>
+          <a:bodyPr wrap="square" rtlCol="0">
+            <a:spAutoFit/>
+          </a:bodyPr>
+          <a:lstStyle/>
+          <a:p>
+            <a:r>
+              <a:rPr lang="en-US" dirty="0" smtClean="0">
+                <a:solidFill>
+                  <a:schemeClr val="accent2">
+                    <a:lumMod val="75000"/>
+                  </a:schemeClr>
+                </a:solidFill>
+              </a:rPr>
+              <a:t>rcpp_interface.hpp</a:t>
+            </a:r>
+            <a:endParaRPr lang="en-US" dirty="0">
               <a:solidFill>
                 <a:schemeClr val="accent2">
                   <a:lumMod val="75000"/>
                 </a:schemeClr>
               </a:solidFill>
-              <a:tailEnd type="triangle"/>
-            </a:ln>
-          </p:spPr>
-          <p:style>
-            <a:lnRef idx="1">
-              <a:schemeClr val="accent2"/>
-            </a:lnRef>
-            <a:fillRef idx="0">
-              <a:schemeClr val="accent2"/>
-            </a:fillRef>
-            <a:effectRef idx="0">
-              <a:schemeClr val="accent2"/>
-            </a:effectRef>
-            <a:fontRef idx="minor">
-              <a:schemeClr val="tx1"/>
-            </a:fontRef>
-          </p:style>
-        </p:cxnSp>
-        <p:sp>
-          <p:nvSpPr>
-            <p:cNvPr id="21" name="TextBox 20"/>
-            <p:cNvSpPr txBox="1"/>
-            <p:nvPr/>
-          </p:nvSpPr>
-          <p:spPr>
-            <a:xfrm>
-              <a:off x="367500" y="1833749"/>
-              <a:ext cx="2191110" cy="369332"/>
-            </a:xfrm>
-            <a:prstGeom prst="rect">
-              <a:avLst/>
-            </a:prstGeom>
-            <a:noFill/>
-          </p:spPr>
-          <p:txBody>
-            <a:bodyPr wrap="square" rtlCol="0">
-              <a:spAutoFit/>
-            </a:bodyPr>
-            <a:lstStyle/>
-            <a:p>
-              <a:r>
-                <a:rPr lang="en-US" dirty="0" smtClean="0">
-                  <a:solidFill>
-                    <a:schemeClr val="accent2">
-                      <a:lumMod val="75000"/>
-                    </a:schemeClr>
-                  </a:solidFill>
-                </a:rPr>
-                <a:t>rcpp_interface.hpp</a:t>
-              </a:r>
-              <a:endParaRPr lang="en-US" dirty="0">
+            </a:endParaRPr>
+          </a:p>
+        </p:txBody>
+      </p:sp>
+      <p:sp>
+        <p:nvSpPr>
+          <p:cNvPr id="22" name="Rectangle 21"/>
+          <p:cNvSpPr/>
+          <p:nvPr/>
+        </p:nvSpPr>
+        <p:spPr>
+          <a:xfrm>
+            <a:off x="2658916" y="3616140"/>
+            <a:ext cx="2609271" cy="1331703"/>
+          </a:xfrm>
+          <a:prstGeom prst="rect">
+            <a:avLst/>
+          </a:prstGeom>
+          <a:solidFill>
+            <a:schemeClr val="accent6">
+              <a:lumMod val="20000"/>
+              <a:lumOff val="80000"/>
+            </a:schemeClr>
+          </a:solidFill>
+          <a:ln>
+            <a:solidFill>
+              <a:schemeClr val="accent6">
+                <a:lumMod val="50000"/>
+              </a:schemeClr>
+            </a:solidFill>
+          </a:ln>
+        </p:spPr>
+        <p:style>
+          <a:lnRef idx="2">
+            <a:schemeClr val="accent1">
+              <a:shade val="50000"/>
+            </a:schemeClr>
+          </a:lnRef>
+          <a:fillRef idx="1">
+            <a:schemeClr val="accent1"/>
+          </a:fillRef>
+          <a:effectRef idx="0">
+            <a:schemeClr val="accent1"/>
+          </a:effectRef>
+          <a:fontRef idx="minor">
+            <a:schemeClr val="lt1"/>
+          </a:fontRef>
+        </p:style>
+        <p:txBody>
+          <a:bodyPr rtlCol="0" anchor="ctr"/>
+          <a:lstStyle/>
+          <a:p>
+            <a:r>
+              <a:rPr lang="en-US" sz="1200" dirty="0" smtClean="0">
+                <a:solidFill>
+                  <a:schemeClr val="accent6">
+                    <a:lumMod val="50000"/>
+                  </a:schemeClr>
+                </a:solidFill>
+              </a:rPr>
+              <a:t>maturity/</a:t>
+            </a:r>
+            <a:r>
+              <a:rPr lang="en-US" sz="1200" dirty="0" err="1" smtClean="0">
+                <a:solidFill>
+                  <a:schemeClr val="accent6">
+                    <a:lumMod val="50000"/>
+                  </a:schemeClr>
+                </a:solidFill>
+              </a:rPr>
+              <a:t>functors</a:t>
+            </a:r>
+            <a:r>
+              <a:rPr lang="en-US" sz="1200" dirty="0" smtClean="0">
+                <a:solidFill>
+                  <a:schemeClr val="accent6">
+                    <a:lumMod val="50000"/>
+                  </a:schemeClr>
+                </a:solidFill>
+              </a:rPr>
+              <a:t>/logistic.hpp</a:t>
+            </a:r>
+          </a:p>
+          <a:p>
+            <a:r>
+              <a:rPr lang="en-US" b="1" dirty="0" err="1" smtClean="0">
+                <a:solidFill>
+                  <a:schemeClr val="accent6">
+                    <a:lumMod val="50000"/>
+                  </a:schemeClr>
+                </a:solidFill>
+              </a:rPr>
+              <a:t>fims</a:t>
+            </a:r>
+            <a:r>
+              <a:rPr lang="en-US" b="1" dirty="0" smtClean="0">
+                <a:solidFill>
+                  <a:schemeClr val="accent6">
+                    <a:lumMod val="50000"/>
+                  </a:schemeClr>
+                </a:solidFill>
+              </a:rPr>
+              <a:t>::</a:t>
+            </a:r>
+            <a:r>
+              <a:rPr lang="en-US" b="1" dirty="0" err="1" smtClean="0">
+                <a:solidFill>
+                  <a:schemeClr val="accent6">
+                    <a:lumMod val="50000"/>
+                  </a:schemeClr>
+                </a:solidFill>
+              </a:rPr>
+              <a:t>LogisticMaturity</a:t>
+            </a:r>
+            <a:endParaRPr lang="en-US" b="1" dirty="0" smtClean="0">
+              <a:solidFill>
+                <a:schemeClr val="accent6">
+                  <a:lumMod val="50000"/>
+                </a:schemeClr>
+              </a:solidFill>
+            </a:endParaRPr>
+          </a:p>
+          <a:p>
+            <a:pPr marL="285750" indent="-285750">
+              <a:buFont typeface="Arial" panose="020B0604020202020204" pitchFamily="34" charset="0"/>
+              <a:buChar char="•"/>
+            </a:pPr>
+            <a:r>
+              <a:rPr lang="en-US" dirty="0" smtClean="0">
+                <a:solidFill>
+                  <a:schemeClr val="accent6">
+                    <a:lumMod val="50000"/>
+                  </a:schemeClr>
+                </a:solidFill>
+              </a:rPr>
+              <a:t>median</a:t>
+            </a:r>
+          </a:p>
+          <a:p>
+            <a:pPr marL="285750" indent="-285750">
+              <a:buFont typeface="Arial" panose="020B0604020202020204" pitchFamily="34" charset="0"/>
+              <a:buChar char="•"/>
+            </a:pPr>
+            <a:r>
+              <a:rPr lang="en-US" dirty="0" smtClean="0">
+                <a:solidFill>
+                  <a:schemeClr val="accent6">
+                    <a:lumMod val="50000"/>
+                  </a:schemeClr>
+                </a:solidFill>
+              </a:rPr>
+              <a:t>slope</a:t>
+            </a:r>
+          </a:p>
+          <a:p>
+            <a:pPr marL="285750" indent="-285750">
+              <a:buFont typeface="Arial" panose="020B0604020202020204" pitchFamily="34" charset="0"/>
+              <a:buChar char="•"/>
+            </a:pPr>
+            <a:r>
+              <a:rPr lang="en-US" dirty="0" smtClean="0">
+                <a:solidFill>
+                  <a:schemeClr val="accent6">
+                    <a:lumMod val="50000"/>
+                  </a:schemeClr>
+                </a:solidFill>
+              </a:rPr>
+              <a:t>evaluate(x)</a:t>
+            </a:r>
+          </a:p>
+        </p:txBody>
+      </p:sp>
+      <p:sp>
+        <p:nvSpPr>
+          <p:cNvPr id="24" name="TextBox 23"/>
+          <p:cNvSpPr txBox="1"/>
+          <p:nvPr/>
+        </p:nvSpPr>
+        <p:spPr>
+          <a:xfrm>
+            <a:off x="315545" y="3583279"/>
+            <a:ext cx="2133600" cy="369332"/>
+          </a:xfrm>
+          <a:prstGeom prst="rect">
+            <a:avLst/>
+          </a:prstGeom>
+          <a:noFill/>
+        </p:spPr>
+        <p:txBody>
+          <a:bodyPr wrap="square" rtlCol="0">
+            <a:spAutoFit/>
+          </a:bodyPr>
+          <a:lstStyle/>
+          <a:p>
+            <a:r>
+              <a:rPr lang="en-US" dirty="0" smtClean="0">
                 <a:solidFill>
                   <a:schemeClr val="accent2">
                     <a:lumMod val="75000"/>
                   </a:schemeClr>
                 </a:solidFill>
-              </a:endParaRPr>
-            </a:p>
-          </p:txBody>
-        </p:sp>
-        <p:sp>
-          <p:nvSpPr>
-            <p:cNvPr id="22" name="Rectangle 21"/>
-            <p:cNvSpPr/>
-            <p:nvPr/>
-          </p:nvSpPr>
-          <p:spPr>
-            <a:xfrm>
-              <a:off x="2658916" y="3616140"/>
-              <a:ext cx="2609271" cy="1331703"/>
-            </a:xfrm>
-            <a:prstGeom prst="rect">
-              <a:avLst/>
-            </a:prstGeom>
+              </a:rPr>
+              <a:t>shared pointer: lm0</a:t>
+            </a:r>
+          </a:p>
+        </p:txBody>
+      </p:sp>
+      <p:sp>
+        <p:nvSpPr>
+          <p:cNvPr id="37" name="Rectangle 36"/>
+          <p:cNvSpPr/>
+          <p:nvPr/>
+        </p:nvSpPr>
+        <p:spPr>
+          <a:xfrm>
+            <a:off x="2658917" y="5545941"/>
+            <a:ext cx="2609270" cy="871268"/>
+          </a:xfrm>
+          <a:prstGeom prst="rect">
+            <a:avLst/>
+          </a:prstGeom>
+          <a:solidFill>
+            <a:schemeClr val="accent6">
+              <a:lumMod val="20000"/>
+              <a:lumOff val="80000"/>
+            </a:schemeClr>
+          </a:solidFill>
+          <a:ln>
             <a:solidFill>
               <a:schemeClr val="accent6">
-                <a:lumMod val="20000"/>
-                <a:lumOff val="80000"/>
+                <a:lumMod val="50000"/>
               </a:schemeClr>
             </a:solidFill>
-            <a:ln>
+          </a:ln>
+        </p:spPr>
+        <p:style>
+          <a:lnRef idx="2">
+            <a:schemeClr val="accent1">
+              <a:shade val="50000"/>
+            </a:schemeClr>
+          </a:lnRef>
+          <a:fillRef idx="1">
+            <a:schemeClr val="accent1"/>
+          </a:fillRef>
+          <a:effectRef idx="0">
+            <a:schemeClr val="accent1"/>
+          </a:effectRef>
+          <a:fontRef idx="minor">
+            <a:schemeClr val="lt1"/>
+          </a:fontRef>
+        </p:style>
+        <p:txBody>
+          <a:bodyPr rtlCol="0" anchor="ctr"/>
+          <a:lstStyle/>
+          <a:p>
+            <a:r>
+              <a:rPr lang="en-US" sz="1200" dirty="0" smtClean="0">
+                <a:solidFill>
+                  <a:schemeClr val="tx1"/>
+                </a:solidFill>
+              </a:rPr>
+              <a:t>maturity/</a:t>
+            </a:r>
+            <a:r>
+              <a:rPr lang="en-US" sz="1200" dirty="0" err="1" smtClean="0">
+                <a:solidFill>
+                  <a:schemeClr val="tx1"/>
+                </a:solidFill>
+              </a:rPr>
+              <a:t>functors</a:t>
+            </a:r>
+            <a:r>
+              <a:rPr lang="en-US" sz="1200" dirty="0" smtClean="0">
+                <a:solidFill>
+                  <a:schemeClr val="tx1"/>
+                </a:solidFill>
+              </a:rPr>
+              <a:t>/maturity_base.hpp</a:t>
+            </a:r>
+          </a:p>
+          <a:p>
+            <a:r>
+              <a:rPr lang="en-US" b="1" dirty="0" err="1" smtClean="0">
+                <a:solidFill>
+                  <a:schemeClr val="accent6">
+                    <a:lumMod val="50000"/>
+                  </a:schemeClr>
+                </a:solidFill>
+              </a:rPr>
+              <a:t>fims</a:t>
+            </a:r>
+            <a:r>
+              <a:rPr lang="en-US" b="1" dirty="0" smtClean="0">
+                <a:solidFill>
+                  <a:schemeClr val="accent6">
+                    <a:lumMod val="50000"/>
+                  </a:schemeClr>
+                </a:solidFill>
+              </a:rPr>
+              <a:t>::</a:t>
+            </a:r>
+            <a:r>
+              <a:rPr lang="en-US" b="1" dirty="0" err="1" smtClean="0">
+                <a:solidFill>
+                  <a:schemeClr val="accent6">
+                    <a:lumMod val="50000"/>
+                  </a:schemeClr>
+                </a:solidFill>
+              </a:rPr>
+              <a:t>MaturityBase</a:t>
+            </a:r>
+            <a:endParaRPr lang="en-US" b="1" dirty="0" smtClean="0">
               <a:solidFill>
                 <a:schemeClr val="accent6">
                   <a:lumMod val="50000"/>
                 </a:schemeClr>
               </a:solidFill>
-            </a:ln>
-          </p:spPr>
-          <p:style>
-            <a:lnRef idx="2">
-              <a:schemeClr val="accent1">
-                <a:shade val="50000"/>
-              </a:schemeClr>
-            </a:lnRef>
-            <a:fillRef idx="1">
-              <a:schemeClr val="accent1"/>
-            </a:fillRef>
-            <a:effectRef idx="0">
-              <a:schemeClr val="accent1"/>
-            </a:effectRef>
-            <a:fontRef idx="minor">
-              <a:schemeClr val="lt1"/>
-            </a:fontRef>
-          </p:style>
-          <p:txBody>
-            <a:bodyPr rtlCol="0" anchor="ctr"/>
-            <a:lstStyle/>
-            <a:p>
-              <a:r>
-                <a:rPr lang="en-US" sz="1200" dirty="0" smtClean="0">
-                  <a:solidFill>
-                    <a:schemeClr val="accent6">
-                      <a:lumMod val="50000"/>
-                    </a:schemeClr>
-                  </a:solidFill>
-                </a:rPr>
-                <a:t>maturity/</a:t>
-              </a:r>
-              <a:r>
-                <a:rPr lang="en-US" sz="1200" dirty="0" err="1" smtClean="0">
-                  <a:solidFill>
-                    <a:schemeClr val="accent6">
-                      <a:lumMod val="50000"/>
-                    </a:schemeClr>
-                  </a:solidFill>
-                </a:rPr>
-                <a:t>functors</a:t>
-              </a:r>
-              <a:r>
-                <a:rPr lang="en-US" sz="1200" dirty="0" smtClean="0">
-                  <a:solidFill>
-                    <a:schemeClr val="accent6">
-                      <a:lumMod val="50000"/>
-                    </a:schemeClr>
-                  </a:solidFill>
-                </a:rPr>
-                <a:t>/logistic.hpp</a:t>
-              </a:r>
-            </a:p>
-            <a:p>
-              <a:r>
-                <a:rPr lang="en-US" b="1" dirty="0" err="1" smtClean="0">
-                  <a:solidFill>
-                    <a:schemeClr val="accent6">
-                      <a:lumMod val="50000"/>
-                    </a:schemeClr>
-                  </a:solidFill>
-                </a:rPr>
-                <a:t>fims</a:t>
-              </a:r>
-              <a:r>
-                <a:rPr lang="en-US" b="1" dirty="0" smtClean="0">
-                  <a:solidFill>
-                    <a:schemeClr val="accent6">
-                      <a:lumMod val="50000"/>
-                    </a:schemeClr>
-                  </a:solidFill>
-                </a:rPr>
-                <a:t>::</a:t>
-              </a:r>
-              <a:r>
-                <a:rPr lang="en-US" b="1" dirty="0" err="1" smtClean="0">
-                  <a:solidFill>
-                    <a:schemeClr val="accent6">
-                      <a:lumMod val="50000"/>
-                    </a:schemeClr>
-                  </a:solidFill>
-                </a:rPr>
-                <a:t>LogisticMaturity</a:t>
-              </a:r>
-              <a:endParaRPr lang="en-US" b="1" dirty="0" smtClean="0">
+            </a:endParaRPr>
+          </a:p>
+          <a:p>
+            <a:pPr marL="285750" indent="-285750">
+              <a:buFont typeface="Arial" panose="020B0604020202020204" pitchFamily="34" charset="0"/>
+              <a:buChar char="•"/>
+            </a:pPr>
+            <a:r>
+              <a:rPr lang="en-US" dirty="0" smtClean="0">
                 <a:solidFill>
                   <a:schemeClr val="accent6">
                     <a:lumMod val="50000"/>
                   </a:schemeClr>
                 </a:solidFill>
-              </a:endParaRPr>
-            </a:p>
-            <a:p>
-              <a:pPr marL="285750" indent="-285750">
-                <a:buFont typeface="Arial" panose="020B0604020202020204" pitchFamily="34" charset="0"/>
-                <a:buChar char="•"/>
-              </a:pPr>
-              <a:r>
-                <a:rPr lang="en-US" dirty="0" smtClean="0">
-                  <a:solidFill>
-                    <a:schemeClr val="accent6">
-                      <a:lumMod val="50000"/>
-                    </a:schemeClr>
-                  </a:solidFill>
-                </a:rPr>
-                <a:t>median</a:t>
-              </a:r>
-            </a:p>
-            <a:p>
-              <a:pPr marL="285750" indent="-285750">
-                <a:buFont typeface="Arial" panose="020B0604020202020204" pitchFamily="34" charset="0"/>
-                <a:buChar char="•"/>
-              </a:pPr>
-              <a:r>
-                <a:rPr lang="en-US" dirty="0" smtClean="0">
-                  <a:solidFill>
-                    <a:schemeClr val="accent6">
-                      <a:lumMod val="50000"/>
-                    </a:schemeClr>
-                  </a:solidFill>
-                </a:rPr>
-                <a:t>slope</a:t>
-              </a:r>
-            </a:p>
-            <a:p>
-              <a:pPr marL="285750" indent="-285750">
-                <a:buFont typeface="Arial" panose="020B0604020202020204" pitchFamily="34" charset="0"/>
-                <a:buChar char="•"/>
-              </a:pPr>
-              <a:r>
-                <a:rPr lang="en-US" dirty="0" smtClean="0">
-                  <a:solidFill>
-                    <a:schemeClr val="accent6">
-                      <a:lumMod val="50000"/>
-                    </a:schemeClr>
-                  </a:solidFill>
-                </a:rPr>
-                <a:t>evaluate(x)</a:t>
-              </a:r>
-            </a:p>
-          </p:txBody>
-        </p:sp>
-        <p:sp>
-          <p:nvSpPr>
-            <p:cNvPr id="24" name="TextBox 23"/>
-            <p:cNvSpPr txBox="1"/>
-            <p:nvPr/>
-          </p:nvSpPr>
-          <p:spPr>
-            <a:xfrm>
-              <a:off x="315545" y="3583279"/>
-              <a:ext cx="2133600" cy="369332"/>
-            </a:xfrm>
-            <a:prstGeom prst="rect">
-              <a:avLst/>
-            </a:prstGeom>
-            <a:noFill/>
-          </p:spPr>
-          <p:txBody>
-            <a:bodyPr wrap="square" rtlCol="0">
-              <a:spAutoFit/>
-            </a:bodyPr>
-            <a:lstStyle/>
-            <a:p>
-              <a:r>
-                <a:rPr lang="en-US" dirty="0" smtClean="0">
-                  <a:solidFill>
-                    <a:schemeClr val="accent2">
-                      <a:lumMod val="75000"/>
-                    </a:schemeClr>
-                  </a:solidFill>
-                </a:rPr>
-                <a:t>shared pointer: lm0</a:t>
-              </a:r>
-            </a:p>
-          </p:txBody>
-        </p:sp>
-        <p:sp>
-          <p:nvSpPr>
-            <p:cNvPr id="37" name="Rectangle 36"/>
-            <p:cNvSpPr/>
-            <p:nvPr/>
-          </p:nvSpPr>
-          <p:spPr>
-            <a:xfrm>
-              <a:off x="2658917" y="5545941"/>
-              <a:ext cx="2609270" cy="871268"/>
-            </a:xfrm>
-            <a:prstGeom prst="rect">
-              <a:avLst/>
-            </a:prstGeom>
+              </a:rPr>
+              <a:t>evaluate(x)</a:t>
+            </a:r>
+          </a:p>
+        </p:txBody>
+      </p:sp>
+      <p:cxnSp>
+        <p:nvCxnSpPr>
+          <p:cNvPr id="39" name="Straight Arrow Connector 38"/>
+          <p:cNvCxnSpPr>
+            <a:stCxn id="22" idx="2"/>
+            <a:endCxn id="37" idx="0"/>
+          </p:cNvCxnSpPr>
+          <p:nvPr/>
+        </p:nvCxnSpPr>
+        <p:spPr>
+          <a:xfrm>
+            <a:off x="3916217" y="4947843"/>
+            <a:ext cx="0" cy="598098"/>
+          </a:xfrm>
+          <a:prstGeom prst="straightConnector1">
+            <a:avLst/>
+          </a:prstGeom>
+          <a:ln w="15875">
             <a:solidFill>
               <a:schemeClr val="accent6">
-                <a:lumMod val="20000"/>
-                <a:lumOff val="80000"/>
+                <a:lumMod val="50000"/>
               </a:schemeClr>
             </a:solidFill>
-            <a:ln>
+            <a:headEnd type="triangle"/>
+            <a:tailEnd type="none"/>
+          </a:ln>
+        </p:spPr>
+        <p:style>
+          <a:lnRef idx="1">
+            <a:schemeClr val="accent1"/>
+          </a:lnRef>
+          <a:fillRef idx="0">
+            <a:schemeClr val="accent1"/>
+          </a:fillRef>
+          <a:effectRef idx="0">
+            <a:schemeClr val="accent1"/>
+          </a:effectRef>
+          <a:fontRef idx="minor">
+            <a:schemeClr val="tx1"/>
+          </a:fontRef>
+        </p:style>
+      </p:cxnSp>
+      <p:sp>
+        <p:nvSpPr>
+          <p:cNvPr id="44" name="TextBox 43"/>
+          <p:cNvSpPr txBox="1"/>
+          <p:nvPr/>
+        </p:nvSpPr>
+        <p:spPr>
+          <a:xfrm>
+            <a:off x="3903517" y="5066539"/>
+            <a:ext cx="1532312" cy="369332"/>
+          </a:xfrm>
+          <a:prstGeom prst="rect">
+            <a:avLst/>
+          </a:prstGeom>
+          <a:noFill/>
+        </p:spPr>
+        <p:txBody>
+          <a:bodyPr wrap="square" rtlCol="0">
+            <a:spAutoFit/>
+          </a:bodyPr>
+          <a:lstStyle/>
+          <a:p>
+            <a:r>
+              <a:rPr lang="en-US" dirty="0" smtClean="0">
+                <a:solidFill>
+                  <a:schemeClr val="accent6">
+                    <a:lumMod val="50000"/>
+                  </a:schemeClr>
+                </a:solidFill>
+              </a:rPr>
+              <a:t>inheritance</a:t>
+            </a:r>
+            <a:endParaRPr lang="en-US" dirty="0">
               <a:solidFill>
                 <a:schemeClr val="accent6">
                   <a:lumMod val="50000"/>
                 </a:schemeClr>
               </a:solidFill>
-            </a:ln>
-          </p:spPr>
-          <p:style>
-            <a:lnRef idx="2">
-              <a:schemeClr val="accent1">
-                <a:shade val="50000"/>
+            </a:endParaRPr>
+          </a:p>
+        </p:txBody>
+      </p:sp>
+      <p:cxnSp>
+        <p:nvCxnSpPr>
+          <p:cNvPr id="50" name="Straight Arrow Connector 49"/>
+          <p:cNvCxnSpPr/>
+          <p:nvPr/>
+        </p:nvCxnSpPr>
+        <p:spPr>
+          <a:xfrm>
+            <a:off x="5248817" y="4763177"/>
+            <a:ext cx="1610163" cy="1218398"/>
+          </a:xfrm>
+          <a:prstGeom prst="straightConnector1">
+            <a:avLst/>
+          </a:prstGeom>
+          <a:ln w="15875">
+            <a:solidFill>
+              <a:schemeClr val="accent6">
+                <a:lumMod val="50000"/>
               </a:schemeClr>
-            </a:lnRef>
-            <a:fillRef idx="1">
-              <a:schemeClr val="accent1"/>
-            </a:fillRef>
-            <a:effectRef idx="0">
-              <a:schemeClr val="accent1"/>
-            </a:effectRef>
-            <a:fontRef idx="minor">
-              <a:schemeClr val="lt1"/>
-            </a:fontRef>
-          </p:style>
-          <p:txBody>
-            <a:bodyPr rtlCol="0" anchor="ctr"/>
-            <a:lstStyle/>
-            <a:p>
-              <a:r>
-                <a:rPr lang="en-US" sz="1200" dirty="0" smtClean="0">
-                  <a:solidFill>
-                    <a:schemeClr val="tx1"/>
-                  </a:solidFill>
-                </a:rPr>
-                <a:t>maturity/</a:t>
-              </a:r>
-              <a:r>
-                <a:rPr lang="en-US" sz="1200" dirty="0" err="1" smtClean="0">
-                  <a:solidFill>
-                    <a:schemeClr val="tx1"/>
-                  </a:solidFill>
-                </a:rPr>
-                <a:t>functors</a:t>
-              </a:r>
-              <a:r>
-                <a:rPr lang="en-US" sz="1200" dirty="0" smtClean="0">
-                  <a:solidFill>
-                    <a:schemeClr val="tx1"/>
-                  </a:solidFill>
-                </a:rPr>
-                <a:t>/maturity_base.hpp</a:t>
-              </a:r>
-            </a:p>
-            <a:p>
-              <a:r>
-                <a:rPr lang="en-US" b="1" dirty="0" err="1" smtClean="0">
-                  <a:solidFill>
-                    <a:schemeClr val="accent6">
-                      <a:lumMod val="50000"/>
-                    </a:schemeClr>
-                  </a:solidFill>
-                </a:rPr>
-                <a:t>fims</a:t>
-              </a:r>
-              <a:r>
-                <a:rPr lang="en-US" b="1" dirty="0" smtClean="0">
-                  <a:solidFill>
-                    <a:schemeClr val="accent6">
-                      <a:lumMod val="50000"/>
-                    </a:schemeClr>
-                  </a:solidFill>
-                </a:rPr>
-                <a:t>::</a:t>
-              </a:r>
-              <a:r>
-                <a:rPr lang="en-US" b="1" dirty="0" err="1" smtClean="0">
-                  <a:solidFill>
-                    <a:schemeClr val="accent6">
-                      <a:lumMod val="50000"/>
-                    </a:schemeClr>
-                  </a:solidFill>
-                </a:rPr>
-                <a:t>MaturityBase</a:t>
-              </a:r>
-              <a:endParaRPr lang="en-US" b="1" dirty="0" smtClean="0">
+            </a:solidFill>
+            <a:headEnd type="triangle"/>
+            <a:tailEnd type="none"/>
+          </a:ln>
+        </p:spPr>
+        <p:style>
+          <a:lnRef idx="1">
+            <a:schemeClr val="accent1"/>
+          </a:lnRef>
+          <a:fillRef idx="0">
+            <a:schemeClr val="accent1"/>
+          </a:fillRef>
+          <a:effectRef idx="0">
+            <a:schemeClr val="accent1"/>
+          </a:effectRef>
+          <a:fontRef idx="minor">
+            <a:schemeClr val="tx1"/>
+          </a:fontRef>
+        </p:style>
+      </p:cxnSp>
+      <p:sp>
+        <p:nvSpPr>
+          <p:cNvPr id="54" name="TextBox 53"/>
+          <p:cNvSpPr txBox="1"/>
+          <p:nvPr/>
+        </p:nvSpPr>
+        <p:spPr>
+          <a:xfrm>
+            <a:off x="5312722" y="5103879"/>
+            <a:ext cx="1610163" cy="646331"/>
+          </a:xfrm>
+          <a:prstGeom prst="rect">
+            <a:avLst/>
+          </a:prstGeom>
+          <a:solidFill>
+            <a:schemeClr val="bg1"/>
+          </a:solidFill>
+        </p:spPr>
+        <p:txBody>
+          <a:bodyPr wrap="square" rtlCol="0">
+            <a:spAutoFit/>
+          </a:bodyPr>
+          <a:lstStyle/>
+          <a:p>
+            <a:pPr algn="ctr"/>
+            <a:r>
+              <a:rPr lang="en-US" dirty="0" smtClean="0">
                 <a:solidFill>
                   <a:schemeClr val="accent6">
                     <a:lumMod val="50000"/>
                   </a:schemeClr>
                 </a:solidFill>
-              </a:endParaRPr>
-            </a:p>
-            <a:p>
-              <a:pPr marL="285750" indent="-285750">
-                <a:buFont typeface="Arial" panose="020B0604020202020204" pitchFamily="34" charset="0"/>
-                <a:buChar char="•"/>
-              </a:pPr>
-              <a:r>
-                <a:rPr lang="en-US" dirty="0" smtClean="0">
-                  <a:solidFill>
-                    <a:schemeClr val="accent6">
-                      <a:lumMod val="50000"/>
-                    </a:schemeClr>
-                  </a:solidFill>
-                </a:rPr>
-                <a:t>evaluate(x)</a:t>
-              </a:r>
-            </a:p>
-          </p:txBody>
-        </p:sp>
-        <p:cxnSp>
-          <p:nvCxnSpPr>
-            <p:cNvPr id="39" name="Straight Arrow Connector 38"/>
-            <p:cNvCxnSpPr>
-              <a:stCxn id="22" idx="2"/>
-              <a:endCxn id="37" idx="0"/>
-            </p:cNvCxnSpPr>
-            <p:nvPr/>
-          </p:nvCxnSpPr>
-          <p:spPr>
-            <a:xfrm>
-              <a:off x="3916217" y="4947843"/>
-              <a:ext cx="0" cy="598098"/>
-            </a:xfrm>
-            <a:prstGeom prst="straightConnector1">
-              <a:avLst/>
-            </a:prstGeom>
-            <a:ln>
+              </a:rPr>
+              <a:t>shared pointer: maturity</a:t>
+            </a:r>
+            <a:endParaRPr lang="en-US" dirty="0">
               <a:solidFill>
                 <a:schemeClr val="accent6">
                   <a:lumMod val="50000"/>
                 </a:schemeClr>
               </a:solidFill>
-              <a:headEnd type="triangle"/>
-              <a:tailEnd type="none"/>
-            </a:ln>
-          </p:spPr>
-          <p:style>
-            <a:lnRef idx="1">
-              <a:schemeClr val="accent1"/>
-            </a:lnRef>
-            <a:fillRef idx="0">
-              <a:schemeClr val="accent1"/>
-            </a:fillRef>
-            <a:effectRef idx="0">
-              <a:schemeClr val="accent1"/>
-            </a:effectRef>
-            <a:fontRef idx="minor">
-              <a:schemeClr val="tx1"/>
-            </a:fontRef>
-          </p:style>
-        </p:cxnSp>
-        <p:sp>
-          <p:nvSpPr>
-            <p:cNvPr id="44" name="TextBox 43"/>
-            <p:cNvSpPr txBox="1"/>
-            <p:nvPr/>
-          </p:nvSpPr>
-          <p:spPr>
-            <a:xfrm>
-              <a:off x="3903517" y="5066539"/>
-              <a:ext cx="1532312" cy="369332"/>
-            </a:xfrm>
-            <a:prstGeom prst="rect">
-              <a:avLst/>
-            </a:prstGeom>
-            <a:noFill/>
-          </p:spPr>
-          <p:txBody>
-            <a:bodyPr wrap="square" rtlCol="0">
-              <a:spAutoFit/>
-            </a:bodyPr>
-            <a:lstStyle/>
-            <a:p>
-              <a:r>
-                <a:rPr lang="en-US" dirty="0" smtClean="0">
-                  <a:solidFill>
-                    <a:schemeClr val="accent6">
-                      <a:lumMod val="50000"/>
-                    </a:schemeClr>
-                  </a:solidFill>
-                </a:rPr>
-                <a:t>inheritance</a:t>
-              </a:r>
-              <a:endParaRPr lang="en-US" dirty="0">
-                <a:solidFill>
-                  <a:schemeClr val="accent6">
-                    <a:lumMod val="50000"/>
-                  </a:schemeClr>
-                </a:solidFill>
-              </a:endParaRPr>
-            </a:p>
-          </p:txBody>
-        </p:sp>
-        <p:cxnSp>
-          <p:nvCxnSpPr>
-            <p:cNvPr id="50" name="Straight Arrow Connector 49"/>
-            <p:cNvCxnSpPr/>
-            <p:nvPr/>
-          </p:nvCxnSpPr>
-          <p:spPr>
-            <a:xfrm>
-              <a:off x="5248817" y="4763177"/>
-              <a:ext cx="1610163" cy="1218398"/>
-            </a:xfrm>
-            <a:prstGeom prst="straightConnector1">
-              <a:avLst/>
-            </a:prstGeom>
-            <a:ln>
-              <a:solidFill>
-                <a:schemeClr val="accent6">
-                  <a:lumMod val="50000"/>
-                </a:schemeClr>
-              </a:solidFill>
-              <a:headEnd type="triangle"/>
-              <a:tailEnd type="none"/>
-            </a:ln>
-          </p:spPr>
-          <p:style>
-            <a:lnRef idx="1">
-              <a:schemeClr val="accent1"/>
-            </a:lnRef>
-            <a:fillRef idx="0">
-              <a:schemeClr val="accent1"/>
-            </a:fillRef>
-            <a:effectRef idx="0">
-              <a:schemeClr val="accent1"/>
-            </a:effectRef>
-            <a:fontRef idx="minor">
-              <a:schemeClr val="tx1"/>
-            </a:fontRef>
-          </p:style>
-        </p:cxnSp>
-        <p:sp>
-          <p:nvSpPr>
-            <p:cNvPr id="54" name="TextBox 53"/>
-            <p:cNvSpPr txBox="1"/>
-            <p:nvPr/>
-          </p:nvSpPr>
-          <p:spPr>
-            <a:xfrm>
-              <a:off x="5312722" y="5103879"/>
-              <a:ext cx="1610163" cy="646331"/>
-            </a:xfrm>
-            <a:prstGeom prst="rect">
-              <a:avLst/>
-            </a:prstGeom>
+            </a:endParaRPr>
+          </a:p>
+        </p:txBody>
+      </p:sp>
+      <p:cxnSp>
+        <p:nvCxnSpPr>
+          <p:cNvPr id="35" name="Elbow Connector 34"/>
+          <p:cNvCxnSpPr/>
+          <p:nvPr/>
+        </p:nvCxnSpPr>
+        <p:spPr>
+          <a:xfrm>
+            <a:off x="2639867" y="3353526"/>
+            <a:ext cx="12700" cy="788958"/>
+          </a:xfrm>
+          <a:prstGeom prst="bentConnector4">
+            <a:avLst>
+              <a:gd name="adj1" fmla="val -2908409"/>
+              <a:gd name="adj2" fmla="val 99829"/>
+            </a:avLst>
+          </a:prstGeom>
+          <a:ln w="15875">
             <a:solidFill>
-              <a:schemeClr val="bg1"/>
-            </a:solidFill>
-          </p:spPr>
-          <p:txBody>
-            <a:bodyPr wrap="square" rtlCol="0">
-              <a:spAutoFit/>
-            </a:bodyPr>
-            <a:lstStyle/>
-            <a:p>
-              <a:pPr algn="ctr"/>
-              <a:r>
-                <a:rPr lang="en-US" dirty="0" smtClean="0">
-                  <a:solidFill>
-                    <a:schemeClr val="accent6">
-                      <a:lumMod val="50000"/>
-                    </a:schemeClr>
-                  </a:solidFill>
-                </a:rPr>
-                <a:t>shared pointer: maturity</a:t>
-              </a:r>
-              <a:endParaRPr lang="en-US" dirty="0">
-                <a:solidFill>
-                  <a:schemeClr val="accent6">
-                    <a:lumMod val="50000"/>
-                  </a:schemeClr>
-                </a:solidFill>
-              </a:endParaRPr>
-            </a:p>
-          </p:txBody>
-        </p:sp>
-        <p:cxnSp>
-          <p:nvCxnSpPr>
-            <p:cNvPr id="35" name="Elbow Connector 34"/>
-            <p:cNvCxnSpPr/>
-            <p:nvPr/>
-          </p:nvCxnSpPr>
-          <p:spPr>
-            <a:xfrm>
-              <a:off x="2639867" y="3353526"/>
-              <a:ext cx="12700" cy="788958"/>
-            </a:xfrm>
-            <a:prstGeom prst="bentConnector4">
-              <a:avLst>
-                <a:gd name="adj1" fmla="val -2908409"/>
-                <a:gd name="adj2" fmla="val 99829"/>
-              </a:avLst>
-            </a:prstGeom>
-            <a:ln>
-              <a:solidFill>
-                <a:schemeClr val="accent2">
-                  <a:lumMod val="75000"/>
-                </a:schemeClr>
-              </a:solidFill>
-              <a:tailEnd type="triangle"/>
-            </a:ln>
-          </p:spPr>
-          <p:style>
-            <a:lnRef idx="1">
-              <a:schemeClr val="accent2"/>
-            </a:lnRef>
-            <a:fillRef idx="0">
-              <a:schemeClr val="accent2"/>
-            </a:fillRef>
-            <a:effectRef idx="0">
-              <a:schemeClr val="accent2"/>
-            </a:effectRef>
-            <a:fontRef idx="minor">
-              <a:schemeClr val="tx1"/>
-            </a:fontRef>
-          </p:style>
-        </p:cxnSp>
-        <p:cxnSp>
-          <p:nvCxnSpPr>
-            <p:cNvPr id="31" name="Straight Arrow Connector 30"/>
-            <p:cNvCxnSpPr>
-              <a:endCxn id="51" idx="1"/>
-            </p:cNvCxnSpPr>
-            <p:nvPr/>
-          </p:nvCxnSpPr>
-          <p:spPr>
-            <a:xfrm>
-              <a:off x="5282986" y="1867116"/>
-              <a:ext cx="1575994" cy="0"/>
-            </a:xfrm>
-            <a:prstGeom prst="straightConnector1">
-              <a:avLst/>
-            </a:prstGeom>
-            <a:ln>
-              <a:tailEnd type="triangle"/>
-            </a:ln>
-          </p:spPr>
-          <p:style>
-            <a:lnRef idx="1">
-              <a:schemeClr val="accent2"/>
-            </a:lnRef>
-            <a:fillRef idx="0">
-              <a:schemeClr val="accent2"/>
-            </a:fillRef>
-            <a:effectRef idx="0">
-              <a:schemeClr val="accent2"/>
-            </a:effectRef>
-            <a:fontRef idx="minor">
-              <a:schemeClr val="tx1"/>
-            </a:fontRef>
-          </p:style>
-        </p:cxnSp>
-        <p:sp>
-          <p:nvSpPr>
-            <p:cNvPr id="51" name="Rectangle 50"/>
-            <p:cNvSpPr/>
-            <p:nvPr/>
-          </p:nvSpPr>
-          <p:spPr>
-            <a:xfrm>
-              <a:off x="6858980" y="1023250"/>
-              <a:ext cx="5197938" cy="1687732"/>
-            </a:xfrm>
-            <a:prstGeom prst="rect">
-              <a:avLst/>
-            </a:prstGeom>
-            <a:solidFill>
-              <a:schemeClr val="bg2">
-                <a:lumMod val="90000"/>
+              <a:schemeClr val="accent2">
+                <a:lumMod val="75000"/>
               </a:schemeClr>
             </a:solidFill>
-            <a:ln>
-              <a:solidFill>
-                <a:schemeClr val="accent6">
-                  <a:lumMod val="50000"/>
-                </a:schemeClr>
-              </a:solidFill>
-            </a:ln>
-          </p:spPr>
-          <p:style>
-            <a:lnRef idx="2">
-              <a:schemeClr val="accent1">
-                <a:shade val="50000"/>
+            <a:tailEnd type="triangle"/>
+          </a:ln>
+        </p:spPr>
+        <p:style>
+          <a:lnRef idx="1">
+            <a:schemeClr val="accent2"/>
+          </a:lnRef>
+          <a:fillRef idx="0">
+            <a:schemeClr val="accent2"/>
+          </a:fillRef>
+          <a:effectRef idx="0">
+            <a:schemeClr val="accent2"/>
+          </a:effectRef>
+          <a:fontRef idx="minor">
+            <a:schemeClr val="tx1"/>
+          </a:fontRef>
+        </p:style>
+      </p:cxnSp>
+      <p:cxnSp>
+        <p:nvCxnSpPr>
+          <p:cNvPr id="31" name="Straight Arrow Connector 30"/>
+          <p:cNvCxnSpPr>
+            <a:endCxn id="51" idx="1"/>
+          </p:cNvCxnSpPr>
+          <p:nvPr/>
+        </p:nvCxnSpPr>
+        <p:spPr>
+          <a:xfrm>
+            <a:off x="5282986" y="1867116"/>
+            <a:ext cx="1575994" cy="0"/>
+          </a:xfrm>
+          <a:prstGeom prst="straightConnector1">
+            <a:avLst/>
+          </a:prstGeom>
+          <a:ln w="15875">
+            <a:tailEnd type="triangle"/>
+          </a:ln>
+        </p:spPr>
+        <p:style>
+          <a:lnRef idx="1">
+            <a:schemeClr val="accent2"/>
+          </a:lnRef>
+          <a:fillRef idx="0">
+            <a:schemeClr val="accent2"/>
+          </a:fillRef>
+          <a:effectRef idx="0">
+            <a:schemeClr val="accent2"/>
+          </a:effectRef>
+          <a:fontRef idx="minor">
+            <a:schemeClr val="tx1"/>
+          </a:fontRef>
+        </p:style>
+      </p:cxnSp>
+      <p:sp>
+        <p:nvSpPr>
+          <p:cNvPr id="51" name="Rectangle 50"/>
+          <p:cNvSpPr/>
+          <p:nvPr/>
+        </p:nvSpPr>
+        <p:spPr>
+          <a:xfrm>
+            <a:off x="6858980" y="1023250"/>
+            <a:ext cx="5197938" cy="1687732"/>
+          </a:xfrm>
+          <a:prstGeom prst="rect">
+            <a:avLst/>
+          </a:prstGeom>
+          <a:solidFill>
+            <a:schemeClr val="bg2">
+              <a:lumMod val="90000"/>
+            </a:schemeClr>
+          </a:solidFill>
+          <a:ln>
+            <a:solidFill>
+              <a:schemeClr val="accent6">
+                <a:lumMod val="50000"/>
               </a:schemeClr>
-            </a:lnRef>
-            <a:fillRef idx="1">
-              <a:schemeClr val="accent1"/>
-            </a:fillRef>
-            <a:effectRef idx="0">
-              <a:schemeClr val="accent1"/>
-            </a:effectRef>
-            <a:fontRef idx="minor">
-              <a:schemeClr val="lt1"/>
-            </a:fontRef>
-          </p:style>
-          <p:txBody>
-            <a:bodyPr rtlCol="0" anchor="ctr"/>
-            <a:lstStyle/>
-            <a:p>
-              <a:r>
-                <a:rPr lang="en-US" sz="1200" dirty="0" smtClean="0">
-                  <a:solidFill>
-                    <a:schemeClr val="tx1"/>
-                  </a:solidFill>
-                </a:rPr>
-                <a:t>common/information.hpp</a:t>
-              </a:r>
-            </a:p>
-            <a:p>
-              <a:r>
-                <a:rPr lang="en-US" b="1" dirty="0" err="1" smtClean="0">
-                  <a:solidFill>
-                    <a:schemeClr val="tx1"/>
-                  </a:solidFill>
-                </a:rPr>
-                <a:t>fims</a:t>
-              </a:r>
-              <a:r>
-                <a:rPr lang="en-US" b="1" dirty="0" smtClean="0">
-                  <a:solidFill>
-                    <a:schemeClr val="tx1"/>
-                  </a:solidFill>
-                </a:rPr>
-                <a:t>::Information</a:t>
-              </a:r>
-            </a:p>
-            <a:p>
-              <a:r>
-                <a:rPr lang="en-US" dirty="0" err="1" smtClean="0">
-                  <a:solidFill>
-                    <a:schemeClr val="tx1"/>
-                  </a:solidFill>
-                </a:rPr>
-                <a:t>maturity_models</a:t>
-              </a:r>
-              <a:r>
-                <a:rPr lang="en-US" dirty="0" smtClean="0">
-                  <a:solidFill>
-                    <a:schemeClr val="tx1"/>
-                  </a:solidFill>
-                </a:rPr>
-                <a:t>(id, shared pointer to </a:t>
-              </a:r>
-              <a:r>
-                <a:rPr lang="en-US" dirty="0" err="1" smtClean="0">
-                  <a:solidFill>
-                    <a:schemeClr val="tx1"/>
-                  </a:solidFill>
-                </a:rPr>
-                <a:t>MaturityBase</a:t>
-              </a:r>
-              <a:r>
-                <a:rPr lang="en-US" dirty="0" smtClean="0">
-                  <a:solidFill>
-                    <a:schemeClr val="tx1"/>
-                  </a:solidFill>
-                </a:rPr>
-                <a:t>)  </a:t>
-              </a:r>
-            </a:p>
-            <a:p>
-              <a:r>
-                <a:rPr lang="en-US" dirty="0" smtClean="0">
-                  <a:solidFill>
-                    <a:schemeClr val="tx1"/>
-                  </a:solidFill>
-                </a:rPr>
-                <a:t>populations(id, shared pointer to  Population)  </a:t>
-              </a:r>
-            </a:p>
-            <a:p>
-              <a:endParaRPr lang="en-US" sz="1600" dirty="0" smtClean="0">
+            </a:solidFill>
+          </a:ln>
+        </p:spPr>
+        <p:style>
+          <a:lnRef idx="2">
+            <a:schemeClr val="accent1">
+              <a:shade val="50000"/>
+            </a:schemeClr>
+          </a:lnRef>
+          <a:fillRef idx="1">
+            <a:schemeClr val="accent1"/>
+          </a:fillRef>
+          <a:effectRef idx="0">
+            <a:schemeClr val="accent1"/>
+          </a:effectRef>
+          <a:fontRef idx="minor">
+            <a:schemeClr val="lt1"/>
+          </a:fontRef>
+        </p:style>
+        <p:txBody>
+          <a:bodyPr rtlCol="0" anchor="ctr"/>
+          <a:lstStyle/>
+          <a:p>
+            <a:r>
+              <a:rPr lang="en-US" sz="1200" dirty="0" smtClean="0">
                 <a:solidFill>
                   <a:schemeClr val="tx1"/>
                 </a:solidFill>
-              </a:endParaRPr>
-            </a:p>
-            <a:p>
-              <a:r>
-                <a:rPr lang="en-US" sz="1600" dirty="0" smtClean="0">
-                  <a:solidFill>
-                    <a:schemeClr val="tx1"/>
-                  </a:solidFill>
-                </a:rPr>
-                <a:t>for each population it: shared pointer: p</a:t>
-              </a:r>
-            </a:p>
-          </p:txBody>
-        </p:sp>
-        <p:sp>
-          <p:nvSpPr>
-            <p:cNvPr id="48" name="Rectangle 47"/>
-            <p:cNvSpPr/>
-            <p:nvPr/>
-          </p:nvSpPr>
-          <p:spPr>
-            <a:xfrm>
-              <a:off x="5082346" y="1548130"/>
-              <a:ext cx="1943103" cy="646331"/>
-            </a:xfrm>
-            <a:prstGeom prst="rect">
-              <a:avLst/>
-            </a:prstGeom>
-          </p:spPr>
-          <p:txBody>
-            <a:bodyPr wrap="square">
-              <a:spAutoFit/>
-            </a:bodyPr>
-            <a:lstStyle/>
-            <a:p>
-              <a:pPr algn="ctr"/>
-              <a:r>
-                <a:rPr lang="en-US" dirty="0" smtClean="0">
-                  <a:solidFill>
-                    <a:schemeClr val="accent2">
-                      <a:lumMod val="75000"/>
-                    </a:schemeClr>
-                  </a:solidFill>
-                </a:rPr>
-                <a:t>shared pointer: </a:t>
-              </a:r>
-            </a:p>
-            <a:p>
-              <a:pPr algn="ctr"/>
-              <a:r>
-                <a:rPr lang="en-US" dirty="0" smtClean="0">
-                  <a:solidFill>
-                    <a:schemeClr val="accent2">
-                      <a:lumMod val="75000"/>
-                    </a:schemeClr>
-                  </a:solidFill>
-                </a:rPr>
-                <a:t>d0</a:t>
-              </a:r>
-            </a:p>
-          </p:txBody>
-        </p:sp>
-        <p:cxnSp>
-          <p:nvCxnSpPr>
-            <p:cNvPr id="138" name="Elbow Connector 137"/>
-            <p:cNvCxnSpPr/>
-            <p:nvPr/>
-          </p:nvCxnSpPr>
-          <p:spPr>
-            <a:xfrm rot="5400000">
-              <a:off x="9578489" y="3509457"/>
-              <a:ext cx="3270591" cy="1673645"/>
-            </a:xfrm>
-            <a:prstGeom prst="bentConnector2">
-              <a:avLst/>
-            </a:prstGeom>
-            <a:ln>
+              </a:rPr>
+              <a:t>common/information.hpp</a:t>
+            </a:r>
+          </a:p>
+          <a:p>
+            <a:r>
+              <a:rPr lang="en-US" b="1" dirty="0" err="1" smtClean="0">
+                <a:solidFill>
+                  <a:schemeClr val="tx1"/>
+                </a:solidFill>
+              </a:rPr>
+              <a:t>fims</a:t>
+            </a:r>
+            <a:r>
+              <a:rPr lang="en-US" b="1" dirty="0" smtClean="0">
+                <a:solidFill>
+                  <a:schemeClr val="tx1"/>
+                </a:solidFill>
+              </a:rPr>
+              <a:t>::Information</a:t>
+            </a:r>
+          </a:p>
+          <a:p>
+            <a:r>
+              <a:rPr lang="en-US" dirty="0" err="1" smtClean="0">
+                <a:solidFill>
+                  <a:schemeClr val="tx1"/>
+                </a:solidFill>
+              </a:rPr>
+              <a:t>maturity_models</a:t>
+            </a:r>
+            <a:r>
+              <a:rPr lang="en-US" dirty="0" smtClean="0">
+                <a:solidFill>
+                  <a:schemeClr val="tx1"/>
+                </a:solidFill>
+              </a:rPr>
+              <a:t>(id, shared pointer to </a:t>
+            </a:r>
+            <a:r>
+              <a:rPr lang="en-US" dirty="0" err="1" smtClean="0">
+                <a:solidFill>
+                  <a:schemeClr val="tx1"/>
+                </a:solidFill>
+              </a:rPr>
+              <a:t>MaturityBase</a:t>
+            </a:r>
+            <a:r>
+              <a:rPr lang="en-US" dirty="0" smtClean="0">
+                <a:solidFill>
+                  <a:schemeClr val="tx1"/>
+                </a:solidFill>
+              </a:rPr>
+              <a:t>)  </a:t>
+            </a:r>
+          </a:p>
+          <a:p>
+            <a:r>
+              <a:rPr lang="en-US" dirty="0" smtClean="0">
+                <a:solidFill>
+                  <a:schemeClr val="tx1"/>
+                </a:solidFill>
+              </a:rPr>
+              <a:t>populations(id, shared pointer to  Population)  </a:t>
+            </a:r>
+          </a:p>
+          <a:p>
+            <a:endParaRPr lang="en-US" sz="1600" dirty="0" smtClean="0">
               <a:solidFill>
                 <a:schemeClr val="tx1"/>
               </a:solidFill>
-              <a:tailEnd type="triangle"/>
-            </a:ln>
-          </p:spPr>
-          <p:style>
-            <a:lnRef idx="1">
-              <a:schemeClr val="accent2"/>
-            </a:lnRef>
-            <a:fillRef idx="0">
-              <a:schemeClr val="accent2"/>
-            </a:fillRef>
-            <a:effectRef idx="0">
-              <a:schemeClr val="accent2"/>
-            </a:effectRef>
-            <a:fontRef idx="minor">
+            </a:endParaRPr>
+          </a:p>
+          <a:p>
+            <a:r>
+              <a:rPr lang="en-US" sz="1600" dirty="0" smtClean="0">
+                <a:solidFill>
+                  <a:schemeClr val="tx1"/>
+                </a:solidFill>
+              </a:rPr>
+              <a:t>for each population it: shared pointer: p</a:t>
+            </a:r>
+          </a:p>
+        </p:txBody>
+      </p:sp>
+      <p:sp>
+        <p:nvSpPr>
+          <p:cNvPr id="48" name="Rectangle 47"/>
+          <p:cNvSpPr/>
+          <p:nvPr/>
+        </p:nvSpPr>
+        <p:spPr>
+          <a:xfrm>
+            <a:off x="5082346" y="1548130"/>
+            <a:ext cx="1943103" cy="646331"/>
+          </a:xfrm>
+          <a:prstGeom prst="rect">
+            <a:avLst/>
+          </a:prstGeom>
+        </p:spPr>
+        <p:txBody>
+          <a:bodyPr wrap="square">
+            <a:spAutoFit/>
+          </a:bodyPr>
+          <a:lstStyle/>
+          <a:p>
+            <a:pPr algn="ctr"/>
+            <a:r>
+              <a:rPr lang="en-US" dirty="0" smtClean="0">
+                <a:solidFill>
+                  <a:schemeClr val="accent2">
+                    <a:lumMod val="75000"/>
+                  </a:schemeClr>
+                </a:solidFill>
+              </a:rPr>
+              <a:t>shared pointer: </a:t>
+            </a:r>
+          </a:p>
+          <a:p>
+            <a:pPr algn="ctr"/>
+            <a:r>
+              <a:rPr lang="en-US" dirty="0" smtClean="0">
+                <a:solidFill>
+                  <a:schemeClr val="accent2">
+                    <a:lumMod val="75000"/>
+                  </a:schemeClr>
+                </a:solidFill>
+              </a:rPr>
+              <a:t>d0</a:t>
+            </a:r>
+          </a:p>
+        </p:txBody>
+      </p:sp>
+      <p:cxnSp>
+        <p:nvCxnSpPr>
+          <p:cNvPr id="138" name="Elbow Connector 137"/>
+          <p:cNvCxnSpPr/>
+          <p:nvPr/>
+        </p:nvCxnSpPr>
+        <p:spPr>
+          <a:xfrm rot="5400000">
+            <a:off x="9578489" y="3509457"/>
+            <a:ext cx="3270591" cy="1673645"/>
+          </a:xfrm>
+          <a:prstGeom prst="bentConnector2">
+            <a:avLst/>
+          </a:prstGeom>
+          <a:ln w="15875">
+            <a:solidFill>
               <a:schemeClr val="tx1"/>
-            </a:fontRef>
-          </p:style>
-        </p:cxnSp>
-        <p:sp>
-          <p:nvSpPr>
-            <p:cNvPr id="141" name="Rectangle 140"/>
-            <p:cNvSpPr/>
-            <p:nvPr/>
-          </p:nvSpPr>
-          <p:spPr>
-            <a:xfrm>
-              <a:off x="10376961" y="5654171"/>
-              <a:ext cx="1679957" cy="646331"/>
-            </a:xfrm>
-            <a:prstGeom prst="rect">
-              <a:avLst/>
-            </a:prstGeom>
-          </p:spPr>
-          <p:txBody>
-            <a:bodyPr wrap="square">
-              <a:spAutoFit/>
-            </a:bodyPr>
-            <a:lstStyle/>
-            <a:p>
-              <a:pPr algn="ctr"/>
-              <a:r>
-                <a:rPr lang="en-US" dirty="0" smtClean="0"/>
-                <a:t>shared pointer: </a:t>
-              </a:r>
-            </a:p>
-            <a:p>
-              <a:pPr algn="ctr"/>
-              <a:r>
-                <a:rPr lang="en-US" dirty="0"/>
-                <a:t>p</a:t>
-              </a:r>
-              <a:endParaRPr lang="en-US" dirty="0" smtClean="0"/>
-            </a:p>
-          </p:txBody>
-        </p:sp>
-        <p:cxnSp>
-          <p:nvCxnSpPr>
-            <p:cNvPr id="150" name="Elbow Connector 149"/>
-            <p:cNvCxnSpPr>
-              <a:stCxn id="38" idx="0"/>
-            </p:cNvCxnSpPr>
-            <p:nvPr/>
-          </p:nvCxnSpPr>
-          <p:spPr>
-            <a:xfrm rot="5400000" flipH="1" flipV="1">
-              <a:off x="8544126" y="2784829"/>
-              <a:ext cx="2741510" cy="2593820"/>
-            </a:xfrm>
-            <a:prstGeom prst="bentConnector3">
-              <a:avLst>
-                <a:gd name="adj1" fmla="val 18162"/>
-              </a:avLst>
-            </a:prstGeom>
-            <a:ln>
+            </a:solidFill>
+            <a:tailEnd type="triangle"/>
+          </a:ln>
+        </p:spPr>
+        <p:style>
+          <a:lnRef idx="1">
+            <a:schemeClr val="accent2"/>
+          </a:lnRef>
+          <a:fillRef idx="0">
+            <a:schemeClr val="accent2"/>
+          </a:fillRef>
+          <a:effectRef idx="0">
+            <a:schemeClr val="accent2"/>
+          </a:effectRef>
+          <a:fontRef idx="minor">
+            <a:schemeClr val="tx1"/>
+          </a:fontRef>
+        </p:style>
+      </p:cxnSp>
+      <p:sp>
+        <p:nvSpPr>
+          <p:cNvPr id="141" name="Rectangle 140"/>
+          <p:cNvSpPr/>
+          <p:nvPr/>
+        </p:nvSpPr>
+        <p:spPr>
+          <a:xfrm>
+            <a:off x="10376961" y="5654171"/>
+            <a:ext cx="1679957" cy="646331"/>
+          </a:xfrm>
+          <a:prstGeom prst="rect">
+            <a:avLst/>
+          </a:prstGeom>
+        </p:spPr>
+        <p:txBody>
+          <a:bodyPr wrap="square">
+            <a:spAutoFit/>
+          </a:bodyPr>
+          <a:lstStyle/>
+          <a:p>
+            <a:pPr algn="ctr"/>
+            <a:r>
+              <a:rPr lang="en-US" dirty="0" smtClean="0"/>
+              <a:t>shared pointer: </a:t>
+            </a:r>
+          </a:p>
+          <a:p>
+            <a:pPr algn="ctr"/>
+            <a:r>
+              <a:rPr lang="en-US" dirty="0"/>
+              <a:t>p</a:t>
+            </a:r>
+            <a:endParaRPr lang="en-US" dirty="0" smtClean="0"/>
+          </a:p>
+        </p:txBody>
+      </p:sp>
+      <p:cxnSp>
+        <p:nvCxnSpPr>
+          <p:cNvPr id="150" name="Elbow Connector 149"/>
+          <p:cNvCxnSpPr>
+            <a:stCxn id="38" idx="0"/>
+          </p:cNvCxnSpPr>
+          <p:nvPr/>
+        </p:nvCxnSpPr>
+        <p:spPr>
+          <a:xfrm rot="5400000" flipH="1" flipV="1">
+            <a:off x="8544126" y="2784829"/>
+            <a:ext cx="2741510" cy="2593820"/>
+          </a:xfrm>
+          <a:prstGeom prst="bentConnector3">
+            <a:avLst>
+              <a:gd name="adj1" fmla="val 18162"/>
+            </a:avLst>
+          </a:prstGeom>
+          <a:ln w="15875">
+            <a:solidFill>
+              <a:schemeClr val="tx1"/>
+            </a:solidFill>
+            <a:headEnd type="triangle"/>
+            <a:tailEnd type="none"/>
+          </a:ln>
+        </p:spPr>
+        <p:style>
+          <a:lnRef idx="1">
+            <a:schemeClr val="accent1"/>
+          </a:lnRef>
+          <a:fillRef idx="0">
+            <a:schemeClr val="accent1"/>
+          </a:fillRef>
+          <a:effectRef idx="0">
+            <a:schemeClr val="accent1"/>
+          </a:effectRef>
+          <a:fontRef idx="minor">
+            <a:schemeClr val="tx1"/>
+          </a:fontRef>
+        </p:style>
+      </p:cxnSp>
+      <p:sp>
+        <p:nvSpPr>
+          <p:cNvPr id="155" name="Rectangle 154"/>
+          <p:cNvSpPr/>
+          <p:nvPr/>
+        </p:nvSpPr>
+        <p:spPr>
+          <a:xfrm>
+            <a:off x="8085039" y="4578511"/>
+            <a:ext cx="3126753" cy="369332"/>
+          </a:xfrm>
+          <a:prstGeom prst="rect">
+            <a:avLst/>
+          </a:prstGeom>
+        </p:spPr>
+        <p:txBody>
+          <a:bodyPr wrap="none">
+            <a:spAutoFit/>
+          </a:bodyPr>
+          <a:lstStyle/>
+          <a:p>
+            <a:r>
+              <a:rPr lang="en-US" dirty="0"/>
+              <a:t>p</a:t>
+            </a:r>
+            <a:r>
+              <a:rPr lang="en-US" dirty="0" smtClean="0"/>
+              <a:t>-&gt;maturity = </a:t>
+            </a:r>
+            <a:r>
+              <a:rPr lang="en-US" dirty="0" err="1" smtClean="0"/>
+              <a:t>maturity_models</a:t>
+            </a:r>
+            <a:endParaRPr lang="en-US" dirty="0"/>
+          </a:p>
+        </p:txBody>
+      </p:sp>
+      <p:sp>
+        <p:nvSpPr>
+          <p:cNvPr id="2" name="Rectangle 1"/>
+          <p:cNvSpPr/>
+          <p:nvPr/>
+        </p:nvSpPr>
+        <p:spPr>
+          <a:xfrm>
+            <a:off x="124968" y="5151090"/>
+            <a:ext cx="2298281" cy="1266119"/>
+          </a:xfrm>
+          <a:prstGeom prst="rect">
+            <a:avLst/>
+          </a:prstGeom>
+          <a:solidFill>
+            <a:schemeClr val="bg1"/>
+          </a:solidFill>
+          <a:ln>
+            <a:solidFill>
+              <a:schemeClr val="tx1"/>
+            </a:solidFill>
+          </a:ln>
+        </p:spPr>
+        <p:style>
+          <a:lnRef idx="2">
+            <a:schemeClr val="accent1">
+              <a:shade val="50000"/>
+            </a:schemeClr>
+          </a:lnRef>
+          <a:fillRef idx="1">
+            <a:schemeClr val="accent1"/>
+          </a:fillRef>
+          <a:effectRef idx="0">
+            <a:schemeClr val="accent1"/>
+          </a:effectRef>
+          <a:fontRef idx="minor">
+            <a:schemeClr val="lt1"/>
+          </a:fontRef>
+        </p:style>
+        <p:txBody>
+          <a:bodyPr rtlCol="0" anchor="ctr"/>
+          <a:lstStyle/>
+          <a:p>
+            <a:pPr algn="ctr"/>
+            <a:endParaRPr lang="en-US"/>
+          </a:p>
+        </p:txBody>
+      </p:sp>
+      <p:sp>
+        <p:nvSpPr>
+          <p:cNvPr id="3" name="TextBox 2"/>
+          <p:cNvSpPr txBox="1"/>
+          <p:nvPr/>
+        </p:nvSpPr>
+        <p:spPr>
+          <a:xfrm>
+            <a:off x="668920" y="5151091"/>
+            <a:ext cx="1883654" cy="1200329"/>
+          </a:xfrm>
+          <a:prstGeom prst="rect">
+            <a:avLst/>
+          </a:prstGeom>
+          <a:noFill/>
+        </p:spPr>
+        <p:txBody>
+          <a:bodyPr wrap="square" rtlCol="0">
+            <a:spAutoFit/>
+          </a:bodyPr>
+          <a:lstStyle/>
+          <a:p>
+            <a:r>
+              <a:rPr lang="en-US" dirty="0" smtClean="0"/>
+              <a:t>R</a:t>
+            </a:r>
+          </a:p>
+          <a:p>
+            <a:r>
+              <a:rPr lang="en-US" dirty="0" err="1" smtClean="0"/>
+              <a:t>Rcpp</a:t>
+            </a:r>
+            <a:endParaRPr lang="en-US" dirty="0" smtClean="0"/>
+          </a:p>
+          <a:p>
+            <a:r>
+              <a:rPr lang="en-US" dirty="0" err="1" smtClean="0"/>
+              <a:t>fims</a:t>
+            </a:r>
+            <a:endParaRPr lang="en-US" dirty="0" smtClean="0"/>
+          </a:p>
+          <a:p>
+            <a:r>
+              <a:rPr lang="en-US" dirty="0" err="1" smtClean="0"/>
+              <a:t>fims</a:t>
+            </a:r>
+            <a:r>
+              <a:rPr lang="en-US" dirty="0" smtClean="0"/>
+              <a:t>::</a:t>
+            </a:r>
+            <a:r>
+              <a:rPr lang="en-US" dirty="0" smtClean="0"/>
+              <a:t>Information </a:t>
+            </a:r>
+            <a:endParaRPr lang="en-US" dirty="0"/>
+          </a:p>
+        </p:txBody>
+      </p:sp>
+      <p:sp>
+        <p:nvSpPr>
+          <p:cNvPr id="5" name="Rectangle 4"/>
+          <p:cNvSpPr/>
+          <p:nvPr/>
+        </p:nvSpPr>
+        <p:spPr>
+          <a:xfrm>
+            <a:off x="240583" y="5229840"/>
+            <a:ext cx="415636" cy="210624"/>
+          </a:xfrm>
+          <a:prstGeom prst="rect">
+            <a:avLst/>
+          </a:prstGeom>
+          <a:solidFill>
+            <a:schemeClr val="accent1">
+              <a:lumMod val="20000"/>
+              <a:lumOff val="80000"/>
+            </a:schemeClr>
+          </a:solidFill>
+          <a:ln>
+            <a:solidFill>
+              <a:schemeClr val="accent1">
+                <a:lumMod val="50000"/>
+              </a:schemeClr>
+            </a:solidFill>
+          </a:ln>
+        </p:spPr>
+        <p:style>
+          <a:lnRef idx="2">
+            <a:schemeClr val="accent1">
+              <a:shade val="50000"/>
+            </a:schemeClr>
+          </a:lnRef>
+          <a:fillRef idx="1">
+            <a:schemeClr val="accent1"/>
+          </a:fillRef>
+          <a:effectRef idx="0">
+            <a:schemeClr val="accent1"/>
+          </a:effectRef>
+          <a:fontRef idx="minor">
+            <a:schemeClr val="lt1"/>
+          </a:fontRef>
+        </p:style>
+        <p:txBody>
+          <a:bodyPr rtlCol="0" anchor="ctr"/>
+          <a:lstStyle/>
+          <a:p>
+            <a:pPr algn="ctr"/>
+            <a:endParaRPr lang="en-US" dirty="0"/>
+          </a:p>
+        </p:txBody>
+      </p:sp>
+      <p:sp>
+        <p:nvSpPr>
+          <p:cNvPr id="32" name="Rectangle 31"/>
+          <p:cNvSpPr/>
+          <p:nvPr/>
+        </p:nvSpPr>
+        <p:spPr>
+          <a:xfrm>
+            <a:off x="240583" y="5520787"/>
+            <a:ext cx="415636" cy="210624"/>
+          </a:xfrm>
+          <a:prstGeom prst="rect">
+            <a:avLst/>
+          </a:prstGeom>
+          <a:solidFill>
+            <a:schemeClr val="accent2">
+              <a:lumMod val="20000"/>
+              <a:lumOff val="80000"/>
+            </a:schemeClr>
+          </a:solidFill>
+          <a:ln>
+            <a:solidFill>
+              <a:schemeClr val="accent2">
+                <a:lumMod val="50000"/>
+              </a:schemeClr>
+            </a:solidFill>
+          </a:ln>
+        </p:spPr>
+        <p:style>
+          <a:lnRef idx="2">
+            <a:schemeClr val="accent1">
+              <a:shade val="50000"/>
+            </a:schemeClr>
+          </a:lnRef>
+          <a:fillRef idx="1">
+            <a:schemeClr val="accent1"/>
+          </a:fillRef>
+          <a:effectRef idx="0">
+            <a:schemeClr val="accent1"/>
+          </a:effectRef>
+          <a:fontRef idx="minor">
+            <a:schemeClr val="lt1"/>
+          </a:fontRef>
+        </p:style>
+        <p:txBody>
+          <a:bodyPr rtlCol="0" anchor="ctr"/>
+          <a:lstStyle/>
+          <a:p>
+            <a:pPr algn="ctr"/>
+            <a:endParaRPr lang="en-US"/>
+          </a:p>
+        </p:txBody>
+      </p:sp>
+      <p:sp>
+        <p:nvSpPr>
+          <p:cNvPr id="33" name="Rectangle 32"/>
+          <p:cNvSpPr/>
+          <p:nvPr/>
+        </p:nvSpPr>
+        <p:spPr>
+          <a:xfrm>
+            <a:off x="240583" y="5800598"/>
+            <a:ext cx="415636" cy="210624"/>
+          </a:xfrm>
+          <a:prstGeom prst="rect">
+            <a:avLst/>
+          </a:prstGeom>
+          <a:solidFill>
+            <a:schemeClr val="accent6">
+              <a:lumMod val="20000"/>
+              <a:lumOff val="80000"/>
+            </a:schemeClr>
+          </a:solidFill>
+          <a:ln>
+            <a:solidFill>
+              <a:schemeClr val="accent6">
+                <a:lumMod val="50000"/>
+              </a:schemeClr>
+            </a:solidFill>
+          </a:ln>
+        </p:spPr>
+        <p:style>
+          <a:lnRef idx="2">
+            <a:schemeClr val="accent1">
+              <a:shade val="50000"/>
+            </a:schemeClr>
+          </a:lnRef>
+          <a:fillRef idx="1">
+            <a:schemeClr val="accent1"/>
+          </a:fillRef>
+          <a:effectRef idx="0">
+            <a:schemeClr val="accent1"/>
+          </a:effectRef>
+          <a:fontRef idx="minor">
+            <a:schemeClr val="lt1"/>
+          </a:fontRef>
+        </p:style>
+        <p:txBody>
+          <a:bodyPr rtlCol="0" anchor="ctr"/>
+          <a:lstStyle/>
+          <a:p>
+            <a:pPr algn="ctr"/>
+            <a:endParaRPr lang="en-US"/>
+          </a:p>
+        </p:txBody>
+      </p:sp>
+      <p:sp>
+        <p:nvSpPr>
+          <p:cNvPr id="34" name="Rectangle 33"/>
+          <p:cNvSpPr/>
+          <p:nvPr/>
+        </p:nvSpPr>
+        <p:spPr>
+          <a:xfrm>
+            <a:off x="240583" y="6084924"/>
+            <a:ext cx="415636" cy="210624"/>
+          </a:xfrm>
+          <a:prstGeom prst="rect">
+            <a:avLst/>
+          </a:prstGeom>
+          <a:solidFill>
+            <a:schemeClr val="bg2">
+              <a:lumMod val="90000"/>
+            </a:schemeClr>
+          </a:solidFill>
+          <a:ln>
+            <a:solidFill>
+              <a:schemeClr val="bg2">
+                <a:lumMod val="10000"/>
+              </a:schemeClr>
+            </a:solidFill>
+          </a:ln>
+        </p:spPr>
+        <p:style>
+          <a:lnRef idx="2">
+            <a:schemeClr val="accent1">
+              <a:shade val="50000"/>
+            </a:schemeClr>
+          </a:lnRef>
+          <a:fillRef idx="1">
+            <a:schemeClr val="accent1"/>
+          </a:fillRef>
+          <a:effectRef idx="0">
+            <a:schemeClr val="accent1"/>
+          </a:effectRef>
+          <a:fontRef idx="minor">
+            <a:schemeClr val="lt1"/>
+          </a:fontRef>
+        </p:style>
+        <p:txBody>
+          <a:bodyPr rtlCol="0" anchor="ctr"/>
+          <a:lstStyle/>
+          <a:p>
+            <a:pPr algn="ctr"/>
+            <a:endParaRPr lang="en-US"/>
+          </a:p>
+        </p:txBody>
+      </p:sp>
+      <p:sp>
+        <p:nvSpPr>
+          <p:cNvPr id="7" name="TextBox 6"/>
+          <p:cNvSpPr txBox="1"/>
+          <p:nvPr/>
+        </p:nvSpPr>
+        <p:spPr>
+          <a:xfrm>
+            <a:off x="124968" y="146364"/>
+            <a:ext cx="3657323" cy="430887"/>
+          </a:xfrm>
+          <a:prstGeom prst="rect">
+            <a:avLst/>
+          </a:prstGeom>
+          <a:noFill/>
+        </p:spPr>
+        <p:txBody>
+          <a:bodyPr wrap="square" rtlCol="0">
+            <a:spAutoFit/>
+          </a:bodyPr>
+          <a:lstStyle/>
+          <a:p>
+            <a:r>
+              <a:rPr lang="en-US" sz="2200" dirty="0" smtClean="0"/>
+              <a:t>FIMS Path: Maturity</a:t>
+            </a:r>
+            <a:endParaRPr lang="en-US" sz="2200" dirty="0"/>
+          </a:p>
+        </p:txBody>
+      </p:sp>
+      <p:sp>
+        <p:nvSpPr>
+          <p:cNvPr id="38" name="Rectangle 37"/>
+          <p:cNvSpPr/>
+          <p:nvPr/>
+        </p:nvSpPr>
+        <p:spPr>
+          <a:xfrm>
+            <a:off x="6858980" y="5452494"/>
+            <a:ext cx="3517981" cy="1079146"/>
+          </a:xfrm>
+          <a:prstGeom prst="rect">
+            <a:avLst/>
+          </a:prstGeom>
+          <a:solidFill>
+            <a:schemeClr val="accent6">
+              <a:lumMod val="20000"/>
+              <a:lumOff val="80000"/>
+            </a:schemeClr>
+          </a:solidFill>
+          <a:ln>
+            <a:solidFill>
+              <a:schemeClr val="accent6">
+                <a:lumMod val="50000"/>
+              </a:schemeClr>
+            </a:solidFill>
+          </a:ln>
+        </p:spPr>
+        <p:style>
+          <a:lnRef idx="2">
+            <a:schemeClr val="accent1">
+              <a:shade val="50000"/>
+            </a:schemeClr>
+          </a:lnRef>
+          <a:fillRef idx="1">
+            <a:schemeClr val="accent1"/>
+          </a:fillRef>
+          <a:effectRef idx="0">
+            <a:schemeClr val="accent1"/>
+          </a:effectRef>
+          <a:fontRef idx="minor">
+            <a:schemeClr val="lt1"/>
+          </a:fontRef>
+        </p:style>
+        <p:txBody>
+          <a:bodyPr rtlCol="0" anchor="ctr"/>
+          <a:lstStyle/>
+          <a:p>
+            <a:r>
+              <a:rPr lang="en-US" sz="1200" dirty="0" smtClean="0">
+                <a:solidFill>
+                  <a:schemeClr val="tx1"/>
+                </a:solidFill>
+              </a:rPr>
+              <a:t>population/population.hpp</a:t>
+            </a:r>
+          </a:p>
+          <a:p>
+            <a:r>
+              <a:rPr lang="en-US" b="1" dirty="0" err="1" smtClean="0">
+                <a:solidFill>
+                  <a:schemeClr val="tx1"/>
+                </a:solidFill>
+              </a:rPr>
+              <a:t>fims</a:t>
+            </a:r>
+            <a:r>
+              <a:rPr lang="en-US" b="1" dirty="0" smtClean="0">
+                <a:solidFill>
+                  <a:schemeClr val="tx1"/>
+                </a:solidFill>
+              </a:rPr>
+              <a:t>::Population</a:t>
+            </a:r>
+            <a:endParaRPr lang="en-US" dirty="0">
               <a:solidFill>
                 <a:schemeClr val="tx1"/>
               </a:solidFill>
-              <a:headEnd type="triangle"/>
-              <a:tailEnd type="none"/>
-            </a:ln>
-          </p:spPr>
-          <p:style>
-            <a:lnRef idx="1">
-              <a:schemeClr val="accent1"/>
-            </a:lnRef>
-            <a:fillRef idx="0">
-              <a:schemeClr val="accent1"/>
-            </a:fillRef>
-            <a:effectRef idx="0">
-              <a:schemeClr val="accent1"/>
-            </a:effectRef>
-            <a:fontRef idx="minor">
-              <a:schemeClr val="tx1"/>
-            </a:fontRef>
-          </p:style>
-        </p:cxnSp>
-        <p:sp>
-          <p:nvSpPr>
-            <p:cNvPr id="155" name="Rectangle 154"/>
-            <p:cNvSpPr/>
-            <p:nvPr/>
-          </p:nvSpPr>
-          <p:spPr>
-            <a:xfrm>
-              <a:off x="8085039" y="4578511"/>
-              <a:ext cx="3126753" cy="369332"/>
-            </a:xfrm>
-            <a:prstGeom prst="rect">
-              <a:avLst/>
-            </a:prstGeom>
-          </p:spPr>
-          <p:txBody>
-            <a:bodyPr wrap="none">
-              <a:spAutoFit/>
-            </a:bodyPr>
-            <a:lstStyle/>
-            <a:p>
-              <a:r>
-                <a:rPr lang="en-US" dirty="0"/>
-                <a:t>p</a:t>
-              </a:r>
-              <a:r>
-                <a:rPr lang="en-US" dirty="0" smtClean="0"/>
-                <a:t>-&gt;maturity = </a:t>
-              </a:r>
-              <a:r>
-                <a:rPr lang="en-US" dirty="0" err="1" smtClean="0"/>
-                <a:t>maturity_models</a:t>
-              </a:r>
-              <a:endParaRPr lang="en-US" dirty="0"/>
-            </a:p>
-          </p:txBody>
-        </p:sp>
-        <p:sp>
-          <p:nvSpPr>
-            <p:cNvPr id="2" name="Rectangle 1"/>
-            <p:cNvSpPr/>
-            <p:nvPr/>
-          </p:nvSpPr>
-          <p:spPr>
-            <a:xfrm>
-              <a:off x="124968" y="5151090"/>
-              <a:ext cx="2298281" cy="1266119"/>
-            </a:xfrm>
-            <a:prstGeom prst="rect">
-              <a:avLst/>
-            </a:prstGeom>
-            <a:solidFill>
-              <a:schemeClr val="bg1"/>
-            </a:solidFill>
-            <a:ln>
+            </a:endParaRPr>
+          </a:p>
+          <a:p>
+            <a:pPr marL="285750" indent="-285750">
+              <a:buFont typeface="Arial" panose="020B0604020202020204" pitchFamily="34" charset="0"/>
+              <a:buChar char="•"/>
+            </a:pPr>
+            <a:r>
+              <a:rPr lang="en-US" dirty="0" err="1">
+                <a:solidFill>
+                  <a:schemeClr val="tx1"/>
+                </a:solidFill>
+              </a:rPr>
+              <a:t>maturity_id</a:t>
+            </a:r>
+            <a:endParaRPr lang="en-US" dirty="0">
               <a:solidFill>
                 <a:schemeClr val="tx1"/>
               </a:solidFill>
-            </a:ln>
-          </p:spPr>
-          <p:style>
-            <a:lnRef idx="2">
-              <a:schemeClr val="accent1">
-                <a:shade val="50000"/>
-              </a:schemeClr>
-            </a:lnRef>
-            <a:fillRef idx="1">
-              <a:schemeClr val="accent1"/>
-            </a:fillRef>
-            <a:effectRef idx="0">
-              <a:schemeClr val="accent1"/>
-            </a:effectRef>
-            <a:fontRef idx="minor">
-              <a:schemeClr val="lt1"/>
-            </a:fontRef>
-          </p:style>
-          <p:txBody>
-            <a:bodyPr rtlCol="0" anchor="ctr"/>
-            <a:lstStyle/>
-            <a:p>
-              <a:pPr algn="ctr"/>
-              <a:endParaRPr lang="en-US"/>
-            </a:p>
-          </p:txBody>
-        </p:sp>
-        <p:sp>
-          <p:nvSpPr>
-            <p:cNvPr id="3" name="TextBox 2"/>
-            <p:cNvSpPr txBox="1"/>
-            <p:nvPr/>
-          </p:nvSpPr>
-          <p:spPr>
-            <a:xfrm>
-              <a:off x="668920" y="5151091"/>
-              <a:ext cx="1883654" cy="1200329"/>
-            </a:xfrm>
-            <a:prstGeom prst="rect">
-              <a:avLst/>
-            </a:prstGeom>
-            <a:noFill/>
-          </p:spPr>
-          <p:txBody>
-            <a:bodyPr wrap="square" rtlCol="0">
-              <a:spAutoFit/>
-            </a:bodyPr>
-            <a:lstStyle/>
-            <a:p>
-              <a:r>
-                <a:rPr lang="en-US" dirty="0" smtClean="0"/>
-                <a:t>R</a:t>
-              </a:r>
-            </a:p>
-            <a:p>
-              <a:r>
-                <a:rPr lang="en-US" dirty="0" err="1" smtClean="0"/>
-                <a:t>Rcpp</a:t>
-              </a:r>
-              <a:endParaRPr lang="en-US" dirty="0" smtClean="0"/>
-            </a:p>
-            <a:p>
-              <a:r>
-                <a:rPr lang="en-US" dirty="0" err="1" smtClean="0"/>
-                <a:t>fims</a:t>
-              </a:r>
-              <a:endParaRPr lang="en-US" dirty="0" smtClean="0"/>
-            </a:p>
-            <a:p>
-              <a:r>
-                <a:rPr lang="en-US" dirty="0" err="1" smtClean="0"/>
-                <a:t>fims:Information</a:t>
-              </a:r>
-              <a:r>
-                <a:rPr lang="en-US" dirty="0" smtClean="0"/>
-                <a:t> </a:t>
-              </a:r>
-              <a:endParaRPr lang="en-US" dirty="0"/>
-            </a:p>
-          </p:txBody>
-        </p:sp>
-        <p:sp>
-          <p:nvSpPr>
-            <p:cNvPr id="5" name="Rectangle 4"/>
-            <p:cNvSpPr/>
-            <p:nvPr/>
-          </p:nvSpPr>
-          <p:spPr>
-            <a:xfrm>
-              <a:off x="240583" y="5229840"/>
-              <a:ext cx="415636" cy="210624"/>
-            </a:xfrm>
-            <a:prstGeom prst="rect">
-              <a:avLst/>
-            </a:prstGeom>
-            <a:solidFill>
-              <a:schemeClr val="accent1">
-                <a:lumMod val="20000"/>
-                <a:lumOff val="80000"/>
-              </a:schemeClr>
-            </a:solidFill>
-            <a:ln>
-              <a:solidFill>
-                <a:schemeClr val="accent1">
-                  <a:lumMod val="50000"/>
-                </a:schemeClr>
-              </a:solidFill>
-            </a:ln>
-          </p:spPr>
-          <p:style>
-            <a:lnRef idx="2">
-              <a:schemeClr val="accent1">
-                <a:shade val="50000"/>
-              </a:schemeClr>
-            </a:lnRef>
-            <a:fillRef idx="1">
-              <a:schemeClr val="accent1"/>
-            </a:fillRef>
-            <a:effectRef idx="0">
-              <a:schemeClr val="accent1"/>
-            </a:effectRef>
-            <a:fontRef idx="minor">
-              <a:schemeClr val="lt1"/>
-            </a:fontRef>
-          </p:style>
-          <p:txBody>
-            <a:bodyPr rtlCol="0" anchor="ctr"/>
-            <a:lstStyle/>
-            <a:p>
-              <a:pPr algn="ctr"/>
-              <a:endParaRPr lang="en-US" dirty="0"/>
-            </a:p>
-          </p:txBody>
-        </p:sp>
-        <p:sp>
-          <p:nvSpPr>
-            <p:cNvPr id="32" name="Rectangle 31"/>
-            <p:cNvSpPr/>
-            <p:nvPr/>
-          </p:nvSpPr>
-          <p:spPr>
-            <a:xfrm>
-              <a:off x="240583" y="5520787"/>
-              <a:ext cx="415636" cy="210624"/>
-            </a:xfrm>
-            <a:prstGeom prst="rect">
-              <a:avLst/>
-            </a:prstGeom>
-            <a:solidFill>
-              <a:schemeClr val="accent2">
-                <a:lumMod val="20000"/>
-                <a:lumOff val="80000"/>
-              </a:schemeClr>
-            </a:solidFill>
-            <a:ln>
-              <a:solidFill>
-                <a:schemeClr val="accent2">
-                  <a:lumMod val="50000"/>
-                </a:schemeClr>
-              </a:solidFill>
-            </a:ln>
-          </p:spPr>
-          <p:style>
-            <a:lnRef idx="2">
-              <a:schemeClr val="accent1">
-                <a:shade val="50000"/>
-              </a:schemeClr>
-            </a:lnRef>
-            <a:fillRef idx="1">
-              <a:schemeClr val="accent1"/>
-            </a:fillRef>
-            <a:effectRef idx="0">
-              <a:schemeClr val="accent1"/>
-            </a:effectRef>
-            <a:fontRef idx="minor">
-              <a:schemeClr val="lt1"/>
-            </a:fontRef>
-          </p:style>
-          <p:txBody>
-            <a:bodyPr rtlCol="0" anchor="ctr"/>
-            <a:lstStyle/>
-            <a:p>
-              <a:pPr algn="ctr"/>
-              <a:endParaRPr lang="en-US"/>
-            </a:p>
-          </p:txBody>
-        </p:sp>
-        <p:sp>
-          <p:nvSpPr>
-            <p:cNvPr id="33" name="Rectangle 32"/>
-            <p:cNvSpPr/>
-            <p:nvPr/>
-          </p:nvSpPr>
-          <p:spPr>
-            <a:xfrm>
-              <a:off x="240583" y="5800598"/>
-              <a:ext cx="415636" cy="210624"/>
-            </a:xfrm>
-            <a:prstGeom prst="rect">
-              <a:avLst/>
-            </a:prstGeom>
-            <a:solidFill>
-              <a:schemeClr val="accent6">
-                <a:lumMod val="20000"/>
-                <a:lumOff val="80000"/>
-              </a:schemeClr>
-            </a:solidFill>
-            <a:ln>
-              <a:solidFill>
-                <a:schemeClr val="accent6">
-                  <a:lumMod val="50000"/>
-                </a:schemeClr>
-              </a:solidFill>
-            </a:ln>
-          </p:spPr>
-          <p:style>
-            <a:lnRef idx="2">
-              <a:schemeClr val="accent1">
-                <a:shade val="50000"/>
-              </a:schemeClr>
-            </a:lnRef>
-            <a:fillRef idx="1">
-              <a:schemeClr val="accent1"/>
-            </a:fillRef>
-            <a:effectRef idx="0">
-              <a:schemeClr val="accent1"/>
-            </a:effectRef>
-            <a:fontRef idx="minor">
-              <a:schemeClr val="lt1"/>
-            </a:fontRef>
-          </p:style>
-          <p:txBody>
-            <a:bodyPr rtlCol="0" anchor="ctr"/>
-            <a:lstStyle/>
-            <a:p>
-              <a:pPr algn="ctr"/>
-              <a:endParaRPr lang="en-US"/>
-            </a:p>
-          </p:txBody>
-        </p:sp>
-        <p:sp>
-          <p:nvSpPr>
-            <p:cNvPr id="34" name="Rectangle 33"/>
-            <p:cNvSpPr/>
-            <p:nvPr/>
-          </p:nvSpPr>
-          <p:spPr>
-            <a:xfrm>
-              <a:off x="240583" y="6084924"/>
-              <a:ext cx="415636" cy="210624"/>
-            </a:xfrm>
-            <a:prstGeom prst="rect">
-              <a:avLst/>
-            </a:prstGeom>
-            <a:solidFill>
-              <a:schemeClr val="bg2">
-                <a:lumMod val="90000"/>
-              </a:schemeClr>
-            </a:solidFill>
-            <a:ln>
-              <a:solidFill>
-                <a:schemeClr val="bg2">
-                  <a:lumMod val="10000"/>
-                </a:schemeClr>
-              </a:solidFill>
-            </a:ln>
-          </p:spPr>
-          <p:style>
-            <a:lnRef idx="2">
-              <a:schemeClr val="accent1">
-                <a:shade val="50000"/>
-              </a:schemeClr>
-            </a:lnRef>
-            <a:fillRef idx="1">
-              <a:schemeClr val="accent1"/>
-            </a:fillRef>
-            <a:effectRef idx="0">
-              <a:schemeClr val="accent1"/>
-            </a:effectRef>
-            <a:fontRef idx="minor">
-              <a:schemeClr val="lt1"/>
-            </a:fontRef>
-          </p:style>
-          <p:txBody>
-            <a:bodyPr rtlCol="0" anchor="ctr"/>
-            <a:lstStyle/>
-            <a:p>
-              <a:pPr algn="ctr"/>
-              <a:endParaRPr lang="en-US"/>
-            </a:p>
-          </p:txBody>
-        </p:sp>
-        <p:sp>
-          <p:nvSpPr>
-            <p:cNvPr id="7" name="TextBox 6"/>
-            <p:cNvSpPr txBox="1"/>
-            <p:nvPr/>
-          </p:nvSpPr>
-          <p:spPr>
-            <a:xfrm>
-              <a:off x="124968" y="146364"/>
-              <a:ext cx="3657323" cy="430887"/>
-            </a:xfrm>
-            <a:prstGeom prst="rect">
-              <a:avLst/>
-            </a:prstGeom>
-            <a:noFill/>
-          </p:spPr>
-          <p:txBody>
-            <a:bodyPr wrap="square" rtlCol="0">
-              <a:spAutoFit/>
-            </a:bodyPr>
-            <a:lstStyle/>
-            <a:p>
-              <a:r>
-                <a:rPr lang="en-US" sz="2200" dirty="0" smtClean="0"/>
-                <a:t>FIMS Path: Maturity</a:t>
-              </a:r>
-              <a:endParaRPr lang="en-US" sz="2200" dirty="0"/>
-            </a:p>
-          </p:txBody>
-        </p:sp>
-        <p:sp>
-          <p:nvSpPr>
-            <p:cNvPr id="38" name="Rectangle 37"/>
-            <p:cNvSpPr/>
-            <p:nvPr/>
-          </p:nvSpPr>
-          <p:spPr>
-            <a:xfrm>
-              <a:off x="6858980" y="5452494"/>
-              <a:ext cx="3517981" cy="1079146"/>
-            </a:xfrm>
-            <a:prstGeom prst="rect">
-              <a:avLst/>
-            </a:prstGeom>
-            <a:solidFill>
-              <a:schemeClr val="accent6">
-                <a:lumMod val="20000"/>
-                <a:lumOff val="80000"/>
-              </a:schemeClr>
-            </a:solidFill>
-            <a:ln>
-              <a:solidFill>
-                <a:schemeClr val="accent6">
-                  <a:lumMod val="50000"/>
-                </a:schemeClr>
-              </a:solidFill>
-            </a:ln>
-          </p:spPr>
-          <p:style>
-            <a:lnRef idx="2">
-              <a:schemeClr val="accent1">
-                <a:shade val="50000"/>
-              </a:schemeClr>
-            </a:lnRef>
-            <a:fillRef idx="1">
-              <a:schemeClr val="accent1"/>
-            </a:fillRef>
-            <a:effectRef idx="0">
-              <a:schemeClr val="accent1"/>
-            </a:effectRef>
-            <a:fontRef idx="minor">
-              <a:schemeClr val="lt1"/>
-            </a:fontRef>
-          </p:style>
-          <p:txBody>
-            <a:bodyPr rtlCol="0" anchor="ctr"/>
-            <a:lstStyle/>
-            <a:p>
-              <a:r>
-                <a:rPr lang="en-US" sz="1200" dirty="0" smtClean="0">
-                  <a:solidFill>
-                    <a:schemeClr val="tx1"/>
-                  </a:solidFill>
-                </a:rPr>
-                <a:t>population/population.hpp</a:t>
-              </a:r>
-            </a:p>
-            <a:p>
-              <a:r>
-                <a:rPr lang="en-US" b="1" dirty="0" err="1" smtClean="0">
-                  <a:solidFill>
-                    <a:schemeClr val="tx1"/>
-                  </a:solidFill>
-                </a:rPr>
-                <a:t>fims</a:t>
-              </a:r>
-              <a:r>
-                <a:rPr lang="en-US" b="1" dirty="0" smtClean="0">
-                  <a:solidFill>
-                    <a:schemeClr val="tx1"/>
-                  </a:solidFill>
-                </a:rPr>
-                <a:t>::Population</a:t>
-              </a:r>
-              <a:endParaRPr lang="en-US" dirty="0">
+            </a:endParaRPr>
+          </a:p>
+          <a:p>
+            <a:pPr marL="285750" indent="-285750">
+              <a:buFont typeface="Arial" panose="020B0604020202020204" pitchFamily="34" charset="0"/>
+              <a:buChar char="•"/>
+            </a:pPr>
+            <a:r>
+              <a:rPr lang="en-US" dirty="0" smtClean="0">
                 <a:solidFill>
                   <a:schemeClr val="tx1"/>
                 </a:solidFill>
-              </a:endParaRPr>
-            </a:p>
-            <a:p>
-              <a:pPr marL="285750" indent="-285750">
-                <a:buFont typeface="Arial" panose="020B0604020202020204" pitchFamily="34" charset="0"/>
-                <a:buChar char="•"/>
-              </a:pPr>
-              <a:r>
-                <a:rPr lang="en-US" dirty="0" err="1">
-                  <a:solidFill>
-                    <a:schemeClr val="tx1"/>
-                  </a:solidFill>
-                </a:rPr>
-                <a:t>maturity_id</a:t>
-              </a:r>
-              <a:endParaRPr lang="en-US" dirty="0">
+              </a:rPr>
+              <a:t>this-&gt;maturity-&gt;evaluate(age)</a:t>
+            </a:r>
+          </a:p>
+        </p:txBody>
+      </p:sp>
+      <p:cxnSp>
+        <p:nvCxnSpPr>
+          <p:cNvPr id="40" name="Elbow Connector 39"/>
+          <p:cNvCxnSpPr>
+            <a:endCxn id="51" idx="2"/>
+          </p:cNvCxnSpPr>
+          <p:nvPr/>
+        </p:nvCxnSpPr>
+        <p:spPr>
+          <a:xfrm flipV="1">
+            <a:off x="5248817" y="2710982"/>
+            <a:ext cx="4209132" cy="718019"/>
+          </a:xfrm>
+          <a:prstGeom prst="bentConnector2">
+            <a:avLst/>
+          </a:prstGeom>
+          <a:ln w="15875">
+            <a:solidFill>
+              <a:schemeClr val="accent2">
+                <a:lumMod val="75000"/>
+              </a:schemeClr>
+            </a:solidFill>
+            <a:tailEnd type="triangle"/>
+          </a:ln>
+        </p:spPr>
+        <p:style>
+          <a:lnRef idx="1">
+            <a:schemeClr val="dk1"/>
+          </a:lnRef>
+          <a:fillRef idx="0">
+            <a:schemeClr val="dk1"/>
+          </a:fillRef>
+          <a:effectRef idx="0">
+            <a:schemeClr val="dk1"/>
+          </a:effectRef>
+          <a:fontRef idx="minor">
+            <a:schemeClr val="tx1"/>
+          </a:fontRef>
+        </p:style>
+      </p:cxnSp>
+      <p:sp>
+        <p:nvSpPr>
+          <p:cNvPr id="41" name="TextBox 40"/>
+          <p:cNvSpPr txBox="1"/>
+          <p:nvPr/>
+        </p:nvSpPr>
+        <p:spPr>
+          <a:xfrm>
+            <a:off x="5456337" y="3070160"/>
+            <a:ext cx="3813464" cy="369332"/>
+          </a:xfrm>
+          <a:prstGeom prst="rect">
+            <a:avLst/>
+          </a:prstGeom>
+          <a:noFill/>
+        </p:spPr>
+        <p:txBody>
+          <a:bodyPr wrap="square" rtlCol="0">
+            <a:spAutoFit/>
+          </a:bodyPr>
+          <a:lstStyle/>
+          <a:p>
+            <a:r>
+              <a:rPr lang="en-US" dirty="0">
                 <a:solidFill>
-                  <a:schemeClr val="tx1"/>
+                  <a:schemeClr val="accent2">
+                    <a:lumMod val="75000"/>
+                  </a:schemeClr>
                 </a:solidFill>
-              </a:endParaRPr>
-            </a:p>
-            <a:p>
-              <a:pPr marL="285750" indent="-285750">
-                <a:buFont typeface="Arial" panose="020B0604020202020204" pitchFamily="34" charset="0"/>
-                <a:buChar char="•"/>
-              </a:pPr>
-              <a:r>
-                <a:rPr lang="en-US" dirty="0" smtClean="0">
-                  <a:solidFill>
-                    <a:schemeClr val="tx1"/>
-                  </a:solidFill>
-                </a:rPr>
-                <a:t>this-&gt;maturity-&gt;evaluate(age)</a:t>
-              </a:r>
-            </a:p>
-          </p:txBody>
-        </p:sp>
-        <p:cxnSp>
-          <p:nvCxnSpPr>
-            <p:cNvPr id="40" name="Elbow Connector 39"/>
-            <p:cNvCxnSpPr>
-              <a:endCxn id="51" idx="2"/>
-            </p:cNvCxnSpPr>
-            <p:nvPr/>
-          </p:nvCxnSpPr>
-          <p:spPr>
-            <a:xfrm flipV="1">
-              <a:off x="5248817" y="2710982"/>
-              <a:ext cx="4209132" cy="718019"/>
-            </a:xfrm>
-            <a:prstGeom prst="bentConnector2">
-              <a:avLst/>
-            </a:prstGeom>
-            <a:ln>
-              <a:solidFill>
-                <a:schemeClr val="accent2">
-                  <a:lumMod val="50000"/>
-                </a:schemeClr>
-              </a:solidFill>
-              <a:tailEnd type="triangle"/>
-            </a:ln>
-          </p:spPr>
-          <p:style>
-            <a:lnRef idx="1">
-              <a:schemeClr val="dk1"/>
-            </a:lnRef>
-            <a:fillRef idx="0">
-              <a:schemeClr val="dk1"/>
-            </a:fillRef>
-            <a:effectRef idx="0">
-              <a:schemeClr val="dk1"/>
-            </a:effectRef>
-            <a:fontRef idx="minor">
+              </a:rPr>
+              <a:t>d0-&gt;</a:t>
+            </a:r>
+            <a:r>
+              <a:rPr lang="en-US" dirty="0" err="1">
+                <a:solidFill>
+                  <a:schemeClr val="accent2">
+                    <a:lumMod val="75000"/>
+                  </a:schemeClr>
+                </a:solidFill>
+              </a:rPr>
+              <a:t>maturity_models</a:t>
+            </a:r>
+            <a:r>
+              <a:rPr lang="en-US" dirty="0">
+                <a:solidFill>
+                  <a:schemeClr val="accent2">
+                    <a:lumMod val="75000"/>
+                  </a:schemeClr>
+                </a:solidFill>
+              </a:rPr>
+              <a:t>[lm0-&gt;id] = lm0;</a:t>
+            </a:r>
+          </a:p>
+        </p:txBody>
+      </p:sp>
+      <p:cxnSp>
+        <p:nvCxnSpPr>
+          <p:cNvPr id="42" name="Straight Connector 41"/>
+          <p:cNvCxnSpPr/>
+          <p:nvPr/>
+        </p:nvCxnSpPr>
+        <p:spPr>
+          <a:xfrm flipH="1" flipV="1">
+            <a:off x="9954883" y="2710982"/>
+            <a:ext cx="2" cy="728512"/>
+          </a:xfrm>
+          <a:prstGeom prst="line">
+            <a:avLst/>
+          </a:prstGeom>
+          <a:ln w="15875">
+            <a:solidFill>
               <a:schemeClr val="tx1"/>
-            </a:fontRef>
-          </p:style>
-        </p:cxnSp>
-        <p:sp>
-          <p:nvSpPr>
-            <p:cNvPr id="41" name="TextBox 40"/>
-            <p:cNvSpPr txBox="1"/>
-            <p:nvPr/>
-          </p:nvSpPr>
-          <p:spPr>
-            <a:xfrm>
-              <a:off x="5456337" y="3070160"/>
-              <a:ext cx="3813464" cy="369332"/>
-            </a:xfrm>
-            <a:prstGeom prst="rect">
-              <a:avLst/>
-            </a:prstGeom>
-            <a:noFill/>
-          </p:spPr>
-          <p:txBody>
-            <a:bodyPr wrap="square" rtlCol="0">
-              <a:spAutoFit/>
-            </a:bodyPr>
-            <a:lstStyle/>
-            <a:p>
-              <a:r>
-                <a:rPr lang="en-US" dirty="0">
-                  <a:solidFill>
-                    <a:schemeClr val="accent2">
-                      <a:lumMod val="50000"/>
-                    </a:schemeClr>
-                  </a:solidFill>
-                </a:rPr>
-                <a:t>d0-&gt;</a:t>
-              </a:r>
-              <a:r>
-                <a:rPr lang="en-US" dirty="0" err="1">
-                  <a:solidFill>
-                    <a:schemeClr val="accent2">
-                      <a:lumMod val="50000"/>
-                    </a:schemeClr>
-                  </a:solidFill>
-                </a:rPr>
-                <a:t>maturity_models</a:t>
-              </a:r>
-              <a:r>
-                <a:rPr lang="en-US" dirty="0">
-                  <a:solidFill>
-                    <a:schemeClr val="accent2">
-                      <a:lumMod val="50000"/>
-                    </a:schemeClr>
-                  </a:solidFill>
-                </a:rPr>
-                <a:t>[lm0-&gt;id] = lm0;</a:t>
-              </a:r>
-            </a:p>
-          </p:txBody>
-        </p:sp>
-        <p:cxnSp>
-          <p:nvCxnSpPr>
-            <p:cNvPr id="42" name="Straight Connector 41"/>
-            <p:cNvCxnSpPr/>
-            <p:nvPr/>
-          </p:nvCxnSpPr>
-          <p:spPr>
-            <a:xfrm flipH="1" flipV="1">
-              <a:off x="9954883" y="2710982"/>
-              <a:ext cx="2" cy="728512"/>
-            </a:xfrm>
-            <a:prstGeom prst="line">
-              <a:avLst/>
-            </a:prstGeom>
-            <a:ln>
-              <a:solidFill>
-                <a:schemeClr val="tx1"/>
-              </a:solidFill>
-            </a:ln>
-          </p:spPr>
-          <p:style>
-            <a:lnRef idx="1">
-              <a:schemeClr val="accent1"/>
-            </a:lnRef>
-            <a:fillRef idx="0">
-              <a:schemeClr val="accent1"/>
-            </a:fillRef>
-            <a:effectRef idx="0">
-              <a:schemeClr val="accent1"/>
-            </a:effectRef>
-            <a:fontRef idx="minor">
+            </a:solidFill>
+          </a:ln>
+        </p:spPr>
+        <p:style>
+          <a:lnRef idx="1">
+            <a:schemeClr val="accent1"/>
+          </a:lnRef>
+          <a:fillRef idx="0">
+            <a:schemeClr val="accent1"/>
+          </a:fillRef>
+          <a:effectRef idx="0">
+            <a:schemeClr val="accent1"/>
+          </a:effectRef>
+          <a:fontRef idx="minor">
+            <a:schemeClr val="tx1"/>
+          </a:fontRef>
+        </p:style>
+      </p:cxnSp>
+      <p:cxnSp>
+        <p:nvCxnSpPr>
+          <p:cNvPr id="45" name="Straight Arrow Connector 44"/>
+          <p:cNvCxnSpPr/>
+          <p:nvPr/>
+        </p:nvCxnSpPr>
+        <p:spPr>
+          <a:xfrm flipV="1">
+            <a:off x="5282986" y="3439493"/>
+            <a:ext cx="4671897" cy="1163680"/>
+          </a:xfrm>
+          <a:prstGeom prst="straightConnector1">
+            <a:avLst/>
+          </a:prstGeom>
+          <a:ln w="15875">
+            <a:solidFill>
               <a:schemeClr val="tx1"/>
-            </a:fontRef>
-          </p:style>
-        </p:cxnSp>
-        <p:cxnSp>
-          <p:nvCxnSpPr>
-            <p:cNvPr id="45" name="Straight Arrow Connector 44"/>
-            <p:cNvCxnSpPr/>
-            <p:nvPr/>
-          </p:nvCxnSpPr>
-          <p:spPr>
-            <a:xfrm flipV="1">
-              <a:off x="5282986" y="3439493"/>
-              <a:ext cx="4671897" cy="1163680"/>
-            </a:xfrm>
-            <a:prstGeom prst="straightConnector1">
-              <a:avLst/>
-            </a:prstGeom>
-            <a:ln>
-              <a:solidFill>
-                <a:schemeClr val="tx1"/>
-              </a:solidFill>
-              <a:headEnd type="triangle"/>
-              <a:tailEnd type="none"/>
-            </a:ln>
-          </p:spPr>
-          <p:style>
-            <a:lnRef idx="1">
-              <a:schemeClr val="accent1"/>
-            </a:lnRef>
-            <a:fillRef idx="0">
-              <a:schemeClr val="accent1"/>
-            </a:fillRef>
-            <a:effectRef idx="0">
-              <a:schemeClr val="accent1"/>
-            </a:effectRef>
-            <a:fontRef idx="minor">
-              <a:schemeClr val="tx1"/>
-            </a:fontRef>
-          </p:style>
-        </p:cxnSp>
-        <p:sp>
-          <p:nvSpPr>
-            <p:cNvPr id="43" name="Rectangle 42"/>
-            <p:cNvSpPr/>
-            <p:nvPr/>
-          </p:nvSpPr>
-          <p:spPr>
-            <a:xfrm>
-              <a:off x="5769926" y="3903409"/>
-              <a:ext cx="3698015" cy="369332"/>
-            </a:xfrm>
-            <a:prstGeom prst="rect">
-              <a:avLst/>
-            </a:prstGeom>
+            </a:solidFill>
+            <a:headEnd type="triangle"/>
+            <a:tailEnd type="none"/>
+          </a:ln>
+        </p:spPr>
+        <p:style>
+          <a:lnRef idx="1">
+            <a:schemeClr val="accent1"/>
+          </a:lnRef>
+          <a:fillRef idx="0">
+            <a:schemeClr val="accent1"/>
+          </a:fillRef>
+          <a:effectRef idx="0">
+            <a:schemeClr val="accent1"/>
+          </a:effectRef>
+          <a:fontRef idx="minor">
+            <a:schemeClr val="tx1"/>
+          </a:fontRef>
+        </p:style>
+      </p:cxnSp>
+      <p:sp>
+        <p:nvSpPr>
+          <p:cNvPr id="43" name="Rectangle 42"/>
+          <p:cNvSpPr/>
+          <p:nvPr/>
+        </p:nvSpPr>
+        <p:spPr>
+          <a:xfrm>
+            <a:off x="5769926" y="3903409"/>
+            <a:ext cx="3698015" cy="369332"/>
+          </a:xfrm>
+          <a:prstGeom prst="rect">
+            <a:avLst/>
+          </a:prstGeom>
+          <a:solidFill>
+            <a:schemeClr val="bg1"/>
+          </a:solidFill>
+        </p:spPr>
+        <p:txBody>
+          <a:bodyPr wrap="square">
+            <a:spAutoFit/>
+          </a:bodyPr>
+          <a:lstStyle/>
+          <a:p>
+            <a:pPr algn="ctr"/>
+            <a:r>
+              <a:rPr lang="en-US" dirty="0" err="1" smtClean="0"/>
+              <a:t>maturity_models</a:t>
+            </a:r>
+            <a:r>
+              <a:rPr lang="en-US" dirty="0" smtClean="0"/>
+              <a:t>(id, shared pointer)</a:t>
+            </a:r>
+          </a:p>
+        </p:txBody>
+      </p:sp>
+      <p:sp>
+        <p:nvSpPr>
+          <p:cNvPr id="23" name="Oval 22"/>
+          <p:cNvSpPr/>
+          <p:nvPr/>
+        </p:nvSpPr>
+        <p:spPr>
+          <a:xfrm rot="18324036">
+            <a:off x="5506959" y="4298356"/>
+            <a:ext cx="1257264" cy="2229208"/>
+          </a:xfrm>
+          <a:prstGeom prst="ellipse">
+            <a:avLst/>
+          </a:prstGeom>
+          <a:noFill/>
+          <a:ln>
             <a:solidFill>
-              <a:schemeClr val="bg1"/>
+              <a:srgbClr val="FF0000"/>
             </a:solidFill>
-          </p:spPr>
-          <p:txBody>
-            <a:bodyPr wrap="square">
-              <a:spAutoFit/>
-            </a:bodyPr>
-            <a:lstStyle/>
-            <a:p>
-              <a:pPr algn="ctr"/>
-              <a:r>
-                <a:rPr lang="en-US" dirty="0" err="1" smtClean="0"/>
-                <a:t>maturity_models</a:t>
-              </a:r>
-              <a:r>
-                <a:rPr lang="en-US" dirty="0" smtClean="0"/>
-                <a:t>(id, shared pointer)</a:t>
-              </a:r>
-            </a:p>
-          </p:txBody>
-        </p:sp>
-        <p:sp>
-          <p:nvSpPr>
-            <p:cNvPr id="23" name="Oval 22"/>
-            <p:cNvSpPr/>
-            <p:nvPr/>
-          </p:nvSpPr>
-          <p:spPr>
-            <a:xfrm rot="18324036">
-              <a:off x="5506959" y="4298356"/>
-              <a:ext cx="1257264" cy="2229208"/>
-            </a:xfrm>
-            <a:prstGeom prst="ellipse">
-              <a:avLst/>
-            </a:prstGeom>
-            <a:noFill/>
-            <a:ln>
-              <a:solidFill>
-                <a:srgbClr val="FF0000"/>
-              </a:solidFill>
-            </a:ln>
-          </p:spPr>
-          <p:style>
-            <a:lnRef idx="2">
-              <a:schemeClr val="accent1">
-                <a:shade val="50000"/>
-              </a:schemeClr>
-            </a:lnRef>
-            <a:fillRef idx="1">
-              <a:schemeClr val="accent1"/>
-            </a:fillRef>
-            <a:effectRef idx="0">
-              <a:schemeClr val="accent1"/>
-            </a:effectRef>
-            <a:fontRef idx="minor">
-              <a:schemeClr val="lt1"/>
-            </a:fontRef>
-          </p:style>
-          <p:txBody>
-            <a:bodyPr rtlCol="0" anchor="ctr"/>
-            <a:lstStyle/>
-            <a:p>
-              <a:pPr algn="ctr"/>
-              <a:endParaRPr lang="en-US"/>
-            </a:p>
-          </p:txBody>
-        </p:sp>
-      </p:grpSp>
+          </a:ln>
+        </p:spPr>
+        <p:style>
+          <a:lnRef idx="2">
+            <a:schemeClr val="accent1">
+              <a:shade val="50000"/>
+            </a:schemeClr>
+          </a:lnRef>
+          <a:fillRef idx="1">
+            <a:schemeClr val="accent1"/>
+          </a:fillRef>
+          <a:effectRef idx="0">
+            <a:schemeClr val="accent1"/>
+          </a:effectRef>
+          <a:fontRef idx="minor">
+            <a:schemeClr val="lt1"/>
+          </a:fontRef>
+        </p:style>
+        <p:txBody>
+          <a:bodyPr rtlCol="0" anchor="ctr"/>
+          <a:lstStyle/>
+          <a:p>
+            <a:pPr algn="ctr"/>
+            <a:endParaRPr lang="en-US"/>
+          </a:p>
+        </p:txBody>
+      </p:sp>
     </p:spTree>
     <p:extLst>
       <p:ext uri="{BB962C8B-B14F-4D97-AF65-F5344CB8AC3E}">

--- a/vignettes/figures/fims-path-maturity.pptx
+++ b/vignettes/figures/fims-path-maturity.pptx
@@ -261,7 +261,7 @@
           <a:p>
             <a:fld id="{576C322C-E16E-4C03-B617-B5EC0115F350}" type="datetimeFigureOut">
               <a:rPr lang="en-US" smtClean="0"/>
-              <a:t>6/27/2023</a:t>
+              <a:t>12/16/2024</a:t>
             </a:fld>
             <a:endParaRPr lang="en-US"/>
           </a:p>
@@ -431,7 +431,7 @@
           <a:p>
             <a:fld id="{576C322C-E16E-4C03-B617-B5EC0115F350}" type="datetimeFigureOut">
               <a:rPr lang="en-US" smtClean="0"/>
-              <a:t>6/27/2023</a:t>
+              <a:t>12/16/2024</a:t>
             </a:fld>
             <a:endParaRPr lang="en-US"/>
           </a:p>
@@ -611,7 +611,7 @@
           <a:p>
             <a:fld id="{576C322C-E16E-4C03-B617-B5EC0115F350}" type="datetimeFigureOut">
               <a:rPr lang="en-US" smtClean="0"/>
-              <a:t>6/27/2023</a:t>
+              <a:t>12/16/2024</a:t>
             </a:fld>
             <a:endParaRPr lang="en-US"/>
           </a:p>
@@ -781,7 +781,7 @@
           <a:p>
             <a:fld id="{576C322C-E16E-4C03-B617-B5EC0115F350}" type="datetimeFigureOut">
               <a:rPr lang="en-US" smtClean="0"/>
-              <a:t>6/27/2023</a:t>
+              <a:t>12/16/2024</a:t>
             </a:fld>
             <a:endParaRPr lang="en-US"/>
           </a:p>
@@ -1027,7 +1027,7 @@
           <a:p>
             <a:fld id="{576C322C-E16E-4C03-B617-B5EC0115F350}" type="datetimeFigureOut">
               <a:rPr lang="en-US" smtClean="0"/>
-              <a:t>6/27/2023</a:t>
+              <a:t>12/16/2024</a:t>
             </a:fld>
             <a:endParaRPr lang="en-US"/>
           </a:p>
@@ -1259,7 +1259,7 @@
           <a:p>
             <a:fld id="{576C322C-E16E-4C03-B617-B5EC0115F350}" type="datetimeFigureOut">
               <a:rPr lang="en-US" smtClean="0"/>
-              <a:t>6/27/2023</a:t>
+              <a:t>12/16/2024</a:t>
             </a:fld>
             <a:endParaRPr lang="en-US"/>
           </a:p>
@@ -1626,7 +1626,7 @@
           <a:p>
             <a:fld id="{576C322C-E16E-4C03-B617-B5EC0115F350}" type="datetimeFigureOut">
               <a:rPr lang="en-US" smtClean="0"/>
-              <a:t>6/27/2023</a:t>
+              <a:t>12/16/2024</a:t>
             </a:fld>
             <a:endParaRPr lang="en-US"/>
           </a:p>
@@ -1744,7 +1744,7 @@
           <a:p>
             <a:fld id="{576C322C-E16E-4C03-B617-B5EC0115F350}" type="datetimeFigureOut">
               <a:rPr lang="en-US" smtClean="0"/>
-              <a:t>6/27/2023</a:t>
+              <a:t>12/16/2024</a:t>
             </a:fld>
             <a:endParaRPr lang="en-US"/>
           </a:p>
@@ -1839,7 +1839,7 @@
           <a:p>
             <a:fld id="{576C322C-E16E-4C03-B617-B5EC0115F350}" type="datetimeFigureOut">
               <a:rPr lang="en-US" smtClean="0"/>
-              <a:t>6/27/2023</a:t>
+              <a:t>12/16/2024</a:t>
             </a:fld>
             <a:endParaRPr lang="en-US"/>
           </a:p>
@@ -2116,7 +2116,7 @@
           <a:p>
             <a:fld id="{576C322C-E16E-4C03-B617-B5EC0115F350}" type="datetimeFigureOut">
               <a:rPr lang="en-US" smtClean="0"/>
-              <a:t>6/27/2023</a:t>
+              <a:t>12/16/2024</a:t>
             </a:fld>
             <a:endParaRPr lang="en-US"/>
           </a:p>
@@ -2369,7 +2369,7 @@
           <a:p>
             <a:fld id="{576C322C-E16E-4C03-B617-B5EC0115F350}" type="datetimeFigureOut">
               <a:rPr lang="en-US" smtClean="0"/>
-              <a:t>6/27/2023</a:t>
+              <a:t>12/16/2024</a:t>
             </a:fld>
             <a:endParaRPr lang="en-US"/>
           </a:p>
@@ -2582,7 +2582,7 @@
           <a:p>
             <a:fld id="{576C322C-E16E-4C03-B617-B5EC0115F350}" type="datetimeFigureOut">
               <a:rPr lang="en-US" smtClean="0"/>
-              <a:t>6/27/2023</a:t>
+              <a:t>12/16/2024</a:t>
             </a:fld>
             <a:endParaRPr lang="en-US"/>
           </a:p>
@@ -3003,113 +3003,6 @@
         </p:grpSpPr>
         <p:sp>
           <p:nvSpPr>
-            <p:cNvPr id="4" name="Rectangle 3"/>
-            <p:cNvSpPr/>
-            <p:nvPr/>
-          </p:nvSpPr>
-          <p:spPr>
-            <a:xfrm>
-              <a:off x="245917" y="723900"/>
-              <a:ext cx="1619250" cy="1028700"/>
-            </a:xfrm>
-            <a:prstGeom prst="rect">
-              <a:avLst/>
-            </a:prstGeom>
-            <a:solidFill>
-              <a:schemeClr val="accent1">
-                <a:lumMod val="20000"/>
-                <a:lumOff val="80000"/>
-              </a:schemeClr>
-            </a:solidFill>
-            <a:ln>
-              <a:solidFill>
-                <a:schemeClr val="accent1">
-                  <a:lumMod val="50000"/>
-                </a:schemeClr>
-              </a:solidFill>
-            </a:ln>
-          </p:spPr>
-          <p:style>
-            <a:lnRef idx="2">
-              <a:schemeClr val="accent1">
-                <a:shade val="50000"/>
-              </a:schemeClr>
-            </a:lnRef>
-            <a:fillRef idx="1">
-              <a:schemeClr val="accent1"/>
-            </a:fillRef>
-            <a:effectRef idx="0">
-              <a:schemeClr val="accent1"/>
-            </a:effectRef>
-            <a:fontRef idx="minor">
-              <a:schemeClr val="lt1"/>
-            </a:fontRef>
-          </p:style>
-          <p:txBody>
-            <a:bodyPr rtlCol="0" anchor="ctr"/>
-            <a:lstStyle/>
-            <a:p>
-              <a:r>
-                <a:rPr lang="en-US" b="1" dirty="0" err="1" smtClean="0">
-                  <a:solidFill>
-                    <a:schemeClr val="accent1">
-                      <a:lumMod val="50000"/>
-                    </a:schemeClr>
-                  </a:solidFill>
-                </a:rPr>
-                <a:t>fims$maturity</a:t>
-              </a:r>
-              <a:endParaRPr lang="en-US" b="1" dirty="0" smtClean="0">
-                <a:solidFill>
-                  <a:schemeClr val="accent1">
-                    <a:lumMod val="50000"/>
-                  </a:schemeClr>
-                </a:solidFill>
-              </a:endParaRPr>
-            </a:p>
-            <a:p>
-              <a:pPr marL="285750" indent="-285750">
-                <a:buFont typeface="Arial" panose="020B0604020202020204" pitchFamily="34" charset="0"/>
-                <a:buChar char="•"/>
-              </a:pPr>
-              <a:r>
-                <a:rPr lang="en-US" dirty="0" smtClean="0">
-                  <a:solidFill>
-                    <a:schemeClr val="accent1">
-                      <a:lumMod val="50000"/>
-                    </a:schemeClr>
-                  </a:solidFill>
-                </a:rPr>
-                <a:t>median</a:t>
-              </a:r>
-            </a:p>
-            <a:p>
-              <a:pPr marL="285750" indent="-285750">
-                <a:buFont typeface="Arial" panose="020B0604020202020204" pitchFamily="34" charset="0"/>
-                <a:buChar char="•"/>
-              </a:pPr>
-              <a:r>
-                <a:rPr lang="en-US" dirty="0" smtClean="0">
-                  <a:solidFill>
-                    <a:schemeClr val="accent1">
-                      <a:lumMod val="50000"/>
-                    </a:schemeClr>
-                  </a:solidFill>
-                </a:rPr>
-                <a:t>slope</a:t>
-              </a:r>
-              <a:endParaRPr lang="en-US" dirty="0">
-                <a:solidFill>
-                  <a:schemeClr val="accent1">
-                    <a:lumMod val="50000"/>
-                  </a:schemeClr>
-                </a:solidFill>
-              </a:endParaRPr>
-            </a:p>
-          </p:txBody>
-        </p:sp>
-        <p:sp>
-          <p:nvSpPr>
             <p:cNvPr id="6" name="Rectangle 5"/>
             <p:cNvSpPr/>
             <p:nvPr/>
@@ -3164,7 +3057,7 @@
                     </a:schemeClr>
                   </a:solidFill>
                 </a:rPr>
-                <a:t>fims$LogisticMaturity</a:t>
+                <a:t>LogisticMaturity</a:t>
               </a:r>
               <a:endParaRPr lang="en-US" b="1" dirty="0" smtClean="0">
                 <a:solidFill>
@@ -3322,84 +3215,6 @@
                 </a:rPr>
                 <a:t>slope</a:t>
               </a:r>
-            </a:p>
-          </p:txBody>
-        </p:sp>
-        <p:cxnSp>
-          <p:nvCxnSpPr>
-            <p:cNvPr id="12" name="Straight Arrow Connector 11"/>
-            <p:cNvCxnSpPr>
-              <a:stCxn id="4" idx="3"/>
-              <a:endCxn id="6" idx="1"/>
-            </p:cNvCxnSpPr>
-            <p:nvPr/>
-          </p:nvCxnSpPr>
-          <p:spPr>
-            <a:xfrm>
-              <a:off x="1865167" y="1238250"/>
-              <a:ext cx="796385" cy="0"/>
-            </a:xfrm>
-            <a:prstGeom prst="straightConnector1">
-              <a:avLst/>
-            </a:prstGeom>
-            <a:ln w="15875">
-              <a:tailEnd type="triangle"/>
-            </a:ln>
-          </p:spPr>
-          <p:style>
-            <a:lnRef idx="1">
-              <a:schemeClr val="accent1"/>
-            </a:lnRef>
-            <a:fillRef idx="0">
-              <a:schemeClr val="accent1"/>
-            </a:fillRef>
-            <a:effectRef idx="0">
-              <a:schemeClr val="accent1"/>
-            </a:effectRef>
-            <a:fontRef idx="minor">
-              <a:schemeClr val="tx1"/>
-            </a:fontRef>
-          </p:style>
-        </p:cxnSp>
-        <p:sp>
-          <p:nvSpPr>
-            <p:cNvPr id="15" name="TextBox 14"/>
-            <p:cNvSpPr txBox="1"/>
-            <p:nvPr/>
-          </p:nvSpPr>
-          <p:spPr>
-            <a:xfrm>
-              <a:off x="1865167" y="876300"/>
-              <a:ext cx="781050" cy="369332"/>
-            </a:xfrm>
-            <a:prstGeom prst="rect">
-              <a:avLst/>
-            </a:prstGeom>
-            <a:noFill/>
-          </p:spPr>
-          <p:txBody>
-            <a:bodyPr wrap="square" rtlCol="0">
-              <a:spAutoFit/>
-            </a:bodyPr>
-            <a:lstStyle/>
-            <a:p>
-              <a:r>
-                <a:rPr lang="en-US" dirty="0" smtClean="0">
-                  <a:solidFill>
-                    <a:schemeClr val="accent1">
-                      <a:lumMod val="50000"/>
-                    </a:schemeClr>
-                  </a:solidFill>
-                </a:rPr>
-                <a:t>new()</a:t>
-              </a:r>
-              <a:endParaRPr lang="en-US" dirty="0">
-                <a:solidFill>
-                  <a:schemeClr val="accent1">
-                    <a:lumMod val="50000"/>
-                  </a:schemeClr>
-                </a:solidFill>
-              </a:endParaRPr>
             </a:p>
           </p:txBody>
         </p:sp>
@@ -3707,6 +3522,210 @@
           </p:txBody>
         </p:sp>
       </p:grpSp>
+      <p:sp>
+        <p:nvSpPr>
+          <p:cNvPr id="38" name="Rectangle 37"/>
+          <p:cNvSpPr/>
+          <p:nvPr/>
+        </p:nvSpPr>
+        <p:spPr>
+          <a:xfrm>
+            <a:off x="245917" y="723900"/>
+            <a:ext cx="1220045" cy="1028700"/>
+          </a:xfrm>
+          <a:prstGeom prst="rect">
+            <a:avLst/>
+          </a:prstGeom>
+          <a:solidFill>
+            <a:schemeClr val="accent1">
+              <a:lumMod val="20000"/>
+              <a:lumOff val="80000"/>
+            </a:schemeClr>
+          </a:solidFill>
+          <a:ln>
+            <a:solidFill>
+              <a:schemeClr val="accent1">
+                <a:lumMod val="50000"/>
+              </a:schemeClr>
+            </a:solidFill>
+          </a:ln>
+        </p:spPr>
+        <p:style>
+          <a:lnRef idx="2">
+            <a:schemeClr val="accent1">
+              <a:shade val="50000"/>
+            </a:schemeClr>
+          </a:lnRef>
+          <a:fillRef idx="1">
+            <a:schemeClr val="accent1"/>
+          </a:fillRef>
+          <a:effectRef idx="0">
+            <a:schemeClr val="accent1"/>
+          </a:effectRef>
+          <a:fontRef idx="minor">
+            <a:schemeClr val="lt1"/>
+          </a:fontRef>
+        </p:style>
+        <p:txBody>
+          <a:bodyPr rtlCol="0" anchor="ctr"/>
+          <a:lstStyle/>
+          <a:p>
+            <a:r>
+              <a:rPr lang="en-US" b="1" dirty="0" smtClean="0">
+                <a:solidFill>
+                  <a:schemeClr val="accent1">
+                    <a:lumMod val="50000"/>
+                  </a:schemeClr>
+                </a:solidFill>
+              </a:rPr>
+              <a:t>maturity</a:t>
+            </a:r>
+            <a:endParaRPr lang="en-US" b="1" dirty="0" smtClean="0">
+              <a:solidFill>
+                <a:schemeClr val="accent1">
+                  <a:lumMod val="50000"/>
+                </a:schemeClr>
+              </a:solidFill>
+            </a:endParaRPr>
+          </a:p>
+          <a:p>
+            <a:pPr marL="285750" indent="-285750">
+              <a:buFont typeface="Arial" panose="020B0604020202020204" pitchFamily="34" charset="0"/>
+              <a:buChar char="•"/>
+            </a:pPr>
+            <a:r>
+              <a:rPr lang="en-US" dirty="0" smtClean="0">
+                <a:solidFill>
+                  <a:schemeClr val="accent1">
+                    <a:lumMod val="50000"/>
+                  </a:schemeClr>
+                </a:solidFill>
+              </a:rPr>
+              <a:t>median</a:t>
+            </a:r>
+          </a:p>
+          <a:p>
+            <a:pPr marL="285750" indent="-285750">
+              <a:buFont typeface="Arial" panose="020B0604020202020204" pitchFamily="34" charset="0"/>
+              <a:buChar char="•"/>
+            </a:pPr>
+            <a:r>
+              <a:rPr lang="en-US" dirty="0" smtClean="0">
+                <a:solidFill>
+                  <a:schemeClr val="accent1">
+                    <a:lumMod val="50000"/>
+                  </a:schemeClr>
+                </a:solidFill>
+              </a:rPr>
+              <a:t>slope</a:t>
+            </a:r>
+            <a:endParaRPr lang="en-US" dirty="0">
+              <a:solidFill>
+                <a:schemeClr val="accent1">
+                  <a:lumMod val="50000"/>
+                </a:schemeClr>
+              </a:solidFill>
+            </a:endParaRPr>
+          </a:p>
+        </p:txBody>
+      </p:sp>
+      <p:cxnSp>
+        <p:nvCxnSpPr>
+          <p:cNvPr id="39" name="Straight Arrow Connector 38"/>
+          <p:cNvCxnSpPr>
+            <a:stCxn id="38" idx="3"/>
+          </p:cNvCxnSpPr>
+          <p:nvPr/>
+        </p:nvCxnSpPr>
+        <p:spPr>
+          <a:xfrm>
+            <a:off x="1465962" y="1238250"/>
+            <a:ext cx="1195589" cy="0"/>
+          </a:xfrm>
+          <a:prstGeom prst="straightConnector1">
+            <a:avLst/>
+          </a:prstGeom>
+          <a:ln w="15875">
+            <a:tailEnd type="triangle"/>
+          </a:ln>
+        </p:spPr>
+        <p:style>
+          <a:lnRef idx="1">
+            <a:schemeClr val="accent1"/>
+          </a:lnRef>
+          <a:fillRef idx="0">
+            <a:schemeClr val="accent1"/>
+          </a:fillRef>
+          <a:effectRef idx="0">
+            <a:schemeClr val="accent1"/>
+          </a:effectRef>
+          <a:fontRef idx="minor">
+            <a:schemeClr val="tx1"/>
+          </a:fontRef>
+        </p:style>
+      </p:cxnSp>
+      <p:sp>
+        <p:nvSpPr>
+          <p:cNvPr id="40" name="TextBox 39"/>
+          <p:cNvSpPr txBox="1"/>
+          <p:nvPr/>
+        </p:nvSpPr>
+        <p:spPr>
+          <a:xfrm>
+            <a:off x="1405580" y="944268"/>
+            <a:ext cx="1443753" cy="307777"/>
+          </a:xfrm>
+          <a:prstGeom prst="rect">
+            <a:avLst/>
+          </a:prstGeom>
+          <a:noFill/>
+        </p:spPr>
+        <p:txBody>
+          <a:bodyPr wrap="square" rtlCol="0">
+            <a:spAutoFit/>
+          </a:bodyPr>
+          <a:lstStyle/>
+          <a:p>
+            <a:r>
+              <a:rPr lang="en-US" sz="1400" dirty="0">
+                <a:solidFill>
+                  <a:schemeClr val="accent1">
+                    <a:lumMod val="50000"/>
+                  </a:schemeClr>
+                </a:solidFill>
+              </a:rPr>
+              <a:t>m</a:t>
+            </a:r>
+            <a:r>
+              <a:rPr lang="en-US" sz="1400" dirty="0" smtClean="0">
+                <a:solidFill>
+                  <a:schemeClr val="accent1">
+                    <a:lumMod val="50000"/>
+                  </a:schemeClr>
+                </a:solidFill>
+              </a:rPr>
+              <a:t>ethods::new</a:t>
+            </a:r>
+            <a:r>
+              <a:rPr lang="en-US" sz="1400" dirty="0" smtClean="0">
+                <a:solidFill>
+                  <a:schemeClr val="accent1">
+                    <a:lumMod val="50000"/>
+                  </a:schemeClr>
+                </a:solidFill>
+              </a:rPr>
+              <a:t>()</a:t>
+            </a:r>
+            <a:endParaRPr lang="en-US" sz="1400" dirty="0">
+              <a:solidFill>
+                <a:schemeClr val="accent1">
+                  <a:lumMod val="50000"/>
+                </a:schemeClr>
+              </a:solidFill>
+            </a:endParaRPr>
+          </a:p>
+        </p:txBody>
+      </p:sp>
     </p:spTree>
     <p:extLst>
       <p:ext uri="{BB962C8B-B14F-4D97-AF65-F5344CB8AC3E}">
@@ -3760,7 +3779,7 @@
           <p:spPr>
             <a:xfrm>
               <a:off x="245917" y="723900"/>
-              <a:ext cx="1619250" cy="1028700"/>
+              <a:ext cx="1220045" cy="1028700"/>
             </a:xfrm>
             <a:prstGeom prst="rect">
               <a:avLst/>
@@ -3800,14 +3819,14 @@
             <a:lstStyle/>
             <a:p>
               <a:r>
-                <a:rPr lang="en-US" b="1" dirty="0" err="1" smtClean="0">
+                <a:rPr lang="en-US" b="1" dirty="0" smtClean="0">
                   <a:solidFill>
                     <a:schemeClr val="accent1">
                       <a:lumMod val="50000"/>
                     </a:schemeClr>
                   </a:solidFill>
                 </a:rPr>
-                <a:t>fims$maturity</a:t>
+                <a:t>maturity</a:t>
               </a:r>
               <a:endParaRPr lang="en-US" b="1" dirty="0" smtClean="0">
                 <a:solidFill>
@@ -3914,7 +3933,7 @@
                     </a:schemeClr>
                   </a:solidFill>
                 </a:rPr>
-                <a:t>fims$LogisticMaturity</a:t>
+                <a:t>LogisticMaturity</a:t>
               </a:r>
               <a:endParaRPr lang="en-US" b="1" dirty="0" smtClean="0">
                 <a:solidFill>
@@ -4108,10 +4127,17 @@
                 </a:rPr>
                 <a:t>(</a:t>
               </a:r>
-            </a:p>
-            <a:p>
-              <a:r>
-                <a:rPr lang="en-US" dirty="0">
+              <a:endParaRPr lang="en-US" sz="1400" dirty="0" smtClean="0">
+                <a:solidFill>
+                  <a:schemeClr val="accent2">
+                    <a:lumMod val="75000"/>
+                  </a:schemeClr>
+                </a:solidFill>
+              </a:endParaRPr>
+            </a:p>
+            <a:p>
+              <a:r>
+                <a:rPr lang="en-US" sz="1400" dirty="0">
                   <a:solidFill>
                     <a:schemeClr val="accent2">
                       <a:lumMod val="75000"/>
@@ -4121,46 +4147,93 @@
                 <a:t> </a:t>
               </a:r>
               <a:r>
-                <a:rPr lang="en-US" dirty="0" smtClean="0">
+                <a:rPr lang="en-US" sz="1400" dirty="0" smtClean="0">
                   <a:solidFill>
                     <a:schemeClr val="accent2">
                       <a:lumMod val="75000"/>
                     </a:schemeClr>
                   </a:solidFill>
                 </a:rPr>
-                <a:t>       shared pointer: lm0</a:t>
-              </a:r>
-            </a:p>
-            <a:p>
-              <a:r>
-                <a:rPr lang="en-US" dirty="0">
+                <a:t>       shared pointer: </a:t>
+              </a:r>
+              <a:r>
+                <a:rPr lang="en-US" sz="1400" dirty="0" smtClean="0">
                   <a:solidFill>
                     <a:schemeClr val="accent2">
                       <a:lumMod val="75000"/>
                     </a:schemeClr>
                   </a:solidFill>
                 </a:rPr>
-                <a:t> </a:t>
-              </a:r>
-              <a:r>
-                <a:rPr lang="en-US" dirty="0" smtClean="0">
+                <a:t>maturity</a:t>
+              </a:r>
+              <a:endParaRPr lang="en-US" sz="1400" dirty="0" smtClean="0">
+                <a:solidFill>
+                  <a:schemeClr val="accent2">
+                    <a:lumMod val="75000"/>
+                  </a:schemeClr>
+                </a:solidFill>
+              </a:endParaRPr>
+            </a:p>
+            <a:p>
+              <a:r>
+                <a:rPr lang="en-US" sz="1400" dirty="0">
                   <a:solidFill>
                     <a:schemeClr val="accent2">
                       <a:lumMod val="75000"/>
                     </a:schemeClr>
                   </a:solidFill>
                 </a:rPr>
-                <a:t>       shared pointer: </a:t>
-              </a:r>
-              <a:r>
-                <a:rPr lang="en-US" dirty="0" smtClean="0">
+                <a:t> </a:t>
+              </a:r>
+              <a:r>
+                <a:rPr lang="en-US" sz="1400" dirty="0" smtClean="0">
                   <a:solidFill>
                     <a:schemeClr val="accent2">
                       <a:lumMod val="75000"/>
                     </a:schemeClr>
                   </a:solidFill>
                 </a:rPr>
-                <a:t>d0)</a:t>
+                <a:t>       </a:t>
+              </a:r>
+              <a:r>
+                <a:rPr lang="en-US" sz="1400" dirty="0" smtClean="0">
+                  <a:solidFill>
+                    <a:schemeClr val="accent2">
+                      <a:lumMod val="75000"/>
+                    </a:schemeClr>
+                  </a:solidFill>
+                </a:rPr>
+                <a:t>shared </a:t>
+              </a:r>
+              <a:r>
+                <a:rPr lang="en-US" sz="1400" dirty="0" smtClean="0">
+                  <a:solidFill>
+                    <a:schemeClr val="accent2">
+                      <a:lumMod val="75000"/>
+                    </a:schemeClr>
+                  </a:solidFill>
+                </a:rPr>
+                <a:t>pointer: </a:t>
+              </a:r>
+              <a:r>
+                <a:rPr lang="en-US" sz="1400" dirty="0" smtClean="0">
+                  <a:solidFill>
+                    <a:schemeClr val="accent2">
+                      <a:lumMod val="75000"/>
+                    </a:schemeClr>
+                  </a:solidFill>
+                </a:rPr>
+                <a:t>info</a:t>
+              </a:r>
+              <a:r>
+                <a:rPr lang="en-US" dirty="0" smtClean="0">
+                  <a:solidFill>
+                    <a:schemeClr val="accent2">
+                      <a:lumMod val="75000"/>
+                    </a:schemeClr>
+                  </a:solidFill>
+                </a:rPr>
+                <a:t>)</a:t>
               </a:r>
               <a:endParaRPr lang="en-US" dirty="0" smtClean="0">
                 <a:solidFill>
@@ -4183,8 +4256,8 @@
           </p:nvCxnSpPr>
           <p:spPr>
             <a:xfrm>
-              <a:off x="1865167" y="1238250"/>
-              <a:ext cx="796385" cy="0"/>
+              <a:off x="1465962" y="1238250"/>
+              <a:ext cx="1195589" cy="0"/>
             </a:xfrm>
             <a:prstGeom prst="straightConnector1">
               <a:avLst/>
@@ -4216,8 +4289,8 @@
           </p:nvSpPr>
           <p:spPr>
             <a:xfrm>
-              <a:off x="1865167" y="876300"/>
-              <a:ext cx="781050" cy="369332"/>
+              <a:off x="1405580" y="944268"/>
+              <a:ext cx="1443753" cy="307777"/>
             </a:xfrm>
             <a:prstGeom prst="rect">
               <a:avLst/>
@@ -4231,16 +4304,36 @@
             <a:lstStyle/>
             <a:p>
               <a:r>
-                <a:rPr lang="en-US" dirty="0" smtClean="0">
+                <a:rPr lang="en-US" sz="1400" dirty="0">
                   <a:solidFill>
                     <a:schemeClr val="accent1">
                       <a:lumMod val="50000"/>
                     </a:schemeClr>
                   </a:solidFill>
                 </a:rPr>
-                <a:t>new()</a:t>
-              </a:r>
-              <a:endParaRPr lang="en-US" dirty="0">
+                <a:t>m</a:t>
+              </a:r>
+              <a:r>
+                <a:rPr lang="en-US" sz="1400" dirty="0" smtClean="0">
+                  <a:solidFill>
+                    <a:schemeClr val="accent1">
+                      <a:lumMod val="50000"/>
+                    </a:schemeClr>
+                  </a:solidFill>
+                </a:rPr>
+                <a:t>ethods::new</a:t>
+              </a:r>
+              <a:r>
+                <a:rPr lang="en-US" sz="1400" dirty="0" smtClean="0">
+                  <a:solidFill>
+                    <a:schemeClr val="accent1">
+                      <a:lumMod val="50000"/>
+                    </a:schemeClr>
+                  </a:solidFill>
+                </a:rPr>
+                <a:t>()</a:t>
+              </a:r>
+              <a:endParaRPr lang="en-US" sz="1400" dirty="0">
                 <a:solidFill>
                   <a:schemeClr val="accent1">
                     <a:lumMod val="50000"/>
@@ -4493,8 +4586,8 @@
           </p:nvSpPr>
           <p:spPr>
             <a:xfrm>
-              <a:off x="315545" y="3583279"/>
-              <a:ext cx="2133600" cy="369332"/>
+              <a:off x="630323" y="3471935"/>
+              <a:ext cx="1792926" cy="646331"/>
             </a:xfrm>
             <a:prstGeom prst="rect">
               <a:avLst/>
@@ -4515,8 +4608,25 @@
                     </a:schemeClr>
                   </a:solidFill>
                 </a:rPr>
-                <a:t>shared pointer: lm0</a:t>
-              </a:r>
+                <a:t>shared pointer: </a:t>
+              </a:r>
+              <a:r>
+                <a:rPr lang="en-US" dirty="0" smtClean="0">
+                  <a:solidFill>
+                    <a:schemeClr val="accent2">
+                      <a:lumMod val="75000"/>
+                    </a:schemeClr>
+                  </a:solidFill>
+                </a:rPr>
+                <a:t>maturity</a:t>
+              </a:r>
+              <a:endParaRPr lang="en-US" dirty="0" smtClean="0">
+                <a:solidFill>
+                  <a:schemeClr val="accent2">
+                    <a:lumMod val="75000"/>
+                  </a:schemeClr>
+                </a:solidFill>
+              </a:endParaRPr>
             </a:p>
           </p:txBody>
         </p:sp>
@@ -4750,8 +4860,15 @@
                     </a:schemeClr>
                   </a:solidFill>
                 </a:rPr>
-                <a:t>d0</a:t>
-              </a:r>
+                <a:t>info</a:t>
+              </a:r>
+              <a:endParaRPr lang="en-US" dirty="0" smtClean="0">
+                <a:solidFill>
+                  <a:schemeClr val="accent2">
+                    <a:lumMod val="75000"/>
+                  </a:schemeClr>
+                </a:solidFill>
+              </a:endParaRPr>
             </a:p>
           </p:txBody>
         </p:sp>
@@ -4851,11 +4968,7 @@
               </a:r>
               <a:r>
                 <a:rPr lang="en-US" dirty="0" smtClean="0"/>
-                <a:t>::</a:t>
-              </a:r>
-              <a:r>
-                <a:rPr lang="en-US" dirty="0" smtClean="0"/>
-                <a:t>Information </a:t>
+                <a:t>::Information </a:t>
               </a:r>
               <a:endParaRPr lang="en-US" dirty="0"/>
             </a:p>
@@ -5119,113 +5232,6 @@
         </p:grpSpPr>
         <p:sp>
           <p:nvSpPr>
-            <p:cNvPr id="4" name="Rectangle 3"/>
-            <p:cNvSpPr/>
-            <p:nvPr/>
-          </p:nvSpPr>
-          <p:spPr>
-            <a:xfrm>
-              <a:off x="245917" y="723900"/>
-              <a:ext cx="1619250" cy="1028700"/>
-            </a:xfrm>
-            <a:prstGeom prst="rect">
-              <a:avLst/>
-            </a:prstGeom>
-            <a:solidFill>
-              <a:schemeClr val="accent1">
-                <a:lumMod val="20000"/>
-                <a:lumOff val="80000"/>
-              </a:schemeClr>
-            </a:solidFill>
-            <a:ln>
-              <a:solidFill>
-                <a:schemeClr val="accent1">
-                  <a:lumMod val="50000"/>
-                </a:schemeClr>
-              </a:solidFill>
-            </a:ln>
-          </p:spPr>
-          <p:style>
-            <a:lnRef idx="2">
-              <a:schemeClr val="accent1">
-                <a:shade val="50000"/>
-              </a:schemeClr>
-            </a:lnRef>
-            <a:fillRef idx="1">
-              <a:schemeClr val="accent1"/>
-            </a:fillRef>
-            <a:effectRef idx="0">
-              <a:schemeClr val="accent1"/>
-            </a:effectRef>
-            <a:fontRef idx="minor">
-              <a:schemeClr val="lt1"/>
-            </a:fontRef>
-          </p:style>
-          <p:txBody>
-            <a:bodyPr rtlCol="0" anchor="ctr"/>
-            <a:lstStyle/>
-            <a:p>
-              <a:r>
-                <a:rPr lang="en-US" b="1" dirty="0" err="1" smtClean="0">
-                  <a:solidFill>
-                    <a:schemeClr val="accent1">
-                      <a:lumMod val="50000"/>
-                    </a:schemeClr>
-                  </a:solidFill>
-                </a:rPr>
-                <a:t>fims$maturity</a:t>
-              </a:r>
-              <a:endParaRPr lang="en-US" b="1" dirty="0" smtClean="0">
-                <a:solidFill>
-                  <a:schemeClr val="accent1">
-                    <a:lumMod val="50000"/>
-                  </a:schemeClr>
-                </a:solidFill>
-              </a:endParaRPr>
-            </a:p>
-            <a:p>
-              <a:pPr marL="285750" indent="-285750">
-                <a:buFont typeface="Arial" panose="020B0604020202020204" pitchFamily="34" charset="0"/>
-                <a:buChar char="•"/>
-              </a:pPr>
-              <a:r>
-                <a:rPr lang="en-US" dirty="0" smtClean="0">
-                  <a:solidFill>
-                    <a:schemeClr val="accent1">
-                      <a:lumMod val="50000"/>
-                    </a:schemeClr>
-                  </a:solidFill>
-                </a:rPr>
-                <a:t>median</a:t>
-              </a:r>
-            </a:p>
-            <a:p>
-              <a:pPr marL="285750" indent="-285750">
-                <a:buFont typeface="Arial" panose="020B0604020202020204" pitchFamily="34" charset="0"/>
-                <a:buChar char="•"/>
-              </a:pPr>
-              <a:r>
-                <a:rPr lang="en-US" dirty="0" smtClean="0">
-                  <a:solidFill>
-                    <a:schemeClr val="accent1">
-                      <a:lumMod val="50000"/>
-                    </a:schemeClr>
-                  </a:solidFill>
-                </a:rPr>
-                <a:t>slope</a:t>
-              </a:r>
-              <a:endParaRPr lang="en-US" dirty="0">
-                <a:solidFill>
-                  <a:schemeClr val="accent1">
-                    <a:lumMod val="50000"/>
-                  </a:schemeClr>
-                </a:solidFill>
-              </a:endParaRPr>
-            </a:p>
-          </p:txBody>
-        </p:sp>
-        <p:sp>
-          <p:nvSpPr>
             <p:cNvPr id="6" name="Rectangle 5"/>
             <p:cNvSpPr/>
             <p:nvPr/>
@@ -5280,7 +5286,7 @@
                     </a:schemeClr>
                   </a:solidFill>
                 </a:rPr>
-                <a:t>fims$LogisticMaturity</a:t>
+                <a:t>LogisticMaturity</a:t>
               </a:r>
               <a:endParaRPr lang="en-US" b="1" dirty="0" smtClean="0">
                 <a:solidFill>
@@ -5321,298 +5327,6 @@
                 </a:rPr>
                 <a:t>slope</a:t>
               </a:r>
-            </a:p>
-          </p:txBody>
-        </p:sp>
-        <p:sp>
-          <p:nvSpPr>
-            <p:cNvPr id="10" name="Rectangle 9"/>
-            <p:cNvSpPr/>
-            <p:nvPr/>
-          </p:nvSpPr>
-          <p:spPr>
-            <a:xfrm>
-              <a:off x="2656160" y="1752599"/>
-              <a:ext cx="2612029" cy="1853045"/>
-            </a:xfrm>
-            <a:prstGeom prst="rect">
-              <a:avLst/>
-            </a:prstGeom>
-            <a:solidFill>
-              <a:schemeClr val="accent2">
-                <a:lumMod val="20000"/>
-                <a:lumOff val="80000"/>
-              </a:schemeClr>
-            </a:solidFill>
-            <a:ln>
-              <a:solidFill>
-                <a:schemeClr val="accent2">
-                  <a:lumMod val="50000"/>
-                </a:schemeClr>
-              </a:solidFill>
-            </a:ln>
-          </p:spPr>
-          <p:style>
-            <a:lnRef idx="2">
-              <a:schemeClr val="accent1">
-                <a:shade val="50000"/>
-              </a:schemeClr>
-            </a:lnRef>
-            <a:fillRef idx="1">
-              <a:schemeClr val="accent1"/>
-            </a:fillRef>
-            <a:effectRef idx="0">
-              <a:schemeClr val="accent1"/>
-            </a:effectRef>
-            <a:fontRef idx="minor">
-              <a:schemeClr val="lt1"/>
-            </a:fontRef>
-          </p:style>
-          <p:txBody>
-            <a:bodyPr rtlCol="0" anchor="ctr"/>
-            <a:lstStyle/>
-            <a:p>
-              <a:r>
-                <a:rPr lang="en-US" sz="1200" dirty="0" smtClean="0">
-                  <a:solidFill>
-                    <a:schemeClr val="accent2">
-                      <a:lumMod val="75000"/>
-                    </a:schemeClr>
-                  </a:solidFill>
-                </a:rPr>
-                <a:t>rcpp_maturity.hpp</a:t>
-              </a:r>
-              <a:endParaRPr lang="en-US" sz="1200" dirty="0" smtClean="0">
-                <a:solidFill>
-                  <a:schemeClr val="tx1"/>
-                </a:solidFill>
-              </a:endParaRPr>
-            </a:p>
-            <a:p>
-              <a:r>
-                <a:rPr lang="en-US" b="1" dirty="0" err="1" smtClean="0">
-                  <a:solidFill>
-                    <a:schemeClr val="accent2">
-                      <a:lumMod val="75000"/>
-                    </a:schemeClr>
-                  </a:solidFill>
-                </a:rPr>
-                <a:t>LogisticMaturityInterface</a:t>
-              </a:r>
-              <a:endParaRPr lang="en-US" b="1" dirty="0" smtClean="0">
-                <a:solidFill>
-                  <a:schemeClr val="accent2">
-                    <a:lumMod val="75000"/>
-                  </a:schemeClr>
-                </a:solidFill>
-              </a:endParaRPr>
-            </a:p>
-            <a:p>
-              <a:pPr marL="285750" indent="-285750">
-                <a:buFont typeface="Arial" panose="020B0604020202020204" pitchFamily="34" charset="0"/>
-                <a:buChar char="•"/>
-              </a:pPr>
-              <a:r>
-                <a:rPr lang="en-US" dirty="0" smtClean="0">
-                  <a:solidFill>
-                    <a:schemeClr val="accent2">
-                      <a:lumMod val="75000"/>
-                    </a:schemeClr>
-                  </a:solidFill>
-                </a:rPr>
-                <a:t>median</a:t>
-              </a:r>
-            </a:p>
-            <a:p>
-              <a:pPr marL="285750" indent="-285750">
-                <a:buFont typeface="Arial" panose="020B0604020202020204" pitchFamily="34" charset="0"/>
-                <a:buChar char="•"/>
-              </a:pPr>
-              <a:r>
-                <a:rPr lang="en-US" dirty="0" smtClean="0">
-                  <a:solidFill>
-                    <a:schemeClr val="accent2">
-                      <a:lumMod val="75000"/>
-                    </a:schemeClr>
-                  </a:solidFill>
-                </a:rPr>
-                <a:t>slope</a:t>
-              </a:r>
-            </a:p>
-            <a:p>
-              <a:pPr marL="285750" indent="-285750">
-                <a:buFont typeface="Arial" panose="020B0604020202020204" pitchFamily="34" charset="0"/>
-                <a:buChar char="•"/>
-              </a:pPr>
-              <a:r>
-                <a:rPr lang="en-US" dirty="0" err="1">
-                  <a:solidFill>
-                    <a:schemeClr val="accent2">
-                      <a:lumMod val="75000"/>
-                    </a:schemeClr>
-                  </a:solidFill>
-                </a:rPr>
-                <a:t>a</a:t>
-              </a:r>
-              <a:r>
-                <a:rPr lang="en-US" dirty="0" err="1" smtClean="0">
-                  <a:solidFill>
-                    <a:schemeClr val="accent2">
-                      <a:lumMod val="75000"/>
-                    </a:schemeClr>
-                  </a:solidFill>
-                </a:rPr>
-                <a:t>dd_to_fims_tmb</a:t>
-              </a:r>
-              <a:r>
-                <a:rPr lang="en-US" dirty="0" smtClean="0">
-                  <a:solidFill>
-                    <a:schemeClr val="accent2">
-                      <a:lumMod val="75000"/>
-                    </a:schemeClr>
-                  </a:solidFill>
-                </a:rPr>
-                <a:t>(</a:t>
-              </a:r>
-            </a:p>
-            <a:p>
-              <a:r>
-                <a:rPr lang="en-US" dirty="0">
-                  <a:solidFill>
-                    <a:schemeClr val="accent2">
-                      <a:lumMod val="75000"/>
-                    </a:schemeClr>
-                  </a:solidFill>
-                </a:rPr>
-                <a:t> </a:t>
-              </a:r>
-              <a:r>
-                <a:rPr lang="en-US" dirty="0" smtClean="0">
-                  <a:solidFill>
-                    <a:schemeClr val="accent2">
-                      <a:lumMod val="75000"/>
-                    </a:schemeClr>
-                  </a:solidFill>
-                </a:rPr>
-                <a:t>       shared pointer: lm0</a:t>
-              </a:r>
-            </a:p>
-            <a:p>
-              <a:r>
-                <a:rPr lang="en-US" dirty="0">
-                  <a:solidFill>
-                    <a:schemeClr val="accent2">
-                      <a:lumMod val="75000"/>
-                    </a:schemeClr>
-                  </a:solidFill>
-                </a:rPr>
-                <a:t> </a:t>
-              </a:r>
-              <a:r>
-                <a:rPr lang="en-US" dirty="0" smtClean="0">
-                  <a:solidFill>
-                    <a:schemeClr val="accent2">
-                      <a:lumMod val="75000"/>
-                    </a:schemeClr>
-                  </a:solidFill>
-                </a:rPr>
-                <a:t>       shared pointer: </a:t>
-              </a:r>
-              <a:r>
-                <a:rPr lang="en-US" dirty="0" smtClean="0">
-                  <a:solidFill>
-                    <a:schemeClr val="accent2">
-                      <a:lumMod val="75000"/>
-                    </a:schemeClr>
-                  </a:solidFill>
-                </a:rPr>
-                <a:t>d0)</a:t>
-              </a:r>
-              <a:endParaRPr lang="en-US" dirty="0" smtClean="0">
-                <a:solidFill>
-                  <a:schemeClr val="accent2">
-                    <a:lumMod val="75000"/>
-                  </a:schemeClr>
-                </a:solidFill>
-              </a:endParaRPr>
-            </a:p>
-          </p:txBody>
-        </p:sp>
-        <p:cxnSp>
-          <p:nvCxnSpPr>
-            <p:cNvPr id="12" name="Straight Arrow Connector 11"/>
-            <p:cNvCxnSpPr>
-              <a:stCxn id="4" idx="3"/>
-              <a:endCxn id="6" idx="1"/>
-            </p:cNvCxnSpPr>
-            <p:nvPr/>
-          </p:nvCxnSpPr>
-          <p:spPr>
-            <a:xfrm>
-              <a:off x="1865167" y="1238250"/>
-              <a:ext cx="796385" cy="0"/>
-            </a:xfrm>
-            <a:prstGeom prst="straightConnector1">
-              <a:avLst/>
-            </a:prstGeom>
-            <a:ln w="15875">
-              <a:tailEnd type="triangle"/>
-            </a:ln>
-          </p:spPr>
-          <p:style>
-            <a:lnRef idx="1">
-              <a:schemeClr val="accent1"/>
-            </a:lnRef>
-            <a:fillRef idx="0">
-              <a:schemeClr val="accent1"/>
-            </a:fillRef>
-            <a:effectRef idx="0">
-              <a:schemeClr val="accent1"/>
-            </a:effectRef>
-            <a:fontRef idx="minor">
-              <a:schemeClr val="tx1"/>
-            </a:fontRef>
-          </p:style>
-        </p:cxnSp>
-        <p:sp>
-          <p:nvSpPr>
-            <p:cNvPr id="15" name="TextBox 14"/>
-            <p:cNvSpPr txBox="1"/>
-            <p:nvPr/>
-          </p:nvSpPr>
-          <p:spPr>
-            <a:xfrm>
-              <a:off x="1865167" y="876300"/>
-              <a:ext cx="781050" cy="369332"/>
-            </a:xfrm>
-            <a:prstGeom prst="rect">
-              <a:avLst/>
-            </a:prstGeom>
-            <a:noFill/>
-          </p:spPr>
-          <p:txBody>
-            <a:bodyPr wrap="square" rtlCol="0">
-              <a:spAutoFit/>
-            </a:bodyPr>
-            <a:lstStyle/>
-            <a:p>
-              <a:r>
-                <a:rPr lang="en-US" dirty="0" smtClean="0">
-                  <a:solidFill>
-                    <a:schemeClr val="accent1">
-                      <a:lumMod val="50000"/>
-                    </a:schemeClr>
-                  </a:solidFill>
-                </a:rPr>
-                <a:t>new()</a:t>
-              </a:r>
-              <a:endParaRPr lang="en-US" dirty="0">
-                <a:solidFill>
-                  <a:schemeClr val="accent1">
-                    <a:lumMod val="50000"/>
-                  </a:schemeClr>
-                </a:solidFill>
-              </a:endParaRPr>
             </a:p>
           </p:txBody>
         </p:sp>
@@ -5863,41 +5577,6 @@
                   </a:solidFill>
                 </a:rPr>
                 <a:t>evaluate(x)</a:t>
-              </a:r>
-            </a:p>
-          </p:txBody>
-        </p:sp>
-        <p:sp>
-          <p:nvSpPr>
-            <p:cNvPr id="24" name="TextBox 23"/>
-            <p:cNvSpPr txBox="1"/>
-            <p:nvPr/>
-          </p:nvSpPr>
-          <p:spPr>
-            <a:xfrm>
-              <a:off x="315545" y="3583279"/>
-              <a:ext cx="2133600" cy="369332"/>
-            </a:xfrm>
-            <a:prstGeom prst="rect">
-              <a:avLst/>
-            </a:prstGeom>
-            <a:noFill/>
-          </p:spPr>
-          <p:txBody>
-            <a:bodyPr wrap="square" rtlCol="0">
-              <a:spAutoFit/>
-            </a:bodyPr>
-            <a:lstStyle/>
-            <a:p>
-              <a:r>
-                <a:rPr lang="en-US" dirty="0" smtClean="0">
-                  <a:solidFill>
-                    <a:schemeClr val="accent2">
-                      <a:lumMod val="75000"/>
-                    </a:schemeClr>
-                  </a:solidFill>
-                </a:rPr>
-                <a:t>shared pointer: lm0</a:t>
               </a:r>
             </a:p>
           </p:txBody>
@@ -6102,8 +5781,15 @@
                     </a:schemeClr>
                   </a:solidFill>
                 </a:rPr>
-                <a:t>d0</a:t>
-              </a:r>
+                <a:t>info</a:t>
+              </a:r>
+              <a:endParaRPr lang="en-US" dirty="0" smtClean="0">
+                <a:solidFill>
+                  <a:schemeClr val="accent2">
+                    <a:lumMod val="75000"/>
+                  </a:schemeClr>
+                </a:solidFill>
+              </a:endParaRPr>
             </a:p>
           </p:txBody>
         </p:sp>
@@ -6203,11 +5889,7 @@
               </a:r>
               <a:r>
                 <a:rPr lang="en-US" dirty="0" smtClean="0"/>
-                <a:t>::</a:t>
-              </a:r>
-              <a:r>
-                <a:rPr lang="en-US" dirty="0" smtClean="0"/>
-                <a:t>Information </a:t>
+                <a:t>::Information </a:t>
               </a:r>
               <a:endParaRPr lang="en-US" dirty="0"/>
             </a:p>
@@ -6454,7 +6136,478 @@
             </a:p>
           </p:txBody>
         </p:sp>
+        <p:sp>
+          <p:nvSpPr>
+            <p:cNvPr id="10" name="Rectangle 9"/>
+            <p:cNvSpPr/>
+            <p:nvPr/>
+          </p:nvSpPr>
+          <p:spPr>
+            <a:xfrm>
+              <a:off x="2656160" y="1752599"/>
+              <a:ext cx="2612029" cy="1853045"/>
+            </a:xfrm>
+            <a:prstGeom prst="rect">
+              <a:avLst/>
+            </a:prstGeom>
+            <a:solidFill>
+              <a:schemeClr val="accent2">
+                <a:lumMod val="20000"/>
+                <a:lumOff val="80000"/>
+              </a:schemeClr>
+            </a:solidFill>
+            <a:ln>
+              <a:solidFill>
+                <a:schemeClr val="accent2">
+                  <a:lumMod val="50000"/>
+                </a:schemeClr>
+              </a:solidFill>
+            </a:ln>
+          </p:spPr>
+          <p:style>
+            <a:lnRef idx="2">
+              <a:schemeClr val="accent1">
+                <a:shade val="50000"/>
+              </a:schemeClr>
+            </a:lnRef>
+            <a:fillRef idx="1">
+              <a:schemeClr val="accent1"/>
+            </a:fillRef>
+            <a:effectRef idx="0">
+              <a:schemeClr val="accent1"/>
+            </a:effectRef>
+            <a:fontRef idx="minor">
+              <a:schemeClr val="lt1"/>
+            </a:fontRef>
+          </p:style>
+          <p:txBody>
+            <a:bodyPr rtlCol="0" anchor="ctr"/>
+            <a:lstStyle/>
+            <a:p>
+              <a:endParaRPr lang="en-US" sz="900" dirty="0" smtClean="0">
+                <a:solidFill>
+                  <a:schemeClr val="accent2">
+                    <a:lumMod val="75000"/>
+                  </a:schemeClr>
+                </a:solidFill>
+              </a:endParaRPr>
+            </a:p>
+            <a:p>
+              <a:endParaRPr lang="en-US" sz="900" dirty="0">
+                <a:solidFill>
+                  <a:schemeClr val="accent2">
+                    <a:lumMod val="75000"/>
+                  </a:schemeClr>
+                </a:solidFill>
+              </a:endParaRPr>
+            </a:p>
+            <a:p>
+              <a:r>
+                <a:rPr lang="en-US" sz="1200" dirty="0" smtClean="0">
+                  <a:solidFill>
+                    <a:schemeClr val="accent2">
+                      <a:lumMod val="75000"/>
+                    </a:schemeClr>
+                  </a:solidFill>
+                </a:rPr>
+                <a:t>rcpp_maturity.hpp</a:t>
+              </a:r>
+              <a:endParaRPr lang="en-US" sz="1200" dirty="0" smtClean="0">
+                <a:solidFill>
+                  <a:schemeClr val="tx1"/>
+                </a:solidFill>
+              </a:endParaRPr>
+            </a:p>
+            <a:p>
+              <a:r>
+                <a:rPr lang="en-US" b="1" dirty="0" err="1" smtClean="0">
+                  <a:solidFill>
+                    <a:schemeClr val="accent2">
+                      <a:lumMod val="75000"/>
+                    </a:schemeClr>
+                  </a:solidFill>
+                </a:rPr>
+                <a:t>LogisticMaturityInterface</a:t>
+              </a:r>
+              <a:endParaRPr lang="en-US" b="1" dirty="0" smtClean="0">
+                <a:solidFill>
+                  <a:schemeClr val="accent2">
+                    <a:lumMod val="75000"/>
+                  </a:schemeClr>
+                </a:solidFill>
+              </a:endParaRPr>
+            </a:p>
+            <a:p>
+              <a:pPr marL="285750" indent="-285750">
+                <a:buFont typeface="Arial" panose="020B0604020202020204" pitchFamily="34" charset="0"/>
+                <a:buChar char="•"/>
+              </a:pPr>
+              <a:r>
+                <a:rPr lang="en-US" dirty="0" smtClean="0">
+                  <a:solidFill>
+                    <a:schemeClr val="accent2">
+                      <a:lumMod val="75000"/>
+                    </a:schemeClr>
+                  </a:solidFill>
+                </a:rPr>
+                <a:t>median</a:t>
+              </a:r>
+            </a:p>
+            <a:p>
+              <a:pPr marL="285750" indent="-285750">
+                <a:buFont typeface="Arial" panose="020B0604020202020204" pitchFamily="34" charset="0"/>
+                <a:buChar char="•"/>
+              </a:pPr>
+              <a:r>
+                <a:rPr lang="en-US" dirty="0" smtClean="0">
+                  <a:solidFill>
+                    <a:schemeClr val="accent2">
+                      <a:lumMod val="75000"/>
+                    </a:schemeClr>
+                  </a:solidFill>
+                </a:rPr>
+                <a:t>slope</a:t>
+              </a:r>
+            </a:p>
+            <a:p>
+              <a:pPr marL="285750" indent="-285750">
+                <a:buFont typeface="Arial" panose="020B0604020202020204" pitchFamily="34" charset="0"/>
+                <a:buChar char="•"/>
+              </a:pPr>
+              <a:r>
+                <a:rPr lang="en-US" dirty="0" err="1" smtClean="0">
+                  <a:solidFill>
+                    <a:schemeClr val="accent2">
+                      <a:lumMod val="75000"/>
+                    </a:schemeClr>
+                  </a:solidFill>
+                </a:rPr>
+                <a:t>add_to_fims_tmb</a:t>
+              </a:r>
+              <a:r>
+                <a:rPr lang="en-US" dirty="0" smtClean="0">
+                  <a:solidFill>
+                    <a:schemeClr val="accent2">
+                      <a:lumMod val="75000"/>
+                    </a:schemeClr>
+                  </a:solidFill>
+                </a:rPr>
+                <a:t>(</a:t>
+              </a:r>
+              <a:endParaRPr lang="en-US" sz="1400" dirty="0" smtClean="0">
+                <a:solidFill>
+                  <a:schemeClr val="accent2">
+                    <a:lumMod val="75000"/>
+                  </a:schemeClr>
+                </a:solidFill>
+              </a:endParaRPr>
+            </a:p>
+            <a:p>
+              <a:r>
+                <a:rPr lang="en-US" sz="1400" dirty="0" smtClean="0">
+                  <a:solidFill>
+                    <a:schemeClr val="accent2">
+                      <a:lumMod val="75000"/>
+                    </a:schemeClr>
+                  </a:solidFill>
+                </a:rPr>
+                <a:t>        shared pointer: maturity</a:t>
+              </a:r>
+            </a:p>
+            <a:p>
+              <a:r>
+                <a:rPr lang="en-US" sz="1400" dirty="0" smtClean="0">
+                  <a:solidFill>
+                    <a:schemeClr val="accent2">
+                      <a:lumMod val="75000"/>
+                    </a:schemeClr>
+                  </a:solidFill>
+                </a:rPr>
+                <a:t>        shared pointer: info</a:t>
+              </a:r>
+              <a:r>
+                <a:rPr lang="en-US" dirty="0" smtClean="0">
+                  <a:solidFill>
+                    <a:schemeClr val="accent2">
+                      <a:lumMod val="75000"/>
+                    </a:schemeClr>
+                  </a:solidFill>
+                </a:rPr>
+                <a:t>)</a:t>
+              </a:r>
+            </a:p>
+            <a:p>
+              <a:pPr marL="285750" indent="-285750">
+                <a:buFont typeface="Arial" panose="020B0604020202020204" pitchFamily="34" charset="0"/>
+                <a:buChar char="•"/>
+              </a:pPr>
+              <a:endParaRPr lang="en-US" dirty="0" smtClean="0">
+                <a:solidFill>
+                  <a:schemeClr val="accent2">
+                    <a:lumMod val="75000"/>
+                  </a:schemeClr>
+                </a:solidFill>
+              </a:endParaRPr>
+            </a:p>
+          </p:txBody>
+        </p:sp>
       </p:grpSp>
+      <p:sp>
+        <p:nvSpPr>
+          <p:cNvPr id="23" name="TextBox 22"/>
+          <p:cNvSpPr txBox="1"/>
+          <p:nvPr/>
+        </p:nvSpPr>
+        <p:spPr>
+          <a:xfrm>
+            <a:off x="630323" y="3471935"/>
+            <a:ext cx="1792926" cy="646331"/>
+          </a:xfrm>
+          <a:prstGeom prst="rect">
+            <a:avLst/>
+          </a:prstGeom>
+          <a:noFill/>
+        </p:spPr>
+        <p:txBody>
+          <a:bodyPr wrap="square" rtlCol="0">
+            <a:spAutoFit/>
+          </a:bodyPr>
+          <a:lstStyle/>
+          <a:p>
+            <a:r>
+              <a:rPr lang="en-US" dirty="0" smtClean="0">
+                <a:solidFill>
+                  <a:schemeClr val="accent2">
+                    <a:lumMod val="75000"/>
+                  </a:schemeClr>
+                </a:solidFill>
+              </a:rPr>
+              <a:t>shared pointer: </a:t>
+            </a:r>
+            <a:r>
+              <a:rPr lang="en-US" dirty="0" smtClean="0">
+                <a:solidFill>
+                  <a:schemeClr val="accent2">
+                    <a:lumMod val="75000"/>
+                  </a:schemeClr>
+                </a:solidFill>
+              </a:rPr>
+              <a:t>maturity</a:t>
+            </a:r>
+            <a:endParaRPr lang="en-US" dirty="0" smtClean="0">
+              <a:solidFill>
+                <a:schemeClr val="accent2">
+                  <a:lumMod val="75000"/>
+                </a:schemeClr>
+              </a:solidFill>
+            </a:endParaRPr>
+          </a:p>
+        </p:txBody>
+      </p:sp>
+      <p:sp>
+        <p:nvSpPr>
+          <p:cNvPr id="27" name="Rectangle 26"/>
+          <p:cNvSpPr/>
+          <p:nvPr/>
+        </p:nvSpPr>
+        <p:spPr>
+          <a:xfrm>
+            <a:off x="245917" y="723900"/>
+            <a:ext cx="1220045" cy="1028700"/>
+          </a:xfrm>
+          <a:prstGeom prst="rect">
+            <a:avLst/>
+          </a:prstGeom>
+          <a:solidFill>
+            <a:schemeClr val="accent1">
+              <a:lumMod val="20000"/>
+              <a:lumOff val="80000"/>
+            </a:schemeClr>
+          </a:solidFill>
+          <a:ln>
+            <a:solidFill>
+              <a:schemeClr val="accent1">
+                <a:lumMod val="50000"/>
+              </a:schemeClr>
+            </a:solidFill>
+          </a:ln>
+        </p:spPr>
+        <p:style>
+          <a:lnRef idx="2">
+            <a:schemeClr val="accent1">
+              <a:shade val="50000"/>
+            </a:schemeClr>
+          </a:lnRef>
+          <a:fillRef idx="1">
+            <a:schemeClr val="accent1"/>
+          </a:fillRef>
+          <a:effectRef idx="0">
+            <a:schemeClr val="accent1"/>
+          </a:effectRef>
+          <a:fontRef idx="minor">
+            <a:schemeClr val="lt1"/>
+          </a:fontRef>
+        </p:style>
+        <p:txBody>
+          <a:bodyPr rtlCol="0" anchor="ctr"/>
+          <a:lstStyle/>
+          <a:p>
+            <a:r>
+              <a:rPr lang="en-US" b="1" dirty="0" smtClean="0">
+                <a:solidFill>
+                  <a:schemeClr val="accent1">
+                    <a:lumMod val="50000"/>
+                  </a:schemeClr>
+                </a:solidFill>
+              </a:rPr>
+              <a:t>maturity</a:t>
+            </a:r>
+            <a:endParaRPr lang="en-US" b="1" dirty="0" smtClean="0">
+              <a:solidFill>
+                <a:schemeClr val="accent1">
+                  <a:lumMod val="50000"/>
+                </a:schemeClr>
+              </a:solidFill>
+            </a:endParaRPr>
+          </a:p>
+          <a:p>
+            <a:pPr marL="285750" indent="-285750">
+              <a:buFont typeface="Arial" panose="020B0604020202020204" pitchFamily="34" charset="0"/>
+              <a:buChar char="•"/>
+            </a:pPr>
+            <a:r>
+              <a:rPr lang="en-US" dirty="0" smtClean="0">
+                <a:solidFill>
+                  <a:schemeClr val="accent1">
+                    <a:lumMod val="50000"/>
+                  </a:schemeClr>
+                </a:solidFill>
+              </a:rPr>
+              <a:t>median</a:t>
+            </a:r>
+          </a:p>
+          <a:p>
+            <a:pPr marL="285750" indent="-285750">
+              <a:buFont typeface="Arial" panose="020B0604020202020204" pitchFamily="34" charset="0"/>
+              <a:buChar char="•"/>
+            </a:pPr>
+            <a:r>
+              <a:rPr lang="en-US" dirty="0" smtClean="0">
+                <a:solidFill>
+                  <a:schemeClr val="accent1">
+                    <a:lumMod val="50000"/>
+                  </a:schemeClr>
+                </a:solidFill>
+              </a:rPr>
+              <a:t>slope</a:t>
+            </a:r>
+            <a:endParaRPr lang="en-US" dirty="0">
+              <a:solidFill>
+                <a:schemeClr val="accent1">
+                  <a:lumMod val="50000"/>
+                </a:schemeClr>
+              </a:solidFill>
+            </a:endParaRPr>
+          </a:p>
+        </p:txBody>
+      </p:sp>
+      <p:cxnSp>
+        <p:nvCxnSpPr>
+          <p:cNvPr id="28" name="Straight Arrow Connector 27"/>
+          <p:cNvCxnSpPr>
+            <a:stCxn id="27" idx="3"/>
+          </p:cNvCxnSpPr>
+          <p:nvPr/>
+        </p:nvCxnSpPr>
+        <p:spPr>
+          <a:xfrm>
+            <a:off x="1465962" y="1238250"/>
+            <a:ext cx="1195589" cy="0"/>
+          </a:xfrm>
+          <a:prstGeom prst="straightConnector1">
+            <a:avLst/>
+          </a:prstGeom>
+          <a:ln w="15875">
+            <a:tailEnd type="triangle"/>
+          </a:ln>
+        </p:spPr>
+        <p:style>
+          <a:lnRef idx="1">
+            <a:schemeClr val="accent1"/>
+          </a:lnRef>
+          <a:fillRef idx="0">
+            <a:schemeClr val="accent1"/>
+          </a:fillRef>
+          <a:effectRef idx="0">
+            <a:schemeClr val="accent1"/>
+          </a:effectRef>
+          <a:fontRef idx="minor">
+            <a:schemeClr val="tx1"/>
+          </a:fontRef>
+        </p:style>
+      </p:cxnSp>
+      <p:sp>
+        <p:nvSpPr>
+          <p:cNvPr id="29" name="TextBox 28"/>
+          <p:cNvSpPr txBox="1"/>
+          <p:nvPr/>
+        </p:nvSpPr>
+        <p:spPr>
+          <a:xfrm>
+            <a:off x="1405580" y="944268"/>
+            <a:ext cx="1443753" cy="307777"/>
+          </a:xfrm>
+          <a:prstGeom prst="rect">
+            <a:avLst/>
+          </a:prstGeom>
+          <a:noFill/>
+        </p:spPr>
+        <p:txBody>
+          <a:bodyPr wrap="square" rtlCol="0">
+            <a:spAutoFit/>
+          </a:bodyPr>
+          <a:lstStyle/>
+          <a:p>
+            <a:r>
+              <a:rPr lang="en-US" sz="1400" dirty="0">
+                <a:solidFill>
+                  <a:schemeClr val="accent1">
+                    <a:lumMod val="50000"/>
+                  </a:schemeClr>
+                </a:solidFill>
+              </a:rPr>
+              <a:t>m</a:t>
+            </a:r>
+            <a:r>
+              <a:rPr lang="en-US" sz="1400" dirty="0" smtClean="0">
+                <a:solidFill>
+                  <a:schemeClr val="accent1">
+                    <a:lumMod val="50000"/>
+                  </a:schemeClr>
+                </a:solidFill>
+              </a:rPr>
+              <a:t>ethods::new</a:t>
+            </a:r>
+            <a:r>
+              <a:rPr lang="en-US" sz="1400" dirty="0" smtClean="0">
+                <a:solidFill>
+                  <a:schemeClr val="accent1">
+                    <a:lumMod val="50000"/>
+                  </a:schemeClr>
+                </a:solidFill>
+              </a:rPr>
+              <a:t>()</a:t>
+            </a:r>
+            <a:endParaRPr lang="en-US" sz="1400" dirty="0">
+              <a:solidFill>
+                <a:schemeClr val="accent1">
+                  <a:lumMod val="50000"/>
+                </a:schemeClr>
+              </a:solidFill>
+            </a:endParaRPr>
+          </a:p>
+        </p:txBody>
+      </p:sp>
     </p:spTree>
     <p:extLst>
       <p:ext uri="{BB962C8B-B14F-4D97-AF65-F5344CB8AC3E}">
@@ -6501,113 +6654,6 @@
         </p:grpSpPr>
         <p:sp>
           <p:nvSpPr>
-            <p:cNvPr id="4" name="Rectangle 3"/>
-            <p:cNvSpPr/>
-            <p:nvPr/>
-          </p:nvSpPr>
-          <p:spPr>
-            <a:xfrm>
-              <a:off x="245917" y="723900"/>
-              <a:ext cx="1619250" cy="1028700"/>
-            </a:xfrm>
-            <a:prstGeom prst="rect">
-              <a:avLst/>
-            </a:prstGeom>
-            <a:solidFill>
-              <a:schemeClr val="accent1">
-                <a:lumMod val="20000"/>
-                <a:lumOff val="80000"/>
-              </a:schemeClr>
-            </a:solidFill>
-            <a:ln>
-              <a:solidFill>
-                <a:schemeClr val="accent1">
-                  <a:lumMod val="50000"/>
-                </a:schemeClr>
-              </a:solidFill>
-            </a:ln>
-          </p:spPr>
-          <p:style>
-            <a:lnRef idx="2">
-              <a:schemeClr val="accent1">
-                <a:shade val="50000"/>
-              </a:schemeClr>
-            </a:lnRef>
-            <a:fillRef idx="1">
-              <a:schemeClr val="accent1"/>
-            </a:fillRef>
-            <a:effectRef idx="0">
-              <a:schemeClr val="accent1"/>
-            </a:effectRef>
-            <a:fontRef idx="minor">
-              <a:schemeClr val="lt1"/>
-            </a:fontRef>
-          </p:style>
-          <p:txBody>
-            <a:bodyPr rtlCol="0" anchor="ctr"/>
-            <a:lstStyle/>
-            <a:p>
-              <a:r>
-                <a:rPr lang="en-US" b="1" dirty="0" err="1" smtClean="0">
-                  <a:solidFill>
-                    <a:schemeClr val="accent1">
-                      <a:lumMod val="50000"/>
-                    </a:schemeClr>
-                  </a:solidFill>
-                </a:rPr>
-                <a:t>fims$maturity</a:t>
-              </a:r>
-              <a:endParaRPr lang="en-US" b="1" dirty="0" smtClean="0">
-                <a:solidFill>
-                  <a:schemeClr val="accent1">
-                    <a:lumMod val="50000"/>
-                  </a:schemeClr>
-                </a:solidFill>
-              </a:endParaRPr>
-            </a:p>
-            <a:p>
-              <a:pPr marL="285750" indent="-285750">
-                <a:buFont typeface="Arial" panose="020B0604020202020204" pitchFamily="34" charset="0"/>
-                <a:buChar char="•"/>
-              </a:pPr>
-              <a:r>
-                <a:rPr lang="en-US" dirty="0" smtClean="0">
-                  <a:solidFill>
-                    <a:schemeClr val="accent1">
-                      <a:lumMod val="50000"/>
-                    </a:schemeClr>
-                  </a:solidFill>
-                </a:rPr>
-                <a:t>median</a:t>
-              </a:r>
-            </a:p>
-            <a:p>
-              <a:pPr marL="285750" indent="-285750">
-                <a:buFont typeface="Arial" panose="020B0604020202020204" pitchFamily="34" charset="0"/>
-                <a:buChar char="•"/>
-              </a:pPr>
-              <a:r>
-                <a:rPr lang="en-US" dirty="0" smtClean="0">
-                  <a:solidFill>
-                    <a:schemeClr val="accent1">
-                      <a:lumMod val="50000"/>
-                    </a:schemeClr>
-                  </a:solidFill>
-                </a:rPr>
-                <a:t>slope</a:t>
-              </a:r>
-              <a:endParaRPr lang="en-US" dirty="0">
-                <a:solidFill>
-                  <a:schemeClr val="accent1">
-                    <a:lumMod val="50000"/>
-                  </a:schemeClr>
-                </a:solidFill>
-              </a:endParaRPr>
-            </a:p>
-          </p:txBody>
-        </p:sp>
-        <p:sp>
-          <p:nvSpPr>
             <p:cNvPr id="6" name="Rectangle 5"/>
             <p:cNvSpPr/>
             <p:nvPr/>
@@ -6662,7 +6708,7 @@
                     </a:schemeClr>
                   </a:solidFill>
                 </a:rPr>
-                <a:t>fims$LogisticMaturity</a:t>
+                <a:t>LogisticMaturity</a:t>
               </a:r>
               <a:endParaRPr lang="en-US" b="1" dirty="0" smtClean="0">
                 <a:solidFill>
@@ -6856,10 +6902,17 @@
                 </a:rPr>
                 <a:t>(</a:t>
               </a:r>
-            </a:p>
-            <a:p>
-              <a:r>
-                <a:rPr lang="en-US" dirty="0">
+              <a:endParaRPr lang="en-US" sz="1400" dirty="0" smtClean="0">
+                <a:solidFill>
+                  <a:schemeClr val="accent2">
+                    <a:lumMod val="75000"/>
+                  </a:schemeClr>
+                </a:solidFill>
+              </a:endParaRPr>
+            </a:p>
+            <a:p>
+              <a:r>
+                <a:rPr lang="en-US" sz="1400" dirty="0">
                   <a:solidFill>
                     <a:schemeClr val="accent2">
                       <a:lumMod val="75000"/>
@@ -6869,129 +6922,98 @@
                 <a:t> </a:t>
               </a:r>
               <a:r>
-                <a:rPr lang="en-US" dirty="0" smtClean="0">
+                <a:rPr lang="en-US" sz="1400" dirty="0" smtClean="0">
                   <a:solidFill>
                     <a:schemeClr val="accent2">
                       <a:lumMod val="75000"/>
                     </a:schemeClr>
                   </a:solidFill>
                 </a:rPr>
-                <a:t>       shared pointer: lm0</a:t>
-              </a:r>
-            </a:p>
-            <a:p>
-              <a:r>
-                <a:rPr lang="en-US" dirty="0">
+                <a:t>       shared pointer: </a:t>
+              </a:r>
+              <a:r>
+                <a:rPr lang="en-US" sz="1400" dirty="0" smtClean="0">
                   <a:solidFill>
                     <a:schemeClr val="accent2">
                       <a:lumMod val="75000"/>
                     </a:schemeClr>
                   </a:solidFill>
                 </a:rPr>
-                <a:t> </a:t>
-              </a:r>
-              <a:r>
-                <a:rPr lang="en-US" dirty="0" smtClean="0">
+                <a:t>maturity</a:t>
+              </a:r>
+              <a:endParaRPr lang="en-US" sz="1400" dirty="0" smtClean="0">
+                <a:solidFill>
+                  <a:schemeClr val="accent2">
+                    <a:lumMod val="75000"/>
+                  </a:schemeClr>
+                </a:solidFill>
+              </a:endParaRPr>
+            </a:p>
+            <a:p>
+              <a:r>
+                <a:rPr lang="en-US" sz="1400" dirty="0">
                   <a:solidFill>
                     <a:schemeClr val="accent2">
                       <a:lumMod val="75000"/>
                     </a:schemeClr>
                   </a:solidFill>
                 </a:rPr>
-                <a:t>       shared pointer: </a:t>
-              </a:r>
-              <a:r>
-                <a:rPr lang="en-US" dirty="0" smtClean="0">
+                <a:t> </a:t>
+              </a:r>
+              <a:r>
+                <a:rPr lang="en-US" sz="1400" dirty="0" smtClean="0">
                   <a:solidFill>
                     <a:schemeClr val="accent2">
                       <a:lumMod val="75000"/>
                     </a:schemeClr>
                   </a:solidFill>
                 </a:rPr>
-                <a:t>d0)</a:t>
+                <a:t>       </a:t>
+              </a:r>
+              <a:r>
+                <a:rPr lang="en-US" sz="1400" dirty="0" smtClean="0">
+                  <a:solidFill>
+                    <a:schemeClr val="accent2">
+                      <a:lumMod val="75000"/>
+                    </a:schemeClr>
+                  </a:solidFill>
+                </a:rPr>
+                <a:t>shared </a:t>
+              </a:r>
+              <a:r>
+                <a:rPr lang="en-US" sz="1400" dirty="0" smtClean="0">
+                  <a:solidFill>
+                    <a:schemeClr val="accent2">
+                      <a:lumMod val="75000"/>
+                    </a:schemeClr>
+                  </a:solidFill>
+                </a:rPr>
+                <a:t>pointer: </a:t>
+              </a:r>
+              <a:r>
+                <a:rPr lang="en-US" sz="1400" dirty="0" smtClean="0">
+                  <a:solidFill>
+                    <a:schemeClr val="accent2">
+                      <a:lumMod val="75000"/>
+                    </a:schemeClr>
+                  </a:solidFill>
+                </a:rPr>
+                <a:t>info</a:t>
+              </a:r>
+              <a:r>
+                <a:rPr lang="en-US" dirty="0" smtClean="0">
+                  <a:solidFill>
+                    <a:schemeClr val="accent2">
+                      <a:lumMod val="75000"/>
+                    </a:schemeClr>
+                  </a:solidFill>
+                </a:rPr>
+                <a:t>)</a:t>
               </a:r>
               <a:endParaRPr lang="en-US" dirty="0" smtClean="0">
                 <a:solidFill>
                   <a:schemeClr val="accent2">
                     <a:lumMod val="75000"/>
-                  </a:schemeClr>
-                </a:solidFill>
-              </a:endParaRPr>
-            </a:p>
-          </p:txBody>
-        </p:sp>
-        <p:cxnSp>
-          <p:nvCxnSpPr>
-            <p:cNvPr id="12" name="Straight Arrow Connector 11"/>
-            <p:cNvCxnSpPr>
-              <a:stCxn id="4" idx="3"/>
-              <a:endCxn id="6" idx="1"/>
-            </p:cNvCxnSpPr>
-            <p:nvPr/>
-          </p:nvCxnSpPr>
-          <p:spPr>
-            <a:xfrm>
-              <a:off x="1865167" y="1238250"/>
-              <a:ext cx="796385" cy="0"/>
-            </a:xfrm>
-            <a:prstGeom prst="straightConnector1">
-              <a:avLst/>
-            </a:prstGeom>
-            <a:ln w="15875">
-              <a:tailEnd type="triangle"/>
-            </a:ln>
-          </p:spPr>
-          <p:style>
-            <a:lnRef idx="1">
-              <a:schemeClr val="accent1"/>
-            </a:lnRef>
-            <a:fillRef idx="0">
-              <a:schemeClr val="accent1"/>
-            </a:fillRef>
-            <a:effectRef idx="0">
-              <a:schemeClr val="accent1"/>
-            </a:effectRef>
-            <a:fontRef idx="minor">
-              <a:schemeClr val="tx1"/>
-            </a:fontRef>
-          </p:style>
-        </p:cxnSp>
-        <p:sp>
-          <p:nvSpPr>
-            <p:cNvPr id="15" name="TextBox 14"/>
-            <p:cNvSpPr txBox="1"/>
-            <p:nvPr/>
-          </p:nvSpPr>
-          <p:spPr>
-            <a:xfrm>
-              <a:off x="1865167" y="876300"/>
-              <a:ext cx="781050" cy="369332"/>
-            </a:xfrm>
-            <a:prstGeom prst="rect">
-              <a:avLst/>
-            </a:prstGeom>
-            <a:noFill/>
-          </p:spPr>
-          <p:txBody>
-            <a:bodyPr wrap="square" rtlCol="0">
-              <a:spAutoFit/>
-            </a:bodyPr>
-            <a:lstStyle/>
-            <a:p>
-              <a:r>
-                <a:rPr lang="en-US" dirty="0" smtClean="0">
-                  <a:solidFill>
-                    <a:schemeClr val="accent1">
-                      <a:lumMod val="50000"/>
-                    </a:schemeClr>
-                  </a:solidFill>
-                </a:rPr>
-                <a:t>new()</a:t>
-              </a:r>
-              <a:endParaRPr lang="en-US" dirty="0">
-                <a:solidFill>
-                  <a:schemeClr val="accent1">
-                    <a:lumMod val="50000"/>
                   </a:schemeClr>
                 </a:solidFill>
               </a:endParaRPr>
@@ -7251,41 +7273,6 @@
         </p:sp>
         <p:sp>
           <p:nvSpPr>
-            <p:cNvPr id="24" name="TextBox 23"/>
-            <p:cNvSpPr txBox="1"/>
-            <p:nvPr/>
-          </p:nvSpPr>
-          <p:spPr>
-            <a:xfrm>
-              <a:off x="315545" y="3583279"/>
-              <a:ext cx="2133600" cy="369332"/>
-            </a:xfrm>
-            <a:prstGeom prst="rect">
-              <a:avLst/>
-            </a:prstGeom>
-            <a:noFill/>
-          </p:spPr>
-          <p:txBody>
-            <a:bodyPr wrap="square" rtlCol="0">
-              <a:spAutoFit/>
-            </a:bodyPr>
-            <a:lstStyle/>
-            <a:p>
-              <a:r>
-                <a:rPr lang="en-US" dirty="0" smtClean="0">
-                  <a:solidFill>
-                    <a:schemeClr val="accent2">
-                      <a:lumMod val="75000"/>
-                    </a:schemeClr>
-                  </a:solidFill>
-                </a:rPr>
-                <a:t>shared pointer: lm0</a:t>
-              </a:r>
-            </a:p>
-          </p:txBody>
-        </p:sp>
-        <p:sp>
-          <p:nvSpPr>
             <p:cNvPr id="37" name="Rectangle 36"/>
             <p:cNvSpPr/>
             <p:nvPr/>
@@ -8158,8 +8145,15 @@
                     </a:schemeClr>
                   </a:solidFill>
                 </a:rPr>
-                <a:t>d0</a:t>
-              </a:r>
+                <a:t>info</a:t>
+              </a:r>
+              <a:endParaRPr lang="en-US" dirty="0" smtClean="0">
+                <a:solidFill>
+                  <a:schemeClr val="accent2">
+                    <a:lumMod val="75000"/>
+                  </a:schemeClr>
+                </a:solidFill>
+              </a:endParaRPr>
             </a:p>
           </p:txBody>
         </p:sp>
@@ -8245,6 +8239,262 @@
           </p:txBody>
         </p:sp>
       </p:grpSp>
+      <p:sp>
+        <p:nvSpPr>
+          <p:cNvPr id="38" name="Rectangle 37"/>
+          <p:cNvSpPr/>
+          <p:nvPr/>
+        </p:nvSpPr>
+        <p:spPr>
+          <a:xfrm>
+            <a:off x="245917" y="723900"/>
+            <a:ext cx="1220045" cy="1028700"/>
+          </a:xfrm>
+          <a:prstGeom prst="rect">
+            <a:avLst/>
+          </a:prstGeom>
+          <a:solidFill>
+            <a:schemeClr val="accent1">
+              <a:lumMod val="20000"/>
+              <a:lumOff val="80000"/>
+            </a:schemeClr>
+          </a:solidFill>
+          <a:ln>
+            <a:solidFill>
+              <a:schemeClr val="accent1">
+                <a:lumMod val="50000"/>
+              </a:schemeClr>
+            </a:solidFill>
+          </a:ln>
+        </p:spPr>
+        <p:style>
+          <a:lnRef idx="2">
+            <a:schemeClr val="accent1">
+              <a:shade val="50000"/>
+            </a:schemeClr>
+          </a:lnRef>
+          <a:fillRef idx="1">
+            <a:schemeClr val="accent1"/>
+          </a:fillRef>
+          <a:effectRef idx="0">
+            <a:schemeClr val="accent1"/>
+          </a:effectRef>
+          <a:fontRef idx="minor">
+            <a:schemeClr val="lt1"/>
+          </a:fontRef>
+        </p:style>
+        <p:txBody>
+          <a:bodyPr rtlCol="0" anchor="ctr"/>
+          <a:lstStyle/>
+          <a:p>
+            <a:r>
+              <a:rPr lang="en-US" b="1" dirty="0" smtClean="0">
+                <a:solidFill>
+                  <a:schemeClr val="accent1">
+                    <a:lumMod val="50000"/>
+                  </a:schemeClr>
+                </a:solidFill>
+              </a:rPr>
+              <a:t>maturity</a:t>
+            </a:r>
+            <a:endParaRPr lang="en-US" b="1" dirty="0" smtClean="0">
+              <a:solidFill>
+                <a:schemeClr val="accent1">
+                  <a:lumMod val="50000"/>
+                </a:schemeClr>
+              </a:solidFill>
+            </a:endParaRPr>
+          </a:p>
+          <a:p>
+            <a:pPr marL="285750" indent="-285750">
+              <a:buFont typeface="Arial" panose="020B0604020202020204" pitchFamily="34" charset="0"/>
+              <a:buChar char="•"/>
+            </a:pPr>
+            <a:r>
+              <a:rPr lang="en-US" dirty="0" smtClean="0">
+                <a:solidFill>
+                  <a:schemeClr val="accent1">
+                    <a:lumMod val="50000"/>
+                  </a:schemeClr>
+                </a:solidFill>
+              </a:rPr>
+              <a:t>median</a:t>
+            </a:r>
+          </a:p>
+          <a:p>
+            <a:pPr marL="285750" indent="-285750">
+              <a:buFont typeface="Arial" panose="020B0604020202020204" pitchFamily="34" charset="0"/>
+              <a:buChar char="•"/>
+            </a:pPr>
+            <a:r>
+              <a:rPr lang="en-US" dirty="0" smtClean="0">
+                <a:solidFill>
+                  <a:schemeClr val="accent1">
+                    <a:lumMod val="50000"/>
+                  </a:schemeClr>
+                </a:solidFill>
+              </a:rPr>
+              <a:t>slope</a:t>
+            </a:r>
+            <a:endParaRPr lang="en-US" dirty="0">
+              <a:solidFill>
+                <a:schemeClr val="accent1">
+                  <a:lumMod val="50000"/>
+                </a:schemeClr>
+              </a:solidFill>
+            </a:endParaRPr>
+          </a:p>
+        </p:txBody>
+      </p:sp>
+      <p:cxnSp>
+        <p:nvCxnSpPr>
+          <p:cNvPr id="40" name="Straight Arrow Connector 39"/>
+          <p:cNvCxnSpPr>
+            <a:stCxn id="38" idx="3"/>
+          </p:cNvCxnSpPr>
+          <p:nvPr/>
+        </p:nvCxnSpPr>
+        <p:spPr>
+          <a:xfrm>
+            <a:off x="1465962" y="1238250"/>
+            <a:ext cx="1195589" cy="0"/>
+          </a:xfrm>
+          <a:prstGeom prst="straightConnector1">
+            <a:avLst/>
+          </a:prstGeom>
+          <a:ln w="15875">
+            <a:tailEnd type="triangle"/>
+          </a:ln>
+        </p:spPr>
+        <p:style>
+          <a:lnRef idx="1">
+            <a:schemeClr val="accent1"/>
+          </a:lnRef>
+          <a:fillRef idx="0">
+            <a:schemeClr val="accent1"/>
+          </a:fillRef>
+          <a:effectRef idx="0">
+            <a:schemeClr val="accent1"/>
+          </a:effectRef>
+          <a:fontRef idx="minor">
+            <a:schemeClr val="tx1"/>
+          </a:fontRef>
+        </p:style>
+      </p:cxnSp>
+      <p:sp>
+        <p:nvSpPr>
+          <p:cNvPr id="41" name="TextBox 40"/>
+          <p:cNvSpPr txBox="1"/>
+          <p:nvPr/>
+        </p:nvSpPr>
+        <p:spPr>
+          <a:xfrm>
+            <a:off x="1405580" y="944268"/>
+            <a:ext cx="1443753" cy="307777"/>
+          </a:xfrm>
+          <a:prstGeom prst="rect">
+            <a:avLst/>
+          </a:prstGeom>
+          <a:noFill/>
+        </p:spPr>
+        <p:txBody>
+          <a:bodyPr wrap="square" rtlCol="0">
+            <a:spAutoFit/>
+          </a:bodyPr>
+          <a:lstStyle/>
+          <a:p>
+            <a:r>
+              <a:rPr lang="en-US" sz="1400" dirty="0">
+                <a:solidFill>
+                  <a:schemeClr val="accent1">
+                    <a:lumMod val="50000"/>
+                  </a:schemeClr>
+                </a:solidFill>
+              </a:rPr>
+              <a:t>m</a:t>
+            </a:r>
+            <a:r>
+              <a:rPr lang="en-US" sz="1400" dirty="0" smtClean="0">
+                <a:solidFill>
+                  <a:schemeClr val="accent1">
+                    <a:lumMod val="50000"/>
+                  </a:schemeClr>
+                </a:solidFill>
+              </a:rPr>
+              <a:t>ethods::new</a:t>
+            </a:r>
+            <a:r>
+              <a:rPr lang="en-US" sz="1400" dirty="0" smtClean="0">
+                <a:solidFill>
+                  <a:schemeClr val="accent1">
+                    <a:lumMod val="50000"/>
+                  </a:schemeClr>
+                </a:solidFill>
+              </a:rPr>
+              <a:t>()</a:t>
+            </a:r>
+            <a:endParaRPr lang="en-US" sz="1400" dirty="0">
+              <a:solidFill>
+                <a:schemeClr val="accent1">
+                  <a:lumMod val="50000"/>
+                </a:schemeClr>
+              </a:solidFill>
+            </a:endParaRPr>
+          </a:p>
+        </p:txBody>
+      </p:sp>
+      <p:sp>
+        <p:nvSpPr>
+          <p:cNvPr id="42" name="TextBox 41"/>
+          <p:cNvSpPr txBox="1"/>
+          <p:nvPr/>
+        </p:nvSpPr>
+        <p:spPr>
+          <a:xfrm>
+            <a:off x="630323" y="3471935"/>
+            <a:ext cx="1792926" cy="646331"/>
+          </a:xfrm>
+          <a:prstGeom prst="rect">
+            <a:avLst/>
+          </a:prstGeom>
+          <a:noFill/>
+        </p:spPr>
+        <p:txBody>
+          <a:bodyPr wrap="square" rtlCol="0">
+            <a:spAutoFit/>
+          </a:bodyPr>
+          <a:lstStyle/>
+          <a:p>
+            <a:r>
+              <a:rPr lang="en-US" dirty="0" smtClean="0">
+                <a:solidFill>
+                  <a:schemeClr val="accent2">
+                    <a:lumMod val="75000"/>
+                  </a:schemeClr>
+                </a:solidFill>
+              </a:rPr>
+              <a:t>shared pointer: </a:t>
+            </a:r>
+            <a:r>
+              <a:rPr lang="en-US" dirty="0" smtClean="0">
+                <a:solidFill>
+                  <a:schemeClr val="accent2">
+                    <a:lumMod val="75000"/>
+                  </a:schemeClr>
+                </a:solidFill>
+              </a:rPr>
+              <a:t>maturity</a:t>
+            </a:r>
+            <a:endParaRPr lang="en-US" dirty="0" smtClean="0">
+              <a:solidFill>
+                <a:schemeClr val="accent2">
+                  <a:lumMod val="75000"/>
+                </a:schemeClr>
+              </a:solidFill>
+            </a:endParaRPr>
+          </a:p>
+        </p:txBody>
+      </p:sp>
     </p:spTree>
     <p:extLst>
       <p:ext uri="{BB962C8B-B14F-4D97-AF65-F5344CB8AC3E}">
@@ -8291,113 +8541,6 @@
         </p:grpSpPr>
         <p:sp>
           <p:nvSpPr>
-            <p:cNvPr id="4" name="Rectangle 3"/>
-            <p:cNvSpPr/>
-            <p:nvPr/>
-          </p:nvSpPr>
-          <p:spPr>
-            <a:xfrm>
-              <a:off x="245917" y="723900"/>
-              <a:ext cx="1619250" cy="1028700"/>
-            </a:xfrm>
-            <a:prstGeom prst="rect">
-              <a:avLst/>
-            </a:prstGeom>
-            <a:solidFill>
-              <a:schemeClr val="accent1">
-                <a:lumMod val="20000"/>
-                <a:lumOff val="80000"/>
-              </a:schemeClr>
-            </a:solidFill>
-            <a:ln>
-              <a:solidFill>
-                <a:schemeClr val="accent1">
-                  <a:lumMod val="50000"/>
-                </a:schemeClr>
-              </a:solidFill>
-            </a:ln>
-          </p:spPr>
-          <p:style>
-            <a:lnRef idx="2">
-              <a:schemeClr val="accent1">
-                <a:shade val="50000"/>
-              </a:schemeClr>
-            </a:lnRef>
-            <a:fillRef idx="1">
-              <a:schemeClr val="accent1"/>
-            </a:fillRef>
-            <a:effectRef idx="0">
-              <a:schemeClr val="accent1"/>
-            </a:effectRef>
-            <a:fontRef idx="minor">
-              <a:schemeClr val="lt1"/>
-            </a:fontRef>
-          </p:style>
-          <p:txBody>
-            <a:bodyPr rtlCol="0" anchor="ctr"/>
-            <a:lstStyle/>
-            <a:p>
-              <a:r>
-                <a:rPr lang="en-US" b="1" dirty="0" err="1" smtClean="0">
-                  <a:solidFill>
-                    <a:schemeClr val="accent1">
-                      <a:lumMod val="50000"/>
-                    </a:schemeClr>
-                  </a:solidFill>
-                </a:rPr>
-                <a:t>fims$maturity</a:t>
-              </a:r>
-              <a:endParaRPr lang="en-US" b="1" dirty="0" smtClean="0">
-                <a:solidFill>
-                  <a:schemeClr val="accent1">
-                    <a:lumMod val="50000"/>
-                  </a:schemeClr>
-                </a:solidFill>
-              </a:endParaRPr>
-            </a:p>
-            <a:p>
-              <a:pPr marL="285750" indent="-285750">
-                <a:buFont typeface="Arial" panose="020B0604020202020204" pitchFamily="34" charset="0"/>
-                <a:buChar char="•"/>
-              </a:pPr>
-              <a:r>
-                <a:rPr lang="en-US" dirty="0" smtClean="0">
-                  <a:solidFill>
-                    <a:schemeClr val="accent1">
-                      <a:lumMod val="50000"/>
-                    </a:schemeClr>
-                  </a:solidFill>
-                </a:rPr>
-                <a:t>median</a:t>
-              </a:r>
-            </a:p>
-            <a:p>
-              <a:pPr marL="285750" indent="-285750">
-                <a:buFont typeface="Arial" panose="020B0604020202020204" pitchFamily="34" charset="0"/>
-                <a:buChar char="•"/>
-              </a:pPr>
-              <a:r>
-                <a:rPr lang="en-US" dirty="0" smtClean="0">
-                  <a:solidFill>
-                    <a:schemeClr val="accent1">
-                      <a:lumMod val="50000"/>
-                    </a:schemeClr>
-                  </a:solidFill>
-                </a:rPr>
-                <a:t>slope</a:t>
-              </a:r>
-              <a:endParaRPr lang="en-US" dirty="0">
-                <a:solidFill>
-                  <a:schemeClr val="accent1">
-                    <a:lumMod val="50000"/>
-                  </a:schemeClr>
-                </a:solidFill>
-              </a:endParaRPr>
-            </a:p>
-          </p:txBody>
-        </p:sp>
-        <p:sp>
-          <p:nvSpPr>
             <p:cNvPr id="6" name="Rectangle 5"/>
             <p:cNvSpPr/>
             <p:nvPr/>
@@ -8452,7 +8595,7 @@
                     </a:schemeClr>
                   </a:solidFill>
                 </a:rPr>
-                <a:t>fims$LogisticMaturity</a:t>
+                <a:t>LogisticMaturity</a:t>
               </a:r>
               <a:endParaRPr lang="en-US" b="1" dirty="0" smtClean="0">
                 <a:solidFill>
@@ -8646,10 +8789,17 @@
                 </a:rPr>
                 <a:t>(</a:t>
               </a:r>
-            </a:p>
-            <a:p>
-              <a:r>
-                <a:rPr lang="en-US" dirty="0">
+              <a:endParaRPr lang="en-US" sz="1400" dirty="0" smtClean="0">
+                <a:solidFill>
+                  <a:schemeClr val="accent2">
+                    <a:lumMod val="75000"/>
+                  </a:schemeClr>
+                </a:solidFill>
+              </a:endParaRPr>
+            </a:p>
+            <a:p>
+              <a:r>
+                <a:rPr lang="en-US" sz="1400" dirty="0">
                   <a:solidFill>
                     <a:schemeClr val="accent2">
                       <a:lumMod val="75000"/>
@@ -8659,129 +8809,78 @@
                 <a:t> </a:t>
               </a:r>
               <a:r>
-                <a:rPr lang="en-US" dirty="0" smtClean="0">
+                <a:rPr lang="en-US" sz="1400" dirty="0" smtClean="0">
                   <a:solidFill>
                     <a:schemeClr val="accent2">
                       <a:lumMod val="75000"/>
                     </a:schemeClr>
                   </a:solidFill>
                 </a:rPr>
-                <a:t>       shared pointer: lm0</a:t>
-              </a:r>
-            </a:p>
-            <a:p>
-              <a:r>
-                <a:rPr lang="en-US" dirty="0">
+                <a:t>       shared pointer: </a:t>
+              </a:r>
+              <a:r>
+                <a:rPr lang="en-US" sz="1400" dirty="0" smtClean="0">
                   <a:solidFill>
                     <a:schemeClr val="accent2">
                       <a:lumMod val="75000"/>
                     </a:schemeClr>
                   </a:solidFill>
                 </a:rPr>
-                <a:t> </a:t>
-              </a:r>
-              <a:r>
-                <a:rPr lang="en-US" dirty="0" smtClean="0">
+                <a:t>maturity</a:t>
+              </a:r>
+              <a:endParaRPr lang="en-US" sz="1400" dirty="0" smtClean="0">
+                <a:solidFill>
+                  <a:schemeClr val="accent2">
+                    <a:lumMod val="75000"/>
+                  </a:schemeClr>
+                </a:solidFill>
+              </a:endParaRPr>
+            </a:p>
+            <a:p>
+              <a:r>
+                <a:rPr lang="en-US" sz="1400" dirty="0">
                   <a:solidFill>
                     <a:schemeClr val="accent2">
                       <a:lumMod val="75000"/>
                     </a:schemeClr>
                   </a:solidFill>
                 </a:rPr>
-                <a:t>       shared pointer: </a:t>
-              </a:r>
-              <a:r>
-                <a:rPr lang="en-US" dirty="0" smtClean="0">
+                <a:t> </a:t>
+              </a:r>
+              <a:r>
+                <a:rPr lang="en-US" sz="1400" dirty="0" smtClean="0">
                   <a:solidFill>
                     <a:schemeClr val="accent2">
                       <a:lumMod val="75000"/>
                     </a:schemeClr>
                   </a:solidFill>
                 </a:rPr>
-                <a:t>d0)</a:t>
+                <a:t>       shared pointer: </a:t>
+              </a:r>
+              <a:r>
+                <a:rPr lang="en-US" sz="1400" dirty="0" smtClean="0">
+                  <a:solidFill>
+                    <a:schemeClr val="accent2">
+                      <a:lumMod val="75000"/>
+                    </a:schemeClr>
+                  </a:solidFill>
+                </a:rPr>
+                <a:t>info</a:t>
+              </a:r>
+              <a:r>
+                <a:rPr lang="en-US" dirty="0" smtClean="0">
+                  <a:solidFill>
+                    <a:schemeClr val="accent2">
+                      <a:lumMod val="75000"/>
+                    </a:schemeClr>
+                  </a:solidFill>
+                </a:rPr>
+                <a:t>)</a:t>
               </a:r>
               <a:endParaRPr lang="en-US" dirty="0" smtClean="0">
                 <a:solidFill>
                   <a:schemeClr val="accent2">
                     <a:lumMod val="75000"/>
-                  </a:schemeClr>
-                </a:solidFill>
-              </a:endParaRPr>
-            </a:p>
-          </p:txBody>
-        </p:sp>
-        <p:cxnSp>
-          <p:nvCxnSpPr>
-            <p:cNvPr id="12" name="Straight Arrow Connector 11"/>
-            <p:cNvCxnSpPr>
-              <a:stCxn id="4" idx="3"/>
-              <a:endCxn id="6" idx="1"/>
-            </p:cNvCxnSpPr>
-            <p:nvPr/>
-          </p:nvCxnSpPr>
-          <p:spPr>
-            <a:xfrm>
-              <a:off x="1865167" y="1238250"/>
-              <a:ext cx="796385" cy="0"/>
-            </a:xfrm>
-            <a:prstGeom prst="straightConnector1">
-              <a:avLst/>
-            </a:prstGeom>
-            <a:ln w="15875">
-              <a:tailEnd type="triangle"/>
-            </a:ln>
-          </p:spPr>
-          <p:style>
-            <a:lnRef idx="1">
-              <a:schemeClr val="accent1"/>
-            </a:lnRef>
-            <a:fillRef idx="0">
-              <a:schemeClr val="accent1"/>
-            </a:fillRef>
-            <a:effectRef idx="0">
-              <a:schemeClr val="accent1"/>
-            </a:effectRef>
-            <a:fontRef idx="minor">
-              <a:schemeClr val="tx1"/>
-            </a:fontRef>
-          </p:style>
-        </p:cxnSp>
-        <p:sp>
-          <p:nvSpPr>
-            <p:cNvPr id="15" name="TextBox 14"/>
-            <p:cNvSpPr txBox="1"/>
-            <p:nvPr/>
-          </p:nvSpPr>
-          <p:spPr>
-            <a:xfrm>
-              <a:off x="1865167" y="876300"/>
-              <a:ext cx="781050" cy="369332"/>
-            </a:xfrm>
-            <a:prstGeom prst="rect">
-              <a:avLst/>
-            </a:prstGeom>
-            <a:noFill/>
-          </p:spPr>
-          <p:txBody>
-            <a:bodyPr wrap="square" rtlCol="0">
-              <a:spAutoFit/>
-            </a:bodyPr>
-            <a:lstStyle/>
-            <a:p>
-              <a:r>
-                <a:rPr lang="en-US" dirty="0" smtClean="0">
-                  <a:solidFill>
-                    <a:schemeClr val="accent1">
-                      <a:lumMod val="50000"/>
-                    </a:schemeClr>
-                  </a:solidFill>
-                </a:rPr>
-                <a:t>new()</a:t>
-              </a:r>
-              <a:endParaRPr lang="en-US" dirty="0">
-                <a:solidFill>
-                  <a:schemeClr val="accent1">
-                    <a:lumMod val="50000"/>
                   </a:schemeClr>
                 </a:solidFill>
               </a:endParaRPr>
@@ -9041,41 +9140,6 @@
         </p:sp>
         <p:sp>
           <p:nvSpPr>
-            <p:cNvPr id="24" name="TextBox 23"/>
-            <p:cNvSpPr txBox="1"/>
-            <p:nvPr/>
-          </p:nvSpPr>
-          <p:spPr>
-            <a:xfrm>
-              <a:off x="315545" y="3583279"/>
-              <a:ext cx="2133600" cy="369332"/>
-            </a:xfrm>
-            <a:prstGeom prst="rect">
-              <a:avLst/>
-            </a:prstGeom>
-            <a:noFill/>
-          </p:spPr>
-          <p:txBody>
-            <a:bodyPr wrap="square" rtlCol="0">
-              <a:spAutoFit/>
-            </a:bodyPr>
-            <a:lstStyle/>
-            <a:p>
-              <a:r>
-                <a:rPr lang="en-US" dirty="0" smtClean="0">
-                  <a:solidFill>
-                    <a:schemeClr val="accent2">
-                      <a:lumMod val="75000"/>
-                    </a:schemeClr>
-                  </a:solidFill>
-                </a:rPr>
-                <a:t>shared pointer: lm0</a:t>
-              </a:r>
-            </a:p>
-          </p:txBody>
-        </p:sp>
-        <p:sp>
-          <p:nvSpPr>
             <p:cNvPr id="37" name="Rectangle 36"/>
             <p:cNvSpPr/>
             <p:nvPr/>
@@ -9293,7 +9357,6 @@
             <p:cNvPr id="50" name="Straight Arrow Connector 49"/>
             <p:cNvCxnSpPr>
               <a:stCxn id="37" idx="3"/>
-              <a:endCxn id="46" idx="1"/>
             </p:cNvCxnSpPr>
             <p:nvPr/>
           </p:nvCxnSpPr>
@@ -9655,11 +9718,7 @@
               </a:r>
               <a:r>
                 <a:rPr lang="en-US" dirty="0" smtClean="0"/>
-                <a:t>::</a:t>
-              </a:r>
-              <a:r>
-                <a:rPr lang="en-US" dirty="0" smtClean="0"/>
-                <a:t>Information </a:t>
+                <a:t>::Information </a:t>
               </a:r>
               <a:endParaRPr lang="en-US" dirty="0"/>
             </a:p>
@@ -10067,8 +10126,15 @@
                     </a:schemeClr>
                   </a:solidFill>
                 </a:rPr>
-                <a:t>d0</a:t>
-              </a:r>
+                <a:t>info</a:t>
+              </a:r>
+              <a:endParaRPr lang="en-US" dirty="0" smtClean="0">
+                <a:solidFill>
+                  <a:schemeClr val="accent2">
+                    <a:lumMod val="75000"/>
+                  </a:schemeClr>
+                </a:solidFill>
+              </a:endParaRPr>
             </a:p>
           </p:txBody>
         </p:sp>
@@ -10142,7 +10208,17 @@
                     </a:schemeClr>
                   </a:solidFill>
                 </a:rPr>
-                <a:t>d0-&gt;</a:t>
+                <a:t>info</a:t>
+              </a:r>
+              <a:r>
+                <a:rPr lang="en-US" dirty="0" smtClean="0">
+                  <a:solidFill>
+                    <a:schemeClr val="accent2">
+                      <a:lumMod val="75000"/>
+                    </a:schemeClr>
+                  </a:solidFill>
+                </a:rPr>
+                <a:t>-&gt;</a:t>
               </a:r>
               <a:r>
                 <a:rPr lang="en-US" dirty="0" err="1" smtClean="0">
@@ -10273,6 +10349,262 @@
           </p:txBody>
         </p:sp>
       </p:grpSp>
+      <p:sp>
+        <p:nvSpPr>
+          <p:cNvPr id="48" name="Rectangle 47"/>
+          <p:cNvSpPr/>
+          <p:nvPr/>
+        </p:nvSpPr>
+        <p:spPr>
+          <a:xfrm>
+            <a:off x="245917" y="723900"/>
+            <a:ext cx="1220045" cy="1028700"/>
+          </a:xfrm>
+          <a:prstGeom prst="rect">
+            <a:avLst/>
+          </a:prstGeom>
+          <a:solidFill>
+            <a:schemeClr val="accent1">
+              <a:lumMod val="20000"/>
+              <a:lumOff val="80000"/>
+            </a:schemeClr>
+          </a:solidFill>
+          <a:ln>
+            <a:solidFill>
+              <a:schemeClr val="accent1">
+                <a:lumMod val="50000"/>
+              </a:schemeClr>
+            </a:solidFill>
+          </a:ln>
+        </p:spPr>
+        <p:style>
+          <a:lnRef idx="2">
+            <a:schemeClr val="accent1">
+              <a:shade val="50000"/>
+            </a:schemeClr>
+          </a:lnRef>
+          <a:fillRef idx="1">
+            <a:schemeClr val="accent1"/>
+          </a:fillRef>
+          <a:effectRef idx="0">
+            <a:schemeClr val="accent1"/>
+          </a:effectRef>
+          <a:fontRef idx="minor">
+            <a:schemeClr val="lt1"/>
+          </a:fontRef>
+        </p:style>
+        <p:txBody>
+          <a:bodyPr rtlCol="0" anchor="ctr"/>
+          <a:lstStyle/>
+          <a:p>
+            <a:r>
+              <a:rPr lang="en-US" b="1" dirty="0" smtClean="0">
+                <a:solidFill>
+                  <a:schemeClr val="accent1">
+                    <a:lumMod val="50000"/>
+                  </a:schemeClr>
+                </a:solidFill>
+              </a:rPr>
+              <a:t>maturity</a:t>
+            </a:r>
+            <a:endParaRPr lang="en-US" b="1" dirty="0" smtClean="0">
+              <a:solidFill>
+                <a:schemeClr val="accent1">
+                  <a:lumMod val="50000"/>
+                </a:schemeClr>
+              </a:solidFill>
+            </a:endParaRPr>
+          </a:p>
+          <a:p>
+            <a:pPr marL="285750" indent="-285750">
+              <a:buFont typeface="Arial" panose="020B0604020202020204" pitchFamily="34" charset="0"/>
+              <a:buChar char="•"/>
+            </a:pPr>
+            <a:r>
+              <a:rPr lang="en-US" dirty="0" smtClean="0">
+                <a:solidFill>
+                  <a:schemeClr val="accent1">
+                    <a:lumMod val="50000"/>
+                  </a:schemeClr>
+                </a:solidFill>
+              </a:rPr>
+              <a:t>median</a:t>
+            </a:r>
+          </a:p>
+          <a:p>
+            <a:pPr marL="285750" indent="-285750">
+              <a:buFont typeface="Arial" panose="020B0604020202020204" pitchFamily="34" charset="0"/>
+              <a:buChar char="•"/>
+            </a:pPr>
+            <a:r>
+              <a:rPr lang="en-US" dirty="0" smtClean="0">
+                <a:solidFill>
+                  <a:schemeClr val="accent1">
+                    <a:lumMod val="50000"/>
+                  </a:schemeClr>
+                </a:solidFill>
+              </a:rPr>
+              <a:t>slope</a:t>
+            </a:r>
+            <a:endParaRPr lang="en-US" dirty="0">
+              <a:solidFill>
+                <a:schemeClr val="accent1">
+                  <a:lumMod val="50000"/>
+                </a:schemeClr>
+              </a:solidFill>
+            </a:endParaRPr>
+          </a:p>
+        </p:txBody>
+      </p:sp>
+      <p:cxnSp>
+        <p:nvCxnSpPr>
+          <p:cNvPr id="49" name="Straight Arrow Connector 48"/>
+          <p:cNvCxnSpPr>
+            <a:stCxn id="48" idx="3"/>
+          </p:cNvCxnSpPr>
+          <p:nvPr/>
+        </p:nvCxnSpPr>
+        <p:spPr>
+          <a:xfrm>
+            <a:off x="1465962" y="1238250"/>
+            <a:ext cx="1195589" cy="0"/>
+          </a:xfrm>
+          <a:prstGeom prst="straightConnector1">
+            <a:avLst/>
+          </a:prstGeom>
+          <a:ln w="15875">
+            <a:tailEnd type="triangle"/>
+          </a:ln>
+        </p:spPr>
+        <p:style>
+          <a:lnRef idx="1">
+            <a:schemeClr val="accent1"/>
+          </a:lnRef>
+          <a:fillRef idx="0">
+            <a:schemeClr val="accent1"/>
+          </a:fillRef>
+          <a:effectRef idx="0">
+            <a:schemeClr val="accent1"/>
+          </a:effectRef>
+          <a:fontRef idx="minor">
+            <a:schemeClr val="tx1"/>
+          </a:fontRef>
+        </p:style>
+      </p:cxnSp>
+      <p:sp>
+        <p:nvSpPr>
+          <p:cNvPr id="51" name="TextBox 50"/>
+          <p:cNvSpPr txBox="1"/>
+          <p:nvPr/>
+        </p:nvSpPr>
+        <p:spPr>
+          <a:xfrm>
+            <a:off x="1405580" y="944268"/>
+            <a:ext cx="1443753" cy="307777"/>
+          </a:xfrm>
+          <a:prstGeom prst="rect">
+            <a:avLst/>
+          </a:prstGeom>
+          <a:noFill/>
+        </p:spPr>
+        <p:txBody>
+          <a:bodyPr wrap="square" rtlCol="0">
+            <a:spAutoFit/>
+          </a:bodyPr>
+          <a:lstStyle/>
+          <a:p>
+            <a:r>
+              <a:rPr lang="en-US" sz="1400" dirty="0">
+                <a:solidFill>
+                  <a:schemeClr val="accent1">
+                    <a:lumMod val="50000"/>
+                  </a:schemeClr>
+                </a:solidFill>
+              </a:rPr>
+              <a:t>m</a:t>
+            </a:r>
+            <a:r>
+              <a:rPr lang="en-US" sz="1400" dirty="0" smtClean="0">
+                <a:solidFill>
+                  <a:schemeClr val="accent1">
+                    <a:lumMod val="50000"/>
+                  </a:schemeClr>
+                </a:solidFill>
+              </a:rPr>
+              <a:t>ethods::new</a:t>
+            </a:r>
+            <a:r>
+              <a:rPr lang="en-US" sz="1400" dirty="0" smtClean="0">
+                <a:solidFill>
+                  <a:schemeClr val="accent1">
+                    <a:lumMod val="50000"/>
+                  </a:schemeClr>
+                </a:solidFill>
+              </a:rPr>
+              <a:t>()</a:t>
+            </a:r>
+            <a:endParaRPr lang="en-US" sz="1400" dirty="0">
+              <a:solidFill>
+                <a:schemeClr val="accent1">
+                  <a:lumMod val="50000"/>
+                </a:schemeClr>
+              </a:solidFill>
+            </a:endParaRPr>
+          </a:p>
+        </p:txBody>
+      </p:sp>
+      <p:sp>
+        <p:nvSpPr>
+          <p:cNvPr id="52" name="TextBox 51"/>
+          <p:cNvSpPr txBox="1"/>
+          <p:nvPr/>
+        </p:nvSpPr>
+        <p:spPr>
+          <a:xfrm>
+            <a:off x="630323" y="3471935"/>
+            <a:ext cx="1792926" cy="646331"/>
+          </a:xfrm>
+          <a:prstGeom prst="rect">
+            <a:avLst/>
+          </a:prstGeom>
+          <a:noFill/>
+        </p:spPr>
+        <p:txBody>
+          <a:bodyPr wrap="square" rtlCol="0">
+            <a:spAutoFit/>
+          </a:bodyPr>
+          <a:lstStyle/>
+          <a:p>
+            <a:r>
+              <a:rPr lang="en-US" dirty="0" smtClean="0">
+                <a:solidFill>
+                  <a:schemeClr val="accent2">
+                    <a:lumMod val="75000"/>
+                  </a:schemeClr>
+                </a:solidFill>
+              </a:rPr>
+              <a:t>shared pointer: </a:t>
+            </a:r>
+            <a:r>
+              <a:rPr lang="en-US" dirty="0" smtClean="0">
+                <a:solidFill>
+                  <a:schemeClr val="accent2">
+                    <a:lumMod val="75000"/>
+                  </a:schemeClr>
+                </a:solidFill>
+              </a:rPr>
+              <a:t>maturity</a:t>
+            </a:r>
+            <a:endParaRPr lang="en-US" dirty="0" smtClean="0">
+              <a:solidFill>
+                <a:schemeClr val="accent2">
+                  <a:lumMod val="75000"/>
+                </a:schemeClr>
+              </a:solidFill>
+            </a:endParaRPr>
+          </a:p>
+        </p:txBody>
+      </p:sp>
     </p:spTree>
     <p:extLst>
       <p:ext uri="{BB962C8B-B14F-4D97-AF65-F5344CB8AC3E}">
@@ -10319,113 +10651,6 @@
         </p:grpSpPr>
         <p:sp>
           <p:nvSpPr>
-            <p:cNvPr id="4" name="Rectangle 3"/>
-            <p:cNvSpPr/>
-            <p:nvPr/>
-          </p:nvSpPr>
-          <p:spPr>
-            <a:xfrm>
-              <a:off x="245917" y="723900"/>
-              <a:ext cx="1619250" cy="1028700"/>
-            </a:xfrm>
-            <a:prstGeom prst="rect">
-              <a:avLst/>
-            </a:prstGeom>
-            <a:solidFill>
-              <a:schemeClr val="accent1">
-                <a:lumMod val="20000"/>
-                <a:lumOff val="80000"/>
-              </a:schemeClr>
-            </a:solidFill>
-            <a:ln>
-              <a:solidFill>
-                <a:schemeClr val="accent1">
-                  <a:lumMod val="50000"/>
-                </a:schemeClr>
-              </a:solidFill>
-            </a:ln>
-          </p:spPr>
-          <p:style>
-            <a:lnRef idx="2">
-              <a:schemeClr val="accent1">
-                <a:shade val="50000"/>
-              </a:schemeClr>
-            </a:lnRef>
-            <a:fillRef idx="1">
-              <a:schemeClr val="accent1"/>
-            </a:fillRef>
-            <a:effectRef idx="0">
-              <a:schemeClr val="accent1"/>
-            </a:effectRef>
-            <a:fontRef idx="minor">
-              <a:schemeClr val="lt1"/>
-            </a:fontRef>
-          </p:style>
-          <p:txBody>
-            <a:bodyPr rtlCol="0" anchor="ctr"/>
-            <a:lstStyle/>
-            <a:p>
-              <a:r>
-                <a:rPr lang="en-US" b="1" dirty="0" err="1" smtClean="0">
-                  <a:solidFill>
-                    <a:schemeClr val="accent1">
-                      <a:lumMod val="50000"/>
-                    </a:schemeClr>
-                  </a:solidFill>
-                </a:rPr>
-                <a:t>fims$maturity</a:t>
-              </a:r>
-              <a:endParaRPr lang="en-US" b="1" dirty="0" smtClean="0">
-                <a:solidFill>
-                  <a:schemeClr val="accent1">
-                    <a:lumMod val="50000"/>
-                  </a:schemeClr>
-                </a:solidFill>
-              </a:endParaRPr>
-            </a:p>
-            <a:p>
-              <a:pPr marL="285750" indent="-285750">
-                <a:buFont typeface="Arial" panose="020B0604020202020204" pitchFamily="34" charset="0"/>
-                <a:buChar char="•"/>
-              </a:pPr>
-              <a:r>
-                <a:rPr lang="en-US" dirty="0" smtClean="0">
-                  <a:solidFill>
-                    <a:schemeClr val="accent1">
-                      <a:lumMod val="50000"/>
-                    </a:schemeClr>
-                  </a:solidFill>
-                </a:rPr>
-                <a:t>median</a:t>
-              </a:r>
-            </a:p>
-            <a:p>
-              <a:pPr marL="285750" indent="-285750">
-                <a:buFont typeface="Arial" panose="020B0604020202020204" pitchFamily="34" charset="0"/>
-                <a:buChar char="•"/>
-              </a:pPr>
-              <a:r>
-                <a:rPr lang="en-US" dirty="0" smtClean="0">
-                  <a:solidFill>
-                    <a:schemeClr val="accent1">
-                      <a:lumMod val="50000"/>
-                    </a:schemeClr>
-                  </a:solidFill>
-                </a:rPr>
-                <a:t>slope</a:t>
-              </a:r>
-              <a:endParaRPr lang="en-US" dirty="0">
-                <a:solidFill>
-                  <a:schemeClr val="accent1">
-                    <a:lumMod val="50000"/>
-                  </a:schemeClr>
-                </a:solidFill>
-              </a:endParaRPr>
-            </a:p>
-          </p:txBody>
-        </p:sp>
-        <p:sp>
-          <p:nvSpPr>
             <p:cNvPr id="6" name="Rectangle 5"/>
             <p:cNvSpPr/>
             <p:nvPr/>
@@ -10480,7 +10705,7 @@
                     </a:schemeClr>
                   </a:solidFill>
                 </a:rPr>
-                <a:t>fims$LogisticMaturity</a:t>
+                <a:t>LogisticMaturity</a:t>
               </a:r>
               <a:endParaRPr lang="en-US" b="1" dirty="0" smtClean="0">
                 <a:solidFill>
@@ -10674,10 +10899,17 @@
                 </a:rPr>
                 <a:t>(</a:t>
               </a:r>
-            </a:p>
-            <a:p>
-              <a:r>
-                <a:rPr lang="en-US" dirty="0">
+              <a:endParaRPr lang="en-US" sz="1400" dirty="0" smtClean="0">
+                <a:solidFill>
+                  <a:schemeClr val="accent2">
+                    <a:lumMod val="75000"/>
+                  </a:schemeClr>
+                </a:solidFill>
+              </a:endParaRPr>
+            </a:p>
+            <a:p>
+              <a:r>
+                <a:rPr lang="en-US" sz="1400" dirty="0">
                   <a:solidFill>
                     <a:schemeClr val="accent2">
                       <a:lumMod val="75000"/>
@@ -10687,129 +10919,78 @@
                 <a:t> </a:t>
               </a:r>
               <a:r>
-                <a:rPr lang="en-US" dirty="0" smtClean="0">
+                <a:rPr lang="en-US" sz="1400" dirty="0" smtClean="0">
                   <a:solidFill>
                     <a:schemeClr val="accent2">
                       <a:lumMod val="75000"/>
                     </a:schemeClr>
                   </a:solidFill>
                 </a:rPr>
-                <a:t>       shared pointer: lm0</a:t>
-              </a:r>
-            </a:p>
-            <a:p>
-              <a:r>
-                <a:rPr lang="en-US" dirty="0">
+                <a:t>       shared pointer: </a:t>
+              </a:r>
+              <a:r>
+                <a:rPr lang="en-US" sz="1400" dirty="0" smtClean="0">
                   <a:solidFill>
                     <a:schemeClr val="accent2">
                       <a:lumMod val="75000"/>
                     </a:schemeClr>
                   </a:solidFill>
                 </a:rPr>
-                <a:t> </a:t>
-              </a:r>
-              <a:r>
-                <a:rPr lang="en-US" dirty="0" smtClean="0">
+                <a:t>maturity</a:t>
+              </a:r>
+              <a:endParaRPr lang="en-US" sz="1400" dirty="0" smtClean="0">
+                <a:solidFill>
+                  <a:schemeClr val="accent2">
+                    <a:lumMod val="75000"/>
+                  </a:schemeClr>
+                </a:solidFill>
+              </a:endParaRPr>
+            </a:p>
+            <a:p>
+              <a:r>
+                <a:rPr lang="en-US" sz="1400" dirty="0">
                   <a:solidFill>
                     <a:schemeClr val="accent2">
                       <a:lumMod val="75000"/>
                     </a:schemeClr>
                   </a:solidFill>
                 </a:rPr>
-                <a:t>       shared pointer: </a:t>
-              </a:r>
-              <a:r>
-                <a:rPr lang="en-US" dirty="0" smtClean="0">
+                <a:t> </a:t>
+              </a:r>
+              <a:r>
+                <a:rPr lang="en-US" sz="1400" dirty="0" smtClean="0">
                   <a:solidFill>
                     <a:schemeClr val="accent2">
                       <a:lumMod val="75000"/>
                     </a:schemeClr>
                   </a:solidFill>
                 </a:rPr>
-                <a:t>d0)</a:t>
+                <a:t>       shared pointer: </a:t>
+              </a:r>
+              <a:r>
+                <a:rPr lang="en-US" sz="1400" dirty="0" smtClean="0">
+                  <a:solidFill>
+                    <a:schemeClr val="accent2">
+                      <a:lumMod val="75000"/>
+                    </a:schemeClr>
+                  </a:solidFill>
+                </a:rPr>
+                <a:t>info</a:t>
+              </a:r>
+              <a:r>
+                <a:rPr lang="en-US" dirty="0" smtClean="0">
+                  <a:solidFill>
+                    <a:schemeClr val="accent2">
+                      <a:lumMod val="75000"/>
+                    </a:schemeClr>
+                  </a:solidFill>
+                </a:rPr>
+                <a:t>)</a:t>
               </a:r>
               <a:endParaRPr lang="en-US" dirty="0" smtClean="0">
                 <a:solidFill>
                   <a:schemeClr val="accent2">
                     <a:lumMod val="75000"/>
-                  </a:schemeClr>
-                </a:solidFill>
-              </a:endParaRPr>
-            </a:p>
-          </p:txBody>
-        </p:sp>
-        <p:cxnSp>
-          <p:nvCxnSpPr>
-            <p:cNvPr id="12" name="Straight Arrow Connector 11"/>
-            <p:cNvCxnSpPr>
-              <a:stCxn id="4" idx="3"/>
-              <a:endCxn id="6" idx="1"/>
-            </p:cNvCxnSpPr>
-            <p:nvPr/>
-          </p:nvCxnSpPr>
-          <p:spPr>
-            <a:xfrm>
-              <a:off x="1865167" y="1238250"/>
-              <a:ext cx="796385" cy="0"/>
-            </a:xfrm>
-            <a:prstGeom prst="straightConnector1">
-              <a:avLst/>
-            </a:prstGeom>
-            <a:ln w="15875">
-              <a:tailEnd type="triangle"/>
-            </a:ln>
-          </p:spPr>
-          <p:style>
-            <a:lnRef idx="1">
-              <a:schemeClr val="accent1"/>
-            </a:lnRef>
-            <a:fillRef idx="0">
-              <a:schemeClr val="accent1"/>
-            </a:fillRef>
-            <a:effectRef idx="0">
-              <a:schemeClr val="accent1"/>
-            </a:effectRef>
-            <a:fontRef idx="minor">
-              <a:schemeClr val="tx1"/>
-            </a:fontRef>
-          </p:style>
-        </p:cxnSp>
-        <p:sp>
-          <p:nvSpPr>
-            <p:cNvPr id="15" name="TextBox 14"/>
-            <p:cNvSpPr txBox="1"/>
-            <p:nvPr/>
-          </p:nvSpPr>
-          <p:spPr>
-            <a:xfrm>
-              <a:off x="1865167" y="876300"/>
-              <a:ext cx="781050" cy="369332"/>
-            </a:xfrm>
-            <a:prstGeom prst="rect">
-              <a:avLst/>
-            </a:prstGeom>
-            <a:noFill/>
-          </p:spPr>
-          <p:txBody>
-            <a:bodyPr wrap="square" rtlCol="0">
-              <a:spAutoFit/>
-            </a:bodyPr>
-            <a:lstStyle/>
-            <a:p>
-              <a:r>
-                <a:rPr lang="en-US" dirty="0" smtClean="0">
-                  <a:solidFill>
-                    <a:schemeClr val="accent1">
-                      <a:lumMod val="50000"/>
-                    </a:schemeClr>
-                  </a:solidFill>
-                </a:rPr>
-                <a:t>new()</a:t>
-              </a:r>
-              <a:endParaRPr lang="en-US" dirty="0">
-                <a:solidFill>
-                  <a:schemeClr val="accent1">
-                    <a:lumMod val="50000"/>
                   </a:schemeClr>
                 </a:solidFill>
               </a:endParaRPr>
@@ -11063,41 +11244,6 @@
                   </a:solidFill>
                 </a:rPr>
                 <a:t>evaluate(x)</a:t>
-              </a:r>
-            </a:p>
-          </p:txBody>
-        </p:sp>
-        <p:sp>
-          <p:nvSpPr>
-            <p:cNvPr id="24" name="TextBox 23"/>
-            <p:cNvSpPr txBox="1"/>
-            <p:nvPr/>
-          </p:nvSpPr>
-          <p:spPr>
-            <a:xfrm>
-              <a:off x="315545" y="3583279"/>
-              <a:ext cx="2133600" cy="369332"/>
-            </a:xfrm>
-            <a:prstGeom prst="rect">
-              <a:avLst/>
-            </a:prstGeom>
-            <a:noFill/>
-          </p:spPr>
-          <p:txBody>
-            <a:bodyPr wrap="square" rtlCol="0">
-              <a:spAutoFit/>
-            </a:bodyPr>
-            <a:lstStyle/>
-            <a:p>
-              <a:r>
-                <a:rPr lang="en-US" dirty="0" smtClean="0">
-                  <a:solidFill>
-                    <a:schemeClr val="accent2">
-                      <a:lumMod val="75000"/>
-                    </a:schemeClr>
-                  </a:solidFill>
-                </a:rPr>
-                <a:t>shared pointer: lm0</a:t>
               </a:r>
             </a:p>
           </p:txBody>
@@ -12091,26 +12237,33 @@
                     </a:schemeClr>
                   </a:solidFill>
                 </a:rPr>
-                <a:t>d0</a:t>
-              </a:r>
+                <a:t>info</a:t>
+              </a:r>
+              <a:endParaRPr lang="en-US" dirty="0" smtClean="0">
+                <a:solidFill>
+                  <a:schemeClr val="accent2">
+                    <a:lumMod val="75000"/>
+                  </a:schemeClr>
+                </a:solidFill>
+              </a:endParaRPr>
             </a:p>
           </p:txBody>
         </p:sp>
         <p:cxnSp>
           <p:nvCxnSpPr>
             <p:cNvPr id="36" name="Elbow Connector 35"/>
-            <p:cNvCxnSpPr>
-              <a:endCxn id="33" idx="2"/>
-            </p:cNvCxnSpPr>
+            <p:cNvCxnSpPr/>
             <p:nvPr/>
           </p:nvCxnSpPr>
           <p:spPr>
             <a:xfrm flipV="1">
-              <a:off x="5248817" y="2275351"/>
-              <a:ext cx="4209132" cy="1153649"/>
+              <a:off x="5282986" y="2275352"/>
+              <a:ext cx="4283707" cy="1153648"/>
             </a:xfrm>
-            <a:prstGeom prst="bentConnector2">
-              <a:avLst/>
+            <a:prstGeom prst="bentConnector3">
+              <a:avLst>
+                <a:gd name="adj1" fmla="val 99942"/>
+              </a:avLst>
             </a:prstGeom>
             <a:ln w="15875">
               <a:solidFill>
@@ -12144,8 +12297,8 @@
           </p:nvSpPr>
           <p:spPr>
             <a:xfrm>
-              <a:off x="5456337" y="3070160"/>
-              <a:ext cx="3813464" cy="369332"/>
+              <a:off x="5365738" y="3070160"/>
+              <a:ext cx="4200955" cy="338554"/>
             </a:xfrm>
             <a:prstGeom prst="rect">
               <a:avLst/>
@@ -12159,35 +12312,82 @@
             <a:lstStyle/>
             <a:p>
               <a:r>
-                <a:rPr lang="en-US" dirty="0">
+                <a:rPr lang="en-US" sz="1600" dirty="0" smtClean="0">
                   <a:solidFill>
                     <a:schemeClr val="accent2">
                       <a:lumMod val="75000"/>
                     </a:schemeClr>
                   </a:solidFill>
                 </a:rPr>
-                <a:t>d0-&gt;</a:t>
-              </a:r>
-              <a:r>
-                <a:rPr lang="en-US" dirty="0" err="1">
+                <a:t>info</a:t>
+              </a:r>
+              <a:r>
+                <a:rPr lang="en-US" sz="1600" dirty="0" smtClean="0">
                   <a:solidFill>
                     <a:schemeClr val="accent2">
                       <a:lumMod val="75000"/>
                     </a:schemeClr>
                   </a:solidFill>
                 </a:rPr>
-                <a:t>maturity_models</a:t>
-              </a:r>
-              <a:r>
-                <a:rPr lang="en-US" dirty="0">
+                <a:t>-&gt;</a:t>
+              </a:r>
+              <a:r>
+                <a:rPr lang="en-US" sz="1600" dirty="0" err="1" smtClean="0">
                   <a:solidFill>
                     <a:schemeClr val="accent2">
                       <a:lumMod val="75000"/>
                     </a:schemeClr>
                   </a:solidFill>
                 </a:rPr>
-                <a:t>[lm0-&gt;id] = lm0;</a:t>
-              </a:r>
+                <a:t>maturity_models</a:t>
+              </a:r>
+              <a:r>
+                <a:rPr lang="en-US" sz="1600" dirty="0" smtClean="0">
+                  <a:solidFill>
+                    <a:schemeClr val="accent2">
+                      <a:lumMod val="75000"/>
+                    </a:schemeClr>
+                  </a:solidFill>
+                </a:rPr>
+                <a:t>[maturity-</a:t>
+              </a:r>
+              <a:r>
+                <a:rPr lang="en-US" sz="1600" dirty="0">
+                  <a:solidFill>
+                    <a:schemeClr val="accent2">
+                      <a:lumMod val="75000"/>
+                    </a:schemeClr>
+                  </a:solidFill>
+                </a:rPr>
+                <a:t>&gt;id] = </a:t>
+              </a:r>
+              <a:r>
+                <a:rPr lang="en-US" sz="1600" dirty="0" smtClean="0">
+                  <a:solidFill>
+                    <a:schemeClr val="accent2">
+                      <a:lumMod val="75000"/>
+                    </a:schemeClr>
+                  </a:solidFill>
+                </a:rPr>
+                <a:t>maturity</a:t>
+              </a:r>
+              <a:r>
+                <a:rPr lang="en-US" sz="1600" dirty="0" smtClean="0">
+                  <a:solidFill>
+                    <a:schemeClr val="accent2">
+                      <a:lumMod val="75000"/>
+                    </a:schemeClr>
+                  </a:solidFill>
+                </a:rPr>
+                <a:t>;</a:t>
+              </a:r>
+              <a:endParaRPr lang="en-US" sz="1600" dirty="0">
+                <a:solidFill>
+                  <a:schemeClr val="accent2">
+                    <a:lumMod val="75000"/>
+                  </a:schemeClr>
+                </a:solidFill>
+              </a:endParaRPr>
             </a:p>
           </p:txBody>
         </p:sp>
@@ -12300,6 +12500,262 @@
           </p:txBody>
         </p:sp>
       </p:grpSp>
+      <p:sp>
+        <p:nvSpPr>
+          <p:cNvPr id="41" name="Rectangle 40"/>
+          <p:cNvSpPr/>
+          <p:nvPr/>
+        </p:nvSpPr>
+        <p:spPr>
+          <a:xfrm>
+            <a:off x="245917" y="723900"/>
+            <a:ext cx="1220045" cy="1028700"/>
+          </a:xfrm>
+          <a:prstGeom prst="rect">
+            <a:avLst/>
+          </a:prstGeom>
+          <a:solidFill>
+            <a:schemeClr val="accent1">
+              <a:lumMod val="20000"/>
+              <a:lumOff val="80000"/>
+            </a:schemeClr>
+          </a:solidFill>
+          <a:ln>
+            <a:solidFill>
+              <a:schemeClr val="accent1">
+                <a:lumMod val="50000"/>
+              </a:schemeClr>
+            </a:solidFill>
+          </a:ln>
+        </p:spPr>
+        <p:style>
+          <a:lnRef idx="2">
+            <a:schemeClr val="accent1">
+              <a:shade val="50000"/>
+            </a:schemeClr>
+          </a:lnRef>
+          <a:fillRef idx="1">
+            <a:schemeClr val="accent1"/>
+          </a:fillRef>
+          <a:effectRef idx="0">
+            <a:schemeClr val="accent1"/>
+          </a:effectRef>
+          <a:fontRef idx="minor">
+            <a:schemeClr val="lt1"/>
+          </a:fontRef>
+        </p:style>
+        <p:txBody>
+          <a:bodyPr rtlCol="0" anchor="ctr"/>
+          <a:lstStyle/>
+          <a:p>
+            <a:r>
+              <a:rPr lang="en-US" b="1" dirty="0" smtClean="0">
+                <a:solidFill>
+                  <a:schemeClr val="accent1">
+                    <a:lumMod val="50000"/>
+                  </a:schemeClr>
+                </a:solidFill>
+              </a:rPr>
+              <a:t>maturity</a:t>
+            </a:r>
+            <a:endParaRPr lang="en-US" b="1" dirty="0" smtClean="0">
+              <a:solidFill>
+                <a:schemeClr val="accent1">
+                  <a:lumMod val="50000"/>
+                </a:schemeClr>
+              </a:solidFill>
+            </a:endParaRPr>
+          </a:p>
+          <a:p>
+            <a:pPr marL="285750" indent="-285750">
+              <a:buFont typeface="Arial" panose="020B0604020202020204" pitchFamily="34" charset="0"/>
+              <a:buChar char="•"/>
+            </a:pPr>
+            <a:r>
+              <a:rPr lang="en-US" dirty="0" smtClean="0">
+                <a:solidFill>
+                  <a:schemeClr val="accent1">
+                    <a:lumMod val="50000"/>
+                  </a:schemeClr>
+                </a:solidFill>
+              </a:rPr>
+              <a:t>median</a:t>
+            </a:r>
+          </a:p>
+          <a:p>
+            <a:pPr marL="285750" indent="-285750">
+              <a:buFont typeface="Arial" panose="020B0604020202020204" pitchFamily="34" charset="0"/>
+              <a:buChar char="•"/>
+            </a:pPr>
+            <a:r>
+              <a:rPr lang="en-US" dirty="0" smtClean="0">
+                <a:solidFill>
+                  <a:schemeClr val="accent1">
+                    <a:lumMod val="50000"/>
+                  </a:schemeClr>
+                </a:solidFill>
+              </a:rPr>
+              <a:t>slope</a:t>
+            </a:r>
+            <a:endParaRPr lang="en-US" dirty="0">
+              <a:solidFill>
+                <a:schemeClr val="accent1">
+                  <a:lumMod val="50000"/>
+                </a:schemeClr>
+              </a:solidFill>
+            </a:endParaRPr>
+          </a:p>
+        </p:txBody>
+      </p:sp>
+      <p:cxnSp>
+        <p:nvCxnSpPr>
+          <p:cNvPr id="42" name="Straight Arrow Connector 41"/>
+          <p:cNvCxnSpPr>
+            <a:stCxn id="41" idx="3"/>
+          </p:cNvCxnSpPr>
+          <p:nvPr/>
+        </p:nvCxnSpPr>
+        <p:spPr>
+          <a:xfrm>
+            <a:off x="1465962" y="1238250"/>
+            <a:ext cx="1195589" cy="0"/>
+          </a:xfrm>
+          <a:prstGeom prst="straightConnector1">
+            <a:avLst/>
+          </a:prstGeom>
+          <a:ln w="15875">
+            <a:tailEnd type="triangle"/>
+          </a:ln>
+        </p:spPr>
+        <p:style>
+          <a:lnRef idx="1">
+            <a:schemeClr val="accent1"/>
+          </a:lnRef>
+          <a:fillRef idx="0">
+            <a:schemeClr val="accent1"/>
+          </a:fillRef>
+          <a:effectRef idx="0">
+            <a:schemeClr val="accent1"/>
+          </a:effectRef>
+          <a:fontRef idx="minor">
+            <a:schemeClr val="tx1"/>
+          </a:fontRef>
+        </p:style>
+      </p:cxnSp>
+      <p:sp>
+        <p:nvSpPr>
+          <p:cNvPr id="43" name="TextBox 42"/>
+          <p:cNvSpPr txBox="1"/>
+          <p:nvPr/>
+        </p:nvSpPr>
+        <p:spPr>
+          <a:xfrm>
+            <a:off x="1405580" y="944268"/>
+            <a:ext cx="1443753" cy="307777"/>
+          </a:xfrm>
+          <a:prstGeom prst="rect">
+            <a:avLst/>
+          </a:prstGeom>
+          <a:noFill/>
+        </p:spPr>
+        <p:txBody>
+          <a:bodyPr wrap="square" rtlCol="0">
+            <a:spAutoFit/>
+          </a:bodyPr>
+          <a:lstStyle/>
+          <a:p>
+            <a:r>
+              <a:rPr lang="en-US" sz="1400" dirty="0">
+                <a:solidFill>
+                  <a:schemeClr val="accent1">
+                    <a:lumMod val="50000"/>
+                  </a:schemeClr>
+                </a:solidFill>
+              </a:rPr>
+              <a:t>m</a:t>
+            </a:r>
+            <a:r>
+              <a:rPr lang="en-US" sz="1400" dirty="0" smtClean="0">
+                <a:solidFill>
+                  <a:schemeClr val="accent1">
+                    <a:lumMod val="50000"/>
+                  </a:schemeClr>
+                </a:solidFill>
+              </a:rPr>
+              <a:t>ethods::new</a:t>
+            </a:r>
+            <a:r>
+              <a:rPr lang="en-US" sz="1400" dirty="0" smtClean="0">
+                <a:solidFill>
+                  <a:schemeClr val="accent1">
+                    <a:lumMod val="50000"/>
+                  </a:schemeClr>
+                </a:solidFill>
+              </a:rPr>
+              <a:t>()</a:t>
+            </a:r>
+            <a:endParaRPr lang="en-US" sz="1400" dirty="0">
+              <a:solidFill>
+                <a:schemeClr val="accent1">
+                  <a:lumMod val="50000"/>
+                </a:schemeClr>
+              </a:solidFill>
+            </a:endParaRPr>
+          </a:p>
+        </p:txBody>
+      </p:sp>
+      <p:sp>
+        <p:nvSpPr>
+          <p:cNvPr id="46" name="TextBox 45"/>
+          <p:cNvSpPr txBox="1"/>
+          <p:nvPr/>
+        </p:nvSpPr>
+        <p:spPr>
+          <a:xfrm>
+            <a:off x="630323" y="3471935"/>
+            <a:ext cx="1792926" cy="646331"/>
+          </a:xfrm>
+          <a:prstGeom prst="rect">
+            <a:avLst/>
+          </a:prstGeom>
+          <a:noFill/>
+        </p:spPr>
+        <p:txBody>
+          <a:bodyPr wrap="square" rtlCol="0">
+            <a:spAutoFit/>
+          </a:bodyPr>
+          <a:lstStyle/>
+          <a:p>
+            <a:r>
+              <a:rPr lang="en-US" dirty="0" smtClean="0">
+                <a:solidFill>
+                  <a:schemeClr val="accent2">
+                    <a:lumMod val="75000"/>
+                  </a:schemeClr>
+                </a:solidFill>
+              </a:rPr>
+              <a:t>shared pointer: </a:t>
+            </a:r>
+            <a:r>
+              <a:rPr lang="en-US" dirty="0" smtClean="0">
+                <a:solidFill>
+                  <a:schemeClr val="accent2">
+                    <a:lumMod val="75000"/>
+                  </a:schemeClr>
+                </a:solidFill>
+              </a:rPr>
+              <a:t>maturity</a:t>
+            </a:r>
+            <a:endParaRPr lang="en-US" dirty="0" smtClean="0">
+              <a:solidFill>
+                <a:schemeClr val="accent2">
+                  <a:lumMod val="75000"/>
+                </a:schemeClr>
+              </a:solidFill>
+            </a:endParaRPr>
+          </a:p>
+        </p:txBody>
+      </p:sp>
     </p:spTree>
     <p:extLst>
       <p:ext uri="{BB962C8B-B14F-4D97-AF65-F5344CB8AC3E}">
@@ -12346,113 +12802,6 @@
         </p:grpSpPr>
         <p:sp>
           <p:nvSpPr>
-            <p:cNvPr id="4" name="Rectangle 3"/>
-            <p:cNvSpPr/>
-            <p:nvPr/>
-          </p:nvSpPr>
-          <p:spPr>
-            <a:xfrm>
-              <a:off x="245917" y="723900"/>
-              <a:ext cx="1619250" cy="1028700"/>
-            </a:xfrm>
-            <a:prstGeom prst="rect">
-              <a:avLst/>
-            </a:prstGeom>
-            <a:solidFill>
-              <a:schemeClr val="accent1">
-                <a:lumMod val="20000"/>
-                <a:lumOff val="80000"/>
-              </a:schemeClr>
-            </a:solidFill>
-            <a:ln>
-              <a:solidFill>
-                <a:schemeClr val="accent1">
-                  <a:lumMod val="50000"/>
-                </a:schemeClr>
-              </a:solidFill>
-            </a:ln>
-          </p:spPr>
-          <p:style>
-            <a:lnRef idx="2">
-              <a:schemeClr val="accent1">
-                <a:shade val="50000"/>
-              </a:schemeClr>
-            </a:lnRef>
-            <a:fillRef idx="1">
-              <a:schemeClr val="accent1"/>
-            </a:fillRef>
-            <a:effectRef idx="0">
-              <a:schemeClr val="accent1"/>
-            </a:effectRef>
-            <a:fontRef idx="minor">
-              <a:schemeClr val="lt1"/>
-            </a:fontRef>
-          </p:style>
-          <p:txBody>
-            <a:bodyPr rtlCol="0" anchor="ctr"/>
-            <a:lstStyle/>
-            <a:p>
-              <a:r>
-                <a:rPr lang="en-US" b="1" dirty="0" err="1" smtClean="0">
-                  <a:solidFill>
-                    <a:schemeClr val="accent1">
-                      <a:lumMod val="50000"/>
-                    </a:schemeClr>
-                  </a:solidFill>
-                </a:rPr>
-                <a:t>fims$maturity</a:t>
-              </a:r>
-              <a:endParaRPr lang="en-US" b="1" dirty="0" smtClean="0">
-                <a:solidFill>
-                  <a:schemeClr val="accent1">
-                    <a:lumMod val="50000"/>
-                  </a:schemeClr>
-                </a:solidFill>
-              </a:endParaRPr>
-            </a:p>
-            <a:p>
-              <a:pPr marL="285750" indent="-285750">
-                <a:buFont typeface="Arial" panose="020B0604020202020204" pitchFamily="34" charset="0"/>
-                <a:buChar char="•"/>
-              </a:pPr>
-              <a:r>
-                <a:rPr lang="en-US" dirty="0" smtClean="0">
-                  <a:solidFill>
-                    <a:schemeClr val="accent1">
-                      <a:lumMod val="50000"/>
-                    </a:schemeClr>
-                  </a:solidFill>
-                </a:rPr>
-                <a:t>median</a:t>
-              </a:r>
-            </a:p>
-            <a:p>
-              <a:pPr marL="285750" indent="-285750">
-                <a:buFont typeface="Arial" panose="020B0604020202020204" pitchFamily="34" charset="0"/>
-                <a:buChar char="•"/>
-              </a:pPr>
-              <a:r>
-                <a:rPr lang="en-US" dirty="0" smtClean="0">
-                  <a:solidFill>
-                    <a:schemeClr val="accent1">
-                      <a:lumMod val="50000"/>
-                    </a:schemeClr>
-                  </a:solidFill>
-                </a:rPr>
-                <a:t>slope</a:t>
-              </a:r>
-              <a:endParaRPr lang="en-US" dirty="0">
-                <a:solidFill>
-                  <a:schemeClr val="accent1">
-                    <a:lumMod val="50000"/>
-                  </a:schemeClr>
-                </a:solidFill>
-              </a:endParaRPr>
-            </a:p>
-          </p:txBody>
-        </p:sp>
-        <p:sp>
-          <p:nvSpPr>
             <p:cNvPr id="6" name="Rectangle 5"/>
             <p:cNvSpPr/>
             <p:nvPr/>
@@ -12507,7 +12856,7 @@
                     </a:schemeClr>
                   </a:solidFill>
                 </a:rPr>
-                <a:t>fims$LogisticMaturity</a:t>
+                <a:t>LogisticMaturity</a:t>
               </a:r>
               <a:endParaRPr lang="en-US" b="1" dirty="0" smtClean="0">
                 <a:solidFill>
@@ -12701,10 +13050,17 @@
                 </a:rPr>
                 <a:t>(</a:t>
               </a:r>
-            </a:p>
-            <a:p>
-              <a:r>
-                <a:rPr lang="en-US" dirty="0">
+              <a:endParaRPr lang="en-US" sz="1400" dirty="0" smtClean="0">
+                <a:solidFill>
+                  <a:schemeClr val="accent2">
+                    <a:lumMod val="75000"/>
+                  </a:schemeClr>
+                </a:solidFill>
+              </a:endParaRPr>
+            </a:p>
+            <a:p>
+              <a:r>
+                <a:rPr lang="en-US" sz="1400" dirty="0">
                   <a:solidFill>
                     <a:schemeClr val="accent2">
                       <a:lumMod val="75000"/>
@@ -12714,129 +13070,78 @@
                 <a:t> </a:t>
               </a:r>
               <a:r>
-                <a:rPr lang="en-US" dirty="0" smtClean="0">
+                <a:rPr lang="en-US" sz="1400" dirty="0" smtClean="0">
                   <a:solidFill>
                     <a:schemeClr val="accent2">
                       <a:lumMod val="75000"/>
                     </a:schemeClr>
                   </a:solidFill>
                 </a:rPr>
-                <a:t>       shared pointer: lm0</a:t>
-              </a:r>
-            </a:p>
-            <a:p>
-              <a:r>
-                <a:rPr lang="en-US" dirty="0">
+                <a:t>       shared pointer: </a:t>
+              </a:r>
+              <a:r>
+                <a:rPr lang="en-US" sz="1400" dirty="0" smtClean="0">
                   <a:solidFill>
                     <a:schemeClr val="accent2">
                       <a:lumMod val="75000"/>
                     </a:schemeClr>
                   </a:solidFill>
                 </a:rPr>
-                <a:t> </a:t>
-              </a:r>
-              <a:r>
-                <a:rPr lang="en-US" dirty="0" smtClean="0">
+                <a:t>maturity</a:t>
+              </a:r>
+              <a:endParaRPr lang="en-US" sz="1400" dirty="0" smtClean="0">
+                <a:solidFill>
+                  <a:schemeClr val="accent2">
+                    <a:lumMod val="75000"/>
+                  </a:schemeClr>
+                </a:solidFill>
+              </a:endParaRPr>
+            </a:p>
+            <a:p>
+              <a:r>
+                <a:rPr lang="en-US" sz="1400" dirty="0">
                   <a:solidFill>
                     <a:schemeClr val="accent2">
                       <a:lumMod val="75000"/>
                     </a:schemeClr>
                   </a:solidFill>
                 </a:rPr>
-                <a:t>       shared pointer: </a:t>
-              </a:r>
-              <a:r>
-                <a:rPr lang="en-US" dirty="0" smtClean="0">
+                <a:t> </a:t>
+              </a:r>
+              <a:r>
+                <a:rPr lang="en-US" sz="1400" dirty="0" smtClean="0">
                   <a:solidFill>
                     <a:schemeClr val="accent2">
                       <a:lumMod val="75000"/>
                     </a:schemeClr>
                   </a:solidFill>
                 </a:rPr>
-                <a:t>d0)</a:t>
+                <a:t>       shared pointer: </a:t>
+              </a:r>
+              <a:r>
+                <a:rPr lang="en-US" sz="1400" dirty="0" smtClean="0">
+                  <a:solidFill>
+                    <a:schemeClr val="accent2">
+                      <a:lumMod val="75000"/>
+                    </a:schemeClr>
+                  </a:solidFill>
+                </a:rPr>
+                <a:t>info</a:t>
+              </a:r>
+              <a:r>
+                <a:rPr lang="en-US" dirty="0" smtClean="0">
+                  <a:solidFill>
+                    <a:schemeClr val="accent2">
+                      <a:lumMod val="75000"/>
+                    </a:schemeClr>
+                  </a:solidFill>
+                </a:rPr>
+                <a:t>)</a:t>
               </a:r>
               <a:endParaRPr lang="en-US" dirty="0" smtClean="0">
                 <a:solidFill>
                   <a:schemeClr val="accent2">
                     <a:lumMod val="75000"/>
-                  </a:schemeClr>
-                </a:solidFill>
-              </a:endParaRPr>
-            </a:p>
-          </p:txBody>
-        </p:sp>
-        <p:cxnSp>
-          <p:nvCxnSpPr>
-            <p:cNvPr id="12" name="Straight Arrow Connector 11"/>
-            <p:cNvCxnSpPr>
-              <a:stCxn id="4" idx="3"/>
-              <a:endCxn id="6" idx="1"/>
-            </p:cNvCxnSpPr>
-            <p:nvPr/>
-          </p:nvCxnSpPr>
-          <p:spPr>
-            <a:xfrm>
-              <a:off x="1865167" y="1238250"/>
-              <a:ext cx="796385" cy="0"/>
-            </a:xfrm>
-            <a:prstGeom prst="straightConnector1">
-              <a:avLst/>
-            </a:prstGeom>
-            <a:ln w="15875">
-              <a:tailEnd type="triangle"/>
-            </a:ln>
-          </p:spPr>
-          <p:style>
-            <a:lnRef idx="1">
-              <a:schemeClr val="accent1"/>
-            </a:lnRef>
-            <a:fillRef idx="0">
-              <a:schemeClr val="accent1"/>
-            </a:fillRef>
-            <a:effectRef idx="0">
-              <a:schemeClr val="accent1"/>
-            </a:effectRef>
-            <a:fontRef idx="minor">
-              <a:schemeClr val="tx1"/>
-            </a:fontRef>
-          </p:style>
-        </p:cxnSp>
-        <p:sp>
-          <p:nvSpPr>
-            <p:cNvPr id="15" name="TextBox 14"/>
-            <p:cNvSpPr txBox="1"/>
-            <p:nvPr/>
-          </p:nvSpPr>
-          <p:spPr>
-            <a:xfrm>
-              <a:off x="1865167" y="876300"/>
-              <a:ext cx="781050" cy="369332"/>
-            </a:xfrm>
-            <a:prstGeom prst="rect">
-              <a:avLst/>
-            </a:prstGeom>
-            <a:noFill/>
-          </p:spPr>
-          <p:txBody>
-            <a:bodyPr wrap="square" rtlCol="0">
-              <a:spAutoFit/>
-            </a:bodyPr>
-            <a:lstStyle/>
-            <a:p>
-              <a:r>
-                <a:rPr lang="en-US" dirty="0" smtClean="0">
-                  <a:solidFill>
-                    <a:schemeClr val="accent1">
-                      <a:lumMod val="50000"/>
-                    </a:schemeClr>
-                  </a:solidFill>
-                </a:rPr>
-                <a:t>new()</a:t>
-              </a:r>
-              <a:endParaRPr lang="en-US" dirty="0">
-                <a:solidFill>
-                  <a:schemeClr val="accent1">
-                    <a:lumMod val="50000"/>
                   </a:schemeClr>
                 </a:solidFill>
               </a:endParaRPr>
@@ -13090,41 +13395,6 @@
                   </a:solidFill>
                 </a:rPr>
                 <a:t>evaluate(x)</a:t>
-              </a:r>
-            </a:p>
-          </p:txBody>
-        </p:sp>
-        <p:sp>
-          <p:nvSpPr>
-            <p:cNvPr id="24" name="TextBox 23"/>
-            <p:cNvSpPr txBox="1"/>
-            <p:nvPr/>
-          </p:nvSpPr>
-          <p:spPr>
-            <a:xfrm>
-              <a:off x="315545" y="3583279"/>
-              <a:ext cx="2133600" cy="369332"/>
-            </a:xfrm>
-            <a:prstGeom prst="rect">
-              <a:avLst/>
-            </a:prstGeom>
-            <a:noFill/>
-          </p:spPr>
-          <p:txBody>
-            <a:bodyPr wrap="square" rtlCol="0">
-              <a:spAutoFit/>
-            </a:bodyPr>
-            <a:lstStyle/>
-            <a:p>
-              <a:r>
-                <a:rPr lang="en-US" dirty="0" smtClean="0">
-                  <a:solidFill>
-                    <a:schemeClr val="accent2">
-                      <a:lumMod val="75000"/>
-                    </a:schemeClr>
-                  </a:solidFill>
-                </a:rPr>
-                <a:t>shared pointer: lm0</a:t>
               </a:r>
             </a:p>
           </p:txBody>
@@ -14128,103 +14398,15 @@
                     </a:schemeClr>
                   </a:solidFill>
                 </a:rPr>
-                <a:t>d0</a:t>
-              </a:r>
-            </a:p>
-          </p:txBody>
-        </p:sp>
-        <p:cxnSp>
-          <p:nvCxnSpPr>
-            <p:cNvPr id="36" name="Elbow Connector 35"/>
-            <p:cNvCxnSpPr>
-              <a:endCxn id="33" idx="2"/>
-            </p:cNvCxnSpPr>
-            <p:nvPr/>
-          </p:nvCxnSpPr>
-          <p:spPr>
-            <a:xfrm flipV="1">
-              <a:off x="5248817" y="2275351"/>
-              <a:ext cx="4209132" cy="1153649"/>
-            </a:xfrm>
-            <a:prstGeom prst="bentConnector2">
-              <a:avLst/>
-            </a:prstGeom>
-            <a:ln w="15875">
-              <a:solidFill>
-                <a:schemeClr val="accent2">
-                  <a:lumMod val="75000"/>
-                </a:schemeClr>
-              </a:solidFill>
-              <a:tailEnd type="triangle"/>
-            </a:ln>
-          </p:spPr>
-          <p:style>
-            <a:lnRef idx="1">
-              <a:schemeClr val="dk1"/>
-            </a:lnRef>
-            <a:fillRef idx="0">
-              <a:schemeClr val="dk1"/>
-            </a:fillRef>
-            <a:effectRef idx="0">
-              <a:schemeClr val="dk1"/>
-            </a:effectRef>
-            <a:fontRef idx="minor">
-              <a:schemeClr val="tx1"/>
-            </a:fontRef>
-          </p:style>
-        </p:cxnSp>
-        <p:sp>
-          <p:nvSpPr>
-            <p:cNvPr id="38" name="TextBox 37"/>
-            <p:cNvSpPr txBox="1"/>
-            <p:nvPr/>
-          </p:nvSpPr>
-          <p:spPr>
-            <a:xfrm>
-              <a:off x="5456337" y="3070160"/>
-              <a:ext cx="3813464" cy="369332"/>
-            </a:xfrm>
-            <a:prstGeom prst="rect">
-              <a:avLst/>
-            </a:prstGeom>
-            <a:noFill/>
-          </p:spPr>
-          <p:txBody>
-            <a:bodyPr wrap="square" rtlCol="0">
-              <a:spAutoFit/>
-            </a:bodyPr>
-            <a:lstStyle/>
-            <a:p>
-              <a:r>
-                <a:rPr lang="en-US" dirty="0">
-                  <a:solidFill>
-                    <a:schemeClr val="accent2">
-                      <a:lumMod val="75000"/>
-                    </a:schemeClr>
-                  </a:solidFill>
-                </a:rPr>
-                <a:t>d0-&gt;</a:t>
-              </a:r>
-              <a:r>
-                <a:rPr lang="en-US" dirty="0" err="1">
-                  <a:solidFill>
-                    <a:schemeClr val="accent2">
-                      <a:lumMod val="75000"/>
-                    </a:schemeClr>
-                  </a:solidFill>
-                </a:rPr>
-                <a:t>maturity_models</a:t>
-              </a:r>
-              <a:r>
-                <a:rPr lang="en-US" dirty="0">
-                  <a:solidFill>
-                    <a:schemeClr val="accent2">
-                      <a:lumMod val="75000"/>
-                    </a:schemeClr>
-                  </a:solidFill>
-                </a:rPr>
-                <a:t>[lm0-&gt;id] = lm0;</a:t>
-              </a:r>
+                <a:t>info</a:t>
+              </a:r>
+              <a:endParaRPr lang="en-US" dirty="0" smtClean="0">
+                <a:solidFill>
+                  <a:schemeClr val="accent2">
+                    <a:lumMod val="75000"/>
+                  </a:schemeClr>
+                </a:solidFill>
+              </a:endParaRPr>
             </a:p>
           </p:txBody>
         </p:sp>
@@ -14405,46 +14587,16 @@
           </p:txBody>
         </p:sp>
       </p:grpSp>
-    </p:spTree>
-    <p:extLst>
-      <p:ext uri="{BB962C8B-B14F-4D97-AF65-F5344CB8AC3E}">
-        <p14:creationId xmlns:p14="http://schemas.microsoft.com/office/powerpoint/2010/main" val="1310769892"/>
-      </p:ext>
-    </p:extLst>
-  </p:cSld>
-  <p:clrMapOvr>
-    <a:masterClrMapping/>
-  </p:clrMapOvr>
-</p:sld>
-</file>
-
-<file path=ppt/slides/slide8.xml><?xml version="1.0" encoding="utf-8"?>
-<p:sld xmlns:a="http://schemas.openxmlformats.org/drawingml/2006/main" xmlns:r="http://schemas.openxmlformats.org/officeDocument/2006/relationships" xmlns:p="http://schemas.openxmlformats.org/presentationml/2006/main">
-  <p:cSld>
-    <p:spTree>
-      <p:nvGrpSpPr>
-        <p:cNvPr id="1" name=""/>
-        <p:cNvGrpSpPr/>
-        <p:nvPr/>
-      </p:nvGrpSpPr>
-      <p:grpSpPr>
-        <a:xfrm>
-          <a:off x="0" y="0"/>
-          <a:ext cx="0" cy="0"/>
-          <a:chOff x="0" y="0"/>
-          <a:chExt cx="0" cy="0"/>
-        </a:xfrm>
-      </p:grpSpPr>
       <p:sp>
         <p:nvSpPr>
-          <p:cNvPr id="4" name="Rectangle 3"/>
+          <p:cNvPr id="41" name="Rectangle 40"/>
           <p:cNvSpPr/>
           <p:nvPr/>
         </p:nvSpPr>
         <p:spPr>
           <a:xfrm>
             <a:off x="245917" y="723900"/>
-            <a:ext cx="1619250" cy="1028700"/>
+            <a:ext cx="1220045" cy="1028700"/>
           </a:xfrm>
           <a:prstGeom prst="rect">
             <a:avLst/>
@@ -14484,14 +14636,14 @@
           <a:lstStyle/>
           <a:p>
             <a:r>
-              <a:rPr lang="en-US" b="1" dirty="0" err="1" smtClean="0">
+              <a:rPr lang="en-US" b="1" dirty="0" smtClean="0">
                 <a:solidFill>
                   <a:schemeClr val="accent1">
                     <a:lumMod val="50000"/>
                   </a:schemeClr>
                 </a:solidFill>
               </a:rPr>
-              <a:t>fims$maturity</a:t>
+              <a:t>maturity</a:t>
             </a:r>
             <a:endParaRPr lang="en-US" b="1" dirty="0" smtClean="0">
               <a:solidFill>
@@ -14542,6 +14694,327 @@
           </a:p>
         </p:txBody>
       </p:sp>
+      <p:cxnSp>
+        <p:nvCxnSpPr>
+          <p:cNvPr id="42" name="Straight Arrow Connector 41"/>
+          <p:cNvCxnSpPr>
+            <a:stCxn id="41" idx="3"/>
+          </p:cNvCxnSpPr>
+          <p:nvPr/>
+        </p:nvCxnSpPr>
+        <p:spPr>
+          <a:xfrm>
+            <a:off x="1465962" y="1238250"/>
+            <a:ext cx="1195589" cy="0"/>
+          </a:xfrm>
+          <a:prstGeom prst="straightConnector1">
+            <a:avLst/>
+          </a:prstGeom>
+          <a:ln w="15875">
+            <a:tailEnd type="triangle"/>
+          </a:ln>
+        </p:spPr>
+        <p:style>
+          <a:lnRef idx="1">
+            <a:schemeClr val="accent1"/>
+          </a:lnRef>
+          <a:fillRef idx="0">
+            <a:schemeClr val="accent1"/>
+          </a:fillRef>
+          <a:effectRef idx="0">
+            <a:schemeClr val="accent1"/>
+          </a:effectRef>
+          <a:fontRef idx="minor">
+            <a:schemeClr val="tx1"/>
+          </a:fontRef>
+        </p:style>
+      </p:cxnSp>
+      <p:sp>
+        <p:nvSpPr>
+          <p:cNvPr id="43" name="TextBox 42"/>
+          <p:cNvSpPr txBox="1"/>
+          <p:nvPr/>
+        </p:nvSpPr>
+        <p:spPr>
+          <a:xfrm>
+            <a:off x="1405580" y="944268"/>
+            <a:ext cx="1443753" cy="307777"/>
+          </a:xfrm>
+          <a:prstGeom prst="rect">
+            <a:avLst/>
+          </a:prstGeom>
+          <a:noFill/>
+        </p:spPr>
+        <p:txBody>
+          <a:bodyPr wrap="square" rtlCol="0">
+            <a:spAutoFit/>
+          </a:bodyPr>
+          <a:lstStyle/>
+          <a:p>
+            <a:r>
+              <a:rPr lang="en-US" sz="1400" dirty="0">
+                <a:solidFill>
+                  <a:schemeClr val="accent1">
+                    <a:lumMod val="50000"/>
+                  </a:schemeClr>
+                </a:solidFill>
+              </a:rPr>
+              <a:t>m</a:t>
+            </a:r>
+            <a:r>
+              <a:rPr lang="en-US" sz="1400" dirty="0" smtClean="0">
+                <a:solidFill>
+                  <a:schemeClr val="accent1">
+                    <a:lumMod val="50000"/>
+                  </a:schemeClr>
+                </a:solidFill>
+              </a:rPr>
+              <a:t>ethods::new</a:t>
+            </a:r>
+            <a:r>
+              <a:rPr lang="en-US" sz="1400" dirty="0" smtClean="0">
+                <a:solidFill>
+                  <a:schemeClr val="accent1">
+                    <a:lumMod val="50000"/>
+                  </a:schemeClr>
+                </a:solidFill>
+              </a:rPr>
+              <a:t>()</a:t>
+            </a:r>
+            <a:endParaRPr lang="en-US" sz="1400" dirty="0">
+              <a:solidFill>
+                <a:schemeClr val="accent1">
+                  <a:lumMod val="50000"/>
+                </a:schemeClr>
+              </a:solidFill>
+            </a:endParaRPr>
+          </a:p>
+        </p:txBody>
+      </p:sp>
+      <p:sp>
+        <p:nvSpPr>
+          <p:cNvPr id="46" name="TextBox 45"/>
+          <p:cNvSpPr txBox="1"/>
+          <p:nvPr/>
+        </p:nvSpPr>
+        <p:spPr>
+          <a:xfrm>
+            <a:off x="630323" y="3471935"/>
+            <a:ext cx="1792926" cy="646331"/>
+          </a:xfrm>
+          <a:prstGeom prst="rect">
+            <a:avLst/>
+          </a:prstGeom>
+          <a:noFill/>
+        </p:spPr>
+        <p:txBody>
+          <a:bodyPr wrap="square" rtlCol="0">
+            <a:spAutoFit/>
+          </a:bodyPr>
+          <a:lstStyle/>
+          <a:p>
+            <a:r>
+              <a:rPr lang="en-US" dirty="0" smtClean="0">
+                <a:solidFill>
+                  <a:schemeClr val="accent2">
+                    <a:lumMod val="75000"/>
+                  </a:schemeClr>
+                </a:solidFill>
+              </a:rPr>
+              <a:t>shared pointer: </a:t>
+            </a:r>
+            <a:r>
+              <a:rPr lang="en-US" dirty="0" smtClean="0">
+                <a:solidFill>
+                  <a:schemeClr val="accent2">
+                    <a:lumMod val="75000"/>
+                  </a:schemeClr>
+                </a:solidFill>
+              </a:rPr>
+              <a:t>maturity</a:t>
+            </a:r>
+            <a:endParaRPr lang="en-US" dirty="0" smtClean="0">
+              <a:solidFill>
+                <a:schemeClr val="accent2">
+                  <a:lumMod val="75000"/>
+                </a:schemeClr>
+              </a:solidFill>
+            </a:endParaRPr>
+          </a:p>
+        </p:txBody>
+      </p:sp>
+      <p:cxnSp>
+        <p:nvCxnSpPr>
+          <p:cNvPr id="48" name="Elbow Connector 47"/>
+          <p:cNvCxnSpPr/>
+          <p:nvPr/>
+        </p:nvCxnSpPr>
+        <p:spPr>
+          <a:xfrm flipV="1">
+            <a:off x="5282986" y="2275352"/>
+            <a:ext cx="4283707" cy="1153648"/>
+          </a:xfrm>
+          <a:prstGeom prst="bentConnector3">
+            <a:avLst>
+              <a:gd name="adj1" fmla="val 99942"/>
+            </a:avLst>
+          </a:prstGeom>
+          <a:ln w="15875">
+            <a:solidFill>
+              <a:schemeClr val="accent2">
+                <a:lumMod val="75000"/>
+              </a:schemeClr>
+            </a:solidFill>
+            <a:tailEnd type="triangle"/>
+          </a:ln>
+        </p:spPr>
+        <p:style>
+          <a:lnRef idx="1">
+            <a:schemeClr val="dk1"/>
+          </a:lnRef>
+          <a:fillRef idx="0">
+            <a:schemeClr val="dk1"/>
+          </a:fillRef>
+          <a:effectRef idx="0">
+            <a:schemeClr val="dk1"/>
+          </a:effectRef>
+          <a:fontRef idx="minor">
+            <a:schemeClr val="tx1"/>
+          </a:fontRef>
+        </p:style>
+      </p:cxnSp>
+      <p:sp>
+        <p:nvSpPr>
+          <p:cNvPr id="49" name="TextBox 48"/>
+          <p:cNvSpPr txBox="1"/>
+          <p:nvPr/>
+        </p:nvSpPr>
+        <p:spPr>
+          <a:xfrm>
+            <a:off x="5365738" y="3070160"/>
+            <a:ext cx="4200955" cy="338554"/>
+          </a:xfrm>
+          <a:prstGeom prst="rect">
+            <a:avLst/>
+          </a:prstGeom>
+          <a:noFill/>
+        </p:spPr>
+        <p:txBody>
+          <a:bodyPr wrap="square" rtlCol="0">
+            <a:spAutoFit/>
+          </a:bodyPr>
+          <a:lstStyle/>
+          <a:p>
+            <a:r>
+              <a:rPr lang="en-US" sz="1600" dirty="0" smtClean="0">
+                <a:solidFill>
+                  <a:schemeClr val="accent2">
+                    <a:lumMod val="75000"/>
+                  </a:schemeClr>
+                </a:solidFill>
+              </a:rPr>
+              <a:t>info</a:t>
+            </a:r>
+            <a:r>
+              <a:rPr lang="en-US" sz="1600" dirty="0" smtClean="0">
+                <a:solidFill>
+                  <a:schemeClr val="accent2">
+                    <a:lumMod val="75000"/>
+                  </a:schemeClr>
+                </a:solidFill>
+              </a:rPr>
+              <a:t>-&gt;</a:t>
+            </a:r>
+            <a:r>
+              <a:rPr lang="en-US" sz="1600" dirty="0" err="1" smtClean="0">
+                <a:solidFill>
+                  <a:schemeClr val="accent2">
+                    <a:lumMod val="75000"/>
+                  </a:schemeClr>
+                </a:solidFill>
+              </a:rPr>
+              <a:t>maturity_models</a:t>
+            </a:r>
+            <a:r>
+              <a:rPr lang="en-US" sz="1600" dirty="0" smtClean="0">
+                <a:solidFill>
+                  <a:schemeClr val="accent2">
+                    <a:lumMod val="75000"/>
+                  </a:schemeClr>
+                </a:solidFill>
+              </a:rPr>
+              <a:t>[maturity-</a:t>
+            </a:r>
+            <a:r>
+              <a:rPr lang="en-US" sz="1600" dirty="0">
+                <a:solidFill>
+                  <a:schemeClr val="accent2">
+                    <a:lumMod val="75000"/>
+                  </a:schemeClr>
+                </a:solidFill>
+              </a:rPr>
+              <a:t>&gt;id] = </a:t>
+            </a:r>
+            <a:r>
+              <a:rPr lang="en-US" sz="1600" dirty="0" smtClean="0">
+                <a:solidFill>
+                  <a:schemeClr val="accent2">
+                    <a:lumMod val="75000"/>
+                  </a:schemeClr>
+                </a:solidFill>
+              </a:rPr>
+              <a:t>maturity</a:t>
+            </a:r>
+            <a:r>
+              <a:rPr lang="en-US" sz="1600" dirty="0" smtClean="0">
+                <a:solidFill>
+                  <a:schemeClr val="accent2">
+                    <a:lumMod val="75000"/>
+                  </a:schemeClr>
+                </a:solidFill>
+              </a:rPr>
+              <a:t>;</a:t>
+            </a:r>
+            <a:endParaRPr lang="en-US" sz="1600" dirty="0">
+              <a:solidFill>
+                <a:schemeClr val="accent2">
+                  <a:lumMod val="75000"/>
+                </a:schemeClr>
+              </a:solidFill>
+            </a:endParaRPr>
+          </a:p>
+        </p:txBody>
+      </p:sp>
+    </p:spTree>
+    <p:extLst>
+      <p:ext uri="{BB962C8B-B14F-4D97-AF65-F5344CB8AC3E}">
+        <p14:creationId xmlns:p14="http://schemas.microsoft.com/office/powerpoint/2010/main" val="1310769892"/>
+      </p:ext>
+    </p:extLst>
+  </p:cSld>
+  <p:clrMapOvr>
+    <a:masterClrMapping/>
+  </p:clrMapOvr>
+</p:sld>
+</file>
+
+<file path=ppt/slides/slide8.xml><?xml version="1.0" encoding="utf-8"?>
+<p:sld xmlns:a="http://schemas.openxmlformats.org/drawingml/2006/main" xmlns:r="http://schemas.openxmlformats.org/officeDocument/2006/relationships" xmlns:p="http://schemas.openxmlformats.org/presentationml/2006/main">
+  <p:cSld>
+    <p:spTree>
+      <p:nvGrpSpPr>
+        <p:cNvPr id="1" name=""/>
+        <p:cNvGrpSpPr/>
+        <p:nvPr/>
+      </p:nvGrpSpPr>
+      <p:grpSpPr>
+        <a:xfrm>
+          <a:off x="0" y="0"/>
+          <a:ext cx="0" cy="0"/>
+          <a:chOff x="0" y="0"/>
+          <a:chExt cx="0" cy="0"/>
+        </a:xfrm>
+      </p:grpSpPr>
       <p:sp>
         <p:nvSpPr>
           <p:cNvPr id="6" name="Rectangle 5"/>
@@ -14591,14 +15064,14 @@
           <a:lstStyle/>
           <a:p>
             <a:r>
-              <a:rPr lang="en-US" b="1" dirty="0" err="1" smtClean="0">
+              <a:rPr lang="en-US" b="1" smtClean="0">
                 <a:solidFill>
                   <a:schemeClr val="accent1">
                     <a:lumMod val="50000"/>
                   </a:schemeClr>
                 </a:solidFill>
               </a:rPr>
-              <a:t>fims$LogisticMaturity</a:t>
+              <a:t>LogisticMaturity</a:t>
             </a:r>
             <a:endParaRPr lang="en-US" b="1" dirty="0" smtClean="0">
               <a:solidFill>
@@ -14792,61 +15265,7 @@
               </a:rPr>
               <a:t>(</a:t>
             </a:r>
-          </a:p>
-          <a:p>
-            <a:r>
-              <a:rPr lang="en-US" dirty="0">
-                <a:solidFill>
-                  <a:schemeClr val="accent2">
-                    <a:lumMod val="75000"/>
-                  </a:schemeClr>
-                </a:solidFill>
-              </a:rPr>
-              <a:t> </a:t>
-            </a:r>
-            <a:r>
-              <a:rPr lang="en-US" dirty="0" smtClean="0">
-                <a:solidFill>
-                  <a:schemeClr val="accent2">
-                    <a:lumMod val="75000"/>
-                  </a:schemeClr>
-                </a:solidFill>
-              </a:rPr>
-              <a:t>       shared pointer: lm0</a:t>
-            </a:r>
-          </a:p>
-          <a:p>
-            <a:r>
-              <a:rPr lang="en-US" dirty="0">
-                <a:solidFill>
-                  <a:schemeClr val="accent2">
-                    <a:lumMod val="75000"/>
-                  </a:schemeClr>
-                </a:solidFill>
-              </a:rPr>
-              <a:t> </a:t>
-            </a:r>
-            <a:r>
-              <a:rPr lang="en-US" dirty="0" smtClean="0">
-                <a:solidFill>
-                  <a:schemeClr val="accent2">
-                    <a:lumMod val="75000"/>
-                  </a:schemeClr>
-                </a:solidFill>
-              </a:rPr>
-              <a:t>       shared pointer: </a:t>
-            </a:r>
-            <a:r>
-              <a:rPr lang="en-US" dirty="0" smtClean="0">
-                <a:solidFill>
-                  <a:schemeClr val="accent2">
-                    <a:lumMod val="75000"/>
-                  </a:schemeClr>
-                </a:solidFill>
-              </a:rPr>
-              <a:t>d0)</a:t>
-            </a:r>
-            <a:endParaRPr lang="en-US" dirty="0" smtClean="0">
+            <a:endParaRPr lang="en-US" sz="1400" dirty="0" smtClean="0">
               <a:solidFill>
                 <a:schemeClr val="accent2">
                   <a:lumMod val="75000"/>
@@ -14854,80 +15273,90 @@
               </a:solidFill>
             </a:endParaRPr>
           </a:p>
-        </p:txBody>
-      </p:sp>
-      <p:cxnSp>
-        <p:nvCxnSpPr>
-          <p:cNvPr id="12" name="Straight Arrow Connector 11"/>
-          <p:cNvCxnSpPr>
-            <a:stCxn id="4" idx="3"/>
-            <a:endCxn id="6" idx="1"/>
-          </p:cNvCxnSpPr>
-          <p:nvPr/>
-        </p:nvCxnSpPr>
-        <p:spPr>
-          <a:xfrm>
-            <a:off x="1865167" y="1238250"/>
-            <a:ext cx="796385" cy="0"/>
-          </a:xfrm>
-          <a:prstGeom prst="straightConnector1">
-            <a:avLst/>
-          </a:prstGeom>
-          <a:ln w="15875">
-            <a:tailEnd type="triangle"/>
-          </a:ln>
-        </p:spPr>
-        <p:style>
-          <a:lnRef idx="1">
-            <a:schemeClr val="accent1"/>
-          </a:lnRef>
-          <a:fillRef idx="0">
-            <a:schemeClr val="accent1"/>
-          </a:fillRef>
-          <a:effectRef idx="0">
-            <a:schemeClr val="accent1"/>
-          </a:effectRef>
-          <a:fontRef idx="minor">
-            <a:schemeClr val="tx1"/>
-          </a:fontRef>
-        </p:style>
-      </p:cxnSp>
-      <p:sp>
-        <p:nvSpPr>
-          <p:cNvPr id="15" name="TextBox 14"/>
-          <p:cNvSpPr txBox="1"/>
-          <p:nvPr/>
-        </p:nvSpPr>
-        <p:spPr>
-          <a:xfrm>
-            <a:off x="1865167" y="876300"/>
-            <a:ext cx="781050" cy="369332"/>
-          </a:xfrm>
-          <a:prstGeom prst="rect">
-            <a:avLst/>
-          </a:prstGeom>
-          <a:noFill/>
-        </p:spPr>
-        <p:txBody>
-          <a:bodyPr wrap="square" rtlCol="0">
-            <a:spAutoFit/>
-          </a:bodyPr>
-          <a:lstStyle/>
-          <a:p>
+          <a:p>
+            <a:r>
+              <a:rPr lang="en-US" sz="1400" dirty="0">
+                <a:solidFill>
+                  <a:schemeClr val="accent2">
+                    <a:lumMod val="75000"/>
+                  </a:schemeClr>
+                </a:solidFill>
+              </a:rPr>
+              <a:t> </a:t>
+            </a:r>
+            <a:r>
+              <a:rPr lang="en-US" sz="1400" dirty="0" smtClean="0">
+                <a:solidFill>
+                  <a:schemeClr val="accent2">
+                    <a:lumMod val="75000"/>
+                  </a:schemeClr>
+                </a:solidFill>
+              </a:rPr>
+              <a:t>       shared pointer: </a:t>
+            </a:r>
+            <a:r>
+              <a:rPr lang="en-US" sz="1400" dirty="0" smtClean="0">
+                <a:solidFill>
+                  <a:schemeClr val="accent2">
+                    <a:lumMod val="75000"/>
+                  </a:schemeClr>
+                </a:solidFill>
+              </a:rPr>
+              <a:t>maturity</a:t>
+            </a:r>
+            <a:endParaRPr lang="en-US" sz="1400" dirty="0" smtClean="0">
+              <a:solidFill>
+                <a:schemeClr val="accent2">
+                  <a:lumMod val="75000"/>
+                </a:schemeClr>
+              </a:solidFill>
+            </a:endParaRPr>
+          </a:p>
+          <a:p>
+            <a:r>
+              <a:rPr lang="en-US" sz="1400" dirty="0">
+                <a:solidFill>
+                  <a:schemeClr val="accent2">
+                    <a:lumMod val="75000"/>
+                  </a:schemeClr>
+                </a:solidFill>
+              </a:rPr>
+              <a:t> </a:t>
+            </a:r>
+            <a:r>
+              <a:rPr lang="en-US" sz="1400" dirty="0" smtClean="0">
+                <a:solidFill>
+                  <a:schemeClr val="accent2">
+                    <a:lumMod val="75000"/>
+                  </a:schemeClr>
+                </a:solidFill>
+              </a:rPr>
+              <a:t>       shared pointer: </a:t>
+            </a:r>
+            <a:r>
+              <a:rPr lang="en-US" sz="1400" dirty="0" smtClean="0">
+                <a:solidFill>
+                  <a:schemeClr val="accent2">
+                    <a:lumMod val="75000"/>
+                  </a:schemeClr>
+                </a:solidFill>
+              </a:rPr>
+              <a:t>info</a:t>
+            </a:r>
             <a:r>
               <a:rPr lang="en-US" dirty="0" smtClean="0">
                 <a:solidFill>
-                  <a:schemeClr val="accent1">
-                    <a:lumMod val="50000"/>
+                  <a:schemeClr val="accent2">
+                    <a:lumMod val="75000"/>
                   </a:schemeClr>
                 </a:solidFill>
               </a:rPr>
-              <a:t>new()</a:t>
-            </a:r>
-            <a:endParaRPr lang="en-US" dirty="0">
+              <a:t>)</a:t>
+            </a:r>
+            <a:endParaRPr lang="en-US" dirty="0" smtClean="0">
               <a:solidFill>
-                <a:schemeClr val="accent1">
-                  <a:lumMod val="50000"/>
+                <a:schemeClr val="accent2">
+                  <a:lumMod val="75000"/>
                 </a:schemeClr>
               </a:solidFill>
             </a:endParaRPr>
@@ -15181,41 +15610,6 @@
                 </a:solidFill>
               </a:rPr>
               <a:t>evaluate(x)</a:t>
-            </a:r>
-          </a:p>
-        </p:txBody>
-      </p:sp>
-      <p:sp>
-        <p:nvSpPr>
-          <p:cNvPr id="24" name="TextBox 23"/>
-          <p:cNvSpPr txBox="1"/>
-          <p:nvPr/>
-        </p:nvSpPr>
-        <p:spPr>
-          <a:xfrm>
-            <a:off x="315545" y="3583279"/>
-            <a:ext cx="2133600" cy="369332"/>
-          </a:xfrm>
-          <a:prstGeom prst="rect">
-            <a:avLst/>
-          </a:prstGeom>
-          <a:noFill/>
-        </p:spPr>
-        <p:txBody>
-          <a:bodyPr wrap="square" rtlCol="0">
-            <a:spAutoFit/>
-          </a:bodyPr>
-          <a:lstStyle/>
-          <a:p>
-            <a:r>
-              <a:rPr lang="en-US" dirty="0" smtClean="0">
-                <a:solidFill>
-                  <a:schemeClr val="accent2">
-                    <a:lumMod val="75000"/>
-                  </a:schemeClr>
-                </a:solidFill>
-              </a:rPr>
-              <a:t>shared pointer: lm0</a:t>
             </a:r>
           </a:p>
         </p:txBody>
@@ -15774,8 +16168,15 @@
                   </a:schemeClr>
                 </a:solidFill>
               </a:rPr>
-              <a:t>d0</a:t>
-            </a:r>
+              <a:t>info</a:t>
+            </a:r>
+            <a:endParaRPr lang="en-US" dirty="0" smtClean="0">
+              <a:solidFill>
+                <a:schemeClr val="accent2">
+                  <a:lumMod val="75000"/>
+                </a:schemeClr>
+              </a:solidFill>
+            </a:endParaRPr>
           </a:p>
         </p:txBody>
       </p:sp>
@@ -16026,11 +16427,7 @@
             </a:r>
             <a:r>
               <a:rPr lang="en-US" dirty="0" smtClean="0"/>
-              <a:t>::</a:t>
-            </a:r>
-            <a:r>
-              <a:rPr lang="en-US" dirty="0" smtClean="0"/>
-              <a:t>Information </a:t>
+              <a:t>::Information </a:t>
             </a:r>
             <a:endParaRPr lang="en-US" dirty="0"/>
           </a:p>
@@ -16388,101 +16785,6 @@
                 </a:solidFill>
               </a:rPr>
               <a:t>this-&gt;maturity-&gt;evaluate(age)</a:t>
-            </a:r>
-          </a:p>
-        </p:txBody>
-      </p:sp>
-      <p:cxnSp>
-        <p:nvCxnSpPr>
-          <p:cNvPr id="40" name="Elbow Connector 39"/>
-          <p:cNvCxnSpPr>
-            <a:endCxn id="51" idx="2"/>
-          </p:cNvCxnSpPr>
-          <p:nvPr/>
-        </p:nvCxnSpPr>
-        <p:spPr>
-          <a:xfrm flipV="1">
-            <a:off x="5248817" y="2710982"/>
-            <a:ext cx="4209132" cy="718019"/>
-          </a:xfrm>
-          <a:prstGeom prst="bentConnector2">
-            <a:avLst/>
-          </a:prstGeom>
-          <a:ln w="15875">
-            <a:solidFill>
-              <a:schemeClr val="accent2">
-                <a:lumMod val="75000"/>
-              </a:schemeClr>
-            </a:solidFill>
-            <a:tailEnd type="triangle"/>
-          </a:ln>
-        </p:spPr>
-        <p:style>
-          <a:lnRef idx="1">
-            <a:schemeClr val="dk1"/>
-          </a:lnRef>
-          <a:fillRef idx="0">
-            <a:schemeClr val="dk1"/>
-          </a:fillRef>
-          <a:effectRef idx="0">
-            <a:schemeClr val="dk1"/>
-          </a:effectRef>
-          <a:fontRef idx="minor">
-            <a:schemeClr val="tx1"/>
-          </a:fontRef>
-        </p:style>
-      </p:cxnSp>
-      <p:sp>
-        <p:nvSpPr>
-          <p:cNvPr id="41" name="TextBox 40"/>
-          <p:cNvSpPr txBox="1"/>
-          <p:nvPr/>
-        </p:nvSpPr>
-        <p:spPr>
-          <a:xfrm>
-            <a:off x="5456337" y="3070160"/>
-            <a:ext cx="3813464" cy="369332"/>
-          </a:xfrm>
-          <a:prstGeom prst="rect">
-            <a:avLst/>
-          </a:prstGeom>
-          <a:noFill/>
-        </p:spPr>
-        <p:txBody>
-          <a:bodyPr wrap="square" rtlCol="0">
-            <a:spAutoFit/>
-          </a:bodyPr>
-          <a:lstStyle/>
-          <a:p>
-            <a:r>
-              <a:rPr lang="en-US" dirty="0">
-                <a:solidFill>
-                  <a:schemeClr val="accent2">
-                    <a:lumMod val="75000"/>
-                  </a:schemeClr>
-                </a:solidFill>
-              </a:rPr>
-              <a:t>d0-&gt;</a:t>
-            </a:r>
-            <a:r>
-              <a:rPr lang="en-US" dirty="0" err="1">
-                <a:solidFill>
-                  <a:schemeClr val="accent2">
-                    <a:lumMod val="75000"/>
-                  </a:schemeClr>
-                </a:solidFill>
-              </a:rPr>
-              <a:t>maturity_models</a:t>
-            </a:r>
-            <a:r>
-              <a:rPr lang="en-US" dirty="0">
-                <a:solidFill>
-                  <a:schemeClr val="accent2">
-                    <a:lumMod val="75000"/>
-                  </a:schemeClr>
-                </a:solidFill>
-              </a:rPr>
-              <a:t>[lm0-&gt;id] = lm0;</a:t>
             </a:r>
           </a:p>
         </p:txBody>
@@ -16638,6 +16940,404 @@
           <a:p>
             <a:pPr algn="ctr"/>
             <a:endParaRPr lang="en-US"/>
+          </a:p>
+        </p:txBody>
+      </p:sp>
+      <p:sp>
+        <p:nvSpPr>
+          <p:cNvPr id="46" name="Rectangle 45"/>
+          <p:cNvSpPr/>
+          <p:nvPr/>
+        </p:nvSpPr>
+        <p:spPr>
+          <a:xfrm>
+            <a:off x="245917" y="723900"/>
+            <a:ext cx="1220045" cy="1028700"/>
+          </a:xfrm>
+          <a:prstGeom prst="rect">
+            <a:avLst/>
+          </a:prstGeom>
+          <a:solidFill>
+            <a:schemeClr val="accent1">
+              <a:lumMod val="20000"/>
+              <a:lumOff val="80000"/>
+            </a:schemeClr>
+          </a:solidFill>
+          <a:ln>
+            <a:solidFill>
+              <a:schemeClr val="accent1">
+                <a:lumMod val="50000"/>
+              </a:schemeClr>
+            </a:solidFill>
+          </a:ln>
+        </p:spPr>
+        <p:style>
+          <a:lnRef idx="2">
+            <a:schemeClr val="accent1">
+              <a:shade val="50000"/>
+            </a:schemeClr>
+          </a:lnRef>
+          <a:fillRef idx="1">
+            <a:schemeClr val="accent1"/>
+          </a:fillRef>
+          <a:effectRef idx="0">
+            <a:schemeClr val="accent1"/>
+          </a:effectRef>
+          <a:fontRef idx="minor">
+            <a:schemeClr val="lt1"/>
+          </a:fontRef>
+        </p:style>
+        <p:txBody>
+          <a:bodyPr rtlCol="0" anchor="ctr"/>
+          <a:lstStyle/>
+          <a:p>
+            <a:r>
+              <a:rPr lang="en-US" b="1" dirty="0" smtClean="0">
+                <a:solidFill>
+                  <a:schemeClr val="accent1">
+                    <a:lumMod val="50000"/>
+                  </a:schemeClr>
+                </a:solidFill>
+              </a:rPr>
+              <a:t>maturity</a:t>
+            </a:r>
+            <a:endParaRPr lang="en-US" b="1" dirty="0" smtClean="0">
+              <a:solidFill>
+                <a:schemeClr val="accent1">
+                  <a:lumMod val="50000"/>
+                </a:schemeClr>
+              </a:solidFill>
+            </a:endParaRPr>
+          </a:p>
+          <a:p>
+            <a:pPr marL="285750" indent="-285750">
+              <a:buFont typeface="Arial" panose="020B0604020202020204" pitchFamily="34" charset="0"/>
+              <a:buChar char="•"/>
+            </a:pPr>
+            <a:r>
+              <a:rPr lang="en-US" dirty="0" smtClean="0">
+                <a:solidFill>
+                  <a:schemeClr val="accent1">
+                    <a:lumMod val="50000"/>
+                  </a:schemeClr>
+                </a:solidFill>
+              </a:rPr>
+              <a:t>median</a:t>
+            </a:r>
+          </a:p>
+          <a:p>
+            <a:pPr marL="285750" indent="-285750">
+              <a:buFont typeface="Arial" panose="020B0604020202020204" pitchFamily="34" charset="0"/>
+              <a:buChar char="•"/>
+            </a:pPr>
+            <a:r>
+              <a:rPr lang="en-US" dirty="0" smtClean="0">
+                <a:solidFill>
+                  <a:schemeClr val="accent1">
+                    <a:lumMod val="50000"/>
+                  </a:schemeClr>
+                </a:solidFill>
+              </a:rPr>
+              <a:t>slope</a:t>
+            </a:r>
+            <a:endParaRPr lang="en-US" dirty="0">
+              <a:solidFill>
+                <a:schemeClr val="accent1">
+                  <a:lumMod val="50000"/>
+                </a:schemeClr>
+              </a:solidFill>
+            </a:endParaRPr>
+          </a:p>
+        </p:txBody>
+      </p:sp>
+      <p:cxnSp>
+        <p:nvCxnSpPr>
+          <p:cNvPr id="47" name="Straight Arrow Connector 46"/>
+          <p:cNvCxnSpPr>
+            <a:stCxn id="46" idx="3"/>
+          </p:cNvCxnSpPr>
+          <p:nvPr/>
+        </p:nvCxnSpPr>
+        <p:spPr>
+          <a:xfrm>
+            <a:off x="1465962" y="1238250"/>
+            <a:ext cx="1195589" cy="0"/>
+          </a:xfrm>
+          <a:prstGeom prst="straightConnector1">
+            <a:avLst/>
+          </a:prstGeom>
+          <a:ln w="15875">
+            <a:tailEnd type="triangle"/>
+          </a:ln>
+        </p:spPr>
+        <p:style>
+          <a:lnRef idx="1">
+            <a:schemeClr val="accent1"/>
+          </a:lnRef>
+          <a:fillRef idx="0">
+            <a:schemeClr val="accent1"/>
+          </a:fillRef>
+          <a:effectRef idx="0">
+            <a:schemeClr val="accent1"/>
+          </a:effectRef>
+          <a:fontRef idx="minor">
+            <a:schemeClr val="tx1"/>
+          </a:fontRef>
+        </p:style>
+      </p:cxnSp>
+      <p:sp>
+        <p:nvSpPr>
+          <p:cNvPr id="49" name="TextBox 48"/>
+          <p:cNvSpPr txBox="1"/>
+          <p:nvPr/>
+        </p:nvSpPr>
+        <p:spPr>
+          <a:xfrm>
+            <a:off x="1405580" y="944268"/>
+            <a:ext cx="1443753" cy="307777"/>
+          </a:xfrm>
+          <a:prstGeom prst="rect">
+            <a:avLst/>
+          </a:prstGeom>
+          <a:noFill/>
+        </p:spPr>
+        <p:txBody>
+          <a:bodyPr wrap="square" rtlCol="0">
+            <a:spAutoFit/>
+          </a:bodyPr>
+          <a:lstStyle/>
+          <a:p>
+            <a:r>
+              <a:rPr lang="en-US" sz="1400" dirty="0">
+                <a:solidFill>
+                  <a:schemeClr val="accent1">
+                    <a:lumMod val="50000"/>
+                  </a:schemeClr>
+                </a:solidFill>
+              </a:rPr>
+              <a:t>m</a:t>
+            </a:r>
+            <a:r>
+              <a:rPr lang="en-US" sz="1400" dirty="0" smtClean="0">
+                <a:solidFill>
+                  <a:schemeClr val="accent1">
+                    <a:lumMod val="50000"/>
+                  </a:schemeClr>
+                </a:solidFill>
+              </a:rPr>
+              <a:t>ethods::new</a:t>
+            </a:r>
+            <a:r>
+              <a:rPr lang="en-US" sz="1400" dirty="0" smtClean="0">
+                <a:solidFill>
+                  <a:schemeClr val="accent1">
+                    <a:lumMod val="50000"/>
+                  </a:schemeClr>
+                </a:solidFill>
+              </a:rPr>
+              <a:t>()</a:t>
+            </a:r>
+            <a:endParaRPr lang="en-US" sz="1400" dirty="0">
+              <a:solidFill>
+                <a:schemeClr val="accent1">
+                  <a:lumMod val="50000"/>
+                </a:schemeClr>
+              </a:solidFill>
+            </a:endParaRPr>
+          </a:p>
+        </p:txBody>
+      </p:sp>
+      <p:sp>
+        <p:nvSpPr>
+          <p:cNvPr id="52" name="TextBox 51"/>
+          <p:cNvSpPr txBox="1"/>
+          <p:nvPr/>
+        </p:nvSpPr>
+        <p:spPr>
+          <a:xfrm>
+            <a:off x="630323" y="3471935"/>
+            <a:ext cx="1792926" cy="646331"/>
+          </a:xfrm>
+          <a:prstGeom prst="rect">
+            <a:avLst/>
+          </a:prstGeom>
+          <a:noFill/>
+        </p:spPr>
+        <p:txBody>
+          <a:bodyPr wrap="square" rtlCol="0">
+            <a:spAutoFit/>
+          </a:bodyPr>
+          <a:lstStyle/>
+          <a:p>
+            <a:r>
+              <a:rPr lang="en-US" dirty="0" smtClean="0">
+                <a:solidFill>
+                  <a:schemeClr val="accent2">
+                    <a:lumMod val="75000"/>
+                  </a:schemeClr>
+                </a:solidFill>
+              </a:rPr>
+              <a:t>shared pointer: </a:t>
+            </a:r>
+            <a:r>
+              <a:rPr lang="en-US" dirty="0" smtClean="0">
+                <a:solidFill>
+                  <a:schemeClr val="accent2">
+                    <a:lumMod val="75000"/>
+                  </a:schemeClr>
+                </a:solidFill>
+              </a:rPr>
+              <a:t>maturity</a:t>
+            </a:r>
+            <a:endParaRPr lang="en-US" dirty="0" smtClean="0">
+              <a:solidFill>
+                <a:schemeClr val="accent2">
+                  <a:lumMod val="75000"/>
+                </a:schemeClr>
+              </a:solidFill>
+            </a:endParaRPr>
+          </a:p>
+        </p:txBody>
+      </p:sp>
+      <p:cxnSp>
+        <p:nvCxnSpPr>
+          <p:cNvPr id="53" name="Elbow Connector 52"/>
+          <p:cNvCxnSpPr/>
+          <p:nvPr/>
+        </p:nvCxnSpPr>
+        <p:spPr>
+          <a:xfrm flipV="1">
+            <a:off x="5282986" y="2710982"/>
+            <a:ext cx="4300961" cy="718018"/>
+          </a:xfrm>
+          <a:prstGeom prst="bentConnector3">
+            <a:avLst>
+              <a:gd name="adj1" fmla="val 99942"/>
+            </a:avLst>
+          </a:prstGeom>
+          <a:ln w="15875">
+            <a:solidFill>
+              <a:schemeClr val="accent2">
+                <a:lumMod val="75000"/>
+              </a:schemeClr>
+            </a:solidFill>
+            <a:tailEnd type="triangle"/>
+          </a:ln>
+        </p:spPr>
+        <p:style>
+          <a:lnRef idx="1">
+            <a:schemeClr val="dk1"/>
+          </a:lnRef>
+          <a:fillRef idx="0">
+            <a:schemeClr val="dk1"/>
+          </a:fillRef>
+          <a:effectRef idx="0">
+            <a:schemeClr val="dk1"/>
+          </a:effectRef>
+          <a:fontRef idx="minor">
+            <a:schemeClr val="tx1"/>
+          </a:fontRef>
+        </p:style>
+      </p:cxnSp>
+      <p:sp>
+        <p:nvSpPr>
+          <p:cNvPr id="55" name="TextBox 54"/>
+          <p:cNvSpPr txBox="1"/>
+          <p:nvPr/>
+        </p:nvSpPr>
+        <p:spPr>
+          <a:xfrm>
+            <a:off x="5365738" y="3070160"/>
+            <a:ext cx="4200955" cy="338554"/>
+          </a:xfrm>
+          <a:prstGeom prst="rect">
+            <a:avLst/>
+          </a:prstGeom>
+          <a:noFill/>
+        </p:spPr>
+        <p:txBody>
+          <a:bodyPr wrap="square" rtlCol="0">
+            <a:spAutoFit/>
+          </a:bodyPr>
+          <a:lstStyle/>
+          <a:p>
+            <a:r>
+              <a:rPr lang="en-US" sz="1600" dirty="0" smtClean="0">
+                <a:solidFill>
+                  <a:schemeClr val="accent2">
+                    <a:lumMod val="75000"/>
+                  </a:schemeClr>
+                </a:solidFill>
+              </a:rPr>
+              <a:t>info</a:t>
+            </a:r>
+            <a:r>
+              <a:rPr lang="en-US" sz="1600" dirty="0" smtClean="0">
+                <a:solidFill>
+                  <a:schemeClr val="accent2">
+                    <a:lumMod val="75000"/>
+                  </a:schemeClr>
+                </a:solidFill>
+              </a:rPr>
+              <a:t>-&gt;</a:t>
+            </a:r>
+            <a:r>
+              <a:rPr lang="en-US" sz="1600" dirty="0" err="1" smtClean="0">
+                <a:solidFill>
+                  <a:schemeClr val="accent2">
+                    <a:lumMod val="75000"/>
+                  </a:schemeClr>
+                </a:solidFill>
+              </a:rPr>
+              <a:t>maturity_models</a:t>
+            </a:r>
+            <a:r>
+              <a:rPr lang="en-US" sz="1600" dirty="0" smtClean="0">
+                <a:solidFill>
+                  <a:schemeClr val="accent2">
+                    <a:lumMod val="75000"/>
+                  </a:schemeClr>
+                </a:solidFill>
+              </a:rPr>
+              <a:t>[maturity-</a:t>
+            </a:r>
+            <a:r>
+              <a:rPr lang="en-US" sz="1600" dirty="0">
+                <a:solidFill>
+                  <a:schemeClr val="accent2">
+                    <a:lumMod val="75000"/>
+                  </a:schemeClr>
+                </a:solidFill>
+              </a:rPr>
+              <a:t>&gt;id] = </a:t>
+            </a:r>
+            <a:r>
+              <a:rPr lang="en-US" sz="1600" dirty="0" smtClean="0">
+                <a:solidFill>
+                  <a:schemeClr val="accent2">
+                    <a:lumMod val="75000"/>
+                  </a:schemeClr>
+                </a:solidFill>
+              </a:rPr>
+              <a:t>maturity</a:t>
+            </a:r>
+            <a:r>
+              <a:rPr lang="en-US" sz="1600" dirty="0" smtClean="0">
+                <a:solidFill>
+                  <a:schemeClr val="accent2">
+                    <a:lumMod val="75000"/>
+                  </a:schemeClr>
+                </a:solidFill>
+              </a:rPr>
+              <a:t>;</a:t>
+            </a:r>
+            <a:endParaRPr lang="en-US" sz="1600" dirty="0">
+              <a:solidFill>
+                <a:schemeClr val="accent2">
+                  <a:lumMod val="75000"/>
+                </a:schemeClr>
+              </a:solidFill>
+            </a:endParaRPr>
           </a:p>
         </p:txBody>
       </p:sp>
